--- a/Offline/BusinessManagement/Teach_Tech@anodiam/IT/CourseMaterials/MySQL/MySQL.pptx
+++ b/Offline/BusinessManagement/Teach_Tech@anodiam/IT/CourseMaterials/MySQL/MySQL.pptx
@@ -2,22 +2,23 @@
 <file path=ppt/presentation.xml><?xml version="1.0" encoding="utf-8"?>
 <p:presentation xmlns:a="http://schemas.openxmlformats.org/drawingml/2006/main" xmlns:r="http://schemas.openxmlformats.org/officeDocument/2006/relationships" xmlns:p="http://schemas.openxmlformats.org/presentationml/2006/main" saveSubsetFonts="1">
   <p:sldMasterIdLst>
-    <p:sldMasterId id="2147483648" r:id="rId1"/>
+    <p:sldMasterId id="2147483660" r:id="rId1"/>
   </p:sldMasterIdLst>
   <p:notesMasterIdLst>
-    <p:notesMasterId r:id="rId4"/>
+    <p:notesMasterId r:id="rId5"/>
   </p:notesMasterIdLst>
   <p:sldIdLst>
     <p:sldId id="259" r:id="rId2"/>
     <p:sldId id="260" r:id="rId3"/>
+    <p:sldId id="261" r:id="rId4"/>
   </p:sldIdLst>
-  <p:sldSz cx="12192000" cy="6858000"/>
+  <p:sldSz cx="12192000" cy="7218363"/>
   <p:notesSz cx="6858000" cy="9144000"/>
   <p:defaultTextStyle>
     <a:defPPr>
       <a:defRPr lang="en-US"/>
     </a:defPPr>
-    <a:lvl1pPr marL="0" algn="l" defTabSz="914400" rtl="0" eaLnBrk="1" latinLnBrk="0" hangingPunct="1">
+    <a:lvl1pPr marL="0" algn="l" defTabSz="457200" rtl="0" eaLnBrk="1" latinLnBrk="0" hangingPunct="1">
       <a:defRPr sz="1800" kern="1200">
         <a:solidFill>
           <a:schemeClr val="tx1"/>
@@ -27,7 +28,7 @@
         <a:cs typeface="+mn-cs"/>
       </a:defRPr>
     </a:lvl1pPr>
-    <a:lvl2pPr marL="457200" algn="l" defTabSz="914400" rtl="0" eaLnBrk="1" latinLnBrk="0" hangingPunct="1">
+    <a:lvl2pPr marL="457200" algn="l" defTabSz="457200" rtl="0" eaLnBrk="1" latinLnBrk="0" hangingPunct="1">
       <a:defRPr sz="1800" kern="1200">
         <a:solidFill>
           <a:schemeClr val="tx1"/>
@@ -37,7 +38,7 @@
         <a:cs typeface="+mn-cs"/>
       </a:defRPr>
     </a:lvl2pPr>
-    <a:lvl3pPr marL="914400" algn="l" defTabSz="914400" rtl="0" eaLnBrk="1" latinLnBrk="0" hangingPunct="1">
+    <a:lvl3pPr marL="914400" algn="l" defTabSz="457200" rtl="0" eaLnBrk="1" latinLnBrk="0" hangingPunct="1">
       <a:defRPr sz="1800" kern="1200">
         <a:solidFill>
           <a:schemeClr val="tx1"/>
@@ -47,7 +48,7 @@
         <a:cs typeface="+mn-cs"/>
       </a:defRPr>
     </a:lvl3pPr>
-    <a:lvl4pPr marL="1371600" algn="l" defTabSz="914400" rtl="0" eaLnBrk="1" latinLnBrk="0" hangingPunct="1">
+    <a:lvl4pPr marL="1371600" algn="l" defTabSz="457200" rtl="0" eaLnBrk="1" latinLnBrk="0" hangingPunct="1">
       <a:defRPr sz="1800" kern="1200">
         <a:solidFill>
           <a:schemeClr val="tx1"/>
@@ -57,7 +58,7 @@
         <a:cs typeface="+mn-cs"/>
       </a:defRPr>
     </a:lvl4pPr>
-    <a:lvl5pPr marL="1828800" algn="l" defTabSz="914400" rtl="0" eaLnBrk="1" latinLnBrk="0" hangingPunct="1">
+    <a:lvl5pPr marL="1828800" algn="l" defTabSz="457200" rtl="0" eaLnBrk="1" latinLnBrk="0" hangingPunct="1">
       <a:defRPr sz="1800" kern="1200">
         <a:solidFill>
           <a:schemeClr val="tx1"/>
@@ -67,7 +68,7 @@
         <a:cs typeface="+mn-cs"/>
       </a:defRPr>
     </a:lvl5pPr>
-    <a:lvl6pPr marL="2286000" algn="l" defTabSz="914400" rtl="0" eaLnBrk="1" latinLnBrk="0" hangingPunct="1">
+    <a:lvl6pPr marL="2286000" algn="l" defTabSz="457200" rtl="0" eaLnBrk="1" latinLnBrk="0" hangingPunct="1">
       <a:defRPr sz="1800" kern="1200">
         <a:solidFill>
           <a:schemeClr val="tx1"/>
@@ -77,7 +78,7 @@
         <a:cs typeface="+mn-cs"/>
       </a:defRPr>
     </a:lvl6pPr>
-    <a:lvl7pPr marL="2743200" algn="l" defTabSz="914400" rtl="0" eaLnBrk="1" latinLnBrk="0" hangingPunct="1">
+    <a:lvl7pPr marL="2743200" algn="l" defTabSz="457200" rtl="0" eaLnBrk="1" latinLnBrk="0" hangingPunct="1">
       <a:defRPr sz="1800" kern="1200">
         <a:solidFill>
           <a:schemeClr val="tx1"/>
@@ -87,7 +88,7 @@
         <a:cs typeface="+mn-cs"/>
       </a:defRPr>
     </a:lvl7pPr>
-    <a:lvl8pPr marL="3200400" algn="l" defTabSz="914400" rtl="0" eaLnBrk="1" latinLnBrk="0" hangingPunct="1">
+    <a:lvl8pPr marL="3200400" algn="l" defTabSz="457200" rtl="0" eaLnBrk="1" latinLnBrk="0" hangingPunct="1">
       <a:defRPr sz="1800" kern="1200">
         <a:solidFill>
           <a:schemeClr val="tx1"/>
@@ -97,7 +98,7 @@
         <a:cs typeface="+mn-cs"/>
       </a:defRPr>
     </a:lvl8pPr>
-    <a:lvl9pPr marL="3657600" algn="l" defTabSz="914400" rtl="0" eaLnBrk="1" latinLnBrk="0" hangingPunct="1">
+    <a:lvl9pPr marL="3657600" algn="l" defTabSz="457200" rtl="0" eaLnBrk="1" latinLnBrk="0" hangingPunct="1">
       <a:defRPr sz="1800" kern="1200">
         <a:solidFill>
           <a:schemeClr val="tx1"/>
@@ -216,8 +217,8 @@
         </p:nvSpPr>
         <p:spPr>
           <a:xfrm>
-            <a:off x="685800" y="1143000"/>
-            <a:ext cx="5486400" cy="3086100"/>
+            <a:off x="822325" y="1143000"/>
+            <a:ext cx="5213350" cy="3086100"/>
           </a:xfrm>
           <a:prstGeom prst="rect">
             <a:avLst/>
@@ -485,13 +486,7 @@
       </p:grpSpPr>
       <p:sp>
         <p:nvSpPr>
-          <p:cNvPr id="2" name="Title 1">
-            <a:extLst>
-              <a:ext uri="{FF2B5EF4-FFF2-40B4-BE49-F238E27FC236}">
-                <a16:creationId xmlns:a16="http://schemas.microsoft.com/office/drawing/2014/main" id="{920CC966-701D-CCF5-AA19-13C4F4A4F3CF}"/>
-              </a:ext>
-            </a:extLst>
-          </p:cNvPr>
+          <p:cNvPr id="2" name="Title 1"/>
           <p:cNvSpPr>
             <a:spLocks noGrp="1"/>
           </p:cNvSpPr>
@@ -501,8 +496,8 @@
         </p:nvSpPr>
         <p:spPr>
           <a:xfrm>
-            <a:off x="1524000" y="1122363"/>
-            <a:ext cx="9144000" cy="2387600"/>
+            <a:off x="1524000" y="1181339"/>
+            <a:ext cx="9144000" cy="2513060"/>
           </a:xfrm>
         </p:spPr>
         <p:txBody>
@@ -517,19 +512,13 @@
               <a:rPr lang="en-US"/>
               <a:t>Click to edit Master title style</a:t>
             </a:r>
-            <a:endParaRPr lang="en-IN"/>
-          </a:p>
-        </p:txBody>
-      </p:sp>
-      <p:sp>
-        <p:nvSpPr>
-          <p:cNvPr id="3" name="Subtitle 2">
-            <a:extLst>
-              <a:ext uri="{FF2B5EF4-FFF2-40B4-BE49-F238E27FC236}">
-                <a16:creationId xmlns:a16="http://schemas.microsoft.com/office/drawing/2014/main" id="{F798F6ED-EA82-12BC-565E-1CE91199FBAC}"/>
-              </a:ext>
-            </a:extLst>
-          </p:cNvPr>
+            <a:endParaRPr lang="en-US" dirty="0"/>
+          </a:p>
+        </p:txBody>
+      </p:sp>
+      <p:sp>
+        <p:nvSpPr>
+          <p:cNvPr id="3" name="Subtitle 2"/>
           <p:cNvSpPr>
             <a:spLocks noGrp="1"/>
           </p:cNvSpPr>
@@ -539,8 +528,8 @@
         </p:nvSpPr>
         <p:spPr>
           <a:xfrm>
-            <a:off x="1524000" y="3602038"/>
-            <a:ext cx="9144000" cy="1655762"/>
+            <a:off x="1524000" y="3791312"/>
+            <a:ext cx="9144000" cy="1742766"/>
           </a:xfrm>
         </p:spPr>
         <p:txBody>
@@ -588,19 +577,13 @@
               <a:rPr lang="en-US"/>
               <a:t>Click to edit Master subtitle style</a:t>
             </a:r>
-            <a:endParaRPr lang="en-IN"/>
-          </a:p>
-        </p:txBody>
-      </p:sp>
-      <p:sp>
-        <p:nvSpPr>
-          <p:cNvPr id="4" name="Date Placeholder 3">
-            <a:extLst>
-              <a:ext uri="{FF2B5EF4-FFF2-40B4-BE49-F238E27FC236}">
-                <a16:creationId xmlns:a16="http://schemas.microsoft.com/office/drawing/2014/main" id="{DF02A626-1CB6-7BA0-AF9B-6945F99A3805}"/>
-              </a:ext>
-            </a:extLst>
-          </p:cNvPr>
+            <a:endParaRPr lang="en-US" dirty="0"/>
+          </a:p>
+        </p:txBody>
+      </p:sp>
+      <p:sp>
+        <p:nvSpPr>
+          <p:cNvPr id="4" name="Date Placeholder 3"/>
           <p:cNvSpPr>
             <a:spLocks noGrp="1"/>
           </p:cNvSpPr>
@@ -623,13 +606,7 @@
       </p:sp>
       <p:sp>
         <p:nvSpPr>
-          <p:cNvPr id="5" name="Footer Placeholder 4">
-            <a:extLst>
-              <a:ext uri="{FF2B5EF4-FFF2-40B4-BE49-F238E27FC236}">
-                <a16:creationId xmlns:a16="http://schemas.microsoft.com/office/drawing/2014/main" id="{9736BBD8-5097-D352-F016-55791DA12BC7}"/>
-              </a:ext>
-            </a:extLst>
-          </p:cNvPr>
+          <p:cNvPr id="5" name="Footer Placeholder 4"/>
           <p:cNvSpPr>
             <a:spLocks noGrp="1"/>
           </p:cNvSpPr>
@@ -648,13 +625,7 @@
       </p:sp>
       <p:sp>
         <p:nvSpPr>
-          <p:cNvPr id="6" name="Slide Number Placeholder 5">
-            <a:extLst>
-              <a:ext uri="{FF2B5EF4-FFF2-40B4-BE49-F238E27FC236}">
-                <a16:creationId xmlns:a16="http://schemas.microsoft.com/office/drawing/2014/main" id="{FDB1331F-96A8-D97C-D736-DC99F96CF53B}"/>
-              </a:ext>
-            </a:extLst>
-          </p:cNvPr>
+          <p:cNvPr id="6" name="Slide Number Placeholder 5"/>
           <p:cNvSpPr>
             <a:spLocks noGrp="1"/>
           </p:cNvSpPr>
@@ -678,7 +649,7 @@
     </p:spTree>
     <p:extLst>
       <p:ext uri="{BB962C8B-B14F-4D97-AF65-F5344CB8AC3E}">
-        <p14:creationId xmlns:p14="http://schemas.microsoft.com/office/powerpoint/2010/main" val="2790869870"/>
+        <p14:creationId xmlns:p14="http://schemas.microsoft.com/office/powerpoint/2010/main" val="490733599"/>
       </p:ext>
     </p:extLst>
   </p:cSld>
@@ -707,13 +678,7 @@
       </p:grpSpPr>
       <p:sp>
         <p:nvSpPr>
-          <p:cNvPr id="2" name="Title 1">
-            <a:extLst>
-              <a:ext uri="{FF2B5EF4-FFF2-40B4-BE49-F238E27FC236}">
-                <a16:creationId xmlns:a16="http://schemas.microsoft.com/office/drawing/2014/main" id="{CFC6786F-676B-2FA7-C203-1C9FD2CAEAB8}"/>
-              </a:ext>
-            </a:extLst>
-          </p:cNvPr>
+          <p:cNvPr id="2" name="Title 1"/>
           <p:cNvSpPr>
             <a:spLocks noGrp="1"/>
           </p:cNvSpPr>
@@ -730,19 +695,13 @@
               <a:rPr lang="en-US"/>
               <a:t>Click to edit Master title style</a:t>
             </a:r>
-            <a:endParaRPr lang="en-IN"/>
-          </a:p>
-        </p:txBody>
-      </p:sp>
-      <p:sp>
-        <p:nvSpPr>
-          <p:cNvPr id="3" name="Vertical Text Placeholder 2">
-            <a:extLst>
-              <a:ext uri="{FF2B5EF4-FFF2-40B4-BE49-F238E27FC236}">
-                <a16:creationId xmlns:a16="http://schemas.microsoft.com/office/drawing/2014/main" id="{8E4A3051-142A-5288-2AF3-F3EF741AEC18}"/>
-              </a:ext>
-            </a:extLst>
-          </p:cNvPr>
+            <a:endParaRPr lang="en-US" dirty="0"/>
+          </a:p>
+        </p:txBody>
+      </p:sp>
+      <p:sp>
+        <p:nvSpPr>
+          <p:cNvPr id="3" name="Vertical Text Placeholder 2"/>
           <p:cNvSpPr>
             <a:spLocks noGrp="1"/>
           </p:cNvSpPr>
@@ -788,19 +747,13 @@
               <a:rPr lang="en-US"/>
               <a:t>Fifth level</a:t>
             </a:r>
-            <a:endParaRPr lang="en-IN"/>
-          </a:p>
-        </p:txBody>
-      </p:sp>
-      <p:sp>
-        <p:nvSpPr>
-          <p:cNvPr id="4" name="Date Placeholder 3">
-            <a:extLst>
-              <a:ext uri="{FF2B5EF4-FFF2-40B4-BE49-F238E27FC236}">
-                <a16:creationId xmlns:a16="http://schemas.microsoft.com/office/drawing/2014/main" id="{35FDCBF7-AC68-DA5B-A237-CB899226993A}"/>
-              </a:ext>
-            </a:extLst>
-          </p:cNvPr>
+            <a:endParaRPr lang="en-US" dirty="0"/>
+          </a:p>
+        </p:txBody>
+      </p:sp>
+      <p:sp>
+        <p:nvSpPr>
+          <p:cNvPr id="4" name="Date Placeholder 3"/>
           <p:cNvSpPr>
             <a:spLocks noGrp="1"/>
           </p:cNvSpPr>
@@ -823,13 +776,7 @@
       </p:sp>
       <p:sp>
         <p:nvSpPr>
-          <p:cNvPr id="5" name="Footer Placeholder 4">
-            <a:extLst>
-              <a:ext uri="{FF2B5EF4-FFF2-40B4-BE49-F238E27FC236}">
-                <a16:creationId xmlns:a16="http://schemas.microsoft.com/office/drawing/2014/main" id="{EA8E48DA-189D-B711-92C8-65FB0CBBBAA7}"/>
-              </a:ext>
-            </a:extLst>
-          </p:cNvPr>
+          <p:cNvPr id="5" name="Footer Placeholder 4"/>
           <p:cNvSpPr>
             <a:spLocks noGrp="1"/>
           </p:cNvSpPr>
@@ -848,13 +795,7 @@
       </p:sp>
       <p:sp>
         <p:nvSpPr>
-          <p:cNvPr id="6" name="Slide Number Placeholder 5">
-            <a:extLst>
-              <a:ext uri="{FF2B5EF4-FFF2-40B4-BE49-F238E27FC236}">
-                <a16:creationId xmlns:a16="http://schemas.microsoft.com/office/drawing/2014/main" id="{B5CFE988-A33F-A848-6D15-79C60B592B70}"/>
-              </a:ext>
-            </a:extLst>
-          </p:cNvPr>
+          <p:cNvPr id="6" name="Slide Number Placeholder 5"/>
           <p:cNvSpPr>
             <a:spLocks noGrp="1"/>
           </p:cNvSpPr>
@@ -878,7 +819,7 @@
     </p:spTree>
     <p:extLst>
       <p:ext uri="{BB962C8B-B14F-4D97-AF65-F5344CB8AC3E}">
-        <p14:creationId xmlns:p14="http://schemas.microsoft.com/office/powerpoint/2010/main" val="100683703"/>
+        <p14:creationId xmlns:p14="http://schemas.microsoft.com/office/powerpoint/2010/main" val="3747352942"/>
       </p:ext>
     </p:extLst>
   </p:cSld>
@@ -907,13 +848,7 @@
       </p:grpSpPr>
       <p:sp>
         <p:nvSpPr>
-          <p:cNvPr id="2" name="Vertical Title 1">
-            <a:extLst>
-              <a:ext uri="{FF2B5EF4-FFF2-40B4-BE49-F238E27FC236}">
-                <a16:creationId xmlns:a16="http://schemas.microsoft.com/office/drawing/2014/main" id="{96B90F2F-E0F0-A149-556E-516173B8F407}"/>
-              </a:ext>
-            </a:extLst>
-          </p:cNvPr>
+          <p:cNvPr id="2" name="Vertical Title 1"/>
           <p:cNvSpPr>
             <a:spLocks noGrp="1"/>
           </p:cNvSpPr>
@@ -923,8 +858,8 @@
         </p:nvSpPr>
         <p:spPr>
           <a:xfrm>
-            <a:off x="8724900" y="365125"/>
-            <a:ext cx="2628900" cy="5811838"/>
+            <a:off x="8724900" y="384311"/>
+            <a:ext cx="2628900" cy="6117229"/>
           </a:xfrm>
         </p:spPr>
         <p:txBody>
@@ -935,19 +870,13 @@
               <a:rPr lang="en-US"/>
               <a:t>Click to edit Master title style</a:t>
             </a:r>
-            <a:endParaRPr lang="en-IN"/>
-          </a:p>
-        </p:txBody>
-      </p:sp>
-      <p:sp>
-        <p:nvSpPr>
-          <p:cNvPr id="3" name="Vertical Text Placeholder 2">
-            <a:extLst>
-              <a:ext uri="{FF2B5EF4-FFF2-40B4-BE49-F238E27FC236}">
-                <a16:creationId xmlns:a16="http://schemas.microsoft.com/office/drawing/2014/main" id="{DCE0996D-0E0C-7B3A-E00A-18C374FE8CDB}"/>
-              </a:ext>
-            </a:extLst>
-          </p:cNvPr>
+            <a:endParaRPr lang="en-US" dirty="0"/>
+          </a:p>
+        </p:txBody>
+      </p:sp>
+      <p:sp>
+        <p:nvSpPr>
+          <p:cNvPr id="3" name="Vertical Text Placeholder 2"/>
           <p:cNvSpPr>
             <a:spLocks noGrp="1"/>
           </p:cNvSpPr>
@@ -957,8 +886,8 @@
         </p:nvSpPr>
         <p:spPr>
           <a:xfrm>
-            <a:off x="838200" y="365125"/>
-            <a:ext cx="7734300" cy="5811838"/>
+            <a:off x="838200" y="384311"/>
+            <a:ext cx="7734300" cy="6117229"/>
           </a:xfrm>
         </p:spPr>
         <p:txBody>
@@ -998,19 +927,13 @@
               <a:rPr lang="en-US"/>
               <a:t>Fifth level</a:t>
             </a:r>
-            <a:endParaRPr lang="en-IN"/>
-          </a:p>
-        </p:txBody>
-      </p:sp>
-      <p:sp>
-        <p:nvSpPr>
-          <p:cNvPr id="4" name="Date Placeholder 3">
-            <a:extLst>
-              <a:ext uri="{FF2B5EF4-FFF2-40B4-BE49-F238E27FC236}">
-                <a16:creationId xmlns:a16="http://schemas.microsoft.com/office/drawing/2014/main" id="{1311614C-329B-C278-BACA-4D5087D2011C}"/>
-              </a:ext>
-            </a:extLst>
-          </p:cNvPr>
+            <a:endParaRPr lang="en-US" dirty="0"/>
+          </a:p>
+        </p:txBody>
+      </p:sp>
+      <p:sp>
+        <p:nvSpPr>
+          <p:cNvPr id="4" name="Date Placeholder 3"/>
           <p:cNvSpPr>
             <a:spLocks noGrp="1"/>
           </p:cNvSpPr>
@@ -1033,13 +956,7 @@
       </p:sp>
       <p:sp>
         <p:nvSpPr>
-          <p:cNvPr id="5" name="Footer Placeholder 4">
-            <a:extLst>
-              <a:ext uri="{FF2B5EF4-FFF2-40B4-BE49-F238E27FC236}">
-                <a16:creationId xmlns:a16="http://schemas.microsoft.com/office/drawing/2014/main" id="{E2475F54-94E3-37F2-D92F-944B69039F59}"/>
-              </a:ext>
-            </a:extLst>
-          </p:cNvPr>
+          <p:cNvPr id="5" name="Footer Placeholder 4"/>
           <p:cNvSpPr>
             <a:spLocks noGrp="1"/>
           </p:cNvSpPr>
@@ -1058,13 +975,7 @@
       </p:sp>
       <p:sp>
         <p:nvSpPr>
-          <p:cNvPr id="6" name="Slide Number Placeholder 5">
-            <a:extLst>
-              <a:ext uri="{FF2B5EF4-FFF2-40B4-BE49-F238E27FC236}">
-                <a16:creationId xmlns:a16="http://schemas.microsoft.com/office/drawing/2014/main" id="{37F559BC-7C4E-FA63-48CE-E42F402DD953}"/>
-              </a:ext>
-            </a:extLst>
-          </p:cNvPr>
+          <p:cNvPr id="6" name="Slide Number Placeholder 5"/>
           <p:cNvSpPr>
             <a:spLocks noGrp="1"/>
           </p:cNvSpPr>
@@ -1088,7 +999,7 @@
     </p:spTree>
     <p:extLst>
       <p:ext uri="{BB962C8B-B14F-4D97-AF65-F5344CB8AC3E}">
-        <p14:creationId xmlns:p14="http://schemas.microsoft.com/office/powerpoint/2010/main" val="1888863254"/>
+        <p14:creationId xmlns:p14="http://schemas.microsoft.com/office/powerpoint/2010/main" val="1566528382"/>
       </p:ext>
     </p:extLst>
   </p:cSld>
@@ -1117,13 +1028,7 @@
       </p:grpSpPr>
       <p:sp>
         <p:nvSpPr>
-          <p:cNvPr id="2" name="Title 1">
-            <a:extLst>
-              <a:ext uri="{FF2B5EF4-FFF2-40B4-BE49-F238E27FC236}">
-                <a16:creationId xmlns:a16="http://schemas.microsoft.com/office/drawing/2014/main" id="{E23BC93C-5298-9D70-561E-E791007B6E09}"/>
-              </a:ext>
-            </a:extLst>
-          </p:cNvPr>
+          <p:cNvPr id="2" name="Title 1"/>
           <p:cNvSpPr>
             <a:spLocks noGrp="1"/>
           </p:cNvSpPr>
@@ -1140,19 +1045,13 @@
               <a:rPr lang="en-US"/>
               <a:t>Click to edit Master title style</a:t>
             </a:r>
-            <a:endParaRPr lang="en-IN"/>
-          </a:p>
-        </p:txBody>
-      </p:sp>
-      <p:sp>
-        <p:nvSpPr>
-          <p:cNvPr id="3" name="Content Placeholder 2">
-            <a:extLst>
-              <a:ext uri="{FF2B5EF4-FFF2-40B4-BE49-F238E27FC236}">
-                <a16:creationId xmlns:a16="http://schemas.microsoft.com/office/drawing/2014/main" id="{FB2793A6-EEAE-0BDF-32A7-70E0157EA1C8}"/>
-              </a:ext>
-            </a:extLst>
-          </p:cNvPr>
+            <a:endParaRPr lang="en-US" dirty="0"/>
+          </a:p>
+        </p:txBody>
+      </p:sp>
+      <p:sp>
+        <p:nvSpPr>
+          <p:cNvPr id="3" name="Content Placeholder 2"/>
           <p:cNvSpPr>
             <a:spLocks noGrp="1"/>
           </p:cNvSpPr>
@@ -1198,19 +1097,13 @@
               <a:rPr lang="en-US"/>
               <a:t>Fifth level</a:t>
             </a:r>
-            <a:endParaRPr lang="en-IN"/>
-          </a:p>
-        </p:txBody>
-      </p:sp>
-      <p:sp>
-        <p:nvSpPr>
-          <p:cNvPr id="4" name="Date Placeholder 3">
-            <a:extLst>
-              <a:ext uri="{FF2B5EF4-FFF2-40B4-BE49-F238E27FC236}">
-                <a16:creationId xmlns:a16="http://schemas.microsoft.com/office/drawing/2014/main" id="{62CB391A-D822-437C-1475-B07DFF353429}"/>
-              </a:ext>
-            </a:extLst>
-          </p:cNvPr>
+            <a:endParaRPr lang="en-US" dirty="0"/>
+          </a:p>
+        </p:txBody>
+      </p:sp>
+      <p:sp>
+        <p:nvSpPr>
+          <p:cNvPr id="4" name="Date Placeholder 3"/>
           <p:cNvSpPr>
             <a:spLocks noGrp="1"/>
           </p:cNvSpPr>
@@ -1233,13 +1126,7 @@
       </p:sp>
       <p:sp>
         <p:nvSpPr>
-          <p:cNvPr id="5" name="Footer Placeholder 4">
-            <a:extLst>
-              <a:ext uri="{FF2B5EF4-FFF2-40B4-BE49-F238E27FC236}">
-                <a16:creationId xmlns:a16="http://schemas.microsoft.com/office/drawing/2014/main" id="{4ABFE0D6-D0AE-929D-8AE8-7B943535A97F}"/>
-              </a:ext>
-            </a:extLst>
-          </p:cNvPr>
+          <p:cNvPr id="5" name="Footer Placeholder 4"/>
           <p:cNvSpPr>
             <a:spLocks noGrp="1"/>
           </p:cNvSpPr>
@@ -1258,13 +1145,7 @@
       </p:sp>
       <p:sp>
         <p:nvSpPr>
-          <p:cNvPr id="6" name="Slide Number Placeholder 5">
-            <a:extLst>
-              <a:ext uri="{FF2B5EF4-FFF2-40B4-BE49-F238E27FC236}">
-                <a16:creationId xmlns:a16="http://schemas.microsoft.com/office/drawing/2014/main" id="{ECCD7E6E-DF51-9D7C-6F25-9007648DEEF9}"/>
-              </a:ext>
-            </a:extLst>
-          </p:cNvPr>
+          <p:cNvPr id="6" name="Slide Number Placeholder 5"/>
           <p:cNvSpPr>
             <a:spLocks noGrp="1"/>
           </p:cNvSpPr>
@@ -1288,7 +1169,7 @@
     </p:spTree>
     <p:extLst>
       <p:ext uri="{BB962C8B-B14F-4D97-AF65-F5344CB8AC3E}">
-        <p14:creationId xmlns:p14="http://schemas.microsoft.com/office/powerpoint/2010/main" val="1575234213"/>
+        <p14:creationId xmlns:p14="http://schemas.microsoft.com/office/powerpoint/2010/main" val="1151373625"/>
       </p:ext>
     </p:extLst>
   </p:cSld>
@@ -1317,13 +1198,7 @@
       </p:grpSpPr>
       <p:sp>
         <p:nvSpPr>
-          <p:cNvPr id="2" name="Title 1">
-            <a:extLst>
-              <a:ext uri="{FF2B5EF4-FFF2-40B4-BE49-F238E27FC236}">
-                <a16:creationId xmlns:a16="http://schemas.microsoft.com/office/drawing/2014/main" id="{F48F107F-6103-7404-1D47-15E9FF01B5B9}"/>
-              </a:ext>
-            </a:extLst>
-          </p:cNvPr>
+          <p:cNvPr id="2" name="Title 1"/>
           <p:cNvSpPr>
             <a:spLocks noGrp="1"/>
           </p:cNvSpPr>
@@ -1333,8 +1208,8 @@
         </p:nvSpPr>
         <p:spPr>
           <a:xfrm>
-            <a:off x="831850" y="1709738"/>
-            <a:ext cx="10515600" cy="2852737"/>
+            <a:off x="831850" y="1799579"/>
+            <a:ext cx="10515600" cy="3002638"/>
           </a:xfrm>
         </p:spPr>
         <p:txBody>
@@ -1349,19 +1224,13 @@
               <a:rPr lang="en-US"/>
               <a:t>Click to edit Master title style</a:t>
             </a:r>
-            <a:endParaRPr lang="en-IN"/>
-          </a:p>
-        </p:txBody>
-      </p:sp>
-      <p:sp>
-        <p:nvSpPr>
-          <p:cNvPr id="3" name="Text Placeholder 2">
-            <a:extLst>
-              <a:ext uri="{FF2B5EF4-FFF2-40B4-BE49-F238E27FC236}">
-                <a16:creationId xmlns:a16="http://schemas.microsoft.com/office/drawing/2014/main" id="{07911928-8FD1-C89C-76DD-4AC602A46126}"/>
-              </a:ext>
-            </a:extLst>
-          </p:cNvPr>
+            <a:endParaRPr lang="en-US" dirty="0"/>
+          </a:p>
+        </p:txBody>
+      </p:sp>
+      <p:sp>
+        <p:nvSpPr>
+          <p:cNvPr id="3" name="Text Placeholder 2"/>
           <p:cNvSpPr>
             <a:spLocks noGrp="1"/>
           </p:cNvSpPr>
@@ -1371,8 +1240,8 @@
         </p:nvSpPr>
         <p:spPr>
           <a:xfrm>
-            <a:off x="831850" y="4589463"/>
-            <a:ext cx="10515600" cy="1500187"/>
+            <a:off x="831850" y="4830623"/>
+            <a:ext cx="10515600" cy="1579016"/>
           </a:xfrm>
         </p:spPr>
         <p:txBody>
@@ -1480,13 +1349,7 @@
       </p:sp>
       <p:sp>
         <p:nvSpPr>
-          <p:cNvPr id="4" name="Date Placeholder 3">
-            <a:extLst>
-              <a:ext uri="{FF2B5EF4-FFF2-40B4-BE49-F238E27FC236}">
-                <a16:creationId xmlns:a16="http://schemas.microsoft.com/office/drawing/2014/main" id="{0446EA59-51BB-B625-431C-67DF49C25272}"/>
-              </a:ext>
-            </a:extLst>
-          </p:cNvPr>
+          <p:cNvPr id="4" name="Date Placeholder 3"/>
           <p:cNvSpPr>
             <a:spLocks noGrp="1"/>
           </p:cNvSpPr>
@@ -1509,13 +1372,7 @@
       </p:sp>
       <p:sp>
         <p:nvSpPr>
-          <p:cNvPr id="5" name="Footer Placeholder 4">
-            <a:extLst>
-              <a:ext uri="{FF2B5EF4-FFF2-40B4-BE49-F238E27FC236}">
-                <a16:creationId xmlns:a16="http://schemas.microsoft.com/office/drawing/2014/main" id="{0732C178-DB61-8A39-EC3D-8A590649F4A1}"/>
-              </a:ext>
-            </a:extLst>
-          </p:cNvPr>
+          <p:cNvPr id="5" name="Footer Placeholder 4"/>
           <p:cNvSpPr>
             <a:spLocks noGrp="1"/>
           </p:cNvSpPr>
@@ -1534,13 +1391,7 @@
       </p:sp>
       <p:sp>
         <p:nvSpPr>
-          <p:cNvPr id="6" name="Slide Number Placeholder 5">
-            <a:extLst>
-              <a:ext uri="{FF2B5EF4-FFF2-40B4-BE49-F238E27FC236}">
-                <a16:creationId xmlns:a16="http://schemas.microsoft.com/office/drawing/2014/main" id="{2AA54C09-F916-013D-2DC4-5469B3D1849B}"/>
-              </a:ext>
-            </a:extLst>
-          </p:cNvPr>
+          <p:cNvPr id="6" name="Slide Number Placeholder 5"/>
           <p:cNvSpPr>
             <a:spLocks noGrp="1"/>
           </p:cNvSpPr>
@@ -1564,7 +1415,7 @@
     </p:spTree>
     <p:extLst>
       <p:ext uri="{BB962C8B-B14F-4D97-AF65-F5344CB8AC3E}">
-        <p14:creationId xmlns:p14="http://schemas.microsoft.com/office/powerpoint/2010/main" val="2697424635"/>
+        <p14:creationId xmlns:p14="http://schemas.microsoft.com/office/powerpoint/2010/main" val="2508760109"/>
       </p:ext>
     </p:extLst>
   </p:cSld>
@@ -1593,13 +1444,7 @@
       </p:grpSpPr>
       <p:sp>
         <p:nvSpPr>
-          <p:cNvPr id="2" name="Title 1">
-            <a:extLst>
-              <a:ext uri="{FF2B5EF4-FFF2-40B4-BE49-F238E27FC236}">
-                <a16:creationId xmlns:a16="http://schemas.microsoft.com/office/drawing/2014/main" id="{44E080DE-B3B3-536F-C25D-64EAF99FDBC0}"/>
-              </a:ext>
-            </a:extLst>
-          </p:cNvPr>
+          <p:cNvPr id="2" name="Title 1"/>
           <p:cNvSpPr>
             <a:spLocks noGrp="1"/>
           </p:cNvSpPr>
@@ -1616,19 +1461,13 @@
               <a:rPr lang="en-US"/>
               <a:t>Click to edit Master title style</a:t>
             </a:r>
-            <a:endParaRPr lang="en-IN"/>
-          </a:p>
-        </p:txBody>
-      </p:sp>
-      <p:sp>
-        <p:nvSpPr>
-          <p:cNvPr id="3" name="Content Placeholder 2">
-            <a:extLst>
-              <a:ext uri="{FF2B5EF4-FFF2-40B4-BE49-F238E27FC236}">
-                <a16:creationId xmlns:a16="http://schemas.microsoft.com/office/drawing/2014/main" id="{FCC219D4-AAF4-2D4C-A983-75566A1C2A5D}"/>
-              </a:ext>
-            </a:extLst>
-          </p:cNvPr>
+            <a:endParaRPr lang="en-US" dirty="0"/>
+          </a:p>
+        </p:txBody>
+      </p:sp>
+      <p:sp>
+        <p:nvSpPr>
+          <p:cNvPr id="3" name="Content Placeholder 2"/>
           <p:cNvSpPr>
             <a:spLocks noGrp="1"/>
           </p:cNvSpPr>
@@ -1638,8 +1477,8 @@
         </p:nvSpPr>
         <p:spPr>
           <a:xfrm>
-            <a:off x="838200" y="1825625"/>
-            <a:ext cx="5181600" cy="4351338"/>
+            <a:off x="838200" y="1921555"/>
+            <a:ext cx="5181600" cy="4579985"/>
           </a:xfrm>
         </p:spPr>
         <p:txBody>
@@ -1679,19 +1518,13 @@
               <a:rPr lang="en-US"/>
               <a:t>Fifth level</a:t>
             </a:r>
-            <a:endParaRPr lang="en-IN"/>
-          </a:p>
-        </p:txBody>
-      </p:sp>
-      <p:sp>
-        <p:nvSpPr>
-          <p:cNvPr id="4" name="Content Placeholder 3">
-            <a:extLst>
-              <a:ext uri="{FF2B5EF4-FFF2-40B4-BE49-F238E27FC236}">
-                <a16:creationId xmlns:a16="http://schemas.microsoft.com/office/drawing/2014/main" id="{52778077-9AC3-5EBF-5314-CFE86429EBCC}"/>
-              </a:ext>
-            </a:extLst>
-          </p:cNvPr>
+            <a:endParaRPr lang="en-US" dirty="0"/>
+          </a:p>
+        </p:txBody>
+      </p:sp>
+      <p:sp>
+        <p:nvSpPr>
+          <p:cNvPr id="4" name="Content Placeholder 3"/>
           <p:cNvSpPr>
             <a:spLocks noGrp="1"/>
           </p:cNvSpPr>
@@ -1701,8 +1534,8 @@
         </p:nvSpPr>
         <p:spPr>
           <a:xfrm>
-            <a:off x="6172200" y="1825625"/>
-            <a:ext cx="5181600" cy="4351338"/>
+            <a:off x="6172200" y="1921555"/>
+            <a:ext cx="5181600" cy="4579985"/>
           </a:xfrm>
         </p:spPr>
         <p:txBody>
@@ -1742,19 +1575,13 @@
               <a:rPr lang="en-US"/>
               <a:t>Fifth level</a:t>
             </a:r>
-            <a:endParaRPr lang="en-IN"/>
-          </a:p>
-        </p:txBody>
-      </p:sp>
-      <p:sp>
-        <p:nvSpPr>
-          <p:cNvPr id="5" name="Date Placeholder 4">
-            <a:extLst>
-              <a:ext uri="{FF2B5EF4-FFF2-40B4-BE49-F238E27FC236}">
-                <a16:creationId xmlns:a16="http://schemas.microsoft.com/office/drawing/2014/main" id="{7290BD9E-25B0-F940-062A-6F46B90E1612}"/>
-              </a:ext>
-            </a:extLst>
-          </p:cNvPr>
+            <a:endParaRPr lang="en-US" dirty="0"/>
+          </a:p>
+        </p:txBody>
+      </p:sp>
+      <p:sp>
+        <p:nvSpPr>
+          <p:cNvPr id="5" name="Date Placeholder 4"/>
           <p:cNvSpPr>
             <a:spLocks noGrp="1"/>
           </p:cNvSpPr>
@@ -1777,13 +1604,7 @@
       </p:sp>
       <p:sp>
         <p:nvSpPr>
-          <p:cNvPr id="6" name="Footer Placeholder 5">
-            <a:extLst>
-              <a:ext uri="{FF2B5EF4-FFF2-40B4-BE49-F238E27FC236}">
-                <a16:creationId xmlns:a16="http://schemas.microsoft.com/office/drawing/2014/main" id="{A845FC4A-6866-AEB1-CC8B-F357723FD199}"/>
-              </a:ext>
-            </a:extLst>
-          </p:cNvPr>
+          <p:cNvPr id="6" name="Footer Placeholder 5"/>
           <p:cNvSpPr>
             <a:spLocks noGrp="1"/>
           </p:cNvSpPr>
@@ -1802,13 +1623,7 @@
       </p:sp>
       <p:sp>
         <p:nvSpPr>
-          <p:cNvPr id="7" name="Slide Number Placeholder 6">
-            <a:extLst>
-              <a:ext uri="{FF2B5EF4-FFF2-40B4-BE49-F238E27FC236}">
-                <a16:creationId xmlns:a16="http://schemas.microsoft.com/office/drawing/2014/main" id="{1E6070C7-C916-C2C8-B76D-5DBE2DE23130}"/>
-              </a:ext>
-            </a:extLst>
-          </p:cNvPr>
+          <p:cNvPr id="7" name="Slide Number Placeholder 6"/>
           <p:cNvSpPr>
             <a:spLocks noGrp="1"/>
           </p:cNvSpPr>
@@ -1832,7 +1647,7 @@
     </p:spTree>
     <p:extLst>
       <p:ext uri="{BB962C8B-B14F-4D97-AF65-F5344CB8AC3E}">
-        <p14:creationId xmlns:p14="http://schemas.microsoft.com/office/powerpoint/2010/main" val="3543949020"/>
+        <p14:creationId xmlns:p14="http://schemas.microsoft.com/office/powerpoint/2010/main" val="3558100425"/>
       </p:ext>
     </p:extLst>
   </p:cSld>
@@ -1861,13 +1676,7 @@
       </p:grpSpPr>
       <p:sp>
         <p:nvSpPr>
-          <p:cNvPr id="2" name="Title 1">
-            <a:extLst>
-              <a:ext uri="{FF2B5EF4-FFF2-40B4-BE49-F238E27FC236}">
-                <a16:creationId xmlns:a16="http://schemas.microsoft.com/office/drawing/2014/main" id="{274FE630-7427-3D90-F4AA-805F690FA67D}"/>
-              </a:ext>
-            </a:extLst>
-          </p:cNvPr>
+          <p:cNvPr id="2" name="Title 1"/>
           <p:cNvSpPr>
             <a:spLocks noGrp="1"/>
           </p:cNvSpPr>
@@ -1877,8 +1686,8 @@
         </p:nvSpPr>
         <p:spPr>
           <a:xfrm>
-            <a:off x="839788" y="365125"/>
-            <a:ext cx="10515600" cy="1325563"/>
+            <a:off x="839788" y="384311"/>
+            <a:ext cx="10515600" cy="1395217"/>
           </a:xfrm>
         </p:spPr>
         <p:txBody>
@@ -1889,19 +1698,13 @@
               <a:rPr lang="en-US"/>
               <a:t>Click to edit Master title style</a:t>
             </a:r>
-            <a:endParaRPr lang="en-IN"/>
-          </a:p>
-        </p:txBody>
-      </p:sp>
-      <p:sp>
-        <p:nvSpPr>
-          <p:cNvPr id="3" name="Text Placeholder 2">
-            <a:extLst>
-              <a:ext uri="{FF2B5EF4-FFF2-40B4-BE49-F238E27FC236}">
-                <a16:creationId xmlns:a16="http://schemas.microsoft.com/office/drawing/2014/main" id="{E250FC55-32B8-BCB6-D4A0-0A37ED20D8D6}"/>
-              </a:ext>
-            </a:extLst>
-          </p:cNvPr>
+            <a:endParaRPr lang="en-US" dirty="0"/>
+          </a:p>
+        </p:txBody>
+      </p:sp>
+      <p:sp>
+        <p:nvSpPr>
+          <p:cNvPr id="3" name="Text Placeholder 2"/>
           <p:cNvSpPr>
             <a:spLocks noGrp="1"/>
           </p:cNvSpPr>
@@ -1911,8 +1714,8 @@
         </p:nvSpPr>
         <p:spPr>
           <a:xfrm>
-            <a:off x="839788" y="1681163"/>
-            <a:ext cx="5157787" cy="823912"/>
+            <a:off x="839789" y="1769502"/>
+            <a:ext cx="5157787" cy="867206"/>
           </a:xfrm>
         </p:spPr>
         <p:txBody>
@@ -1966,13 +1769,7 @@
       </p:sp>
       <p:sp>
         <p:nvSpPr>
-          <p:cNvPr id="4" name="Content Placeholder 3">
-            <a:extLst>
-              <a:ext uri="{FF2B5EF4-FFF2-40B4-BE49-F238E27FC236}">
-                <a16:creationId xmlns:a16="http://schemas.microsoft.com/office/drawing/2014/main" id="{B0B79D91-D630-2454-1B9F-AD78768E1C8D}"/>
-              </a:ext>
-            </a:extLst>
-          </p:cNvPr>
+          <p:cNvPr id="4" name="Content Placeholder 3"/>
           <p:cNvSpPr>
             <a:spLocks noGrp="1"/>
           </p:cNvSpPr>
@@ -1982,8 +1779,8 @@
         </p:nvSpPr>
         <p:spPr>
           <a:xfrm>
-            <a:off x="839788" y="2505075"/>
-            <a:ext cx="5157787" cy="3684588"/>
+            <a:off x="839789" y="2636707"/>
+            <a:ext cx="5157787" cy="3878200"/>
           </a:xfrm>
         </p:spPr>
         <p:txBody>
@@ -2023,19 +1820,13 @@
               <a:rPr lang="en-US"/>
               <a:t>Fifth level</a:t>
             </a:r>
-            <a:endParaRPr lang="en-IN"/>
-          </a:p>
-        </p:txBody>
-      </p:sp>
-      <p:sp>
-        <p:nvSpPr>
-          <p:cNvPr id="5" name="Text Placeholder 4">
-            <a:extLst>
-              <a:ext uri="{FF2B5EF4-FFF2-40B4-BE49-F238E27FC236}">
-                <a16:creationId xmlns:a16="http://schemas.microsoft.com/office/drawing/2014/main" id="{F7FAE82A-3195-552E-1261-1878B52D32E4}"/>
-              </a:ext>
-            </a:extLst>
-          </p:cNvPr>
+            <a:endParaRPr lang="en-US" dirty="0"/>
+          </a:p>
+        </p:txBody>
+      </p:sp>
+      <p:sp>
+        <p:nvSpPr>
+          <p:cNvPr id="5" name="Text Placeholder 4"/>
           <p:cNvSpPr>
             <a:spLocks noGrp="1"/>
           </p:cNvSpPr>
@@ -2045,8 +1836,8 @@
         </p:nvSpPr>
         <p:spPr>
           <a:xfrm>
-            <a:off x="6172200" y="1681163"/>
-            <a:ext cx="5183188" cy="823912"/>
+            <a:off x="6172200" y="1769502"/>
+            <a:ext cx="5183188" cy="867206"/>
           </a:xfrm>
         </p:spPr>
         <p:txBody>
@@ -2100,13 +1891,7 @@
       </p:sp>
       <p:sp>
         <p:nvSpPr>
-          <p:cNvPr id="6" name="Content Placeholder 5">
-            <a:extLst>
-              <a:ext uri="{FF2B5EF4-FFF2-40B4-BE49-F238E27FC236}">
-                <a16:creationId xmlns:a16="http://schemas.microsoft.com/office/drawing/2014/main" id="{C5C5024A-B12F-5B94-A54F-A94EB995798A}"/>
-              </a:ext>
-            </a:extLst>
-          </p:cNvPr>
+          <p:cNvPr id="6" name="Content Placeholder 5"/>
           <p:cNvSpPr>
             <a:spLocks noGrp="1"/>
           </p:cNvSpPr>
@@ -2116,8 +1901,8 @@
         </p:nvSpPr>
         <p:spPr>
           <a:xfrm>
-            <a:off x="6172200" y="2505075"/>
-            <a:ext cx="5183188" cy="3684588"/>
+            <a:off x="6172200" y="2636707"/>
+            <a:ext cx="5183188" cy="3878200"/>
           </a:xfrm>
         </p:spPr>
         <p:txBody>
@@ -2157,19 +1942,13 @@
               <a:rPr lang="en-US"/>
               <a:t>Fifth level</a:t>
             </a:r>
-            <a:endParaRPr lang="en-IN"/>
-          </a:p>
-        </p:txBody>
-      </p:sp>
-      <p:sp>
-        <p:nvSpPr>
-          <p:cNvPr id="7" name="Date Placeholder 6">
-            <a:extLst>
-              <a:ext uri="{FF2B5EF4-FFF2-40B4-BE49-F238E27FC236}">
-                <a16:creationId xmlns:a16="http://schemas.microsoft.com/office/drawing/2014/main" id="{5E18C9A0-2F45-32A2-4F55-F732D6554843}"/>
-              </a:ext>
-            </a:extLst>
-          </p:cNvPr>
+            <a:endParaRPr lang="en-US" dirty="0"/>
+          </a:p>
+        </p:txBody>
+      </p:sp>
+      <p:sp>
+        <p:nvSpPr>
+          <p:cNvPr id="7" name="Date Placeholder 6"/>
           <p:cNvSpPr>
             <a:spLocks noGrp="1"/>
           </p:cNvSpPr>
@@ -2192,13 +1971,7 @@
       </p:sp>
       <p:sp>
         <p:nvSpPr>
-          <p:cNvPr id="8" name="Footer Placeholder 7">
-            <a:extLst>
-              <a:ext uri="{FF2B5EF4-FFF2-40B4-BE49-F238E27FC236}">
-                <a16:creationId xmlns:a16="http://schemas.microsoft.com/office/drawing/2014/main" id="{4769D1B3-16EA-FBA5-755E-2ABBA8B3F19F}"/>
-              </a:ext>
-            </a:extLst>
-          </p:cNvPr>
+          <p:cNvPr id="8" name="Footer Placeholder 7"/>
           <p:cNvSpPr>
             <a:spLocks noGrp="1"/>
           </p:cNvSpPr>
@@ -2217,13 +1990,7 @@
       </p:sp>
       <p:sp>
         <p:nvSpPr>
-          <p:cNvPr id="9" name="Slide Number Placeholder 8">
-            <a:extLst>
-              <a:ext uri="{FF2B5EF4-FFF2-40B4-BE49-F238E27FC236}">
-                <a16:creationId xmlns:a16="http://schemas.microsoft.com/office/drawing/2014/main" id="{43516016-981B-7FCB-50B2-E238FD6F60ED}"/>
-              </a:ext>
-            </a:extLst>
-          </p:cNvPr>
+          <p:cNvPr id="9" name="Slide Number Placeholder 8"/>
           <p:cNvSpPr>
             <a:spLocks noGrp="1"/>
           </p:cNvSpPr>
@@ -2247,7 +2014,7 @@
     </p:spTree>
     <p:extLst>
       <p:ext uri="{BB962C8B-B14F-4D97-AF65-F5344CB8AC3E}">
-        <p14:creationId xmlns:p14="http://schemas.microsoft.com/office/powerpoint/2010/main" val="2946454838"/>
+        <p14:creationId xmlns:p14="http://schemas.microsoft.com/office/powerpoint/2010/main" val="3222707371"/>
       </p:ext>
     </p:extLst>
   </p:cSld>
@@ -2276,13 +2043,7 @@
       </p:grpSpPr>
       <p:sp>
         <p:nvSpPr>
-          <p:cNvPr id="2" name="Title 1">
-            <a:extLst>
-              <a:ext uri="{FF2B5EF4-FFF2-40B4-BE49-F238E27FC236}">
-                <a16:creationId xmlns:a16="http://schemas.microsoft.com/office/drawing/2014/main" id="{D159BC43-5641-68AF-E717-A8981A8D2311}"/>
-              </a:ext>
-            </a:extLst>
-          </p:cNvPr>
+          <p:cNvPr id="2" name="Title 1"/>
           <p:cNvSpPr>
             <a:spLocks noGrp="1"/>
           </p:cNvSpPr>
@@ -2299,19 +2060,13 @@
               <a:rPr lang="en-US"/>
               <a:t>Click to edit Master title style</a:t>
             </a:r>
-            <a:endParaRPr lang="en-IN"/>
-          </a:p>
-        </p:txBody>
-      </p:sp>
-      <p:sp>
-        <p:nvSpPr>
-          <p:cNvPr id="3" name="Date Placeholder 2">
-            <a:extLst>
-              <a:ext uri="{FF2B5EF4-FFF2-40B4-BE49-F238E27FC236}">
-                <a16:creationId xmlns:a16="http://schemas.microsoft.com/office/drawing/2014/main" id="{3546D6B8-2A1D-4C14-186D-4E68EE621815}"/>
-              </a:ext>
-            </a:extLst>
-          </p:cNvPr>
+            <a:endParaRPr lang="en-US" dirty="0"/>
+          </a:p>
+        </p:txBody>
+      </p:sp>
+      <p:sp>
+        <p:nvSpPr>
+          <p:cNvPr id="3" name="Date Placeholder 2"/>
           <p:cNvSpPr>
             <a:spLocks noGrp="1"/>
           </p:cNvSpPr>
@@ -2334,13 +2089,7 @@
       </p:sp>
       <p:sp>
         <p:nvSpPr>
-          <p:cNvPr id="4" name="Footer Placeholder 3">
-            <a:extLst>
-              <a:ext uri="{FF2B5EF4-FFF2-40B4-BE49-F238E27FC236}">
-                <a16:creationId xmlns:a16="http://schemas.microsoft.com/office/drawing/2014/main" id="{021D57C9-6A8A-A617-1EC4-9B865D9FEA40}"/>
-              </a:ext>
-            </a:extLst>
-          </p:cNvPr>
+          <p:cNvPr id="4" name="Footer Placeholder 3"/>
           <p:cNvSpPr>
             <a:spLocks noGrp="1"/>
           </p:cNvSpPr>
@@ -2359,13 +2108,7 @@
       </p:sp>
       <p:sp>
         <p:nvSpPr>
-          <p:cNvPr id="5" name="Slide Number Placeholder 4">
-            <a:extLst>
-              <a:ext uri="{FF2B5EF4-FFF2-40B4-BE49-F238E27FC236}">
-                <a16:creationId xmlns:a16="http://schemas.microsoft.com/office/drawing/2014/main" id="{3381C659-6473-9506-3196-4F8801B23E1A}"/>
-              </a:ext>
-            </a:extLst>
-          </p:cNvPr>
+          <p:cNvPr id="5" name="Slide Number Placeholder 4"/>
           <p:cNvSpPr>
             <a:spLocks noGrp="1"/>
           </p:cNvSpPr>
@@ -2389,7 +2132,7 @@
     </p:spTree>
     <p:extLst>
       <p:ext uri="{BB962C8B-B14F-4D97-AF65-F5344CB8AC3E}">
-        <p14:creationId xmlns:p14="http://schemas.microsoft.com/office/powerpoint/2010/main" val="429870021"/>
+        <p14:creationId xmlns:p14="http://schemas.microsoft.com/office/powerpoint/2010/main" val="1852501607"/>
       </p:ext>
     </p:extLst>
   </p:cSld>
@@ -2418,13 +2161,7 @@
       </p:grpSpPr>
       <p:sp>
         <p:nvSpPr>
-          <p:cNvPr id="2" name="Date Placeholder 1">
-            <a:extLst>
-              <a:ext uri="{FF2B5EF4-FFF2-40B4-BE49-F238E27FC236}">
-                <a16:creationId xmlns:a16="http://schemas.microsoft.com/office/drawing/2014/main" id="{31D477B3-D441-19C6-CF58-B9C253C2B3A9}"/>
-              </a:ext>
-            </a:extLst>
-          </p:cNvPr>
+          <p:cNvPr id="2" name="Date Placeholder 1"/>
           <p:cNvSpPr>
             <a:spLocks noGrp="1"/>
           </p:cNvSpPr>
@@ -2447,13 +2184,7 @@
       </p:sp>
       <p:sp>
         <p:nvSpPr>
-          <p:cNvPr id="3" name="Footer Placeholder 2">
-            <a:extLst>
-              <a:ext uri="{FF2B5EF4-FFF2-40B4-BE49-F238E27FC236}">
-                <a16:creationId xmlns:a16="http://schemas.microsoft.com/office/drawing/2014/main" id="{C855B9C4-7CFC-08D3-D876-756CAFDA0183}"/>
-              </a:ext>
-            </a:extLst>
-          </p:cNvPr>
+          <p:cNvPr id="3" name="Footer Placeholder 2"/>
           <p:cNvSpPr>
             <a:spLocks noGrp="1"/>
           </p:cNvSpPr>
@@ -2472,13 +2203,7 @@
       </p:sp>
       <p:sp>
         <p:nvSpPr>
-          <p:cNvPr id="4" name="Slide Number Placeholder 3">
-            <a:extLst>
-              <a:ext uri="{FF2B5EF4-FFF2-40B4-BE49-F238E27FC236}">
-                <a16:creationId xmlns:a16="http://schemas.microsoft.com/office/drawing/2014/main" id="{5DEFE5D4-DABC-BD68-B7D0-77D9CFA72728}"/>
-              </a:ext>
-            </a:extLst>
-          </p:cNvPr>
+          <p:cNvPr id="4" name="Slide Number Placeholder 3"/>
           <p:cNvSpPr>
             <a:spLocks noGrp="1"/>
           </p:cNvSpPr>
@@ -2502,7 +2227,7 @@
     </p:spTree>
     <p:extLst>
       <p:ext uri="{BB962C8B-B14F-4D97-AF65-F5344CB8AC3E}">
-        <p14:creationId xmlns:p14="http://schemas.microsoft.com/office/powerpoint/2010/main" val="1856344101"/>
+        <p14:creationId xmlns:p14="http://schemas.microsoft.com/office/powerpoint/2010/main" val="1589647892"/>
       </p:ext>
     </p:extLst>
   </p:cSld>
@@ -2531,13 +2256,7 @@
       </p:grpSpPr>
       <p:sp>
         <p:nvSpPr>
-          <p:cNvPr id="2" name="Title 1">
-            <a:extLst>
-              <a:ext uri="{FF2B5EF4-FFF2-40B4-BE49-F238E27FC236}">
-                <a16:creationId xmlns:a16="http://schemas.microsoft.com/office/drawing/2014/main" id="{107E4A40-4132-A2FD-2944-EBCBA80F2DBC}"/>
-              </a:ext>
-            </a:extLst>
-          </p:cNvPr>
+          <p:cNvPr id="2" name="Title 1"/>
           <p:cNvSpPr>
             <a:spLocks noGrp="1"/>
           </p:cNvSpPr>
@@ -2547,8 +2266,8 @@
         </p:nvSpPr>
         <p:spPr>
           <a:xfrm>
-            <a:off x="839788" y="457200"/>
-            <a:ext cx="3932237" cy="1600200"/>
+            <a:off x="839789" y="481224"/>
+            <a:ext cx="3932237" cy="1684285"/>
           </a:xfrm>
         </p:spPr>
         <p:txBody>
@@ -2563,19 +2282,13 @@
               <a:rPr lang="en-US"/>
               <a:t>Click to edit Master title style</a:t>
             </a:r>
-            <a:endParaRPr lang="en-IN"/>
-          </a:p>
-        </p:txBody>
-      </p:sp>
-      <p:sp>
-        <p:nvSpPr>
-          <p:cNvPr id="3" name="Content Placeholder 2">
-            <a:extLst>
-              <a:ext uri="{FF2B5EF4-FFF2-40B4-BE49-F238E27FC236}">
-                <a16:creationId xmlns:a16="http://schemas.microsoft.com/office/drawing/2014/main" id="{9BC5F464-CB7D-36B7-71B9-AE9A411832C6}"/>
-              </a:ext>
-            </a:extLst>
-          </p:cNvPr>
+            <a:endParaRPr lang="en-US" dirty="0"/>
+          </a:p>
+        </p:txBody>
+      </p:sp>
+      <p:sp>
+        <p:nvSpPr>
+          <p:cNvPr id="3" name="Content Placeholder 2"/>
           <p:cNvSpPr>
             <a:spLocks noGrp="1"/>
           </p:cNvSpPr>
@@ -2585,8 +2298,8 @@
         </p:nvSpPr>
         <p:spPr>
           <a:xfrm>
-            <a:off x="5183188" y="987425"/>
-            <a:ext cx="6172200" cy="4873625"/>
+            <a:off x="5183188" y="1039311"/>
+            <a:ext cx="6172200" cy="5129716"/>
           </a:xfrm>
         </p:spPr>
         <p:txBody>
@@ -2654,19 +2367,13 @@
               <a:rPr lang="en-US"/>
               <a:t>Fifth level</a:t>
             </a:r>
-            <a:endParaRPr lang="en-IN"/>
-          </a:p>
-        </p:txBody>
-      </p:sp>
-      <p:sp>
-        <p:nvSpPr>
-          <p:cNvPr id="4" name="Text Placeholder 3">
-            <a:extLst>
-              <a:ext uri="{FF2B5EF4-FFF2-40B4-BE49-F238E27FC236}">
-                <a16:creationId xmlns:a16="http://schemas.microsoft.com/office/drawing/2014/main" id="{93A0CD86-7DA8-44AF-87DB-F940726F38BA}"/>
-              </a:ext>
-            </a:extLst>
-          </p:cNvPr>
+            <a:endParaRPr lang="en-US" dirty="0"/>
+          </a:p>
+        </p:txBody>
+      </p:sp>
+      <p:sp>
+        <p:nvSpPr>
+          <p:cNvPr id="4" name="Text Placeholder 3"/>
           <p:cNvSpPr>
             <a:spLocks noGrp="1"/>
           </p:cNvSpPr>
@@ -2676,8 +2383,8 @@
         </p:nvSpPr>
         <p:spPr>
           <a:xfrm>
-            <a:off x="839788" y="2057400"/>
-            <a:ext cx="3932237" cy="3811588"/>
+            <a:off x="839789" y="2165509"/>
+            <a:ext cx="3932237" cy="4011873"/>
           </a:xfrm>
         </p:spPr>
         <p:txBody>
@@ -2731,13 +2438,7 @@
       </p:sp>
       <p:sp>
         <p:nvSpPr>
-          <p:cNvPr id="5" name="Date Placeholder 4">
-            <a:extLst>
-              <a:ext uri="{FF2B5EF4-FFF2-40B4-BE49-F238E27FC236}">
-                <a16:creationId xmlns:a16="http://schemas.microsoft.com/office/drawing/2014/main" id="{2284D465-A869-5850-1C5A-29F152544BB2}"/>
-              </a:ext>
-            </a:extLst>
-          </p:cNvPr>
+          <p:cNvPr id="5" name="Date Placeholder 4"/>
           <p:cNvSpPr>
             <a:spLocks noGrp="1"/>
           </p:cNvSpPr>
@@ -2760,13 +2461,7 @@
       </p:sp>
       <p:sp>
         <p:nvSpPr>
-          <p:cNvPr id="6" name="Footer Placeholder 5">
-            <a:extLst>
-              <a:ext uri="{FF2B5EF4-FFF2-40B4-BE49-F238E27FC236}">
-                <a16:creationId xmlns:a16="http://schemas.microsoft.com/office/drawing/2014/main" id="{6FDA7888-8DDF-9E3B-C975-0E1F4869409A}"/>
-              </a:ext>
-            </a:extLst>
-          </p:cNvPr>
+          <p:cNvPr id="6" name="Footer Placeholder 5"/>
           <p:cNvSpPr>
             <a:spLocks noGrp="1"/>
           </p:cNvSpPr>
@@ -2785,13 +2480,7 @@
       </p:sp>
       <p:sp>
         <p:nvSpPr>
-          <p:cNvPr id="7" name="Slide Number Placeholder 6">
-            <a:extLst>
-              <a:ext uri="{FF2B5EF4-FFF2-40B4-BE49-F238E27FC236}">
-                <a16:creationId xmlns:a16="http://schemas.microsoft.com/office/drawing/2014/main" id="{F69B6194-A10B-52A4-A0C7-BD8CF0474607}"/>
-              </a:ext>
-            </a:extLst>
-          </p:cNvPr>
+          <p:cNvPr id="7" name="Slide Number Placeholder 6"/>
           <p:cNvSpPr>
             <a:spLocks noGrp="1"/>
           </p:cNvSpPr>
@@ -2815,7 +2504,7 @@
     </p:spTree>
     <p:extLst>
       <p:ext uri="{BB962C8B-B14F-4D97-AF65-F5344CB8AC3E}">
-        <p14:creationId xmlns:p14="http://schemas.microsoft.com/office/powerpoint/2010/main" val="3009488466"/>
+        <p14:creationId xmlns:p14="http://schemas.microsoft.com/office/powerpoint/2010/main" val="1812063161"/>
       </p:ext>
     </p:extLst>
   </p:cSld>
@@ -2844,13 +2533,7 @@
       </p:grpSpPr>
       <p:sp>
         <p:nvSpPr>
-          <p:cNvPr id="2" name="Title 1">
-            <a:extLst>
-              <a:ext uri="{FF2B5EF4-FFF2-40B4-BE49-F238E27FC236}">
-                <a16:creationId xmlns:a16="http://schemas.microsoft.com/office/drawing/2014/main" id="{C033621A-F8B7-B0B9-54CD-451428929360}"/>
-              </a:ext>
-            </a:extLst>
-          </p:cNvPr>
+          <p:cNvPr id="2" name="Title 1"/>
           <p:cNvSpPr>
             <a:spLocks noGrp="1"/>
           </p:cNvSpPr>
@@ -2860,8 +2543,8 @@
         </p:nvSpPr>
         <p:spPr>
           <a:xfrm>
-            <a:off x="839788" y="457200"/>
-            <a:ext cx="3932237" cy="1600200"/>
+            <a:off x="839789" y="481224"/>
+            <a:ext cx="3932237" cy="1684285"/>
           </a:xfrm>
         </p:spPr>
         <p:txBody>
@@ -2876,21 +2559,15 @@
               <a:rPr lang="en-US"/>
               <a:t>Click to edit Master title style</a:t>
             </a:r>
-            <a:endParaRPr lang="en-IN"/>
-          </a:p>
-        </p:txBody>
-      </p:sp>
-      <p:sp>
-        <p:nvSpPr>
-          <p:cNvPr id="3" name="Picture Placeholder 2">
-            <a:extLst>
-              <a:ext uri="{FF2B5EF4-FFF2-40B4-BE49-F238E27FC236}">
-                <a16:creationId xmlns:a16="http://schemas.microsoft.com/office/drawing/2014/main" id="{BB53D44A-2378-141D-BA52-A89054D9E41C}"/>
-              </a:ext>
-            </a:extLst>
-          </p:cNvPr>
-          <p:cNvSpPr>
-            <a:spLocks noGrp="1"/>
+            <a:endParaRPr lang="en-US" dirty="0"/>
+          </a:p>
+        </p:txBody>
+      </p:sp>
+      <p:sp>
+        <p:nvSpPr>
+          <p:cNvPr id="3" name="Picture Placeholder 2"/>
+          <p:cNvSpPr>
+            <a:spLocks noGrp="1" noChangeAspect="1"/>
           </p:cNvSpPr>
           <p:nvPr>
             <p:ph type="pic" idx="1"/>
@@ -2898,8 +2575,73 @@
         </p:nvSpPr>
         <p:spPr>
           <a:xfrm>
-            <a:off x="5183188" y="987425"/>
-            <a:ext cx="6172200" cy="4873625"/>
+            <a:off x="5183188" y="1039311"/>
+            <a:ext cx="6172200" cy="5129716"/>
+          </a:xfrm>
+        </p:spPr>
+        <p:txBody>
+          <a:bodyPr anchor="t"/>
+          <a:lstStyle>
+            <a:lvl1pPr marL="0" indent="0">
+              <a:buNone/>
+              <a:defRPr sz="3200"/>
+            </a:lvl1pPr>
+            <a:lvl2pPr marL="457200" indent="0">
+              <a:buNone/>
+              <a:defRPr sz="2800"/>
+            </a:lvl2pPr>
+            <a:lvl3pPr marL="914400" indent="0">
+              <a:buNone/>
+              <a:defRPr sz="2400"/>
+            </a:lvl3pPr>
+            <a:lvl4pPr marL="1371600" indent="0">
+              <a:buNone/>
+              <a:defRPr sz="2000"/>
+            </a:lvl4pPr>
+            <a:lvl5pPr marL="1828800" indent="0">
+              <a:buNone/>
+              <a:defRPr sz="2000"/>
+            </a:lvl5pPr>
+            <a:lvl6pPr marL="2286000" indent="0">
+              <a:buNone/>
+              <a:defRPr sz="2000"/>
+            </a:lvl6pPr>
+            <a:lvl7pPr marL="2743200" indent="0">
+              <a:buNone/>
+              <a:defRPr sz="2000"/>
+            </a:lvl7pPr>
+            <a:lvl8pPr marL="3200400" indent="0">
+              <a:buNone/>
+              <a:defRPr sz="2000"/>
+            </a:lvl8pPr>
+            <a:lvl9pPr marL="3657600" indent="0">
+              <a:buNone/>
+              <a:defRPr sz="2000"/>
+            </a:lvl9pPr>
+          </a:lstStyle>
+          <a:p>
+            <a:r>
+              <a:rPr lang="en-US"/>
+              <a:t>Click icon to add picture</a:t>
+            </a:r>
+            <a:endParaRPr lang="en-US" dirty="0"/>
+          </a:p>
+        </p:txBody>
+      </p:sp>
+      <p:sp>
+        <p:nvSpPr>
+          <p:cNvPr id="4" name="Text Placeholder 3"/>
+          <p:cNvSpPr>
+            <a:spLocks noGrp="1"/>
+          </p:cNvSpPr>
+          <p:nvPr>
+            <p:ph type="body" sz="half" idx="2"/>
+          </p:nvPr>
+        </p:nvSpPr>
+        <p:spPr>
+          <a:xfrm>
+            <a:off x="839789" y="2165509"/>
+            <a:ext cx="3932237" cy="4011873"/>
           </a:xfrm>
         </p:spPr>
         <p:txBody>
@@ -2907,73 +2649,6 @@
           <a:lstStyle>
             <a:lvl1pPr marL="0" indent="0">
               <a:buNone/>
-              <a:defRPr sz="3200"/>
-            </a:lvl1pPr>
-            <a:lvl2pPr marL="457200" indent="0">
-              <a:buNone/>
-              <a:defRPr sz="2800"/>
-            </a:lvl2pPr>
-            <a:lvl3pPr marL="914400" indent="0">
-              <a:buNone/>
-              <a:defRPr sz="2400"/>
-            </a:lvl3pPr>
-            <a:lvl4pPr marL="1371600" indent="0">
-              <a:buNone/>
-              <a:defRPr sz="2000"/>
-            </a:lvl4pPr>
-            <a:lvl5pPr marL="1828800" indent="0">
-              <a:buNone/>
-              <a:defRPr sz="2000"/>
-            </a:lvl5pPr>
-            <a:lvl6pPr marL="2286000" indent="0">
-              <a:buNone/>
-              <a:defRPr sz="2000"/>
-            </a:lvl6pPr>
-            <a:lvl7pPr marL="2743200" indent="0">
-              <a:buNone/>
-              <a:defRPr sz="2000"/>
-            </a:lvl7pPr>
-            <a:lvl8pPr marL="3200400" indent="0">
-              <a:buNone/>
-              <a:defRPr sz="2000"/>
-            </a:lvl8pPr>
-            <a:lvl9pPr marL="3657600" indent="0">
-              <a:buNone/>
-              <a:defRPr sz="2000"/>
-            </a:lvl9pPr>
-          </a:lstStyle>
-          <a:p>
-            <a:endParaRPr lang="en-IN"/>
-          </a:p>
-        </p:txBody>
-      </p:sp>
-      <p:sp>
-        <p:nvSpPr>
-          <p:cNvPr id="4" name="Text Placeholder 3">
-            <a:extLst>
-              <a:ext uri="{FF2B5EF4-FFF2-40B4-BE49-F238E27FC236}">
-                <a16:creationId xmlns:a16="http://schemas.microsoft.com/office/drawing/2014/main" id="{A4F47DFD-935A-8E71-D75D-3224AAB2CE84}"/>
-              </a:ext>
-            </a:extLst>
-          </p:cNvPr>
-          <p:cNvSpPr>
-            <a:spLocks noGrp="1"/>
-          </p:cNvSpPr>
-          <p:nvPr>
-            <p:ph type="body" sz="half" idx="2"/>
-          </p:nvPr>
-        </p:nvSpPr>
-        <p:spPr>
-          <a:xfrm>
-            <a:off x="839788" y="2057400"/>
-            <a:ext cx="3932237" cy="3811588"/>
-          </a:xfrm>
-        </p:spPr>
-        <p:txBody>
-          <a:bodyPr/>
-          <a:lstStyle>
-            <a:lvl1pPr marL="0" indent="0">
-              <a:buNone/>
               <a:defRPr sz="1600"/>
             </a:lvl1pPr>
             <a:lvl2pPr marL="457200" indent="0">
@@ -3020,13 +2695,7 @@
       </p:sp>
       <p:sp>
         <p:nvSpPr>
-          <p:cNvPr id="5" name="Date Placeholder 4">
-            <a:extLst>
-              <a:ext uri="{FF2B5EF4-FFF2-40B4-BE49-F238E27FC236}">
-                <a16:creationId xmlns:a16="http://schemas.microsoft.com/office/drawing/2014/main" id="{19B3DCA5-9584-C0AB-21F5-D3DD694F3C11}"/>
-              </a:ext>
-            </a:extLst>
-          </p:cNvPr>
+          <p:cNvPr id="5" name="Date Placeholder 4"/>
           <p:cNvSpPr>
             <a:spLocks noGrp="1"/>
           </p:cNvSpPr>
@@ -3049,13 +2718,7 @@
       </p:sp>
       <p:sp>
         <p:nvSpPr>
-          <p:cNvPr id="6" name="Footer Placeholder 5">
-            <a:extLst>
-              <a:ext uri="{FF2B5EF4-FFF2-40B4-BE49-F238E27FC236}">
-                <a16:creationId xmlns:a16="http://schemas.microsoft.com/office/drawing/2014/main" id="{AA1EDD37-161D-C76F-3255-8040B9B5ED44}"/>
-              </a:ext>
-            </a:extLst>
-          </p:cNvPr>
+          <p:cNvPr id="6" name="Footer Placeholder 5"/>
           <p:cNvSpPr>
             <a:spLocks noGrp="1"/>
           </p:cNvSpPr>
@@ -3074,13 +2737,7 @@
       </p:sp>
       <p:sp>
         <p:nvSpPr>
-          <p:cNvPr id="7" name="Slide Number Placeholder 6">
-            <a:extLst>
-              <a:ext uri="{FF2B5EF4-FFF2-40B4-BE49-F238E27FC236}">
-                <a16:creationId xmlns:a16="http://schemas.microsoft.com/office/drawing/2014/main" id="{37E7B281-AA10-82FC-538D-A5A776A9BD3F}"/>
-              </a:ext>
-            </a:extLst>
-          </p:cNvPr>
+          <p:cNvPr id="7" name="Slide Number Placeholder 6"/>
           <p:cNvSpPr>
             <a:spLocks noGrp="1"/>
           </p:cNvSpPr>
@@ -3104,7 +2761,7 @@
     </p:spTree>
     <p:extLst>
       <p:ext uri="{BB962C8B-B14F-4D97-AF65-F5344CB8AC3E}">
-        <p14:creationId xmlns:p14="http://schemas.microsoft.com/office/powerpoint/2010/main" val="2142357039"/>
+        <p14:creationId xmlns:p14="http://schemas.microsoft.com/office/powerpoint/2010/main" val="2018122734"/>
       </p:ext>
     </p:extLst>
   </p:cSld>
@@ -3138,13 +2795,7 @@
       </p:grpSpPr>
       <p:sp>
         <p:nvSpPr>
-          <p:cNvPr id="2" name="Title Placeholder 1">
-            <a:extLst>
-              <a:ext uri="{FF2B5EF4-FFF2-40B4-BE49-F238E27FC236}">
-                <a16:creationId xmlns:a16="http://schemas.microsoft.com/office/drawing/2014/main" id="{89EDE675-34CF-91AE-B77B-C564F64C78D8}"/>
-              </a:ext>
-            </a:extLst>
-          </p:cNvPr>
+          <p:cNvPr id="2" name="Title Placeholder 1"/>
           <p:cNvSpPr>
             <a:spLocks noGrp="1"/>
           </p:cNvSpPr>
@@ -3154,8 +2805,8 @@
         </p:nvSpPr>
         <p:spPr>
           <a:xfrm>
-            <a:off x="838200" y="365125"/>
-            <a:ext cx="10515600" cy="1325563"/>
+            <a:off x="838200" y="384311"/>
+            <a:ext cx="10515600" cy="1395217"/>
           </a:xfrm>
           <a:prstGeom prst="rect">
             <a:avLst/>
@@ -3171,19 +2822,13 @@
               <a:rPr lang="en-US"/>
               <a:t>Click to edit Master title style</a:t>
             </a:r>
-            <a:endParaRPr lang="en-IN"/>
-          </a:p>
-        </p:txBody>
-      </p:sp>
-      <p:sp>
-        <p:nvSpPr>
-          <p:cNvPr id="3" name="Text Placeholder 2">
-            <a:extLst>
-              <a:ext uri="{FF2B5EF4-FFF2-40B4-BE49-F238E27FC236}">
-                <a16:creationId xmlns:a16="http://schemas.microsoft.com/office/drawing/2014/main" id="{00DCCEB2-62FD-7211-68EA-D3AFD1644985}"/>
-              </a:ext>
-            </a:extLst>
-          </p:cNvPr>
+            <a:endParaRPr lang="en-US" dirty="0"/>
+          </a:p>
+        </p:txBody>
+      </p:sp>
+      <p:sp>
+        <p:nvSpPr>
+          <p:cNvPr id="3" name="Text Placeholder 2"/>
           <p:cNvSpPr>
             <a:spLocks noGrp="1"/>
           </p:cNvSpPr>
@@ -3193,8 +2838,8 @@
         </p:nvSpPr>
         <p:spPr>
           <a:xfrm>
-            <a:off x="838200" y="1825625"/>
-            <a:ext cx="10515600" cy="4351338"/>
+            <a:off x="838200" y="1921555"/>
+            <a:ext cx="10515600" cy="4579985"/>
           </a:xfrm>
           <a:prstGeom prst="rect">
             <a:avLst/>
@@ -3239,19 +2884,13 @@
               <a:rPr lang="en-US"/>
               <a:t>Fifth level</a:t>
             </a:r>
-            <a:endParaRPr lang="en-IN"/>
-          </a:p>
-        </p:txBody>
-      </p:sp>
-      <p:sp>
-        <p:nvSpPr>
-          <p:cNvPr id="4" name="Date Placeholder 3">
-            <a:extLst>
-              <a:ext uri="{FF2B5EF4-FFF2-40B4-BE49-F238E27FC236}">
-                <a16:creationId xmlns:a16="http://schemas.microsoft.com/office/drawing/2014/main" id="{49B0696A-96EC-5567-DEDD-F25B8C6E0C6B}"/>
-              </a:ext>
-            </a:extLst>
-          </p:cNvPr>
+            <a:endParaRPr lang="en-US" dirty="0"/>
+          </a:p>
+        </p:txBody>
+      </p:sp>
+      <p:sp>
+        <p:nvSpPr>
+          <p:cNvPr id="4" name="Date Placeholder 3"/>
           <p:cNvSpPr>
             <a:spLocks noGrp="1"/>
           </p:cNvSpPr>
@@ -3261,8 +2900,8 @@
         </p:nvSpPr>
         <p:spPr>
           <a:xfrm>
-            <a:off x="838200" y="6356350"/>
-            <a:ext cx="2743200" cy="365125"/>
+            <a:off x="838200" y="6690354"/>
+            <a:ext cx="2743200" cy="384311"/>
           </a:xfrm>
           <a:prstGeom prst="rect">
             <a:avLst/>
@@ -3292,13 +2931,7 @@
       </p:sp>
       <p:sp>
         <p:nvSpPr>
-          <p:cNvPr id="5" name="Footer Placeholder 4">
-            <a:extLst>
-              <a:ext uri="{FF2B5EF4-FFF2-40B4-BE49-F238E27FC236}">
-                <a16:creationId xmlns:a16="http://schemas.microsoft.com/office/drawing/2014/main" id="{C2AF01CE-6B8E-BD21-AE3B-A378E0A38B40}"/>
-              </a:ext>
-            </a:extLst>
-          </p:cNvPr>
+          <p:cNvPr id="5" name="Footer Placeholder 4"/>
           <p:cNvSpPr>
             <a:spLocks noGrp="1"/>
           </p:cNvSpPr>
@@ -3308,8 +2941,8 @@
         </p:nvSpPr>
         <p:spPr>
           <a:xfrm>
-            <a:off x="4038600" y="6356350"/>
-            <a:ext cx="4114800" cy="365125"/>
+            <a:off x="4038600" y="6690354"/>
+            <a:ext cx="4114800" cy="384311"/>
           </a:xfrm>
           <a:prstGeom prst="rect">
             <a:avLst/>
@@ -3335,13 +2968,7 @@
       </p:sp>
       <p:sp>
         <p:nvSpPr>
-          <p:cNvPr id="6" name="Slide Number Placeholder 5">
-            <a:extLst>
-              <a:ext uri="{FF2B5EF4-FFF2-40B4-BE49-F238E27FC236}">
-                <a16:creationId xmlns:a16="http://schemas.microsoft.com/office/drawing/2014/main" id="{5685F9CE-4630-3EDE-DC5B-B34B9D6999D3}"/>
-              </a:ext>
-            </a:extLst>
-          </p:cNvPr>
+          <p:cNvPr id="6" name="Slide Number Placeholder 5"/>
           <p:cNvSpPr>
             <a:spLocks noGrp="1"/>
           </p:cNvSpPr>
@@ -3351,8 +2978,8 @@
         </p:nvSpPr>
         <p:spPr>
           <a:xfrm>
-            <a:off x="8610600" y="6356350"/>
-            <a:ext cx="2743200" cy="365125"/>
+            <a:off x="8610600" y="6690354"/>
+            <a:ext cx="2743200" cy="384311"/>
           </a:xfrm>
           <a:prstGeom prst="rect">
             <a:avLst/>
@@ -3383,23 +3010,23 @@
     </p:spTree>
     <p:extLst>
       <p:ext uri="{BB962C8B-B14F-4D97-AF65-F5344CB8AC3E}">
-        <p14:creationId xmlns:p14="http://schemas.microsoft.com/office/powerpoint/2010/main" val="561175197"/>
+        <p14:creationId xmlns:p14="http://schemas.microsoft.com/office/powerpoint/2010/main" val="4174471730"/>
       </p:ext>
     </p:extLst>
   </p:cSld>
   <p:clrMap bg1="lt1" tx1="dk1" bg2="lt2" tx2="dk2" accent1="accent1" accent2="accent2" accent3="accent3" accent4="accent4" accent5="accent5" accent6="accent6" hlink="hlink" folHlink="folHlink"/>
   <p:sldLayoutIdLst>
-    <p:sldLayoutId id="2147483649" r:id="rId1"/>
-    <p:sldLayoutId id="2147483650" r:id="rId2"/>
-    <p:sldLayoutId id="2147483651" r:id="rId3"/>
-    <p:sldLayoutId id="2147483652" r:id="rId4"/>
-    <p:sldLayoutId id="2147483653" r:id="rId5"/>
-    <p:sldLayoutId id="2147483654" r:id="rId6"/>
-    <p:sldLayoutId id="2147483655" r:id="rId7"/>
-    <p:sldLayoutId id="2147483656" r:id="rId8"/>
-    <p:sldLayoutId id="2147483657" r:id="rId9"/>
-    <p:sldLayoutId id="2147483658" r:id="rId10"/>
-    <p:sldLayoutId id="2147483659" r:id="rId11"/>
+    <p:sldLayoutId id="2147483661" r:id="rId1"/>
+    <p:sldLayoutId id="2147483662" r:id="rId2"/>
+    <p:sldLayoutId id="2147483663" r:id="rId3"/>
+    <p:sldLayoutId id="2147483664" r:id="rId4"/>
+    <p:sldLayoutId id="2147483665" r:id="rId5"/>
+    <p:sldLayoutId id="2147483666" r:id="rId6"/>
+    <p:sldLayoutId id="2147483667" r:id="rId7"/>
+    <p:sldLayoutId id="2147483668" r:id="rId8"/>
+    <p:sldLayoutId id="2147483669" r:id="rId9"/>
+    <p:sldLayoutId id="2147483670" r:id="rId10"/>
+    <p:sldLayoutId id="2147483671" r:id="rId11"/>
   </p:sldLayoutIdLst>
   <p:txStyles>
     <p:titleStyle>
@@ -3721,8 +3348,8 @@
         </p:nvSpPr>
         <p:spPr>
           <a:xfrm>
-            <a:off x="2176208" y="186786"/>
-            <a:ext cx="7839581" cy="461665"/>
+            <a:off x="2176210" y="366969"/>
+            <a:ext cx="7839581" cy="457368"/>
           </a:xfrm>
           <a:prstGeom prst="rect">
             <a:avLst/>
@@ -3737,7 +3364,7 @@
           <a:p>
             <a:pPr algn="ctr"/>
             <a:r>
-              <a:rPr lang="en-US" sz="2400" b="1" cap="small" dirty="0">
+              <a:rPr lang="en-US" sz="2401" b="1" cap="small" dirty="0">
                 <a:latin typeface="Oxygen" panose="02000503000000000000" pitchFamily="2" charset="0"/>
               </a:rPr>
               <a:t>Contents</a:t>
@@ -3773,7 +3400,7 @@
         </p:blipFill>
         <p:spPr>
           <a:xfrm>
-            <a:off x="315242" y="186786"/>
+            <a:off x="315244" y="366969"/>
             <a:ext cx="725875" cy="725875"/>
           </a:xfrm>
           <a:prstGeom prst="rect">
@@ -3795,8 +3422,8 @@
         </p:nvSpPr>
         <p:spPr>
           <a:xfrm>
-            <a:off x="2176208" y="1435510"/>
-            <a:ext cx="6436850" cy="5078313"/>
+            <a:off x="2176208" y="1615693"/>
+            <a:ext cx="6436850" cy="4524315"/>
           </a:xfrm>
           <a:prstGeom prst="rect">
             <a:avLst/>
@@ -3809,13 +3436,13 @@
           </a:bodyPr>
           <a:lstStyle/>
           <a:p>
-            <a:pPr marL="342900" indent="-342900">
+            <a:pPr marL="342913" indent="-342913">
               <a:buAutoNum type="arabicPeriod"/>
             </a:pPr>
             <a:endParaRPr lang="en-US" dirty="0"/>
           </a:p>
           <a:p>
-            <a:pPr marL="342900" indent="-342900">
+            <a:pPr marL="342913" indent="-342913">
               <a:buAutoNum type="arabicPeriod"/>
             </a:pPr>
             <a:r>
@@ -3824,69 +3451,16 @@
             </a:r>
           </a:p>
           <a:p>
-            <a:pPr marL="342900" indent="-342900">
+            <a:pPr marL="342913" indent="-342913">
               <a:buAutoNum type="arabicPeriod"/>
             </a:pPr>
             <a:endParaRPr lang="en-US" dirty="0"/>
           </a:p>
           <a:p>
-            <a:pPr marL="342900" indent="-342900">
-              <a:buAutoNum type="arabicPeriod"/>
-            </a:pPr>
-            <a:r>
-              <a:rPr lang="en-US" dirty="0"/>
-              <a:t>User Management</a:t>
-            </a:r>
-          </a:p>
-          <a:p>
-            <a:pPr marL="342900" indent="-342900">
-              <a:buAutoNum type="arabicPeriod"/>
-            </a:pPr>
-            <a:endParaRPr lang="en-US" dirty="0"/>
-          </a:p>
-          <a:p>
-            <a:pPr marL="342900" indent="-342900">
-              <a:buAutoNum type="arabicPeriod"/>
-            </a:pPr>
-            <a:r>
-              <a:rPr lang="en-IN" i="0">
-                <a:solidFill>
-                  <a:srgbClr val="111111"/>
-                </a:solidFill>
-                <a:effectLst/>
-                <a:latin typeface="-apple-system"/>
-              </a:rPr>
-              <a:t>Database handling</a:t>
-            </a:r>
-            <a:endParaRPr lang="en-IN" i="0" dirty="0">
-              <a:solidFill>
-                <a:srgbClr val="111111"/>
-              </a:solidFill>
-              <a:effectLst/>
-              <a:latin typeface="-apple-system"/>
-            </a:endParaRPr>
-          </a:p>
-          <a:p>
-            <a:pPr marL="342900" indent="-342900">
-              <a:buAutoNum type="arabicPeriod"/>
-            </a:pPr>
-            <a:endParaRPr lang="en-US" dirty="0"/>
-          </a:p>
-          <a:p>
-            <a:pPr marL="342900" indent="-342900">
+            <a:pPr marL="342913" indent="-342913">
               <a:buFontTx/>
               <a:buAutoNum type="arabicPeriod"/>
             </a:pPr>
-            <a:r>
-              <a:rPr lang="en-IN" i="0" dirty="0">
-                <a:solidFill>
-                  <a:srgbClr val="111111"/>
-                </a:solidFill>
-                <a:effectLst/>
-                <a:latin typeface="-apple-system"/>
-              </a:rPr>
-              <a:t>Tables ,Keys, Views</a:t>
-            </a:r>
             <a:r>
               <a:rPr lang="en-IN" dirty="0">
                 <a:solidFill>
@@ -3894,11 +3468,11 @@
                 </a:solidFill>
                 <a:latin typeface="-apple-system"/>
               </a:rPr>
-              <a:t> ,Queries &amp; Indexes</a:t>
-            </a:r>
-          </a:p>
-          <a:p>
-            <a:pPr marL="342900" indent="-342900">
+              <a:t>Database, Tables ,Keys, Views ,Queries &amp; Indexes</a:t>
+            </a:r>
+          </a:p>
+          <a:p>
+            <a:pPr marL="342913" indent="-342913">
               <a:buFontTx/>
               <a:buAutoNum type="arabicPeriod"/>
             </a:pPr>
@@ -3910,7 +3484,7 @@
             </a:endParaRPr>
           </a:p>
           <a:p>
-            <a:pPr marL="342900" indent="-342900">
+            <a:pPr marL="342913" indent="-342913">
               <a:buFontTx/>
               <a:buAutoNum type="arabicPeriod"/>
             </a:pPr>
@@ -3925,14 +3499,14 @@
             </a:r>
           </a:p>
           <a:p>
-            <a:pPr marL="342900" indent="-342900">
+            <a:pPr marL="342913" indent="-342913">
               <a:buFontTx/>
               <a:buAutoNum type="arabicPeriod"/>
             </a:pPr>
             <a:endParaRPr lang="en-US" dirty="0"/>
           </a:p>
           <a:p>
-            <a:pPr marL="342900" indent="-342900">
+            <a:pPr marL="342913" indent="-342913">
               <a:buAutoNum type="arabicPeriod"/>
             </a:pPr>
             <a:r>
@@ -3941,13 +3515,13 @@
             </a:r>
           </a:p>
           <a:p>
-            <a:pPr marL="342900" indent="-342900">
+            <a:pPr marL="342913" indent="-342913">
               <a:buAutoNum type="arabicPeriod"/>
             </a:pPr>
             <a:endParaRPr lang="en-US" dirty="0"/>
           </a:p>
           <a:p>
-            <a:pPr marL="342900" indent="-342900">
+            <a:pPr marL="342913" indent="-342913">
               <a:buAutoNum type="arabicPeriod"/>
             </a:pPr>
             <a:r>
@@ -3956,28 +3530,43 @@
             </a:r>
           </a:p>
           <a:p>
-            <a:pPr marL="342900" indent="-342900">
+            <a:pPr marL="342913" indent="-342913">
               <a:buAutoNum type="arabicPeriod"/>
             </a:pPr>
             <a:endParaRPr lang="en-US" dirty="0"/>
           </a:p>
           <a:p>
-            <a:pPr marL="342900" indent="-342900">
+            <a:pPr marL="342913" indent="-342913">
               <a:buAutoNum type="arabicPeriod"/>
             </a:pPr>
             <a:r>
               <a:rPr lang="en-US" dirty="0"/>
-              <a:t>MySQL Backup &amp; Restore</a:t>
-            </a:r>
-          </a:p>
-          <a:p>
-            <a:pPr marL="342900" indent="-342900">
+              <a:t>User Management</a:t>
+            </a:r>
+          </a:p>
+          <a:p>
+            <a:pPr marL="342913" indent="-342913">
               <a:buAutoNum type="arabicPeriod"/>
             </a:pPr>
             <a:endParaRPr lang="en-US" dirty="0"/>
           </a:p>
           <a:p>
-            <a:pPr marL="342900" indent="-342900">
+            <a:pPr marL="342913" indent="-342913">
+              <a:buAutoNum type="arabicPeriod"/>
+            </a:pPr>
+            <a:r>
+              <a:rPr lang="en-US" dirty="0"/>
+              <a:t>MySQL Backup &amp; Restore</a:t>
+            </a:r>
+          </a:p>
+          <a:p>
+            <a:pPr marL="342913" indent="-342913">
+              <a:buAutoNum type="arabicPeriod"/>
+            </a:pPr>
+            <a:endParaRPr lang="en-US" dirty="0"/>
+          </a:p>
+          <a:p>
+            <a:pPr marL="342913" indent="-342913">
               <a:buAutoNum type="arabicPeriod"/>
             </a:pPr>
             <a:endParaRPr lang="en-IN" dirty="0"/>
@@ -4034,8 +3623,8 @@
         </p:nvSpPr>
         <p:spPr>
           <a:xfrm>
-            <a:off x="1930401" y="186786"/>
-            <a:ext cx="7839581" cy="461665"/>
+            <a:off x="1930403" y="366969"/>
+            <a:ext cx="7839581" cy="457368"/>
           </a:xfrm>
           <a:prstGeom prst="rect">
             <a:avLst/>
@@ -4050,7 +3639,7 @@
           <a:p>
             <a:pPr algn="ctr"/>
             <a:r>
-              <a:rPr lang="en-US" sz="2400" b="1" cap="small" dirty="0">
+              <a:rPr lang="en-US" sz="2401" b="1" cap="small" dirty="0">
                 <a:latin typeface="Oxygen" panose="02000503000000000000" pitchFamily="2" charset="0"/>
               </a:rPr>
               <a:t>Introduction</a:t>
@@ -4086,7 +3675,7 @@
         </p:blipFill>
         <p:spPr>
           <a:xfrm>
-            <a:off x="315242" y="186786"/>
+            <a:off x="315244" y="366969"/>
             <a:ext cx="725875" cy="725875"/>
           </a:xfrm>
           <a:prstGeom prst="rect">
@@ -4108,8 +3697,8 @@
         </p:nvSpPr>
         <p:spPr>
           <a:xfrm>
-            <a:off x="2176208" y="1435510"/>
-            <a:ext cx="6436850" cy="923330"/>
+            <a:off x="1474841" y="1114243"/>
+            <a:ext cx="8652387" cy="2893100"/>
           </a:xfrm>
           <a:prstGeom prst="rect">
             <a:avLst/>
@@ -4122,22 +3711,103 @@
           </a:bodyPr>
           <a:lstStyle/>
           <a:p>
-            <a:pPr marL="342900" indent="-342900">
+            <a:pPr marL="342913" indent="-342913">
               <a:buAutoNum type="arabicPeriod"/>
             </a:pPr>
             <a:endParaRPr lang="en-US" dirty="0"/>
           </a:p>
           <a:p>
             <a:r>
-              <a:rPr lang="en-IN" dirty="0"/>
+              <a:rPr lang="en-IN" sz="1400" dirty="0">
+                <a:latin typeface="Oxygen" panose="02000503000000000000" pitchFamily="2" charset="0"/>
+              </a:rPr>
               <a:t>MySQL is relational database management system.</a:t>
             </a:r>
           </a:p>
           <a:p>
             <a:r>
-              <a:rPr lang="en-IN" dirty="0"/>
-              <a:t>It is free and open source</a:t>
-            </a:r>
+              <a:rPr lang="en-IN" sz="1400" dirty="0">
+                <a:latin typeface="Oxygen" panose="02000503000000000000" pitchFamily="2" charset="0"/>
+              </a:rPr>
+              <a:t>It is free and open source.</a:t>
+            </a:r>
+          </a:p>
+          <a:p>
+            <a:r>
+              <a:rPr lang="en-US" sz="1400" dirty="0">
+                <a:solidFill>
+                  <a:srgbClr val="000000"/>
+                </a:solidFill>
+                <a:latin typeface="Oxygen" panose="02000503000000000000" pitchFamily="2" charset="0"/>
+              </a:rPr>
+              <a:t>It is very fast, reliable, scalable, easy to use and cross platform.</a:t>
+            </a:r>
+          </a:p>
+          <a:p>
+            <a:r>
+              <a:rPr lang="en-US" sz="1400" dirty="0">
+                <a:solidFill>
+                  <a:srgbClr val="000000"/>
+                </a:solidFill>
+                <a:latin typeface="Oxygen" panose="02000503000000000000" pitchFamily="2" charset="0"/>
+              </a:rPr>
+              <a:t>MySQL is ideal for both small and large applications.</a:t>
+            </a:r>
+          </a:p>
+          <a:p>
+            <a:r>
+              <a:rPr lang="en-US" sz="1400" dirty="0">
+                <a:solidFill>
+                  <a:srgbClr val="000000"/>
+                </a:solidFill>
+                <a:latin typeface="Oxygen" panose="02000503000000000000" pitchFamily="2" charset="0"/>
+              </a:rPr>
+              <a:t>MySQL is developed, distributed, and supported by Oracle Corporation</a:t>
+            </a:r>
+          </a:p>
+          <a:p>
+            <a:endParaRPr lang="en-US" sz="1400" dirty="0">
+              <a:solidFill>
+                <a:srgbClr val="000000"/>
+              </a:solidFill>
+              <a:latin typeface="Oxygen" panose="02000503000000000000" pitchFamily="2" charset="0"/>
+            </a:endParaRPr>
+          </a:p>
+          <a:p>
+            <a:r>
+              <a:rPr lang="en-US" sz="1400" dirty="0">
+                <a:solidFill>
+                  <a:srgbClr val="000000"/>
+                </a:solidFill>
+                <a:latin typeface="Oxygen" panose="02000503000000000000" pitchFamily="2" charset="0"/>
+              </a:rPr>
+              <a:t>For installation of MySQL in your computer, please click the below link</a:t>
+            </a:r>
+          </a:p>
+          <a:p>
+            <a:r>
+              <a:rPr lang="en-IN" sz="1600" dirty="0">
+                <a:latin typeface="Oxygen" panose="02000503000000000000" pitchFamily="2" charset="0"/>
+                <a:hlinkClick r:id="rId3"/>
+              </a:rPr>
+              <a:t>https://www.javatpoint.com/how-to-install-mysql</a:t>
+            </a:r>
+            <a:endParaRPr lang="en-IN" sz="1600" dirty="0">
+              <a:latin typeface="Oxygen" panose="02000503000000000000" pitchFamily="2" charset="0"/>
+            </a:endParaRPr>
+          </a:p>
+          <a:p>
+            <a:endParaRPr lang="en-IN" sz="1600" dirty="0">
+              <a:latin typeface="Oxygen" panose="02000503000000000000" pitchFamily="2" charset="0"/>
+            </a:endParaRPr>
+          </a:p>
+          <a:p>
+            <a:endParaRPr lang="en-IN" sz="1600" dirty="0">
+              <a:latin typeface="Oxygen" panose="02000503000000000000" pitchFamily="2" charset="0"/>
+            </a:endParaRPr>
+          </a:p>
+          <a:p>
+            <a:endParaRPr lang="en-IN" dirty="0"/>
           </a:p>
         </p:txBody>
       </p:sp>
@@ -4154,10 +3824,450 @@
 </p:sld>
 </file>
 
+<file path=ppt/slides/slide3.xml><?xml version="1.0" encoding="utf-8"?>
+<p:sld xmlns:a="http://schemas.openxmlformats.org/drawingml/2006/main" xmlns:r="http://schemas.openxmlformats.org/officeDocument/2006/relationships" xmlns:p="http://schemas.openxmlformats.org/presentationml/2006/main">
+  <p:cSld>
+    <p:spTree>
+      <p:nvGrpSpPr>
+        <p:cNvPr id="1" name="">
+          <a:extLst>
+            <a:ext uri="{FF2B5EF4-FFF2-40B4-BE49-F238E27FC236}">
+              <a16:creationId xmlns:a16="http://schemas.microsoft.com/office/drawing/2014/main" id="{E59799FF-1E01-84D8-85A2-6B34BB96FEC7}"/>
+            </a:ext>
+          </a:extLst>
+        </p:cNvPr>
+        <p:cNvGrpSpPr/>
+        <p:nvPr/>
+      </p:nvGrpSpPr>
+      <p:grpSpPr>
+        <a:xfrm>
+          <a:off x="0" y="0"/>
+          <a:ext cx="0" cy="0"/>
+          <a:chOff x="0" y="0"/>
+          <a:chExt cx="0" cy="0"/>
+        </a:xfrm>
+      </p:grpSpPr>
+      <p:sp>
+        <p:nvSpPr>
+          <p:cNvPr id="7" name="TextBox 6">
+            <a:extLst>
+              <a:ext uri="{FF2B5EF4-FFF2-40B4-BE49-F238E27FC236}">
+                <a16:creationId xmlns:a16="http://schemas.microsoft.com/office/drawing/2014/main" id="{722B7F5F-1F8E-13F9-7452-ADFE5F9663B3}"/>
+              </a:ext>
+            </a:extLst>
+          </p:cNvPr>
+          <p:cNvSpPr txBox="1"/>
+          <p:nvPr/>
+        </p:nvSpPr>
+        <p:spPr>
+          <a:xfrm>
+            <a:off x="1930403" y="366969"/>
+            <a:ext cx="7839581" cy="457368"/>
+          </a:xfrm>
+          <a:prstGeom prst="rect">
+            <a:avLst/>
+          </a:prstGeom>
+          <a:noFill/>
+        </p:spPr>
+        <p:txBody>
+          <a:bodyPr wrap="square" rtlCol="0">
+            <a:spAutoFit/>
+          </a:bodyPr>
+          <a:lstStyle/>
+          <a:p>
+            <a:pPr algn="ctr"/>
+            <a:r>
+              <a:rPr lang="en-US" sz="2401" b="1" cap="small" dirty="0">
+                <a:latin typeface="Oxygen" panose="02000503000000000000" pitchFamily="2" charset="0"/>
+              </a:rPr>
+              <a:t>Database handling</a:t>
+            </a:r>
+          </a:p>
+        </p:txBody>
+      </p:sp>
+      <p:pic>
+        <p:nvPicPr>
+          <p:cNvPr id="15" name="Picture 14">
+            <a:extLst>
+              <a:ext uri="{FF2B5EF4-FFF2-40B4-BE49-F238E27FC236}">
+                <a16:creationId xmlns:a16="http://schemas.microsoft.com/office/drawing/2014/main" id="{26A65876-724E-1783-C423-50CBA505EE9C}"/>
+              </a:ext>
+            </a:extLst>
+          </p:cNvPr>
+          <p:cNvPicPr>
+            <a:picLocks noChangeAspect="1"/>
+          </p:cNvPicPr>
+          <p:nvPr/>
+        </p:nvPicPr>
+        <p:blipFill>
+          <a:blip r:embed="rId2">
+            <a:extLst>
+              <a:ext uri="{28A0092B-C50C-407E-A947-70E740481C1C}">
+                <a14:useLocalDpi xmlns:a14="http://schemas.microsoft.com/office/drawing/2010/main" val="0"/>
+              </a:ext>
+            </a:extLst>
+          </a:blip>
+          <a:stretch>
+            <a:fillRect/>
+          </a:stretch>
+        </p:blipFill>
+        <p:spPr>
+          <a:xfrm>
+            <a:off x="315244" y="366969"/>
+            <a:ext cx="725875" cy="725875"/>
+          </a:xfrm>
+          <a:prstGeom prst="rect">
+            <a:avLst/>
+          </a:prstGeom>
+        </p:spPr>
+      </p:pic>
+      <p:sp>
+        <p:nvSpPr>
+          <p:cNvPr id="2" name="TextBox 1">
+            <a:extLst>
+              <a:ext uri="{FF2B5EF4-FFF2-40B4-BE49-F238E27FC236}">
+                <a16:creationId xmlns:a16="http://schemas.microsoft.com/office/drawing/2014/main" id="{008F97AD-1DE8-22B9-1A36-9644532E124E}"/>
+              </a:ext>
+            </a:extLst>
+          </p:cNvPr>
+          <p:cNvSpPr txBox="1"/>
+          <p:nvPr/>
+        </p:nvSpPr>
+        <p:spPr>
+          <a:xfrm>
+            <a:off x="1474841" y="1114245"/>
+            <a:ext cx="8652387" cy="6032421"/>
+          </a:xfrm>
+          <a:prstGeom prst="rect">
+            <a:avLst/>
+          </a:prstGeom>
+          <a:noFill/>
+        </p:spPr>
+        <p:txBody>
+          <a:bodyPr wrap="square" rtlCol="0">
+            <a:spAutoFit/>
+          </a:bodyPr>
+          <a:lstStyle/>
+          <a:p>
+            <a:r>
+              <a:rPr lang="en-IN" sz="1600" dirty="0">
+                <a:latin typeface="Oxygen" panose="02000503000000000000" pitchFamily="2" charset="0"/>
+              </a:rPr>
+              <a:t>MySQL create database statement  </a:t>
+            </a:r>
+            <a:r>
+              <a:rPr lang="en-IN" sz="1600" dirty="0">
+                <a:latin typeface="Oxygen" panose="02000503000000000000" pitchFamily="2" charset="0"/>
+                <a:sym typeface="Wingdings" panose="05000000000000000000" pitchFamily="2" charset="2"/>
+              </a:rPr>
+              <a:t></a:t>
+            </a:r>
+            <a:r>
+              <a:rPr lang="en-IN" sz="1600" dirty="0">
+                <a:latin typeface="Oxygen" panose="02000503000000000000" pitchFamily="2" charset="0"/>
+              </a:rPr>
+              <a:t> create database testDB.</a:t>
+            </a:r>
+          </a:p>
+          <a:p>
+            <a:r>
+              <a:rPr lang="en-IN" sz="1600" dirty="0">
+                <a:latin typeface="Oxygen" panose="02000503000000000000" pitchFamily="2" charset="0"/>
+              </a:rPr>
+              <a:t>The above statement creates database named as testDB.</a:t>
+            </a:r>
+          </a:p>
+          <a:p>
+            <a:endParaRPr lang="en-IN" sz="1600" dirty="0">
+              <a:latin typeface="Oxygen" panose="02000503000000000000" pitchFamily="2" charset="0"/>
+            </a:endParaRPr>
+          </a:p>
+          <a:p>
+            <a:r>
+              <a:rPr lang="en-IN" sz="1400" dirty="0">
+                <a:solidFill>
+                  <a:srgbClr val="000000"/>
+                </a:solidFill>
+                <a:latin typeface="Oxygen" panose="02000503000000000000" pitchFamily="2" charset="0"/>
+              </a:rPr>
+              <a:t>MySQL DROP DATABASE Statement </a:t>
+            </a:r>
+            <a:r>
+              <a:rPr lang="en-IN" sz="1400" dirty="0">
+                <a:solidFill>
+                  <a:srgbClr val="000000"/>
+                </a:solidFill>
+                <a:latin typeface="Oxygen" panose="02000503000000000000" pitchFamily="2" charset="0"/>
+                <a:sym typeface="Wingdings" panose="05000000000000000000" pitchFamily="2" charset="2"/>
+              </a:rPr>
+              <a:t> </a:t>
+            </a:r>
+            <a:r>
+              <a:rPr lang="en-IN" sz="1600" dirty="0">
+                <a:latin typeface="Oxygen" panose="02000503000000000000" pitchFamily="2" charset="0"/>
+              </a:rPr>
+              <a:t>drop database testDB.</a:t>
+            </a:r>
+          </a:p>
+          <a:p>
+            <a:r>
+              <a:rPr lang="en-IN" sz="1600" dirty="0">
+                <a:latin typeface="Oxygen" panose="02000503000000000000" pitchFamily="2" charset="0"/>
+              </a:rPr>
+              <a:t>The above statement drops database named as testDB.</a:t>
+            </a:r>
+          </a:p>
+          <a:p>
+            <a:endParaRPr lang="en-IN" sz="1600" dirty="0">
+              <a:latin typeface="Oxygen" panose="02000503000000000000" pitchFamily="2" charset="0"/>
+            </a:endParaRPr>
+          </a:p>
+          <a:p>
+            <a:r>
+              <a:rPr lang="en-IN" sz="1600" dirty="0">
+                <a:latin typeface="Oxygen" panose="02000503000000000000" pitchFamily="2" charset="0"/>
+              </a:rPr>
+              <a:t>Inside the database following objects can be created</a:t>
+            </a:r>
+          </a:p>
+          <a:p>
+            <a:pPr marL="342913" indent="-342913">
+              <a:buAutoNum type="alphaLcParenR"/>
+            </a:pPr>
+            <a:r>
+              <a:rPr lang="en-IN" sz="1600" dirty="0">
+                <a:latin typeface="Oxygen" panose="02000503000000000000" pitchFamily="2" charset="0"/>
+              </a:rPr>
+              <a:t>Tables</a:t>
+            </a:r>
+          </a:p>
+          <a:p>
+            <a:pPr marL="342913" indent="-342913">
+              <a:buAutoNum type="alphaLcParenR"/>
+            </a:pPr>
+            <a:r>
+              <a:rPr lang="en-IN" sz="1600" dirty="0">
+                <a:latin typeface="Oxygen" panose="02000503000000000000" pitchFamily="2" charset="0"/>
+              </a:rPr>
+              <a:t>Views </a:t>
+            </a:r>
+          </a:p>
+          <a:p>
+            <a:pPr marL="342913" indent="-342913">
+              <a:buAutoNum type="alphaLcParenR"/>
+            </a:pPr>
+            <a:r>
+              <a:rPr lang="en-IN" sz="1600" dirty="0">
+                <a:latin typeface="Oxygen" panose="02000503000000000000" pitchFamily="2" charset="0"/>
+              </a:rPr>
+              <a:t>Procedures</a:t>
+            </a:r>
+          </a:p>
+          <a:p>
+            <a:pPr marL="342913" indent="-342913">
+              <a:buAutoNum type="alphaLcParenR"/>
+            </a:pPr>
+            <a:r>
+              <a:rPr lang="en-IN" sz="1600" dirty="0">
+                <a:latin typeface="Oxygen" panose="02000503000000000000" pitchFamily="2" charset="0"/>
+              </a:rPr>
+              <a:t>Triggers</a:t>
+            </a:r>
+          </a:p>
+          <a:p>
+            <a:endParaRPr lang="en-IN" sz="1400" dirty="0">
+              <a:solidFill>
+                <a:srgbClr val="000000"/>
+              </a:solidFill>
+              <a:latin typeface="Oxygen" panose="02000503000000000000" pitchFamily="2" charset="0"/>
+            </a:endParaRPr>
+          </a:p>
+          <a:p>
+            <a:r>
+              <a:rPr lang="en-IN" sz="1600" dirty="0">
+                <a:latin typeface="Oxygen" panose="02000503000000000000" pitchFamily="2" charset="0"/>
+              </a:rPr>
+              <a:t>MySQL create table statement </a:t>
+            </a:r>
+            <a:r>
+              <a:rPr lang="en-IN" sz="1600" dirty="0">
+                <a:latin typeface="Oxygen" panose="02000503000000000000" pitchFamily="2" charset="0"/>
+                <a:sym typeface="Wingdings" panose="05000000000000000000" pitchFamily="2" charset="2"/>
+              </a:rPr>
+              <a:t></a:t>
+            </a:r>
+          </a:p>
+          <a:p>
+            <a:r>
+              <a:rPr lang="en-IN" sz="1600" dirty="0">
+                <a:latin typeface="Oxygen" panose="02000503000000000000" pitchFamily="2" charset="0"/>
+                <a:sym typeface="Wingdings" panose="05000000000000000000" pitchFamily="2" charset="2"/>
+              </a:rPr>
+              <a:t>Use </a:t>
+            </a:r>
+            <a:r>
+              <a:rPr lang="en-IN" sz="1600" dirty="0">
+                <a:latin typeface="Oxygen" panose="02000503000000000000" pitchFamily="2" charset="0"/>
+              </a:rPr>
+              <a:t>testDB</a:t>
+            </a:r>
+            <a:endParaRPr lang="en-IN" sz="1600" dirty="0">
+              <a:latin typeface="Oxygen" panose="02000503000000000000" pitchFamily="2" charset="0"/>
+              <a:sym typeface="Wingdings" panose="05000000000000000000" pitchFamily="2" charset="2"/>
+            </a:endParaRPr>
+          </a:p>
+          <a:p>
+            <a:r>
+              <a:rPr lang="en-IN" sz="1600" dirty="0">
+                <a:latin typeface="Oxygen" panose="02000503000000000000" pitchFamily="2" charset="0"/>
+                <a:sym typeface="Wingdings" panose="05000000000000000000" pitchFamily="2" charset="2"/>
+              </a:rPr>
+              <a:t>Create table employee (</a:t>
+            </a:r>
+          </a:p>
+          <a:p>
+            <a:r>
+              <a:rPr lang="en-IN" sz="1600" dirty="0">
+                <a:latin typeface="Oxygen" panose="02000503000000000000" pitchFamily="2" charset="0"/>
+                <a:sym typeface="Wingdings" panose="05000000000000000000" pitchFamily="2" charset="2"/>
+              </a:rPr>
+              <a:t>	</a:t>
+            </a:r>
+            <a:r>
+              <a:rPr lang="en-IN" sz="1600" dirty="0" err="1">
+                <a:latin typeface="Oxygen" panose="02000503000000000000" pitchFamily="2" charset="0"/>
+                <a:sym typeface="Wingdings" panose="05000000000000000000" pitchFamily="2" charset="2"/>
+              </a:rPr>
+              <a:t>emp_id</a:t>
+            </a:r>
+            <a:r>
+              <a:rPr lang="en-IN" sz="1600" dirty="0">
+                <a:latin typeface="Oxygen" panose="02000503000000000000" pitchFamily="2" charset="0"/>
+                <a:sym typeface="Wingdings" panose="05000000000000000000" pitchFamily="2" charset="2"/>
+              </a:rPr>
+              <a:t> int,</a:t>
+            </a:r>
+          </a:p>
+          <a:p>
+            <a:r>
+              <a:rPr lang="en-IN" sz="1600" dirty="0">
+                <a:latin typeface="Oxygen" panose="02000503000000000000" pitchFamily="2" charset="0"/>
+                <a:sym typeface="Wingdings" panose="05000000000000000000" pitchFamily="2" charset="2"/>
+              </a:rPr>
+              <a:t>	</a:t>
+            </a:r>
+            <a:r>
+              <a:rPr lang="en-IN" sz="1600" dirty="0" err="1">
+                <a:latin typeface="Oxygen" panose="02000503000000000000" pitchFamily="2" charset="0"/>
+                <a:sym typeface="Wingdings" panose="05000000000000000000" pitchFamily="2" charset="2"/>
+              </a:rPr>
+              <a:t>emp_name</a:t>
+            </a:r>
+            <a:r>
+              <a:rPr lang="en-IN" sz="1600" dirty="0">
+                <a:latin typeface="Oxygen" panose="02000503000000000000" pitchFamily="2" charset="0"/>
+                <a:sym typeface="Wingdings" panose="05000000000000000000" pitchFamily="2" charset="2"/>
+              </a:rPr>
+              <a:t> varchar(50),</a:t>
+            </a:r>
+          </a:p>
+          <a:p>
+            <a:r>
+              <a:rPr lang="en-IN" sz="1600" dirty="0">
+                <a:latin typeface="Oxygen" panose="02000503000000000000" pitchFamily="2" charset="0"/>
+                <a:sym typeface="Wingdings" panose="05000000000000000000" pitchFamily="2" charset="2"/>
+              </a:rPr>
+              <a:t>	salary double )</a:t>
+            </a:r>
+          </a:p>
+          <a:p>
+            <a:r>
+              <a:rPr lang="en-IN" sz="1600" dirty="0">
+                <a:latin typeface="Oxygen" panose="02000503000000000000" pitchFamily="2" charset="0"/>
+              </a:rPr>
+              <a:t>The above statement creates table named as </a:t>
+            </a:r>
+            <a:r>
+              <a:rPr lang="en-IN" sz="1600" dirty="0">
+                <a:latin typeface="Oxygen" panose="02000503000000000000" pitchFamily="2" charset="0"/>
+                <a:sym typeface="Wingdings" panose="05000000000000000000" pitchFamily="2" charset="2"/>
+              </a:rPr>
+              <a:t>employee inside testDB database.</a:t>
+            </a:r>
+            <a:endParaRPr lang="en-IN" sz="1600" dirty="0">
+              <a:latin typeface="Oxygen" panose="02000503000000000000" pitchFamily="2" charset="0"/>
+            </a:endParaRPr>
+          </a:p>
+          <a:p>
+            <a:endParaRPr lang="en-IN" sz="1600" dirty="0">
+              <a:latin typeface="Oxygen" panose="02000503000000000000" pitchFamily="2" charset="0"/>
+              <a:sym typeface="Wingdings" panose="05000000000000000000" pitchFamily="2" charset="2"/>
+            </a:endParaRPr>
+          </a:p>
+          <a:p>
+            <a:r>
+              <a:rPr lang="en-IN" sz="1600" dirty="0">
+                <a:latin typeface="Oxygen" panose="02000503000000000000" pitchFamily="2" charset="0"/>
+              </a:rPr>
+              <a:t>The employee table consists of 3 fields</a:t>
+            </a:r>
+          </a:p>
+          <a:p>
+            <a:r>
+              <a:rPr lang="en-IN" sz="1600" dirty="0">
+                <a:latin typeface="Oxygen" panose="02000503000000000000" pitchFamily="2" charset="0"/>
+              </a:rPr>
+              <a:t>a) </a:t>
+            </a:r>
+            <a:r>
+              <a:rPr lang="en-IN" sz="1600" dirty="0" err="1">
+                <a:latin typeface="Oxygen" panose="02000503000000000000" pitchFamily="2" charset="0"/>
+              </a:rPr>
+              <a:t>emp_id</a:t>
+            </a:r>
+            <a:r>
+              <a:rPr lang="en-IN" sz="1600" dirty="0">
+                <a:latin typeface="Oxygen" panose="02000503000000000000" pitchFamily="2" charset="0"/>
+              </a:rPr>
+              <a:t> </a:t>
+            </a:r>
+          </a:p>
+          <a:p>
+            <a:r>
+              <a:rPr lang="en-IN" dirty="0"/>
+              <a:t>b) </a:t>
+            </a:r>
+            <a:r>
+              <a:rPr lang="en-IN" dirty="0" err="1"/>
+              <a:t>emp_name</a:t>
+            </a:r>
+            <a:endParaRPr lang="en-IN" dirty="0"/>
+          </a:p>
+          <a:p>
+            <a:r>
+              <a:rPr lang="en-IN" dirty="0"/>
+              <a:t>c) salary</a:t>
+            </a:r>
+          </a:p>
+        </p:txBody>
+      </p:sp>
+    </p:spTree>
+    <p:extLst>
+      <p:ext uri="{BB962C8B-B14F-4D97-AF65-F5344CB8AC3E}">
+        <p14:creationId xmlns:p14="http://schemas.microsoft.com/office/powerpoint/2010/main" val="2517225604"/>
+      </p:ext>
+    </p:extLst>
+  </p:cSld>
+  <p:clrMapOvr>
+    <a:masterClrMapping/>
+  </p:clrMapOvr>
+</p:sld>
+</file>
+
 <file path=ppt/theme/theme1.xml><?xml version="1.0" encoding="utf-8"?>
 <a:theme xmlns:a="http://schemas.openxmlformats.org/drawingml/2006/main" name="Office Theme">
   <a:themeElements>
-    <a:clrScheme name="Office">
+    <a:clrScheme name="Office Theme">
       <a:dk1>
         <a:sysClr val="windowText" lastClr="000000"/>
       </a:dk1>
@@ -4195,7 +4305,7 @@
         <a:srgbClr val="954F72"/>
       </a:folHlink>
     </a:clrScheme>
-    <a:fontScheme name="Office">
+    <a:fontScheme name="Office Theme">
       <a:majorFont>
         <a:latin typeface="Calibri Light" panose="020F0302020204030204"/>
         <a:ea typeface=""/>
@@ -4230,23 +4340,6 @@
         <a:font script="Viet" typeface="Times New Roman"/>
         <a:font script="Uigh" typeface="Microsoft Uighur"/>
         <a:font script="Geor" typeface="Sylfaen"/>
-        <a:font script="Armn" typeface="Arial"/>
-        <a:font script="Bugi" typeface="Leelawadee UI"/>
-        <a:font script="Bopo" typeface="Microsoft JhengHei"/>
-        <a:font script="Java" typeface="Javanese Text"/>
-        <a:font script="Lisu" typeface="Segoe UI"/>
-        <a:font script="Mymr" typeface="Myanmar Text"/>
-        <a:font script="Nkoo" typeface="Ebrima"/>
-        <a:font script="Olck" typeface="Nirmala UI"/>
-        <a:font script="Osma" typeface="Ebrima"/>
-        <a:font script="Phag" typeface="Phagspa"/>
-        <a:font script="Syrn" typeface="Estrangelo Edessa"/>
-        <a:font script="Syrj" typeface="Estrangelo Edessa"/>
-        <a:font script="Syre" typeface="Estrangelo Edessa"/>
-        <a:font script="Sora" typeface="Nirmala UI"/>
-        <a:font script="Tale" typeface="Microsoft Tai Le"/>
-        <a:font script="Talu" typeface="Microsoft New Tai Lue"/>
-        <a:font script="Tfng" typeface="Ebrima"/>
       </a:majorFont>
       <a:minorFont>
         <a:latin typeface="Calibri" panose="020F0502020204030204"/>
@@ -4282,26 +4375,9 @@
         <a:font script="Viet" typeface="Arial"/>
         <a:font script="Uigh" typeface="Microsoft Uighur"/>
         <a:font script="Geor" typeface="Sylfaen"/>
-        <a:font script="Armn" typeface="Arial"/>
-        <a:font script="Bugi" typeface="Leelawadee UI"/>
-        <a:font script="Bopo" typeface="Microsoft JhengHei"/>
-        <a:font script="Java" typeface="Javanese Text"/>
-        <a:font script="Lisu" typeface="Segoe UI"/>
-        <a:font script="Mymr" typeface="Myanmar Text"/>
-        <a:font script="Nkoo" typeface="Ebrima"/>
-        <a:font script="Olck" typeface="Nirmala UI"/>
-        <a:font script="Osma" typeface="Ebrima"/>
-        <a:font script="Phag" typeface="Phagspa"/>
-        <a:font script="Syrn" typeface="Estrangelo Edessa"/>
-        <a:font script="Syrj" typeface="Estrangelo Edessa"/>
-        <a:font script="Syre" typeface="Estrangelo Edessa"/>
-        <a:font script="Sora" typeface="Nirmala UI"/>
-        <a:font script="Tale" typeface="Microsoft Tai Le"/>
-        <a:font script="Talu" typeface="Microsoft New Tai Lue"/>
-        <a:font script="Tfng" typeface="Ebrima"/>
       </a:minorFont>
     </a:fontScheme>
-    <a:fmtScheme name="Office">
+    <a:fmtScheme name="Office Theme">
       <a:fillStyleLst>
         <a:solidFill>
           <a:schemeClr val="phClr"/>
@@ -4443,7 +4519,7 @@
   <a:extraClrSchemeLst/>
   <a:extLst>
     <a:ext uri="{05A4C25C-085E-4340-85A3-A5531E510DB2}">
-      <thm15:themeFamily xmlns:thm15="http://schemas.microsoft.com/office/thememl/2012/main" name="Office Theme" id="{62F939B6-93AF-4DB8-9C6B-D6C7DFDC589F}" vid="{4A3C46E8-61CC-4603-A589-7422A47A8E4A}"/>
+      <thm15:themeFamily xmlns:thm15="http://schemas.microsoft.com/office/thememl/2012/main" name="Office 2013 - 2022 Theme" id="{62F939B6-93AF-4DB8-9C6B-D6C7DFDC589F}" vid="{4A3C46E8-61CC-4603-A589-7422A47A8E4A}"/>
     </a:ext>
   </a:extLst>
 </a:theme>

--- a/Offline/BusinessManagement/Teach_Tech@anodiam/IT/CourseMaterials/MySQL/MySQL.pptx
+++ b/Offline/BusinessManagement/Teach_Tech@anodiam/IT/CourseMaterials/MySQL/MySQL.pptx
@@ -2,17 +2,18 @@
 <file path=ppt/presentation.xml><?xml version="1.0" encoding="utf-8"?>
 <p:presentation xmlns:a="http://schemas.openxmlformats.org/drawingml/2006/main" xmlns:r="http://schemas.openxmlformats.org/officeDocument/2006/relationships" xmlns:p="http://schemas.openxmlformats.org/presentationml/2006/main" saveSubsetFonts="1">
   <p:sldMasterIdLst>
-    <p:sldMasterId id="2147483660" r:id="rId1"/>
+    <p:sldMasterId id="2147483672" r:id="rId1"/>
   </p:sldMasterIdLst>
   <p:notesMasterIdLst>
-    <p:notesMasterId r:id="rId5"/>
+    <p:notesMasterId r:id="rId6"/>
   </p:notesMasterIdLst>
   <p:sldIdLst>
     <p:sldId id="259" r:id="rId2"/>
     <p:sldId id="260" r:id="rId3"/>
     <p:sldId id="261" r:id="rId4"/>
+    <p:sldId id="262" r:id="rId5"/>
   </p:sldIdLst>
-  <p:sldSz cx="12192000" cy="7218363"/>
+  <p:sldSz cx="12192000" cy="7289800"/>
   <p:notesSz cx="6858000" cy="9144000"/>
   <p:defaultTextStyle>
     <a:defPPr>
@@ -217,8 +218,8 @@
         </p:nvSpPr>
         <p:spPr>
           <a:xfrm>
-            <a:off x="822325" y="1143000"/>
-            <a:ext cx="5213350" cy="3086100"/>
+            <a:off x="847725" y="1143000"/>
+            <a:ext cx="5162550" cy="3086100"/>
           </a:xfrm>
           <a:prstGeom prst="rect">
             <a:avLst/>
@@ -496,8 +497,8 @@
         </p:nvSpPr>
         <p:spPr>
           <a:xfrm>
-            <a:off x="1524000" y="1181339"/>
-            <a:ext cx="9144000" cy="2513060"/>
+            <a:off x="1524000" y="1193030"/>
+            <a:ext cx="9144000" cy="2537930"/>
           </a:xfrm>
         </p:spPr>
         <p:txBody>
@@ -528,8 +529,8 @@
         </p:nvSpPr>
         <p:spPr>
           <a:xfrm>
-            <a:off x="1524000" y="3791312"/>
-            <a:ext cx="9144000" cy="1742766"/>
+            <a:off x="1524000" y="3828833"/>
+            <a:ext cx="9144000" cy="1760014"/>
           </a:xfrm>
         </p:spPr>
         <p:txBody>
@@ -649,7 +650,7 @@
     </p:spTree>
     <p:extLst>
       <p:ext uri="{BB962C8B-B14F-4D97-AF65-F5344CB8AC3E}">
-        <p14:creationId xmlns:p14="http://schemas.microsoft.com/office/powerpoint/2010/main" val="490733599"/>
+        <p14:creationId xmlns:p14="http://schemas.microsoft.com/office/powerpoint/2010/main" val="1642407580"/>
       </p:ext>
     </p:extLst>
   </p:cSld>
@@ -819,7 +820,7 @@
     </p:spTree>
     <p:extLst>
       <p:ext uri="{BB962C8B-B14F-4D97-AF65-F5344CB8AC3E}">
-        <p14:creationId xmlns:p14="http://schemas.microsoft.com/office/powerpoint/2010/main" val="3747352942"/>
+        <p14:creationId xmlns:p14="http://schemas.microsoft.com/office/powerpoint/2010/main" val="2099793565"/>
       </p:ext>
     </p:extLst>
   </p:cSld>
@@ -858,8 +859,8 @@
         </p:nvSpPr>
         <p:spPr>
           <a:xfrm>
-            <a:off x="8724900" y="384311"/>
-            <a:ext cx="2628900" cy="6117229"/>
+            <a:off x="8724900" y="388114"/>
+            <a:ext cx="2628900" cy="6177769"/>
           </a:xfrm>
         </p:spPr>
         <p:txBody>
@@ -886,8 +887,8 @@
         </p:nvSpPr>
         <p:spPr>
           <a:xfrm>
-            <a:off x="838200" y="384311"/>
-            <a:ext cx="7734300" cy="6117229"/>
+            <a:off x="838200" y="388114"/>
+            <a:ext cx="7734300" cy="6177769"/>
           </a:xfrm>
         </p:spPr>
         <p:txBody>
@@ -999,7 +1000,7 @@
     </p:spTree>
     <p:extLst>
       <p:ext uri="{BB962C8B-B14F-4D97-AF65-F5344CB8AC3E}">
-        <p14:creationId xmlns:p14="http://schemas.microsoft.com/office/powerpoint/2010/main" val="1566528382"/>
+        <p14:creationId xmlns:p14="http://schemas.microsoft.com/office/powerpoint/2010/main" val="1530119990"/>
       </p:ext>
     </p:extLst>
   </p:cSld>
@@ -1169,7 +1170,7 @@
     </p:spTree>
     <p:extLst>
       <p:ext uri="{BB962C8B-B14F-4D97-AF65-F5344CB8AC3E}">
-        <p14:creationId xmlns:p14="http://schemas.microsoft.com/office/powerpoint/2010/main" val="1151373625"/>
+        <p14:creationId xmlns:p14="http://schemas.microsoft.com/office/powerpoint/2010/main" val="2721890393"/>
       </p:ext>
     </p:extLst>
   </p:cSld>
@@ -1208,8 +1209,8 @@
         </p:nvSpPr>
         <p:spPr>
           <a:xfrm>
-            <a:off x="831850" y="1799579"/>
-            <a:ext cx="10515600" cy="3002638"/>
+            <a:off x="831850" y="1817389"/>
+            <a:ext cx="10515600" cy="3032354"/>
           </a:xfrm>
         </p:spPr>
         <p:txBody>
@@ -1240,8 +1241,8 @@
         </p:nvSpPr>
         <p:spPr>
           <a:xfrm>
-            <a:off x="831850" y="4830623"/>
-            <a:ext cx="10515600" cy="1579016"/>
+            <a:off x="831850" y="4878430"/>
+            <a:ext cx="10515600" cy="1594643"/>
           </a:xfrm>
         </p:spPr>
         <p:txBody>
@@ -1415,7 +1416,7 @@
     </p:spTree>
     <p:extLst>
       <p:ext uri="{BB962C8B-B14F-4D97-AF65-F5344CB8AC3E}">
-        <p14:creationId xmlns:p14="http://schemas.microsoft.com/office/powerpoint/2010/main" val="2508760109"/>
+        <p14:creationId xmlns:p14="http://schemas.microsoft.com/office/powerpoint/2010/main" val="3905292681"/>
       </p:ext>
     </p:extLst>
   </p:cSld>
@@ -1477,8 +1478,8 @@
         </p:nvSpPr>
         <p:spPr>
           <a:xfrm>
-            <a:off x="838200" y="1921555"/>
-            <a:ext cx="5181600" cy="4579985"/>
+            <a:off x="838200" y="1940572"/>
+            <a:ext cx="5181600" cy="4625311"/>
           </a:xfrm>
         </p:spPr>
         <p:txBody>
@@ -1534,8 +1535,8 @@
         </p:nvSpPr>
         <p:spPr>
           <a:xfrm>
-            <a:off x="6172200" y="1921555"/>
-            <a:ext cx="5181600" cy="4579985"/>
+            <a:off x="6172200" y="1940572"/>
+            <a:ext cx="5181600" cy="4625311"/>
           </a:xfrm>
         </p:spPr>
         <p:txBody>
@@ -1647,7 +1648,7 @@
     </p:spTree>
     <p:extLst>
       <p:ext uri="{BB962C8B-B14F-4D97-AF65-F5344CB8AC3E}">
-        <p14:creationId xmlns:p14="http://schemas.microsoft.com/office/powerpoint/2010/main" val="3558100425"/>
+        <p14:creationId xmlns:p14="http://schemas.microsoft.com/office/powerpoint/2010/main" val="181878737"/>
       </p:ext>
     </p:extLst>
   </p:cSld>
@@ -1686,8 +1687,8 @@
         </p:nvSpPr>
         <p:spPr>
           <a:xfrm>
-            <a:off x="839788" y="384311"/>
-            <a:ext cx="10515600" cy="1395217"/>
+            <a:off x="839788" y="388115"/>
+            <a:ext cx="10515600" cy="1409024"/>
           </a:xfrm>
         </p:spPr>
         <p:txBody>
@@ -1714,8 +1715,8 @@
         </p:nvSpPr>
         <p:spPr>
           <a:xfrm>
-            <a:off x="839789" y="1769502"/>
-            <a:ext cx="5157787" cy="867206"/>
+            <a:off x="839789" y="1787014"/>
+            <a:ext cx="5157787" cy="875788"/>
           </a:xfrm>
         </p:spPr>
         <p:txBody>
@@ -1779,8 +1780,8 @@
         </p:nvSpPr>
         <p:spPr>
           <a:xfrm>
-            <a:off x="839789" y="2636707"/>
-            <a:ext cx="5157787" cy="3878200"/>
+            <a:off x="839789" y="2662802"/>
+            <a:ext cx="5157787" cy="3916581"/>
           </a:xfrm>
         </p:spPr>
         <p:txBody>
@@ -1836,8 +1837,8 @@
         </p:nvSpPr>
         <p:spPr>
           <a:xfrm>
-            <a:off x="6172200" y="1769502"/>
-            <a:ext cx="5183188" cy="867206"/>
+            <a:off x="6172200" y="1787014"/>
+            <a:ext cx="5183188" cy="875788"/>
           </a:xfrm>
         </p:spPr>
         <p:txBody>
@@ -1901,8 +1902,8 @@
         </p:nvSpPr>
         <p:spPr>
           <a:xfrm>
-            <a:off x="6172200" y="2636707"/>
-            <a:ext cx="5183188" cy="3878200"/>
+            <a:off x="6172200" y="2662802"/>
+            <a:ext cx="5183188" cy="3916581"/>
           </a:xfrm>
         </p:spPr>
         <p:txBody>
@@ -2014,7 +2015,7 @@
     </p:spTree>
     <p:extLst>
       <p:ext uri="{BB962C8B-B14F-4D97-AF65-F5344CB8AC3E}">
-        <p14:creationId xmlns:p14="http://schemas.microsoft.com/office/powerpoint/2010/main" val="3222707371"/>
+        <p14:creationId xmlns:p14="http://schemas.microsoft.com/office/powerpoint/2010/main" val="2581658376"/>
       </p:ext>
     </p:extLst>
   </p:cSld>
@@ -2132,7 +2133,7 @@
     </p:spTree>
     <p:extLst>
       <p:ext uri="{BB962C8B-B14F-4D97-AF65-F5344CB8AC3E}">
-        <p14:creationId xmlns:p14="http://schemas.microsoft.com/office/powerpoint/2010/main" val="1852501607"/>
+        <p14:creationId xmlns:p14="http://schemas.microsoft.com/office/powerpoint/2010/main" val="4272847843"/>
       </p:ext>
     </p:extLst>
   </p:cSld>
@@ -2227,7 +2228,7 @@
     </p:spTree>
     <p:extLst>
       <p:ext uri="{BB962C8B-B14F-4D97-AF65-F5344CB8AC3E}">
-        <p14:creationId xmlns:p14="http://schemas.microsoft.com/office/powerpoint/2010/main" val="1589647892"/>
+        <p14:creationId xmlns:p14="http://schemas.microsoft.com/office/powerpoint/2010/main" val="499883849"/>
       </p:ext>
     </p:extLst>
   </p:cSld>
@@ -2266,8 +2267,8 @@
         </p:nvSpPr>
         <p:spPr>
           <a:xfrm>
-            <a:off x="839789" y="481224"/>
-            <a:ext cx="3932237" cy="1684285"/>
+            <a:off x="839789" y="485987"/>
+            <a:ext cx="3932237" cy="1700953"/>
           </a:xfrm>
         </p:spPr>
         <p:txBody>
@@ -2298,8 +2299,8 @@
         </p:nvSpPr>
         <p:spPr>
           <a:xfrm>
-            <a:off x="5183188" y="1039311"/>
-            <a:ext cx="6172200" cy="5129716"/>
+            <a:off x="5183188" y="1049597"/>
+            <a:ext cx="6172200" cy="5180483"/>
           </a:xfrm>
         </p:spPr>
         <p:txBody>
@@ -2383,8 +2384,8 @@
         </p:nvSpPr>
         <p:spPr>
           <a:xfrm>
-            <a:off x="839789" y="2165509"/>
-            <a:ext cx="3932237" cy="4011873"/>
+            <a:off x="839789" y="2186940"/>
+            <a:ext cx="3932237" cy="4051577"/>
           </a:xfrm>
         </p:spPr>
         <p:txBody>
@@ -2504,7 +2505,7 @@
     </p:spTree>
     <p:extLst>
       <p:ext uri="{BB962C8B-B14F-4D97-AF65-F5344CB8AC3E}">
-        <p14:creationId xmlns:p14="http://schemas.microsoft.com/office/powerpoint/2010/main" val="1812063161"/>
+        <p14:creationId xmlns:p14="http://schemas.microsoft.com/office/powerpoint/2010/main" val="533992892"/>
       </p:ext>
     </p:extLst>
   </p:cSld>
@@ -2543,8 +2544,8 @@
         </p:nvSpPr>
         <p:spPr>
           <a:xfrm>
-            <a:off x="839789" y="481224"/>
-            <a:ext cx="3932237" cy="1684285"/>
+            <a:off x="839789" y="485987"/>
+            <a:ext cx="3932237" cy="1700953"/>
           </a:xfrm>
         </p:spPr>
         <p:txBody>
@@ -2575,8 +2576,8 @@
         </p:nvSpPr>
         <p:spPr>
           <a:xfrm>
-            <a:off x="5183188" y="1039311"/>
-            <a:ext cx="6172200" cy="5129716"/>
+            <a:off x="5183188" y="1049597"/>
+            <a:ext cx="6172200" cy="5180483"/>
           </a:xfrm>
         </p:spPr>
         <p:txBody>
@@ -2640,8 +2641,8 @@
         </p:nvSpPr>
         <p:spPr>
           <a:xfrm>
-            <a:off x="839789" y="2165509"/>
-            <a:ext cx="3932237" cy="4011873"/>
+            <a:off x="839789" y="2186940"/>
+            <a:ext cx="3932237" cy="4051577"/>
           </a:xfrm>
         </p:spPr>
         <p:txBody>
@@ -2761,7 +2762,7 @@
     </p:spTree>
     <p:extLst>
       <p:ext uri="{BB962C8B-B14F-4D97-AF65-F5344CB8AC3E}">
-        <p14:creationId xmlns:p14="http://schemas.microsoft.com/office/powerpoint/2010/main" val="2018122734"/>
+        <p14:creationId xmlns:p14="http://schemas.microsoft.com/office/powerpoint/2010/main" val="1671455283"/>
       </p:ext>
     </p:extLst>
   </p:cSld>
@@ -2805,8 +2806,8 @@
         </p:nvSpPr>
         <p:spPr>
           <a:xfrm>
-            <a:off x="838200" y="384311"/>
-            <a:ext cx="10515600" cy="1395217"/>
+            <a:off x="838200" y="388115"/>
+            <a:ext cx="10515600" cy="1409024"/>
           </a:xfrm>
           <a:prstGeom prst="rect">
             <a:avLst/>
@@ -2838,8 +2839,8 @@
         </p:nvSpPr>
         <p:spPr>
           <a:xfrm>
-            <a:off x="838200" y="1921555"/>
-            <a:ext cx="10515600" cy="4579985"/>
+            <a:off x="838200" y="1940572"/>
+            <a:ext cx="10515600" cy="4625311"/>
           </a:xfrm>
           <a:prstGeom prst="rect">
             <a:avLst/>
@@ -2900,8 +2901,8 @@
         </p:nvSpPr>
         <p:spPr>
           <a:xfrm>
-            <a:off x="838200" y="6690354"/>
-            <a:ext cx="2743200" cy="384311"/>
+            <a:off x="838200" y="6756565"/>
+            <a:ext cx="2743200" cy="388114"/>
           </a:xfrm>
           <a:prstGeom prst="rect">
             <a:avLst/>
@@ -2941,8 +2942,8 @@
         </p:nvSpPr>
         <p:spPr>
           <a:xfrm>
-            <a:off x="4038600" y="6690354"/>
-            <a:ext cx="4114800" cy="384311"/>
+            <a:off x="4038600" y="6756565"/>
+            <a:ext cx="4114800" cy="388114"/>
           </a:xfrm>
           <a:prstGeom prst="rect">
             <a:avLst/>
@@ -2978,8 +2979,8 @@
         </p:nvSpPr>
         <p:spPr>
           <a:xfrm>
-            <a:off x="8610600" y="6690354"/>
-            <a:ext cx="2743200" cy="384311"/>
+            <a:off x="8610600" y="6756565"/>
+            <a:ext cx="2743200" cy="388114"/>
           </a:xfrm>
           <a:prstGeom prst="rect">
             <a:avLst/>
@@ -3010,23 +3011,23 @@
     </p:spTree>
     <p:extLst>
       <p:ext uri="{BB962C8B-B14F-4D97-AF65-F5344CB8AC3E}">
-        <p14:creationId xmlns:p14="http://schemas.microsoft.com/office/powerpoint/2010/main" val="4174471730"/>
+        <p14:creationId xmlns:p14="http://schemas.microsoft.com/office/powerpoint/2010/main" val="3314742289"/>
       </p:ext>
     </p:extLst>
   </p:cSld>
   <p:clrMap bg1="lt1" tx1="dk1" bg2="lt2" tx2="dk2" accent1="accent1" accent2="accent2" accent3="accent3" accent4="accent4" accent5="accent5" accent6="accent6" hlink="hlink" folHlink="folHlink"/>
   <p:sldLayoutIdLst>
-    <p:sldLayoutId id="2147483661" r:id="rId1"/>
-    <p:sldLayoutId id="2147483662" r:id="rId2"/>
-    <p:sldLayoutId id="2147483663" r:id="rId3"/>
-    <p:sldLayoutId id="2147483664" r:id="rId4"/>
-    <p:sldLayoutId id="2147483665" r:id="rId5"/>
-    <p:sldLayoutId id="2147483666" r:id="rId6"/>
-    <p:sldLayoutId id="2147483667" r:id="rId7"/>
-    <p:sldLayoutId id="2147483668" r:id="rId8"/>
-    <p:sldLayoutId id="2147483669" r:id="rId9"/>
-    <p:sldLayoutId id="2147483670" r:id="rId10"/>
-    <p:sldLayoutId id="2147483671" r:id="rId11"/>
+    <p:sldLayoutId id="2147483673" r:id="rId1"/>
+    <p:sldLayoutId id="2147483674" r:id="rId2"/>
+    <p:sldLayoutId id="2147483675" r:id="rId3"/>
+    <p:sldLayoutId id="2147483676" r:id="rId4"/>
+    <p:sldLayoutId id="2147483677" r:id="rId5"/>
+    <p:sldLayoutId id="2147483678" r:id="rId6"/>
+    <p:sldLayoutId id="2147483679" r:id="rId7"/>
+    <p:sldLayoutId id="2147483680" r:id="rId8"/>
+    <p:sldLayoutId id="2147483681" r:id="rId9"/>
+    <p:sldLayoutId id="2147483682" r:id="rId10"/>
+    <p:sldLayoutId id="2147483683" r:id="rId11"/>
   </p:sldLayoutIdLst>
   <p:txStyles>
     <p:titleStyle>
@@ -3348,7 +3349,7 @@
         </p:nvSpPr>
         <p:spPr>
           <a:xfrm>
-            <a:off x="2176210" y="366969"/>
+            <a:off x="2176211" y="402688"/>
             <a:ext cx="7839581" cy="457368"/>
           </a:xfrm>
           <a:prstGeom prst="rect">
@@ -3400,7 +3401,7 @@
         </p:blipFill>
         <p:spPr>
           <a:xfrm>
-            <a:off x="315244" y="366969"/>
+            <a:off x="315245" y="402689"/>
             <a:ext cx="725875" cy="725875"/>
           </a:xfrm>
           <a:prstGeom prst="rect">
@@ -3422,7 +3423,7 @@
         </p:nvSpPr>
         <p:spPr>
           <a:xfrm>
-            <a:off x="2176208" y="1615693"/>
+            <a:off x="2176208" y="1651413"/>
             <a:ext cx="6436850" cy="4524315"/>
           </a:xfrm>
           <a:prstGeom prst="rect">
@@ -3623,7 +3624,7 @@
         </p:nvSpPr>
         <p:spPr>
           <a:xfrm>
-            <a:off x="1930403" y="366969"/>
+            <a:off x="1930404" y="402688"/>
             <a:ext cx="7839581" cy="457368"/>
           </a:xfrm>
           <a:prstGeom prst="rect">
@@ -3675,7 +3676,7 @@
         </p:blipFill>
         <p:spPr>
           <a:xfrm>
-            <a:off x="315244" y="366969"/>
+            <a:off x="315245" y="402689"/>
             <a:ext cx="725875" cy="725875"/>
           </a:xfrm>
           <a:prstGeom prst="rect">
@@ -3697,7 +3698,7 @@
         </p:nvSpPr>
         <p:spPr>
           <a:xfrm>
-            <a:off x="1474841" y="1114243"/>
+            <a:off x="1474842" y="1149962"/>
             <a:ext cx="8652387" cy="2893100"/>
           </a:xfrm>
           <a:prstGeom prst="rect">
@@ -3861,7 +3862,7 @@
         </p:nvSpPr>
         <p:spPr>
           <a:xfrm>
-            <a:off x="1930403" y="366969"/>
+            <a:off x="1930404" y="402688"/>
             <a:ext cx="7839581" cy="457368"/>
           </a:xfrm>
           <a:prstGeom prst="rect">
@@ -3913,7 +3914,7 @@
         </p:blipFill>
         <p:spPr>
           <a:xfrm>
-            <a:off x="315244" y="366969"/>
+            <a:off x="315245" y="402689"/>
             <a:ext cx="725875" cy="725875"/>
           </a:xfrm>
           <a:prstGeom prst="rect">
@@ -3935,7 +3936,7 @@
         </p:nvSpPr>
         <p:spPr>
           <a:xfrm>
-            <a:off x="1474841" y="1114245"/>
+            <a:off x="1474842" y="1149965"/>
             <a:ext cx="8652387" cy="6032421"/>
           </a:xfrm>
           <a:prstGeom prst="rect">
@@ -3950,23 +3951,23 @@
           <a:lstStyle/>
           <a:p>
             <a:r>
+              <a:rPr lang="en-IN" sz="1600" b="1" dirty="0">
+                <a:latin typeface="Oxygen" panose="02000503000000000000" pitchFamily="2" charset="0"/>
+              </a:rPr>
+              <a:t>MySQL create database statement  </a:t>
+            </a:r>
+            <a:r>
               <a:rPr lang="en-IN" sz="1600" dirty="0">
                 <a:latin typeface="Oxygen" panose="02000503000000000000" pitchFamily="2" charset="0"/>
-              </a:rPr>
-              <a:t>MySQL create database statement  </a:t>
+                <a:sym typeface="Wingdings" panose="05000000000000000000" pitchFamily="2" charset="2"/>
+              </a:rPr>
+              <a:t></a:t>
             </a:r>
             <a:r>
               <a:rPr lang="en-IN" sz="1600" dirty="0">
                 <a:latin typeface="Oxygen" panose="02000503000000000000" pitchFamily="2" charset="0"/>
-                <a:sym typeface="Wingdings" panose="05000000000000000000" pitchFamily="2" charset="2"/>
-              </a:rPr>
-              <a:t></a:t>
-            </a:r>
-            <a:r>
-              <a:rPr lang="en-IN" sz="1600" dirty="0">
-                <a:latin typeface="Oxygen" panose="02000503000000000000" pitchFamily="2" charset="0"/>
-              </a:rPr>
-              <a:t> create database testDB.</a:t>
+              </a:rPr>
+              <a:t> CREATE DATABASE testDB.</a:t>
             </a:r>
           </a:p>
           <a:p>
@@ -3983,21 +3984,21 @@
             </a:endParaRPr>
           </a:p>
           <a:p>
+            <a:r>
+              <a:rPr lang="en-IN" sz="1400" b="1" dirty="0">
+                <a:solidFill>
+                  <a:srgbClr val="000000"/>
+                </a:solidFill>
+                <a:latin typeface="Oxygen" panose="02000503000000000000" pitchFamily="2" charset="0"/>
+              </a:rPr>
+              <a:t>MySQL DROP DATABASE Statement </a:t>
+            </a:r>
             <a:r>
               <a:rPr lang="en-IN" sz="1400" dirty="0">
                 <a:solidFill>
                   <a:srgbClr val="000000"/>
                 </a:solidFill>
                 <a:latin typeface="Oxygen" panose="02000503000000000000" pitchFamily="2" charset="0"/>
-              </a:rPr>
-              <a:t>MySQL DROP DATABASE Statement </a:t>
-            </a:r>
-            <a:r>
-              <a:rPr lang="en-IN" sz="1400" dirty="0">
-                <a:solidFill>
-                  <a:srgbClr val="000000"/>
-                </a:solidFill>
-                <a:latin typeface="Oxygen" panose="02000503000000000000" pitchFamily="2" charset="0"/>
                 <a:sym typeface="Wingdings" panose="05000000000000000000" pitchFamily="2" charset="2"/>
               </a:rPr>
               <a:t> </a:t>
@@ -4006,7 +4007,7 @@
               <a:rPr lang="en-IN" sz="1600" dirty="0">
                 <a:latin typeface="Oxygen" panose="02000503000000000000" pitchFamily="2" charset="0"/>
               </a:rPr>
-              <a:t>drop database testDB.</a:t>
+              <a:t>DROP DATABASE testDB.</a:t>
             </a:r>
           </a:p>
           <a:p>
@@ -4084,26 +4085,26 @@
           </a:p>
           <a:p>
             <a:r>
+              <a:rPr lang="en-IN" sz="1600" b="1" dirty="0">
+                <a:latin typeface="Oxygen" panose="02000503000000000000" pitchFamily="2" charset="0"/>
+              </a:rPr>
+              <a:t>MySQL create table statement </a:t>
+            </a:r>
+            <a:r>
               <a:rPr lang="en-IN" sz="1600" dirty="0">
                 <a:latin typeface="Oxygen" panose="02000503000000000000" pitchFamily="2" charset="0"/>
-              </a:rPr>
-              <a:t>MySQL create table statement </a:t>
-            </a:r>
+                <a:sym typeface="Wingdings" panose="05000000000000000000" pitchFamily="2" charset="2"/>
+              </a:rPr>
+              <a:t></a:t>
+            </a:r>
+          </a:p>
+          <a:p>
             <a:r>
               <a:rPr lang="en-IN" sz="1600" dirty="0">
                 <a:latin typeface="Oxygen" panose="02000503000000000000" pitchFamily="2" charset="0"/>
                 <a:sym typeface="Wingdings" panose="05000000000000000000" pitchFamily="2" charset="2"/>
               </a:rPr>
-              <a:t></a:t>
-            </a:r>
-          </a:p>
-          <a:p>
-            <a:r>
-              <a:rPr lang="en-IN" sz="1600" dirty="0">
-                <a:latin typeface="Oxygen" panose="02000503000000000000" pitchFamily="2" charset="0"/>
-                <a:sym typeface="Wingdings" panose="05000000000000000000" pitchFamily="2" charset="2"/>
-              </a:rPr>
-              <a:t>Use </a:t>
+              <a:t>USE </a:t>
             </a:r>
             <a:r>
               <a:rPr lang="en-IN" sz="1600" dirty="0">
@@ -4122,7 +4123,7 @@
                 <a:latin typeface="Oxygen" panose="02000503000000000000" pitchFamily="2" charset="0"/>
                 <a:sym typeface="Wingdings" panose="05000000000000000000" pitchFamily="2" charset="2"/>
               </a:rPr>
-              <a:t>Create table employee (</a:t>
+              <a:t>CREATE TABLE employee (</a:t>
             </a:r>
           </a:p>
           <a:p>
@@ -4255,6 +4256,407 @@
     <p:extLst>
       <p:ext uri="{BB962C8B-B14F-4D97-AF65-F5344CB8AC3E}">
         <p14:creationId xmlns:p14="http://schemas.microsoft.com/office/powerpoint/2010/main" val="2517225604"/>
+      </p:ext>
+    </p:extLst>
+  </p:cSld>
+  <p:clrMapOvr>
+    <a:masterClrMapping/>
+  </p:clrMapOvr>
+</p:sld>
+</file>
+
+<file path=ppt/slides/slide4.xml><?xml version="1.0" encoding="utf-8"?>
+<p:sld xmlns:a="http://schemas.openxmlformats.org/drawingml/2006/main" xmlns:r="http://schemas.openxmlformats.org/officeDocument/2006/relationships" xmlns:p="http://schemas.openxmlformats.org/presentationml/2006/main">
+  <p:cSld>
+    <p:spTree>
+      <p:nvGrpSpPr>
+        <p:cNvPr id="1" name="">
+          <a:extLst>
+            <a:ext uri="{FF2B5EF4-FFF2-40B4-BE49-F238E27FC236}">
+              <a16:creationId xmlns:a16="http://schemas.microsoft.com/office/drawing/2014/main" id="{D2525FA0-EB6A-74D5-64F2-58246C65749A}"/>
+            </a:ext>
+          </a:extLst>
+        </p:cNvPr>
+        <p:cNvGrpSpPr/>
+        <p:nvPr/>
+      </p:nvGrpSpPr>
+      <p:grpSpPr>
+        <a:xfrm>
+          <a:off x="0" y="0"/>
+          <a:ext cx="0" cy="0"/>
+          <a:chOff x="0" y="0"/>
+          <a:chExt cx="0" cy="0"/>
+        </a:xfrm>
+      </p:grpSpPr>
+      <p:pic>
+        <p:nvPicPr>
+          <p:cNvPr id="15" name="Picture 14">
+            <a:extLst>
+              <a:ext uri="{FF2B5EF4-FFF2-40B4-BE49-F238E27FC236}">
+                <a16:creationId xmlns:a16="http://schemas.microsoft.com/office/drawing/2014/main" id="{365F8DD9-D431-0419-BADE-0FE99710957B}"/>
+              </a:ext>
+            </a:extLst>
+          </p:cNvPr>
+          <p:cNvPicPr>
+            <a:picLocks noChangeAspect="1"/>
+          </p:cNvPicPr>
+          <p:nvPr/>
+        </p:nvPicPr>
+        <p:blipFill>
+          <a:blip r:embed="rId2">
+            <a:extLst>
+              <a:ext uri="{28A0092B-C50C-407E-A947-70E740481C1C}">
+                <a14:useLocalDpi xmlns:a14="http://schemas.microsoft.com/office/drawing/2010/main" val="0"/>
+              </a:ext>
+            </a:extLst>
+          </a:blip>
+          <a:stretch>
+            <a:fillRect/>
+          </a:stretch>
+        </p:blipFill>
+        <p:spPr>
+          <a:xfrm>
+            <a:off x="315245" y="108772"/>
+            <a:ext cx="725875" cy="725875"/>
+          </a:xfrm>
+          <a:prstGeom prst="rect">
+            <a:avLst/>
+          </a:prstGeom>
+        </p:spPr>
+      </p:pic>
+      <p:sp>
+        <p:nvSpPr>
+          <p:cNvPr id="2" name="TextBox 1">
+            <a:extLst>
+              <a:ext uri="{FF2B5EF4-FFF2-40B4-BE49-F238E27FC236}">
+                <a16:creationId xmlns:a16="http://schemas.microsoft.com/office/drawing/2014/main" id="{39BEC1D2-F38A-3BD8-EFAD-FCD5FDD77DDC}"/>
+              </a:ext>
+            </a:extLst>
+          </p:cNvPr>
+          <p:cNvSpPr txBox="1"/>
+          <p:nvPr/>
+        </p:nvSpPr>
+        <p:spPr>
+          <a:xfrm>
+            <a:off x="1474842" y="845166"/>
+            <a:ext cx="8652387" cy="6740307"/>
+          </a:xfrm>
+          <a:prstGeom prst="rect">
+            <a:avLst/>
+          </a:prstGeom>
+          <a:noFill/>
+        </p:spPr>
+        <p:txBody>
+          <a:bodyPr wrap="square" rtlCol="0">
+            <a:spAutoFit/>
+          </a:bodyPr>
+          <a:lstStyle/>
+          <a:p>
+            <a:r>
+              <a:rPr lang="en-IN" sz="1600" b="1" dirty="0">
+                <a:latin typeface="Oxygen" panose="02000503000000000000" pitchFamily="2" charset="0"/>
+              </a:rPr>
+              <a:t>MySQL alter table statement</a:t>
+            </a:r>
+            <a:endParaRPr lang="en-IN" sz="1600" dirty="0">
+              <a:latin typeface="Oxygen" panose="02000503000000000000" pitchFamily="2" charset="0"/>
+              <a:sym typeface="Wingdings" panose="05000000000000000000" pitchFamily="2" charset="2"/>
+            </a:endParaRPr>
+          </a:p>
+          <a:p>
+            <a:endParaRPr lang="en-IN" sz="1600" dirty="0">
+              <a:latin typeface="Oxygen" panose="02000503000000000000" pitchFamily="2" charset="0"/>
+              <a:sym typeface="Wingdings" panose="05000000000000000000" pitchFamily="2" charset="2"/>
+            </a:endParaRPr>
+          </a:p>
+          <a:p>
+            <a:r>
+              <a:rPr lang="en-IN" sz="1600" b="1" dirty="0">
+                <a:latin typeface="Oxygen" panose="02000503000000000000" pitchFamily="2" charset="0"/>
+              </a:rPr>
+              <a:t>MySQL </a:t>
+            </a:r>
+            <a:r>
+              <a:rPr lang="en-IN" sz="1600" b="1" dirty="0">
+                <a:solidFill>
+                  <a:srgbClr val="000000"/>
+                </a:solidFill>
+                <a:latin typeface="Oxygen" panose="02000503000000000000" pitchFamily="2" charset="0"/>
+              </a:rPr>
+              <a:t>ALTER TABLE - ADD COLUMN  </a:t>
+            </a:r>
+            <a:r>
+              <a:rPr lang="en-IN" sz="1600" b="1" dirty="0">
+                <a:solidFill>
+                  <a:srgbClr val="000000"/>
+                </a:solidFill>
+                <a:latin typeface="Oxygen" panose="02000503000000000000" pitchFamily="2" charset="0"/>
+                <a:sym typeface="Wingdings" panose="05000000000000000000" pitchFamily="2" charset="2"/>
+              </a:rPr>
+              <a:t></a:t>
+            </a:r>
+            <a:endParaRPr lang="en-IN" sz="1600" b="1" dirty="0">
+              <a:solidFill>
+                <a:srgbClr val="000000"/>
+              </a:solidFill>
+              <a:latin typeface="Oxygen" panose="02000503000000000000" pitchFamily="2" charset="0"/>
+            </a:endParaRPr>
+          </a:p>
+          <a:p>
+            <a:endParaRPr lang="en-IN" sz="1600" dirty="0">
+              <a:latin typeface="Oxygen" panose="02000503000000000000" pitchFamily="2" charset="0"/>
+              <a:sym typeface="Wingdings" panose="05000000000000000000" pitchFamily="2" charset="2"/>
+            </a:endParaRPr>
+          </a:p>
+          <a:p>
+            <a:r>
+              <a:rPr lang="en-IN" sz="1600" dirty="0">
+                <a:latin typeface="Oxygen" panose="02000503000000000000" pitchFamily="2" charset="0"/>
+                <a:sym typeface="Wingdings" panose="05000000000000000000" pitchFamily="2" charset="2"/>
+              </a:rPr>
+              <a:t>Use </a:t>
+            </a:r>
+            <a:r>
+              <a:rPr lang="en-IN" sz="1600" dirty="0">
+                <a:latin typeface="Oxygen" panose="02000503000000000000" pitchFamily="2" charset="0"/>
+              </a:rPr>
+              <a:t>testDB</a:t>
+            </a:r>
+            <a:endParaRPr lang="en-IN" sz="1600" dirty="0">
+              <a:latin typeface="Oxygen" panose="02000503000000000000" pitchFamily="2" charset="0"/>
+              <a:sym typeface="Wingdings" panose="05000000000000000000" pitchFamily="2" charset="2"/>
+            </a:endParaRPr>
+          </a:p>
+          <a:p>
+            <a:r>
+              <a:rPr lang="en-US" sz="1600" dirty="0">
+                <a:latin typeface="Oxygen" panose="02000503000000000000" pitchFamily="2" charset="0"/>
+              </a:rPr>
+              <a:t>ALTER TABLE employee</a:t>
+            </a:r>
+            <a:br>
+              <a:rPr lang="en-US" sz="1600" dirty="0">
+                <a:latin typeface="Oxygen" panose="02000503000000000000" pitchFamily="2" charset="0"/>
+              </a:rPr>
+            </a:br>
+            <a:r>
+              <a:rPr lang="en-US" sz="1600" dirty="0">
+                <a:latin typeface="Oxygen" panose="02000503000000000000" pitchFamily="2" charset="0"/>
+              </a:rPr>
+              <a:t>ADD address varchar(100);</a:t>
+            </a:r>
+          </a:p>
+          <a:p>
+            <a:endParaRPr lang="en-US" sz="1600" dirty="0">
+              <a:latin typeface="Oxygen" panose="02000503000000000000" pitchFamily="2" charset="0"/>
+            </a:endParaRPr>
+          </a:p>
+          <a:p>
+            <a:r>
+              <a:rPr lang="en-IN" sz="1600" dirty="0">
+                <a:latin typeface="Oxygen" panose="02000503000000000000" pitchFamily="2" charset="0"/>
+              </a:rPr>
+              <a:t>The above statement adds a field address in the </a:t>
+            </a:r>
+            <a:r>
+              <a:rPr lang="en-IN" sz="1600" dirty="0">
+                <a:latin typeface="Oxygen" panose="02000503000000000000" pitchFamily="2" charset="0"/>
+                <a:sym typeface="Wingdings" panose="05000000000000000000" pitchFamily="2" charset="2"/>
+              </a:rPr>
+              <a:t>employee table.</a:t>
+            </a:r>
+          </a:p>
+          <a:p>
+            <a:endParaRPr lang="en-IN" sz="1600" dirty="0">
+              <a:latin typeface="Oxygen" panose="02000503000000000000" pitchFamily="2" charset="0"/>
+              <a:sym typeface="Wingdings" panose="05000000000000000000" pitchFamily="2" charset="2"/>
+            </a:endParaRPr>
+          </a:p>
+          <a:p>
+            <a:r>
+              <a:rPr lang="en-IN" sz="1600" b="1" dirty="0">
+                <a:latin typeface="Oxygen" panose="02000503000000000000" pitchFamily="2" charset="0"/>
+              </a:rPr>
+              <a:t>MySQL </a:t>
+            </a:r>
+            <a:r>
+              <a:rPr lang="en-IN" sz="1600" b="1" dirty="0">
+                <a:solidFill>
+                  <a:srgbClr val="000000"/>
+                </a:solidFill>
+                <a:latin typeface="Oxygen" panose="02000503000000000000" pitchFamily="2" charset="0"/>
+              </a:rPr>
+              <a:t>ALTER TABLE - MODIFY COLUMN</a:t>
+            </a:r>
+          </a:p>
+          <a:p>
+            <a:endParaRPr lang="en-IN" sz="1600" dirty="0">
+              <a:latin typeface="Oxygen" panose="02000503000000000000" pitchFamily="2" charset="0"/>
+              <a:sym typeface="Wingdings" panose="05000000000000000000" pitchFamily="2" charset="2"/>
+            </a:endParaRPr>
+          </a:p>
+          <a:p>
+            <a:r>
+              <a:rPr lang="en-IN" sz="1600" dirty="0">
+                <a:latin typeface="Oxygen" panose="02000503000000000000" pitchFamily="2" charset="0"/>
+                <a:sym typeface="Wingdings" panose="05000000000000000000" pitchFamily="2" charset="2"/>
+              </a:rPr>
+              <a:t>Use </a:t>
+            </a:r>
+            <a:r>
+              <a:rPr lang="en-IN" sz="1600" dirty="0">
+                <a:latin typeface="Oxygen" panose="02000503000000000000" pitchFamily="2" charset="0"/>
+              </a:rPr>
+              <a:t>testDB</a:t>
+            </a:r>
+            <a:endParaRPr lang="en-IN" sz="1600" dirty="0">
+              <a:latin typeface="Oxygen" panose="02000503000000000000" pitchFamily="2" charset="0"/>
+              <a:sym typeface="Wingdings" panose="05000000000000000000" pitchFamily="2" charset="2"/>
+            </a:endParaRPr>
+          </a:p>
+          <a:p>
+            <a:r>
+              <a:rPr lang="en-US" sz="1600" dirty="0">
+                <a:latin typeface="Oxygen" panose="02000503000000000000" pitchFamily="2" charset="0"/>
+              </a:rPr>
+              <a:t>ALTER TABLE employee</a:t>
+            </a:r>
+            <a:br>
+              <a:rPr lang="en-US" sz="1600" dirty="0">
+                <a:latin typeface="Oxygen" panose="02000503000000000000" pitchFamily="2" charset="0"/>
+              </a:rPr>
+            </a:br>
+            <a:r>
+              <a:rPr lang="en-US" sz="1600" dirty="0">
+                <a:latin typeface="Oxygen" panose="02000503000000000000" pitchFamily="2" charset="0"/>
+              </a:rPr>
+              <a:t>MODIFY COLUMN salary float;</a:t>
+            </a:r>
+          </a:p>
+          <a:p>
+            <a:endParaRPr lang="en-US" sz="1600" dirty="0">
+              <a:solidFill>
+                <a:srgbClr val="000000"/>
+              </a:solidFill>
+              <a:latin typeface="Oxygen" panose="02000503000000000000" pitchFamily="2" charset="0"/>
+            </a:endParaRPr>
+          </a:p>
+          <a:p>
+            <a:r>
+              <a:rPr lang="en-US" sz="1600" dirty="0">
+                <a:solidFill>
+                  <a:srgbClr val="000000"/>
+                </a:solidFill>
+                <a:latin typeface="Oxygen" panose="02000503000000000000" pitchFamily="2" charset="0"/>
+              </a:rPr>
+              <a:t>The above statement change the data type of a column in a table.</a:t>
+            </a:r>
+          </a:p>
+          <a:p>
+            <a:endParaRPr lang="en-US" sz="1600" dirty="0">
+              <a:solidFill>
+                <a:srgbClr val="000000"/>
+              </a:solidFill>
+              <a:latin typeface="Oxygen" panose="02000503000000000000" pitchFamily="2" charset="0"/>
+            </a:endParaRPr>
+          </a:p>
+          <a:p>
+            <a:r>
+              <a:rPr lang="en-IN" sz="1600" b="1" dirty="0">
+                <a:latin typeface="Oxygen" panose="02000503000000000000" pitchFamily="2" charset="0"/>
+              </a:rPr>
+              <a:t>MySQL </a:t>
+            </a:r>
+            <a:r>
+              <a:rPr lang="en-IN" sz="1600" b="1" dirty="0">
+                <a:solidFill>
+                  <a:srgbClr val="000000"/>
+                </a:solidFill>
+                <a:latin typeface="Oxygen" panose="02000503000000000000" pitchFamily="2" charset="0"/>
+              </a:rPr>
+              <a:t>ALTER TABLE - DELETE COLUMN</a:t>
+            </a:r>
+          </a:p>
+          <a:p>
+            <a:endParaRPr lang="en-IN" sz="1600" dirty="0">
+              <a:latin typeface="Oxygen" panose="02000503000000000000" pitchFamily="2" charset="0"/>
+              <a:sym typeface="Wingdings" panose="05000000000000000000" pitchFamily="2" charset="2"/>
+            </a:endParaRPr>
+          </a:p>
+          <a:p>
+            <a:r>
+              <a:rPr lang="en-IN" sz="1600" dirty="0">
+                <a:latin typeface="Oxygen" panose="02000503000000000000" pitchFamily="2" charset="0"/>
+                <a:sym typeface="Wingdings" panose="05000000000000000000" pitchFamily="2" charset="2"/>
+              </a:rPr>
+              <a:t>Use </a:t>
+            </a:r>
+            <a:r>
+              <a:rPr lang="en-IN" sz="1600" dirty="0">
+                <a:latin typeface="Oxygen" panose="02000503000000000000" pitchFamily="2" charset="0"/>
+              </a:rPr>
+              <a:t>testDB</a:t>
+            </a:r>
+            <a:endParaRPr lang="en-IN" sz="1600" dirty="0">
+              <a:latin typeface="Oxygen" panose="02000503000000000000" pitchFamily="2" charset="0"/>
+              <a:sym typeface="Wingdings" panose="05000000000000000000" pitchFamily="2" charset="2"/>
+            </a:endParaRPr>
+          </a:p>
+          <a:p>
+            <a:r>
+              <a:rPr lang="en-US" sz="1600" dirty="0">
+                <a:latin typeface="Oxygen" panose="02000503000000000000" pitchFamily="2" charset="0"/>
+              </a:rPr>
+              <a:t>ALTER TABLE employee</a:t>
+            </a:r>
+            <a:br>
+              <a:rPr lang="en-US" sz="1600" dirty="0">
+                <a:latin typeface="Oxygen" panose="02000503000000000000" pitchFamily="2" charset="0"/>
+              </a:rPr>
+            </a:br>
+            <a:r>
+              <a:rPr lang="en-US" sz="1600" dirty="0">
+                <a:latin typeface="Oxygen" panose="02000503000000000000" pitchFamily="2" charset="0"/>
+              </a:rPr>
+              <a:t>DROP COLUMN salary ;</a:t>
+            </a:r>
+          </a:p>
+          <a:p>
+            <a:endParaRPr lang="en-US" sz="1600" dirty="0">
+              <a:solidFill>
+                <a:srgbClr val="000000"/>
+              </a:solidFill>
+              <a:latin typeface="Oxygen" panose="02000503000000000000" pitchFamily="2" charset="0"/>
+            </a:endParaRPr>
+          </a:p>
+          <a:p>
+            <a:r>
+              <a:rPr lang="en-US" sz="1600" dirty="0">
+                <a:solidFill>
+                  <a:srgbClr val="000000"/>
+                </a:solidFill>
+                <a:latin typeface="Oxygen" panose="02000503000000000000" pitchFamily="2" charset="0"/>
+              </a:rPr>
+              <a:t>The above statement drop column salary from the table employee..</a:t>
+            </a:r>
+          </a:p>
+          <a:p>
+            <a:endParaRPr lang="en-IN" sz="1600" dirty="0">
+              <a:latin typeface="Oxygen" panose="02000503000000000000" pitchFamily="2" charset="0"/>
+            </a:endParaRPr>
+          </a:p>
+          <a:p>
+            <a:endParaRPr lang="en-IN" sz="1600" dirty="0">
+              <a:latin typeface="Oxygen" panose="02000503000000000000" pitchFamily="2" charset="0"/>
+              <a:sym typeface="Wingdings" panose="05000000000000000000" pitchFamily="2" charset="2"/>
+            </a:endParaRPr>
+          </a:p>
+        </p:txBody>
+      </p:sp>
+    </p:spTree>
+    <p:extLst>
+      <p:ext uri="{BB962C8B-B14F-4D97-AF65-F5344CB8AC3E}">
+        <p14:creationId xmlns:p14="http://schemas.microsoft.com/office/powerpoint/2010/main" val="3294426540"/>
       </p:ext>
     </p:extLst>
   </p:cSld>

--- a/Offline/BusinessManagement/Teach_Tech@anodiam/IT/CourseMaterials/MySQL/MySQL.pptx
+++ b/Offline/BusinessManagement/Teach_Tech@anodiam/IT/CourseMaterials/MySQL/MySQL.pptx
@@ -5,13 +5,15 @@
     <p:sldMasterId id="2147483672" r:id="rId1"/>
   </p:sldMasterIdLst>
   <p:notesMasterIdLst>
-    <p:notesMasterId r:id="rId6"/>
+    <p:notesMasterId r:id="rId8"/>
   </p:notesMasterIdLst>
   <p:sldIdLst>
     <p:sldId id="259" r:id="rId2"/>
     <p:sldId id="260" r:id="rId3"/>
     <p:sldId id="261" r:id="rId4"/>
     <p:sldId id="262" r:id="rId5"/>
+    <p:sldId id="263" r:id="rId6"/>
+    <p:sldId id="264" r:id="rId7"/>
   </p:sldIdLst>
   <p:sldSz cx="12192000" cy="7289800"/>
   <p:notesSz cx="6858000" cy="9144000"/>
@@ -3699,7 +3701,7 @@
         <p:spPr>
           <a:xfrm>
             <a:off x="1474842" y="1149962"/>
-            <a:ext cx="8652387" cy="2893100"/>
+            <a:ext cx="8652387" cy="3600986"/>
           </a:xfrm>
           <a:prstGeom prst="rect">
             <a:avLst/>
@@ -3775,6 +3777,14 @@
             </a:endParaRPr>
           </a:p>
           <a:p>
+            <a:endParaRPr lang="en-US" sz="1400" dirty="0">
+              <a:solidFill>
+                <a:srgbClr val="000000"/>
+              </a:solidFill>
+              <a:latin typeface="Oxygen" panose="02000503000000000000" pitchFamily="2" charset="0"/>
+            </a:endParaRPr>
+          </a:p>
+          <a:p>
             <a:r>
               <a:rPr lang="en-US" sz="1400" dirty="0">
                 <a:solidFill>
@@ -3793,6 +3803,16 @@
               </a:rPr>
               <a:t>https://www.javatpoint.com/how-to-install-mysql</a:t>
             </a:r>
+            <a:endParaRPr lang="en-IN" sz="1600" dirty="0">
+              <a:latin typeface="Oxygen" panose="02000503000000000000" pitchFamily="2" charset="0"/>
+            </a:endParaRPr>
+          </a:p>
+          <a:p>
+            <a:endParaRPr lang="en-IN" sz="1600" dirty="0">
+              <a:latin typeface="Oxygen" panose="02000503000000000000" pitchFamily="2" charset="0"/>
+            </a:endParaRPr>
+          </a:p>
+          <a:p>
             <a:endParaRPr lang="en-IN" sz="1600" dirty="0">
               <a:latin typeface="Oxygen" panose="02000503000000000000" pitchFamily="2" charset="0"/>
             </a:endParaRPr>
@@ -4657,6 +4677,826 @@
     <p:extLst>
       <p:ext uri="{BB962C8B-B14F-4D97-AF65-F5344CB8AC3E}">
         <p14:creationId xmlns:p14="http://schemas.microsoft.com/office/powerpoint/2010/main" val="3294426540"/>
+      </p:ext>
+    </p:extLst>
+  </p:cSld>
+  <p:clrMapOvr>
+    <a:masterClrMapping/>
+  </p:clrMapOvr>
+</p:sld>
+</file>
+
+<file path=ppt/slides/slide5.xml><?xml version="1.0" encoding="utf-8"?>
+<p:sld xmlns:a="http://schemas.openxmlformats.org/drawingml/2006/main" xmlns:r="http://schemas.openxmlformats.org/officeDocument/2006/relationships" xmlns:p="http://schemas.openxmlformats.org/presentationml/2006/main">
+  <p:cSld>
+    <p:spTree>
+      <p:nvGrpSpPr>
+        <p:cNvPr id="1" name="">
+          <a:extLst>
+            <a:ext uri="{FF2B5EF4-FFF2-40B4-BE49-F238E27FC236}">
+              <a16:creationId xmlns:a16="http://schemas.microsoft.com/office/drawing/2014/main" id="{ECEC2F0E-15BB-08CF-E926-81A51713EFD8}"/>
+            </a:ext>
+          </a:extLst>
+        </p:cNvPr>
+        <p:cNvGrpSpPr/>
+        <p:nvPr/>
+      </p:nvGrpSpPr>
+      <p:grpSpPr>
+        <a:xfrm>
+          <a:off x="0" y="0"/>
+          <a:ext cx="0" cy="0"/>
+          <a:chOff x="0" y="0"/>
+          <a:chExt cx="0" cy="0"/>
+        </a:xfrm>
+      </p:grpSpPr>
+      <p:pic>
+        <p:nvPicPr>
+          <p:cNvPr id="15" name="Picture 14">
+            <a:extLst>
+              <a:ext uri="{FF2B5EF4-FFF2-40B4-BE49-F238E27FC236}">
+                <a16:creationId xmlns:a16="http://schemas.microsoft.com/office/drawing/2014/main" id="{675DF82F-8FE5-A7CC-A9B3-7364DE381715}"/>
+              </a:ext>
+            </a:extLst>
+          </p:cNvPr>
+          <p:cNvPicPr>
+            <a:picLocks noChangeAspect="1"/>
+          </p:cNvPicPr>
+          <p:nvPr/>
+        </p:nvPicPr>
+        <p:blipFill>
+          <a:blip r:embed="rId2">
+            <a:extLst>
+              <a:ext uri="{28A0092B-C50C-407E-A947-70E740481C1C}">
+                <a14:useLocalDpi xmlns:a14="http://schemas.microsoft.com/office/drawing/2010/main" val="0"/>
+              </a:ext>
+            </a:extLst>
+          </a:blip>
+          <a:stretch>
+            <a:fillRect/>
+          </a:stretch>
+        </p:blipFill>
+        <p:spPr>
+          <a:xfrm>
+            <a:off x="315245" y="108772"/>
+            <a:ext cx="725875" cy="725875"/>
+          </a:xfrm>
+          <a:prstGeom prst="rect">
+            <a:avLst/>
+          </a:prstGeom>
+        </p:spPr>
+      </p:pic>
+      <p:sp>
+        <p:nvSpPr>
+          <p:cNvPr id="2" name="TextBox 1">
+            <a:extLst>
+              <a:ext uri="{FF2B5EF4-FFF2-40B4-BE49-F238E27FC236}">
+                <a16:creationId xmlns:a16="http://schemas.microsoft.com/office/drawing/2014/main" id="{9815D881-AF94-6719-F1A3-499999A080FC}"/>
+              </a:ext>
+            </a:extLst>
+          </p:cNvPr>
+          <p:cNvSpPr txBox="1"/>
+          <p:nvPr/>
+        </p:nvSpPr>
+        <p:spPr>
+          <a:xfrm>
+            <a:off x="1474842" y="845166"/>
+            <a:ext cx="8652387" cy="6247864"/>
+          </a:xfrm>
+          <a:prstGeom prst="rect">
+            <a:avLst/>
+          </a:prstGeom>
+          <a:noFill/>
+        </p:spPr>
+        <p:txBody>
+          <a:bodyPr wrap="square" rtlCol="0">
+            <a:spAutoFit/>
+          </a:bodyPr>
+          <a:lstStyle/>
+          <a:p>
+            <a:r>
+              <a:rPr lang="en-IN" sz="1600" b="1" dirty="0">
+                <a:latin typeface="Oxygen" panose="02000503000000000000" pitchFamily="2" charset="0"/>
+              </a:rPr>
+              <a:t>MySQL Data Types can be of various types</a:t>
+            </a:r>
+          </a:p>
+          <a:p>
+            <a:pPr marL="342900" indent="-342900">
+              <a:buAutoNum type="alphaLcParenR"/>
+            </a:pPr>
+            <a:r>
+              <a:rPr lang="en-IN" sz="1600" b="1" dirty="0">
+                <a:latin typeface="Oxygen" panose="02000503000000000000" pitchFamily="2" charset="0"/>
+              </a:rPr>
+              <a:t>String</a:t>
+            </a:r>
+          </a:p>
+          <a:p>
+            <a:pPr marL="342900" indent="-342900">
+              <a:buAutoNum type="alphaLcParenR"/>
+            </a:pPr>
+            <a:r>
+              <a:rPr lang="en-IN" sz="1600" b="1" dirty="0">
+                <a:latin typeface="Oxygen" panose="02000503000000000000" pitchFamily="2" charset="0"/>
+              </a:rPr>
+              <a:t>Numeric</a:t>
+            </a:r>
+          </a:p>
+          <a:p>
+            <a:pPr marL="342900" indent="-342900">
+              <a:buAutoNum type="alphaLcParenR"/>
+            </a:pPr>
+            <a:r>
+              <a:rPr lang="en-IN" sz="1600" b="1" dirty="0">
+                <a:latin typeface="Oxygen" panose="02000503000000000000" pitchFamily="2" charset="0"/>
+              </a:rPr>
+              <a:t>Date and Time</a:t>
+            </a:r>
+          </a:p>
+          <a:p>
+            <a:endParaRPr lang="en-IN" sz="1600" dirty="0">
+              <a:latin typeface="Oxygen" panose="02000503000000000000" pitchFamily="2" charset="0"/>
+              <a:sym typeface="Wingdings" panose="05000000000000000000" pitchFamily="2" charset="2"/>
+            </a:endParaRPr>
+          </a:p>
+          <a:p>
+            <a:r>
+              <a:rPr lang="en-IN" sz="1600" b="1" dirty="0">
+                <a:latin typeface="Oxygen" panose="02000503000000000000" pitchFamily="2" charset="0"/>
+                <a:sym typeface="Wingdings" panose="05000000000000000000" pitchFamily="2" charset="2"/>
+              </a:rPr>
+              <a:t>String Data Type</a:t>
+            </a:r>
+          </a:p>
+          <a:p>
+            <a:pPr marL="342900" indent="-342900">
+              <a:buAutoNum type="alphaLcParenR"/>
+            </a:pPr>
+            <a:r>
+              <a:rPr lang="en-IN" sz="1600" dirty="0">
+                <a:latin typeface="Oxygen" panose="02000503000000000000" pitchFamily="2" charset="0"/>
+                <a:sym typeface="Wingdings" panose="05000000000000000000" pitchFamily="2" charset="2"/>
+              </a:rPr>
+              <a:t>Char</a:t>
+            </a:r>
+          </a:p>
+          <a:p>
+            <a:pPr marL="342900" indent="-342900">
+              <a:buAutoNum type="alphaLcParenR"/>
+            </a:pPr>
+            <a:r>
+              <a:rPr lang="en-IN" sz="1600" dirty="0">
+                <a:latin typeface="Oxygen" panose="02000503000000000000" pitchFamily="2" charset="0"/>
+                <a:sym typeface="Wingdings" panose="05000000000000000000" pitchFamily="2" charset="2"/>
+              </a:rPr>
+              <a:t>Varchar</a:t>
+            </a:r>
+          </a:p>
+          <a:p>
+            <a:pPr marL="342900" indent="-342900">
+              <a:buAutoNum type="alphaLcParenR"/>
+            </a:pPr>
+            <a:r>
+              <a:rPr lang="en-IN" sz="1600" dirty="0">
+                <a:latin typeface="Oxygen" panose="02000503000000000000" pitchFamily="2" charset="0"/>
+                <a:sym typeface="Wingdings" panose="05000000000000000000" pitchFamily="2" charset="2"/>
+              </a:rPr>
+              <a:t>Text</a:t>
+            </a:r>
+          </a:p>
+          <a:p>
+            <a:endParaRPr lang="en-IN" sz="1600" dirty="0">
+              <a:latin typeface="Oxygen" panose="02000503000000000000" pitchFamily="2" charset="0"/>
+              <a:sym typeface="Wingdings" panose="05000000000000000000" pitchFamily="2" charset="2"/>
+            </a:endParaRPr>
+          </a:p>
+          <a:p>
+            <a:r>
+              <a:rPr lang="en-IN" sz="1600" b="1" dirty="0">
+                <a:latin typeface="Oxygen" panose="02000503000000000000" pitchFamily="2" charset="0"/>
+                <a:sym typeface="Wingdings" panose="05000000000000000000" pitchFamily="2" charset="2"/>
+              </a:rPr>
+              <a:t>Numeric Data Type</a:t>
+            </a:r>
+          </a:p>
+          <a:p>
+            <a:pPr marL="342900" indent="-342900">
+              <a:buAutoNum type="alphaLcParenR"/>
+            </a:pPr>
+            <a:r>
+              <a:rPr lang="en-IN" sz="1600" dirty="0">
+                <a:latin typeface="Oxygen" panose="02000503000000000000" pitchFamily="2" charset="0"/>
+                <a:sym typeface="Wingdings" panose="05000000000000000000" pitchFamily="2" charset="2"/>
+              </a:rPr>
+              <a:t>Int</a:t>
+            </a:r>
+          </a:p>
+          <a:p>
+            <a:pPr marL="342900" indent="-342900">
+              <a:buAutoNum type="alphaLcParenR"/>
+            </a:pPr>
+            <a:r>
+              <a:rPr lang="en-IN" sz="1600" dirty="0">
+                <a:latin typeface="Oxygen" panose="02000503000000000000" pitchFamily="2" charset="0"/>
+                <a:sym typeface="Wingdings" panose="05000000000000000000" pitchFamily="2" charset="2"/>
+              </a:rPr>
+              <a:t>Float</a:t>
+            </a:r>
+          </a:p>
+          <a:p>
+            <a:pPr marL="342900" indent="-342900">
+              <a:buAutoNum type="alphaLcParenR"/>
+            </a:pPr>
+            <a:r>
+              <a:rPr lang="en-IN" sz="1600" dirty="0">
+                <a:latin typeface="Oxygen" panose="02000503000000000000" pitchFamily="2" charset="0"/>
+                <a:sym typeface="Wingdings" panose="05000000000000000000" pitchFamily="2" charset="2"/>
+              </a:rPr>
+              <a:t>Double</a:t>
+            </a:r>
+          </a:p>
+          <a:p>
+            <a:pPr marL="342900" indent="-342900">
+              <a:buAutoNum type="alphaLcParenR"/>
+            </a:pPr>
+            <a:r>
+              <a:rPr lang="en-IN" sz="1600" dirty="0">
+                <a:latin typeface="Oxygen" panose="02000503000000000000" pitchFamily="2" charset="0"/>
+                <a:sym typeface="Wingdings" panose="05000000000000000000" pitchFamily="2" charset="2"/>
+              </a:rPr>
+              <a:t>Decimal</a:t>
+            </a:r>
+          </a:p>
+          <a:p>
+            <a:pPr marL="342900" indent="-342900">
+              <a:buAutoNum type="alphaLcParenR"/>
+            </a:pPr>
+            <a:r>
+              <a:rPr lang="en-IN" sz="1600" dirty="0">
+                <a:latin typeface="Oxygen" panose="02000503000000000000" pitchFamily="2" charset="0"/>
+                <a:sym typeface="Wingdings" panose="05000000000000000000" pitchFamily="2" charset="2"/>
+              </a:rPr>
+              <a:t>Bit</a:t>
+            </a:r>
+          </a:p>
+          <a:p>
+            <a:pPr marL="342900" indent="-342900">
+              <a:buAutoNum type="alphaLcParenR"/>
+            </a:pPr>
+            <a:r>
+              <a:rPr lang="en-IN" sz="1600" dirty="0">
+                <a:latin typeface="Oxygen" panose="02000503000000000000" pitchFamily="2" charset="0"/>
+                <a:sym typeface="Wingdings" panose="05000000000000000000" pitchFamily="2" charset="2"/>
+              </a:rPr>
+              <a:t>Bool</a:t>
+            </a:r>
+          </a:p>
+          <a:p>
+            <a:pPr marL="342900" indent="-342900">
+              <a:buAutoNum type="alphaLcParenR"/>
+            </a:pPr>
+            <a:r>
+              <a:rPr lang="en-IN" sz="1600" dirty="0">
+                <a:latin typeface="Oxygen" panose="02000503000000000000" pitchFamily="2" charset="0"/>
+                <a:sym typeface="Wingdings" panose="05000000000000000000" pitchFamily="2" charset="2"/>
+              </a:rPr>
+              <a:t>Boolean</a:t>
+            </a:r>
+          </a:p>
+          <a:p>
+            <a:endParaRPr lang="en-IN" sz="1600" dirty="0">
+              <a:latin typeface="Oxygen" panose="02000503000000000000" pitchFamily="2" charset="0"/>
+              <a:sym typeface="Wingdings" panose="05000000000000000000" pitchFamily="2" charset="2"/>
+            </a:endParaRPr>
+          </a:p>
+          <a:p>
+            <a:r>
+              <a:rPr lang="en-US" sz="1600" b="1" i="0" dirty="0">
+                <a:solidFill>
+                  <a:srgbClr val="000000"/>
+                </a:solidFill>
+                <a:effectLst/>
+                <a:latin typeface="Segoe UI" panose="020B0502040204020203" pitchFamily="34" charset="0"/>
+              </a:rPr>
+              <a:t>Date and Time Data Types</a:t>
+            </a:r>
+          </a:p>
+          <a:p>
+            <a:pPr marL="342900" indent="-342900">
+              <a:buAutoNum type="alphaLcParenR"/>
+            </a:pPr>
+            <a:r>
+              <a:rPr lang="en-IN" sz="1600" dirty="0">
+                <a:latin typeface="Oxygen" panose="02000503000000000000" pitchFamily="2" charset="0"/>
+                <a:sym typeface="Wingdings" panose="05000000000000000000" pitchFamily="2" charset="2"/>
+              </a:rPr>
+              <a:t>Date</a:t>
+            </a:r>
+          </a:p>
+          <a:p>
+            <a:pPr marL="342900" indent="-342900">
+              <a:buAutoNum type="alphaLcParenR"/>
+            </a:pPr>
+            <a:r>
+              <a:rPr lang="en-IN" sz="1600" dirty="0">
+                <a:latin typeface="Oxygen" panose="02000503000000000000" pitchFamily="2" charset="0"/>
+                <a:sym typeface="Wingdings" panose="05000000000000000000" pitchFamily="2" charset="2"/>
+              </a:rPr>
+              <a:t>Time</a:t>
+            </a:r>
+          </a:p>
+          <a:p>
+            <a:pPr marL="342900" indent="-342900">
+              <a:buAutoNum type="alphaLcParenR"/>
+            </a:pPr>
+            <a:r>
+              <a:rPr lang="en-IN" sz="1600" dirty="0">
+                <a:latin typeface="Oxygen" panose="02000503000000000000" pitchFamily="2" charset="0"/>
+                <a:sym typeface="Wingdings" panose="05000000000000000000" pitchFamily="2" charset="2"/>
+              </a:rPr>
+              <a:t>Datetime</a:t>
+            </a:r>
+          </a:p>
+          <a:p>
+            <a:pPr marL="342900" indent="-342900">
+              <a:buAutoNum type="alphaLcParenR"/>
+            </a:pPr>
+            <a:r>
+              <a:rPr lang="en-IN" sz="1600" dirty="0">
+                <a:latin typeface="Oxygen" panose="02000503000000000000" pitchFamily="2" charset="0"/>
+                <a:sym typeface="Wingdings" panose="05000000000000000000" pitchFamily="2" charset="2"/>
+              </a:rPr>
+              <a:t>TimeStamp</a:t>
+            </a:r>
+          </a:p>
+          <a:p>
+            <a:pPr marL="342900" indent="-342900">
+              <a:buAutoNum type="alphaLcParenR"/>
+            </a:pPr>
+            <a:r>
+              <a:rPr lang="en-IN" sz="1600" dirty="0">
+                <a:latin typeface="Oxygen" panose="02000503000000000000" pitchFamily="2" charset="0"/>
+                <a:sym typeface="Wingdings" panose="05000000000000000000" pitchFamily="2" charset="2"/>
+              </a:rPr>
+              <a:t>Year</a:t>
+            </a:r>
+          </a:p>
+        </p:txBody>
+      </p:sp>
+      <p:sp>
+        <p:nvSpPr>
+          <p:cNvPr id="5" name="TextBox 4">
+            <a:extLst>
+              <a:ext uri="{FF2B5EF4-FFF2-40B4-BE49-F238E27FC236}">
+                <a16:creationId xmlns:a16="http://schemas.microsoft.com/office/drawing/2014/main" id="{F50CEADD-6566-BEF5-E9C4-96502BA45522}"/>
+              </a:ext>
+            </a:extLst>
+          </p:cNvPr>
+          <p:cNvSpPr txBox="1"/>
+          <p:nvPr/>
+        </p:nvSpPr>
+        <p:spPr>
+          <a:xfrm>
+            <a:off x="4245428" y="377279"/>
+            <a:ext cx="2699657" cy="457368"/>
+          </a:xfrm>
+          <a:prstGeom prst="rect">
+            <a:avLst/>
+          </a:prstGeom>
+          <a:noFill/>
+        </p:spPr>
+        <p:txBody>
+          <a:bodyPr wrap="square" rtlCol="0">
+            <a:spAutoFit/>
+          </a:bodyPr>
+          <a:lstStyle/>
+          <a:p>
+            <a:pPr algn="ctr"/>
+            <a:r>
+              <a:rPr lang="en-US" sz="2401" b="1" cap="small" dirty="0">
+                <a:latin typeface="Oxygen" panose="02000503000000000000" pitchFamily="2" charset="0"/>
+              </a:rPr>
+              <a:t>Data Type</a:t>
+            </a:r>
+          </a:p>
+        </p:txBody>
+      </p:sp>
+    </p:spTree>
+    <p:extLst>
+      <p:ext uri="{BB962C8B-B14F-4D97-AF65-F5344CB8AC3E}">
+        <p14:creationId xmlns:p14="http://schemas.microsoft.com/office/powerpoint/2010/main" val="1584387444"/>
+      </p:ext>
+    </p:extLst>
+  </p:cSld>
+  <p:clrMapOvr>
+    <a:masterClrMapping/>
+  </p:clrMapOvr>
+</p:sld>
+</file>
+
+<file path=ppt/slides/slide6.xml><?xml version="1.0" encoding="utf-8"?>
+<p:sld xmlns:a="http://schemas.openxmlformats.org/drawingml/2006/main" xmlns:r="http://schemas.openxmlformats.org/officeDocument/2006/relationships" xmlns:p="http://schemas.openxmlformats.org/presentationml/2006/main">
+  <p:cSld>
+    <p:spTree>
+      <p:nvGrpSpPr>
+        <p:cNvPr id="1" name="">
+          <a:extLst>
+            <a:ext uri="{FF2B5EF4-FFF2-40B4-BE49-F238E27FC236}">
+              <a16:creationId xmlns:a16="http://schemas.microsoft.com/office/drawing/2014/main" id="{B93EC1F9-2C99-245F-8B9D-B0A2B3E15C84}"/>
+            </a:ext>
+          </a:extLst>
+        </p:cNvPr>
+        <p:cNvGrpSpPr/>
+        <p:nvPr/>
+      </p:nvGrpSpPr>
+      <p:grpSpPr>
+        <a:xfrm>
+          <a:off x="0" y="0"/>
+          <a:ext cx="0" cy="0"/>
+          <a:chOff x="0" y="0"/>
+          <a:chExt cx="0" cy="0"/>
+        </a:xfrm>
+      </p:grpSpPr>
+      <p:pic>
+        <p:nvPicPr>
+          <p:cNvPr id="15" name="Picture 14">
+            <a:extLst>
+              <a:ext uri="{FF2B5EF4-FFF2-40B4-BE49-F238E27FC236}">
+                <a16:creationId xmlns:a16="http://schemas.microsoft.com/office/drawing/2014/main" id="{AA0C7BA4-7ABC-0E5F-C25B-F44E09096801}"/>
+              </a:ext>
+            </a:extLst>
+          </p:cNvPr>
+          <p:cNvPicPr>
+            <a:picLocks noChangeAspect="1"/>
+          </p:cNvPicPr>
+          <p:nvPr/>
+        </p:nvPicPr>
+        <p:blipFill>
+          <a:blip r:embed="rId2">
+            <a:extLst>
+              <a:ext uri="{28A0092B-C50C-407E-A947-70E740481C1C}">
+                <a14:useLocalDpi xmlns:a14="http://schemas.microsoft.com/office/drawing/2010/main" val="0"/>
+              </a:ext>
+            </a:extLst>
+          </a:blip>
+          <a:stretch>
+            <a:fillRect/>
+          </a:stretch>
+        </p:blipFill>
+        <p:spPr>
+          <a:xfrm>
+            <a:off x="315245" y="108772"/>
+            <a:ext cx="725875" cy="725875"/>
+          </a:xfrm>
+          <a:prstGeom prst="rect">
+            <a:avLst/>
+          </a:prstGeom>
+        </p:spPr>
+      </p:pic>
+      <p:sp>
+        <p:nvSpPr>
+          <p:cNvPr id="5" name="TextBox 4">
+            <a:extLst>
+              <a:ext uri="{FF2B5EF4-FFF2-40B4-BE49-F238E27FC236}">
+                <a16:creationId xmlns:a16="http://schemas.microsoft.com/office/drawing/2014/main" id="{EF9253C6-C4DC-4670-20BC-AE08D9DE3400}"/>
+              </a:ext>
+            </a:extLst>
+          </p:cNvPr>
+          <p:cNvSpPr txBox="1"/>
+          <p:nvPr/>
+        </p:nvSpPr>
+        <p:spPr>
+          <a:xfrm>
+            <a:off x="4245428" y="377279"/>
+            <a:ext cx="2699657" cy="457368"/>
+          </a:xfrm>
+          <a:prstGeom prst="rect">
+            <a:avLst/>
+          </a:prstGeom>
+          <a:noFill/>
+        </p:spPr>
+        <p:txBody>
+          <a:bodyPr wrap="square" rtlCol="0">
+            <a:spAutoFit/>
+          </a:bodyPr>
+          <a:lstStyle/>
+          <a:p>
+            <a:pPr algn="ctr"/>
+            <a:r>
+              <a:rPr lang="en-US" sz="2401" b="1" cap="small" dirty="0">
+                <a:latin typeface="Oxygen" panose="02000503000000000000" pitchFamily="2" charset="0"/>
+              </a:rPr>
+              <a:t>Constraints</a:t>
+            </a:r>
+          </a:p>
+        </p:txBody>
+      </p:sp>
+      <p:graphicFrame>
+        <p:nvGraphicFramePr>
+          <p:cNvPr id="4" name="Table 3">
+            <a:extLst>
+              <a:ext uri="{FF2B5EF4-FFF2-40B4-BE49-F238E27FC236}">
+                <a16:creationId xmlns:a16="http://schemas.microsoft.com/office/drawing/2014/main" id="{BA458D93-B990-8D69-D684-23CD07DF2761}"/>
+              </a:ext>
+            </a:extLst>
+          </p:cNvPr>
+          <p:cNvGraphicFramePr>
+            <a:graphicFrameLocks noGrp="1"/>
+          </p:cNvGraphicFramePr>
+          <p:nvPr>
+            <p:extLst>
+              <p:ext uri="{D42A27DB-BD31-4B8C-83A1-F6EECF244321}">
+                <p14:modId xmlns:p14="http://schemas.microsoft.com/office/powerpoint/2010/main" val="1632450290"/>
+              </p:ext>
+            </p:extLst>
+          </p:nvPr>
+        </p:nvGraphicFramePr>
+        <p:xfrm>
+          <a:off x="1531256" y="1014443"/>
+          <a:ext cx="8081825" cy="1854200"/>
+        </p:xfrm>
+        <a:graphic>
+          <a:graphicData uri="http://schemas.openxmlformats.org/drawingml/2006/table">
+            <a:tbl>
+              <a:tblPr firstRow="1" bandRow="1">
+                <a:tableStyleId>{5C22544A-7EE6-4342-B048-85BDC9FD1C3A}</a:tableStyleId>
+              </a:tblPr>
+              <a:tblGrid>
+                <a:gridCol w="643255">
+                  <a:extLst>
+                    <a:ext uri="{9D8B030D-6E8A-4147-A177-3AD203B41FA5}">
+                      <a16:colId xmlns:a16="http://schemas.microsoft.com/office/drawing/2014/main" val="2849890663"/>
+                    </a:ext>
+                  </a:extLst>
+                </a:gridCol>
+                <a:gridCol w="1632858">
+                  <a:extLst>
+                    <a:ext uri="{9D8B030D-6E8A-4147-A177-3AD203B41FA5}">
+                      <a16:colId xmlns:a16="http://schemas.microsoft.com/office/drawing/2014/main" val="3026583182"/>
+                    </a:ext>
+                  </a:extLst>
+                </a:gridCol>
+                <a:gridCol w="5805712">
+                  <a:extLst>
+                    <a:ext uri="{9D8B030D-6E8A-4147-A177-3AD203B41FA5}">
+                      <a16:colId xmlns:a16="http://schemas.microsoft.com/office/drawing/2014/main" val="623962936"/>
+                    </a:ext>
+                  </a:extLst>
+                </a:gridCol>
+              </a:tblGrid>
+              <a:tr h="370840">
+                <a:tc>
+                  <a:txBody>
+                    <a:bodyPr/>
+                    <a:lstStyle/>
+                    <a:p>
+                      <a:r>
+                        <a:rPr lang="en-US" dirty="0" err="1"/>
+                        <a:t>Slno</a:t>
+                      </a:r>
+                      <a:endParaRPr lang="en-IN" dirty="0"/>
+                    </a:p>
+                  </a:txBody>
+                  <a:tcPr/>
+                </a:tc>
+                <a:tc>
+                  <a:txBody>
+                    <a:bodyPr/>
+                    <a:lstStyle/>
+                    <a:p>
+                      <a:r>
+                        <a:rPr lang="en-US" dirty="0"/>
+                        <a:t>Constraints</a:t>
+                      </a:r>
+                      <a:endParaRPr lang="en-IN" dirty="0"/>
+                    </a:p>
+                  </a:txBody>
+                  <a:tcPr/>
+                </a:tc>
+                <a:tc>
+                  <a:txBody>
+                    <a:bodyPr/>
+                    <a:lstStyle/>
+                    <a:p>
+                      <a:r>
+                        <a:rPr lang="en-US" dirty="0"/>
+                        <a:t>Meaning</a:t>
+                      </a:r>
+                      <a:endParaRPr lang="en-IN" dirty="0"/>
+                    </a:p>
+                  </a:txBody>
+                  <a:tcPr/>
+                </a:tc>
+                <a:extLst>
+                  <a:ext uri="{0D108BD9-81ED-4DB2-BD59-A6C34878D82A}">
+                    <a16:rowId xmlns:a16="http://schemas.microsoft.com/office/drawing/2014/main" val="1216375311"/>
+                  </a:ext>
+                </a:extLst>
+              </a:tr>
+              <a:tr h="370840">
+                <a:tc>
+                  <a:txBody>
+                    <a:bodyPr/>
+                    <a:lstStyle/>
+                    <a:p>
+                      <a:r>
+                        <a:rPr lang="en-US" dirty="0"/>
+                        <a:t>1</a:t>
+                      </a:r>
+                      <a:endParaRPr lang="en-IN" dirty="0"/>
+                    </a:p>
+                  </a:txBody>
+                  <a:tcPr/>
+                </a:tc>
+                <a:tc>
+                  <a:txBody>
+                    <a:bodyPr/>
+                    <a:lstStyle/>
+                    <a:p>
+                      <a:r>
+                        <a:rPr lang="en-US" dirty="0"/>
+                        <a:t>Not Null</a:t>
+                      </a:r>
+                      <a:endParaRPr lang="en-IN" dirty="0"/>
+                    </a:p>
+                  </a:txBody>
+                  <a:tcPr/>
+                </a:tc>
+                <a:tc>
+                  <a:txBody>
+                    <a:bodyPr/>
+                    <a:lstStyle/>
+                    <a:p>
+                      <a:r>
+                        <a:rPr lang="en-US" dirty="0"/>
+                        <a:t>Ensures a column cannot have null value</a:t>
+                      </a:r>
+                      <a:endParaRPr lang="en-IN" dirty="0"/>
+                    </a:p>
+                  </a:txBody>
+                  <a:tcPr/>
+                </a:tc>
+                <a:extLst>
+                  <a:ext uri="{0D108BD9-81ED-4DB2-BD59-A6C34878D82A}">
+                    <a16:rowId xmlns:a16="http://schemas.microsoft.com/office/drawing/2014/main" val="3660877910"/>
+                  </a:ext>
+                </a:extLst>
+              </a:tr>
+              <a:tr h="370840">
+                <a:tc>
+                  <a:txBody>
+                    <a:bodyPr/>
+                    <a:lstStyle/>
+                    <a:p>
+                      <a:r>
+                        <a:rPr lang="en-US" dirty="0"/>
+                        <a:t>2</a:t>
+                      </a:r>
+                      <a:endParaRPr lang="en-IN" dirty="0"/>
+                    </a:p>
+                  </a:txBody>
+                  <a:tcPr/>
+                </a:tc>
+                <a:tc>
+                  <a:txBody>
+                    <a:bodyPr/>
+                    <a:lstStyle/>
+                    <a:p>
+                      <a:r>
+                        <a:rPr lang="en-US" dirty="0"/>
+                        <a:t>Unique</a:t>
+                      </a:r>
+                      <a:endParaRPr lang="en-IN" dirty="0"/>
+                    </a:p>
+                  </a:txBody>
+                  <a:tcPr/>
+                </a:tc>
+                <a:tc>
+                  <a:txBody>
+                    <a:bodyPr/>
+                    <a:lstStyle/>
+                    <a:p>
+                      <a:r>
+                        <a:rPr lang="en-US" dirty="0"/>
+                        <a:t>Ensures each and every column contains unique value</a:t>
+                      </a:r>
+                      <a:endParaRPr lang="en-IN" dirty="0"/>
+                    </a:p>
+                  </a:txBody>
+                  <a:tcPr/>
+                </a:tc>
+                <a:extLst>
+                  <a:ext uri="{0D108BD9-81ED-4DB2-BD59-A6C34878D82A}">
+                    <a16:rowId xmlns:a16="http://schemas.microsoft.com/office/drawing/2014/main" val="2852096107"/>
+                  </a:ext>
+                </a:extLst>
+              </a:tr>
+              <a:tr h="370840">
+                <a:tc>
+                  <a:txBody>
+                    <a:bodyPr/>
+                    <a:lstStyle/>
+                    <a:p>
+                      <a:r>
+                        <a:rPr lang="en-US" dirty="0"/>
+                        <a:t>3</a:t>
+                      </a:r>
+                      <a:endParaRPr lang="en-IN" dirty="0"/>
+                    </a:p>
+                  </a:txBody>
+                  <a:tcPr/>
+                </a:tc>
+                <a:tc>
+                  <a:txBody>
+                    <a:bodyPr/>
+                    <a:lstStyle/>
+                    <a:p>
+                      <a:r>
+                        <a:rPr lang="en-US" dirty="0"/>
+                        <a:t>Primary Key</a:t>
+                      </a:r>
+                      <a:endParaRPr lang="en-IN" dirty="0"/>
+                    </a:p>
+                  </a:txBody>
+                  <a:tcPr/>
+                </a:tc>
+                <a:tc>
+                  <a:txBody>
+                    <a:bodyPr/>
+                    <a:lstStyle/>
+                    <a:p>
+                      <a:r>
+                        <a:rPr lang="en-US" dirty="0"/>
+                        <a:t>Uniquely identifies a row in a table</a:t>
+                      </a:r>
+                      <a:endParaRPr lang="en-IN" dirty="0"/>
+                    </a:p>
+                  </a:txBody>
+                  <a:tcPr/>
+                </a:tc>
+                <a:extLst>
+                  <a:ext uri="{0D108BD9-81ED-4DB2-BD59-A6C34878D82A}">
+                    <a16:rowId xmlns:a16="http://schemas.microsoft.com/office/drawing/2014/main" val="2778785378"/>
+                  </a:ext>
+                </a:extLst>
+              </a:tr>
+              <a:tr h="370840">
+                <a:tc>
+                  <a:txBody>
+                    <a:bodyPr/>
+                    <a:lstStyle/>
+                    <a:p>
+                      <a:r>
+                        <a:rPr lang="en-US" dirty="0"/>
+                        <a:t>4</a:t>
+                      </a:r>
+                      <a:endParaRPr lang="en-IN" dirty="0"/>
+                    </a:p>
+                  </a:txBody>
+                  <a:tcPr/>
+                </a:tc>
+                <a:tc>
+                  <a:txBody>
+                    <a:bodyPr/>
+                    <a:lstStyle/>
+                    <a:p>
+                      <a:r>
+                        <a:rPr lang="en-US" dirty="0"/>
+                        <a:t>Foreign Key</a:t>
+                      </a:r>
+                      <a:endParaRPr lang="en-IN" dirty="0"/>
+                    </a:p>
+                  </a:txBody>
+                  <a:tcPr/>
+                </a:tc>
+                <a:tc>
+                  <a:txBody>
+                    <a:bodyPr/>
+                    <a:lstStyle/>
+                    <a:p>
+                      <a:r>
+                        <a:rPr lang="en-US" dirty="0"/>
+                        <a:t>Establishes relation between two tables through a column</a:t>
+                      </a:r>
+                      <a:endParaRPr lang="en-IN" dirty="0"/>
+                    </a:p>
+                  </a:txBody>
+                  <a:tcPr/>
+                </a:tc>
+                <a:extLst>
+                  <a:ext uri="{0D108BD9-81ED-4DB2-BD59-A6C34878D82A}">
+                    <a16:rowId xmlns:a16="http://schemas.microsoft.com/office/drawing/2014/main" val="3337727037"/>
+                  </a:ext>
+                </a:extLst>
+              </a:tr>
+            </a:tbl>
+          </a:graphicData>
+        </a:graphic>
+      </p:graphicFrame>
+    </p:spTree>
+    <p:extLst>
+      <p:ext uri="{BB962C8B-B14F-4D97-AF65-F5344CB8AC3E}">
+        <p14:creationId xmlns:p14="http://schemas.microsoft.com/office/powerpoint/2010/main" val="4131376772"/>
       </p:ext>
     </p:extLst>
   </p:cSld>

--- a/Offline/BusinessManagement/Teach_Tech@anodiam/IT/CourseMaterials/MySQL/MySQL.pptx
+++ b/Offline/BusinessManagement/Teach_Tech@anodiam/IT/CourseMaterials/MySQL/MySQL.pptx
@@ -2,10 +2,10 @@
 <file path=ppt/presentation.xml><?xml version="1.0" encoding="utf-8"?>
 <p:presentation xmlns:a="http://schemas.openxmlformats.org/drawingml/2006/main" xmlns:r="http://schemas.openxmlformats.org/officeDocument/2006/relationships" xmlns:p="http://schemas.openxmlformats.org/presentationml/2006/main" saveSubsetFonts="1">
   <p:sldMasterIdLst>
-    <p:sldMasterId id="2147483672" r:id="rId1"/>
+    <p:sldMasterId id="2147483684" r:id="rId1"/>
   </p:sldMasterIdLst>
   <p:notesMasterIdLst>
-    <p:notesMasterId r:id="rId8"/>
+    <p:notesMasterId r:id="rId9"/>
   </p:notesMasterIdLst>
   <p:sldIdLst>
     <p:sldId id="259" r:id="rId2"/>
@@ -13,9 +13,10 @@
     <p:sldId id="261" r:id="rId4"/>
     <p:sldId id="262" r:id="rId5"/>
     <p:sldId id="263" r:id="rId6"/>
-    <p:sldId id="264" r:id="rId7"/>
+    <p:sldId id="265" r:id="rId7"/>
+    <p:sldId id="266" r:id="rId8"/>
   </p:sldIdLst>
-  <p:sldSz cx="12192000" cy="7289800"/>
+  <p:sldSz cx="12192000" cy="7650163"/>
   <p:notesSz cx="6858000" cy="9144000"/>
   <p:defaultTextStyle>
     <a:defPPr>
@@ -202,7 +203,7 @@
           <a:p>
             <a:fld id="{A2487F90-4B37-4508-B704-1554B2936821}" type="datetimeFigureOut">
               <a:rPr lang="en-IN" smtClean="0"/>
-              <a:t>21-02-2024</a:t>
+              <a:t>22-02-2024</a:t>
             </a:fld>
             <a:endParaRPr lang="en-IN"/>
           </a:p>
@@ -220,8 +221,8 @@
         </p:nvSpPr>
         <p:spPr>
           <a:xfrm>
-            <a:off x="847725" y="1143000"/>
-            <a:ext cx="5162550" cy="3086100"/>
+            <a:off x="969963" y="1143000"/>
+            <a:ext cx="4918075" cy="3086100"/>
           </a:xfrm>
           <a:prstGeom prst="rect">
             <a:avLst/>
@@ -499,8 +500,8 @@
         </p:nvSpPr>
         <p:spPr>
           <a:xfrm>
-            <a:off x="1524000" y="1193030"/>
-            <a:ext cx="9144000" cy="2537930"/>
+            <a:off x="1524000" y="1252006"/>
+            <a:ext cx="9144000" cy="2663390"/>
           </a:xfrm>
         </p:spPr>
         <p:txBody>
@@ -531,8 +532,8 @@
         </p:nvSpPr>
         <p:spPr>
           <a:xfrm>
-            <a:off x="1524000" y="3828833"/>
-            <a:ext cx="9144000" cy="1760014"/>
+            <a:off x="1524000" y="4018107"/>
+            <a:ext cx="9144000" cy="1847018"/>
           </a:xfrm>
         </p:spPr>
         <p:txBody>
@@ -601,7 +602,7 @@
           <a:p>
             <a:fld id="{A055A2E0-1DEB-407D-989C-7C47715714E3}" type="datetimeFigureOut">
               <a:rPr lang="en-IN" smtClean="0"/>
-              <a:t>21-02-2024</a:t>
+              <a:t>22-02-2024</a:t>
             </a:fld>
             <a:endParaRPr lang="en-IN"/>
           </a:p>
@@ -652,7 +653,7 @@
     </p:spTree>
     <p:extLst>
       <p:ext uri="{BB962C8B-B14F-4D97-AF65-F5344CB8AC3E}">
-        <p14:creationId xmlns:p14="http://schemas.microsoft.com/office/powerpoint/2010/main" val="1642407580"/>
+        <p14:creationId xmlns:p14="http://schemas.microsoft.com/office/powerpoint/2010/main" val="2386546168"/>
       </p:ext>
     </p:extLst>
   </p:cSld>
@@ -771,7 +772,7 @@
           <a:p>
             <a:fld id="{A055A2E0-1DEB-407D-989C-7C47715714E3}" type="datetimeFigureOut">
               <a:rPr lang="en-IN" smtClean="0"/>
-              <a:t>21-02-2024</a:t>
+              <a:t>22-02-2024</a:t>
             </a:fld>
             <a:endParaRPr lang="en-IN"/>
           </a:p>
@@ -822,7 +823,7 @@
     </p:spTree>
     <p:extLst>
       <p:ext uri="{BB962C8B-B14F-4D97-AF65-F5344CB8AC3E}">
-        <p14:creationId xmlns:p14="http://schemas.microsoft.com/office/powerpoint/2010/main" val="2099793565"/>
+        <p14:creationId xmlns:p14="http://schemas.microsoft.com/office/powerpoint/2010/main" val="3599957788"/>
       </p:ext>
     </p:extLst>
   </p:cSld>
@@ -861,8 +862,8 @@
         </p:nvSpPr>
         <p:spPr>
           <a:xfrm>
-            <a:off x="8724900" y="388114"/>
-            <a:ext cx="2628900" cy="6177769"/>
+            <a:off x="8724900" y="407300"/>
+            <a:ext cx="2628900" cy="6483160"/>
           </a:xfrm>
         </p:spPr>
         <p:txBody>
@@ -889,8 +890,8 @@
         </p:nvSpPr>
         <p:spPr>
           <a:xfrm>
-            <a:off x="838200" y="388114"/>
-            <a:ext cx="7734300" cy="6177769"/>
+            <a:off x="838200" y="407300"/>
+            <a:ext cx="7734300" cy="6483160"/>
           </a:xfrm>
         </p:spPr>
         <p:txBody>
@@ -951,7 +952,7 @@
           <a:p>
             <a:fld id="{A055A2E0-1DEB-407D-989C-7C47715714E3}" type="datetimeFigureOut">
               <a:rPr lang="en-IN" smtClean="0"/>
-              <a:t>21-02-2024</a:t>
+              <a:t>22-02-2024</a:t>
             </a:fld>
             <a:endParaRPr lang="en-IN"/>
           </a:p>
@@ -1002,7 +1003,7 @@
     </p:spTree>
     <p:extLst>
       <p:ext uri="{BB962C8B-B14F-4D97-AF65-F5344CB8AC3E}">
-        <p14:creationId xmlns:p14="http://schemas.microsoft.com/office/powerpoint/2010/main" val="1530119990"/>
+        <p14:creationId xmlns:p14="http://schemas.microsoft.com/office/powerpoint/2010/main" val="961671005"/>
       </p:ext>
     </p:extLst>
   </p:cSld>
@@ -1121,7 +1122,7 @@
           <a:p>
             <a:fld id="{A055A2E0-1DEB-407D-989C-7C47715714E3}" type="datetimeFigureOut">
               <a:rPr lang="en-IN" smtClean="0"/>
-              <a:t>21-02-2024</a:t>
+              <a:t>22-02-2024</a:t>
             </a:fld>
             <a:endParaRPr lang="en-IN"/>
           </a:p>
@@ -1172,7 +1173,7 @@
     </p:spTree>
     <p:extLst>
       <p:ext uri="{BB962C8B-B14F-4D97-AF65-F5344CB8AC3E}">
-        <p14:creationId xmlns:p14="http://schemas.microsoft.com/office/powerpoint/2010/main" val="2721890393"/>
+        <p14:creationId xmlns:p14="http://schemas.microsoft.com/office/powerpoint/2010/main" val="758358849"/>
       </p:ext>
     </p:extLst>
   </p:cSld>
@@ -1211,8 +1212,8 @@
         </p:nvSpPr>
         <p:spPr>
           <a:xfrm>
-            <a:off x="831850" y="1817389"/>
-            <a:ext cx="10515600" cy="3032354"/>
+            <a:off x="831850" y="1907229"/>
+            <a:ext cx="10515600" cy="3182255"/>
           </a:xfrm>
         </p:spPr>
         <p:txBody>
@@ -1243,8 +1244,8 @@
         </p:nvSpPr>
         <p:spPr>
           <a:xfrm>
-            <a:off x="831850" y="4878430"/>
-            <a:ext cx="10515600" cy="1594643"/>
+            <a:off x="831850" y="5119589"/>
+            <a:ext cx="10515600" cy="1673473"/>
           </a:xfrm>
         </p:spPr>
         <p:txBody>
@@ -1367,7 +1368,7 @@
           <a:p>
             <a:fld id="{A055A2E0-1DEB-407D-989C-7C47715714E3}" type="datetimeFigureOut">
               <a:rPr lang="en-IN" smtClean="0"/>
-              <a:t>21-02-2024</a:t>
+              <a:t>22-02-2024</a:t>
             </a:fld>
             <a:endParaRPr lang="en-IN"/>
           </a:p>
@@ -1418,7 +1419,7 @@
     </p:spTree>
     <p:extLst>
       <p:ext uri="{BB962C8B-B14F-4D97-AF65-F5344CB8AC3E}">
-        <p14:creationId xmlns:p14="http://schemas.microsoft.com/office/powerpoint/2010/main" val="3905292681"/>
+        <p14:creationId xmlns:p14="http://schemas.microsoft.com/office/powerpoint/2010/main" val="1851036777"/>
       </p:ext>
     </p:extLst>
   </p:cSld>
@@ -1480,8 +1481,8 @@
         </p:nvSpPr>
         <p:spPr>
           <a:xfrm>
-            <a:off x="838200" y="1940572"/>
-            <a:ext cx="5181600" cy="4625311"/>
+            <a:off x="838200" y="2036502"/>
+            <a:ext cx="5181600" cy="4853958"/>
           </a:xfrm>
         </p:spPr>
         <p:txBody>
@@ -1537,8 +1538,8 @@
         </p:nvSpPr>
         <p:spPr>
           <a:xfrm>
-            <a:off x="6172200" y="1940572"/>
-            <a:ext cx="5181600" cy="4625311"/>
+            <a:off x="6172200" y="2036502"/>
+            <a:ext cx="5181600" cy="4853958"/>
           </a:xfrm>
         </p:spPr>
         <p:txBody>
@@ -1599,7 +1600,7 @@
           <a:p>
             <a:fld id="{A055A2E0-1DEB-407D-989C-7C47715714E3}" type="datetimeFigureOut">
               <a:rPr lang="en-IN" smtClean="0"/>
-              <a:t>21-02-2024</a:t>
+              <a:t>22-02-2024</a:t>
             </a:fld>
             <a:endParaRPr lang="en-IN"/>
           </a:p>
@@ -1650,7 +1651,7 @@
     </p:spTree>
     <p:extLst>
       <p:ext uri="{BB962C8B-B14F-4D97-AF65-F5344CB8AC3E}">
-        <p14:creationId xmlns:p14="http://schemas.microsoft.com/office/powerpoint/2010/main" val="181878737"/>
+        <p14:creationId xmlns:p14="http://schemas.microsoft.com/office/powerpoint/2010/main" val="3403497655"/>
       </p:ext>
     </p:extLst>
   </p:cSld>
@@ -1689,8 +1690,8 @@
         </p:nvSpPr>
         <p:spPr>
           <a:xfrm>
-            <a:off x="839788" y="388115"/>
-            <a:ext cx="10515600" cy="1409024"/>
+            <a:off x="839788" y="407301"/>
+            <a:ext cx="10515600" cy="1478678"/>
           </a:xfrm>
         </p:spPr>
         <p:txBody>
@@ -1717,8 +1718,8 @@
         </p:nvSpPr>
         <p:spPr>
           <a:xfrm>
-            <a:off x="839789" y="1787014"/>
-            <a:ext cx="5157787" cy="875788"/>
+            <a:off x="839789" y="1875353"/>
+            <a:ext cx="5157787" cy="919082"/>
           </a:xfrm>
         </p:spPr>
         <p:txBody>
@@ -1782,8 +1783,8 @@
         </p:nvSpPr>
         <p:spPr>
           <a:xfrm>
-            <a:off x="839789" y="2662802"/>
-            <a:ext cx="5157787" cy="3916581"/>
+            <a:off x="839789" y="2794435"/>
+            <a:ext cx="5157787" cy="4110192"/>
           </a:xfrm>
         </p:spPr>
         <p:txBody>
@@ -1839,8 +1840,8 @@
         </p:nvSpPr>
         <p:spPr>
           <a:xfrm>
-            <a:off x="6172200" y="1787014"/>
-            <a:ext cx="5183188" cy="875788"/>
+            <a:off x="6172200" y="1875353"/>
+            <a:ext cx="5183188" cy="919082"/>
           </a:xfrm>
         </p:spPr>
         <p:txBody>
@@ -1904,8 +1905,8 @@
         </p:nvSpPr>
         <p:spPr>
           <a:xfrm>
-            <a:off x="6172200" y="2662802"/>
-            <a:ext cx="5183188" cy="3916581"/>
+            <a:off x="6172200" y="2794435"/>
+            <a:ext cx="5183188" cy="4110192"/>
           </a:xfrm>
         </p:spPr>
         <p:txBody>
@@ -1966,7 +1967,7 @@
           <a:p>
             <a:fld id="{A055A2E0-1DEB-407D-989C-7C47715714E3}" type="datetimeFigureOut">
               <a:rPr lang="en-IN" smtClean="0"/>
-              <a:t>21-02-2024</a:t>
+              <a:t>22-02-2024</a:t>
             </a:fld>
             <a:endParaRPr lang="en-IN"/>
           </a:p>
@@ -2017,7 +2018,7 @@
     </p:spTree>
     <p:extLst>
       <p:ext uri="{BB962C8B-B14F-4D97-AF65-F5344CB8AC3E}">
-        <p14:creationId xmlns:p14="http://schemas.microsoft.com/office/powerpoint/2010/main" val="2581658376"/>
+        <p14:creationId xmlns:p14="http://schemas.microsoft.com/office/powerpoint/2010/main" val="2241608437"/>
       </p:ext>
     </p:extLst>
   </p:cSld>
@@ -2084,7 +2085,7 @@
           <a:p>
             <a:fld id="{A055A2E0-1DEB-407D-989C-7C47715714E3}" type="datetimeFigureOut">
               <a:rPr lang="en-IN" smtClean="0"/>
-              <a:t>21-02-2024</a:t>
+              <a:t>22-02-2024</a:t>
             </a:fld>
             <a:endParaRPr lang="en-IN"/>
           </a:p>
@@ -2135,7 +2136,7 @@
     </p:spTree>
     <p:extLst>
       <p:ext uri="{BB962C8B-B14F-4D97-AF65-F5344CB8AC3E}">
-        <p14:creationId xmlns:p14="http://schemas.microsoft.com/office/powerpoint/2010/main" val="4272847843"/>
+        <p14:creationId xmlns:p14="http://schemas.microsoft.com/office/powerpoint/2010/main" val="1800968394"/>
       </p:ext>
     </p:extLst>
   </p:cSld>
@@ -2179,7 +2180,7 @@
           <a:p>
             <a:fld id="{A055A2E0-1DEB-407D-989C-7C47715714E3}" type="datetimeFigureOut">
               <a:rPr lang="en-IN" smtClean="0"/>
-              <a:t>21-02-2024</a:t>
+              <a:t>22-02-2024</a:t>
             </a:fld>
             <a:endParaRPr lang="en-IN"/>
           </a:p>
@@ -2230,7 +2231,7 @@
     </p:spTree>
     <p:extLst>
       <p:ext uri="{BB962C8B-B14F-4D97-AF65-F5344CB8AC3E}">
-        <p14:creationId xmlns:p14="http://schemas.microsoft.com/office/powerpoint/2010/main" val="499883849"/>
+        <p14:creationId xmlns:p14="http://schemas.microsoft.com/office/powerpoint/2010/main" val="3585552856"/>
       </p:ext>
     </p:extLst>
   </p:cSld>
@@ -2269,8 +2270,8 @@
         </p:nvSpPr>
         <p:spPr>
           <a:xfrm>
-            <a:off x="839789" y="485987"/>
-            <a:ext cx="3932237" cy="1700953"/>
+            <a:off x="839789" y="510011"/>
+            <a:ext cx="3932237" cy="1785038"/>
           </a:xfrm>
         </p:spPr>
         <p:txBody>
@@ -2301,8 +2302,8 @@
         </p:nvSpPr>
         <p:spPr>
           <a:xfrm>
-            <a:off x="5183188" y="1049597"/>
-            <a:ext cx="6172200" cy="5180483"/>
+            <a:off x="5183188" y="1101482"/>
+            <a:ext cx="6172200" cy="5436574"/>
           </a:xfrm>
         </p:spPr>
         <p:txBody>
@@ -2386,8 +2387,8 @@
         </p:nvSpPr>
         <p:spPr>
           <a:xfrm>
-            <a:off x="839789" y="2186940"/>
-            <a:ext cx="3932237" cy="4051577"/>
+            <a:off x="839789" y="2295049"/>
+            <a:ext cx="3932237" cy="4251862"/>
           </a:xfrm>
         </p:spPr>
         <p:txBody>
@@ -2456,7 +2457,7 @@
           <a:p>
             <a:fld id="{A055A2E0-1DEB-407D-989C-7C47715714E3}" type="datetimeFigureOut">
               <a:rPr lang="en-IN" smtClean="0"/>
-              <a:t>21-02-2024</a:t>
+              <a:t>22-02-2024</a:t>
             </a:fld>
             <a:endParaRPr lang="en-IN"/>
           </a:p>
@@ -2507,7 +2508,7 @@
     </p:spTree>
     <p:extLst>
       <p:ext uri="{BB962C8B-B14F-4D97-AF65-F5344CB8AC3E}">
-        <p14:creationId xmlns:p14="http://schemas.microsoft.com/office/powerpoint/2010/main" val="533992892"/>
+        <p14:creationId xmlns:p14="http://schemas.microsoft.com/office/powerpoint/2010/main" val="3562083436"/>
       </p:ext>
     </p:extLst>
   </p:cSld>
@@ -2546,8 +2547,8 @@
         </p:nvSpPr>
         <p:spPr>
           <a:xfrm>
-            <a:off x="839789" y="485987"/>
-            <a:ext cx="3932237" cy="1700953"/>
+            <a:off x="839789" y="510011"/>
+            <a:ext cx="3932237" cy="1785038"/>
           </a:xfrm>
         </p:spPr>
         <p:txBody>
@@ -2578,8 +2579,8 @@
         </p:nvSpPr>
         <p:spPr>
           <a:xfrm>
-            <a:off x="5183188" y="1049597"/>
-            <a:ext cx="6172200" cy="5180483"/>
+            <a:off x="5183188" y="1101482"/>
+            <a:ext cx="6172200" cy="5436574"/>
           </a:xfrm>
         </p:spPr>
         <p:txBody>
@@ -2643,8 +2644,8 @@
         </p:nvSpPr>
         <p:spPr>
           <a:xfrm>
-            <a:off x="839789" y="2186940"/>
-            <a:ext cx="3932237" cy="4051577"/>
+            <a:off x="839789" y="2295049"/>
+            <a:ext cx="3932237" cy="4251862"/>
           </a:xfrm>
         </p:spPr>
         <p:txBody>
@@ -2713,7 +2714,7 @@
           <a:p>
             <a:fld id="{A055A2E0-1DEB-407D-989C-7C47715714E3}" type="datetimeFigureOut">
               <a:rPr lang="en-IN" smtClean="0"/>
-              <a:t>21-02-2024</a:t>
+              <a:t>22-02-2024</a:t>
             </a:fld>
             <a:endParaRPr lang="en-IN"/>
           </a:p>
@@ -2764,7 +2765,7 @@
     </p:spTree>
     <p:extLst>
       <p:ext uri="{BB962C8B-B14F-4D97-AF65-F5344CB8AC3E}">
-        <p14:creationId xmlns:p14="http://schemas.microsoft.com/office/powerpoint/2010/main" val="1671455283"/>
+        <p14:creationId xmlns:p14="http://schemas.microsoft.com/office/powerpoint/2010/main" val="2394059631"/>
       </p:ext>
     </p:extLst>
   </p:cSld>
@@ -2808,8 +2809,8 @@
         </p:nvSpPr>
         <p:spPr>
           <a:xfrm>
-            <a:off x="838200" y="388115"/>
-            <a:ext cx="10515600" cy="1409024"/>
+            <a:off x="838200" y="407301"/>
+            <a:ext cx="10515600" cy="1478678"/>
           </a:xfrm>
           <a:prstGeom prst="rect">
             <a:avLst/>
@@ -2841,8 +2842,8 @@
         </p:nvSpPr>
         <p:spPr>
           <a:xfrm>
-            <a:off x="838200" y="1940572"/>
-            <a:ext cx="10515600" cy="4625311"/>
+            <a:off x="838200" y="2036502"/>
+            <a:ext cx="10515600" cy="4853958"/>
           </a:xfrm>
           <a:prstGeom prst="rect">
             <a:avLst/>
@@ -2903,8 +2904,8 @@
         </p:nvSpPr>
         <p:spPr>
           <a:xfrm>
-            <a:off x="838200" y="6756565"/>
-            <a:ext cx="2743200" cy="388114"/>
+            <a:off x="838200" y="7090568"/>
+            <a:ext cx="2743200" cy="407300"/>
           </a:xfrm>
           <a:prstGeom prst="rect">
             <a:avLst/>
@@ -2926,7 +2927,7 @@
           <a:p>
             <a:fld id="{A055A2E0-1DEB-407D-989C-7C47715714E3}" type="datetimeFigureOut">
               <a:rPr lang="en-IN" smtClean="0"/>
-              <a:t>21-02-2024</a:t>
+              <a:t>22-02-2024</a:t>
             </a:fld>
             <a:endParaRPr lang="en-IN"/>
           </a:p>
@@ -2944,8 +2945,8 @@
         </p:nvSpPr>
         <p:spPr>
           <a:xfrm>
-            <a:off x="4038600" y="6756565"/>
-            <a:ext cx="4114800" cy="388114"/>
+            <a:off x="4038600" y="7090568"/>
+            <a:ext cx="4114800" cy="407300"/>
           </a:xfrm>
           <a:prstGeom prst="rect">
             <a:avLst/>
@@ -2981,8 +2982,8 @@
         </p:nvSpPr>
         <p:spPr>
           <a:xfrm>
-            <a:off x="8610600" y="6756565"/>
-            <a:ext cx="2743200" cy="388114"/>
+            <a:off x="8610600" y="7090568"/>
+            <a:ext cx="2743200" cy="407300"/>
           </a:xfrm>
           <a:prstGeom prst="rect">
             <a:avLst/>
@@ -3013,23 +3014,23 @@
     </p:spTree>
     <p:extLst>
       <p:ext uri="{BB962C8B-B14F-4D97-AF65-F5344CB8AC3E}">
-        <p14:creationId xmlns:p14="http://schemas.microsoft.com/office/powerpoint/2010/main" val="3314742289"/>
+        <p14:creationId xmlns:p14="http://schemas.microsoft.com/office/powerpoint/2010/main" val="3807851470"/>
       </p:ext>
     </p:extLst>
   </p:cSld>
   <p:clrMap bg1="lt1" tx1="dk1" bg2="lt2" tx2="dk2" accent1="accent1" accent2="accent2" accent3="accent3" accent4="accent4" accent5="accent5" accent6="accent6" hlink="hlink" folHlink="folHlink"/>
   <p:sldLayoutIdLst>
-    <p:sldLayoutId id="2147483673" r:id="rId1"/>
-    <p:sldLayoutId id="2147483674" r:id="rId2"/>
-    <p:sldLayoutId id="2147483675" r:id="rId3"/>
-    <p:sldLayoutId id="2147483676" r:id="rId4"/>
-    <p:sldLayoutId id="2147483677" r:id="rId5"/>
-    <p:sldLayoutId id="2147483678" r:id="rId6"/>
-    <p:sldLayoutId id="2147483679" r:id="rId7"/>
-    <p:sldLayoutId id="2147483680" r:id="rId8"/>
-    <p:sldLayoutId id="2147483681" r:id="rId9"/>
-    <p:sldLayoutId id="2147483682" r:id="rId10"/>
-    <p:sldLayoutId id="2147483683" r:id="rId11"/>
+    <p:sldLayoutId id="2147483685" r:id="rId1"/>
+    <p:sldLayoutId id="2147483686" r:id="rId2"/>
+    <p:sldLayoutId id="2147483687" r:id="rId3"/>
+    <p:sldLayoutId id="2147483688" r:id="rId4"/>
+    <p:sldLayoutId id="2147483689" r:id="rId5"/>
+    <p:sldLayoutId id="2147483690" r:id="rId6"/>
+    <p:sldLayoutId id="2147483691" r:id="rId7"/>
+    <p:sldLayoutId id="2147483692" r:id="rId8"/>
+    <p:sldLayoutId id="2147483693" r:id="rId9"/>
+    <p:sldLayoutId id="2147483694" r:id="rId10"/>
+    <p:sldLayoutId id="2147483695" r:id="rId11"/>
   </p:sldLayoutIdLst>
   <p:txStyles>
     <p:titleStyle>
@@ -3351,8 +3352,8 @@
         </p:nvSpPr>
         <p:spPr>
           <a:xfrm>
-            <a:off x="2176211" y="402688"/>
-            <a:ext cx="7839581" cy="457368"/>
+            <a:off x="2176212" y="582870"/>
+            <a:ext cx="7839581" cy="584775"/>
           </a:xfrm>
           <a:prstGeom prst="rect">
             <a:avLst/>
@@ -3367,7 +3368,7 @@
           <a:p>
             <a:pPr algn="ctr"/>
             <a:r>
-              <a:rPr lang="en-US" sz="2401" b="1" cap="small" dirty="0">
+              <a:rPr lang="en-US" sz="3200" b="1" cap="small" dirty="0">
                 <a:latin typeface="Oxygen" panose="02000503000000000000" pitchFamily="2" charset="0"/>
               </a:rPr>
               <a:t>Contents</a:t>
@@ -3403,7 +3404,7 @@
         </p:blipFill>
         <p:spPr>
           <a:xfrm>
-            <a:off x="315245" y="402689"/>
+            <a:off x="315246" y="582871"/>
             <a:ext cx="725875" cy="725875"/>
           </a:xfrm>
           <a:prstGeom prst="rect">
@@ -3425,8 +3426,8 @@
         </p:nvSpPr>
         <p:spPr>
           <a:xfrm>
-            <a:off x="2176208" y="1651413"/>
-            <a:ext cx="6436850" cy="4524315"/>
+            <a:off x="2176208" y="1831595"/>
+            <a:ext cx="8143449" cy="4924425"/>
           </a:xfrm>
           <a:prstGeom prst="rect">
             <a:avLst/>
@@ -3449,7 +3450,9 @@
               <a:buAutoNum type="arabicPeriod"/>
             </a:pPr>
             <a:r>
-              <a:rPr lang="en-US" dirty="0"/>
+              <a:rPr lang="en-US" sz="2000" dirty="0">
+                <a:latin typeface="Oxygen" panose="02000503000000000000" pitchFamily="2" charset="0"/>
+              </a:rPr>
               <a:t>Introduction of MySQL</a:t>
             </a:r>
           </a:p>
@@ -3457,7 +3460,9 @@
             <a:pPr marL="342913" indent="-342913">
               <a:buAutoNum type="arabicPeriod"/>
             </a:pPr>
-            <a:endParaRPr lang="en-US" dirty="0"/>
+            <a:endParaRPr lang="en-US" sz="2000" dirty="0">
+              <a:latin typeface="Oxygen" panose="02000503000000000000" pitchFamily="2" charset="0"/>
+            </a:endParaRPr>
           </a:p>
           <a:p>
             <a:pPr marL="342913" indent="-342913">
@@ -3465,11 +3470,11 @@
               <a:buAutoNum type="arabicPeriod"/>
             </a:pPr>
             <a:r>
-              <a:rPr lang="en-IN" dirty="0">
+              <a:rPr lang="en-IN" sz="2000" dirty="0">
                 <a:solidFill>
                   <a:srgbClr val="111111"/>
                 </a:solidFill>
-                <a:latin typeface="-apple-system"/>
+                <a:latin typeface="Oxygen" panose="02000503000000000000" pitchFamily="2" charset="0"/>
               </a:rPr>
               <a:t>Database, Tables ,Keys, Views ,Queries &amp; Indexes</a:t>
             </a:r>
@@ -3479,11 +3484,11 @@
               <a:buFontTx/>
               <a:buAutoNum type="arabicPeriod"/>
             </a:pPr>
-            <a:endParaRPr lang="en-IN" dirty="0">
+            <a:endParaRPr lang="en-IN" sz="2000" dirty="0">
               <a:solidFill>
                 <a:srgbClr val="111111"/>
               </a:solidFill>
-              <a:latin typeface="-apple-system"/>
+              <a:latin typeface="Oxygen" panose="02000503000000000000" pitchFamily="2" charset="0"/>
             </a:endParaRPr>
           </a:p>
           <a:p>
@@ -3492,11 +3497,11 @@
               <a:buAutoNum type="arabicPeriod"/>
             </a:pPr>
             <a:r>
-              <a:rPr lang="en-IN" dirty="0">
+              <a:rPr lang="en-IN" sz="2000" dirty="0">
                 <a:solidFill>
                   <a:srgbClr val="111111"/>
                 </a:solidFill>
-                <a:latin typeface="-apple-system"/>
+                <a:latin typeface="Oxygen" panose="02000503000000000000" pitchFamily="2" charset="0"/>
               </a:rPr>
               <a:t>DML Statements, Joins &amp; Aggregate functions</a:t>
             </a:r>
@@ -3506,14 +3511,18 @@
               <a:buFontTx/>
               <a:buAutoNum type="arabicPeriod"/>
             </a:pPr>
-            <a:endParaRPr lang="en-US" dirty="0"/>
+            <a:endParaRPr lang="en-US" sz="2000" dirty="0">
+              <a:latin typeface="Oxygen" panose="02000503000000000000" pitchFamily="2" charset="0"/>
+            </a:endParaRPr>
           </a:p>
           <a:p>
             <a:pPr marL="342913" indent="-342913">
               <a:buAutoNum type="arabicPeriod"/>
             </a:pPr>
             <a:r>
-              <a:rPr lang="en-US" dirty="0"/>
+              <a:rPr lang="en-US" sz="2000" dirty="0">
+                <a:latin typeface="Oxygen" panose="02000503000000000000" pitchFamily="2" charset="0"/>
+              </a:rPr>
               <a:t>MySQL Procedures</a:t>
             </a:r>
           </a:p>
@@ -3521,14 +3530,18 @@
             <a:pPr marL="342913" indent="-342913">
               <a:buAutoNum type="arabicPeriod"/>
             </a:pPr>
-            <a:endParaRPr lang="en-US" dirty="0"/>
+            <a:endParaRPr lang="en-US" sz="2000" dirty="0">
+              <a:latin typeface="Oxygen" panose="02000503000000000000" pitchFamily="2" charset="0"/>
+            </a:endParaRPr>
           </a:p>
           <a:p>
             <a:pPr marL="342913" indent="-342913">
               <a:buAutoNum type="arabicPeriod"/>
             </a:pPr>
             <a:r>
-              <a:rPr lang="en-US" dirty="0"/>
+              <a:rPr lang="en-US" sz="2000" dirty="0">
+                <a:latin typeface="Oxygen" panose="02000503000000000000" pitchFamily="2" charset="0"/>
+              </a:rPr>
               <a:t>MySQL Triggers</a:t>
             </a:r>
           </a:p>
@@ -3536,14 +3549,18 @@
             <a:pPr marL="342913" indent="-342913">
               <a:buAutoNum type="arabicPeriod"/>
             </a:pPr>
-            <a:endParaRPr lang="en-US" dirty="0"/>
+            <a:endParaRPr lang="en-US" sz="2000" dirty="0">
+              <a:latin typeface="Oxygen" panose="02000503000000000000" pitchFamily="2" charset="0"/>
+            </a:endParaRPr>
           </a:p>
           <a:p>
             <a:pPr marL="342913" indent="-342913">
               <a:buAutoNum type="arabicPeriod"/>
             </a:pPr>
             <a:r>
-              <a:rPr lang="en-US" dirty="0"/>
+              <a:rPr lang="en-US" sz="2000" dirty="0">
+                <a:latin typeface="Oxygen" panose="02000503000000000000" pitchFamily="2" charset="0"/>
+              </a:rPr>
               <a:t>User Management</a:t>
             </a:r>
           </a:p>
@@ -3551,14 +3568,18 @@
             <a:pPr marL="342913" indent="-342913">
               <a:buAutoNum type="arabicPeriod"/>
             </a:pPr>
-            <a:endParaRPr lang="en-US" dirty="0"/>
+            <a:endParaRPr lang="en-US" sz="2000" dirty="0">
+              <a:latin typeface="Oxygen" panose="02000503000000000000" pitchFamily="2" charset="0"/>
+            </a:endParaRPr>
           </a:p>
           <a:p>
             <a:pPr marL="342913" indent="-342913">
               <a:buAutoNum type="arabicPeriod"/>
             </a:pPr>
             <a:r>
-              <a:rPr lang="en-US" dirty="0"/>
+              <a:rPr lang="en-US" sz="2000" dirty="0">
+                <a:latin typeface="Oxygen" panose="02000503000000000000" pitchFamily="2" charset="0"/>
+              </a:rPr>
               <a:t>MySQL Backup &amp; Restore</a:t>
             </a:r>
           </a:p>
@@ -3626,8 +3647,8 @@
         </p:nvSpPr>
         <p:spPr>
           <a:xfrm>
-            <a:off x="1930404" y="402688"/>
-            <a:ext cx="7839581" cy="457368"/>
+            <a:off x="1930405" y="582870"/>
+            <a:ext cx="7839581" cy="646331"/>
           </a:xfrm>
           <a:prstGeom prst="rect">
             <a:avLst/>
@@ -3642,7 +3663,7 @@
           <a:p>
             <a:pPr algn="ctr"/>
             <a:r>
-              <a:rPr lang="en-US" sz="2401" b="1" cap="small" dirty="0">
+              <a:rPr lang="en-US" sz="3600" b="1" cap="small" dirty="0">
                 <a:latin typeface="Oxygen" panose="02000503000000000000" pitchFamily="2" charset="0"/>
               </a:rPr>
               <a:t>Introduction</a:t>
@@ -3678,7 +3699,7 @@
         </p:blipFill>
         <p:spPr>
           <a:xfrm>
-            <a:off x="315245" y="402689"/>
+            <a:off x="315246" y="582871"/>
             <a:ext cx="725875" cy="725875"/>
           </a:xfrm>
           <a:prstGeom prst="rect">
@@ -3700,8 +3721,8 @@
         </p:nvSpPr>
         <p:spPr>
           <a:xfrm>
-            <a:off x="1474842" y="1149962"/>
-            <a:ext cx="8652387" cy="3600986"/>
+            <a:off x="1175658" y="1330143"/>
+            <a:ext cx="10319657" cy="6124754"/>
           </a:xfrm>
           <a:prstGeom prst="rect">
             <a:avLst/>
@@ -3720,24 +3741,54 @@
             <a:endParaRPr lang="en-US" dirty="0"/>
           </a:p>
           <a:p>
-            <a:r>
-              <a:rPr lang="en-IN" sz="1400" dirty="0">
+            <a:pPr marL="285750" indent="-285750">
+              <a:buFont typeface="Wingdings" panose="05000000000000000000" pitchFamily="2" charset="2"/>
+              <a:buChar char="Ø"/>
+            </a:pPr>
+            <a:r>
+              <a:rPr lang="en-IN" sz="2400" dirty="0">
                 <a:latin typeface="Oxygen" panose="02000503000000000000" pitchFamily="2" charset="0"/>
               </a:rPr>
               <a:t>MySQL is relational database management system.</a:t>
             </a:r>
           </a:p>
           <a:p>
-            <a:r>
-              <a:rPr lang="en-IN" sz="1400" dirty="0">
+            <a:pPr marL="285750" indent="-285750">
+              <a:buFont typeface="Wingdings" panose="05000000000000000000" pitchFamily="2" charset="2"/>
+              <a:buChar char="Ø"/>
+            </a:pPr>
+            <a:endParaRPr lang="en-IN" sz="2400" dirty="0">
+              <a:latin typeface="Oxygen" panose="02000503000000000000" pitchFamily="2" charset="0"/>
+            </a:endParaRPr>
+          </a:p>
+          <a:p>
+            <a:pPr marL="285750" indent="-285750">
+              <a:buFont typeface="Wingdings" panose="05000000000000000000" pitchFamily="2" charset="2"/>
+              <a:buChar char="Ø"/>
+            </a:pPr>
+            <a:r>
+              <a:rPr lang="en-IN" sz="2400" dirty="0">
                 <a:latin typeface="Oxygen" panose="02000503000000000000" pitchFamily="2" charset="0"/>
               </a:rPr>
               <a:t>It is free and open source.</a:t>
             </a:r>
           </a:p>
           <a:p>
-            <a:r>
-              <a:rPr lang="en-US" sz="1400" dirty="0">
+            <a:pPr marL="285750" indent="-285750">
+              <a:buFont typeface="Wingdings" panose="05000000000000000000" pitchFamily="2" charset="2"/>
+              <a:buChar char="Ø"/>
+            </a:pPr>
+            <a:endParaRPr lang="en-IN" sz="2400" dirty="0">
+              <a:latin typeface="Oxygen" panose="02000503000000000000" pitchFamily="2" charset="0"/>
+            </a:endParaRPr>
+          </a:p>
+          <a:p>
+            <a:pPr marL="285750" indent="-285750">
+              <a:buFont typeface="Wingdings" panose="05000000000000000000" pitchFamily="2" charset="2"/>
+              <a:buChar char="Ø"/>
+            </a:pPr>
+            <a:r>
+              <a:rPr lang="en-US" sz="2400" dirty="0">
                 <a:solidFill>
                   <a:srgbClr val="000000"/>
                 </a:solidFill>
@@ -3747,8 +3798,24 @@
             </a:r>
           </a:p>
           <a:p>
-            <a:r>
-              <a:rPr lang="en-US" sz="1400" dirty="0">
+            <a:pPr marL="285750" indent="-285750">
+              <a:buFont typeface="Wingdings" panose="05000000000000000000" pitchFamily="2" charset="2"/>
+              <a:buChar char="Ø"/>
+            </a:pPr>
+            <a:endParaRPr lang="en-US" sz="2400" dirty="0">
+              <a:solidFill>
+                <a:srgbClr val="000000"/>
+              </a:solidFill>
+              <a:latin typeface="Oxygen" panose="02000503000000000000" pitchFamily="2" charset="0"/>
+            </a:endParaRPr>
+          </a:p>
+          <a:p>
+            <a:pPr marL="285750" indent="-285750">
+              <a:buFont typeface="Wingdings" panose="05000000000000000000" pitchFamily="2" charset="2"/>
+              <a:buChar char="Ø"/>
+            </a:pPr>
+            <a:r>
+              <a:rPr lang="en-US" sz="2400" dirty="0">
                 <a:solidFill>
                   <a:srgbClr val="000000"/>
                 </a:solidFill>
@@ -3758,8 +3825,24 @@
             </a:r>
           </a:p>
           <a:p>
-            <a:r>
-              <a:rPr lang="en-US" sz="1400" dirty="0">
+            <a:pPr marL="285750" indent="-285750">
+              <a:buFont typeface="Wingdings" panose="05000000000000000000" pitchFamily="2" charset="2"/>
+              <a:buChar char="Ø"/>
+            </a:pPr>
+            <a:endParaRPr lang="en-US" sz="2400" dirty="0">
+              <a:solidFill>
+                <a:srgbClr val="000000"/>
+              </a:solidFill>
+              <a:latin typeface="Oxygen" panose="02000503000000000000" pitchFamily="2" charset="0"/>
+            </a:endParaRPr>
+          </a:p>
+          <a:p>
+            <a:pPr marL="285750" indent="-285750">
+              <a:buFont typeface="Wingdings" panose="05000000000000000000" pitchFamily="2" charset="2"/>
+              <a:buChar char="Ø"/>
+            </a:pPr>
+            <a:r>
+              <a:rPr lang="en-US" sz="2400" dirty="0">
                 <a:solidFill>
                   <a:srgbClr val="000000"/>
                 </a:solidFill>
@@ -3786,7 +3869,7 @@
           </a:p>
           <a:p>
             <a:r>
-              <a:rPr lang="en-US" sz="1400" dirty="0">
+              <a:rPr lang="en-US" sz="2400" dirty="0">
                 <a:solidFill>
                   <a:srgbClr val="000000"/>
                 </a:solidFill>
@@ -3797,13 +3880,13 @@
           </a:p>
           <a:p>
             <a:r>
-              <a:rPr lang="en-IN" sz="1600" dirty="0">
+              <a:rPr lang="en-IN" sz="2400" dirty="0">
                 <a:latin typeface="Oxygen" panose="02000503000000000000" pitchFamily="2" charset="0"/>
                 <a:hlinkClick r:id="rId3"/>
               </a:rPr>
               <a:t>https://www.javatpoint.com/how-to-install-mysql</a:t>
             </a:r>
-            <a:endParaRPr lang="en-IN" sz="1600" dirty="0">
+            <a:endParaRPr lang="en-IN" sz="2400" dirty="0">
               <a:latin typeface="Oxygen" panose="02000503000000000000" pitchFamily="2" charset="0"/>
             </a:endParaRPr>
           </a:p>
@@ -3882,7 +3965,7 @@
         </p:nvSpPr>
         <p:spPr>
           <a:xfrm>
-            <a:off x="1930404" y="402688"/>
+            <a:off x="1930405" y="582869"/>
             <a:ext cx="7839581" cy="457368"/>
           </a:xfrm>
           <a:prstGeom prst="rect">
@@ -3934,7 +4017,7 @@
         </p:blipFill>
         <p:spPr>
           <a:xfrm>
-            <a:off x="315245" y="402689"/>
+            <a:off x="315246" y="582871"/>
             <a:ext cx="725875" cy="725875"/>
           </a:xfrm>
           <a:prstGeom prst="rect">
@@ -3956,7 +4039,7 @@
         </p:nvSpPr>
         <p:spPr>
           <a:xfrm>
-            <a:off x="1474842" y="1149965"/>
+            <a:off x="1474843" y="1330147"/>
             <a:ext cx="8652387" cy="6032421"/>
           </a:xfrm>
           <a:prstGeom prst="rect">
@@ -4336,7 +4419,7 @@
         </p:blipFill>
         <p:spPr>
           <a:xfrm>
-            <a:off x="315245" y="108772"/>
+            <a:off x="315246" y="288954"/>
             <a:ext cx="725875" cy="725875"/>
           </a:xfrm>
           <a:prstGeom prst="rect">
@@ -4358,7 +4441,7 @@
         </p:nvSpPr>
         <p:spPr>
           <a:xfrm>
-            <a:off x="1474842" y="845166"/>
+            <a:off x="1474843" y="1025348"/>
             <a:ext cx="8652387" cy="6740307"/>
           </a:xfrm>
           <a:prstGeom prst="rect">
@@ -4737,7 +4820,7 @@
         </p:blipFill>
         <p:spPr>
           <a:xfrm>
-            <a:off x="315245" y="108772"/>
+            <a:off x="315246" y="288954"/>
             <a:ext cx="725875" cy="725875"/>
           </a:xfrm>
           <a:prstGeom prst="rect">
@@ -4759,7 +4842,7 @@
         </p:nvSpPr>
         <p:spPr>
           <a:xfrm>
-            <a:off x="1474842" y="845166"/>
+            <a:off x="1474843" y="1025347"/>
             <a:ext cx="8652387" cy="6247864"/>
           </a:xfrm>
           <a:prstGeom prst="rect">
@@ -4971,11 +5054,10 @@
           </a:p>
           <a:p>
             <a:r>
-              <a:rPr lang="en-US" sz="1600" b="1" i="0" dirty="0">
+              <a:rPr lang="en-US" sz="1600" b="1" dirty="0">
                 <a:solidFill>
                   <a:srgbClr val="000000"/>
                 </a:solidFill>
-                <a:effectLst/>
                 <a:latin typeface="Segoe UI" panose="020B0502040204020203" pitchFamily="34" charset="0"/>
               </a:rPr>
               <a:t>Date and Time Data Types</a:t>
@@ -5057,7 +5139,7 @@
         </p:nvSpPr>
         <p:spPr>
           <a:xfrm>
-            <a:off x="4245428" y="377279"/>
+            <a:off x="4245429" y="557460"/>
             <a:ext cx="2699657" cy="457368"/>
           </a:xfrm>
           <a:prstGeom prst="rect">
@@ -5102,7 +5184,7 @@
         <p:cNvPr id="1" name="">
           <a:extLst>
             <a:ext uri="{FF2B5EF4-FFF2-40B4-BE49-F238E27FC236}">
-              <a16:creationId xmlns:a16="http://schemas.microsoft.com/office/drawing/2014/main" id="{B93EC1F9-2C99-245F-8B9D-B0A2B3E15C84}"/>
+              <a16:creationId xmlns:a16="http://schemas.microsoft.com/office/drawing/2014/main" id="{DE6558C8-9C71-2F6C-4BD2-BFB6DFCC7266}"/>
             </a:ext>
           </a:extLst>
         </p:cNvPr>
@@ -5122,7 +5204,7 @@
           <p:cNvPr id="15" name="Picture 14">
             <a:extLst>
               <a:ext uri="{FF2B5EF4-FFF2-40B4-BE49-F238E27FC236}">
-                <a16:creationId xmlns:a16="http://schemas.microsoft.com/office/drawing/2014/main" id="{AA0C7BA4-7ABC-0E5F-C25B-F44E09096801}"/>
+                <a16:creationId xmlns:a16="http://schemas.microsoft.com/office/drawing/2014/main" id="{6A1DB13E-37BE-C75E-9FF0-370F04973911}"/>
               </a:ext>
             </a:extLst>
           </p:cNvPr>
@@ -5145,7 +5227,7 @@
         </p:blipFill>
         <p:spPr>
           <a:xfrm>
-            <a:off x="315245" y="108772"/>
+            <a:off x="315246" y="288954"/>
             <a:ext cx="725875" cy="725875"/>
           </a:xfrm>
           <a:prstGeom prst="rect">
@@ -5158,7 +5240,7 @@
           <p:cNvPr id="5" name="TextBox 4">
             <a:extLst>
               <a:ext uri="{FF2B5EF4-FFF2-40B4-BE49-F238E27FC236}">
-                <a16:creationId xmlns:a16="http://schemas.microsoft.com/office/drawing/2014/main" id="{EF9253C6-C4DC-4670-20BC-AE08D9DE3400}"/>
+                <a16:creationId xmlns:a16="http://schemas.microsoft.com/office/drawing/2014/main" id="{40E349B5-0F0B-9149-BDBE-C04707BB2399}"/>
               </a:ext>
             </a:extLst>
           </p:cNvPr>
@@ -5167,7 +5249,7 @@
         </p:nvSpPr>
         <p:spPr>
           <a:xfrm>
-            <a:off x="4245428" y="377279"/>
+            <a:off x="4245429" y="557460"/>
             <a:ext cx="2699657" cy="457368"/>
           </a:xfrm>
           <a:prstGeom prst="rect">
@@ -5196,7 +5278,7 @@
           <p:cNvPr id="4" name="Table 3">
             <a:extLst>
               <a:ext uri="{FF2B5EF4-FFF2-40B4-BE49-F238E27FC236}">
-                <a16:creationId xmlns:a16="http://schemas.microsoft.com/office/drawing/2014/main" id="{BA458D93-B990-8D69-D684-23CD07DF2761}"/>
+                <a16:creationId xmlns:a16="http://schemas.microsoft.com/office/drawing/2014/main" id="{C875265B-9DBC-F474-6280-6006550C0431}"/>
               </a:ext>
             </a:extLst>
           </p:cNvPr>
@@ -5206,14 +5288,14 @@
           <p:nvPr>
             <p:extLst>
               <p:ext uri="{D42A27DB-BD31-4B8C-83A1-F6EECF244321}">
-                <p14:modId xmlns:p14="http://schemas.microsoft.com/office/powerpoint/2010/main" val="1632450290"/>
+                <p14:modId xmlns:p14="http://schemas.microsoft.com/office/powerpoint/2010/main" val="1557454231"/>
               </p:ext>
             </p:extLst>
           </p:nvPr>
         </p:nvGraphicFramePr>
         <p:xfrm>
-          <a:off x="1531256" y="1014443"/>
-          <a:ext cx="8081825" cy="1854200"/>
+          <a:off x="1531255" y="2908142"/>
+          <a:ext cx="8127999" cy="2595880"/>
         </p:xfrm>
         <a:graphic>
           <a:graphicData uri="http://schemas.openxmlformats.org/drawingml/2006/table">
@@ -5222,24 +5304,24 @@
                 <a:tableStyleId>{5C22544A-7EE6-4342-B048-85BDC9FD1C3A}</a:tableStyleId>
               </a:tblPr>
               <a:tblGrid>
-                <a:gridCol w="643255">
+                <a:gridCol w="722086">
                   <a:extLst>
                     <a:ext uri="{9D8B030D-6E8A-4147-A177-3AD203B41FA5}">
-                      <a16:colId xmlns:a16="http://schemas.microsoft.com/office/drawing/2014/main" val="2849890663"/>
+                      <a16:colId xmlns:a16="http://schemas.microsoft.com/office/drawing/2014/main" val="1349749233"/>
                     </a:ext>
                   </a:extLst>
                 </a:gridCol>
-                <a:gridCol w="1632858">
+                <a:gridCol w="1589315">
                   <a:extLst>
                     <a:ext uri="{9D8B030D-6E8A-4147-A177-3AD203B41FA5}">
-                      <a16:colId xmlns:a16="http://schemas.microsoft.com/office/drawing/2014/main" val="3026583182"/>
+                      <a16:colId xmlns:a16="http://schemas.microsoft.com/office/drawing/2014/main" val="4053584086"/>
                     </a:ext>
                   </a:extLst>
                 </a:gridCol>
-                <a:gridCol w="5805712">
+                <a:gridCol w="5816598">
                   <a:extLst>
                     <a:ext uri="{9D8B030D-6E8A-4147-A177-3AD203B41FA5}">
-                      <a16:colId xmlns:a16="http://schemas.microsoft.com/office/drawing/2014/main" val="623962936"/>
+                      <a16:colId xmlns:a16="http://schemas.microsoft.com/office/drawing/2014/main" val="913413293"/>
                     </a:ext>
                   </a:extLst>
                 </a:gridCol>
@@ -5250,8 +5332,9 @@
                     <a:bodyPr/>
                     <a:lstStyle/>
                     <a:p>
+                      <a:pPr algn="ctr"/>
                       <a:r>
-                        <a:rPr lang="en-US" dirty="0" err="1"/>
+                        <a:rPr lang="en-US" dirty="0"/>
                         <a:t>Slno</a:t>
                       </a:r>
                       <a:endParaRPr lang="en-IN" dirty="0"/>
@@ -5264,6 +5347,7 @@
                     <a:bodyPr/>
                     <a:lstStyle/>
                     <a:p>
+                      <a:pPr algn="ctr"/>
                       <a:r>
                         <a:rPr lang="en-US" dirty="0"/>
                         <a:t>Constraints</a:t>
@@ -5278,9 +5362,10 @@
                     <a:bodyPr/>
                     <a:lstStyle/>
                     <a:p>
+                      <a:pPr algn="ctr"/>
                       <a:r>
                         <a:rPr lang="en-US" dirty="0"/>
-                        <a:t>Meaning</a:t>
+                        <a:t>Definition</a:t>
                       </a:r>
                       <a:endParaRPr lang="en-IN" dirty="0"/>
                     </a:p>
@@ -5289,7 +5374,7 @@
                 </a:tc>
                 <a:extLst>
                   <a:ext uri="{0D108BD9-81ED-4DB2-BD59-A6C34878D82A}">
-                    <a16:rowId xmlns:a16="http://schemas.microsoft.com/office/drawing/2014/main" val="1216375311"/>
+                    <a16:rowId xmlns:a16="http://schemas.microsoft.com/office/drawing/2014/main" val="4249769164"/>
                   </a:ext>
                 </a:extLst>
               </a:tr>
@@ -5299,6 +5384,7 @@
                     <a:bodyPr/>
                     <a:lstStyle/>
                     <a:p>
+                      <a:pPr algn="ctr"/>
                       <a:r>
                         <a:rPr lang="en-US" dirty="0"/>
                         <a:t>1</a:t>
@@ -5313,6 +5399,7 @@
                     <a:bodyPr/>
                     <a:lstStyle/>
                     <a:p>
+                      <a:pPr algn="l"/>
                       <a:r>
                         <a:rPr lang="en-US" dirty="0"/>
                         <a:t>Not Null</a:t>
@@ -5327,6 +5414,7 @@
                     <a:bodyPr/>
                     <a:lstStyle/>
                     <a:p>
+                      <a:pPr algn="l"/>
                       <a:r>
                         <a:rPr lang="en-US" dirty="0"/>
                         <a:t>Ensures a column cannot have null value</a:t>
@@ -5338,7 +5426,7 @@
                 </a:tc>
                 <a:extLst>
                   <a:ext uri="{0D108BD9-81ED-4DB2-BD59-A6C34878D82A}">
-                    <a16:rowId xmlns:a16="http://schemas.microsoft.com/office/drawing/2014/main" val="3660877910"/>
+                    <a16:rowId xmlns:a16="http://schemas.microsoft.com/office/drawing/2014/main" val="2850057555"/>
                   </a:ext>
                 </a:extLst>
               </a:tr>
@@ -5348,6 +5436,7 @@
                     <a:bodyPr/>
                     <a:lstStyle/>
                     <a:p>
+                      <a:pPr algn="ctr"/>
                       <a:r>
                         <a:rPr lang="en-US" dirty="0"/>
                         <a:t>2</a:t>
@@ -5362,6 +5451,7 @@
                     <a:bodyPr/>
                     <a:lstStyle/>
                     <a:p>
+                      <a:pPr algn="l"/>
                       <a:r>
                         <a:rPr lang="en-US" dirty="0"/>
                         <a:t>Unique</a:t>
@@ -5376,6 +5466,7 @@
                     <a:bodyPr/>
                     <a:lstStyle/>
                     <a:p>
+                      <a:pPr algn="l"/>
                       <a:r>
                         <a:rPr lang="en-US" dirty="0"/>
                         <a:t>Ensures each and every column contains unique value</a:t>
@@ -5387,7 +5478,7 @@
                 </a:tc>
                 <a:extLst>
                   <a:ext uri="{0D108BD9-81ED-4DB2-BD59-A6C34878D82A}">
-                    <a16:rowId xmlns:a16="http://schemas.microsoft.com/office/drawing/2014/main" val="2852096107"/>
+                    <a16:rowId xmlns:a16="http://schemas.microsoft.com/office/drawing/2014/main" val="3072960623"/>
                   </a:ext>
                 </a:extLst>
               </a:tr>
@@ -5397,6 +5488,7 @@
                     <a:bodyPr/>
                     <a:lstStyle/>
                     <a:p>
+                      <a:pPr algn="ctr"/>
                       <a:r>
                         <a:rPr lang="en-US" dirty="0"/>
                         <a:t>3</a:t>
@@ -5411,6 +5503,7 @@
                     <a:bodyPr/>
                     <a:lstStyle/>
                     <a:p>
+                      <a:pPr algn="l"/>
                       <a:r>
                         <a:rPr lang="en-US" dirty="0"/>
                         <a:t>Primary Key</a:t>
@@ -5425,6 +5518,7 @@
                     <a:bodyPr/>
                     <a:lstStyle/>
                     <a:p>
+                      <a:pPr algn="l"/>
                       <a:r>
                         <a:rPr lang="en-US" dirty="0"/>
                         <a:t>Uniquely identifies a row in a table</a:t>
@@ -5436,7 +5530,7 @@
                 </a:tc>
                 <a:extLst>
                   <a:ext uri="{0D108BD9-81ED-4DB2-BD59-A6C34878D82A}">
-                    <a16:rowId xmlns:a16="http://schemas.microsoft.com/office/drawing/2014/main" val="2778785378"/>
+                    <a16:rowId xmlns:a16="http://schemas.microsoft.com/office/drawing/2014/main" val="2349265783"/>
                   </a:ext>
                 </a:extLst>
               </a:tr>
@@ -5446,6 +5540,7 @@
                     <a:bodyPr/>
                     <a:lstStyle/>
                     <a:p>
+                      <a:pPr algn="ctr"/>
                       <a:r>
                         <a:rPr lang="en-US" dirty="0"/>
                         <a:t>4</a:t>
@@ -5460,6 +5555,7 @@
                     <a:bodyPr/>
                     <a:lstStyle/>
                     <a:p>
+                      <a:pPr algn="l"/>
                       <a:r>
                         <a:rPr lang="en-US" dirty="0"/>
                         <a:t>Foreign Key</a:t>
@@ -5474,6 +5570,7 @@
                     <a:bodyPr/>
                     <a:lstStyle/>
                     <a:p>
+                      <a:pPr algn="l"/>
                       <a:r>
                         <a:rPr lang="en-US" dirty="0"/>
                         <a:t>Establishes relation between two tables through a column</a:t>
@@ -5485,7 +5582,119 @@
                 </a:tc>
                 <a:extLst>
                   <a:ext uri="{0D108BD9-81ED-4DB2-BD59-A6C34878D82A}">
-                    <a16:rowId xmlns:a16="http://schemas.microsoft.com/office/drawing/2014/main" val="3337727037"/>
+                    <a16:rowId xmlns:a16="http://schemas.microsoft.com/office/drawing/2014/main" val="310905319"/>
+                  </a:ext>
+                </a:extLst>
+              </a:tr>
+              <a:tr h="370840">
+                <a:tc>
+                  <a:txBody>
+                    <a:bodyPr/>
+                    <a:lstStyle/>
+                    <a:p>
+                      <a:pPr algn="ctr"/>
+                      <a:r>
+                        <a:rPr lang="en-US" dirty="0"/>
+                        <a:t>5</a:t>
+                      </a:r>
+                      <a:endParaRPr lang="en-IN" dirty="0"/>
+                    </a:p>
+                  </a:txBody>
+                  <a:tcPr/>
+                </a:tc>
+                <a:tc>
+                  <a:txBody>
+                    <a:bodyPr/>
+                    <a:lstStyle/>
+                    <a:p>
+                      <a:pPr algn="l"/>
+                      <a:r>
+                        <a:rPr lang="en-US" dirty="0"/>
+                        <a:t>Check</a:t>
+                      </a:r>
+                      <a:endParaRPr lang="en-IN" dirty="0"/>
+                    </a:p>
+                  </a:txBody>
+                  <a:tcPr/>
+                </a:tc>
+                <a:tc>
+                  <a:txBody>
+                    <a:bodyPr/>
+                    <a:lstStyle/>
+                    <a:p>
+                      <a:pPr algn="l"/>
+                      <a:r>
+                        <a:rPr lang="en-US" dirty="0"/>
+                        <a:t>Ensures a values in a column satisfies a condition </a:t>
+                      </a:r>
+                      <a:endParaRPr lang="en-IN" dirty="0"/>
+                    </a:p>
+                  </a:txBody>
+                  <a:tcPr/>
+                </a:tc>
+                <a:extLst>
+                  <a:ext uri="{0D108BD9-81ED-4DB2-BD59-A6C34878D82A}">
+                    <a16:rowId xmlns:a16="http://schemas.microsoft.com/office/drawing/2014/main" val="553882969"/>
+                  </a:ext>
+                </a:extLst>
+              </a:tr>
+              <a:tr h="370840">
+                <a:tc>
+                  <a:txBody>
+                    <a:bodyPr/>
+                    <a:lstStyle/>
+                    <a:p>
+                      <a:pPr algn="ctr"/>
+                      <a:r>
+                        <a:rPr lang="en-US" dirty="0"/>
+                        <a:t>6</a:t>
+                      </a:r>
+                      <a:endParaRPr lang="en-IN" dirty="0"/>
+                    </a:p>
+                  </a:txBody>
+                  <a:tcPr/>
+                </a:tc>
+                <a:tc>
+                  <a:txBody>
+                    <a:bodyPr/>
+                    <a:lstStyle/>
+                    <a:p>
+                      <a:pPr algn="l"/>
+                      <a:r>
+                        <a:rPr lang="en-US" dirty="0"/>
+                        <a:t>Default</a:t>
+                      </a:r>
+                      <a:endParaRPr lang="en-IN" dirty="0"/>
+                    </a:p>
+                  </a:txBody>
+                  <a:tcPr/>
+                </a:tc>
+                <a:tc>
+                  <a:txBody>
+                    <a:bodyPr/>
+                    <a:lstStyle/>
+                    <a:p>
+                      <a:pPr algn="l"/>
+                      <a:r>
+                        <a:rPr lang="en-US" sz="1800" b="0" i="0" kern="1200" dirty="0">
+                          <a:solidFill>
+                            <a:schemeClr val="dk1"/>
+                          </a:solidFill>
+                          <a:effectLst/>
+                          <a:latin typeface="+mn-lt"/>
+                          <a:ea typeface="+mn-ea"/>
+                          <a:cs typeface="+mn-cs"/>
+                        </a:rPr>
+                        <a:t>Sets a default value for a column if no value is specified</a:t>
+                      </a:r>
+                      <a:endParaRPr lang="en-IN" dirty="0"/>
+                    </a:p>
+                  </a:txBody>
+                  <a:tcPr/>
+                </a:tc>
+                <a:extLst>
+                  <a:ext uri="{0D108BD9-81ED-4DB2-BD59-A6C34878D82A}">
+                    <a16:rowId xmlns:a16="http://schemas.microsoft.com/office/drawing/2014/main" val="3790620175"/>
                   </a:ext>
                 </a:extLst>
               </a:tr>
@@ -5493,10 +5702,676 @@
           </a:graphicData>
         </a:graphic>
       </p:graphicFrame>
+      <p:sp>
+        <p:nvSpPr>
+          <p:cNvPr id="6" name="TextBox 5">
+            <a:extLst>
+              <a:ext uri="{FF2B5EF4-FFF2-40B4-BE49-F238E27FC236}">
+                <a16:creationId xmlns:a16="http://schemas.microsoft.com/office/drawing/2014/main" id="{6812492F-90B1-6CEC-6E95-B8E727A7DCDB}"/>
+              </a:ext>
+            </a:extLst>
+          </p:cNvPr>
+          <p:cNvSpPr txBox="1"/>
+          <p:nvPr/>
+        </p:nvSpPr>
+        <p:spPr>
+          <a:xfrm>
+            <a:off x="1531256" y="1613547"/>
+            <a:ext cx="8127999" cy="830997"/>
+          </a:xfrm>
+          <a:prstGeom prst="rect">
+            <a:avLst/>
+          </a:prstGeom>
+          <a:noFill/>
+        </p:spPr>
+        <p:txBody>
+          <a:bodyPr wrap="square" rtlCol="0">
+            <a:spAutoFit/>
+          </a:bodyPr>
+          <a:lstStyle/>
+          <a:p>
+            <a:r>
+              <a:rPr lang="en-US" sz="1600" dirty="0">
+                <a:latin typeface="Oxygen" panose="02000503000000000000" pitchFamily="2" charset="0"/>
+              </a:rPr>
+              <a:t>Constraints </a:t>
+            </a:r>
+            <a:r>
+              <a:rPr lang="en-US" sz="1600" dirty="0">
+                <a:solidFill>
+                  <a:srgbClr val="000000"/>
+                </a:solidFill>
+                <a:latin typeface="Oxygen" panose="02000503000000000000" pitchFamily="2" charset="0"/>
+              </a:rPr>
+              <a:t>are used to specify rules for the data in a table.</a:t>
+            </a:r>
+          </a:p>
+          <a:p>
+            <a:r>
+              <a:rPr lang="en-US" sz="1600" dirty="0">
+                <a:solidFill>
+                  <a:srgbClr val="000000"/>
+                </a:solidFill>
+                <a:latin typeface="Oxygen" panose="02000503000000000000" pitchFamily="2" charset="0"/>
+              </a:rPr>
+              <a:t>Constraints can be column level or table level. Column level constraints apply to a column, and table level constraints apply to the whole table.</a:t>
+            </a:r>
+            <a:endParaRPr lang="en-IN" sz="1600" dirty="0">
+              <a:latin typeface="Oxygen" panose="02000503000000000000" pitchFamily="2" charset="0"/>
+            </a:endParaRPr>
+          </a:p>
+        </p:txBody>
+      </p:sp>
     </p:spTree>
     <p:extLst>
       <p:ext uri="{BB962C8B-B14F-4D97-AF65-F5344CB8AC3E}">
-        <p14:creationId xmlns:p14="http://schemas.microsoft.com/office/powerpoint/2010/main" val="4131376772"/>
+        <p14:creationId xmlns:p14="http://schemas.microsoft.com/office/powerpoint/2010/main" val="1340372796"/>
+      </p:ext>
+    </p:extLst>
+  </p:cSld>
+  <p:clrMapOvr>
+    <a:masterClrMapping/>
+  </p:clrMapOvr>
+</p:sld>
+</file>
+
+<file path=ppt/slides/slide7.xml><?xml version="1.0" encoding="utf-8"?>
+<p:sld xmlns:a="http://schemas.openxmlformats.org/drawingml/2006/main" xmlns:r="http://schemas.openxmlformats.org/officeDocument/2006/relationships" xmlns:p="http://schemas.openxmlformats.org/presentationml/2006/main">
+  <p:cSld>
+    <p:spTree>
+      <p:nvGrpSpPr>
+        <p:cNvPr id="1" name="">
+          <a:extLst>
+            <a:ext uri="{FF2B5EF4-FFF2-40B4-BE49-F238E27FC236}">
+              <a16:creationId xmlns:a16="http://schemas.microsoft.com/office/drawing/2014/main" id="{D9774549-CA0C-5794-42A1-42E271AEF105}"/>
+            </a:ext>
+          </a:extLst>
+        </p:cNvPr>
+        <p:cNvGrpSpPr/>
+        <p:nvPr/>
+      </p:nvGrpSpPr>
+      <p:grpSpPr>
+        <a:xfrm>
+          <a:off x="0" y="0"/>
+          <a:ext cx="0" cy="0"/>
+          <a:chOff x="0" y="0"/>
+          <a:chExt cx="0" cy="0"/>
+        </a:xfrm>
+      </p:grpSpPr>
+      <p:pic>
+        <p:nvPicPr>
+          <p:cNvPr id="15" name="Picture 14">
+            <a:extLst>
+              <a:ext uri="{FF2B5EF4-FFF2-40B4-BE49-F238E27FC236}">
+                <a16:creationId xmlns:a16="http://schemas.microsoft.com/office/drawing/2014/main" id="{E6BA1D0E-276D-FF4D-366F-2F67BFD59490}"/>
+              </a:ext>
+            </a:extLst>
+          </p:cNvPr>
+          <p:cNvPicPr>
+            <a:picLocks noChangeAspect="1"/>
+          </p:cNvPicPr>
+          <p:nvPr/>
+        </p:nvPicPr>
+        <p:blipFill>
+          <a:blip r:embed="rId2">
+            <a:extLst>
+              <a:ext uri="{28A0092B-C50C-407E-A947-70E740481C1C}">
+                <a14:useLocalDpi xmlns:a14="http://schemas.microsoft.com/office/drawing/2010/main" val="0"/>
+              </a:ext>
+            </a:extLst>
+          </a:blip>
+          <a:stretch>
+            <a:fillRect/>
+          </a:stretch>
+        </p:blipFill>
+        <p:spPr>
+          <a:xfrm>
+            <a:off x="315246" y="288954"/>
+            <a:ext cx="725875" cy="725875"/>
+          </a:xfrm>
+          <a:prstGeom prst="rect">
+            <a:avLst/>
+          </a:prstGeom>
+        </p:spPr>
+      </p:pic>
+      <p:sp>
+        <p:nvSpPr>
+          <p:cNvPr id="2" name="TextBox 1">
+            <a:extLst>
+              <a:ext uri="{FF2B5EF4-FFF2-40B4-BE49-F238E27FC236}">
+                <a16:creationId xmlns:a16="http://schemas.microsoft.com/office/drawing/2014/main" id="{C0B102CC-CBF3-829C-D41A-1D3ECBD10968}"/>
+              </a:ext>
+            </a:extLst>
+          </p:cNvPr>
+          <p:cNvSpPr txBox="1"/>
+          <p:nvPr/>
+        </p:nvSpPr>
+        <p:spPr>
+          <a:xfrm>
+            <a:off x="1474843" y="1025348"/>
+            <a:ext cx="10129329" cy="6740307"/>
+          </a:xfrm>
+          <a:prstGeom prst="rect">
+            <a:avLst/>
+          </a:prstGeom>
+          <a:noFill/>
+        </p:spPr>
+        <p:txBody>
+          <a:bodyPr wrap="square" rtlCol="0">
+            <a:spAutoFit/>
+          </a:bodyPr>
+          <a:lstStyle/>
+          <a:p>
+            <a:r>
+              <a:rPr lang="en-US" sz="1600" dirty="0">
+                <a:latin typeface="Oxygen" panose="02000503000000000000" pitchFamily="2" charset="0"/>
+                <a:sym typeface="Wingdings" panose="05000000000000000000" pitchFamily="2" charset="2"/>
+              </a:rPr>
+              <a:t>As shown in below create table script of </a:t>
+            </a:r>
+            <a:r>
+              <a:rPr lang="en-US" sz="1600" dirty="0" err="1">
+                <a:latin typeface="Oxygen" panose="02000503000000000000" pitchFamily="2" charset="0"/>
+                <a:sym typeface="Wingdings" panose="05000000000000000000" pitchFamily="2" charset="2"/>
+              </a:rPr>
+              <a:t>mst_product_group</a:t>
+            </a:r>
+            <a:r>
+              <a:rPr lang="en-US" sz="1600" dirty="0">
+                <a:latin typeface="Oxygen" panose="02000503000000000000" pitchFamily="2" charset="0"/>
+                <a:sym typeface="Wingdings" panose="05000000000000000000" pitchFamily="2" charset="2"/>
+              </a:rPr>
+              <a:t> table</a:t>
+            </a:r>
+          </a:p>
+          <a:p>
+            <a:endParaRPr lang="en-US" sz="1600" dirty="0">
+              <a:latin typeface="Oxygen" panose="02000503000000000000" pitchFamily="2" charset="0"/>
+              <a:sym typeface="Wingdings" panose="05000000000000000000" pitchFamily="2" charset="2"/>
+            </a:endParaRPr>
+          </a:p>
+          <a:p>
+            <a:pPr marL="285750" indent="-285750">
+              <a:buFont typeface="Wingdings" panose="05000000000000000000" pitchFamily="2" charset="2"/>
+              <a:buChar char="Ø"/>
+            </a:pPr>
+            <a:r>
+              <a:rPr lang="en-US" sz="1600" dirty="0" err="1">
+                <a:latin typeface="Oxygen" panose="02000503000000000000" pitchFamily="2" charset="0"/>
+                <a:sym typeface="Wingdings" panose="05000000000000000000" pitchFamily="2" charset="2"/>
+              </a:rPr>
+              <a:t>product_group_id</a:t>
+            </a:r>
+            <a:r>
+              <a:rPr lang="en-US" sz="1600" dirty="0">
+                <a:latin typeface="Oxygen" panose="02000503000000000000" pitchFamily="2" charset="0"/>
+                <a:sym typeface="Wingdings" panose="05000000000000000000" pitchFamily="2" charset="2"/>
+              </a:rPr>
+              <a:t> is the primary key.</a:t>
+            </a:r>
+          </a:p>
+          <a:p>
+            <a:pPr marL="285750" indent="-285750">
+              <a:buFont typeface="Wingdings" panose="05000000000000000000" pitchFamily="2" charset="2"/>
+              <a:buChar char="Ø"/>
+            </a:pPr>
+            <a:r>
+              <a:rPr lang="en-US" sz="1600" dirty="0" err="1">
+                <a:latin typeface="Oxygen" panose="02000503000000000000" pitchFamily="2" charset="0"/>
+                <a:sym typeface="Wingdings" panose="05000000000000000000" pitchFamily="2" charset="2"/>
+              </a:rPr>
+              <a:t>product_group_name</a:t>
+            </a:r>
+            <a:r>
+              <a:rPr lang="en-US" sz="1600" dirty="0">
+                <a:latin typeface="Oxygen" panose="02000503000000000000" pitchFamily="2" charset="0"/>
+                <a:sym typeface="Wingdings" panose="05000000000000000000" pitchFamily="2" charset="2"/>
+              </a:rPr>
+              <a:t> is the unique key.</a:t>
+            </a:r>
+          </a:p>
+          <a:p>
+            <a:endParaRPr lang="en-US" sz="1600" dirty="0">
+              <a:latin typeface="Oxygen" panose="02000503000000000000" pitchFamily="2" charset="0"/>
+              <a:sym typeface="Wingdings" panose="05000000000000000000" pitchFamily="2" charset="2"/>
+            </a:endParaRPr>
+          </a:p>
+          <a:p>
+            <a:r>
+              <a:rPr lang="en-US" sz="1600" dirty="0">
+                <a:latin typeface="Oxygen" panose="02000503000000000000" pitchFamily="2" charset="0"/>
+                <a:sym typeface="Wingdings" panose="05000000000000000000" pitchFamily="2" charset="2"/>
+              </a:rPr>
+              <a:t>Both the columns are not null, hence the user needs to give values.</a:t>
+            </a:r>
+          </a:p>
+          <a:p>
+            <a:endParaRPr lang="en-US" sz="1600" dirty="0">
+              <a:latin typeface="Oxygen" panose="02000503000000000000" pitchFamily="2" charset="0"/>
+              <a:sym typeface="Wingdings" panose="05000000000000000000" pitchFamily="2" charset="2"/>
+            </a:endParaRPr>
+          </a:p>
+          <a:p>
+            <a:r>
+              <a:rPr lang="en-US" sz="1600" dirty="0">
+                <a:latin typeface="Oxygen" panose="02000503000000000000" pitchFamily="2" charset="0"/>
+                <a:sym typeface="Wingdings" panose="05000000000000000000" pitchFamily="2" charset="2"/>
+              </a:rPr>
+              <a:t>CREATE TABLE `</a:t>
+            </a:r>
+            <a:r>
+              <a:rPr lang="en-US" sz="1600" dirty="0" err="1">
+                <a:latin typeface="Oxygen" panose="02000503000000000000" pitchFamily="2" charset="0"/>
+                <a:sym typeface="Wingdings" panose="05000000000000000000" pitchFamily="2" charset="2"/>
+              </a:rPr>
+              <a:t>mst_product_group</a:t>
+            </a:r>
+            <a:r>
+              <a:rPr lang="en-US" sz="1600" dirty="0">
+                <a:latin typeface="Oxygen" panose="02000503000000000000" pitchFamily="2" charset="0"/>
+                <a:sym typeface="Wingdings" panose="05000000000000000000" pitchFamily="2" charset="2"/>
+              </a:rPr>
+              <a:t>` </a:t>
+            </a:r>
+          </a:p>
+          <a:p>
+            <a:r>
+              <a:rPr lang="en-US" sz="1600" dirty="0">
+                <a:latin typeface="Oxygen" panose="02000503000000000000" pitchFamily="2" charset="0"/>
+                <a:sym typeface="Wingdings" panose="05000000000000000000" pitchFamily="2" charset="2"/>
+              </a:rPr>
+              <a:t>(  </a:t>
+            </a:r>
+          </a:p>
+          <a:p>
+            <a:r>
+              <a:rPr lang="en-US" sz="1600" dirty="0">
+                <a:latin typeface="Oxygen" panose="02000503000000000000" pitchFamily="2" charset="0"/>
+                <a:sym typeface="Wingdings" panose="05000000000000000000" pitchFamily="2" charset="2"/>
+              </a:rPr>
+              <a:t>	`</a:t>
+            </a:r>
+            <a:r>
+              <a:rPr lang="en-US" sz="1600" dirty="0" err="1">
+                <a:latin typeface="Oxygen" panose="02000503000000000000" pitchFamily="2" charset="0"/>
+                <a:sym typeface="Wingdings" panose="05000000000000000000" pitchFamily="2" charset="2"/>
+              </a:rPr>
+              <a:t>product_group_id</a:t>
+            </a:r>
+            <a:r>
+              <a:rPr lang="en-US" sz="1600" dirty="0">
+                <a:latin typeface="Oxygen" panose="02000503000000000000" pitchFamily="2" charset="0"/>
+                <a:sym typeface="Wingdings" panose="05000000000000000000" pitchFamily="2" charset="2"/>
+              </a:rPr>
+              <a:t>` int PRIMARY KEY, </a:t>
+            </a:r>
+          </a:p>
+          <a:p>
+            <a:r>
+              <a:rPr lang="en-US" sz="1600" dirty="0">
+                <a:latin typeface="Oxygen" panose="02000503000000000000" pitchFamily="2" charset="0"/>
+                <a:sym typeface="Wingdings" panose="05000000000000000000" pitchFamily="2" charset="2"/>
+              </a:rPr>
+              <a:t> 	`</a:t>
+            </a:r>
+            <a:r>
+              <a:rPr lang="en-US" sz="1600" dirty="0" err="1">
+                <a:latin typeface="Oxygen" panose="02000503000000000000" pitchFamily="2" charset="0"/>
+                <a:sym typeface="Wingdings" panose="05000000000000000000" pitchFamily="2" charset="2"/>
+              </a:rPr>
+              <a:t>product_group_name</a:t>
+            </a:r>
+            <a:r>
+              <a:rPr lang="en-US" sz="1600" dirty="0">
+                <a:latin typeface="Oxygen" panose="02000503000000000000" pitchFamily="2" charset="0"/>
+                <a:sym typeface="Wingdings" panose="05000000000000000000" pitchFamily="2" charset="2"/>
+              </a:rPr>
+              <a:t>` varchar(255) NOT NULL UNIQUE KEY</a:t>
+            </a:r>
+          </a:p>
+          <a:p>
+            <a:r>
+              <a:rPr lang="en-US" sz="1600" dirty="0">
+                <a:latin typeface="Oxygen" panose="02000503000000000000" pitchFamily="2" charset="0"/>
+                <a:sym typeface="Wingdings" panose="05000000000000000000" pitchFamily="2" charset="2"/>
+              </a:rPr>
+              <a:t> ) </a:t>
+            </a:r>
+          </a:p>
+          <a:p>
+            <a:endParaRPr lang="en-US" sz="1600" dirty="0">
+              <a:latin typeface="Oxygen" panose="02000503000000000000" pitchFamily="2" charset="0"/>
+              <a:sym typeface="Wingdings" panose="05000000000000000000" pitchFamily="2" charset="2"/>
+            </a:endParaRPr>
+          </a:p>
+          <a:p>
+            <a:r>
+              <a:rPr lang="en-US" sz="1600" dirty="0">
+                <a:latin typeface="Oxygen" panose="02000503000000000000" pitchFamily="2" charset="0"/>
+                <a:sym typeface="Wingdings" panose="05000000000000000000" pitchFamily="2" charset="2"/>
+              </a:rPr>
+              <a:t>As shown in below create table script of </a:t>
+            </a:r>
+            <a:r>
+              <a:rPr lang="en-US" sz="1600" dirty="0" err="1">
+                <a:latin typeface="Oxygen" panose="02000503000000000000" pitchFamily="2" charset="0"/>
+                <a:sym typeface="Wingdings" panose="05000000000000000000" pitchFamily="2" charset="2"/>
+              </a:rPr>
+              <a:t>mst_product</a:t>
+            </a:r>
+            <a:r>
+              <a:rPr lang="en-US" sz="1600" dirty="0">
+                <a:latin typeface="Oxygen" panose="02000503000000000000" pitchFamily="2" charset="0"/>
+                <a:sym typeface="Wingdings" panose="05000000000000000000" pitchFamily="2" charset="2"/>
+              </a:rPr>
+              <a:t> table</a:t>
+            </a:r>
+          </a:p>
+          <a:p>
+            <a:endParaRPr lang="en-US" sz="1600" dirty="0">
+              <a:latin typeface="Oxygen" panose="02000503000000000000" pitchFamily="2" charset="0"/>
+              <a:sym typeface="Wingdings" panose="05000000000000000000" pitchFamily="2" charset="2"/>
+            </a:endParaRPr>
+          </a:p>
+          <a:p>
+            <a:pPr marL="285750" indent="-285750">
+              <a:buFont typeface="Wingdings" panose="05000000000000000000" pitchFamily="2" charset="2"/>
+              <a:buChar char="Ø"/>
+            </a:pPr>
+            <a:r>
+              <a:rPr lang="en-US" sz="1600" dirty="0" err="1">
+                <a:latin typeface="Oxygen" panose="02000503000000000000" pitchFamily="2" charset="0"/>
+                <a:sym typeface="Wingdings" panose="05000000000000000000" pitchFamily="2" charset="2"/>
+              </a:rPr>
+              <a:t>product_group_id</a:t>
+            </a:r>
+            <a:r>
+              <a:rPr lang="en-US" sz="1600" dirty="0">
+                <a:latin typeface="Oxygen" panose="02000503000000000000" pitchFamily="2" charset="0"/>
+                <a:sym typeface="Wingdings" panose="05000000000000000000" pitchFamily="2" charset="2"/>
+              </a:rPr>
+              <a:t> is the foreign key</a:t>
+            </a:r>
+          </a:p>
+          <a:p>
+            <a:pPr marL="285750" indent="-285750">
+              <a:buFont typeface="Wingdings" panose="05000000000000000000" pitchFamily="2" charset="2"/>
+              <a:buChar char="Ø"/>
+            </a:pPr>
+            <a:endParaRPr lang="en-US" sz="1600" dirty="0">
+              <a:latin typeface="Oxygen" panose="02000503000000000000" pitchFamily="2" charset="0"/>
+              <a:sym typeface="Wingdings" panose="05000000000000000000" pitchFamily="2" charset="2"/>
+            </a:endParaRPr>
+          </a:p>
+          <a:p>
+            <a:r>
+              <a:rPr lang="en-US" sz="1600" dirty="0">
+                <a:latin typeface="Oxygen" panose="02000503000000000000" pitchFamily="2" charset="0"/>
+                <a:sym typeface="Wingdings" panose="05000000000000000000" pitchFamily="2" charset="2"/>
+              </a:rPr>
+              <a:t>CREATE TABLE `</a:t>
+            </a:r>
+            <a:r>
+              <a:rPr lang="en-US" sz="1600" dirty="0" err="1">
+                <a:latin typeface="Oxygen" panose="02000503000000000000" pitchFamily="2" charset="0"/>
+                <a:sym typeface="Wingdings" panose="05000000000000000000" pitchFamily="2" charset="2"/>
+              </a:rPr>
+              <a:t>mst_product</a:t>
+            </a:r>
+            <a:r>
+              <a:rPr lang="en-US" sz="1600" dirty="0">
+                <a:latin typeface="Oxygen" panose="02000503000000000000" pitchFamily="2" charset="0"/>
+                <a:sym typeface="Wingdings" panose="05000000000000000000" pitchFamily="2" charset="2"/>
+              </a:rPr>
+              <a:t>` </a:t>
+            </a:r>
+          </a:p>
+          <a:p>
+            <a:r>
+              <a:rPr lang="en-US" sz="1600" dirty="0">
+                <a:latin typeface="Oxygen" panose="02000503000000000000" pitchFamily="2" charset="0"/>
+                <a:sym typeface="Wingdings" panose="05000000000000000000" pitchFamily="2" charset="2"/>
+              </a:rPr>
+              <a:t>(  </a:t>
+            </a:r>
+          </a:p>
+          <a:p>
+            <a:r>
+              <a:rPr lang="en-US" sz="1600" dirty="0">
+                <a:latin typeface="Oxygen" panose="02000503000000000000" pitchFamily="2" charset="0"/>
+                <a:sym typeface="Wingdings" panose="05000000000000000000" pitchFamily="2" charset="2"/>
+              </a:rPr>
+              <a:t>	`</a:t>
+            </a:r>
+            <a:r>
+              <a:rPr lang="en-US" sz="1600" dirty="0" err="1">
+                <a:latin typeface="Oxygen" panose="02000503000000000000" pitchFamily="2" charset="0"/>
+                <a:sym typeface="Wingdings" panose="05000000000000000000" pitchFamily="2" charset="2"/>
+              </a:rPr>
+              <a:t>product_id</a:t>
+            </a:r>
+            <a:r>
+              <a:rPr lang="en-US" sz="1600" dirty="0">
+                <a:latin typeface="Oxygen" panose="02000503000000000000" pitchFamily="2" charset="0"/>
+                <a:sym typeface="Wingdings" panose="05000000000000000000" pitchFamily="2" charset="2"/>
+              </a:rPr>
+              <a:t>` int NOT NULL PRIMARY KEY,  </a:t>
+            </a:r>
+          </a:p>
+          <a:p>
+            <a:r>
+              <a:rPr lang="en-US" sz="1600" dirty="0">
+                <a:latin typeface="Oxygen" panose="02000503000000000000" pitchFamily="2" charset="0"/>
+                <a:sym typeface="Wingdings" panose="05000000000000000000" pitchFamily="2" charset="2"/>
+              </a:rPr>
+              <a:t>	`</a:t>
+            </a:r>
+            <a:r>
+              <a:rPr lang="en-US" sz="1600" dirty="0" err="1">
+                <a:latin typeface="Oxygen" panose="02000503000000000000" pitchFamily="2" charset="0"/>
+                <a:sym typeface="Wingdings" panose="05000000000000000000" pitchFamily="2" charset="2"/>
+              </a:rPr>
+              <a:t>product_group_id</a:t>
+            </a:r>
+            <a:r>
+              <a:rPr lang="en-US" sz="1600" dirty="0">
+                <a:latin typeface="Oxygen" panose="02000503000000000000" pitchFamily="2" charset="0"/>
+                <a:sym typeface="Wingdings" panose="05000000000000000000" pitchFamily="2" charset="2"/>
+              </a:rPr>
+              <a:t>` int NOT NULL,</a:t>
+            </a:r>
+          </a:p>
+          <a:p>
+            <a:r>
+              <a:rPr lang="en-US" sz="1600" dirty="0">
+                <a:latin typeface="Oxygen" panose="02000503000000000000" pitchFamily="2" charset="0"/>
+                <a:sym typeface="Wingdings" panose="05000000000000000000" pitchFamily="2" charset="2"/>
+              </a:rPr>
+              <a:t>	 `</a:t>
+            </a:r>
+            <a:r>
+              <a:rPr lang="en-US" sz="1600" dirty="0" err="1">
+                <a:latin typeface="Oxygen" panose="02000503000000000000" pitchFamily="2" charset="0"/>
+                <a:sym typeface="Wingdings" panose="05000000000000000000" pitchFamily="2" charset="2"/>
+              </a:rPr>
+              <a:t>product_name</a:t>
+            </a:r>
+            <a:r>
+              <a:rPr lang="en-US" sz="1600" dirty="0">
+                <a:latin typeface="Oxygen" panose="02000503000000000000" pitchFamily="2" charset="0"/>
+                <a:sym typeface="Wingdings" panose="05000000000000000000" pitchFamily="2" charset="2"/>
+              </a:rPr>
+              <a:t>` varchar(255) NOT NULL UNIQUE KEY,  </a:t>
+            </a:r>
+          </a:p>
+          <a:p>
+            <a:r>
+              <a:rPr lang="en-US" sz="1600" dirty="0">
+                <a:latin typeface="Oxygen" panose="02000503000000000000" pitchFamily="2" charset="0"/>
+                <a:sym typeface="Wingdings" panose="05000000000000000000" pitchFamily="2" charset="2"/>
+              </a:rPr>
+              <a:t>	 KEY `</a:t>
+            </a:r>
+            <a:r>
+              <a:rPr lang="en-US" sz="1600" dirty="0" err="1">
+                <a:latin typeface="Oxygen" panose="02000503000000000000" pitchFamily="2" charset="0"/>
+                <a:sym typeface="Wingdings" panose="05000000000000000000" pitchFamily="2" charset="2"/>
+              </a:rPr>
+              <a:t>fk_product_group_id</a:t>
+            </a:r>
+            <a:r>
+              <a:rPr lang="en-US" sz="1600" dirty="0">
+                <a:latin typeface="Oxygen" panose="02000503000000000000" pitchFamily="2" charset="0"/>
+                <a:sym typeface="Wingdings" panose="05000000000000000000" pitchFamily="2" charset="2"/>
+              </a:rPr>
+              <a:t>` (`</a:t>
+            </a:r>
+            <a:r>
+              <a:rPr lang="en-US" sz="1600" dirty="0" err="1">
+                <a:latin typeface="Oxygen" panose="02000503000000000000" pitchFamily="2" charset="0"/>
+                <a:sym typeface="Wingdings" panose="05000000000000000000" pitchFamily="2" charset="2"/>
+              </a:rPr>
+              <a:t>product_group_id</a:t>
+            </a:r>
+            <a:r>
+              <a:rPr lang="en-US" sz="1600" dirty="0">
+                <a:latin typeface="Oxygen" panose="02000503000000000000" pitchFamily="2" charset="0"/>
+                <a:sym typeface="Wingdings" panose="05000000000000000000" pitchFamily="2" charset="2"/>
+              </a:rPr>
+              <a:t>`),  </a:t>
+            </a:r>
+          </a:p>
+          <a:p>
+            <a:r>
+              <a:rPr lang="en-US" sz="1600" dirty="0">
+                <a:latin typeface="Oxygen" panose="02000503000000000000" pitchFamily="2" charset="0"/>
+                <a:sym typeface="Wingdings" panose="05000000000000000000" pitchFamily="2" charset="2"/>
+              </a:rPr>
+              <a:t>	CONSTRAINT `</a:t>
+            </a:r>
+            <a:r>
+              <a:rPr lang="en-US" sz="1600" dirty="0" err="1">
+                <a:latin typeface="Oxygen" panose="02000503000000000000" pitchFamily="2" charset="0"/>
+                <a:sym typeface="Wingdings" panose="05000000000000000000" pitchFamily="2" charset="2"/>
+              </a:rPr>
+              <a:t>fk_product_group_id</a:t>
+            </a:r>
+            <a:r>
+              <a:rPr lang="en-US" sz="1600" dirty="0">
+                <a:latin typeface="Oxygen" panose="02000503000000000000" pitchFamily="2" charset="0"/>
+                <a:sym typeface="Wingdings" panose="05000000000000000000" pitchFamily="2" charset="2"/>
+              </a:rPr>
+              <a:t>` FOREIGN KEY (`</a:t>
+            </a:r>
+            <a:r>
+              <a:rPr lang="en-US" sz="1600" dirty="0" err="1">
+                <a:latin typeface="Oxygen" panose="02000503000000000000" pitchFamily="2" charset="0"/>
+                <a:sym typeface="Wingdings" panose="05000000000000000000" pitchFamily="2" charset="2"/>
+              </a:rPr>
+              <a:t>product_group_id</a:t>
+            </a:r>
+            <a:r>
+              <a:rPr lang="en-US" sz="1600" dirty="0">
+                <a:latin typeface="Oxygen" panose="02000503000000000000" pitchFamily="2" charset="0"/>
+                <a:sym typeface="Wingdings" panose="05000000000000000000" pitchFamily="2" charset="2"/>
+              </a:rPr>
+              <a:t>`)</a:t>
+            </a:r>
+          </a:p>
+          <a:p>
+            <a:r>
+              <a:rPr lang="en-US" sz="1600" dirty="0">
+                <a:latin typeface="Oxygen" panose="02000503000000000000" pitchFamily="2" charset="0"/>
+                <a:sym typeface="Wingdings" panose="05000000000000000000" pitchFamily="2" charset="2"/>
+              </a:rPr>
+              <a:t>	 REFERENCES `</a:t>
+            </a:r>
+            <a:r>
+              <a:rPr lang="en-US" sz="1600" dirty="0" err="1">
+                <a:latin typeface="Oxygen" panose="02000503000000000000" pitchFamily="2" charset="0"/>
+                <a:sym typeface="Wingdings" panose="05000000000000000000" pitchFamily="2" charset="2"/>
+              </a:rPr>
+              <a:t>mst_product_group</a:t>
+            </a:r>
+            <a:r>
+              <a:rPr lang="en-US" sz="1600" dirty="0">
+                <a:latin typeface="Oxygen" panose="02000503000000000000" pitchFamily="2" charset="0"/>
+                <a:sym typeface="Wingdings" panose="05000000000000000000" pitchFamily="2" charset="2"/>
+              </a:rPr>
+              <a:t>` (`</a:t>
+            </a:r>
+            <a:r>
+              <a:rPr lang="en-US" sz="1600" dirty="0" err="1">
+                <a:latin typeface="Oxygen" panose="02000503000000000000" pitchFamily="2" charset="0"/>
+                <a:sym typeface="Wingdings" panose="05000000000000000000" pitchFamily="2" charset="2"/>
+              </a:rPr>
+              <a:t>product_group_id</a:t>
+            </a:r>
+            <a:r>
+              <a:rPr lang="en-US" sz="1600" dirty="0">
+                <a:latin typeface="Oxygen" panose="02000503000000000000" pitchFamily="2" charset="0"/>
+                <a:sym typeface="Wingdings" panose="05000000000000000000" pitchFamily="2" charset="2"/>
+              </a:rPr>
+              <a:t>`)</a:t>
+            </a:r>
+          </a:p>
+          <a:p>
+            <a:r>
+              <a:rPr lang="en-US" sz="1600" dirty="0">
+                <a:latin typeface="Oxygen" panose="02000503000000000000" pitchFamily="2" charset="0"/>
+                <a:sym typeface="Wingdings" panose="05000000000000000000" pitchFamily="2" charset="2"/>
+              </a:rPr>
+              <a:t>) </a:t>
+            </a:r>
+            <a:endParaRPr lang="en-IN" sz="1600" dirty="0">
+              <a:latin typeface="Oxygen" panose="02000503000000000000" pitchFamily="2" charset="0"/>
+              <a:sym typeface="Wingdings" panose="05000000000000000000" pitchFamily="2" charset="2"/>
+            </a:endParaRPr>
+          </a:p>
+        </p:txBody>
+      </p:sp>
+      <p:sp>
+        <p:nvSpPr>
+          <p:cNvPr id="5" name="TextBox 4">
+            <a:extLst>
+              <a:ext uri="{FF2B5EF4-FFF2-40B4-BE49-F238E27FC236}">
+                <a16:creationId xmlns:a16="http://schemas.microsoft.com/office/drawing/2014/main" id="{0A8E9629-6CCD-BAC6-81C4-EB9346F8822C}"/>
+              </a:ext>
+            </a:extLst>
+          </p:cNvPr>
+          <p:cNvSpPr txBox="1"/>
+          <p:nvPr/>
+        </p:nvSpPr>
+        <p:spPr>
+          <a:xfrm>
+            <a:off x="4245429" y="288954"/>
+            <a:ext cx="2699657" cy="457368"/>
+          </a:xfrm>
+          <a:prstGeom prst="rect">
+            <a:avLst/>
+          </a:prstGeom>
+          <a:noFill/>
+        </p:spPr>
+        <p:txBody>
+          <a:bodyPr wrap="square" rtlCol="0">
+            <a:spAutoFit/>
+          </a:bodyPr>
+          <a:lstStyle/>
+          <a:p>
+            <a:pPr algn="ctr"/>
+            <a:r>
+              <a:rPr lang="en-US" sz="2401" b="1" cap="small" dirty="0">
+                <a:latin typeface="Oxygen" panose="02000503000000000000" pitchFamily="2" charset="0"/>
+              </a:rPr>
+              <a:t>Constraints</a:t>
+            </a:r>
+          </a:p>
+        </p:txBody>
+      </p:sp>
+    </p:spTree>
+    <p:extLst>
+      <p:ext uri="{BB962C8B-B14F-4D97-AF65-F5344CB8AC3E}">
+        <p14:creationId xmlns:p14="http://schemas.microsoft.com/office/powerpoint/2010/main" val="4028871586"/>
       </p:ext>
     </p:extLst>
   </p:cSld>

--- a/Offline/BusinessManagement/Teach_Tech@anodiam/IT/CourseMaterials/MySQL/MySQL.pptx
+++ b/Offline/BusinessManagement/Teach_Tech@anodiam/IT/CourseMaterials/MySQL/MySQL.pptx
@@ -5,7 +5,7 @@
     <p:sldMasterId id="2147483684" r:id="rId1"/>
   </p:sldMasterIdLst>
   <p:notesMasterIdLst>
-    <p:notesMasterId r:id="rId9"/>
+    <p:notesMasterId r:id="rId10"/>
   </p:notesMasterIdLst>
   <p:sldIdLst>
     <p:sldId id="259" r:id="rId2"/>
@@ -15,6 +15,7 @@
     <p:sldId id="263" r:id="rId6"/>
     <p:sldId id="265" r:id="rId7"/>
     <p:sldId id="266" r:id="rId8"/>
+    <p:sldId id="267" r:id="rId9"/>
   </p:sldIdLst>
   <p:sldSz cx="12192000" cy="7650163"/>
   <p:notesSz cx="6858000" cy="9144000"/>
@@ -4207,7 +4208,7 @@
                 <a:latin typeface="Oxygen" panose="02000503000000000000" pitchFamily="2" charset="0"/>
                 <a:sym typeface="Wingdings" panose="05000000000000000000" pitchFamily="2" charset="2"/>
               </a:rPr>
-              <a:t>USE </a:t>
+              <a:t>Use </a:t>
             </a:r>
             <a:r>
               <a:rPr lang="en-IN" sz="1600" dirty="0">
@@ -5716,8 +5717,8 @@
         </p:nvSpPr>
         <p:spPr>
           <a:xfrm>
-            <a:off x="1531256" y="1613547"/>
-            <a:ext cx="8127999" cy="830997"/>
+            <a:off x="1531256" y="1289452"/>
+            <a:ext cx="8127999" cy="1323439"/>
           </a:xfrm>
           <a:prstGeom prst="rect">
             <a:avLst/>
@@ -5730,6 +5731,10 @@
           </a:bodyPr>
           <a:lstStyle/>
           <a:p>
+            <a:pPr marL="285750" indent="-285750">
+              <a:buFont typeface="Wingdings" panose="05000000000000000000" pitchFamily="2" charset="2"/>
+              <a:buChar char="Ø"/>
+            </a:pPr>
             <a:r>
               <a:rPr lang="en-US" sz="1600" dirty="0">
                 <a:latin typeface="Oxygen" panose="02000503000000000000" pitchFamily="2" charset="0"/>
@@ -5747,6 +5752,18 @@
             </a:r>
           </a:p>
           <a:p>
+            <a:endParaRPr lang="en-US" sz="1600" dirty="0">
+              <a:solidFill>
+                <a:srgbClr val="000000"/>
+              </a:solidFill>
+              <a:latin typeface="Oxygen" panose="02000503000000000000" pitchFamily="2" charset="0"/>
+            </a:endParaRPr>
+          </a:p>
+          <a:p>
+            <a:pPr marL="285750" indent="-285750">
+              <a:buFont typeface="Wingdings" panose="05000000000000000000" pitchFamily="2" charset="2"/>
+              <a:buChar char="Ø"/>
+            </a:pPr>
             <a:r>
               <a:rPr lang="en-US" sz="1600" dirty="0">
                 <a:solidFill>
@@ -5754,7 +5771,18 @@
                 </a:solidFill>
                 <a:latin typeface="Oxygen" panose="02000503000000000000" pitchFamily="2" charset="0"/>
               </a:rPr>
-              <a:t>Constraints can be column level or table level. Column level constraints apply to a column, and table level constraints apply to the whole table.</a:t>
+              <a:t>Constraints can be column level or table level. </a:t>
+            </a:r>
+          </a:p>
+          <a:p>
+            <a:r>
+              <a:rPr lang="en-US" sz="1600" dirty="0">
+                <a:solidFill>
+                  <a:srgbClr val="000000"/>
+                </a:solidFill>
+                <a:latin typeface="Oxygen" panose="02000503000000000000" pitchFamily="2" charset="0"/>
+              </a:rPr>
+              <a:t>	Column level constraints apply to a column, and table level constraints apply to 	the whole table.</a:t>
             </a:r>
             <a:endParaRPr lang="en-IN" sz="1600" dirty="0">
               <a:latin typeface="Oxygen" panose="02000503000000000000" pitchFamily="2" charset="0"/>
@@ -5826,7 +5854,7 @@
         </p:blipFill>
         <p:spPr>
           <a:xfrm>
-            <a:off x="315246" y="288954"/>
+            <a:off x="280521" y="95437"/>
             <a:ext cx="725875" cy="725875"/>
           </a:xfrm>
           <a:prstGeom prst="rect">
@@ -5848,7 +5876,7 @@
         </p:nvSpPr>
         <p:spPr>
           <a:xfrm>
-            <a:off x="1474843" y="1025348"/>
+            <a:off x="1474843" y="821312"/>
             <a:ext cx="10129329" cy="6740307"/>
           </a:xfrm>
           <a:prstGeom prst="rect">
@@ -5867,21 +5895,7 @@
                 <a:latin typeface="Oxygen" panose="02000503000000000000" pitchFamily="2" charset="0"/>
                 <a:sym typeface="Wingdings" panose="05000000000000000000" pitchFamily="2" charset="2"/>
               </a:rPr>
-              <a:t>As shown in below create table script of </a:t>
-            </a:r>
-            <a:r>
-              <a:rPr lang="en-US" sz="1600" dirty="0" err="1">
-                <a:latin typeface="Oxygen" panose="02000503000000000000" pitchFamily="2" charset="0"/>
-                <a:sym typeface="Wingdings" panose="05000000000000000000" pitchFamily="2" charset="2"/>
-              </a:rPr>
-              <a:t>mst_product_group</a:t>
-            </a:r>
-            <a:r>
-              <a:rPr lang="en-US" sz="1600" dirty="0">
-                <a:latin typeface="Oxygen" panose="02000503000000000000" pitchFamily="2" charset="0"/>
-                <a:sym typeface="Wingdings" panose="05000000000000000000" pitchFamily="2" charset="2"/>
-              </a:rPr>
-              <a:t> table</a:t>
+              <a:t>As shown in below create table script of mst_product_group table</a:t>
             </a:r>
           </a:p>
           <a:p>
@@ -5896,18 +5910,11 @@
               <a:buChar char="Ø"/>
             </a:pPr>
             <a:r>
-              <a:rPr lang="en-US" sz="1600" dirty="0" err="1">
+              <a:rPr lang="en-US" sz="1600" dirty="0">
                 <a:latin typeface="Oxygen" panose="02000503000000000000" pitchFamily="2" charset="0"/>
                 <a:sym typeface="Wingdings" panose="05000000000000000000" pitchFamily="2" charset="2"/>
               </a:rPr>
-              <a:t>product_group_id</a:t>
-            </a:r>
-            <a:r>
-              <a:rPr lang="en-US" sz="1600" dirty="0">
-                <a:latin typeface="Oxygen" panose="02000503000000000000" pitchFamily="2" charset="0"/>
-                <a:sym typeface="Wingdings" panose="05000000000000000000" pitchFamily="2" charset="2"/>
-              </a:rPr>
-              <a:t> is the primary key.</a:t>
+              <a:t>product_group_id is the primary key.</a:t>
             </a:r>
           </a:p>
           <a:p>
@@ -5916,18 +5923,11 @@
               <a:buChar char="Ø"/>
             </a:pPr>
             <a:r>
-              <a:rPr lang="en-US" sz="1600" dirty="0" err="1">
+              <a:rPr lang="en-US" sz="1600" dirty="0">
                 <a:latin typeface="Oxygen" panose="02000503000000000000" pitchFamily="2" charset="0"/>
                 <a:sym typeface="Wingdings" panose="05000000000000000000" pitchFamily="2" charset="2"/>
               </a:rPr>
-              <a:t>product_group_name</a:t>
-            </a:r>
-            <a:r>
-              <a:rPr lang="en-US" sz="1600" dirty="0">
-                <a:latin typeface="Oxygen" panose="02000503000000000000" pitchFamily="2" charset="0"/>
-                <a:sym typeface="Wingdings" panose="05000000000000000000" pitchFamily="2" charset="2"/>
-              </a:rPr>
-              <a:t> is the unique key.</a:t>
+              <a:t>product_group_name is the unique key.</a:t>
             </a:r>
           </a:p>
           <a:p>
@@ -5957,21 +5957,25 @@
                 <a:latin typeface="Oxygen" panose="02000503000000000000" pitchFamily="2" charset="0"/>
                 <a:sym typeface="Wingdings" panose="05000000000000000000" pitchFamily="2" charset="2"/>
               </a:rPr>
-              <a:t>CREATE TABLE `</a:t>
-            </a:r>
-            <a:r>
-              <a:rPr lang="en-US" sz="1600" dirty="0" err="1">
+              <a:t>CREATE TABLE `mst_product_group` </a:t>
+            </a:r>
+          </a:p>
+          <a:p>
+            <a:r>
+              <a:rPr lang="en-US" sz="1600" dirty="0">
                 <a:latin typeface="Oxygen" panose="02000503000000000000" pitchFamily="2" charset="0"/>
                 <a:sym typeface="Wingdings" panose="05000000000000000000" pitchFamily="2" charset="2"/>
               </a:rPr>
-              <a:t>mst_product_group</a:t>
-            </a:r>
+              <a:t>(  </a:t>
+            </a:r>
+          </a:p>
+          <a:p>
             <a:r>
               <a:rPr lang="en-US" sz="1600" dirty="0">
                 <a:latin typeface="Oxygen" panose="02000503000000000000" pitchFamily="2" charset="0"/>
                 <a:sym typeface="Wingdings" panose="05000000000000000000" pitchFamily="2" charset="2"/>
               </a:rPr>
-              <a:t>` </a:t>
+              <a:t>	`product_group_id` int PRIMARY KEY, </a:t>
             </a:r>
           </a:p>
           <a:p>
@@ -5980,53 +5984,7 @@
                 <a:latin typeface="Oxygen" panose="02000503000000000000" pitchFamily="2" charset="0"/>
                 <a:sym typeface="Wingdings" panose="05000000000000000000" pitchFamily="2" charset="2"/>
               </a:rPr>
-              <a:t>(  </a:t>
-            </a:r>
-          </a:p>
-          <a:p>
-            <a:r>
-              <a:rPr lang="en-US" sz="1600" dirty="0">
-                <a:latin typeface="Oxygen" panose="02000503000000000000" pitchFamily="2" charset="0"/>
-                <a:sym typeface="Wingdings" panose="05000000000000000000" pitchFamily="2" charset="2"/>
-              </a:rPr>
-              <a:t>	`</a:t>
-            </a:r>
-            <a:r>
-              <a:rPr lang="en-US" sz="1600" dirty="0" err="1">
-                <a:latin typeface="Oxygen" panose="02000503000000000000" pitchFamily="2" charset="0"/>
-                <a:sym typeface="Wingdings" panose="05000000000000000000" pitchFamily="2" charset="2"/>
-              </a:rPr>
-              <a:t>product_group_id</a:t>
-            </a:r>
-            <a:r>
-              <a:rPr lang="en-US" sz="1600" dirty="0">
-                <a:latin typeface="Oxygen" panose="02000503000000000000" pitchFamily="2" charset="0"/>
-                <a:sym typeface="Wingdings" panose="05000000000000000000" pitchFamily="2" charset="2"/>
-              </a:rPr>
-              <a:t>` int PRIMARY KEY, </a:t>
-            </a:r>
-          </a:p>
-          <a:p>
-            <a:r>
-              <a:rPr lang="en-US" sz="1600" dirty="0">
-                <a:latin typeface="Oxygen" panose="02000503000000000000" pitchFamily="2" charset="0"/>
-                <a:sym typeface="Wingdings" panose="05000000000000000000" pitchFamily="2" charset="2"/>
-              </a:rPr>
-              <a:t> 	`</a:t>
-            </a:r>
-            <a:r>
-              <a:rPr lang="en-US" sz="1600" dirty="0" err="1">
-                <a:latin typeface="Oxygen" panose="02000503000000000000" pitchFamily="2" charset="0"/>
-                <a:sym typeface="Wingdings" panose="05000000000000000000" pitchFamily="2" charset="2"/>
-              </a:rPr>
-              <a:t>product_group_name</a:t>
-            </a:r>
-            <a:r>
-              <a:rPr lang="en-US" sz="1600" dirty="0">
-                <a:latin typeface="Oxygen" panose="02000503000000000000" pitchFamily="2" charset="0"/>
-                <a:sym typeface="Wingdings" panose="05000000000000000000" pitchFamily="2" charset="2"/>
-              </a:rPr>
-              <a:t>` varchar(255) NOT NULL UNIQUE KEY</a:t>
+              <a:t> 	`product_group_name` varchar(50) NOT NULL UNIQUE KEY</a:t>
             </a:r>
           </a:p>
           <a:p>
@@ -6050,21 +6008,7 @@
                 <a:latin typeface="Oxygen" panose="02000503000000000000" pitchFamily="2" charset="0"/>
                 <a:sym typeface="Wingdings" panose="05000000000000000000" pitchFamily="2" charset="2"/>
               </a:rPr>
-              <a:t>As shown in below create table script of </a:t>
-            </a:r>
-            <a:r>
-              <a:rPr lang="en-US" sz="1600" dirty="0" err="1">
-                <a:latin typeface="Oxygen" panose="02000503000000000000" pitchFamily="2" charset="0"/>
-                <a:sym typeface="Wingdings" panose="05000000000000000000" pitchFamily="2" charset="2"/>
-              </a:rPr>
-              <a:t>mst_product</a:t>
-            </a:r>
-            <a:r>
-              <a:rPr lang="en-US" sz="1600" dirty="0">
-                <a:latin typeface="Oxygen" panose="02000503000000000000" pitchFamily="2" charset="0"/>
-                <a:sym typeface="Wingdings" panose="05000000000000000000" pitchFamily="2" charset="2"/>
-              </a:rPr>
-              <a:t> table</a:t>
+              <a:t>As shown in below create table script of mst_product table</a:t>
             </a:r>
           </a:p>
           <a:p>
@@ -6079,18 +6023,11 @@
               <a:buChar char="Ø"/>
             </a:pPr>
             <a:r>
-              <a:rPr lang="en-US" sz="1600" dirty="0" err="1">
+              <a:rPr lang="en-US" sz="1600" dirty="0">
                 <a:latin typeface="Oxygen" panose="02000503000000000000" pitchFamily="2" charset="0"/>
                 <a:sym typeface="Wingdings" panose="05000000000000000000" pitchFamily="2" charset="2"/>
               </a:rPr>
-              <a:t>product_group_id</a:t>
-            </a:r>
-            <a:r>
-              <a:rPr lang="en-US" sz="1600" dirty="0">
-                <a:latin typeface="Oxygen" panose="02000503000000000000" pitchFamily="2" charset="0"/>
-                <a:sym typeface="Wingdings" panose="05000000000000000000" pitchFamily="2" charset="2"/>
-              </a:rPr>
-              <a:t> is the foreign key</a:t>
+              <a:t>product_group_id is the foreign key</a:t>
             </a:r>
           </a:p>
           <a:p>
@@ -6109,21 +6046,25 @@
                 <a:latin typeface="Oxygen" panose="02000503000000000000" pitchFamily="2" charset="0"/>
                 <a:sym typeface="Wingdings" panose="05000000000000000000" pitchFamily="2" charset="2"/>
               </a:rPr>
-              <a:t>CREATE TABLE `</a:t>
-            </a:r>
-            <a:r>
-              <a:rPr lang="en-US" sz="1600" dirty="0" err="1">
+              <a:t>CREATE TABLE `mst_product` </a:t>
+            </a:r>
+          </a:p>
+          <a:p>
+            <a:r>
+              <a:rPr lang="en-US" sz="1600" dirty="0">
                 <a:latin typeface="Oxygen" panose="02000503000000000000" pitchFamily="2" charset="0"/>
                 <a:sym typeface="Wingdings" panose="05000000000000000000" pitchFamily="2" charset="2"/>
               </a:rPr>
-              <a:t>mst_product</a:t>
-            </a:r>
+              <a:t>(  </a:t>
+            </a:r>
+          </a:p>
+          <a:p>
             <a:r>
               <a:rPr lang="en-US" sz="1600" dirty="0">
                 <a:latin typeface="Oxygen" panose="02000503000000000000" pitchFamily="2" charset="0"/>
                 <a:sym typeface="Wingdings" panose="05000000000000000000" pitchFamily="2" charset="2"/>
               </a:rPr>
-              <a:t>` </a:t>
+              <a:t>	`product_id` int NOT NULL PRIMARY KEY,  </a:t>
             </a:r>
           </a:p>
           <a:p>
@@ -6132,7 +6073,7 @@
                 <a:latin typeface="Oxygen" panose="02000503000000000000" pitchFamily="2" charset="0"/>
                 <a:sym typeface="Wingdings" panose="05000000000000000000" pitchFamily="2" charset="2"/>
               </a:rPr>
-              <a:t>(  </a:t>
+              <a:t>	`product_group_id` int NOT NULL,</a:t>
             </a:r>
           </a:p>
           <a:p>
@@ -6141,21 +6082,25 @@
                 <a:latin typeface="Oxygen" panose="02000503000000000000" pitchFamily="2" charset="0"/>
                 <a:sym typeface="Wingdings" panose="05000000000000000000" pitchFamily="2" charset="2"/>
               </a:rPr>
-              <a:t>	`</a:t>
-            </a:r>
-            <a:r>
-              <a:rPr lang="en-US" sz="1600" dirty="0" err="1">
+              <a:t>	 `product_name` varchar(50) NOT NULL UNIQUE KEY,  </a:t>
+            </a:r>
+          </a:p>
+          <a:p>
+            <a:r>
+              <a:rPr lang="en-US" sz="1600" dirty="0">
                 <a:latin typeface="Oxygen" panose="02000503000000000000" pitchFamily="2" charset="0"/>
                 <a:sym typeface="Wingdings" panose="05000000000000000000" pitchFamily="2" charset="2"/>
               </a:rPr>
-              <a:t>product_id</a:t>
-            </a:r>
+              <a:t>	 KEY `fk_product_group_id` (`product_group_id`),  </a:t>
+            </a:r>
+          </a:p>
+          <a:p>
             <a:r>
               <a:rPr lang="en-US" sz="1600" dirty="0">
                 <a:latin typeface="Oxygen" panose="02000503000000000000" pitchFamily="2" charset="0"/>
                 <a:sym typeface="Wingdings" panose="05000000000000000000" pitchFamily="2" charset="2"/>
               </a:rPr>
-              <a:t>` int NOT NULL PRIMARY KEY,  </a:t>
+              <a:t>	CONSTRAINT `fk_product_group_id` FOREIGN KEY (`product_group_id`)</a:t>
             </a:r>
           </a:p>
           <a:p>
@@ -6164,155 +6109,7 @@
                 <a:latin typeface="Oxygen" panose="02000503000000000000" pitchFamily="2" charset="0"/>
                 <a:sym typeface="Wingdings" panose="05000000000000000000" pitchFamily="2" charset="2"/>
               </a:rPr>
-              <a:t>	`</a:t>
-            </a:r>
-            <a:r>
-              <a:rPr lang="en-US" sz="1600" dirty="0" err="1">
-                <a:latin typeface="Oxygen" panose="02000503000000000000" pitchFamily="2" charset="0"/>
-                <a:sym typeface="Wingdings" panose="05000000000000000000" pitchFamily="2" charset="2"/>
-              </a:rPr>
-              <a:t>product_group_id</a:t>
-            </a:r>
-            <a:r>
-              <a:rPr lang="en-US" sz="1600" dirty="0">
-                <a:latin typeface="Oxygen" panose="02000503000000000000" pitchFamily="2" charset="0"/>
-                <a:sym typeface="Wingdings" panose="05000000000000000000" pitchFamily="2" charset="2"/>
-              </a:rPr>
-              <a:t>` int NOT NULL,</a:t>
-            </a:r>
-          </a:p>
-          <a:p>
-            <a:r>
-              <a:rPr lang="en-US" sz="1600" dirty="0">
-                <a:latin typeface="Oxygen" panose="02000503000000000000" pitchFamily="2" charset="0"/>
-                <a:sym typeface="Wingdings" panose="05000000000000000000" pitchFamily="2" charset="2"/>
-              </a:rPr>
-              <a:t>	 `</a:t>
-            </a:r>
-            <a:r>
-              <a:rPr lang="en-US" sz="1600" dirty="0" err="1">
-                <a:latin typeface="Oxygen" panose="02000503000000000000" pitchFamily="2" charset="0"/>
-                <a:sym typeface="Wingdings" panose="05000000000000000000" pitchFamily="2" charset="2"/>
-              </a:rPr>
-              <a:t>product_name</a:t>
-            </a:r>
-            <a:r>
-              <a:rPr lang="en-US" sz="1600" dirty="0">
-                <a:latin typeface="Oxygen" panose="02000503000000000000" pitchFamily="2" charset="0"/>
-                <a:sym typeface="Wingdings" panose="05000000000000000000" pitchFamily="2" charset="2"/>
-              </a:rPr>
-              <a:t>` varchar(255) NOT NULL UNIQUE KEY,  </a:t>
-            </a:r>
-          </a:p>
-          <a:p>
-            <a:r>
-              <a:rPr lang="en-US" sz="1600" dirty="0">
-                <a:latin typeface="Oxygen" panose="02000503000000000000" pitchFamily="2" charset="0"/>
-                <a:sym typeface="Wingdings" panose="05000000000000000000" pitchFamily="2" charset="2"/>
-              </a:rPr>
-              <a:t>	 KEY `</a:t>
-            </a:r>
-            <a:r>
-              <a:rPr lang="en-US" sz="1600" dirty="0" err="1">
-                <a:latin typeface="Oxygen" panose="02000503000000000000" pitchFamily="2" charset="0"/>
-                <a:sym typeface="Wingdings" panose="05000000000000000000" pitchFamily="2" charset="2"/>
-              </a:rPr>
-              <a:t>fk_product_group_id</a:t>
-            </a:r>
-            <a:r>
-              <a:rPr lang="en-US" sz="1600" dirty="0">
-                <a:latin typeface="Oxygen" panose="02000503000000000000" pitchFamily="2" charset="0"/>
-                <a:sym typeface="Wingdings" panose="05000000000000000000" pitchFamily="2" charset="2"/>
-              </a:rPr>
-              <a:t>` (`</a:t>
-            </a:r>
-            <a:r>
-              <a:rPr lang="en-US" sz="1600" dirty="0" err="1">
-                <a:latin typeface="Oxygen" panose="02000503000000000000" pitchFamily="2" charset="0"/>
-                <a:sym typeface="Wingdings" panose="05000000000000000000" pitchFamily="2" charset="2"/>
-              </a:rPr>
-              <a:t>product_group_id</a:t>
-            </a:r>
-            <a:r>
-              <a:rPr lang="en-US" sz="1600" dirty="0">
-                <a:latin typeface="Oxygen" panose="02000503000000000000" pitchFamily="2" charset="0"/>
-                <a:sym typeface="Wingdings" panose="05000000000000000000" pitchFamily="2" charset="2"/>
-              </a:rPr>
-              <a:t>`),  </a:t>
-            </a:r>
-          </a:p>
-          <a:p>
-            <a:r>
-              <a:rPr lang="en-US" sz="1600" dirty="0">
-                <a:latin typeface="Oxygen" panose="02000503000000000000" pitchFamily="2" charset="0"/>
-                <a:sym typeface="Wingdings" panose="05000000000000000000" pitchFamily="2" charset="2"/>
-              </a:rPr>
-              <a:t>	CONSTRAINT `</a:t>
-            </a:r>
-            <a:r>
-              <a:rPr lang="en-US" sz="1600" dirty="0" err="1">
-                <a:latin typeface="Oxygen" panose="02000503000000000000" pitchFamily="2" charset="0"/>
-                <a:sym typeface="Wingdings" panose="05000000000000000000" pitchFamily="2" charset="2"/>
-              </a:rPr>
-              <a:t>fk_product_group_id</a:t>
-            </a:r>
-            <a:r>
-              <a:rPr lang="en-US" sz="1600" dirty="0">
-                <a:latin typeface="Oxygen" panose="02000503000000000000" pitchFamily="2" charset="0"/>
-                <a:sym typeface="Wingdings" panose="05000000000000000000" pitchFamily="2" charset="2"/>
-              </a:rPr>
-              <a:t>` FOREIGN KEY (`</a:t>
-            </a:r>
-            <a:r>
-              <a:rPr lang="en-US" sz="1600" dirty="0" err="1">
-                <a:latin typeface="Oxygen" panose="02000503000000000000" pitchFamily="2" charset="0"/>
-                <a:sym typeface="Wingdings" panose="05000000000000000000" pitchFamily="2" charset="2"/>
-              </a:rPr>
-              <a:t>product_group_id</a:t>
-            </a:r>
-            <a:r>
-              <a:rPr lang="en-US" sz="1600" dirty="0">
-                <a:latin typeface="Oxygen" panose="02000503000000000000" pitchFamily="2" charset="0"/>
-                <a:sym typeface="Wingdings" panose="05000000000000000000" pitchFamily="2" charset="2"/>
-              </a:rPr>
-              <a:t>`)</a:t>
-            </a:r>
-          </a:p>
-          <a:p>
-            <a:r>
-              <a:rPr lang="en-US" sz="1600" dirty="0">
-                <a:latin typeface="Oxygen" panose="02000503000000000000" pitchFamily="2" charset="0"/>
-                <a:sym typeface="Wingdings" panose="05000000000000000000" pitchFamily="2" charset="2"/>
-              </a:rPr>
-              <a:t>	 REFERENCES `</a:t>
-            </a:r>
-            <a:r>
-              <a:rPr lang="en-US" sz="1600" dirty="0" err="1">
-                <a:latin typeface="Oxygen" panose="02000503000000000000" pitchFamily="2" charset="0"/>
-                <a:sym typeface="Wingdings" panose="05000000000000000000" pitchFamily="2" charset="2"/>
-              </a:rPr>
-              <a:t>mst_product_group</a:t>
-            </a:r>
-            <a:r>
-              <a:rPr lang="en-US" sz="1600" dirty="0">
-                <a:latin typeface="Oxygen" panose="02000503000000000000" pitchFamily="2" charset="0"/>
-                <a:sym typeface="Wingdings" panose="05000000000000000000" pitchFamily="2" charset="2"/>
-              </a:rPr>
-              <a:t>` (`</a:t>
-            </a:r>
-            <a:r>
-              <a:rPr lang="en-US" sz="1600" dirty="0" err="1">
-                <a:latin typeface="Oxygen" panose="02000503000000000000" pitchFamily="2" charset="0"/>
-                <a:sym typeface="Wingdings" panose="05000000000000000000" pitchFamily="2" charset="2"/>
-              </a:rPr>
-              <a:t>product_group_id</a:t>
-            </a:r>
-            <a:r>
-              <a:rPr lang="en-US" sz="1600" dirty="0">
-                <a:latin typeface="Oxygen" panose="02000503000000000000" pitchFamily="2" charset="0"/>
-                <a:sym typeface="Wingdings" panose="05000000000000000000" pitchFamily="2" charset="2"/>
-              </a:rPr>
-              <a:t>`)</a:t>
+              <a:t>	 REFERENCES `mst_product_group` (`product_group_id`)</a:t>
             </a:r>
           </a:p>
           <a:p>
@@ -6344,7 +6141,7 @@
         </p:nvSpPr>
         <p:spPr>
           <a:xfrm>
-            <a:off x="4245429" y="288954"/>
+            <a:off x="4245429" y="229690"/>
             <a:ext cx="2699657" cy="457368"/>
           </a:xfrm>
           <a:prstGeom prst="rect">
@@ -6372,6 +6169,274 @@
     <p:extLst>
       <p:ext uri="{BB962C8B-B14F-4D97-AF65-F5344CB8AC3E}">
         <p14:creationId xmlns:p14="http://schemas.microsoft.com/office/powerpoint/2010/main" val="4028871586"/>
+      </p:ext>
+    </p:extLst>
+  </p:cSld>
+  <p:clrMapOvr>
+    <a:masterClrMapping/>
+  </p:clrMapOvr>
+</p:sld>
+</file>
+
+<file path=ppt/slides/slide8.xml><?xml version="1.0" encoding="utf-8"?>
+<p:sld xmlns:a="http://schemas.openxmlformats.org/drawingml/2006/main" xmlns:r="http://schemas.openxmlformats.org/officeDocument/2006/relationships" xmlns:p="http://schemas.openxmlformats.org/presentationml/2006/main">
+  <p:cSld>
+    <p:spTree>
+      <p:nvGrpSpPr>
+        <p:cNvPr id="1" name="">
+          <a:extLst>
+            <a:ext uri="{FF2B5EF4-FFF2-40B4-BE49-F238E27FC236}">
+              <a16:creationId xmlns:a16="http://schemas.microsoft.com/office/drawing/2014/main" id="{AE16C9CE-F247-3736-AF31-119FA8119298}"/>
+            </a:ext>
+          </a:extLst>
+        </p:cNvPr>
+        <p:cNvGrpSpPr/>
+        <p:nvPr/>
+      </p:nvGrpSpPr>
+      <p:grpSpPr>
+        <a:xfrm>
+          <a:off x="0" y="0"/>
+          <a:ext cx="0" cy="0"/>
+          <a:chOff x="0" y="0"/>
+          <a:chExt cx="0" cy="0"/>
+        </a:xfrm>
+      </p:grpSpPr>
+      <p:pic>
+        <p:nvPicPr>
+          <p:cNvPr id="15" name="Picture 14">
+            <a:extLst>
+              <a:ext uri="{FF2B5EF4-FFF2-40B4-BE49-F238E27FC236}">
+                <a16:creationId xmlns:a16="http://schemas.microsoft.com/office/drawing/2014/main" id="{B3CFF39D-7E4A-9543-BE29-8FB67F355813}"/>
+              </a:ext>
+            </a:extLst>
+          </p:cNvPr>
+          <p:cNvPicPr>
+            <a:picLocks noChangeAspect="1"/>
+          </p:cNvPicPr>
+          <p:nvPr/>
+        </p:nvPicPr>
+        <p:blipFill>
+          <a:blip r:embed="rId2">
+            <a:extLst>
+              <a:ext uri="{28A0092B-C50C-407E-A947-70E740481C1C}">
+                <a14:useLocalDpi xmlns:a14="http://schemas.microsoft.com/office/drawing/2010/main" val="0"/>
+              </a:ext>
+            </a:extLst>
+          </a:blip>
+          <a:stretch>
+            <a:fillRect/>
+          </a:stretch>
+        </p:blipFill>
+        <p:spPr>
+          <a:xfrm>
+            <a:off x="280521" y="95437"/>
+            <a:ext cx="725875" cy="725875"/>
+          </a:xfrm>
+          <a:prstGeom prst="rect">
+            <a:avLst/>
+          </a:prstGeom>
+        </p:spPr>
+      </p:pic>
+      <p:sp>
+        <p:nvSpPr>
+          <p:cNvPr id="2" name="TextBox 1">
+            <a:extLst>
+              <a:ext uri="{FF2B5EF4-FFF2-40B4-BE49-F238E27FC236}">
+                <a16:creationId xmlns:a16="http://schemas.microsoft.com/office/drawing/2014/main" id="{33680A6F-0049-6A93-EB55-B0AA88479410}"/>
+              </a:ext>
+            </a:extLst>
+          </p:cNvPr>
+          <p:cNvSpPr txBox="1"/>
+          <p:nvPr/>
+        </p:nvSpPr>
+        <p:spPr>
+          <a:xfrm>
+            <a:off x="1474843" y="821312"/>
+            <a:ext cx="10129329" cy="4031873"/>
+          </a:xfrm>
+          <a:prstGeom prst="rect">
+            <a:avLst/>
+          </a:prstGeom>
+          <a:noFill/>
+        </p:spPr>
+        <p:txBody>
+          <a:bodyPr wrap="square" rtlCol="0">
+            <a:spAutoFit/>
+          </a:bodyPr>
+          <a:lstStyle/>
+          <a:p>
+            <a:r>
+              <a:rPr lang="en-US" sz="1600" dirty="0">
+                <a:latin typeface="Oxygen" panose="02000503000000000000" pitchFamily="2" charset="0"/>
+                <a:sym typeface="Wingdings" panose="05000000000000000000" pitchFamily="2" charset="2"/>
+              </a:rPr>
+              <a:t>As shown below in table script</a:t>
+            </a:r>
+          </a:p>
+          <a:p>
+            <a:endParaRPr lang="en-US" sz="1600" dirty="0">
+              <a:latin typeface="Oxygen" panose="02000503000000000000" pitchFamily="2" charset="0"/>
+              <a:sym typeface="Wingdings" panose="05000000000000000000" pitchFamily="2" charset="2"/>
+            </a:endParaRPr>
+          </a:p>
+          <a:p>
+            <a:r>
+              <a:rPr lang="en-US" sz="1600" dirty="0">
+                <a:latin typeface="Oxygen" panose="02000503000000000000" pitchFamily="2" charset="0"/>
+                <a:sym typeface="Wingdings" panose="05000000000000000000" pitchFamily="2" charset="2"/>
+              </a:rPr>
+              <a:t>product_price column has a check constraint and the value has to be greater than 0.</a:t>
+            </a:r>
+          </a:p>
+          <a:p>
+            <a:r>
+              <a:rPr lang="en-US" sz="1600" dirty="0">
+                <a:latin typeface="Oxygen" panose="02000503000000000000" pitchFamily="2" charset="0"/>
+                <a:sym typeface="Wingdings" panose="05000000000000000000" pitchFamily="2" charset="2"/>
+              </a:rPr>
+              <a:t>product_weight column default value is 1.</a:t>
+            </a:r>
+          </a:p>
+          <a:p>
+            <a:endParaRPr lang="en-US" sz="1600" dirty="0">
+              <a:latin typeface="Oxygen" panose="02000503000000000000" pitchFamily="2" charset="0"/>
+              <a:sym typeface="Wingdings" panose="05000000000000000000" pitchFamily="2" charset="2"/>
+            </a:endParaRPr>
+          </a:p>
+          <a:p>
+            <a:r>
+              <a:rPr lang="en-US" sz="1600" dirty="0">
+                <a:latin typeface="Oxygen" panose="02000503000000000000" pitchFamily="2" charset="0"/>
+                <a:sym typeface="Wingdings" panose="05000000000000000000" pitchFamily="2" charset="2"/>
+              </a:rPr>
+              <a:t>CREATE TABLE `mst_product` </a:t>
+            </a:r>
+          </a:p>
+          <a:p>
+            <a:r>
+              <a:rPr lang="en-US" sz="1600" dirty="0">
+                <a:latin typeface="Oxygen" panose="02000503000000000000" pitchFamily="2" charset="0"/>
+                <a:sym typeface="Wingdings" panose="05000000000000000000" pitchFamily="2" charset="2"/>
+              </a:rPr>
+              <a:t>(  </a:t>
+            </a:r>
+          </a:p>
+          <a:p>
+            <a:r>
+              <a:rPr lang="en-US" sz="1600" dirty="0">
+                <a:latin typeface="Oxygen" panose="02000503000000000000" pitchFamily="2" charset="0"/>
+                <a:sym typeface="Wingdings" panose="05000000000000000000" pitchFamily="2" charset="2"/>
+              </a:rPr>
+              <a:t>	`product_id` int NOT NULL PRIMARY KEY,</a:t>
+            </a:r>
+          </a:p>
+          <a:p>
+            <a:r>
+              <a:rPr lang="en-US" sz="1600" dirty="0">
+                <a:latin typeface="Oxygen" panose="02000503000000000000" pitchFamily="2" charset="0"/>
+                <a:sym typeface="Wingdings" panose="05000000000000000000" pitchFamily="2" charset="2"/>
+              </a:rPr>
+              <a:t>	 `product_group_id` int NOT NULL, </a:t>
+            </a:r>
+          </a:p>
+          <a:p>
+            <a:r>
+              <a:rPr lang="en-US" sz="1600" dirty="0">
+                <a:latin typeface="Oxygen" panose="02000503000000000000" pitchFamily="2" charset="0"/>
+                <a:sym typeface="Wingdings" panose="05000000000000000000" pitchFamily="2" charset="2"/>
+              </a:rPr>
+              <a:t>	`product_name` varchar(255) NOT NULL UNIQUE KEY,  </a:t>
+            </a:r>
+          </a:p>
+          <a:p>
+            <a:r>
+              <a:rPr lang="en-US" sz="1600" dirty="0">
+                <a:latin typeface="Oxygen" panose="02000503000000000000" pitchFamily="2" charset="0"/>
+                <a:sym typeface="Wingdings" panose="05000000000000000000" pitchFamily="2" charset="2"/>
+              </a:rPr>
+              <a:t>	`product_price` int NOT NULL,  </a:t>
+            </a:r>
+          </a:p>
+          <a:p>
+            <a:r>
+              <a:rPr lang="en-US" sz="1600" dirty="0">
+                <a:latin typeface="Oxygen" panose="02000503000000000000" pitchFamily="2" charset="0"/>
+                <a:sym typeface="Wingdings" panose="05000000000000000000" pitchFamily="2" charset="2"/>
+              </a:rPr>
+              <a:t>	`product_weight` int NOT NULL DEFAULT '1’,  </a:t>
+            </a:r>
+          </a:p>
+          <a:p>
+            <a:r>
+              <a:rPr lang="en-US" sz="1600" dirty="0">
+                <a:latin typeface="Oxygen" panose="02000503000000000000" pitchFamily="2" charset="0"/>
+                <a:sym typeface="Wingdings" panose="05000000000000000000" pitchFamily="2" charset="2"/>
+              </a:rPr>
+              <a:t>	KEY `fk_product_group_id` (`product_group_id`),  CONSTRAINT `fk_product_group_id` FOREIGN KEY 	(`product_group_id`) REFERENCES `mst_product_group` (`product_group_id`),  </a:t>
+            </a:r>
+          </a:p>
+          <a:p>
+            <a:r>
+              <a:rPr lang="en-US" sz="1600" dirty="0">
+                <a:latin typeface="Oxygen" panose="02000503000000000000" pitchFamily="2" charset="0"/>
+                <a:sym typeface="Wingdings" panose="05000000000000000000" pitchFamily="2" charset="2"/>
+              </a:rPr>
+              <a:t>	CONSTRAINT `chk_product_price` CHECK ((`product_price` &gt; 0))</a:t>
+            </a:r>
+          </a:p>
+          <a:p>
+            <a:r>
+              <a:rPr lang="en-US" sz="1600" dirty="0">
+                <a:latin typeface="Oxygen" panose="02000503000000000000" pitchFamily="2" charset="0"/>
+                <a:sym typeface="Wingdings" panose="05000000000000000000" pitchFamily="2" charset="2"/>
+              </a:rPr>
+              <a:t>)</a:t>
+            </a:r>
+          </a:p>
+        </p:txBody>
+      </p:sp>
+      <p:sp>
+        <p:nvSpPr>
+          <p:cNvPr id="5" name="TextBox 4">
+            <a:extLst>
+              <a:ext uri="{FF2B5EF4-FFF2-40B4-BE49-F238E27FC236}">
+                <a16:creationId xmlns:a16="http://schemas.microsoft.com/office/drawing/2014/main" id="{E5F9145F-73A0-87F8-7EF5-F17E4F37F919}"/>
+              </a:ext>
+            </a:extLst>
+          </p:cNvPr>
+          <p:cNvSpPr txBox="1"/>
+          <p:nvPr/>
+        </p:nvSpPr>
+        <p:spPr>
+          <a:xfrm>
+            <a:off x="4245429" y="229690"/>
+            <a:ext cx="2699657" cy="457368"/>
+          </a:xfrm>
+          <a:prstGeom prst="rect">
+            <a:avLst/>
+          </a:prstGeom>
+          <a:noFill/>
+        </p:spPr>
+        <p:txBody>
+          <a:bodyPr wrap="square" rtlCol="0">
+            <a:spAutoFit/>
+          </a:bodyPr>
+          <a:lstStyle/>
+          <a:p>
+            <a:pPr algn="ctr"/>
+            <a:r>
+              <a:rPr lang="en-US" sz="2401" b="1" cap="small" dirty="0">
+                <a:latin typeface="Oxygen" panose="02000503000000000000" pitchFamily="2" charset="0"/>
+              </a:rPr>
+              <a:t>Constraints</a:t>
+            </a:r>
+          </a:p>
+        </p:txBody>
+      </p:sp>
+    </p:spTree>
+    <p:extLst>
+      <p:ext uri="{BB962C8B-B14F-4D97-AF65-F5344CB8AC3E}">
+        <p14:creationId xmlns:p14="http://schemas.microsoft.com/office/powerpoint/2010/main" val="3901201258"/>
       </p:ext>
     </p:extLst>
   </p:cSld>

--- a/Offline/BusinessManagement/Teach_Tech@anodiam/IT/CourseMaterials/MySQL/MySQL.pptx
+++ b/Offline/BusinessManagement/Teach_Tech@anodiam/IT/CourseMaterials/MySQL/MySQL.pptx
@@ -2,10 +2,10 @@
 <file path=ppt/presentation.xml><?xml version="1.0" encoding="utf-8"?>
 <p:presentation xmlns:a="http://schemas.openxmlformats.org/drawingml/2006/main" xmlns:r="http://schemas.openxmlformats.org/officeDocument/2006/relationships" xmlns:p="http://schemas.openxmlformats.org/presentationml/2006/main" saveSubsetFonts="1">
   <p:sldMasterIdLst>
-    <p:sldMasterId id="2147483684" r:id="rId1"/>
+    <p:sldMasterId id="2147483696" r:id="rId1"/>
   </p:sldMasterIdLst>
   <p:notesMasterIdLst>
-    <p:notesMasterId r:id="rId10"/>
+    <p:notesMasterId r:id="rId12"/>
   </p:notesMasterIdLst>
   <p:sldIdLst>
     <p:sldId id="259" r:id="rId2"/>
@@ -16,8 +16,10 @@
     <p:sldId id="265" r:id="rId7"/>
     <p:sldId id="266" r:id="rId8"/>
     <p:sldId id="267" r:id="rId9"/>
+    <p:sldId id="268" r:id="rId10"/>
+    <p:sldId id="269" r:id="rId11"/>
   </p:sldIdLst>
-  <p:sldSz cx="12192000" cy="7650163"/>
+  <p:sldSz cx="12192000" cy="8010525"/>
   <p:notesSz cx="6858000" cy="9144000"/>
   <p:defaultTextStyle>
     <a:defPPr>
@@ -222,8 +224,8 @@
         </p:nvSpPr>
         <p:spPr>
           <a:xfrm>
-            <a:off x="969963" y="1143000"/>
-            <a:ext cx="4918075" cy="3086100"/>
+            <a:off x="1081088" y="1143000"/>
+            <a:ext cx="4695825" cy="3086100"/>
           </a:xfrm>
           <a:prstGeom prst="rect">
             <a:avLst/>
@@ -501,15 +503,15 @@
         </p:nvSpPr>
         <p:spPr>
           <a:xfrm>
-            <a:off x="1524000" y="1252006"/>
-            <a:ext cx="9144000" cy="2663390"/>
+            <a:off x="914400" y="1310983"/>
+            <a:ext cx="10363200" cy="2788849"/>
           </a:xfrm>
         </p:spPr>
         <p:txBody>
           <a:bodyPr anchor="b"/>
           <a:lstStyle>
             <a:lvl1pPr algn="ctr">
-              <a:defRPr sz="6000"/>
+              <a:defRPr sz="7009"/>
             </a:lvl1pPr>
           </a:lstStyle>
           <a:p>
@@ -533,8 +535,8 @@
         </p:nvSpPr>
         <p:spPr>
           <a:xfrm>
-            <a:off x="1524000" y="4018107"/>
-            <a:ext cx="9144000" cy="1847018"/>
+            <a:off x="1524000" y="4207380"/>
+            <a:ext cx="9144000" cy="1934022"/>
           </a:xfrm>
         </p:spPr>
         <p:txBody>
@@ -542,39 +544,39 @@
           <a:lstStyle>
             <a:lvl1pPr marL="0" indent="0" algn="ctr">
               <a:buNone/>
-              <a:defRPr sz="2400"/>
+              <a:defRPr sz="2803"/>
             </a:lvl1pPr>
-            <a:lvl2pPr marL="457200" indent="0" algn="ctr">
+            <a:lvl2pPr marL="534055" indent="0" algn="ctr">
               <a:buNone/>
-              <a:defRPr sz="2000"/>
+              <a:defRPr sz="2336"/>
             </a:lvl2pPr>
-            <a:lvl3pPr marL="914400" indent="0" algn="ctr">
+            <a:lvl3pPr marL="1068111" indent="0" algn="ctr">
               <a:buNone/>
-              <a:defRPr sz="1800"/>
+              <a:defRPr sz="2103"/>
             </a:lvl3pPr>
-            <a:lvl4pPr marL="1371600" indent="0" algn="ctr">
+            <a:lvl4pPr marL="1602166" indent="0" algn="ctr">
               <a:buNone/>
-              <a:defRPr sz="1600"/>
+              <a:defRPr sz="1869"/>
             </a:lvl4pPr>
-            <a:lvl5pPr marL="1828800" indent="0" algn="ctr">
+            <a:lvl5pPr marL="2136221" indent="0" algn="ctr">
               <a:buNone/>
-              <a:defRPr sz="1600"/>
+              <a:defRPr sz="1869"/>
             </a:lvl5pPr>
-            <a:lvl6pPr marL="2286000" indent="0" algn="ctr">
+            <a:lvl6pPr marL="2670277" indent="0" algn="ctr">
               <a:buNone/>
-              <a:defRPr sz="1600"/>
+              <a:defRPr sz="1869"/>
             </a:lvl6pPr>
-            <a:lvl7pPr marL="2743200" indent="0" algn="ctr">
+            <a:lvl7pPr marL="3204332" indent="0" algn="ctr">
               <a:buNone/>
-              <a:defRPr sz="1600"/>
+              <a:defRPr sz="1869"/>
             </a:lvl7pPr>
-            <a:lvl8pPr marL="3200400" indent="0" algn="ctr">
+            <a:lvl8pPr marL="3738387" indent="0" algn="ctr">
               <a:buNone/>
-              <a:defRPr sz="1600"/>
+              <a:defRPr sz="1869"/>
             </a:lvl8pPr>
-            <a:lvl9pPr marL="3657600" indent="0" algn="ctr">
+            <a:lvl9pPr marL="4272443" indent="0" algn="ctr">
               <a:buNone/>
-              <a:defRPr sz="1600"/>
+              <a:defRPr sz="1869"/>
             </a:lvl9pPr>
           </a:lstStyle>
           <a:p>
@@ -654,7 +656,7 @@
     </p:spTree>
     <p:extLst>
       <p:ext uri="{BB962C8B-B14F-4D97-AF65-F5344CB8AC3E}">
-        <p14:creationId xmlns:p14="http://schemas.microsoft.com/office/powerpoint/2010/main" val="2386546168"/>
+        <p14:creationId xmlns:p14="http://schemas.microsoft.com/office/powerpoint/2010/main" val="165530475"/>
       </p:ext>
     </p:extLst>
   </p:cSld>
@@ -824,7 +826,7 @@
     </p:spTree>
     <p:extLst>
       <p:ext uri="{BB962C8B-B14F-4D97-AF65-F5344CB8AC3E}">
-        <p14:creationId xmlns:p14="http://schemas.microsoft.com/office/powerpoint/2010/main" val="3599957788"/>
+        <p14:creationId xmlns:p14="http://schemas.microsoft.com/office/powerpoint/2010/main" val="3670048796"/>
       </p:ext>
     </p:extLst>
   </p:cSld>
@@ -863,8 +865,8 @@
         </p:nvSpPr>
         <p:spPr>
           <a:xfrm>
-            <a:off x="8724900" y="407300"/>
-            <a:ext cx="2628900" cy="6483160"/>
+            <a:off x="8724901" y="426486"/>
+            <a:ext cx="2628900" cy="6788550"/>
           </a:xfrm>
         </p:spPr>
         <p:txBody>
@@ -891,8 +893,8 @@
         </p:nvSpPr>
         <p:spPr>
           <a:xfrm>
-            <a:off x="838200" y="407300"/>
-            <a:ext cx="7734300" cy="6483160"/>
+            <a:off x="838201" y="426486"/>
+            <a:ext cx="7734300" cy="6788550"/>
           </a:xfrm>
         </p:spPr>
         <p:txBody>
@@ -1004,7 +1006,7 @@
     </p:spTree>
     <p:extLst>
       <p:ext uri="{BB962C8B-B14F-4D97-AF65-F5344CB8AC3E}">
-        <p14:creationId xmlns:p14="http://schemas.microsoft.com/office/powerpoint/2010/main" val="961671005"/>
+        <p14:creationId xmlns:p14="http://schemas.microsoft.com/office/powerpoint/2010/main" val="1946064209"/>
       </p:ext>
     </p:extLst>
   </p:cSld>
@@ -1174,7 +1176,7 @@
     </p:spTree>
     <p:extLst>
       <p:ext uri="{BB962C8B-B14F-4D97-AF65-F5344CB8AC3E}">
-        <p14:creationId xmlns:p14="http://schemas.microsoft.com/office/powerpoint/2010/main" val="758358849"/>
+        <p14:creationId xmlns:p14="http://schemas.microsoft.com/office/powerpoint/2010/main" val="3837346850"/>
       </p:ext>
     </p:extLst>
   </p:cSld>
@@ -1213,15 +1215,15 @@
         </p:nvSpPr>
         <p:spPr>
           <a:xfrm>
-            <a:off x="831850" y="1907229"/>
-            <a:ext cx="10515600" cy="3182255"/>
+            <a:off x="831851" y="1997071"/>
+            <a:ext cx="10515600" cy="3332155"/>
           </a:xfrm>
         </p:spPr>
         <p:txBody>
           <a:bodyPr anchor="b"/>
           <a:lstStyle>
             <a:lvl1pPr>
-              <a:defRPr sz="6000"/>
+              <a:defRPr sz="7009"/>
             </a:lvl1pPr>
           </a:lstStyle>
           <a:p>
@@ -1245,8 +1247,8 @@
         </p:nvSpPr>
         <p:spPr>
           <a:xfrm>
-            <a:off x="831850" y="5119589"/>
-            <a:ext cx="10515600" cy="1673473"/>
+            <a:off x="831851" y="5360749"/>
+            <a:ext cx="10515600" cy="1752302"/>
           </a:xfrm>
         </p:spPr>
         <p:txBody>
@@ -1254,17 +1256,15 @@
           <a:lstStyle>
             <a:lvl1pPr marL="0" indent="0">
               <a:buNone/>
-              <a:defRPr sz="2400">
+              <a:defRPr sz="2803">
                 <a:solidFill>
-                  <a:schemeClr val="tx1">
-                    <a:tint val="75000"/>
-                  </a:schemeClr>
+                  <a:schemeClr val="tx1"/>
                 </a:solidFill>
               </a:defRPr>
             </a:lvl1pPr>
-            <a:lvl2pPr marL="457200" indent="0">
+            <a:lvl2pPr marL="534055" indent="0">
               <a:buNone/>
-              <a:defRPr sz="2000">
+              <a:defRPr sz="2336">
                 <a:solidFill>
                   <a:schemeClr val="tx1">
                     <a:tint val="75000"/>
@@ -1272,9 +1272,9 @@
                 </a:solidFill>
               </a:defRPr>
             </a:lvl2pPr>
-            <a:lvl3pPr marL="914400" indent="0">
+            <a:lvl3pPr marL="1068111" indent="0">
               <a:buNone/>
-              <a:defRPr sz="1800">
+              <a:defRPr sz="2103">
                 <a:solidFill>
                   <a:schemeClr val="tx1">
                     <a:tint val="75000"/>
@@ -1282,9 +1282,9 @@
                 </a:solidFill>
               </a:defRPr>
             </a:lvl3pPr>
-            <a:lvl4pPr marL="1371600" indent="0">
+            <a:lvl4pPr marL="1602166" indent="0">
               <a:buNone/>
-              <a:defRPr sz="1600">
+              <a:defRPr sz="1869">
                 <a:solidFill>
                   <a:schemeClr val="tx1">
                     <a:tint val="75000"/>
@@ -1292,9 +1292,9 @@
                 </a:solidFill>
               </a:defRPr>
             </a:lvl4pPr>
-            <a:lvl5pPr marL="1828800" indent="0">
+            <a:lvl5pPr marL="2136221" indent="0">
               <a:buNone/>
-              <a:defRPr sz="1600">
+              <a:defRPr sz="1869">
                 <a:solidFill>
                   <a:schemeClr val="tx1">
                     <a:tint val="75000"/>
@@ -1302,9 +1302,9 @@
                 </a:solidFill>
               </a:defRPr>
             </a:lvl5pPr>
-            <a:lvl6pPr marL="2286000" indent="0">
+            <a:lvl6pPr marL="2670277" indent="0">
               <a:buNone/>
-              <a:defRPr sz="1600">
+              <a:defRPr sz="1869">
                 <a:solidFill>
                   <a:schemeClr val="tx1">
                     <a:tint val="75000"/>
@@ -1312,9 +1312,9 @@
                 </a:solidFill>
               </a:defRPr>
             </a:lvl6pPr>
-            <a:lvl7pPr marL="2743200" indent="0">
+            <a:lvl7pPr marL="3204332" indent="0">
               <a:buNone/>
-              <a:defRPr sz="1600">
+              <a:defRPr sz="1869">
                 <a:solidFill>
                   <a:schemeClr val="tx1">
                     <a:tint val="75000"/>
@@ -1322,9 +1322,9 @@
                 </a:solidFill>
               </a:defRPr>
             </a:lvl7pPr>
-            <a:lvl8pPr marL="3200400" indent="0">
+            <a:lvl8pPr marL="3738387" indent="0">
               <a:buNone/>
-              <a:defRPr sz="1600">
+              <a:defRPr sz="1869">
                 <a:solidFill>
                   <a:schemeClr val="tx1">
                     <a:tint val="75000"/>
@@ -1332,9 +1332,9 @@
                 </a:solidFill>
               </a:defRPr>
             </a:lvl8pPr>
-            <a:lvl9pPr marL="3657600" indent="0">
+            <a:lvl9pPr marL="4272443" indent="0">
               <a:buNone/>
-              <a:defRPr sz="1600">
+              <a:defRPr sz="1869">
                 <a:solidFill>
                   <a:schemeClr val="tx1">
                     <a:tint val="75000"/>
@@ -1420,7 +1420,7 @@
     </p:spTree>
     <p:extLst>
       <p:ext uri="{BB962C8B-B14F-4D97-AF65-F5344CB8AC3E}">
-        <p14:creationId xmlns:p14="http://schemas.microsoft.com/office/powerpoint/2010/main" val="1851036777"/>
+        <p14:creationId xmlns:p14="http://schemas.microsoft.com/office/powerpoint/2010/main" val="941784973"/>
       </p:ext>
     </p:extLst>
   </p:cSld>
@@ -1482,8 +1482,8 @@
         </p:nvSpPr>
         <p:spPr>
           <a:xfrm>
-            <a:off x="838200" y="2036502"/>
-            <a:ext cx="5181600" cy="4853958"/>
+            <a:off x="838200" y="2132431"/>
+            <a:ext cx="5181600" cy="5082605"/>
           </a:xfrm>
         </p:spPr>
         <p:txBody>
@@ -1539,8 +1539,8 @@
         </p:nvSpPr>
         <p:spPr>
           <a:xfrm>
-            <a:off x="6172200" y="2036502"/>
-            <a:ext cx="5181600" cy="4853958"/>
+            <a:off x="6172200" y="2132431"/>
+            <a:ext cx="5181600" cy="5082605"/>
           </a:xfrm>
         </p:spPr>
         <p:txBody>
@@ -1652,7 +1652,7 @@
     </p:spTree>
     <p:extLst>
       <p:ext uri="{BB962C8B-B14F-4D97-AF65-F5344CB8AC3E}">
-        <p14:creationId xmlns:p14="http://schemas.microsoft.com/office/powerpoint/2010/main" val="3403497655"/>
+        <p14:creationId xmlns:p14="http://schemas.microsoft.com/office/powerpoint/2010/main" val="1643159561"/>
       </p:ext>
     </p:extLst>
   </p:cSld>
@@ -1691,8 +1691,8 @@
         </p:nvSpPr>
         <p:spPr>
           <a:xfrm>
-            <a:off x="839788" y="407301"/>
-            <a:ext cx="10515600" cy="1478678"/>
+            <a:off x="839788" y="426488"/>
+            <a:ext cx="10515600" cy="1548331"/>
           </a:xfrm>
         </p:spPr>
         <p:txBody>
@@ -1719,8 +1719,8 @@
         </p:nvSpPr>
         <p:spPr>
           <a:xfrm>
-            <a:off x="839789" y="1875353"/>
-            <a:ext cx="5157787" cy="919082"/>
+            <a:off x="839789" y="1963692"/>
+            <a:ext cx="5157787" cy="962375"/>
           </a:xfrm>
         </p:spPr>
         <p:txBody>
@@ -1728,39 +1728,39 @@
           <a:lstStyle>
             <a:lvl1pPr marL="0" indent="0">
               <a:buNone/>
-              <a:defRPr sz="2400" b="1"/>
+              <a:defRPr sz="2803" b="1"/>
             </a:lvl1pPr>
-            <a:lvl2pPr marL="457200" indent="0">
+            <a:lvl2pPr marL="534055" indent="0">
               <a:buNone/>
-              <a:defRPr sz="2000" b="1"/>
+              <a:defRPr sz="2336" b="1"/>
             </a:lvl2pPr>
-            <a:lvl3pPr marL="914400" indent="0">
+            <a:lvl3pPr marL="1068111" indent="0">
               <a:buNone/>
-              <a:defRPr sz="1800" b="1"/>
+              <a:defRPr sz="2103" b="1"/>
             </a:lvl3pPr>
-            <a:lvl4pPr marL="1371600" indent="0">
+            <a:lvl4pPr marL="1602166" indent="0">
               <a:buNone/>
-              <a:defRPr sz="1600" b="1"/>
+              <a:defRPr sz="1869" b="1"/>
             </a:lvl4pPr>
-            <a:lvl5pPr marL="1828800" indent="0">
+            <a:lvl5pPr marL="2136221" indent="0">
               <a:buNone/>
-              <a:defRPr sz="1600" b="1"/>
+              <a:defRPr sz="1869" b="1"/>
             </a:lvl5pPr>
-            <a:lvl6pPr marL="2286000" indent="0">
+            <a:lvl6pPr marL="2670277" indent="0">
               <a:buNone/>
-              <a:defRPr sz="1600" b="1"/>
+              <a:defRPr sz="1869" b="1"/>
             </a:lvl6pPr>
-            <a:lvl7pPr marL="2743200" indent="0">
+            <a:lvl7pPr marL="3204332" indent="0">
               <a:buNone/>
-              <a:defRPr sz="1600" b="1"/>
+              <a:defRPr sz="1869" b="1"/>
             </a:lvl7pPr>
-            <a:lvl8pPr marL="3200400" indent="0">
+            <a:lvl8pPr marL="3738387" indent="0">
               <a:buNone/>
-              <a:defRPr sz="1600" b="1"/>
+              <a:defRPr sz="1869" b="1"/>
             </a:lvl8pPr>
-            <a:lvl9pPr marL="3657600" indent="0">
+            <a:lvl9pPr marL="4272443" indent="0">
               <a:buNone/>
-              <a:defRPr sz="1600" b="1"/>
+              <a:defRPr sz="1869" b="1"/>
             </a:lvl9pPr>
           </a:lstStyle>
           <a:p>
@@ -1784,8 +1784,8 @@
         </p:nvSpPr>
         <p:spPr>
           <a:xfrm>
-            <a:off x="839789" y="2794435"/>
-            <a:ext cx="5157787" cy="4110192"/>
+            <a:off x="839789" y="2926067"/>
+            <a:ext cx="5157787" cy="4303803"/>
           </a:xfrm>
         </p:spPr>
         <p:txBody>
@@ -1841,8 +1841,8 @@
         </p:nvSpPr>
         <p:spPr>
           <a:xfrm>
-            <a:off x="6172200" y="1875353"/>
-            <a:ext cx="5183188" cy="919082"/>
+            <a:off x="6172201" y="1963692"/>
+            <a:ext cx="5183188" cy="962375"/>
           </a:xfrm>
         </p:spPr>
         <p:txBody>
@@ -1850,39 +1850,39 @@
           <a:lstStyle>
             <a:lvl1pPr marL="0" indent="0">
               <a:buNone/>
-              <a:defRPr sz="2400" b="1"/>
+              <a:defRPr sz="2803" b="1"/>
             </a:lvl1pPr>
-            <a:lvl2pPr marL="457200" indent="0">
+            <a:lvl2pPr marL="534055" indent="0">
               <a:buNone/>
-              <a:defRPr sz="2000" b="1"/>
+              <a:defRPr sz="2336" b="1"/>
             </a:lvl2pPr>
-            <a:lvl3pPr marL="914400" indent="0">
+            <a:lvl3pPr marL="1068111" indent="0">
               <a:buNone/>
-              <a:defRPr sz="1800" b="1"/>
+              <a:defRPr sz="2103" b="1"/>
             </a:lvl3pPr>
-            <a:lvl4pPr marL="1371600" indent="0">
+            <a:lvl4pPr marL="1602166" indent="0">
               <a:buNone/>
-              <a:defRPr sz="1600" b="1"/>
+              <a:defRPr sz="1869" b="1"/>
             </a:lvl4pPr>
-            <a:lvl5pPr marL="1828800" indent="0">
+            <a:lvl5pPr marL="2136221" indent="0">
               <a:buNone/>
-              <a:defRPr sz="1600" b="1"/>
+              <a:defRPr sz="1869" b="1"/>
             </a:lvl5pPr>
-            <a:lvl6pPr marL="2286000" indent="0">
+            <a:lvl6pPr marL="2670277" indent="0">
               <a:buNone/>
-              <a:defRPr sz="1600" b="1"/>
+              <a:defRPr sz="1869" b="1"/>
             </a:lvl6pPr>
-            <a:lvl7pPr marL="2743200" indent="0">
+            <a:lvl7pPr marL="3204332" indent="0">
               <a:buNone/>
-              <a:defRPr sz="1600" b="1"/>
+              <a:defRPr sz="1869" b="1"/>
             </a:lvl7pPr>
-            <a:lvl8pPr marL="3200400" indent="0">
+            <a:lvl8pPr marL="3738387" indent="0">
               <a:buNone/>
-              <a:defRPr sz="1600" b="1"/>
+              <a:defRPr sz="1869" b="1"/>
             </a:lvl8pPr>
-            <a:lvl9pPr marL="3657600" indent="0">
+            <a:lvl9pPr marL="4272443" indent="0">
               <a:buNone/>
-              <a:defRPr sz="1600" b="1"/>
+              <a:defRPr sz="1869" b="1"/>
             </a:lvl9pPr>
           </a:lstStyle>
           <a:p>
@@ -1906,8 +1906,8 @@
         </p:nvSpPr>
         <p:spPr>
           <a:xfrm>
-            <a:off x="6172200" y="2794435"/>
-            <a:ext cx="5183188" cy="4110192"/>
+            <a:off x="6172201" y="2926067"/>
+            <a:ext cx="5183188" cy="4303803"/>
           </a:xfrm>
         </p:spPr>
         <p:txBody>
@@ -2019,7 +2019,7 @@
     </p:spTree>
     <p:extLst>
       <p:ext uri="{BB962C8B-B14F-4D97-AF65-F5344CB8AC3E}">
-        <p14:creationId xmlns:p14="http://schemas.microsoft.com/office/powerpoint/2010/main" val="2241608437"/>
+        <p14:creationId xmlns:p14="http://schemas.microsoft.com/office/powerpoint/2010/main" val="4141832118"/>
       </p:ext>
     </p:extLst>
   </p:cSld>
@@ -2137,7 +2137,7 @@
     </p:spTree>
     <p:extLst>
       <p:ext uri="{BB962C8B-B14F-4D97-AF65-F5344CB8AC3E}">
-        <p14:creationId xmlns:p14="http://schemas.microsoft.com/office/powerpoint/2010/main" val="1800968394"/>
+        <p14:creationId xmlns:p14="http://schemas.microsoft.com/office/powerpoint/2010/main" val="3030112572"/>
       </p:ext>
     </p:extLst>
   </p:cSld>
@@ -2232,7 +2232,7 @@
     </p:spTree>
     <p:extLst>
       <p:ext uri="{BB962C8B-B14F-4D97-AF65-F5344CB8AC3E}">
-        <p14:creationId xmlns:p14="http://schemas.microsoft.com/office/powerpoint/2010/main" val="3585552856"/>
+        <p14:creationId xmlns:p14="http://schemas.microsoft.com/office/powerpoint/2010/main" val="1919027283"/>
       </p:ext>
     </p:extLst>
   </p:cSld>
@@ -2271,15 +2271,15 @@
         </p:nvSpPr>
         <p:spPr>
           <a:xfrm>
-            <a:off x="839789" y="510011"/>
-            <a:ext cx="3932237" cy="1785038"/>
+            <a:off x="839788" y="534035"/>
+            <a:ext cx="3932237" cy="1869123"/>
           </a:xfrm>
         </p:spPr>
         <p:txBody>
           <a:bodyPr anchor="b"/>
           <a:lstStyle>
             <a:lvl1pPr>
-              <a:defRPr sz="3200"/>
+              <a:defRPr sz="3738"/>
             </a:lvl1pPr>
           </a:lstStyle>
           <a:p>
@@ -2303,39 +2303,39 @@
         </p:nvSpPr>
         <p:spPr>
           <a:xfrm>
-            <a:off x="5183188" y="1101482"/>
-            <a:ext cx="6172200" cy="5436574"/>
+            <a:off x="5183188" y="1153369"/>
+            <a:ext cx="6172200" cy="5692665"/>
           </a:xfrm>
         </p:spPr>
         <p:txBody>
           <a:bodyPr/>
           <a:lstStyle>
             <a:lvl1pPr>
-              <a:defRPr sz="3200"/>
+              <a:defRPr sz="3738"/>
             </a:lvl1pPr>
             <a:lvl2pPr>
-              <a:defRPr sz="2800"/>
+              <a:defRPr sz="3271"/>
             </a:lvl2pPr>
             <a:lvl3pPr>
-              <a:defRPr sz="2400"/>
+              <a:defRPr sz="2803"/>
             </a:lvl3pPr>
             <a:lvl4pPr>
-              <a:defRPr sz="2000"/>
+              <a:defRPr sz="2336"/>
             </a:lvl4pPr>
             <a:lvl5pPr>
-              <a:defRPr sz="2000"/>
+              <a:defRPr sz="2336"/>
             </a:lvl5pPr>
             <a:lvl6pPr>
-              <a:defRPr sz="2000"/>
+              <a:defRPr sz="2336"/>
             </a:lvl6pPr>
             <a:lvl7pPr>
-              <a:defRPr sz="2000"/>
+              <a:defRPr sz="2336"/>
             </a:lvl7pPr>
             <a:lvl8pPr>
-              <a:defRPr sz="2000"/>
+              <a:defRPr sz="2336"/>
             </a:lvl8pPr>
             <a:lvl9pPr>
-              <a:defRPr sz="2000"/>
+              <a:defRPr sz="2336"/>
             </a:lvl9pPr>
           </a:lstStyle>
           <a:p>
@@ -2388,8 +2388,8 @@
         </p:nvSpPr>
         <p:spPr>
           <a:xfrm>
-            <a:off x="839789" y="2295049"/>
-            <a:ext cx="3932237" cy="4251862"/>
+            <a:off x="839788" y="2403157"/>
+            <a:ext cx="3932237" cy="4452147"/>
           </a:xfrm>
         </p:spPr>
         <p:txBody>
@@ -2397,39 +2397,39 @@
           <a:lstStyle>
             <a:lvl1pPr marL="0" indent="0">
               <a:buNone/>
-              <a:defRPr sz="1600"/>
+              <a:defRPr sz="1869"/>
             </a:lvl1pPr>
-            <a:lvl2pPr marL="457200" indent="0">
+            <a:lvl2pPr marL="534055" indent="0">
               <a:buNone/>
-              <a:defRPr sz="1400"/>
+              <a:defRPr sz="1635"/>
             </a:lvl2pPr>
-            <a:lvl3pPr marL="914400" indent="0">
+            <a:lvl3pPr marL="1068111" indent="0">
               <a:buNone/>
-              <a:defRPr sz="1200"/>
+              <a:defRPr sz="1402"/>
             </a:lvl3pPr>
-            <a:lvl4pPr marL="1371600" indent="0">
+            <a:lvl4pPr marL="1602166" indent="0">
               <a:buNone/>
-              <a:defRPr sz="1000"/>
+              <a:defRPr sz="1168"/>
             </a:lvl4pPr>
-            <a:lvl5pPr marL="1828800" indent="0">
+            <a:lvl5pPr marL="2136221" indent="0">
               <a:buNone/>
-              <a:defRPr sz="1000"/>
+              <a:defRPr sz="1168"/>
             </a:lvl5pPr>
-            <a:lvl6pPr marL="2286000" indent="0">
+            <a:lvl6pPr marL="2670277" indent="0">
               <a:buNone/>
-              <a:defRPr sz="1000"/>
+              <a:defRPr sz="1168"/>
             </a:lvl6pPr>
-            <a:lvl7pPr marL="2743200" indent="0">
+            <a:lvl7pPr marL="3204332" indent="0">
               <a:buNone/>
-              <a:defRPr sz="1000"/>
+              <a:defRPr sz="1168"/>
             </a:lvl7pPr>
-            <a:lvl8pPr marL="3200400" indent="0">
+            <a:lvl8pPr marL="3738387" indent="0">
               <a:buNone/>
-              <a:defRPr sz="1000"/>
+              <a:defRPr sz="1168"/>
             </a:lvl8pPr>
-            <a:lvl9pPr marL="3657600" indent="0">
+            <a:lvl9pPr marL="4272443" indent="0">
               <a:buNone/>
-              <a:defRPr sz="1000"/>
+              <a:defRPr sz="1168"/>
             </a:lvl9pPr>
           </a:lstStyle>
           <a:p>
@@ -2509,7 +2509,7 @@
     </p:spTree>
     <p:extLst>
       <p:ext uri="{BB962C8B-B14F-4D97-AF65-F5344CB8AC3E}">
-        <p14:creationId xmlns:p14="http://schemas.microsoft.com/office/powerpoint/2010/main" val="3562083436"/>
+        <p14:creationId xmlns:p14="http://schemas.microsoft.com/office/powerpoint/2010/main" val="2987298025"/>
       </p:ext>
     </p:extLst>
   </p:cSld>
@@ -2548,15 +2548,15 @@
         </p:nvSpPr>
         <p:spPr>
           <a:xfrm>
-            <a:off x="839789" y="510011"/>
-            <a:ext cx="3932237" cy="1785038"/>
+            <a:off x="839788" y="534035"/>
+            <a:ext cx="3932237" cy="1869123"/>
           </a:xfrm>
         </p:spPr>
         <p:txBody>
           <a:bodyPr anchor="b"/>
           <a:lstStyle>
             <a:lvl1pPr>
-              <a:defRPr sz="3200"/>
+              <a:defRPr sz="3738"/>
             </a:lvl1pPr>
           </a:lstStyle>
           <a:p>
@@ -2580,8 +2580,8 @@
         </p:nvSpPr>
         <p:spPr>
           <a:xfrm>
-            <a:off x="5183188" y="1101482"/>
-            <a:ext cx="6172200" cy="5436574"/>
+            <a:off x="5183188" y="1153369"/>
+            <a:ext cx="6172200" cy="5692665"/>
           </a:xfrm>
         </p:spPr>
         <p:txBody>
@@ -2589,39 +2589,39 @@
           <a:lstStyle>
             <a:lvl1pPr marL="0" indent="0">
               <a:buNone/>
-              <a:defRPr sz="3200"/>
+              <a:defRPr sz="3738"/>
             </a:lvl1pPr>
-            <a:lvl2pPr marL="457200" indent="0">
+            <a:lvl2pPr marL="534055" indent="0">
               <a:buNone/>
-              <a:defRPr sz="2800"/>
+              <a:defRPr sz="3271"/>
             </a:lvl2pPr>
-            <a:lvl3pPr marL="914400" indent="0">
+            <a:lvl3pPr marL="1068111" indent="0">
               <a:buNone/>
-              <a:defRPr sz="2400"/>
+              <a:defRPr sz="2803"/>
             </a:lvl3pPr>
-            <a:lvl4pPr marL="1371600" indent="0">
+            <a:lvl4pPr marL="1602166" indent="0">
               <a:buNone/>
-              <a:defRPr sz="2000"/>
+              <a:defRPr sz="2336"/>
             </a:lvl4pPr>
-            <a:lvl5pPr marL="1828800" indent="0">
+            <a:lvl5pPr marL="2136221" indent="0">
               <a:buNone/>
-              <a:defRPr sz="2000"/>
+              <a:defRPr sz="2336"/>
             </a:lvl5pPr>
-            <a:lvl6pPr marL="2286000" indent="0">
+            <a:lvl6pPr marL="2670277" indent="0">
               <a:buNone/>
-              <a:defRPr sz="2000"/>
+              <a:defRPr sz="2336"/>
             </a:lvl6pPr>
-            <a:lvl7pPr marL="2743200" indent="0">
+            <a:lvl7pPr marL="3204332" indent="0">
               <a:buNone/>
-              <a:defRPr sz="2000"/>
+              <a:defRPr sz="2336"/>
             </a:lvl7pPr>
-            <a:lvl8pPr marL="3200400" indent="0">
+            <a:lvl8pPr marL="3738387" indent="0">
               <a:buNone/>
-              <a:defRPr sz="2000"/>
+              <a:defRPr sz="2336"/>
             </a:lvl8pPr>
-            <a:lvl9pPr marL="3657600" indent="0">
+            <a:lvl9pPr marL="4272443" indent="0">
               <a:buNone/>
-              <a:defRPr sz="2000"/>
+              <a:defRPr sz="2336"/>
             </a:lvl9pPr>
           </a:lstStyle>
           <a:p>
@@ -2645,8 +2645,8 @@
         </p:nvSpPr>
         <p:spPr>
           <a:xfrm>
-            <a:off x="839789" y="2295049"/>
-            <a:ext cx="3932237" cy="4251862"/>
+            <a:off x="839788" y="2403157"/>
+            <a:ext cx="3932237" cy="4452147"/>
           </a:xfrm>
         </p:spPr>
         <p:txBody>
@@ -2654,39 +2654,39 @@
           <a:lstStyle>
             <a:lvl1pPr marL="0" indent="0">
               <a:buNone/>
-              <a:defRPr sz="1600"/>
+              <a:defRPr sz="1869"/>
             </a:lvl1pPr>
-            <a:lvl2pPr marL="457200" indent="0">
+            <a:lvl2pPr marL="534055" indent="0">
               <a:buNone/>
-              <a:defRPr sz="1400"/>
+              <a:defRPr sz="1635"/>
             </a:lvl2pPr>
-            <a:lvl3pPr marL="914400" indent="0">
+            <a:lvl3pPr marL="1068111" indent="0">
               <a:buNone/>
-              <a:defRPr sz="1200"/>
+              <a:defRPr sz="1402"/>
             </a:lvl3pPr>
-            <a:lvl4pPr marL="1371600" indent="0">
+            <a:lvl4pPr marL="1602166" indent="0">
               <a:buNone/>
-              <a:defRPr sz="1000"/>
+              <a:defRPr sz="1168"/>
             </a:lvl4pPr>
-            <a:lvl5pPr marL="1828800" indent="0">
+            <a:lvl5pPr marL="2136221" indent="0">
               <a:buNone/>
-              <a:defRPr sz="1000"/>
+              <a:defRPr sz="1168"/>
             </a:lvl5pPr>
-            <a:lvl6pPr marL="2286000" indent="0">
+            <a:lvl6pPr marL="2670277" indent="0">
               <a:buNone/>
-              <a:defRPr sz="1000"/>
+              <a:defRPr sz="1168"/>
             </a:lvl6pPr>
-            <a:lvl7pPr marL="2743200" indent="0">
+            <a:lvl7pPr marL="3204332" indent="0">
               <a:buNone/>
-              <a:defRPr sz="1000"/>
+              <a:defRPr sz="1168"/>
             </a:lvl7pPr>
-            <a:lvl8pPr marL="3200400" indent="0">
+            <a:lvl8pPr marL="3738387" indent="0">
               <a:buNone/>
-              <a:defRPr sz="1000"/>
+              <a:defRPr sz="1168"/>
             </a:lvl8pPr>
-            <a:lvl9pPr marL="3657600" indent="0">
+            <a:lvl9pPr marL="4272443" indent="0">
               <a:buNone/>
-              <a:defRPr sz="1000"/>
+              <a:defRPr sz="1168"/>
             </a:lvl9pPr>
           </a:lstStyle>
           <a:p>
@@ -2766,7 +2766,7 @@
     </p:spTree>
     <p:extLst>
       <p:ext uri="{BB962C8B-B14F-4D97-AF65-F5344CB8AC3E}">
-        <p14:creationId xmlns:p14="http://schemas.microsoft.com/office/powerpoint/2010/main" val="2394059631"/>
+        <p14:creationId xmlns:p14="http://schemas.microsoft.com/office/powerpoint/2010/main" val="3188989905"/>
       </p:ext>
     </p:extLst>
   </p:cSld>
@@ -2810,8 +2810,8 @@
         </p:nvSpPr>
         <p:spPr>
           <a:xfrm>
-            <a:off x="838200" y="407301"/>
-            <a:ext cx="10515600" cy="1478678"/>
+            <a:off x="838200" y="426488"/>
+            <a:ext cx="10515600" cy="1548331"/>
           </a:xfrm>
           <a:prstGeom prst="rect">
             <a:avLst/>
@@ -2843,8 +2843,8 @@
         </p:nvSpPr>
         <p:spPr>
           <a:xfrm>
-            <a:off x="838200" y="2036502"/>
-            <a:ext cx="10515600" cy="4853958"/>
+            <a:off x="838200" y="2132431"/>
+            <a:ext cx="10515600" cy="5082605"/>
           </a:xfrm>
           <a:prstGeom prst="rect">
             <a:avLst/>
@@ -2905,8 +2905,8 @@
         </p:nvSpPr>
         <p:spPr>
           <a:xfrm>
-            <a:off x="838200" y="7090568"/>
-            <a:ext cx="2743200" cy="407300"/>
+            <a:off x="838200" y="7424572"/>
+            <a:ext cx="2743200" cy="426486"/>
           </a:xfrm>
           <a:prstGeom prst="rect">
             <a:avLst/>
@@ -2916,7 +2916,7 @@
           <a:bodyPr vert="horz" lIns="91440" tIns="45720" rIns="91440" bIns="45720" rtlCol="0" anchor="ctr"/>
           <a:lstStyle>
             <a:lvl1pPr algn="l">
-              <a:defRPr sz="1200">
+              <a:defRPr sz="1402">
                 <a:solidFill>
                   <a:schemeClr val="tx1">
                     <a:tint val="75000"/>
@@ -2946,8 +2946,8 @@
         </p:nvSpPr>
         <p:spPr>
           <a:xfrm>
-            <a:off x="4038600" y="7090568"/>
-            <a:ext cx="4114800" cy="407300"/>
+            <a:off x="4038600" y="7424572"/>
+            <a:ext cx="4114800" cy="426486"/>
           </a:xfrm>
           <a:prstGeom prst="rect">
             <a:avLst/>
@@ -2957,7 +2957,7 @@
           <a:bodyPr vert="horz" lIns="91440" tIns="45720" rIns="91440" bIns="45720" rtlCol="0" anchor="ctr"/>
           <a:lstStyle>
             <a:lvl1pPr algn="ctr">
-              <a:defRPr sz="1200">
+              <a:defRPr sz="1402">
                 <a:solidFill>
                   <a:schemeClr val="tx1">
                     <a:tint val="75000"/>
@@ -2983,8 +2983,8 @@
         </p:nvSpPr>
         <p:spPr>
           <a:xfrm>
-            <a:off x="8610600" y="7090568"/>
-            <a:ext cx="2743200" cy="407300"/>
+            <a:off x="8610600" y="7424572"/>
+            <a:ext cx="2743200" cy="426486"/>
           </a:xfrm>
           <a:prstGeom prst="rect">
             <a:avLst/>
@@ -2994,7 +2994,7 @@
           <a:bodyPr vert="horz" lIns="91440" tIns="45720" rIns="91440" bIns="45720" rtlCol="0" anchor="ctr"/>
           <a:lstStyle>
             <a:lvl1pPr algn="r">
-              <a:defRPr sz="1200">
+              <a:defRPr sz="1402">
                 <a:solidFill>
                   <a:schemeClr val="tx1">
                     <a:tint val="75000"/>
@@ -3015,27 +3015,27 @@
     </p:spTree>
     <p:extLst>
       <p:ext uri="{BB962C8B-B14F-4D97-AF65-F5344CB8AC3E}">
-        <p14:creationId xmlns:p14="http://schemas.microsoft.com/office/powerpoint/2010/main" val="3807851470"/>
+        <p14:creationId xmlns:p14="http://schemas.microsoft.com/office/powerpoint/2010/main" val="3018215752"/>
       </p:ext>
     </p:extLst>
   </p:cSld>
   <p:clrMap bg1="lt1" tx1="dk1" bg2="lt2" tx2="dk2" accent1="accent1" accent2="accent2" accent3="accent3" accent4="accent4" accent5="accent5" accent6="accent6" hlink="hlink" folHlink="folHlink"/>
   <p:sldLayoutIdLst>
-    <p:sldLayoutId id="2147483685" r:id="rId1"/>
-    <p:sldLayoutId id="2147483686" r:id="rId2"/>
-    <p:sldLayoutId id="2147483687" r:id="rId3"/>
-    <p:sldLayoutId id="2147483688" r:id="rId4"/>
-    <p:sldLayoutId id="2147483689" r:id="rId5"/>
-    <p:sldLayoutId id="2147483690" r:id="rId6"/>
-    <p:sldLayoutId id="2147483691" r:id="rId7"/>
-    <p:sldLayoutId id="2147483692" r:id="rId8"/>
-    <p:sldLayoutId id="2147483693" r:id="rId9"/>
-    <p:sldLayoutId id="2147483694" r:id="rId10"/>
-    <p:sldLayoutId id="2147483695" r:id="rId11"/>
+    <p:sldLayoutId id="2147483697" r:id="rId1"/>
+    <p:sldLayoutId id="2147483698" r:id="rId2"/>
+    <p:sldLayoutId id="2147483699" r:id="rId3"/>
+    <p:sldLayoutId id="2147483700" r:id="rId4"/>
+    <p:sldLayoutId id="2147483701" r:id="rId5"/>
+    <p:sldLayoutId id="2147483702" r:id="rId6"/>
+    <p:sldLayoutId id="2147483703" r:id="rId7"/>
+    <p:sldLayoutId id="2147483704" r:id="rId8"/>
+    <p:sldLayoutId id="2147483705" r:id="rId9"/>
+    <p:sldLayoutId id="2147483706" r:id="rId10"/>
+    <p:sldLayoutId id="2147483707" r:id="rId11"/>
   </p:sldLayoutIdLst>
   <p:txStyles>
     <p:titleStyle>
-      <a:lvl1pPr algn="l" defTabSz="914400" rtl="0" eaLnBrk="1" latinLnBrk="0" hangingPunct="1">
+      <a:lvl1pPr algn="l" defTabSz="1068111" rtl="0" eaLnBrk="1" latinLnBrk="0" hangingPunct="1">
         <a:lnSpc>
           <a:spcPct val="90000"/>
         </a:lnSpc>
@@ -3043,7 +3043,7 @@
           <a:spcPct val="0"/>
         </a:spcBef>
         <a:buNone/>
-        <a:defRPr sz="4400" kern="1200">
+        <a:defRPr sz="5140" kern="1200">
           <a:solidFill>
             <a:schemeClr val="tx1"/>
           </a:solidFill>
@@ -3054,16 +3054,16 @@
       </a:lvl1pPr>
     </p:titleStyle>
     <p:bodyStyle>
-      <a:lvl1pPr marL="228600" indent="-228600" algn="l" defTabSz="914400" rtl="0" eaLnBrk="1" latinLnBrk="0" hangingPunct="1">
+      <a:lvl1pPr marL="267028" indent="-267028" algn="l" defTabSz="1068111" rtl="0" eaLnBrk="1" latinLnBrk="0" hangingPunct="1">
         <a:lnSpc>
           <a:spcPct val="90000"/>
         </a:lnSpc>
         <a:spcBef>
-          <a:spcPts val="1000"/>
+          <a:spcPts val="1168"/>
         </a:spcBef>
         <a:buFont typeface="Arial" panose="020B0604020202020204" pitchFamily="34" charset="0"/>
         <a:buChar char="•"/>
-        <a:defRPr sz="2800" kern="1200">
+        <a:defRPr sz="3271" kern="1200">
           <a:solidFill>
             <a:schemeClr val="tx1"/>
           </a:solidFill>
@@ -3072,16 +3072,16 @@
           <a:cs typeface="+mn-cs"/>
         </a:defRPr>
       </a:lvl1pPr>
-      <a:lvl2pPr marL="685800" indent="-228600" algn="l" defTabSz="914400" rtl="0" eaLnBrk="1" latinLnBrk="0" hangingPunct="1">
+      <a:lvl2pPr marL="801083" indent="-267028" algn="l" defTabSz="1068111" rtl="0" eaLnBrk="1" latinLnBrk="0" hangingPunct="1">
         <a:lnSpc>
           <a:spcPct val="90000"/>
         </a:lnSpc>
         <a:spcBef>
-          <a:spcPts val="500"/>
+          <a:spcPts val="584"/>
         </a:spcBef>
         <a:buFont typeface="Arial" panose="020B0604020202020204" pitchFamily="34" charset="0"/>
         <a:buChar char="•"/>
-        <a:defRPr sz="2400" kern="1200">
+        <a:defRPr sz="2803" kern="1200">
           <a:solidFill>
             <a:schemeClr val="tx1"/>
           </a:solidFill>
@@ -3090,16 +3090,16 @@
           <a:cs typeface="+mn-cs"/>
         </a:defRPr>
       </a:lvl2pPr>
-      <a:lvl3pPr marL="1143000" indent="-228600" algn="l" defTabSz="914400" rtl="0" eaLnBrk="1" latinLnBrk="0" hangingPunct="1">
+      <a:lvl3pPr marL="1335138" indent="-267028" algn="l" defTabSz="1068111" rtl="0" eaLnBrk="1" latinLnBrk="0" hangingPunct="1">
         <a:lnSpc>
           <a:spcPct val="90000"/>
         </a:lnSpc>
         <a:spcBef>
-          <a:spcPts val="500"/>
+          <a:spcPts val="584"/>
         </a:spcBef>
         <a:buFont typeface="Arial" panose="020B0604020202020204" pitchFamily="34" charset="0"/>
         <a:buChar char="•"/>
-        <a:defRPr sz="2000" kern="1200">
+        <a:defRPr sz="2336" kern="1200">
           <a:solidFill>
             <a:schemeClr val="tx1"/>
           </a:solidFill>
@@ -3108,16 +3108,16 @@
           <a:cs typeface="+mn-cs"/>
         </a:defRPr>
       </a:lvl3pPr>
-      <a:lvl4pPr marL="1600200" indent="-228600" algn="l" defTabSz="914400" rtl="0" eaLnBrk="1" latinLnBrk="0" hangingPunct="1">
+      <a:lvl4pPr marL="1869194" indent="-267028" algn="l" defTabSz="1068111" rtl="0" eaLnBrk="1" latinLnBrk="0" hangingPunct="1">
         <a:lnSpc>
           <a:spcPct val="90000"/>
         </a:lnSpc>
         <a:spcBef>
-          <a:spcPts val="500"/>
+          <a:spcPts val="584"/>
         </a:spcBef>
         <a:buFont typeface="Arial" panose="020B0604020202020204" pitchFamily="34" charset="0"/>
         <a:buChar char="•"/>
-        <a:defRPr sz="1800" kern="1200">
+        <a:defRPr sz="2103" kern="1200">
           <a:solidFill>
             <a:schemeClr val="tx1"/>
           </a:solidFill>
@@ -3126,16 +3126,16 @@
           <a:cs typeface="+mn-cs"/>
         </a:defRPr>
       </a:lvl4pPr>
-      <a:lvl5pPr marL="2057400" indent="-228600" algn="l" defTabSz="914400" rtl="0" eaLnBrk="1" latinLnBrk="0" hangingPunct="1">
+      <a:lvl5pPr marL="2403249" indent="-267028" algn="l" defTabSz="1068111" rtl="0" eaLnBrk="1" latinLnBrk="0" hangingPunct="1">
         <a:lnSpc>
           <a:spcPct val="90000"/>
         </a:lnSpc>
         <a:spcBef>
-          <a:spcPts val="500"/>
+          <a:spcPts val="584"/>
         </a:spcBef>
         <a:buFont typeface="Arial" panose="020B0604020202020204" pitchFamily="34" charset="0"/>
         <a:buChar char="•"/>
-        <a:defRPr sz="1800" kern="1200">
+        <a:defRPr sz="2103" kern="1200">
           <a:solidFill>
             <a:schemeClr val="tx1"/>
           </a:solidFill>
@@ -3144,16 +3144,16 @@
           <a:cs typeface="+mn-cs"/>
         </a:defRPr>
       </a:lvl5pPr>
-      <a:lvl6pPr marL="2514600" indent="-228600" algn="l" defTabSz="914400" rtl="0" eaLnBrk="1" latinLnBrk="0" hangingPunct="1">
+      <a:lvl6pPr marL="2937304" indent="-267028" algn="l" defTabSz="1068111" rtl="0" eaLnBrk="1" latinLnBrk="0" hangingPunct="1">
         <a:lnSpc>
           <a:spcPct val="90000"/>
         </a:lnSpc>
         <a:spcBef>
-          <a:spcPts val="500"/>
+          <a:spcPts val="584"/>
         </a:spcBef>
         <a:buFont typeface="Arial" panose="020B0604020202020204" pitchFamily="34" charset="0"/>
         <a:buChar char="•"/>
-        <a:defRPr sz="1800" kern="1200">
+        <a:defRPr sz="2103" kern="1200">
           <a:solidFill>
             <a:schemeClr val="tx1"/>
           </a:solidFill>
@@ -3162,16 +3162,16 @@
           <a:cs typeface="+mn-cs"/>
         </a:defRPr>
       </a:lvl6pPr>
-      <a:lvl7pPr marL="2971800" indent="-228600" algn="l" defTabSz="914400" rtl="0" eaLnBrk="1" latinLnBrk="0" hangingPunct="1">
+      <a:lvl7pPr marL="3471360" indent="-267028" algn="l" defTabSz="1068111" rtl="0" eaLnBrk="1" latinLnBrk="0" hangingPunct="1">
         <a:lnSpc>
           <a:spcPct val="90000"/>
         </a:lnSpc>
         <a:spcBef>
-          <a:spcPts val="500"/>
+          <a:spcPts val="584"/>
         </a:spcBef>
         <a:buFont typeface="Arial" panose="020B0604020202020204" pitchFamily="34" charset="0"/>
         <a:buChar char="•"/>
-        <a:defRPr sz="1800" kern="1200">
+        <a:defRPr sz="2103" kern="1200">
           <a:solidFill>
             <a:schemeClr val="tx1"/>
           </a:solidFill>
@@ -3180,16 +3180,16 @@
           <a:cs typeface="+mn-cs"/>
         </a:defRPr>
       </a:lvl7pPr>
-      <a:lvl8pPr marL="3429000" indent="-228600" algn="l" defTabSz="914400" rtl="0" eaLnBrk="1" latinLnBrk="0" hangingPunct="1">
+      <a:lvl8pPr marL="4005415" indent="-267028" algn="l" defTabSz="1068111" rtl="0" eaLnBrk="1" latinLnBrk="0" hangingPunct="1">
         <a:lnSpc>
           <a:spcPct val="90000"/>
         </a:lnSpc>
         <a:spcBef>
-          <a:spcPts val="500"/>
+          <a:spcPts val="584"/>
         </a:spcBef>
         <a:buFont typeface="Arial" panose="020B0604020202020204" pitchFamily="34" charset="0"/>
         <a:buChar char="•"/>
-        <a:defRPr sz="1800" kern="1200">
+        <a:defRPr sz="2103" kern="1200">
           <a:solidFill>
             <a:schemeClr val="tx1"/>
           </a:solidFill>
@@ -3198,16 +3198,16 @@
           <a:cs typeface="+mn-cs"/>
         </a:defRPr>
       </a:lvl8pPr>
-      <a:lvl9pPr marL="3886200" indent="-228600" algn="l" defTabSz="914400" rtl="0" eaLnBrk="1" latinLnBrk="0" hangingPunct="1">
+      <a:lvl9pPr marL="4539470" indent="-267028" algn="l" defTabSz="1068111" rtl="0" eaLnBrk="1" latinLnBrk="0" hangingPunct="1">
         <a:lnSpc>
           <a:spcPct val="90000"/>
         </a:lnSpc>
         <a:spcBef>
-          <a:spcPts val="500"/>
+          <a:spcPts val="584"/>
         </a:spcBef>
         <a:buFont typeface="Arial" panose="020B0604020202020204" pitchFamily="34" charset="0"/>
         <a:buChar char="•"/>
-        <a:defRPr sz="1800" kern="1200">
+        <a:defRPr sz="2103" kern="1200">
           <a:solidFill>
             <a:schemeClr val="tx1"/>
           </a:solidFill>
@@ -3221,8 +3221,8 @@
       <a:defPPr>
         <a:defRPr lang="en-US"/>
       </a:defPPr>
-      <a:lvl1pPr marL="0" algn="l" defTabSz="914400" rtl="0" eaLnBrk="1" latinLnBrk="0" hangingPunct="1">
-        <a:defRPr sz="1800" kern="1200">
+      <a:lvl1pPr marL="0" algn="l" defTabSz="1068111" rtl="0" eaLnBrk="1" latinLnBrk="0" hangingPunct="1">
+        <a:defRPr sz="2103" kern="1200">
           <a:solidFill>
             <a:schemeClr val="tx1"/>
           </a:solidFill>
@@ -3231,8 +3231,8 @@
           <a:cs typeface="+mn-cs"/>
         </a:defRPr>
       </a:lvl1pPr>
-      <a:lvl2pPr marL="457200" algn="l" defTabSz="914400" rtl="0" eaLnBrk="1" latinLnBrk="0" hangingPunct="1">
-        <a:defRPr sz="1800" kern="1200">
+      <a:lvl2pPr marL="534055" algn="l" defTabSz="1068111" rtl="0" eaLnBrk="1" latinLnBrk="0" hangingPunct="1">
+        <a:defRPr sz="2103" kern="1200">
           <a:solidFill>
             <a:schemeClr val="tx1"/>
           </a:solidFill>
@@ -3241,8 +3241,8 @@
           <a:cs typeface="+mn-cs"/>
         </a:defRPr>
       </a:lvl2pPr>
-      <a:lvl3pPr marL="914400" algn="l" defTabSz="914400" rtl="0" eaLnBrk="1" latinLnBrk="0" hangingPunct="1">
-        <a:defRPr sz="1800" kern="1200">
+      <a:lvl3pPr marL="1068111" algn="l" defTabSz="1068111" rtl="0" eaLnBrk="1" latinLnBrk="0" hangingPunct="1">
+        <a:defRPr sz="2103" kern="1200">
           <a:solidFill>
             <a:schemeClr val="tx1"/>
           </a:solidFill>
@@ -3251,8 +3251,8 @@
           <a:cs typeface="+mn-cs"/>
         </a:defRPr>
       </a:lvl3pPr>
-      <a:lvl4pPr marL="1371600" algn="l" defTabSz="914400" rtl="0" eaLnBrk="1" latinLnBrk="0" hangingPunct="1">
-        <a:defRPr sz="1800" kern="1200">
+      <a:lvl4pPr marL="1602166" algn="l" defTabSz="1068111" rtl="0" eaLnBrk="1" latinLnBrk="0" hangingPunct="1">
+        <a:defRPr sz="2103" kern="1200">
           <a:solidFill>
             <a:schemeClr val="tx1"/>
           </a:solidFill>
@@ -3261,8 +3261,8 @@
           <a:cs typeface="+mn-cs"/>
         </a:defRPr>
       </a:lvl4pPr>
-      <a:lvl5pPr marL="1828800" algn="l" defTabSz="914400" rtl="0" eaLnBrk="1" latinLnBrk="0" hangingPunct="1">
-        <a:defRPr sz="1800" kern="1200">
+      <a:lvl5pPr marL="2136221" algn="l" defTabSz="1068111" rtl="0" eaLnBrk="1" latinLnBrk="0" hangingPunct="1">
+        <a:defRPr sz="2103" kern="1200">
           <a:solidFill>
             <a:schemeClr val="tx1"/>
           </a:solidFill>
@@ -3271,8 +3271,8 @@
           <a:cs typeface="+mn-cs"/>
         </a:defRPr>
       </a:lvl5pPr>
-      <a:lvl6pPr marL="2286000" algn="l" defTabSz="914400" rtl="0" eaLnBrk="1" latinLnBrk="0" hangingPunct="1">
-        <a:defRPr sz="1800" kern="1200">
+      <a:lvl6pPr marL="2670277" algn="l" defTabSz="1068111" rtl="0" eaLnBrk="1" latinLnBrk="0" hangingPunct="1">
+        <a:defRPr sz="2103" kern="1200">
           <a:solidFill>
             <a:schemeClr val="tx1"/>
           </a:solidFill>
@@ -3281,8 +3281,8 @@
           <a:cs typeface="+mn-cs"/>
         </a:defRPr>
       </a:lvl6pPr>
-      <a:lvl7pPr marL="2743200" algn="l" defTabSz="914400" rtl="0" eaLnBrk="1" latinLnBrk="0" hangingPunct="1">
-        <a:defRPr sz="1800" kern="1200">
+      <a:lvl7pPr marL="3204332" algn="l" defTabSz="1068111" rtl="0" eaLnBrk="1" latinLnBrk="0" hangingPunct="1">
+        <a:defRPr sz="2103" kern="1200">
           <a:solidFill>
             <a:schemeClr val="tx1"/>
           </a:solidFill>
@@ -3291,8 +3291,8 @@
           <a:cs typeface="+mn-cs"/>
         </a:defRPr>
       </a:lvl7pPr>
-      <a:lvl8pPr marL="3200400" algn="l" defTabSz="914400" rtl="0" eaLnBrk="1" latinLnBrk="0" hangingPunct="1">
-        <a:defRPr sz="1800" kern="1200">
+      <a:lvl8pPr marL="3738387" algn="l" defTabSz="1068111" rtl="0" eaLnBrk="1" latinLnBrk="0" hangingPunct="1">
+        <a:defRPr sz="2103" kern="1200">
           <a:solidFill>
             <a:schemeClr val="tx1"/>
           </a:solidFill>
@@ -3301,8 +3301,8 @@
           <a:cs typeface="+mn-cs"/>
         </a:defRPr>
       </a:lvl8pPr>
-      <a:lvl9pPr marL="3657600" algn="l" defTabSz="914400" rtl="0" eaLnBrk="1" latinLnBrk="0" hangingPunct="1">
-        <a:defRPr sz="1800" kern="1200">
+      <a:lvl9pPr marL="4272443" algn="l" defTabSz="1068111" rtl="0" eaLnBrk="1" latinLnBrk="0" hangingPunct="1">
+        <a:defRPr sz="2103" kern="1200">
           <a:solidFill>
             <a:schemeClr val="tx1"/>
           </a:solidFill>
@@ -3353,7 +3353,7 @@
         </p:nvSpPr>
         <p:spPr>
           <a:xfrm>
-            <a:off x="2176212" y="582870"/>
+            <a:off x="2176213" y="763052"/>
             <a:ext cx="7839581" cy="584775"/>
           </a:xfrm>
           <a:prstGeom prst="rect">
@@ -3405,7 +3405,7 @@
         </p:blipFill>
         <p:spPr>
           <a:xfrm>
-            <a:off x="315246" y="582871"/>
+            <a:off x="315247" y="763053"/>
             <a:ext cx="725875" cy="725875"/>
           </a:xfrm>
           <a:prstGeom prst="rect">
@@ -3427,7 +3427,7 @@
         </p:nvSpPr>
         <p:spPr>
           <a:xfrm>
-            <a:off x="2176208" y="1831595"/>
+            <a:off x="2176209" y="2011777"/>
             <a:ext cx="8143449" cy="4924425"/>
           </a:xfrm>
           <a:prstGeom prst="rect">
@@ -3477,7 +3477,7 @@
                 </a:solidFill>
                 <a:latin typeface="Oxygen" panose="02000503000000000000" pitchFamily="2" charset="0"/>
               </a:rPr>
-              <a:t>Database, Tables ,Keys, Views ,Queries &amp; Indexes</a:t>
+              <a:t>Database, Tables ,Keys, Indexes &amp; Views  </a:t>
             </a:r>
           </a:p>
           <a:p>
@@ -3602,6 +3602,314 @@
     <p:extLst>
       <p:ext uri="{BB962C8B-B14F-4D97-AF65-F5344CB8AC3E}">
         <p14:creationId xmlns:p14="http://schemas.microsoft.com/office/powerpoint/2010/main" val="2964529504"/>
+      </p:ext>
+    </p:extLst>
+  </p:cSld>
+  <p:clrMapOvr>
+    <a:masterClrMapping/>
+  </p:clrMapOvr>
+</p:sld>
+</file>
+
+<file path=ppt/slides/slide10.xml><?xml version="1.0" encoding="utf-8"?>
+<p:sld xmlns:a="http://schemas.openxmlformats.org/drawingml/2006/main" xmlns:r="http://schemas.openxmlformats.org/officeDocument/2006/relationships" xmlns:p="http://schemas.openxmlformats.org/presentationml/2006/main">
+  <p:cSld>
+    <p:spTree>
+      <p:nvGrpSpPr>
+        <p:cNvPr id="1" name="">
+          <a:extLst>
+            <a:ext uri="{FF2B5EF4-FFF2-40B4-BE49-F238E27FC236}">
+              <a16:creationId xmlns:a16="http://schemas.microsoft.com/office/drawing/2014/main" id="{3EA6FA98-1D7C-FA09-C210-8DAF497AFE52}"/>
+            </a:ext>
+          </a:extLst>
+        </p:cNvPr>
+        <p:cNvGrpSpPr/>
+        <p:nvPr/>
+      </p:nvGrpSpPr>
+      <p:grpSpPr>
+        <a:xfrm>
+          <a:off x="0" y="0"/>
+          <a:ext cx="0" cy="0"/>
+          <a:chOff x="0" y="0"/>
+          <a:chExt cx="0" cy="0"/>
+        </a:xfrm>
+      </p:grpSpPr>
+      <p:pic>
+        <p:nvPicPr>
+          <p:cNvPr id="15" name="Picture 14">
+            <a:extLst>
+              <a:ext uri="{FF2B5EF4-FFF2-40B4-BE49-F238E27FC236}">
+                <a16:creationId xmlns:a16="http://schemas.microsoft.com/office/drawing/2014/main" id="{5C4F78F3-A0E6-2A69-BEA0-90FE79B8AD0B}"/>
+              </a:ext>
+            </a:extLst>
+          </p:cNvPr>
+          <p:cNvPicPr>
+            <a:picLocks noChangeAspect="1"/>
+          </p:cNvPicPr>
+          <p:nvPr/>
+        </p:nvPicPr>
+        <p:blipFill>
+          <a:blip r:embed="rId2">
+            <a:extLst>
+              <a:ext uri="{28A0092B-C50C-407E-A947-70E740481C1C}">
+                <a14:useLocalDpi xmlns:a14="http://schemas.microsoft.com/office/drawing/2010/main" val="0"/>
+              </a:ext>
+            </a:extLst>
+          </a:blip>
+          <a:stretch>
+            <a:fillRect/>
+          </a:stretch>
+        </p:blipFill>
+        <p:spPr>
+          <a:xfrm>
+            <a:off x="330371" y="275619"/>
+            <a:ext cx="725875" cy="725875"/>
+          </a:xfrm>
+          <a:prstGeom prst="rect">
+            <a:avLst/>
+          </a:prstGeom>
+        </p:spPr>
+      </p:pic>
+      <p:sp>
+        <p:nvSpPr>
+          <p:cNvPr id="2" name="TextBox 1">
+            <a:extLst>
+              <a:ext uri="{FF2B5EF4-FFF2-40B4-BE49-F238E27FC236}">
+                <a16:creationId xmlns:a16="http://schemas.microsoft.com/office/drawing/2014/main" id="{2EE67381-FDCA-C718-C129-F09B79DE7712}"/>
+              </a:ext>
+            </a:extLst>
+          </p:cNvPr>
+          <p:cNvSpPr txBox="1"/>
+          <p:nvPr/>
+        </p:nvSpPr>
+        <p:spPr>
+          <a:xfrm>
+            <a:off x="1122745" y="1647670"/>
+            <a:ext cx="10504577" cy="5324535"/>
+          </a:xfrm>
+          <a:prstGeom prst="rect">
+            <a:avLst/>
+          </a:prstGeom>
+          <a:noFill/>
+        </p:spPr>
+        <p:txBody>
+          <a:bodyPr wrap="square" rtlCol="0">
+            <a:spAutoFit/>
+          </a:bodyPr>
+          <a:lstStyle/>
+          <a:p>
+            <a:r>
+              <a:rPr lang="en-US" sz="2000" dirty="0">
+                <a:latin typeface="Oxygen" panose="02000503000000000000" pitchFamily="2" charset="0"/>
+                <a:sym typeface="Wingdings" panose="05000000000000000000" pitchFamily="2" charset="2"/>
+              </a:rPr>
+              <a:t>Indexes are used to retrieve data from databases.</a:t>
+            </a:r>
+          </a:p>
+          <a:p>
+            <a:r>
+              <a:rPr lang="en-US" sz="2000" dirty="0">
+                <a:latin typeface="Oxygen" panose="02000503000000000000" pitchFamily="2" charset="0"/>
+                <a:sym typeface="Wingdings" panose="05000000000000000000" pitchFamily="2" charset="2"/>
+              </a:rPr>
+              <a:t>Users cannot see the indexes, they are used to speed up the searches/queries.</a:t>
+            </a:r>
+          </a:p>
+          <a:p>
+            <a:endParaRPr lang="en-US" sz="2000" dirty="0">
+              <a:latin typeface="Oxygen" panose="02000503000000000000" pitchFamily="2" charset="0"/>
+              <a:sym typeface="Wingdings" panose="05000000000000000000" pitchFamily="2" charset="2"/>
+            </a:endParaRPr>
+          </a:p>
+          <a:p>
+            <a:endParaRPr lang="en-US" sz="2000" dirty="0">
+              <a:latin typeface="Oxygen" panose="02000503000000000000" pitchFamily="2" charset="0"/>
+              <a:sym typeface="Wingdings" panose="05000000000000000000" pitchFamily="2" charset="2"/>
+            </a:endParaRPr>
+          </a:p>
+          <a:p>
+            <a:r>
+              <a:rPr lang="en-US" sz="2000" dirty="0">
+                <a:latin typeface="Oxygen" panose="02000503000000000000" pitchFamily="2" charset="0"/>
+                <a:sym typeface="Wingdings" panose="05000000000000000000" pitchFamily="2" charset="2"/>
+              </a:rPr>
+              <a:t>Below statement creates an index </a:t>
+            </a:r>
+            <a:r>
+              <a:rPr lang="en-US" sz="2000" b="0" i="0" dirty="0">
+                <a:solidFill>
+                  <a:srgbClr val="000000"/>
+                </a:solidFill>
+                <a:effectLst/>
+                <a:latin typeface="Oxygen" panose="02000503000000000000" pitchFamily="2" charset="0"/>
+              </a:rPr>
+              <a:t>on a table. Duplicate values are allowed.</a:t>
+            </a:r>
+          </a:p>
+          <a:p>
+            <a:r>
+              <a:rPr lang="en-US" sz="2000" b="0" i="0" dirty="0">
+                <a:effectLst/>
+                <a:latin typeface="Oxygen" panose="02000503000000000000" pitchFamily="2" charset="0"/>
+              </a:rPr>
+              <a:t>CREATE INDEX idx_product</a:t>
+            </a:r>
+            <a:br>
+              <a:rPr lang="en-US" sz="2000" dirty="0">
+                <a:latin typeface="Oxygen" panose="02000503000000000000" pitchFamily="2" charset="0"/>
+              </a:rPr>
+            </a:br>
+            <a:r>
+              <a:rPr lang="en-US" sz="2000" b="0" i="0" dirty="0">
+                <a:effectLst/>
+                <a:latin typeface="Oxygen" panose="02000503000000000000" pitchFamily="2" charset="0"/>
+              </a:rPr>
+              <a:t>ON mst_product (product_name);</a:t>
+            </a:r>
+          </a:p>
+          <a:p>
+            <a:endParaRPr lang="en-US" sz="2000" b="0" i="0" dirty="0">
+              <a:effectLst/>
+              <a:latin typeface="Oxygen" panose="02000503000000000000" pitchFamily="2" charset="0"/>
+            </a:endParaRPr>
+          </a:p>
+          <a:p>
+            <a:endParaRPr lang="en-US" sz="2000" dirty="0">
+              <a:latin typeface="Oxygen" panose="02000503000000000000" pitchFamily="2" charset="0"/>
+              <a:sym typeface="Wingdings" panose="05000000000000000000" pitchFamily="2" charset="2"/>
+            </a:endParaRPr>
+          </a:p>
+          <a:p>
+            <a:r>
+              <a:rPr lang="en-US" sz="2000" dirty="0">
+                <a:latin typeface="Oxygen" panose="02000503000000000000" pitchFamily="2" charset="0"/>
+                <a:sym typeface="Wingdings" panose="05000000000000000000" pitchFamily="2" charset="2"/>
+              </a:rPr>
+              <a:t>Below statement creates an index </a:t>
+            </a:r>
+            <a:r>
+              <a:rPr lang="en-US" sz="2000" b="0" i="0" dirty="0">
+                <a:solidFill>
+                  <a:srgbClr val="000000"/>
+                </a:solidFill>
+                <a:effectLst/>
+                <a:latin typeface="Oxygen" panose="02000503000000000000" pitchFamily="2" charset="0"/>
+              </a:rPr>
+              <a:t>on a table. Duplicate values are not allowed.</a:t>
+            </a:r>
+          </a:p>
+          <a:p>
+            <a:r>
+              <a:rPr lang="en-US" sz="2000" b="0" i="0" dirty="0">
+                <a:effectLst/>
+                <a:latin typeface="Oxygen" panose="02000503000000000000" pitchFamily="2" charset="0"/>
+              </a:rPr>
+              <a:t>CREATE UNIQUE INDEX idx_product</a:t>
+            </a:r>
+            <a:br>
+              <a:rPr lang="en-US" sz="2000" dirty="0">
+                <a:latin typeface="Oxygen" panose="02000503000000000000" pitchFamily="2" charset="0"/>
+              </a:rPr>
+            </a:br>
+            <a:r>
+              <a:rPr lang="en-US" sz="2000" b="0" i="0" dirty="0">
+                <a:effectLst/>
+                <a:latin typeface="Oxygen" panose="02000503000000000000" pitchFamily="2" charset="0"/>
+              </a:rPr>
+              <a:t>ON mst_product (product_name);</a:t>
+            </a:r>
+          </a:p>
+          <a:p>
+            <a:endParaRPr lang="en-US" sz="2000" dirty="0">
+              <a:latin typeface="Oxygen" panose="02000503000000000000" pitchFamily="2" charset="0"/>
+              <a:sym typeface="Wingdings" panose="05000000000000000000" pitchFamily="2" charset="2"/>
+            </a:endParaRPr>
+          </a:p>
+          <a:p>
+            <a:endParaRPr lang="en-US" sz="2000" dirty="0">
+              <a:latin typeface="Oxygen" panose="02000503000000000000" pitchFamily="2" charset="0"/>
+              <a:sym typeface="Wingdings" panose="05000000000000000000" pitchFamily="2" charset="2"/>
+            </a:endParaRPr>
+          </a:p>
+          <a:p>
+            <a:r>
+              <a:rPr lang="en-US" sz="2000" dirty="0">
+                <a:latin typeface="Oxygen" panose="02000503000000000000" pitchFamily="2" charset="0"/>
+                <a:sym typeface="Wingdings" panose="05000000000000000000" pitchFamily="2" charset="2"/>
+              </a:rPr>
+              <a:t>Below statement drops an index on a table.</a:t>
+            </a:r>
+          </a:p>
+          <a:p>
+            <a:r>
+              <a:rPr lang="en-US" sz="2000" b="0" dirty="0">
+                <a:effectLst/>
+                <a:latin typeface="Oxygen" panose="02000503000000000000" pitchFamily="2" charset="0"/>
+              </a:rPr>
+              <a:t>ALTER TABLE mst_product</a:t>
+            </a:r>
+            <a:br>
+              <a:rPr lang="en-US" sz="2000" b="0" dirty="0">
+                <a:effectLst/>
+                <a:latin typeface="Oxygen" panose="02000503000000000000" pitchFamily="2" charset="0"/>
+              </a:rPr>
+            </a:br>
+            <a:r>
+              <a:rPr lang="en-US" sz="2000" b="0" dirty="0">
+                <a:effectLst/>
+                <a:latin typeface="Oxygen" panose="02000503000000000000" pitchFamily="2" charset="0"/>
+              </a:rPr>
+              <a:t>DROP INDEX idx_product;</a:t>
+            </a:r>
+            <a:endParaRPr lang="en-US" sz="2000" dirty="0">
+              <a:latin typeface="Oxygen" panose="02000503000000000000" pitchFamily="2" charset="0"/>
+              <a:sym typeface="Wingdings" panose="05000000000000000000" pitchFamily="2" charset="2"/>
+            </a:endParaRPr>
+          </a:p>
+        </p:txBody>
+      </p:sp>
+      <p:sp>
+        <p:nvSpPr>
+          <p:cNvPr id="5" name="TextBox 4">
+            <a:extLst>
+              <a:ext uri="{FF2B5EF4-FFF2-40B4-BE49-F238E27FC236}">
+                <a16:creationId xmlns:a16="http://schemas.microsoft.com/office/drawing/2014/main" id="{08289569-A618-3EB1-93ED-5A81B146B280}"/>
+              </a:ext>
+            </a:extLst>
+          </p:cNvPr>
+          <p:cNvSpPr txBox="1"/>
+          <p:nvPr/>
+        </p:nvSpPr>
+        <p:spPr>
+          <a:xfrm>
+            <a:off x="4245430" y="409871"/>
+            <a:ext cx="3009612" cy="461793"/>
+          </a:xfrm>
+          <a:prstGeom prst="rect">
+            <a:avLst/>
+          </a:prstGeom>
+          <a:noFill/>
+        </p:spPr>
+        <p:txBody>
+          <a:bodyPr wrap="square" rtlCol="0">
+            <a:spAutoFit/>
+          </a:bodyPr>
+          <a:lstStyle/>
+          <a:p>
+            <a:pPr algn="ctr"/>
+            <a:r>
+              <a:rPr lang="en-US" sz="2401" b="1" cap="small" dirty="0">
+                <a:latin typeface="Oxygen" panose="02000503000000000000" pitchFamily="2" charset="0"/>
+              </a:rPr>
+              <a:t>MySQL - INDEXES</a:t>
+            </a:r>
+          </a:p>
+        </p:txBody>
+      </p:sp>
+    </p:spTree>
+    <p:extLst>
+      <p:ext uri="{BB962C8B-B14F-4D97-AF65-F5344CB8AC3E}">
+        <p14:creationId xmlns:p14="http://schemas.microsoft.com/office/powerpoint/2010/main" val="1385800701"/>
       </p:ext>
     </p:extLst>
   </p:cSld>
@@ -3648,7 +3956,7 @@
         </p:nvSpPr>
         <p:spPr>
           <a:xfrm>
-            <a:off x="1930405" y="582870"/>
+            <a:off x="1930406" y="763052"/>
             <a:ext cx="7839581" cy="646331"/>
           </a:xfrm>
           <a:prstGeom prst="rect">
@@ -3700,7 +4008,7 @@
         </p:blipFill>
         <p:spPr>
           <a:xfrm>
-            <a:off x="315246" y="582871"/>
+            <a:off x="315247" y="763053"/>
             <a:ext cx="725875" cy="725875"/>
           </a:xfrm>
           <a:prstGeom prst="rect">
@@ -3722,7 +4030,7 @@
         </p:nvSpPr>
         <p:spPr>
           <a:xfrm>
-            <a:off x="1175658" y="1330143"/>
+            <a:off x="1175659" y="1510324"/>
             <a:ext cx="10319657" cy="6124754"/>
           </a:xfrm>
           <a:prstGeom prst="rect">
@@ -3966,7 +4274,7 @@
         </p:nvSpPr>
         <p:spPr>
           <a:xfrm>
-            <a:off x="1930405" y="582869"/>
+            <a:off x="1930406" y="763050"/>
             <a:ext cx="7839581" cy="457368"/>
           </a:xfrm>
           <a:prstGeom prst="rect">
@@ -4018,7 +4326,7 @@
         </p:blipFill>
         <p:spPr>
           <a:xfrm>
-            <a:off x="315246" y="582871"/>
+            <a:off x="315247" y="763053"/>
             <a:ext cx="725875" cy="725875"/>
           </a:xfrm>
           <a:prstGeom prst="rect">
@@ -4040,7 +4348,7 @@
         </p:nvSpPr>
         <p:spPr>
           <a:xfrm>
-            <a:off x="1474843" y="1330147"/>
+            <a:off x="1474844" y="1510329"/>
             <a:ext cx="8652387" cy="6032421"/>
           </a:xfrm>
           <a:prstGeom prst="rect">
@@ -4420,7 +4728,7 @@
         </p:blipFill>
         <p:spPr>
           <a:xfrm>
-            <a:off x="315246" y="288954"/>
+            <a:off x="315247" y="469136"/>
             <a:ext cx="725875" cy="725875"/>
           </a:xfrm>
           <a:prstGeom prst="rect">
@@ -4442,7 +4750,7 @@
         </p:nvSpPr>
         <p:spPr>
           <a:xfrm>
-            <a:off x="1474843" y="1025348"/>
+            <a:off x="1474844" y="1205530"/>
             <a:ext cx="8652387" cy="6740307"/>
           </a:xfrm>
           <a:prstGeom prst="rect">
@@ -4821,7 +5129,7 @@
         </p:blipFill>
         <p:spPr>
           <a:xfrm>
-            <a:off x="315246" y="288954"/>
+            <a:off x="315247" y="469136"/>
             <a:ext cx="725875" cy="725875"/>
           </a:xfrm>
           <a:prstGeom prst="rect">
@@ -4843,7 +5151,7 @@
         </p:nvSpPr>
         <p:spPr>
           <a:xfrm>
-            <a:off x="1474843" y="1025347"/>
+            <a:off x="1486419" y="1332849"/>
             <a:ext cx="8652387" cy="6247864"/>
           </a:xfrm>
           <a:prstGeom prst="rect">
@@ -5140,7 +5448,7 @@
         </p:nvSpPr>
         <p:spPr>
           <a:xfrm>
-            <a:off x="4245429" y="557460"/>
+            <a:off x="4245430" y="737641"/>
             <a:ext cx="2699657" cy="457368"/>
           </a:xfrm>
           <a:prstGeom prst="rect">
@@ -5228,7 +5536,7 @@
         </p:blipFill>
         <p:spPr>
           <a:xfrm>
-            <a:off x="315246" y="288954"/>
+            <a:off x="315247" y="469136"/>
             <a:ext cx="725875" cy="725875"/>
           </a:xfrm>
           <a:prstGeom prst="rect">
@@ -5250,7 +5558,7 @@
         </p:nvSpPr>
         <p:spPr>
           <a:xfrm>
-            <a:off x="4245429" y="557460"/>
+            <a:off x="4245430" y="737641"/>
             <a:ext cx="2699657" cy="457368"/>
           </a:xfrm>
           <a:prstGeom prst="rect">
@@ -5295,7 +5603,7 @@
           </p:nvPr>
         </p:nvGraphicFramePr>
         <p:xfrm>
-          <a:off x="1531255" y="2908142"/>
+          <a:off x="1531256" y="3088323"/>
           <a:ext cx="8127999" cy="2595880"/>
         </p:xfrm>
         <a:graphic>
@@ -5717,7 +6025,7 @@
         </p:nvSpPr>
         <p:spPr>
           <a:xfrm>
-            <a:off x="1531256" y="1289452"/>
+            <a:off x="1531257" y="1469634"/>
             <a:ext cx="8127999" cy="1323439"/>
           </a:xfrm>
           <a:prstGeom prst="rect">
@@ -5854,7 +6162,7 @@
         </p:blipFill>
         <p:spPr>
           <a:xfrm>
-            <a:off x="280521" y="95437"/>
+            <a:off x="280522" y="275619"/>
             <a:ext cx="725875" cy="725875"/>
           </a:xfrm>
           <a:prstGeom prst="rect">
@@ -5876,7 +6184,7 @@
         </p:nvSpPr>
         <p:spPr>
           <a:xfrm>
-            <a:off x="1474843" y="821312"/>
+            <a:off x="1474844" y="1001494"/>
             <a:ext cx="10129329" cy="6740307"/>
           </a:xfrm>
           <a:prstGeom prst="rect">
@@ -6141,7 +6449,7 @@
         </p:nvSpPr>
         <p:spPr>
           <a:xfrm>
-            <a:off x="4245429" y="229690"/>
+            <a:off x="4245430" y="409871"/>
             <a:ext cx="2699657" cy="457368"/>
           </a:xfrm>
           <a:prstGeom prst="rect">
@@ -6229,7 +6537,7 @@
         </p:blipFill>
         <p:spPr>
           <a:xfrm>
-            <a:off x="280521" y="95437"/>
+            <a:off x="280522" y="275619"/>
             <a:ext cx="725875" cy="725875"/>
           </a:xfrm>
           <a:prstGeom prst="rect">
@@ -6251,7 +6559,7 @@
         </p:nvSpPr>
         <p:spPr>
           <a:xfrm>
-            <a:off x="1474843" y="821312"/>
+            <a:off x="1474844" y="1001494"/>
             <a:ext cx="10129329" cy="4031873"/>
           </a:xfrm>
           <a:prstGeom prst="rect">
@@ -6409,7 +6717,7 @@
         </p:nvSpPr>
         <p:spPr>
           <a:xfrm>
-            <a:off x="4245429" y="229690"/>
+            <a:off x="4245430" y="409871"/>
             <a:ext cx="2699657" cy="457368"/>
           </a:xfrm>
           <a:prstGeom prst="rect">
@@ -6437,6 +6745,432 @@
     <p:extLst>
       <p:ext uri="{BB962C8B-B14F-4D97-AF65-F5344CB8AC3E}">
         <p14:creationId xmlns:p14="http://schemas.microsoft.com/office/powerpoint/2010/main" val="3901201258"/>
+      </p:ext>
+    </p:extLst>
+  </p:cSld>
+  <p:clrMapOvr>
+    <a:masterClrMapping/>
+  </p:clrMapOvr>
+</p:sld>
+</file>
+
+<file path=ppt/slides/slide9.xml><?xml version="1.0" encoding="utf-8"?>
+<p:sld xmlns:a="http://schemas.openxmlformats.org/drawingml/2006/main" xmlns:r="http://schemas.openxmlformats.org/officeDocument/2006/relationships" xmlns:p="http://schemas.openxmlformats.org/presentationml/2006/main">
+  <p:cSld>
+    <p:spTree>
+      <p:nvGrpSpPr>
+        <p:cNvPr id="1" name="">
+          <a:extLst>
+            <a:ext uri="{FF2B5EF4-FFF2-40B4-BE49-F238E27FC236}">
+              <a16:creationId xmlns:a16="http://schemas.microsoft.com/office/drawing/2014/main" id="{6BEDA106-3D21-31E3-4BF7-25E332300305}"/>
+            </a:ext>
+          </a:extLst>
+        </p:cNvPr>
+        <p:cNvGrpSpPr/>
+        <p:nvPr/>
+      </p:nvGrpSpPr>
+      <p:grpSpPr>
+        <a:xfrm>
+          <a:off x="0" y="0"/>
+          <a:ext cx="0" cy="0"/>
+          <a:chOff x="0" y="0"/>
+          <a:chExt cx="0" cy="0"/>
+        </a:xfrm>
+      </p:grpSpPr>
+      <p:pic>
+        <p:nvPicPr>
+          <p:cNvPr id="15" name="Picture 14">
+            <a:extLst>
+              <a:ext uri="{FF2B5EF4-FFF2-40B4-BE49-F238E27FC236}">
+                <a16:creationId xmlns:a16="http://schemas.microsoft.com/office/drawing/2014/main" id="{5AF0C8E7-FC2A-7F5F-5C79-B3C65F4A2D38}"/>
+              </a:ext>
+            </a:extLst>
+          </p:cNvPr>
+          <p:cNvPicPr>
+            <a:picLocks noChangeAspect="1"/>
+          </p:cNvPicPr>
+          <p:nvPr/>
+        </p:nvPicPr>
+        <p:blipFill>
+          <a:blip r:embed="rId2">
+            <a:extLst>
+              <a:ext uri="{28A0092B-C50C-407E-A947-70E740481C1C}">
+                <a14:useLocalDpi xmlns:a14="http://schemas.microsoft.com/office/drawing/2010/main" val="0"/>
+              </a:ext>
+            </a:extLst>
+          </a:blip>
+          <a:stretch>
+            <a:fillRect/>
+          </a:stretch>
+        </p:blipFill>
+        <p:spPr>
+          <a:xfrm>
+            <a:off x="280522" y="275619"/>
+            <a:ext cx="725875" cy="725875"/>
+          </a:xfrm>
+          <a:prstGeom prst="rect">
+            <a:avLst/>
+          </a:prstGeom>
+        </p:spPr>
+      </p:pic>
+      <p:sp>
+        <p:nvSpPr>
+          <p:cNvPr id="2" name="TextBox 1">
+            <a:extLst>
+              <a:ext uri="{FF2B5EF4-FFF2-40B4-BE49-F238E27FC236}">
+                <a16:creationId xmlns:a16="http://schemas.microsoft.com/office/drawing/2014/main" id="{C0F9FB86-CFAA-FB66-A69E-3B41C3979D86}"/>
+              </a:ext>
+            </a:extLst>
+          </p:cNvPr>
+          <p:cNvSpPr txBox="1"/>
+          <p:nvPr/>
+        </p:nvSpPr>
+        <p:spPr>
+          <a:xfrm>
+            <a:off x="1122745" y="1001494"/>
+            <a:ext cx="10504577" cy="7478970"/>
+          </a:xfrm>
+          <a:prstGeom prst="rect">
+            <a:avLst/>
+          </a:prstGeom>
+          <a:noFill/>
+        </p:spPr>
+        <p:txBody>
+          <a:bodyPr wrap="square" rtlCol="0">
+            <a:spAutoFit/>
+          </a:bodyPr>
+          <a:lstStyle/>
+          <a:p>
+            <a:r>
+              <a:rPr lang="en-US" sz="1600" dirty="0">
+                <a:latin typeface="Oxygen" panose="02000503000000000000" pitchFamily="2" charset="0"/>
+                <a:sym typeface="Wingdings" panose="05000000000000000000" pitchFamily="2" charset="2"/>
+              </a:rPr>
+              <a:t>In MySQL, a view is a virtual table which is created by SQL query by joining one or more tables.</a:t>
+            </a:r>
+          </a:p>
+          <a:p>
+            <a:r>
+              <a:rPr lang="en-US" sz="1600" dirty="0">
+                <a:latin typeface="Oxygen" panose="02000503000000000000" pitchFamily="2" charset="0"/>
+                <a:sym typeface="Wingdings" panose="05000000000000000000" pitchFamily="2" charset="2"/>
+              </a:rPr>
+              <a:t>It is operated like a table but does not contain any data of its own.</a:t>
+            </a:r>
+          </a:p>
+          <a:p>
+            <a:r>
+              <a:rPr lang="en-US" sz="1600" dirty="0">
+                <a:solidFill>
+                  <a:srgbClr val="333333"/>
+                </a:solidFill>
+                <a:latin typeface="Oxygen" panose="02000503000000000000" pitchFamily="2" charset="0"/>
+              </a:rPr>
+              <a:t>Views are definitions built on top of other tables (or views). </a:t>
+            </a:r>
+            <a:endParaRPr lang="en-US" sz="1600" dirty="0">
+              <a:latin typeface="Oxygen" panose="02000503000000000000" pitchFamily="2" charset="0"/>
+              <a:sym typeface="Wingdings" panose="05000000000000000000" pitchFamily="2" charset="2"/>
+            </a:endParaRPr>
+          </a:p>
+          <a:p>
+            <a:r>
+              <a:rPr lang="en-US" sz="1600" dirty="0">
+                <a:latin typeface="Oxygen" panose="02000503000000000000" pitchFamily="2" charset="0"/>
+                <a:sym typeface="Wingdings" panose="05000000000000000000" pitchFamily="2" charset="2"/>
+              </a:rPr>
+              <a:t>If the underlying table or tables data changes, the view gets reflected.</a:t>
+            </a:r>
+          </a:p>
+          <a:p>
+            <a:endParaRPr lang="en-US" sz="1600" dirty="0">
+              <a:latin typeface="Oxygen" panose="02000503000000000000" pitchFamily="2" charset="0"/>
+              <a:sym typeface="Wingdings" panose="05000000000000000000" pitchFamily="2" charset="2"/>
+            </a:endParaRPr>
+          </a:p>
+          <a:p>
+            <a:r>
+              <a:rPr lang="en-US" sz="1600" b="1" dirty="0">
+                <a:latin typeface="Oxygen" panose="02000503000000000000" pitchFamily="2" charset="0"/>
+                <a:sym typeface="Wingdings" panose="05000000000000000000" pitchFamily="2" charset="2"/>
+              </a:rPr>
+              <a:t>Create View</a:t>
+            </a:r>
+          </a:p>
+          <a:p>
+            <a:pPr algn="just"/>
+            <a:r>
+              <a:rPr lang="en-US" sz="1600" dirty="0">
+                <a:latin typeface="Oxygen" panose="02000503000000000000" pitchFamily="2" charset="0"/>
+              </a:rPr>
+              <a:t>CREATE VIEW product_details AS    </a:t>
+            </a:r>
+          </a:p>
+          <a:p>
+            <a:pPr algn="just"/>
+            <a:r>
+              <a:rPr lang="en-US" sz="1600" dirty="0">
+                <a:latin typeface="Oxygen" panose="02000503000000000000" pitchFamily="2" charset="0"/>
+              </a:rPr>
+              <a:t>SELECT product_name,product_price,product_weight</a:t>
+            </a:r>
+          </a:p>
+          <a:p>
+            <a:pPr algn="just"/>
+            <a:r>
+              <a:rPr lang="en-US" sz="1600" dirty="0">
+                <a:latin typeface="Oxygen" panose="02000503000000000000" pitchFamily="2" charset="0"/>
+              </a:rPr>
+              <a:t>FROM mst_product;    </a:t>
+            </a:r>
+          </a:p>
+          <a:p>
+            <a:endParaRPr lang="en-US" sz="1600" dirty="0">
+              <a:latin typeface="Oxygen" panose="02000503000000000000" pitchFamily="2" charset="0"/>
+              <a:sym typeface="Wingdings" panose="05000000000000000000" pitchFamily="2" charset="2"/>
+            </a:endParaRPr>
+          </a:p>
+          <a:p>
+            <a:r>
+              <a:rPr lang="en-US" sz="1600" b="1" dirty="0">
+                <a:latin typeface="Oxygen" panose="02000503000000000000" pitchFamily="2" charset="0"/>
+                <a:sym typeface="Wingdings" panose="05000000000000000000" pitchFamily="2" charset="2"/>
+              </a:rPr>
+              <a:t>Update View</a:t>
+            </a:r>
+          </a:p>
+          <a:p>
+            <a:pPr algn="just"/>
+            <a:r>
+              <a:rPr lang="en-US" sz="1600" dirty="0">
+                <a:latin typeface="Oxygen" panose="02000503000000000000" pitchFamily="2" charset="0"/>
+              </a:rPr>
+              <a:t>ALTER</a:t>
+            </a:r>
+            <a:r>
+              <a:rPr lang="en-US" sz="1600" dirty="0">
+                <a:solidFill>
+                  <a:srgbClr val="000000"/>
+                </a:solidFill>
+                <a:latin typeface="inter-regular"/>
+              </a:rPr>
+              <a:t> </a:t>
+            </a:r>
+            <a:r>
+              <a:rPr lang="en-US" sz="1600" dirty="0">
+                <a:latin typeface="Oxygen" panose="02000503000000000000" pitchFamily="2" charset="0"/>
+              </a:rPr>
+              <a:t>VIEW product_details AS    </a:t>
+            </a:r>
+          </a:p>
+          <a:p>
+            <a:pPr algn="just"/>
+            <a:r>
+              <a:rPr lang="en-US" sz="1600" dirty="0">
+                <a:latin typeface="Oxygen" panose="02000503000000000000" pitchFamily="2" charset="0"/>
+              </a:rPr>
+              <a:t>SELECT product_name,product_price,product_weight</a:t>
+            </a:r>
+          </a:p>
+          <a:p>
+            <a:pPr algn="just"/>
+            <a:r>
+              <a:rPr lang="en-US" sz="1600" dirty="0">
+                <a:latin typeface="Oxygen" panose="02000503000000000000" pitchFamily="2" charset="0"/>
+              </a:rPr>
+              <a:t>FROM mst_product</a:t>
+            </a:r>
+          </a:p>
+          <a:p>
+            <a:pPr algn="just"/>
+            <a:r>
+              <a:rPr lang="en-US" sz="1600" dirty="0">
+                <a:solidFill>
+                  <a:srgbClr val="000000"/>
+                </a:solidFill>
+                <a:latin typeface="Oxygen" panose="02000503000000000000" pitchFamily="2" charset="0"/>
+              </a:rPr>
+              <a:t>WHERE product_price &gt; 100</a:t>
+            </a:r>
+            <a:endParaRPr lang="en-US" sz="1600" dirty="0">
+              <a:solidFill>
+                <a:srgbClr val="000000"/>
+              </a:solidFill>
+              <a:latin typeface="inter-regular"/>
+            </a:endParaRPr>
+          </a:p>
+          <a:p>
+            <a:pPr algn="just"/>
+            <a:r>
+              <a:rPr lang="en-US" sz="1600" dirty="0">
+                <a:solidFill>
+                  <a:srgbClr val="000000"/>
+                </a:solidFill>
+                <a:latin typeface="inter-regular"/>
+              </a:rPr>
+              <a:t> </a:t>
+            </a:r>
+          </a:p>
+          <a:p>
+            <a:pPr algn="just"/>
+            <a:r>
+              <a:rPr lang="en-US" sz="1600" b="1" dirty="0">
+                <a:solidFill>
+                  <a:srgbClr val="000000"/>
+                </a:solidFill>
+                <a:latin typeface="Oxygen" panose="02000503000000000000" pitchFamily="2" charset="0"/>
+              </a:rPr>
+              <a:t>Drop View</a:t>
+            </a:r>
+          </a:p>
+          <a:p>
+            <a:pPr algn="just"/>
+            <a:r>
+              <a:rPr lang="en-US" sz="1600" dirty="0">
+                <a:latin typeface="Oxygen" panose="02000503000000000000" pitchFamily="2" charset="0"/>
+              </a:rPr>
+              <a:t>DROP VIEW product_details ;    </a:t>
+            </a:r>
+          </a:p>
+          <a:p>
+            <a:pPr algn="just"/>
+            <a:endParaRPr lang="en-US" sz="1600" dirty="0">
+              <a:solidFill>
+                <a:srgbClr val="000000"/>
+              </a:solidFill>
+              <a:latin typeface="inter-regular"/>
+            </a:endParaRPr>
+          </a:p>
+          <a:p>
+            <a:r>
+              <a:rPr lang="en-US" sz="1600" b="1" dirty="0">
+                <a:latin typeface="Oxygen" panose="02000503000000000000" pitchFamily="2" charset="0"/>
+                <a:sym typeface="Wingdings" panose="05000000000000000000" pitchFamily="2" charset="2"/>
+              </a:rPr>
+              <a:t>Creating view from multiple tables</a:t>
+            </a:r>
+          </a:p>
+          <a:p>
+            <a:r>
+              <a:rPr lang="en-US" sz="1600" dirty="0">
+                <a:latin typeface="Oxygen" panose="02000503000000000000" pitchFamily="2" charset="0"/>
+              </a:rPr>
+              <a:t>CREATE VIEW product_details AS    </a:t>
+            </a:r>
+          </a:p>
+          <a:p>
+            <a:r>
+              <a:rPr lang="en-US" sz="1600" dirty="0">
+                <a:latin typeface="Oxygen" panose="02000503000000000000" pitchFamily="2" charset="0"/>
+                <a:sym typeface="Wingdings" panose="05000000000000000000" pitchFamily="2" charset="2"/>
+              </a:rPr>
+              <a:t>SELECT 	pg.product_group_name,</a:t>
+            </a:r>
+          </a:p>
+          <a:p>
+            <a:r>
+              <a:rPr lang="en-US" sz="1600" dirty="0">
+                <a:latin typeface="Oxygen" panose="02000503000000000000" pitchFamily="2" charset="0"/>
+                <a:sym typeface="Wingdings" panose="05000000000000000000" pitchFamily="2" charset="2"/>
+              </a:rPr>
+              <a:t>		p.product_name,</a:t>
+            </a:r>
+          </a:p>
+          <a:p>
+            <a:r>
+              <a:rPr lang="en-US" sz="1600" dirty="0">
+                <a:latin typeface="Oxygen" panose="02000503000000000000" pitchFamily="2" charset="0"/>
+                <a:sym typeface="Wingdings" panose="05000000000000000000" pitchFamily="2" charset="2"/>
+              </a:rPr>
+              <a:t>		p.product_price,</a:t>
+            </a:r>
+          </a:p>
+          <a:p>
+            <a:r>
+              <a:rPr lang="en-US" sz="1600" dirty="0">
+                <a:latin typeface="Oxygen" panose="02000503000000000000" pitchFamily="2" charset="0"/>
+                <a:sym typeface="Wingdings" panose="05000000000000000000" pitchFamily="2" charset="2"/>
+              </a:rPr>
+              <a:t>        		p.product_weight</a:t>
+            </a:r>
+          </a:p>
+          <a:p>
+            <a:r>
+              <a:rPr lang="en-US" sz="1600" dirty="0">
+                <a:latin typeface="Oxygen" panose="02000503000000000000" pitchFamily="2" charset="0"/>
+                <a:sym typeface="Wingdings" panose="05000000000000000000" pitchFamily="2" charset="2"/>
+              </a:rPr>
+              <a:t>FROM mst_product p</a:t>
+            </a:r>
+          </a:p>
+          <a:p>
+            <a:r>
+              <a:rPr lang="en-US" sz="1600" dirty="0">
+                <a:latin typeface="Oxygen" panose="02000503000000000000" pitchFamily="2" charset="0"/>
+                <a:sym typeface="Wingdings" panose="05000000000000000000" pitchFamily="2" charset="2"/>
+              </a:rPr>
+              <a:t>INNER JOIN mst_product_group pg</a:t>
+            </a:r>
+          </a:p>
+          <a:p>
+            <a:r>
+              <a:rPr lang="en-US" sz="1600" dirty="0">
+                <a:latin typeface="Oxygen" panose="02000503000000000000" pitchFamily="2" charset="0"/>
+                <a:sym typeface="Wingdings" panose="05000000000000000000" pitchFamily="2" charset="2"/>
+              </a:rPr>
+              <a:t>ON p.product_group_id=pg.product_group_id;</a:t>
+            </a:r>
+          </a:p>
+          <a:p>
+            <a:endParaRPr lang="en-US" sz="1600" b="1" dirty="0">
+              <a:latin typeface="Oxygen" panose="02000503000000000000" pitchFamily="2" charset="0"/>
+              <a:sym typeface="Wingdings" panose="05000000000000000000" pitchFamily="2" charset="2"/>
+            </a:endParaRPr>
+          </a:p>
+        </p:txBody>
+      </p:sp>
+      <p:sp>
+        <p:nvSpPr>
+          <p:cNvPr id="5" name="TextBox 4">
+            <a:extLst>
+              <a:ext uri="{FF2B5EF4-FFF2-40B4-BE49-F238E27FC236}">
+                <a16:creationId xmlns:a16="http://schemas.microsoft.com/office/drawing/2014/main" id="{3ED218C8-093D-55F1-0F58-CDD4A03D4D22}"/>
+              </a:ext>
+            </a:extLst>
+          </p:cNvPr>
+          <p:cNvSpPr txBox="1"/>
+          <p:nvPr/>
+        </p:nvSpPr>
+        <p:spPr>
+          <a:xfrm>
+            <a:off x="4245430" y="409871"/>
+            <a:ext cx="2699657" cy="457368"/>
+          </a:xfrm>
+          <a:prstGeom prst="rect">
+            <a:avLst/>
+          </a:prstGeom>
+          <a:noFill/>
+        </p:spPr>
+        <p:txBody>
+          <a:bodyPr wrap="square" rtlCol="0">
+            <a:spAutoFit/>
+          </a:bodyPr>
+          <a:lstStyle/>
+          <a:p>
+            <a:pPr algn="ctr"/>
+            <a:r>
+              <a:rPr lang="en-US" sz="2401" b="1" cap="small" dirty="0">
+                <a:latin typeface="Oxygen" panose="02000503000000000000" pitchFamily="2" charset="0"/>
+              </a:rPr>
+              <a:t>MySQL - Views</a:t>
+            </a:r>
+          </a:p>
+        </p:txBody>
+      </p:sp>
+    </p:spTree>
+    <p:extLst>
+      <p:ext uri="{BB962C8B-B14F-4D97-AF65-F5344CB8AC3E}">
+        <p14:creationId xmlns:p14="http://schemas.microsoft.com/office/powerpoint/2010/main" val="2132937242"/>
       </p:ext>
     </p:extLst>
   </p:cSld>

--- a/Offline/BusinessManagement/Teach_Tech@anodiam/IT/CourseMaterials/MySQL/MySQL.pptx
+++ b/Offline/BusinessManagement/Teach_Tech@anodiam/IT/CourseMaterials/MySQL/MySQL.pptx
@@ -5,7 +5,7 @@
     <p:sldMasterId id="2147483696" r:id="rId1"/>
   </p:sldMasterIdLst>
   <p:notesMasterIdLst>
-    <p:notesMasterId r:id="rId12"/>
+    <p:notesMasterId r:id="rId14"/>
   </p:notesMasterIdLst>
   <p:sldIdLst>
     <p:sldId id="259" r:id="rId2"/>
@@ -16,8 +16,10 @@
     <p:sldId id="265" r:id="rId7"/>
     <p:sldId id="266" r:id="rId8"/>
     <p:sldId id="267" r:id="rId9"/>
-    <p:sldId id="268" r:id="rId10"/>
-    <p:sldId id="269" r:id="rId11"/>
+    <p:sldId id="269" r:id="rId10"/>
+    <p:sldId id="268" r:id="rId11"/>
+    <p:sldId id="270" r:id="rId12"/>
+    <p:sldId id="271" r:id="rId13"/>
   </p:sldIdLst>
   <p:sldSz cx="12192000" cy="8010525"/>
   <p:notesSz cx="6858000" cy="9144000"/>
@@ -3619,7 +3621,7 @@
         <p:cNvPr id="1" name="">
           <a:extLst>
             <a:ext uri="{FF2B5EF4-FFF2-40B4-BE49-F238E27FC236}">
-              <a16:creationId xmlns:a16="http://schemas.microsoft.com/office/drawing/2014/main" id="{3EA6FA98-1D7C-FA09-C210-8DAF497AFE52}"/>
+              <a16:creationId xmlns:a16="http://schemas.microsoft.com/office/drawing/2014/main" id="{6BEDA106-3D21-31E3-4BF7-25E332300305}"/>
             </a:ext>
           </a:extLst>
         </p:cNvPr>
@@ -3639,7 +3641,7 @@
           <p:cNvPr id="15" name="Picture 14">
             <a:extLst>
               <a:ext uri="{FF2B5EF4-FFF2-40B4-BE49-F238E27FC236}">
-                <a16:creationId xmlns:a16="http://schemas.microsoft.com/office/drawing/2014/main" id="{5C4F78F3-A0E6-2A69-BEA0-90FE79B8AD0B}"/>
+                <a16:creationId xmlns:a16="http://schemas.microsoft.com/office/drawing/2014/main" id="{5AF0C8E7-FC2A-7F5F-5C79-B3C65F4A2D38}"/>
               </a:ext>
             </a:extLst>
           </p:cNvPr>
@@ -3662,7 +3664,7 @@
         </p:blipFill>
         <p:spPr>
           <a:xfrm>
-            <a:off x="330371" y="275619"/>
+            <a:off x="280522" y="275619"/>
             <a:ext cx="725875" cy="725875"/>
           </a:xfrm>
           <a:prstGeom prst="rect">
@@ -3675,7 +3677,7 @@
           <p:cNvPr id="2" name="TextBox 1">
             <a:extLst>
               <a:ext uri="{FF2B5EF4-FFF2-40B4-BE49-F238E27FC236}">
-                <a16:creationId xmlns:a16="http://schemas.microsoft.com/office/drawing/2014/main" id="{2EE67381-FDCA-C718-C129-F09B79DE7712}"/>
+                <a16:creationId xmlns:a16="http://schemas.microsoft.com/office/drawing/2014/main" id="{C0F9FB86-CFAA-FB66-A69E-3B41C3979D86}"/>
               </a:ext>
             </a:extLst>
           </p:cNvPr>
@@ -3684,8 +3686,8 @@
         </p:nvSpPr>
         <p:spPr>
           <a:xfrm>
-            <a:off x="1122745" y="1647670"/>
-            <a:ext cx="10504577" cy="5324535"/>
+            <a:off x="1122745" y="1001494"/>
+            <a:ext cx="10504577" cy="7478970"/>
           </a:xfrm>
           <a:prstGeom prst="rect">
             <a:avLst/>
@@ -3699,173 +3701,291 @@
           <a:lstStyle/>
           <a:p>
             <a:r>
-              <a:rPr lang="en-US" sz="2000" dirty="0">
-                <a:latin typeface="Oxygen" panose="02000503000000000000" pitchFamily="2" charset="0"/>
-                <a:sym typeface="Wingdings" panose="05000000000000000000" pitchFamily="2" charset="2"/>
-              </a:rPr>
-              <a:t>Indexes are used to retrieve data from databases.</a:t>
-            </a:r>
-          </a:p>
-          <a:p>
-            <a:r>
-              <a:rPr lang="en-US" sz="2000" dirty="0">
-                <a:latin typeface="Oxygen" panose="02000503000000000000" pitchFamily="2" charset="0"/>
-                <a:sym typeface="Wingdings" panose="05000000000000000000" pitchFamily="2" charset="2"/>
-              </a:rPr>
-              <a:t>Users cannot see the indexes, they are used to speed up the searches/queries.</a:t>
-            </a:r>
-          </a:p>
-          <a:p>
-            <a:endParaRPr lang="en-US" sz="2000" dirty="0">
+              <a:rPr lang="en-US" sz="1600" dirty="0">
+                <a:latin typeface="Oxygen" panose="02000503000000000000" pitchFamily="2" charset="0"/>
+                <a:sym typeface="Wingdings" panose="05000000000000000000" pitchFamily="2" charset="2"/>
+              </a:rPr>
+              <a:t>In MySQL, a view is a virtual table which is created by SQL query by joining one or more tables.</a:t>
+            </a:r>
+          </a:p>
+          <a:p>
+            <a:r>
+              <a:rPr lang="en-US" sz="1600" dirty="0">
+                <a:latin typeface="Oxygen" panose="02000503000000000000" pitchFamily="2" charset="0"/>
+                <a:sym typeface="Wingdings" panose="05000000000000000000" pitchFamily="2" charset="2"/>
+              </a:rPr>
+              <a:t>It is operated like a table but does not contain any data of its own.</a:t>
+            </a:r>
+          </a:p>
+          <a:p>
+            <a:r>
+              <a:rPr lang="en-US" sz="1600" dirty="0">
+                <a:solidFill>
+                  <a:srgbClr val="333333"/>
+                </a:solidFill>
+                <a:latin typeface="Oxygen" panose="02000503000000000000" pitchFamily="2" charset="0"/>
+              </a:rPr>
+              <a:t>Views are definitions built on top of other tables (or views). </a:t>
+            </a:r>
+            <a:endParaRPr lang="en-US" sz="1600" dirty="0">
               <a:latin typeface="Oxygen" panose="02000503000000000000" pitchFamily="2" charset="0"/>
               <a:sym typeface="Wingdings" panose="05000000000000000000" pitchFamily="2" charset="2"/>
             </a:endParaRPr>
           </a:p>
           <a:p>
-            <a:endParaRPr lang="en-US" sz="2000" dirty="0">
+            <a:r>
+              <a:rPr lang="en-US" sz="1600" dirty="0">
+                <a:latin typeface="Oxygen" panose="02000503000000000000" pitchFamily="2" charset="0"/>
+                <a:sym typeface="Wingdings" panose="05000000000000000000" pitchFamily="2" charset="2"/>
+              </a:rPr>
+              <a:t>If the underlying table or tables data changes, the view gets reflected.</a:t>
+            </a:r>
+          </a:p>
+          <a:p>
+            <a:endParaRPr lang="en-US" sz="1600" dirty="0">
               <a:latin typeface="Oxygen" panose="02000503000000000000" pitchFamily="2" charset="0"/>
               <a:sym typeface="Wingdings" panose="05000000000000000000" pitchFamily="2" charset="2"/>
             </a:endParaRPr>
           </a:p>
           <a:p>
             <a:r>
-              <a:rPr lang="en-US" sz="2000" dirty="0">
-                <a:latin typeface="Oxygen" panose="02000503000000000000" pitchFamily="2" charset="0"/>
-                <a:sym typeface="Wingdings" panose="05000000000000000000" pitchFamily="2" charset="2"/>
-              </a:rPr>
-              <a:t>Below statement creates an index </a:t>
-            </a:r>
-            <a:r>
-              <a:rPr lang="en-US" sz="2000" b="0" i="0" dirty="0">
+              <a:rPr lang="en-US" sz="1600" b="1" dirty="0">
+                <a:latin typeface="Oxygen" panose="02000503000000000000" pitchFamily="2" charset="0"/>
+                <a:sym typeface="Wingdings" panose="05000000000000000000" pitchFamily="2" charset="2"/>
+              </a:rPr>
+              <a:t>Create View</a:t>
+            </a:r>
+          </a:p>
+          <a:p>
+            <a:pPr algn="just"/>
+            <a:r>
+              <a:rPr lang="en-US" sz="1600" dirty="0">
+                <a:latin typeface="Oxygen" panose="02000503000000000000" pitchFamily="2" charset="0"/>
+              </a:rPr>
+              <a:t>CREATE VIEW product_details AS    </a:t>
+            </a:r>
+          </a:p>
+          <a:p>
+            <a:pPr algn="just"/>
+            <a:r>
+              <a:rPr lang="en-US" sz="1600" dirty="0">
+                <a:latin typeface="Oxygen" panose="02000503000000000000" pitchFamily="2" charset="0"/>
+              </a:rPr>
+              <a:t>SELECT product_name,product_price,product_weight</a:t>
+            </a:r>
+          </a:p>
+          <a:p>
+            <a:pPr algn="just"/>
+            <a:r>
+              <a:rPr lang="en-US" sz="1600" dirty="0">
+                <a:latin typeface="Oxygen" panose="02000503000000000000" pitchFamily="2" charset="0"/>
+              </a:rPr>
+              <a:t>FROM mst_product;    </a:t>
+            </a:r>
+          </a:p>
+          <a:p>
+            <a:endParaRPr lang="en-US" sz="1600" dirty="0">
+              <a:latin typeface="Oxygen" panose="02000503000000000000" pitchFamily="2" charset="0"/>
+              <a:sym typeface="Wingdings" panose="05000000000000000000" pitchFamily="2" charset="2"/>
+            </a:endParaRPr>
+          </a:p>
+          <a:p>
+            <a:r>
+              <a:rPr lang="en-US" sz="1600" b="1" dirty="0">
+                <a:latin typeface="Oxygen" panose="02000503000000000000" pitchFamily="2" charset="0"/>
+                <a:sym typeface="Wingdings" panose="05000000000000000000" pitchFamily="2" charset="2"/>
+              </a:rPr>
+              <a:t>Update View</a:t>
+            </a:r>
+          </a:p>
+          <a:p>
+            <a:pPr algn="just"/>
+            <a:r>
+              <a:rPr lang="en-US" sz="1600" dirty="0">
+                <a:latin typeface="Oxygen" panose="02000503000000000000" pitchFamily="2" charset="0"/>
+              </a:rPr>
+              <a:t>ALTER</a:t>
+            </a:r>
+            <a:r>
+              <a:rPr lang="en-US" sz="1600" dirty="0">
                 <a:solidFill>
                   <a:srgbClr val="000000"/>
                 </a:solidFill>
-                <a:effectLst/>
-                <a:latin typeface="Oxygen" panose="02000503000000000000" pitchFamily="2" charset="0"/>
-              </a:rPr>
-              <a:t>on a table. Duplicate values are allowed.</a:t>
-            </a:r>
-          </a:p>
-          <a:p>
-            <a:r>
-              <a:rPr lang="en-US" sz="2000" b="0" i="0" dirty="0">
-                <a:effectLst/>
-                <a:latin typeface="Oxygen" panose="02000503000000000000" pitchFamily="2" charset="0"/>
-              </a:rPr>
-              <a:t>CREATE INDEX idx_product</a:t>
-            </a:r>
-            <a:br>
-              <a:rPr lang="en-US" sz="2000" dirty="0">
-                <a:latin typeface="Oxygen" panose="02000503000000000000" pitchFamily="2" charset="0"/>
-              </a:rPr>
-            </a:br>
-            <a:r>
-              <a:rPr lang="en-US" sz="2000" b="0" i="0" dirty="0">
-                <a:effectLst/>
-                <a:latin typeface="Oxygen" panose="02000503000000000000" pitchFamily="2" charset="0"/>
-              </a:rPr>
-              <a:t>ON mst_product (product_name);</a:t>
-            </a:r>
-          </a:p>
-          <a:p>
-            <a:endParaRPr lang="en-US" sz="2000" b="0" i="0" dirty="0">
-              <a:effectLst/>
-              <a:latin typeface="Oxygen" panose="02000503000000000000" pitchFamily="2" charset="0"/>
+                <a:latin typeface="inter-regular"/>
+              </a:rPr>
+              <a:t> </a:t>
+            </a:r>
+            <a:r>
+              <a:rPr lang="en-US" sz="1600" dirty="0">
+                <a:latin typeface="Oxygen" panose="02000503000000000000" pitchFamily="2" charset="0"/>
+              </a:rPr>
+              <a:t>VIEW product_details AS    </a:t>
+            </a:r>
+          </a:p>
+          <a:p>
+            <a:pPr algn="just"/>
+            <a:r>
+              <a:rPr lang="en-US" sz="1600" dirty="0">
+                <a:latin typeface="Oxygen" panose="02000503000000000000" pitchFamily="2" charset="0"/>
+              </a:rPr>
+              <a:t>SELECT product_name,product_price,product_weight</a:t>
+            </a:r>
+          </a:p>
+          <a:p>
+            <a:pPr algn="just"/>
+            <a:r>
+              <a:rPr lang="en-US" sz="1600" dirty="0">
+                <a:latin typeface="Oxygen" panose="02000503000000000000" pitchFamily="2" charset="0"/>
+              </a:rPr>
+              <a:t>FROM mst_product</a:t>
+            </a:r>
+          </a:p>
+          <a:p>
+            <a:pPr algn="just"/>
+            <a:r>
+              <a:rPr lang="en-US" sz="1600" dirty="0">
+                <a:solidFill>
+                  <a:srgbClr val="000000"/>
+                </a:solidFill>
+                <a:latin typeface="Oxygen" panose="02000503000000000000" pitchFamily="2" charset="0"/>
+              </a:rPr>
+              <a:t>WHERE product_price &gt; 100</a:t>
+            </a:r>
+            <a:endParaRPr lang="en-US" sz="1600" dirty="0">
+              <a:solidFill>
+                <a:srgbClr val="000000"/>
+              </a:solidFill>
+              <a:latin typeface="inter-regular"/>
             </a:endParaRPr>
           </a:p>
           <a:p>
-            <a:endParaRPr lang="en-US" sz="2000" dirty="0">
+            <a:pPr algn="just"/>
+            <a:r>
+              <a:rPr lang="en-US" sz="1600" dirty="0">
+                <a:solidFill>
+                  <a:srgbClr val="000000"/>
+                </a:solidFill>
+                <a:latin typeface="inter-regular"/>
+              </a:rPr>
+              <a:t> </a:t>
+            </a:r>
+          </a:p>
+          <a:p>
+            <a:pPr algn="just"/>
+            <a:r>
+              <a:rPr lang="en-US" sz="1600" b="1" dirty="0">
+                <a:solidFill>
+                  <a:srgbClr val="000000"/>
+                </a:solidFill>
+                <a:latin typeface="Oxygen" panose="02000503000000000000" pitchFamily="2" charset="0"/>
+              </a:rPr>
+              <a:t>Drop View</a:t>
+            </a:r>
+          </a:p>
+          <a:p>
+            <a:pPr algn="just"/>
+            <a:r>
+              <a:rPr lang="en-US" sz="1600" dirty="0">
+                <a:latin typeface="Oxygen" panose="02000503000000000000" pitchFamily="2" charset="0"/>
+              </a:rPr>
+              <a:t>DROP VIEW product_details ;    </a:t>
+            </a:r>
+          </a:p>
+          <a:p>
+            <a:pPr algn="just"/>
+            <a:endParaRPr lang="en-US" sz="1600" dirty="0">
+              <a:solidFill>
+                <a:srgbClr val="000000"/>
+              </a:solidFill>
+              <a:latin typeface="inter-regular"/>
+            </a:endParaRPr>
+          </a:p>
+          <a:p>
+            <a:r>
+              <a:rPr lang="en-US" sz="1600" b="1" dirty="0">
+                <a:latin typeface="Oxygen" panose="02000503000000000000" pitchFamily="2" charset="0"/>
+                <a:sym typeface="Wingdings" panose="05000000000000000000" pitchFamily="2" charset="2"/>
+              </a:rPr>
+              <a:t>Creating view from multiple tables</a:t>
+            </a:r>
+          </a:p>
+          <a:p>
+            <a:r>
+              <a:rPr lang="en-US" sz="1600" dirty="0">
+                <a:latin typeface="Oxygen" panose="02000503000000000000" pitchFamily="2" charset="0"/>
+              </a:rPr>
+              <a:t>CREATE VIEW product_details AS    </a:t>
+            </a:r>
+          </a:p>
+          <a:p>
+            <a:r>
+              <a:rPr lang="en-US" sz="1600" dirty="0">
+                <a:latin typeface="Oxygen" panose="02000503000000000000" pitchFamily="2" charset="0"/>
+                <a:sym typeface="Wingdings" panose="05000000000000000000" pitchFamily="2" charset="2"/>
+              </a:rPr>
+              <a:t>SELECT 	pg.product_group_name,</a:t>
+            </a:r>
+          </a:p>
+          <a:p>
+            <a:r>
+              <a:rPr lang="en-US" sz="1600" dirty="0">
+                <a:latin typeface="Oxygen" panose="02000503000000000000" pitchFamily="2" charset="0"/>
+                <a:sym typeface="Wingdings" panose="05000000000000000000" pitchFamily="2" charset="2"/>
+              </a:rPr>
+              <a:t>		p.product_name,</a:t>
+            </a:r>
+          </a:p>
+          <a:p>
+            <a:r>
+              <a:rPr lang="en-US" sz="1600" dirty="0">
+                <a:latin typeface="Oxygen" panose="02000503000000000000" pitchFamily="2" charset="0"/>
+                <a:sym typeface="Wingdings" panose="05000000000000000000" pitchFamily="2" charset="2"/>
+              </a:rPr>
+              <a:t>		p.product_price,</a:t>
+            </a:r>
+          </a:p>
+          <a:p>
+            <a:r>
+              <a:rPr lang="en-US" sz="1600" dirty="0">
+                <a:latin typeface="Oxygen" panose="02000503000000000000" pitchFamily="2" charset="0"/>
+                <a:sym typeface="Wingdings" panose="05000000000000000000" pitchFamily="2" charset="2"/>
+              </a:rPr>
+              <a:t>        		p.product_weight</a:t>
+            </a:r>
+          </a:p>
+          <a:p>
+            <a:r>
+              <a:rPr lang="en-US" sz="1600" dirty="0">
+                <a:latin typeface="Oxygen" panose="02000503000000000000" pitchFamily="2" charset="0"/>
+                <a:sym typeface="Wingdings" panose="05000000000000000000" pitchFamily="2" charset="2"/>
+              </a:rPr>
+              <a:t>FROM mst_product p</a:t>
+            </a:r>
+          </a:p>
+          <a:p>
+            <a:r>
+              <a:rPr lang="en-US" sz="1600" dirty="0">
+                <a:latin typeface="Oxygen" panose="02000503000000000000" pitchFamily="2" charset="0"/>
+                <a:sym typeface="Wingdings" panose="05000000000000000000" pitchFamily="2" charset="2"/>
+              </a:rPr>
+              <a:t>INNER JOIN mst_product_group pg</a:t>
+            </a:r>
+          </a:p>
+          <a:p>
+            <a:r>
+              <a:rPr lang="en-US" sz="1600" dirty="0">
+                <a:latin typeface="Oxygen" panose="02000503000000000000" pitchFamily="2" charset="0"/>
+                <a:sym typeface="Wingdings" panose="05000000000000000000" pitchFamily="2" charset="2"/>
+              </a:rPr>
+              <a:t>ON p.product_group_id=pg.product_group_id;</a:t>
+            </a:r>
+          </a:p>
+          <a:p>
+            <a:endParaRPr lang="en-US" sz="1600" b="1" dirty="0">
               <a:latin typeface="Oxygen" panose="02000503000000000000" pitchFamily="2" charset="0"/>
               <a:sym typeface="Wingdings" panose="05000000000000000000" pitchFamily="2" charset="2"/>
             </a:endParaRPr>
           </a:p>
-          <a:p>
-            <a:r>
-              <a:rPr lang="en-US" sz="2000" dirty="0">
-                <a:latin typeface="Oxygen" panose="02000503000000000000" pitchFamily="2" charset="0"/>
-                <a:sym typeface="Wingdings" panose="05000000000000000000" pitchFamily="2" charset="2"/>
-              </a:rPr>
-              <a:t>Below statement creates an index </a:t>
-            </a:r>
-            <a:r>
-              <a:rPr lang="en-US" sz="2000" b="0" i="0" dirty="0">
-                <a:solidFill>
-                  <a:srgbClr val="000000"/>
-                </a:solidFill>
-                <a:effectLst/>
-                <a:latin typeface="Oxygen" panose="02000503000000000000" pitchFamily="2" charset="0"/>
-              </a:rPr>
-              <a:t>on a table. Duplicate values are not allowed.</a:t>
-            </a:r>
-          </a:p>
-          <a:p>
-            <a:r>
-              <a:rPr lang="en-US" sz="2000" b="0" i="0" dirty="0">
-                <a:effectLst/>
-                <a:latin typeface="Oxygen" panose="02000503000000000000" pitchFamily="2" charset="0"/>
-              </a:rPr>
-              <a:t>CREATE UNIQUE INDEX idx_product</a:t>
-            </a:r>
-            <a:br>
-              <a:rPr lang="en-US" sz="2000" dirty="0">
-                <a:latin typeface="Oxygen" panose="02000503000000000000" pitchFamily="2" charset="0"/>
-              </a:rPr>
-            </a:br>
-            <a:r>
-              <a:rPr lang="en-US" sz="2000" b="0" i="0" dirty="0">
-                <a:effectLst/>
-                <a:latin typeface="Oxygen" panose="02000503000000000000" pitchFamily="2" charset="0"/>
-              </a:rPr>
-              <a:t>ON mst_product (product_name);</a:t>
-            </a:r>
-          </a:p>
-          <a:p>
-            <a:endParaRPr lang="en-US" sz="2000" dirty="0">
-              <a:latin typeface="Oxygen" panose="02000503000000000000" pitchFamily="2" charset="0"/>
-              <a:sym typeface="Wingdings" panose="05000000000000000000" pitchFamily="2" charset="2"/>
-            </a:endParaRPr>
-          </a:p>
-          <a:p>
-            <a:endParaRPr lang="en-US" sz="2000" dirty="0">
-              <a:latin typeface="Oxygen" panose="02000503000000000000" pitchFamily="2" charset="0"/>
-              <a:sym typeface="Wingdings" panose="05000000000000000000" pitchFamily="2" charset="2"/>
-            </a:endParaRPr>
-          </a:p>
-          <a:p>
-            <a:r>
-              <a:rPr lang="en-US" sz="2000" dirty="0">
-                <a:latin typeface="Oxygen" panose="02000503000000000000" pitchFamily="2" charset="0"/>
-                <a:sym typeface="Wingdings" panose="05000000000000000000" pitchFamily="2" charset="2"/>
-              </a:rPr>
-              <a:t>Below statement drops an index on a table.</a:t>
-            </a:r>
-          </a:p>
-          <a:p>
-            <a:r>
-              <a:rPr lang="en-US" sz="2000" b="0" dirty="0">
-                <a:effectLst/>
-                <a:latin typeface="Oxygen" panose="02000503000000000000" pitchFamily="2" charset="0"/>
-              </a:rPr>
-              <a:t>ALTER TABLE mst_product</a:t>
-            </a:r>
-            <a:br>
-              <a:rPr lang="en-US" sz="2000" b="0" dirty="0">
-                <a:effectLst/>
-                <a:latin typeface="Oxygen" panose="02000503000000000000" pitchFamily="2" charset="0"/>
-              </a:rPr>
-            </a:br>
-            <a:r>
-              <a:rPr lang="en-US" sz="2000" b="0" dirty="0">
-                <a:effectLst/>
-                <a:latin typeface="Oxygen" panose="02000503000000000000" pitchFamily="2" charset="0"/>
-              </a:rPr>
-              <a:t>DROP INDEX idx_product;</a:t>
-            </a:r>
-            <a:endParaRPr lang="en-US" sz="2000" dirty="0">
-              <a:latin typeface="Oxygen" panose="02000503000000000000" pitchFamily="2" charset="0"/>
-              <a:sym typeface="Wingdings" panose="05000000000000000000" pitchFamily="2" charset="2"/>
-            </a:endParaRPr>
-          </a:p>
         </p:txBody>
       </p:sp>
       <p:sp>
@@ -3873,7 +3993,7 @@
           <p:cNvPr id="5" name="TextBox 4">
             <a:extLst>
               <a:ext uri="{FF2B5EF4-FFF2-40B4-BE49-F238E27FC236}">
-                <a16:creationId xmlns:a16="http://schemas.microsoft.com/office/drawing/2014/main" id="{08289569-A618-3EB1-93ED-5A81B146B280}"/>
+                <a16:creationId xmlns:a16="http://schemas.microsoft.com/office/drawing/2014/main" id="{3ED218C8-093D-55F1-0F58-CDD4A03D4D22}"/>
               </a:ext>
             </a:extLst>
           </p:cNvPr>
@@ -3883,7 +4003,7 @@
         <p:spPr>
           <a:xfrm>
             <a:off x="4245430" y="409871"/>
-            <a:ext cx="3009612" cy="461793"/>
+            <a:ext cx="2699657" cy="457368"/>
           </a:xfrm>
           <a:prstGeom prst="rect">
             <a:avLst/>
@@ -3901,7 +4021,7 @@
               <a:rPr lang="en-US" sz="2401" b="1" cap="small" dirty="0">
                 <a:latin typeface="Oxygen" panose="02000503000000000000" pitchFamily="2" charset="0"/>
               </a:rPr>
-              <a:t>MySQL - INDEXES</a:t>
+              <a:t>MySQL - Views</a:t>
             </a:r>
           </a:p>
         </p:txBody>
@@ -3909,7 +4029,661 @@
     </p:spTree>
     <p:extLst>
       <p:ext uri="{BB962C8B-B14F-4D97-AF65-F5344CB8AC3E}">
-        <p14:creationId xmlns:p14="http://schemas.microsoft.com/office/powerpoint/2010/main" val="1385800701"/>
+        <p14:creationId xmlns:p14="http://schemas.microsoft.com/office/powerpoint/2010/main" val="2132937242"/>
+      </p:ext>
+    </p:extLst>
+  </p:cSld>
+  <p:clrMapOvr>
+    <a:masterClrMapping/>
+  </p:clrMapOvr>
+</p:sld>
+</file>
+
+<file path=ppt/slides/slide11.xml><?xml version="1.0" encoding="utf-8"?>
+<p:sld xmlns:a="http://schemas.openxmlformats.org/drawingml/2006/main" xmlns:r="http://schemas.openxmlformats.org/officeDocument/2006/relationships" xmlns:p="http://schemas.openxmlformats.org/presentationml/2006/main">
+  <p:cSld>
+    <p:spTree>
+      <p:nvGrpSpPr>
+        <p:cNvPr id="1" name="">
+          <a:extLst>
+            <a:ext uri="{FF2B5EF4-FFF2-40B4-BE49-F238E27FC236}">
+              <a16:creationId xmlns:a16="http://schemas.microsoft.com/office/drawing/2014/main" id="{CFB7602E-8804-DCB8-4032-698305B27ADA}"/>
+            </a:ext>
+          </a:extLst>
+        </p:cNvPr>
+        <p:cNvGrpSpPr/>
+        <p:nvPr/>
+      </p:nvGrpSpPr>
+      <p:grpSpPr>
+        <a:xfrm>
+          <a:off x="0" y="0"/>
+          <a:ext cx="0" cy="0"/>
+          <a:chOff x="0" y="0"/>
+          <a:chExt cx="0" cy="0"/>
+        </a:xfrm>
+      </p:grpSpPr>
+      <p:pic>
+        <p:nvPicPr>
+          <p:cNvPr id="15" name="Picture 14">
+            <a:extLst>
+              <a:ext uri="{FF2B5EF4-FFF2-40B4-BE49-F238E27FC236}">
+                <a16:creationId xmlns:a16="http://schemas.microsoft.com/office/drawing/2014/main" id="{E4A70D3D-3BAD-4959-BC46-14B2C618D602}"/>
+              </a:ext>
+            </a:extLst>
+          </p:cNvPr>
+          <p:cNvPicPr>
+            <a:picLocks noChangeAspect="1"/>
+          </p:cNvPicPr>
+          <p:nvPr/>
+        </p:nvPicPr>
+        <p:blipFill>
+          <a:blip r:embed="rId2">
+            <a:extLst>
+              <a:ext uri="{28A0092B-C50C-407E-A947-70E740481C1C}">
+                <a14:useLocalDpi xmlns:a14="http://schemas.microsoft.com/office/drawing/2010/main" val="0"/>
+              </a:ext>
+            </a:extLst>
+          </a:blip>
+          <a:stretch>
+            <a:fillRect/>
+          </a:stretch>
+        </p:blipFill>
+        <p:spPr>
+          <a:xfrm>
+            <a:off x="280522" y="275619"/>
+            <a:ext cx="725875" cy="725875"/>
+          </a:xfrm>
+          <a:prstGeom prst="rect">
+            <a:avLst/>
+          </a:prstGeom>
+        </p:spPr>
+      </p:pic>
+      <p:sp>
+        <p:nvSpPr>
+          <p:cNvPr id="2" name="TextBox 1">
+            <a:extLst>
+              <a:ext uri="{FF2B5EF4-FFF2-40B4-BE49-F238E27FC236}">
+                <a16:creationId xmlns:a16="http://schemas.microsoft.com/office/drawing/2014/main" id="{9A108297-59FA-B916-0494-16A1ACE7C609}"/>
+              </a:ext>
+            </a:extLst>
+          </p:cNvPr>
+          <p:cNvSpPr txBox="1"/>
+          <p:nvPr/>
+        </p:nvSpPr>
+        <p:spPr>
+          <a:xfrm>
+            <a:off x="1122745" y="1001494"/>
+            <a:ext cx="10504577" cy="6986528"/>
+          </a:xfrm>
+          <a:prstGeom prst="rect">
+            <a:avLst/>
+          </a:prstGeom>
+          <a:noFill/>
+        </p:spPr>
+        <p:txBody>
+          <a:bodyPr wrap="square" rtlCol="0">
+            <a:spAutoFit/>
+          </a:bodyPr>
+          <a:lstStyle/>
+          <a:p>
+            <a:r>
+              <a:rPr lang="en-US" sz="1600" dirty="0">
+                <a:latin typeface="Oxygen" panose="02000503000000000000" pitchFamily="2" charset="0"/>
+                <a:sym typeface="Wingdings" panose="05000000000000000000" pitchFamily="2" charset="2"/>
+              </a:rPr>
+              <a:t>DML means Data Manipulation Language.</a:t>
+            </a:r>
+          </a:p>
+          <a:p>
+            <a:r>
+              <a:rPr lang="en-US" sz="1600" dirty="0">
+                <a:latin typeface="Oxygen" panose="02000503000000000000" pitchFamily="2" charset="0"/>
+                <a:sym typeface="Wingdings" panose="05000000000000000000" pitchFamily="2" charset="2"/>
+              </a:rPr>
+              <a:t>In any database CRUD operation happens.</a:t>
+            </a:r>
+          </a:p>
+          <a:p>
+            <a:endParaRPr lang="en-US" sz="1600" dirty="0">
+              <a:latin typeface="Oxygen" panose="02000503000000000000" pitchFamily="2" charset="0"/>
+              <a:sym typeface="Wingdings" panose="05000000000000000000" pitchFamily="2" charset="2"/>
+            </a:endParaRPr>
+          </a:p>
+          <a:p>
+            <a:r>
+              <a:rPr lang="en-US" sz="1600" dirty="0">
+                <a:latin typeface="Oxygen" panose="02000503000000000000" pitchFamily="2" charset="0"/>
+                <a:sym typeface="Wingdings" panose="05000000000000000000" pitchFamily="2" charset="2"/>
+              </a:rPr>
+              <a:t>CRUD means</a:t>
+            </a:r>
+          </a:p>
+          <a:p>
+            <a:pPr marL="285750" indent="-285750">
+              <a:buFont typeface="Wingdings" panose="05000000000000000000" pitchFamily="2" charset="2"/>
+              <a:buChar char="Ø"/>
+            </a:pPr>
+            <a:r>
+              <a:rPr lang="en-US" sz="1600" dirty="0">
+                <a:latin typeface="Oxygen" panose="02000503000000000000" pitchFamily="2" charset="0"/>
+                <a:sym typeface="Wingdings" panose="05000000000000000000" pitchFamily="2" charset="2"/>
+              </a:rPr>
+              <a:t>Create  add new record to the table</a:t>
+            </a:r>
+          </a:p>
+          <a:p>
+            <a:pPr marL="285750" indent="-285750">
+              <a:buFont typeface="Wingdings" panose="05000000000000000000" pitchFamily="2" charset="2"/>
+              <a:buChar char="Ø"/>
+            </a:pPr>
+            <a:endParaRPr lang="en-US" sz="1600" dirty="0">
+              <a:latin typeface="Oxygen" panose="02000503000000000000" pitchFamily="2" charset="0"/>
+              <a:sym typeface="Wingdings" panose="05000000000000000000" pitchFamily="2" charset="2"/>
+            </a:endParaRPr>
+          </a:p>
+          <a:p>
+            <a:pPr marL="285750" indent="-285750">
+              <a:buFont typeface="Wingdings" panose="05000000000000000000" pitchFamily="2" charset="2"/>
+              <a:buChar char="Ø"/>
+            </a:pPr>
+            <a:r>
+              <a:rPr lang="en-US" sz="1600" dirty="0">
+                <a:latin typeface="Oxygen" panose="02000503000000000000" pitchFamily="2" charset="0"/>
+                <a:sym typeface="Wingdings" panose="05000000000000000000" pitchFamily="2" charset="2"/>
+              </a:rPr>
+              <a:t>Read  read existing record(s) from the table</a:t>
+            </a:r>
+          </a:p>
+          <a:p>
+            <a:pPr marL="285750" indent="-285750">
+              <a:buFont typeface="Wingdings" panose="05000000000000000000" pitchFamily="2" charset="2"/>
+              <a:buChar char="Ø"/>
+            </a:pPr>
+            <a:endParaRPr lang="en-US" sz="1600" dirty="0">
+              <a:latin typeface="Oxygen" panose="02000503000000000000" pitchFamily="2" charset="0"/>
+              <a:sym typeface="Wingdings" panose="05000000000000000000" pitchFamily="2" charset="2"/>
+            </a:endParaRPr>
+          </a:p>
+          <a:p>
+            <a:pPr marL="285750" indent="-285750">
+              <a:buFont typeface="Wingdings" panose="05000000000000000000" pitchFamily="2" charset="2"/>
+              <a:buChar char="Ø"/>
+            </a:pPr>
+            <a:r>
+              <a:rPr lang="en-US" sz="1600" dirty="0">
+                <a:latin typeface="Oxygen" panose="02000503000000000000" pitchFamily="2" charset="0"/>
+                <a:sym typeface="Wingdings" panose="05000000000000000000" pitchFamily="2" charset="2"/>
+              </a:rPr>
+              <a:t>Update  update existing record(s) from the table</a:t>
+            </a:r>
+          </a:p>
+          <a:p>
+            <a:pPr marL="285750" indent="-285750">
+              <a:buFont typeface="Wingdings" panose="05000000000000000000" pitchFamily="2" charset="2"/>
+              <a:buChar char="Ø"/>
+            </a:pPr>
+            <a:endParaRPr lang="en-US" sz="1600" dirty="0">
+              <a:latin typeface="Oxygen" panose="02000503000000000000" pitchFamily="2" charset="0"/>
+              <a:sym typeface="Wingdings" panose="05000000000000000000" pitchFamily="2" charset="2"/>
+            </a:endParaRPr>
+          </a:p>
+          <a:p>
+            <a:pPr marL="285750" indent="-285750">
+              <a:buFont typeface="Wingdings" panose="05000000000000000000" pitchFamily="2" charset="2"/>
+              <a:buChar char="Ø"/>
+            </a:pPr>
+            <a:r>
+              <a:rPr lang="en-US" sz="1600" dirty="0">
+                <a:latin typeface="Oxygen" panose="02000503000000000000" pitchFamily="2" charset="0"/>
+                <a:sym typeface="Wingdings" panose="05000000000000000000" pitchFamily="2" charset="2"/>
+              </a:rPr>
+              <a:t>Delete  delete existing record(s) from the table</a:t>
+            </a:r>
+          </a:p>
+          <a:p>
+            <a:endParaRPr lang="en-US" sz="1600" b="1" dirty="0">
+              <a:latin typeface="Oxygen" panose="02000503000000000000" pitchFamily="2" charset="0"/>
+              <a:sym typeface="Wingdings" panose="05000000000000000000" pitchFamily="2" charset="2"/>
+            </a:endParaRPr>
+          </a:p>
+          <a:p>
+            <a:r>
+              <a:rPr lang="en-US" sz="1600" dirty="0">
+                <a:latin typeface="Oxygen" panose="02000503000000000000" pitchFamily="2" charset="0"/>
+                <a:sym typeface="Wingdings" panose="05000000000000000000" pitchFamily="2" charset="2"/>
+              </a:rPr>
+              <a:t>Create  To add new record inside the table, insert statement is used.</a:t>
+            </a:r>
+          </a:p>
+          <a:p>
+            <a:r>
+              <a:rPr lang="en-US" sz="1600" dirty="0">
+                <a:latin typeface="Oxygen" panose="02000503000000000000" pitchFamily="2" charset="0"/>
+                <a:sym typeface="Wingdings" panose="05000000000000000000" pitchFamily="2" charset="2"/>
+              </a:rPr>
+              <a:t>INSERT INTO mst_product </a:t>
+            </a:r>
+          </a:p>
+          <a:p>
+            <a:r>
+              <a:rPr lang="en-US" sz="1600" dirty="0">
+                <a:latin typeface="Oxygen" panose="02000503000000000000" pitchFamily="2" charset="0"/>
+                <a:sym typeface="Wingdings" panose="05000000000000000000" pitchFamily="2" charset="2"/>
+              </a:rPr>
+              <a:t>(</a:t>
+            </a:r>
+          </a:p>
+          <a:p>
+            <a:r>
+              <a:rPr lang="en-US" sz="1600" dirty="0">
+                <a:latin typeface="Oxygen" panose="02000503000000000000" pitchFamily="2" charset="0"/>
+                <a:sym typeface="Wingdings" panose="05000000000000000000" pitchFamily="2" charset="2"/>
+              </a:rPr>
+              <a:t>	`product_id`,</a:t>
+            </a:r>
+          </a:p>
+          <a:p>
+            <a:r>
+              <a:rPr lang="en-US" sz="1600" dirty="0">
+                <a:latin typeface="Oxygen" panose="02000503000000000000" pitchFamily="2" charset="0"/>
+                <a:sym typeface="Wingdings" panose="05000000000000000000" pitchFamily="2" charset="2"/>
+              </a:rPr>
+              <a:t>	`product_group_id`,</a:t>
+            </a:r>
+          </a:p>
+          <a:p>
+            <a:r>
+              <a:rPr lang="en-US" sz="1600" dirty="0">
+                <a:latin typeface="Oxygen" panose="02000503000000000000" pitchFamily="2" charset="0"/>
+                <a:sym typeface="Wingdings" panose="05000000000000000000" pitchFamily="2" charset="2"/>
+              </a:rPr>
+              <a:t>	`product_name`,</a:t>
+            </a:r>
+          </a:p>
+          <a:p>
+            <a:r>
+              <a:rPr lang="en-US" sz="1600" dirty="0">
+                <a:latin typeface="Oxygen" panose="02000503000000000000" pitchFamily="2" charset="0"/>
+                <a:sym typeface="Wingdings" panose="05000000000000000000" pitchFamily="2" charset="2"/>
+              </a:rPr>
+              <a:t>	`product_price`,</a:t>
+            </a:r>
+          </a:p>
+          <a:p>
+            <a:r>
+              <a:rPr lang="en-US" sz="1600" dirty="0">
+                <a:latin typeface="Oxygen" panose="02000503000000000000" pitchFamily="2" charset="0"/>
+                <a:sym typeface="Wingdings" panose="05000000000000000000" pitchFamily="2" charset="2"/>
+              </a:rPr>
+              <a:t>	`product_weight`</a:t>
+            </a:r>
+          </a:p>
+          <a:p>
+            <a:r>
+              <a:rPr lang="en-US" sz="1600" dirty="0">
+                <a:latin typeface="Oxygen" panose="02000503000000000000" pitchFamily="2" charset="0"/>
+                <a:sym typeface="Wingdings" panose="05000000000000000000" pitchFamily="2" charset="2"/>
+              </a:rPr>
+              <a:t>) VALUES</a:t>
+            </a:r>
+          </a:p>
+          <a:p>
+            <a:r>
+              <a:rPr lang="en-US" sz="1600" dirty="0">
+                <a:latin typeface="Oxygen" panose="02000503000000000000" pitchFamily="2" charset="0"/>
+                <a:sym typeface="Wingdings" panose="05000000000000000000" pitchFamily="2" charset="2"/>
+              </a:rPr>
+              <a:t>(	1,</a:t>
+            </a:r>
+          </a:p>
+          <a:p>
+            <a:r>
+              <a:rPr lang="en-US" sz="1600" dirty="0">
+                <a:latin typeface="Oxygen" panose="02000503000000000000" pitchFamily="2" charset="0"/>
+                <a:sym typeface="Wingdings" panose="05000000000000000000" pitchFamily="2" charset="2"/>
+              </a:rPr>
+              <a:t>	1,</a:t>
+            </a:r>
+          </a:p>
+          <a:p>
+            <a:r>
+              <a:rPr lang="en-US" sz="1600" dirty="0">
+                <a:latin typeface="Oxygen" panose="02000503000000000000" pitchFamily="2" charset="0"/>
+                <a:sym typeface="Wingdings" panose="05000000000000000000" pitchFamily="2" charset="2"/>
+              </a:rPr>
+              <a:t>	’Shirt’,</a:t>
+            </a:r>
+          </a:p>
+          <a:p>
+            <a:r>
+              <a:rPr lang="en-US" sz="1600" dirty="0">
+                <a:latin typeface="Oxygen" panose="02000503000000000000" pitchFamily="2" charset="0"/>
+                <a:sym typeface="Wingdings" panose="05000000000000000000" pitchFamily="2" charset="2"/>
+              </a:rPr>
+              <a:t>	100,</a:t>
+            </a:r>
+          </a:p>
+          <a:p>
+            <a:r>
+              <a:rPr lang="en-US" sz="1600" dirty="0">
+                <a:latin typeface="Oxygen" panose="02000503000000000000" pitchFamily="2" charset="0"/>
+                <a:sym typeface="Wingdings" panose="05000000000000000000" pitchFamily="2" charset="2"/>
+              </a:rPr>
+              <a:t>	2</a:t>
+            </a:r>
+          </a:p>
+          <a:p>
+            <a:r>
+              <a:rPr lang="en-US" sz="1600" dirty="0">
+                <a:latin typeface="Oxygen" panose="02000503000000000000" pitchFamily="2" charset="0"/>
+                <a:sym typeface="Wingdings" panose="05000000000000000000" pitchFamily="2" charset="2"/>
+              </a:rPr>
+              <a:t>);</a:t>
+            </a:r>
+          </a:p>
+          <a:p>
+            <a:endParaRPr lang="en-US" sz="1600" b="1" dirty="0">
+              <a:latin typeface="Oxygen" panose="02000503000000000000" pitchFamily="2" charset="0"/>
+              <a:sym typeface="Wingdings" panose="05000000000000000000" pitchFamily="2" charset="2"/>
+            </a:endParaRPr>
+          </a:p>
+        </p:txBody>
+      </p:sp>
+      <p:sp>
+        <p:nvSpPr>
+          <p:cNvPr id="5" name="TextBox 4">
+            <a:extLst>
+              <a:ext uri="{FF2B5EF4-FFF2-40B4-BE49-F238E27FC236}">
+                <a16:creationId xmlns:a16="http://schemas.microsoft.com/office/drawing/2014/main" id="{3641DF2C-1285-15F0-D09B-EBF2B66E90B3}"/>
+              </a:ext>
+            </a:extLst>
+          </p:cNvPr>
+          <p:cNvSpPr txBox="1"/>
+          <p:nvPr/>
+        </p:nvSpPr>
+        <p:spPr>
+          <a:xfrm>
+            <a:off x="4245430" y="409871"/>
+            <a:ext cx="2699657" cy="457368"/>
+          </a:xfrm>
+          <a:prstGeom prst="rect">
+            <a:avLst/>
+          </a:prstGeom>
+          <a:noFill/>
+        </p:spPr>
+        <p:txBody>
+          <a:bodyPr wrap="square" rtlCol="0">
+            <a:spAutoFit/>
+          </a:bodyPr>
+          <a:lstStyle/>
+          <a:p>
+            <a:pPr algn="ctr"/>
+            <a:r>
+              <a:rPr lang="en-US" sz="2401" b="1" cap="small" dirty="0">
+                <a:latin typeface="Oxygen" panose="02000503000000000000" pitchFamily="2" charset="0"/>
+              </a:rPr>
+              <a:t>DML Statement</a:t>
+            </a:r>
+          </a:p>
+        </p:txBody>
+      </p:sp>
+    </p:spTree>
+    <p:extLst>
+      <p:ext uri="{BB962C8B-B14F-4D97-AF65-F5344CB8AC3E}">
+        <p14:creationId xmlns:p14="http://schemas.microsoft.com/office/powerpoint/2010/main" val="3655026325"/>
+      </p:ext>
+    </p:extLst>
+  </p:cSld>
+  <p:clrMapOvr>
+    <a:masterClrMapping/>
+  </p:clrMapOvr>
+</p:sld>
+</file>
+
+<file path=ppt/slides/slide12.xml><?xml version="1.0" encoding="utf-8"?>
+<p:sld xmlns:a="http://schemas.openxmlformats.org/drawingml/2006/main" xmlns:r="http://schemas.openxmlformats.org/officeDocument/2006/relationships" xmlns:p="http://schemas.openxmlformats.org/presentationml/2006/main">
+  <p:cSld>
+    <p:spTree>
+      <p:nvGrpSpPr>
+        <p:cNvPr id="1" name="">
+          <a:extLst>
+            <a:ext uri="{FF2B5EF4-FFF2-40B4-BE49-F238E27FC236}">
+              <a16:creationId xmlns:a16="http://schemas.microsoft.com/office/drawing/2014/main" id="{C2AFBD53-A0CB-503B-8D75-ECB519B3040E}"/>
+            </a:ext>
+          </a:extLst>
+        </p:cNvPr>
+        <p:cNvGrpSpPr/>
+        <p:nvPr/>
+      </p:nvGrpSpPr>
+      <p:grpSpPr>
+        <a:xfrm>
+          <a:off x="0" y="0"/>
+          <a:ext cx="0" cy="0"/>
+          <a:chOff x="0" y="0"/>
+          <a:chExt cx="0" cy="0"/>
+        </a:xfrm>
+      </p:grpSpPr>
+      <p:pic>
+        <p:nvPicPr>
+          <p:cNvPr id="15" name="Picture 14">
+            <a:extLst>
+              <a:ext uri="{FF2B5EF4-FFF2-40B4-BE49-F238E27FC236}">
+                <a16:creationId xmlns:a16="http://schemas.microsoft.com/office/drawing/2014/main" id="{677113DE-05CE-99F6-51F1-4FB4F7AA7E2E}"/>
+              </a:ext>
+            </a:extLst>
+          </p:cNvPr>
+          <p:cNvPicPr>
+            <a:picLocks noChangeAspect="1"/>
+          </p:cNvPicPr>
+          <p:nvPr/>
+        </p:nvPicPr>
+        <p:blipFill>
+          <a:blip r:embed="rId2">
+            <a:extLst>
+              <a:ext uri="{28A0092B-C50C-407E-A947-70E740481C1C}">
+                <a14:useLocalDpi xmlns:a14="http://schemas.microsoft.com/office/drawing/2010/main" val="0"/>
+              </a:ext>
+            </a:extLst>
+          </a:blip>
+          <a:stretch>
+            <a:fillRect/>
+          </a:stretch>
+        </p:blipFill>
+        <p:spPr>
+          <a:xfrm>
+            <a:off x="280522" y="275619"/>
+            <a:ext cx="725875" cy="725875"/>
+          </a:xfrm>
+          <a:prstGeom prst="rect">
+            <a:avLst/>
+          </a:prstGeom>
+        </p:spPr>
+      </p:pic>
+      <p:sp>
+        <p:nvSpPr>
+          <p:cNvPr id="2" name="TextBox 1">
+            <a:extLst>
+              <a:ext uri="{FF2B5EF4-FFF2-40B4-BE49-F238E27FC236}">
+                <a16:creationId xmlns:a16="http://schemas.microsoft.com/office/drawing/2014/main" id="{813BB768-E5B5-EC77-3862-786944B5D9B9}"/>
+              </a:ext>
+            </a:extLst>
+          </p:cNvPr>
+          <p:cNvSpPr txBox="1"/>
+          <p:nvPr/>
+        </p:nvSpPr>
+        <p:spPr>
+          <a:xfrm>
+            <a:off x="1122745" y="1001494"/>
+            <a:ext cx="10504577" cy="3539430"/>
+          </a:xfrm>
+          <a:prstGeom prst="rect">
+            <a:avLst/>
+          </a:prstGeom>
+          <a:noFill/>
+        </p:spPr>
+        <p:txBody>
+          <a:bodyPr wrap="square" rtlCol="0">
+            <a:spAutoFit/>
+          </a:bodyPr>
+          <a:lstStyle/>
+          <a:p>
+            <a:r>
+              <a:rPr lang="en-US" sz="1600" dirty="0">
+                <a:latin typeface="Oxygen" panose="02000503000000000000" pitchFamily="2" charset="0"/>
+                <a:sym typeface="Wingdings" panose="05000000000000000000" pitchFamily="2" charset="2"/>
+              </a:rPr>
+              <a:t>Read  To read existing record(s) from table, SELECT statement is used</a:t>
+            </a:r>
+          </a:p>
+          <a:p>
+            <a:r>
+              <a:rPr lang="en-US" sz="1600" dirty="0">
+                <a:latin typeface="Oxygen" panose="02000503000000000000" pitchFamily="2" charset="0"/>
+                <a:sym typeface="Wingdings" panose="05000000000000000000" pitchFamily="2" charset="2"/>
+              </a:rPr>
+              <a:t>SELECT product_id,product_name</a:t>
+            </a:r>
+          </a:p>
+          <a:p>
+            <a:r>
+              <a:rPr lang="en-US" sz="1600" dirty="0">
+                <a:latin typeface="Oxygen" panose="02000503000000000000" pitchFamily="2" charset="0"/>
+                <a:sym typeface="Wingdings" panose="05000000000000000000" pitchFamily="2" charset="2"/>
+              </a:rPr>
+              <a:t>FROM mst_product;</a:t>
+            </a:r>
+          </a:p>
+          <a:p>
+            <a:endParaRPr lang="en-US" sz="1600" dirty="0">
+              <a:latin typeface="Oxygen" panose="02000503000000000000" pitchFamily="2" charset="0"/>
+              <a:sym typeface="Wingdings" panose="05000000000000000000" pitchFamily="2" charset="2"/>
+            </a:endParaRPr>
+          </a:p>
+          <a:p>
+            <a:r>
+              <a:rPr lang="en-US" sz="1600" dirty="0">
+                <a:latin typeface="Oxygen" panose="02000503000000000000" pitchFamily="2" charset="0"/>
+                <a:sym typeface="Wingdings" panose="05000000000000000000" pitchFamily="2" charset="2"/>
+              </a:rPr>
+              <a:t>Update  To update existing record(s) from table, UPDATE statement is used</a:t>
+            </a:r>
+          </a:p>
+          <a:p>
+            <a:r>
+              <a:rPr lang="en-US" sz="1600" dirty="0">
+                <a:latin typeface="Oxygen" panose="02000503000000000000" pitchFamily="2" charset="0"/>
+                <a:sym typeface="Wingdings" panose="05000000000000000000" pitchFamily="2" charset="2"/>
+              </a:rPr>
+              <a:t>UPDATE mst_product</a:t>
+            </a:r>
+          </a:p>
+          <a:p>
+            <a:r>
+              <a:rPr lang="en-US" sz="1600" dirty="0">
+                <a:latin typeface="Oxygen" panose="02000503000000000000" pitchFamily="2" charset="0"/>
+                <a:sym typeface="Wingdings" panose="05000000000000000000" pitchFamily="2" charset="2"/>
+              </a:rPr>
+              <a:t>SET product_name=‘trouser’</a:t>
+            </a:r>
+          </a:p>
+          <a:p>
+            <a:r>
+              <a:rPr lang="en-US" sz="1600" dirty="0">
+                <a:latin typeface="Oxygen" panose="02000503000000000000" pitchFamily="2" charset="0"/>
+                <a:sym typeface="Wingdings" panose="05000000000000000000" pitchFamily="2" charset="2"/>
+              </a:rPr>
+              <a:t>WHERE product_id=1;</a:t>
+            </a:r>
+          </a:p>
+          <a:p>
+            <a:endParaRPr lang="en-US" sz="1600" dirty="0">
+              <a:latin typeface="Oxygen" panose="02000503000000000000" pitchFamily="2" charset="0"/>
+              <a:sym typeface="Wingdings" panose="05000000000000000000" pitchFamily="2" charset="2"/>
+            </a:endParaRPr>
+          </a:p>
+          <a:p>
+            <a:r>
+              <a:rPr lang="en-US" sz="1600" dirty="0">
+                <a:latin typeface="Oxygen" panose="02000503000000000000" pitchFamily="2" charset="0"/>
+                <a:sym typeface="Wingdings" panose="05000000000000000000" pitchFamily="2" charset="2"/>
+              </a:rPr>
+              <a:t>Delete  To delete existing record(s) from table, DELETE statement is used</a:t>
+            </a:r>
+          </a:p>
+          <a:p>
+            <a:r>
+              <a:rPr lang="en-US" sz="1600" dirty="0">
+                <a:latin typeface="Oxygen" panose="02000503000000000000" pitchFamily="2" charset="0"/>
+                <a:sym typeface="Wingdings" panose="05000000000000000000" pitchFamily="2" charset="2"/>
+              </a:rPr>
+              <a:t>DELETE FROM mst_product</a:t>
+            </a:r>
+          </a:p>
+          <a:p>
+            <a:r>
+              <a:rPr lang="en-US" sz="1600" dirty="0">
+                <a:latin typeface="Oxygen" panose="02000503000000000000" pitchFamily="2" charset="0"/>
+                <a:sym typeface="Wingdings" panose="05000000000000000000" pitchFamily="2" charset="2"/>
+              </a:rPr>
+              <a:t>WHERE product_id=1;</a:t>
+            </a:r>
+          </a:p>
+          <a:p>
+            <a:endParaRPr lang="en-US" sz="1600" b="1" dirty="0">
+              <a:latin typeface="Oxygen" panose="02000503000000000000" pitchFamily="2" charset="0"/>
+              <a:sym typeface="Wingdings" panose="05000000000000000000" pitchFamily="2" charset="2"/>
+            </a:endParaRPr>
+          </a:p>
+          <a:p>
+            <a:endParaRPr lang="en-US" sz="1600" b="1" dirty="0">
+              <a:latin typeface="Oxygen" panose="02000503000000000000" pitchFamily="2" charset="0"/>
+              <a:sym typeface="Wingdings" panose="05000000000000000000" pitchFamily="2" charset="2"/>
+            </a:endParaRPr>
+          </a:p>
+        </p:txBody>
+      </p:sp>
+      <p:sp>
+        <p:nvSpPr>
+          <p:cNvPr id="5" name="TextBox 4">
+            <a:extLst>
+              <a:ext uri="{FF2B5EF4-FFF2-40B4-BE49-F238E27FC236}">
+                <a16:creationId xmlns:a16="http://schemas.microsoft.com/office/drawing/2014/main" id="{6043285E-237F-376B-1492-35D1F916DD70}"/>
+              </a:ext>
+            </a:extLst>
+          </p:cNvPr>
+          <p:cNvSpPr txBox="1"/>
+          <p:nvPr/>
+        </p:nvSpPr>
+        <p:spPr>
+          <a:xfrm>
+            <a:off x="4245430" y="409871"/>
+            <a:ext cx="2699657" cy="457368"/>
+          </a:xfrm>
+          <a:prstGeom prst="rect">
+            <a:avLst/>
+          </a:prstGeom>
+          <a:noFill/>
+        </p:spPr>
+        <p:txBody>
+          <a:bodyPr wrap="square" rtlCol="0">
+            <a:spAutoFit/>
+          </a:bodyPr>
+          <a:lstStyle/>
+          <a:p>
+            <a:pPr algn="ctr"/>
+            <a:r>
+              <a:rPr lang="en-US" sz="2401" b="1" cap="small" dirty="0">
+                <a:latin typeface="Oxygen" panose="02000503000000000000" pitchFamily="2" charset="0"/>
+              </a:rPr>
+              <a:t>DML Statement</a:t>
+            </a:r>
+          </a:p>
+        </p:txBody>
+      </p:sp>
+    </p:spTree>
+    <p:extLst>
+      <p:ext uri="{BB962C8B-B14F-4D97-AF65-F5344CB8AC3E}">
+        <p14:creationId xmlns:p14="http://schemas.microsoft.com/office/powerpoint/2010/main" val="3405344823"/>
       </p:ext>
     </p:extLst>
   </p:cSld>
@@ -4544,44 +5318,16 @@
                 <a:latin typeface="Oxygen" panose="02000503000000000000" pitchFamily="2" charset="0"/>
                 <a:sym typeface="Wingdings" panose="05000000000000000000" pitchFamily="2" charset="2"/>
               </a:rPr>
-              <a:t>	</a:t>
-            </a:r>
-            <a:r>
-              <a:rPr lang="en-IN" sz="1600" dirty="0" err="1">
-                <a:latin typeface="Oxygen" panose="02000503000000000000" pitchFamily="2" charset="0"/>
-                <a:sym typeface="Wingdings" panose="05000000000000000000" pitchFamily="2" charset="2"/>
-              </a:rPr>
-              <a:t>emp_id</a:t>
-            </a:r>
+              <a:t>	emp_id int,</a:t>
+            </a:r>
+          </a:p>
+          <a:p>
             <a:r>
               <a:rPr lang="en-IN" sz="1600" dirty="0">
                 <a:latin typeface="Oxygen" panose="02000503000000000000" pitchFamily="2" charset="0"/>
                 <a:sym typeface="Wingdings" panose="05000000000000000000" pitchFamily="2" charset="2"/>
               </a:rPr>
-              <a:t> int,</a:t>
-            </a:r>
-          </a:p>
-          <a:p>
-            <a:r>
-              <a:rPr lang="en-IN" sz="1600" dirty="0">
-                <a:latin typeface="Oxygen" panose="02000503000000000000" pitchFamily="2" charset="0"/>
-                <a:sym typeface="Wingdings" panose="05000000000000000000" pitchFamily="2" charset="2"/>
-              </a:rPr>
-              <a:t>	</a:t>
-            </a:r>
-            <a:r>
-              <a:rPr lang="en-IN" sz="1600" dirty="0" err="1">
-                <a:latin typeface="Oxygen" panose="02000503000000000000" pitchFamily="2" charset="0"/>
-                <a:sym typeface="Wingdings" panose="05000000000000000000" pitchFamily="2" charset="2"/>
-              </a:rPr>
-              <a:t>emp_name</a:t>
-            </a:r>
-            <a:r>
-              <a:rPr lang="en-IN" sz="1600" dirty="0">
-                <a:latin typeface="Oxygen" panose="02000503000000000000" pitchFamily="2" charset="0"/>
-                <a:sym typeface="Wingdings" panose="05000000000000000000" pitchFamily="2" charset="2"/>
-              </a:rPr>
-              <a:t> varchar(50),</a:t>
+              <a:t>	emp_name varchar(50),</a:t>
             </a:r>
           </a:p>
           <a:p>
@@ -4630,31 +5376,14 @@
               <a:rPr lang="en-IN" sz="1600" dirty="0">
                 <a:latin typeface="Oxygen" panose="02000503000000000000" pitchFamily="2" charset="0"/>
               </a:rPr>
-              <a:t>a) </a:t>
-            </a:r>
-            <a:r>
-              <a:rPr lang="en-IN" sz="1600" dirty="0" err="1">
-                <a:latin typeface="Oxygen" panose="02000503000000000000" pitchFamily="2" charset="0"/>
-              </a:rPr>
-              <a:t>emp_id</a:t>
-            </a:r>
-            <a:r>
-              <a:rPr lang="en-IN" sz="1600" dirty="0">
-                <a:latin typeface="Oxygen" panose="02000503000000000000" pitchFamily="2" charset="0"/>
-              </a:rPr>
-              <a:t> </a:t>
+              <a:t>a) emp_id </a:t>
             </a:r>
           </a:p>
           <a:p>
             <a:r>
               <a:rPr lang="en-IN" dirty="0"/>
-              <a:t>b) </a:t>
-            </a:r>
-            <a:r>
-              <a:rPr lang="en-IN" dirty="0" err="1"/>
-              <a:t>emp_name</a:t>
-            </a:r>
-            <a:endParaRPr lang="en-IN" dirty="0"/>
+              <a:t>b) emp_name</a:t>
+            </a:r>
           </a:p>
           <a:p>
             <a:r>
@@ -6762,7 +7491,7 @@
         <p:cNvPr id="1" name="">
           <a:extLst>
             <a:ext uri="{FF2B5EF4-FFF2-40B4-BE49-F238E27FC236}">
-              <a16:creationId xmlns:a16="http://schemas.microsoft.com/office/drawing/2014/main" id="{6BEDA106-3D21-31E3-4BF7-25E332300305}"/>
+              <a16:creationId xmlns:a16="http://schemas.microsoft.com/office/drawing/2014/main" id="{3EA6FA98-1D7C-FA09-C210-8DAF497AFE52}"/>
             </a:ext>
           </a:extLst>
         </p:cNvPr>
@@ -6782,7 +7511,7 @@
           <p:cNvPr id="15" name="Picture 14">
             <a:extLst>
               <a:ext uri="{FF2B5EF4-FFF2-40B4-BE49-F238E27FC236}">
-                <a16:creationId xmlns:a16="http://schemas.microsoft.com/office/drawing/2014/main" id="{5AF0C8E7-FC2A-7F5F-5C79-B3C65F4A2D38}"/>
+                <a16:creationId xmlns:a16="http://schemas.microsoft.com/office/drawing/2014/main" id="{5C4F78F3-A0E6-2A69-BEA0-90FE79B8AD0B}"/>
               </a:ext>
             </a:extLst>
           </p:cNvPr>
@@ -6805,7 +7534,7 @@
         </p:blipFill>
         <p:spPr>
           <a:xfrm>
-            <a:off x="280522" y="275619"/>
+            <a:off x="330371" y="275619"/>
             <a:ext cx="725875" cy="725875"/>
           </a:xfrm>
           <a:prstGeom prst="rect">
@@ -6818,7 +7547,7 @@
           <p:cNvPr id="2" name="TextBox 1">
             <a:extLst>
               <a:ext uri="{FF2B5EF4-FFF2-40B4-BE49-F238E27FC236}">
-                <a16:creationId xmlns:a16="http://schemas.microsoft.com/office/drawing/2014/main" id="{C0F9FB86-CFAA-FB66-A69E-3B41C3979D86}"/>
+                <a16:creationId xmlns:a16="http://schemas.microsoft.com/office/drawing/2014/main" id="{2EE67381-FDCA-C718-C129-F09B79DE7712}"/>
               </a:ext>
             </a:extLst>
           </p:cNvPr>
@@ -6827,8 +7556,8 @@
         </p:nvSpPr>
         <p:spPr>
           <a:xfrm>
-            <a:off x="1122745" y="1001494"/>
-            <a:ext cx="10504577" cy="7478970"/>
+            <a:off x="1122745" y="1647670"/>
+            <a:ext cx="10504577" cy="5324535"/>
           </a:xfrm>
           <a:prstGeom prst="rect">
             <a:avLst/>
@@ -6842,291 +7571,173 @@
           <a:lstStyle/>
           <a:p>
             <a:r>
-              <a:rPr lang="en-US" sz="1600" dirty="0">
-                <a:latin typeface="Oxygen" panose="02000503000000000000" pitchFamily="2" charset="0"/>
-                <a:sym typeface="Wingdings" panose="05000000000000000000" pitchFamily="2" charset="2"/>
-              </a:rPr>
-              <a:t>In MySQL, a view is a virtual table which is created by SQL query by joining one or more tables.</a:t>
-            </a:r>
-          </a:p>
-          <a:p>
-            <a:r>
-              <a:rPr lang="en-US" sz="1600" dirty="0">
-                <a:latin typeface="Oxygen" panose="02000503000000000000" pitchFamily="2" charset="0"/>
-                <a:sym typeface="Wingdings" panose="05000000000000000000" pitchFamily="2" charset="2"/>
-              </a:rPr>
-              <a:t>It is operated like a table but does not contain any data of its own.</a:t>
-            </a:r>
-          </a:p>
-          <a:p>
-            <a:r>
-              <a:rPr lang="en-US" sz="1600" dirty="0">
-                <a:solidFill>
-                  <a:srgbClr val="333333"/>
-                </a:solidFill>
-                <a:latin typeface="Oxygen" panose="02000503000000000000" pitchFamily="2" charset="0"/>
-              </a:rPr>
-              <a:t>Views are definitions built on top of other tables (or views). </a:t>
-            </a:r>
-            <a:endParaRPr lang="en-US" sz="1600" dirty="0">
+              <a:rPr lang="en-US" sz="2000" dirty="0">
+                <a:latin typeface="Oxygen" panose="02000503000000000000" pitchFamily="2" charset="0"/>
+                <a:sym typeface="Wingdings" panose="05000000000000000000" pitchFamily="2" charset="2"/>
+              </a:rPr>
+              <a:t>Indexes are used to retrieve data from databases.</a:t>
+            </a:r>
+          </a:p>
+          <a:p>
+            <a:r>
+              <a:rPr lang="en-US" sz="2000" dirty="0">
+                <a:latin typeface="Oxygen" panose="02000503000000000000" pitchFamily="2" charset="0"/>
+                <a:sym typeface="Wingdings" panose="05000000000000000000" pitchFamily="2" charset="2"/>
+              </a:rPr>
+              <a:t>Users cannot see the indexes, they are used to speed up the searches/queries.</a:t>
+            </a:r>
+          </a:p>
+          <a:p>
+            <a:endParaRPr lang="en-US" sz="2000" dirty="0">
               <a:latin typeface="Oxygen" panose="02000503000000000000" pitchFamily="2" charset="0"/>
               <a:sym typeface="Wingdings" panose="05000000000000000000" pitchFamily="2" charset="2"/>
             </a:endParaRPr>
           </a:p>
           <a:p>
-            <a:r>
-              <a:rPr lang="en-US" sz="1600" dirty="0">
-                <a:latin typeface="Oxygen" panose="02000503000000000000" pitchFamily="2" charset="0"/>
-                <a:sym typeface="Wingdings" panose="05000000000000000000" pitchFamily="2" charset="2"/>
-              </a:rPr>
-              <a:t>If the underlying table or tables data changes, the view gets reflected.</a:t>
-            </a:r>
-          </a:p>
-          <a:p>
-            <a:endParaRPr lang="en-US" sz="1600" dirty="0">
+            <a:endParaRPr lang="en-US" sz="2000" dirty="0">
               <a:latin typeface="Oxygen" panose="02000503000000000000" pitchFamily="2" charset="0"/>
               <a:sym typeface="Wingdings" panose="05000000000000000000" pitchFamily="2" charset="2"/>
             </a:endParaRPr>
           </a:p>
           <a:p>
             <a:r>
-              <a:rPr lang="en-US" sz="1600" b="1" dirty="0">
-                <a:latin typeface="Oxygen" panose="02000503000000000000" pitchFamily="2" charset="0"/>
-                <a:sym typeface="Wingdings" panose="05000000000000000000" pitchFamily="2" charset="2"/>
-              </a:rPr>
-              <a:t>Create View</a:t>
-            </a:r>
-          </a:p>
-          <a:p>
-            <a:pPr algn="just"/>
-            <a:r>
-              <a:rPr lang="en-US" sz="1600" dirty="0">
-                <a:latin typeface="Oxygen" panose="02000503000000000000" pitchFamily="2" charset="0"/>
-              </a:rPr>
-              <a:t>CREATE VIEW product_details AS    </a:t>
-            </a:r>
-          </a:p>
-          <a:p>
-            <a:pPr algn="just"/>
-            <a:r>
-              <a:rPr lang="en-US" sz="1600" dirty="0">
-                <a:latin typeface="Oxygen" panose="02000503000000000000" pitchFamily="2" charset="0"/>
-              </a:rPr>
-              <a:t>SELECT product_name,product_price,product_weight</a:t>
-            </a:r>
-          </a:p>
-          <a:p>
-            <a:pPr algn="just"/>
-            <a:r>
-              <a:rPr lang="en-US" sz="1600" dirty="0">
-                <a:latin typeface="Oxygen" panose="02000503000000000000" pitchFamily="2" charset="0"/>
-              </a:rPr>
-              <a:t>FROM mst_product;    </a:t>
-            </a:r>
-          </a:p>
-          <a:p>
-            <a:endParaRPr lang="en-US" sz="1600" dirty="0">
+              <a:rPr lang="en-US" sz="2000" dirty="0">
+                <a:latin typeface="Oxygen" panose="02000503000000000000" pitchFamily="2" charset="0"/>
+                <a:sym typeface="Wingdings" panose="05000000000000000000" pitchFamily="2" charset="2"/>
+              </a:rPr>
+              <a:t>Below statement creates an index </a:t>
+            </a:r>
+            <a:r>
+              <a:rPr lang="en-US" sz="2000" b="0" i="0" dirty="0">
+                <a:solidFill>
+                  <a:srgbClr val="000000"/>
+                </a:solidFill>
+                <a:effectLst/>
+                <a:latin typeface="Oxygen" panose="02000503000000000000" pitchFamily="2" charset="0"/>
+              </a:rPr>
+              <a:t>on a table. Duplicate values are allowed.</a:t>
+            </a:r>
+          </a:p>
+          <a:p>
+            <a:r>
+              <a:rPr lang="en-US" sz="2000" b="0" i="0" dirty="0">
+                <a:effectLst/>
+                <a:latin typeface="Oxygen" panose="02000503000000000000" pitchFamily="2" charset="0"/>
+              </a:rPr>
+              <a:t>CREATE INDEX idx_product</a:t>
+            </a:r>
+            <a:br>
+              <a:rPr lang="en-US" sz="2000" dirty="0">
+                <a:latin typeface="Oxygen" panose="02000503000000000000" pitchFamily="2" charset="0"/>
+              </a:rPr>
+            </a:br>
+            <a:r>
+              <a:rPr lang="en-US" sz="2000" b="0" i="0" dirty="0">
+                <a:effectLst/>
+                <a:latin typeface="Oxygen" panose="02000503000000000000" pitchFamily="2" charset="0"/>
+              </a:rPr>
+              <a:t>ON mst_product (product_name);</a:t>
+            </a:r>
+          </a:p>
+          <a:p>
+            <a:endParaRPr lang="en-US" sz="2000" b="0" i="0" dirty="0">
+              <a:effectLst/>
+              <a:latin typeface="Oxygen" panose="02000503000000000000" pitchFamily="2" charset="0"/>
+            </a:endParaRPr>
+          </a:p>
+          <a:p>
+            <a:endParaRPr lang="en-US" sz="2000" dirty="0">
               <a:latin typeface="Oxygen" panose="02000503000000000000" pitchFamily="2" charset="0"/>
               <a:sym typeface="Wingdings" panose="05000000000000000000" pitchFamily="2" charset="2"/>
             </a:endParaRPr>
           </a:p>
           <a:p>
             <a:r>
-              <a:rPr lang="en-US" sz="1600" b="1" dirty="0">
-                <a:latin typeface="Oxygen" panose="02000503000000000000" pitchFamily="2" charset="0"/>
-                <a:sym typeface="Wingdings" panose="05000000000000000000" pitchFamily="2" charset="2"/>
-              </a:rPr>
-              <a:t>Update View</a:t>
-            </a:r>
-          </a:p>
-          <a:p>
-            <a:pPr algn="just"/>
-            <a:r>
-              <a:rPr lang="en-US" sz="1600" dirty="0">
-                <a:latin typeface="Oxygen" panose="02000503000000000000" pitchFamily="2" charset="0"/>
-              </a:rPr>
-              <a:t>ALTER</a:t>
-            </a:r>
-            <a:r>
-              <a:rPr lang="en-US" sz="1600" dirty="0">
+              <a:rPr lang="en-US" sz="2000" dirty="0">
+                <a:latin typeface="Oxygen" panose="02000503000000000000" pitchFamily="2" charset="0"/>
+                <a:sym typeface="Wingdings" panose="05000000000000000000" pitchFamily="2" charset="2"/>
+              </a:rPr>
+              <a:t>Below statement creates an index </a:t>
+            </a:r>
+            <a:r>
+              <a:rPr lang="en-US" sz="2000" b="0" i="0" dirty="0">
                 <a:solidFill>
                   <a:srgbClr val="000000"/>
                 </a:solidFill>
-                <a:latin typeface="inter-regular"/>
-              </a:rPr>
-              <a:t> </a:t>
-            </a:r>
-            <a:r>
-              <a:rPr lang="en-US" sz="1600" dirty="0">
-                <a:latin typeface="Oxygen" panose="02000503000000000000" pitchFamily="2" charset="0"/>
-              </a:rPr>
-              <a:t>VIEW product_details AS    </a:t>
-            </a:r>
-          </a:p>
-          <a:p>
-            <a:pPr algn="just"/>
-            <a:r>
-              <a:rPr lang="en-US" sz="1600" dirty="0">
-                <a:latin typeface="Oxygen" panose="02000503000000000000" pitchFamily="2" charset="0"/>
-              </a:rPr>
-              <a:t>SELECT product_name,product_price,product_weight</a:t>
-            </a:r>
-          </a:p>
-          <a:p>
-            <a:pPr algn="just"/>
-            <a:r>
-              <a:rPr lang="en-US" sz="1600" dirty="0">
-                <a:latin typeface="Oxygen" panose="02000503000000000000" pitchFamily="2" charset="0"/>
-              </a:rPr>
-              <a:t>FROM mst_product</a:t>
-            </a:r>
-          </a:p>
-          <a:p>
-            <a:pPr algn="just"/>
-            <a:r>
-              <a:rPr lang="en-US" sz="1600" dirty="0">
-                <a:solidFill>
-                  <a:srgbClr val="000000"/>
-                </a:solidFill>
-                <a:latin typeface="Oxygen" panose="02000503000000000000" pitchFamily="2" charset="0"/>
-              </a:rPr>
-              <a:t>WHERE product_price &gt; 100</a:t>
-            </a:r>
-            <a:endParaRPr lang="en-US" sz="1600" dirty="0">
-              <a:solidFill>
-                <a:srgbClr val="000000"/>
-              </a:solidFill>
-              <a:latin typeface="inter-regular"/>
-            </a:endParaRPr>
-          </a:p>
-          <a:p>
-            <a:pPr algn="just"/>
-            <a:r>
-              <a:rPr lang="en-US" sz="1600" dirty="0">
-                <a:solidFill>
-                  <a:srgbClr val="000000"/>
-                </a:solidFill>
-                <a:latin typeface="inter-regular"/>
-              </a:rPr>
-              <a:t> </a:t>
-            </a:r>
-          </a:p>
-          <a:p>
-            <a:pPr algn="just"/>
-            <a:r>
-              <a:rPr lang="en-US" sz="1600" b="1" dirty="0">
-                <a:solidFill>
-                  <a:srgbClr val="000000"/>
-                </a:solidFill>
-                <a:latin typeface="Oxygen" panose="02000503000000000000" pitchFamily="2" charset="0"/>
-              </a:rPr>
-              <a:t>Drop View</a:t>
-            </a:r>
-          </a:p>
-          <a:p>
-            <a:pPr algn="just"/>
-            <a:r>
-              <a:rPr lang="en-US" sz="1600" dirty="0">
-                <a:latin typeface="Oxygen" panose="02000503000000000000" pitchFamily="2" charset="0"/>
-              </a:rPr>
-              <a:t>DROP VIEW product_details ;    </a:t>
-            </a:r>
-          </a:p>
-          <a:p>
-            <a:pPr algn="just"/>
-            <a:endParaRPr lang="en-US" sz="1600" dirty="0">
-              <a:solidFill>
-                <a:srgbClr val="000000"/>
-              </a:solidFill>
-              <a:latin typeface="inter-regular"/>
-            </a:endParaRPr>
-          </a:p>
-          <a:p>
-            <a:r>
-              <a:rPr lang="en-US" sz="1600" b="1" dirty="0">
-                <a:latin typeface="Oxygen" panose="02000503000000000000" pitchFamily="2" charset="0"/>
-                <a:sym typeface="Wingdings" panose="05000000000000000000" pitchFamily="2" charset="2"/>
-              </a:rPr>
-              <a:t>Creating view from multiple tables</a:t>
-            </a:r>
-          </a:p>
-          <a:p>
-            <a:r>
-              <a:rPr lang="en-US" sz="1600" dirty="0">
-                <a:latin typeface="Oxygen" panose="02000503000000000000" pitchFamily="2" charset="0"/>
-              </a:rPr>
-              <a:t>CREATE VIEW product_details AS    </a:t>
-            </a:r>
-          </a:p>
-          <a:p>
-            <a:r>
-              <a:rPr lang="en-US" sz="1600" dirty="0">
-                <a:latin typeface="Oxygen" panose="02000503000000000000" pitchFamily="2" charset="0"/>
-                <a:sym typeface="Wingdings" panose="05000000000000000000" pitchFamily="2" charset="2"/>
-              </a:rPr>
-              <a:t>SELECT 	pg.product_group_name,</a:t>
-            </a:r>
-          </a:p>
-          <a:p>
-            <a:r>
-              <a:rPr lang="en-US" sz="1600" dirty="0">
-                <a:latin typeface="Oxygen" panose="02000503000000000000" pitchFamily="2" charset="0"/>
-                <a:sym typeface="Wingdings" panose="05000000000000000000" pitchFamily="2" charset="2"/>
-              </a:rPr>
-              <a:t>		p.product_name,</a:t>
-            </a:r>
-          </a:p>
-          <a:p>
-            <a:r>
-              <a:rPr lang="en-US" sz="1600" dirty="0">
-                <a:latin typeface="Oxygen" panose="02000503000000000000" pitchFamily="2" charset="0"/>
-                <a:sym typeface="Wingdings" panose="05000000000000000000" pitchFamily="2" charset="2"/>
-              </a:rPr>
-              <a:t>		p.product_price,</a:t>
-            </a:r>
-          </a:p>
-          <a:p>
-            <a:r>
-              <a:rPr lang="en-US" sz="1600" dirty="0">
-                <a:latin typeface="Oxygen" panose="02000503000000000000" pitchFamily="2" charset="0"/>
-                <a:sym typeface="Wingdings" panose="05000000000000000000" pitchFamily="2" charset="2"/>
-              </a:rPr>
-              <a:t>        		p.product_weight</a:t>
-            </a:r>
-          </a:p>
-          <a:p>
-            <a:r>
-              <a:rPr lang="en-US" sz="1600" dirty="0">
-                <a:latin typeface="Oxygen" panose="02000503000000000000" pitchFamily="2" charset="0"/>
-                <a:sym typeface="Wingdings" panose="05000000000000000000" pitchFamily="2" charset="2"/>
-              </a:rPr>
-              <a:t>FROM mst_product p</a:t>
-            </a:r>
-          </a:p>
-          <a:p>
-            <a:r>
-              <a:rPr lang="en-US" sz="1600" dirty="0">
-                <a:latin typeface="Oxygen" panose="02000503000000000000" pitchFamily="2" charset="0"/>
-                <a:sym typeface="Wingdings" panose="05000000000000000000" pitchFamily="2" charset="2"/>
-              </a:rPr>
-              <a:t>INNER JOIN mst_product_group pg</a:t>
-            </a:r>
-          </a:p>
-          <a:p>
-            <a:r>
-              <a:rPr lang="en-US" sz="1600" dirty="0">
-                <a:latin typeface="Oxygen" panose="02000503000000000000" pitchFamily="2" charset="0"/>
-                <a:sym typeface="Wingdings" panose="05000000000000000000" pitchFamily="2" charset="2"/>
-              </a:rPr>
-              <a:t>ON p.product_group_id=pg.product_group_id;</a:t>
-            </a:r>
-          </a:p>
-          <a:p>
-            <a:endParaRPr lang="en-US" sz="1600" b="1" dirty="0">
+                <a:effectLst/>
+                <a:latin typeface="Oxygen" panose="02000503000000000000" pitchFamily="2" charset="0"/>
+              </a:rPr>
+              <a:t>on a table. Duplicate values are not allowed.</a:t>
+            </a:r>
+          </a:p>
+          <a:p>
+            <a:r>
+              <a:rPr lang="en-US" sz="2000" b="0" i="0" dirty="0">
+                <a:effectLst/>
+                <a:latin typeface="Oxygen" panose="02000503000000000000" pitchFamily="2" charset="0"/>
+              </a:rPr>
+              <a:t>CREATE UNIQUE INDEX idx_product</a:t>
+            </a:r>
+            <a:br>
+              <a:rPr lang="en-US" sz="2000" dirty="0">
+                <a:latin typeface="Oxygen" panose="02000503000000000000" pitchFamily="2" charset="0"/>
+              </a:rPr>
+            </a:br>
+            <a:r>
+              <a:rPr lang="en-US" sz="2000" b="0" i="0" dirty="0">
+                <a:effectLst/>
+                <a:latin typeface="Oxygen" panose="02000503000000000000" pitchFamily="2" charset="0"/>
+              </a:rPr>
+              <a:t>ON mst_product (product_name);</a:t>
+            </a:r>
+          </a:p>
+          <a:p>
+            <a:endParaRPr lang="en-US" sz="2000" dirty="0">
               <a:latin typeface="Oxygen" panose="02000503000000000000" pitchFamily="2" charset="0"/>
               <a:sym typeface="Wingdings" panose="05000000000000000000" pitchFamily="2" charset="2"/>
             </a:endParaRPr>
           </a:p>
+          <a:p>
+            <a:endParaRPr lang="en-US" sz="2000" dirty="0">
+              <a:latin typeface="Oxygen" panose="02000503000000000000" pitchFamily="2" charset="0"/>
+              <a:sym typeface="Wingdings" panose="05000000000000000000" pitchFamily="2" charset="2"/>
+            </a:endParaRPr>
+          </a:p>
+          <a:p>
+            <a:r>
+              <a:rPr lang="en-US" sz="2000" dirty="0">
+                <a:latin typeface="Oxygen" panose="02000503000000000000" pitchFamily="2" charset="0"/>
+                <a:sym typeface="Wingdings" panose="05000000000000000000" pitchFamily="2" charset="2"/>
+              </a:rPr>
+              <a:t>Below statement drops an index on a table.</a:t>
+            </a:r>
+          </a:p>
+          <a:p>
+            <a:r>
+              <a:rPr lang="en-US" sz="2000" b="0" dirty="0">
+                <a:effectLst/>
+                <a:latin typeface="Oxygen" panose="02000503000000000000" pitchFamily="2" charset="0"/>
+              </a:rPr>
+              <a:t>ALTER TABLE mst_product</a:t>
+            </a:r>
+            <a:br>
+              <a:rPr lang="en-US" sz="2000" b="0" dirty="0">
+                <a:effectLst/>
+                <a:latin typeface="Oxygen" panose="02000503000000000000" pitchFamily="2" charset="0"/>
+              </a:rPr>
+            </a:br>
+            <a:r>
+              <a:rPr lang="en-US" sz="2000" b="0" dirty="0">
+                <a:effectLst/>
+                <a:latin typeface="Oxygen" panose="02000503000000000000" pitchFamily="2" charset="0"/>
+              </a:rPr>
+              <a:t>DROP INDEX idx_product;</a:t>
+            </a:r>
+            <a:endParaRPr lang="en-US" sz="2000" dirty="0">
+              <a:latin typeface="Oxygen" panose="02000503000000000000" pitchFamily="2" charset="0"/>
+              <a:sym typeface="Wingdings" panose="05000000000000000000" pitchFamily="2" charset="2"/>
+            </a:endParaRPr>
+          </a:p>
         </p:txBody>
       </p:sp>
       <p:sp>
@@ -7134,7 +7745,7 @@
           <p:cNvPr id="5" name="TextBox 4">
             <a:extLst>
               <a:ext uri="{FF2B5EF4-FFF2-40B4-BE49-F238E27FC236}">
-                <a16:creationId xmlns:a16="http://schemas.microsoft.com/office/drawing/2014/main" id="{3ED218C8-093D-55F1-0F58-CDD4A03D4D22}"/>
+                <a16:creationId xmlns:a16="http://schemas.microsoft.com/office/drawing/2014/main" id="{08289569-A618-3EB1-93ED-5A81B146B280}"/>
               </a:ext>
             </a:extLst>
           </p:cNvPr>
@@ -7144,7 +7755,7 @@
         <p:spPr>
           <a:xfrm>
             <a:off x="4245430" y="409871"/>
-            <a:ext cx="2699657" cy="457368"/>
+            <a:ext cx="3009612" cy="461793"/>
           </a:xfrm>
           <a:prstGeom prst="rect">
             <a:avLst/>
@@ -7162,7 +7773,7 @@
               <a:rPr lang="en-US" sz="2401" b="1" cap="small" dirty="0">
                 <a:latin typeface="Oxygen" panose="02000503000000000000" pitchFamily="2" charset="0"/>
               </a:rPr>
-              <a:t>MySQL - Views</a:t>
+              <a:t>MySQL - INDEXES</a:t>
             </a:r>
           </a:p>
         </p:txBody>
@@ -7170,7 +7781,7 @@
     </p:spTree>
     <p:extLst>
       <p:ext uri="{BB962C8B-B14F-4D97-AF65-F5344CB8AC3E}">
-        <p14:creationId xmlns:p14="http://schemas.microsoft.com/office/powerpoint/2010/main" val="2132937242"/>
+        <p14:creationId xmlns:p14="http://schemas.microsoft.com/office/powerpoint/2010/main" val="1385800701"/>
       </p:ext>
     </p:extLst>
   </p:cSld>

--- a/Offline/BusinessManagement/Teach_Tech@anodiam/IT/CourseMaterials/MySQL/MySQL.pptx
+++ b/Offline/BusinessManagement/Teach_Tech@anodiam/IT/CourseMaterials/MySQL/MySQL.pptx
@@ -2,10 +2,10 @@
 <file path=ppt/presentation.xml><?xml version="1.0" encoding="utf-8"?>
 <p:presentation xmlns:a="http://schemas.openxmlformats.org/drawingml/2006/main" xmlns:r="http://schemas.openxmlformats.org/officeDocument/2006/relationships" xmlns:p="http://schemas.openxmlformats.org/presentationml/2006/main" saveSubsetFonts="1">
   <p:sldMasterIdLst>
-    <p:sldMasterId id="2147483696" r:id="rId1"/>
+    <p:sldMasterId id="2147483720" r:id="rId1"/>
   </p:sldMasterIdLst>
   <p:notesMasterIdLst>
-    <p:notesMasterId r:id="rId14"/>
+    <p:notesMasterId r:id="rId15"/>
   </p:notesMasterIdLst>
   <p:sldIdLst>
     <p:sldId id="259" r:id="rId2"/>
@@ -19,9 +19,10 @@
     <p:sldId id="269" r:id="rId10"/>
     <p:sldId id="268" r:id="rId11"/>
     <p:sldId id="270" r:id="rId12"/>
-    <p:sldId id="271" r:id="rId13"/>
+    <p:sldId id="272" r:id="rId13"/>
+    <p:sldId id="271" r:id="rId14"/>
   </p:sldIdLst>
-  <p:sldSz cx="12192000" cy="8010525"/>
+  <p:sldSz cx="12192000" cy="8640763"/>
   <p:notesSz cx="6858000" cy="9144000"/>
   <p:defaultTextStyle>
     <a:defPPr>
@@ -208,7 +209,7 @@
           <a:p>
             <a:fld id="{A2487F90-4B37-4508-B704-1554B2936821}" type="datetimeFigureOut">
               <a:rPr lang="en-IN" smtClean="0"/>
-              <a:t>22-02-2024</a:t>
+              <a:t>23-02-2024</a:t>
             </a:fld>
             <a:endParaRPr lang="en-IN"/>
           </a:p>
@@ -226,8 +227,8 @@
         </p:nvSpPr>
         <p:spPr>
           <a:xfrm>
-            <a:off x="1081088" y="1143000"/>
-            <a:ext cx="4695825" cy="3086100"/>
+            <a:off x="1252538" y="1143000"/>
+            <a:ext cx="4352925" cy="3086100"/>
           </a:xfrm>
           <a:prstGeom prst="rect">
             <a:avLst/>
@@ -505,15 +506,15 @@
         </p:nvSpPr>
         <p:spPr>
           <a:xfrm>
-            <a:off x="914400" y="1310983"/>
-            <a:ext cx="10363200" cy="2788849"/>
+            <a:off x="914400" y="1414125"/>
+            <a:ext cx="10363200" cy="3008266"/>
           </a:xfrm>
         </p:spPr>
         <p:txBody>
           <a:bodyPr anchor="b"/>
           <a:lstStyle>
             <a:lvl1pPr algn="ctr">
-              <a:defRPr sz="7009"/>
+              <a:defRPr sz="7560"/>
             </a:lvl1pPr>
           </a:lstStyle>
           <a:p>
@@ -537,8 +538,8 @@
         </p:nvSpPr>
         <p:spPr>
           <a:xfrm>
-            <a:off x="1524000" y="4207380"/>
-            <a:ext cx="9144000" cy="1934022"/>
+            <a:off x="1524000" y="4538401"/>
+            <a:ext cx="9144000" cy="2086184"/>
           </a:xfrm>
         </p:spPr>
         <p:txBody>
@@ -546,39 +547,39 @@
           <a:lstStyle>
             <a:lvl1pPr marL="0" indent="0" algn="ctr">
               <a:buNone/>
-              <a:defRPr sz="2803"/>
+              <a:defRPr sz="3024"/>
             </a:lvl1pPr>
-            <a:lvl2pPr marL="534055" indent="0" algn="ctr">
+            <a:lvl2pPr marL="576072" indent="0" algn="ctr">
               <a:buNone/>
-              <a:defRPr sz="2336"/>
+              <a:defRPr sz="2520"/>
             </a:lvl2pPr>
-            <a:lvl3pPr marL="1068111" indent="0" algn="ctr">
+            <a:lvl3pPr marL="1152144" indent="0" algn="ctr">
               <a:buNone/>
-              <a:defRPr sz="2103"/>
+              <a:defRPr sz="2268"/>
             </a:lvl3pPr>
-            <a:lvl4pPr marL="1602166" indent="0" algn="ctr">
+            <a:lvl4pPr marL="1728216" indent="0" algn="ctr">
               <a:buNone/>
-              <a:defRPr sz="1869"/>
+              <a:defRPr sz="2016"/>
             </a:lvl4pPr>
-            <a:lvl5pPr marL="2136221" indent="0" algn="ctr">
+            <a:lvl5pPr marL="2304288" indent="0" algn="ctr">
               <a:buNone/>
-              <a:defRPr sz="1869"/>
+              <a:defRPr sz="2016"/>
             </a:lvl5pPr>
-            <a:lvl6pPr marL="2670277" indent="0" algn="ctr">
+            <a:lvl6pPr marL="2880360" indent="0" algn="ctr">
               <a:buNone/>
-              <a:defRPr sz="1869"/>
+              <a:defRPr sz="2016"/>
             </a:lvl6pPr>
-            <a:lvl7pPr marL="3204332" indent="0" algn="ctr">
+            <a:lvl7pPr marL="3456432" indent="0" algn="ctr">
               <a:buNone/>
-              <a:defRPr sz="1869"/>
+              <a:defRPr sz="2016"/>
             </a:lvl7pPr>
-            <a:lvl8pPr marL="3738387" indent="0" algn="ctr">
+            <a:lvl8pPr marL="4032504" indent="0" algn="ctr">
               <a:buNone/>
-              <a:defRPr sz="1869"/>
+              <a:defRPr sz="2016"/>
             </a:lvl8pPr>
-            <a:lvl9pPr marL="4272443" indent="0" algn="ctr">
+            <a:lvl9pPr marL="4608576" indent="0" algn="ctr">
               <a:buNone/>
-              <a:defRPr sz="1869"/>
+              <a:defRPr sz="2016"/>
             </a:lvl9pPr>
           </a:lstStyle>
           <a:p>
@@ -607,7 +608,7 @@
           <a:p>
             <a:fld id="{A055A2E0-1DEB-407D-989C-7C47715714E3}" type="datetimeFigureOut">
               <a:rPr lang="en-IN" smtClean="0"/>
-              <a:t>22-02-2024</a:t>
+              <a:t>23-02-2024</a:t>
             </a:fld>
             <a:endParaRPr lang="en-IN"/>
           </a:p>
@@ -658,7 +659,7 @@
     </p:spTree>
     <p:extLst>
       <p:ext uri="{BB962C8B-B14F-4D97-AF65-F5344CB8AC3E}">
-        <p14:creationId xmlns:p14="http://schemas.microsoft.com/office/powerpoint/2010/main" val="165530475"/>
+        <p14:creationId xmlns:p14="http://schemas.microsoft.com/office/powerpoint/2010/main" val="280424707"/>
       </p:ext>
     </p:extLst>
   </p:cSld>
@@ -777,7 +778,7 @@
           <a:p>
             <a:fld id="{A055A2E0-1DEB-407D-989C-7C47715714E3}" type="datetimeFigureOut">
               <a:rPr lang="en-IN" smtClean="0"/>
-              <a:t>22-02-2024</a:t>
+              <a:t>23-02-2024</a:t>
             </a:fld>
             <a:endParaRPr lang="en-IN"/>
           </a:p>
@@ -828,7 +829,7 @@
     </p:spTree>
     <p:extLst>
       <p:ext uri="{BB962C8B-B14F-4D97-AF65-F5344CB8AC3E}">
-        <p14:creationId xmlns:p14="http://schemas.microsoft.com/office/powerpoint/2010/main" val="3670048796"/>
+        <p14:creationId xmlns:p14="http://schemas.microsoft.com/office/powerpoint/2010/main" val="3625821307"/>
       </p:ext>
     </p:extLst>
   </p:cSld>
@@ -867,8 +868,8 @@
         </p:nvSpPr>
         <p:spPr>
           <a:xfrm>
-            <a:off x="8724901" y="426486"/>
-            <a:ext cx="2628900" cy="6788550"/>
+            <a:off x="8724901" y="460041"/>
+            <a:ext cx="2628900" cy="7322647"/>
           </a:xfrm>
         </p:spPr>
         <p:txBody>
@@ -895,8 +896,8 @@
         </p:nvSpPr>
         <p:spPr>
           <a:xfrm>
-            <a:off x="838201" y="426486"/>
-            <a:ext cx="7734300" cy="6788550"/>
+            <a:off x="838201" y="460041"/>
+            <a:ext cx="7734300" cy="7322647"/>
           </a:xfrm>
         </p:spPr>
         <p:txBody>
@@ -957,7 +958,7 @@
           <a:p>
             <a:fld id="{A055A2E0-1DEB-407D-989C-7C47715714E3}" type="datetimeFigureOut">
               <a:rPr lang="en-IN" smtClean="0"/>
-              <a:t>22-02-2024</a:t>
+              <a:t>23-02-2024</a:t>
             </a:fld>
             <a:endParaRPr lang="en-IN"/>
           </a:p>
@@ -1008,7 +1009,7 @@
     </p:spTree>
     <p:extLst>
       <p:ext uri="{BB962C8B-B14F-4D97-AF65-F5344CB8AC3E}">
-        <p14:creationId xmlns:p14="http://schemas.microsoft.com/office/powerpoint/2010/main" val="1946064209"/>
+        <p14:creationId xmlns:p14="http://schemas.microsoft.com/office/powerpoint/2010/main" val="3718290229"/>
       </p:ext>
     </p:extLst>
   </p:cSld>
@@ -1127,7 +1128,7 @@
           <a:p>
             <a:fld id="{A055A2E0-1DEB-407D-989C-7C47715714E3}" type="datetimeFigureOut">
               <a:rPr lang="en-IN" smtClean="0"/>
-              <a:t>22-02-2024</a:t>
+              <a:t>23-02-2024</a:t>
             </a:fld>
             <a:endParaRPr lang="en-IN"/>
           </a:p>
@@ -1178,7 +1179,7 @@
     </p:spTree>
     <p:extLst>
       <p:ext uri="{BB962C8B-B14F-4D97-AF65-F5344CB8AC3E}">
-        <p14:creationId xmlns:p14="http://schemas.microsoft.com/office/powerpoint/2010/main" val="3837346850"/>
+        <p14:creationId xmlns:p14="http://schemas.microsoft.com/office/powerpoint/2010/main" val="2327622038"/>
       </p:ext>
     </p:extLst>
   </p:cSld>
@@ -1217,15 +1218,15 @@
         </p:nvSpPr>
         <p:spPr>
           <a:xfrm>
-            <a:off x="831851" y="1997071"/>
-            <a:ext cx="10515600" cy="3332155"/>
+            <a:off x="831851" y="2154193"/>
+            <a:ext cx="10515600" cy="3594317"/>
           </a:xfrm>
         </p:spPr>
         <p:txBody>
           <a:bodyPr anchor="b"/>
           <a:lstStyle>
             <a:lvl1pPr>
-              <a:defRPr sz="7009"/>
+              <a:defRPr sz="7560"/>
             </a:lvl1pPr>
           </a:lstStyle>
           <a:p>
@@ -1249,8 +1250,8 @@
         </p:nvSpPr>
         <p:spPr>
           <a:xfrm>
-            <a:off x="831851" y="5360749"/>
-            <a:ext cx="10515600" cy="1752302"/>
+            <a:off x="831851" y="5782513"/>
+            <a:ext cx="10515600" cy="1890166"/>
           </a:xfrm>
         </p:spPr>
         <p:txBody>
@@ -1258,15 +1259,15 @@
           <a:lstStyle>
             <a:lvl1pPr marL="0" indent="0">
               <a:buNone/>
-              <a:defRPr sz="2803">
+              <a:defRPr sz="3024">
                 <a:solidFill>
                   <a:schemeClr val="tx1"/>
                 </a:solidFill>
               </a:defRPr>
             </a:lvl1pPr>
-            <a:lvl2pPr marL="534055" indent="0">
+            <a:lvl2pPr marL="576072" indent="0">
               <a:buNone/>
-              <a:defRPr sz="2336">
+              <a:defRPr sz="2520">
                 <a:solidFill>
                   <a:schemeClr val="tx1">
                     <a:tint val="75000"/>
@@ -1274,9 +1275,9 @@
                 </a:solidFill>
               </a:defRPr>
             </a:lvl2pPr>
-            <a:lvl3pPr marL="1068111" indent="0">
+            <a:lvl3pPr marL="1152144" indent="0">
               <a:buNone/>
-              <a:defRPr sz="2103">
+              <a:defRPr sz="2268">
                 <a:solidFill>
                   <a:schemeClr val="tx1">
                     <a:tint val="75000"/>
@@ -1284,9 +1285,9 @@
                 </a:solidFill>
               </a:defRPr>
             </a:lvl3pPr>
-            <a:lvl4pPr marL="1602166" indent="0">
+            <a:lvl4pPr marL="1728216" indent="0">
               <a:buNone/>
-              <a:defRPr sz="1869">
+              <a:defRPr sz="2016">
                 <a:solidFill>
                   <a:schemeClr val="tx1">
                     <a:tint val="75000"/>
@@ -1294,9 +1295,9 @@
                 </a:solidFill>
               </a:defRPr>
             </a:lvl4pPr>
-            <a:lvl5pPr marL="2136221" indent="0">
+            <a:lvl5pPr marL="2304288" indent="0">
               <a:buNone/>
-              <a:defRPr sz="1869">
+              <a:defRPr sz="2016">
                 <a:solidFill>
                   <a:schemeClr val="tx1">
                     <a:tint val="75000"/>
@@ -1304,9 +1305,9 @@
                 </a:solidFill>
               </a:defRPr>
             </a:lvl5pPr>
-            <a:lvl6pPr marL="2670277" indent="0">
+            <a:lvl6pPr marL="2880360" indent="0">
               <a:buNone/>
-              <a:defRPr sz="1869">
+              <a:defRPr sz="2016">
                 <a:solidFill>
                   <a:schemeClr val="tx1">
                     <a:tint val="75000"/>
@@ -1314,9 +1315,9 @@
                 </a:solidFill>
               </a:defRPr>
             </a:lvl6pPr>
-            <a:lvl7pPr marL="3204332" indent="0">
+            <a:lvl7pPr marL="3456432" indent="0">
               <a:buNone/>
-              <a:defRPr sz="1869">
+              <a:defRPr sz="2016">
                 <a:solidFill>
                   <a:schemeClr val="tx1">
                     <a:tint val="75000"/>
@@ -1324,9 +1325,9 @@
                 </a:solidFill>
               </a:defRPr>
             </a:lvl7pPr>
-            <a:lvl8pPr marL="3738387" indent="0">
+            <a:lvl8pPr marL="4032504" indent="0">
               <a:buNone/>
-              <a:defRPr sz="1869">
+              <a:defRPr sz="2016">
                 <a:solidFill>
                   <a:schemeClr val="tx1">
                     <a:tint val="75000"/>
@@ -1334,9 +1335,9 @@
                 </a:solidFill>
               </a:defRPr>
             </a:lvl8pPr>
-            <a:lvl9pPr marL="4272443" indent="0">
+            <a:lvl9pPr marL="4608576" indent="0">
               <a:buNone/>
-              <a:defRPr sz="1869">
+              <a:defRPr sz="2016">
                 <a:solidFill>
                   <a:schemeClr val="tx1">
                     <a:tint val="75000"/>
@@ -1371,7 +1372,7 @@
           <a:p>
             <a:fld id="{A055A2E0-1DEB-407D-989C-7C47715714E3}" type="datetimeFigureOut">
               <a:rPr lang="en-IN" smtClean="0"/>
-              <a:t>22-02-2024</a:t>
+              <a:t>23-02-2024</a:t>
             </a:fld>
             <a:endParaRPr lang="en-IN"/>
           </a:p>
@@ -1422,7 +1423,7 @@
     </p:spTree>
     <p:extLst>
       <p:ext uri="{BB962C8B-B14F-4D97-AF65-F5344CB8AC3E}">
-        <p14:creationId xmlns:p14="http://schemas.microsoft.com/office/powerpoint/2010/main" val="941784973"/>
+        <p14:creationId xmlns:p14="http://schemas.microsoft.com/office/powerpoint/2010/main" val="326410055"/>
       </p:ext>
     </p:extLst>
   </p:cSld>
@@ -1484,8 +1485,8 @@
         </p:nvSpPr>
         <p:spPr>
           <a:xfrm>
-            <a:off x="838200" y="2132431"/>
-            <a:ext cx="5181600" cy="5082605"/>
+            <a:off x="838200" y="2300203"/>
+            <a:ext cx="5181600" cy="5482485"/>
           </a:xfrm>
         </p:spPr>
         <p:txBody>
@@ -1541,8 +1542,8 @@
         </p:nvSpPr>
         <p:spPr>
           <a:xfrm>
-            <a:off x="6172200" y="2132431"/>
-            <a:ext cx="5181600" cy="5082605"/>
+            <a:off x="6172200" y="2300203"/>
+            <a:ext cx="5181600" cy="5482485"/>
           </a:xfrm>
         </p:spPr>
         <p:txBody>
@@ -1603,7 +1604,7 @@
           <a:p>
             <a:fld id="{A055A2E0-1DEB-407D-989C-7C47715714E3}" type="datetimeFigureOut">
               <a:rPr lang="en-IN" smtClean="0"/>
-              <a:t>22-02-2024</a:t>
+              <a:t>23-02-2024</a:t>
             </a:fld>
             <a:endParaRPr lang="en-IN"/>
           </a:p>
@@ -1654,7 +1655,7 @@
     </p:spTree>
     <p:extLst>
       <p:ext uri="{BB962C8B-B14F-4D97-AF65-F5344CB8AC3E}">
-        <p14:creationId xmlns:p14="http://schemas.microsoft.com/office/powerpoint/2010/main" val="1643159561"/>
+        <p14:creationId xmlns:p14="http://schemas.microsoft.com/office/powerpoint/2010/main" val="3277893020"/>
       </p:ext>
     </p:extLst>
   </p:cSld>
@@ -1693,8 +1694,8 @@
         </p:nvSpPr>
         <p:spPr>
           <a:xfrm>
-            <a:off x="839788" y="426488"/>
-            <a:ext cx="10515600" cy="1548331"/>
+            <a:off x="839788" y="460043"/>
+            <a:ext cx="10515600" cy="1670148"/>
           </a:xfrm>
         </p:spPr>
         <p:txBody>
@@ -1721,8 +1722,8 @@
         </p:nvSpPr>
         <p:spPr>
           <a:xfrm>
-            <a:off x="839789" y="1963692"/>
-            <a:ext cx="5157787" cy="962375"/>
+            <a:off x="839789" y="2118188"/>
+            <a:ext cx="5157787" cy="1038091"/>
           </a:xfrm>
         </p:spPr>
         <p:txBody>
@@ -1730,39 +1731,39 @@
           <a:lstStyle>
             <a:lvl1pPr marL="0" indent="0">
               <a:buNone/>
-              <a:defRPr sz="2803" b="1"/>
+              <a:defRPr sz="3024" b="1"/>
             </a:lvl1pPr>
-            <a:lvl2pPr marL="534055" indent="0">
+            <a:lvl2pPr marL="576072" indent="0">
               <a:buNone/>
-              <a:defRPr sz="2336" b="1"/>
+              <a:defRPr sz="2520" b="1"/>
             </a:lvl2pPr>
-            <a:lvl3pPr marL="1068111" indent="0">
+            <a:lvl3pPr marL="1152144" indent="0">
               <a:buNone/>
-              <a:defRPr sz="2103" b="1"/>
+              <a:defRPr sz="2268" b="1"/>
             </a:lvl3pPr>
-            <a:lvl4pPr marL="1602166" indent="0">
+            <a:lvl4pPr marL="1728216" indent="0">
               <a:buNone/>
-              <a:defRPr sz="1869" b="1"/>
+              <a:defRPr sz="2016" b="1"/>
             </a:lvl4pPr>
-            <a:lvl5pPr marL="2136221" indent="0">
+            <a:lvl5pPr marL="2304288" indent="0">
               <a:buNone/>
-              <a:defRPr sz="1869" b="1"/>
+              <a:defRPr sz="2016" b="1"/>
             </a:lvl5pPr>
-            <a:lvl6pPr marL="2670277" indent="0">
+            <a:lvl6pPr marL="2880360" indent="0">
               <a:buNone/>
-              <a:defRPr sz="1869" b="1"/>
+              <a:defRPr sz="2016" b="1"/>
             </a:lvl6pPr>
-            <a:lvl7pPr marL="3204332" indent="0">
+            <a:lvl7pPr marL="3456432" indent="0">
               <a:buNone/>
-              <a:defRPr sz="1869" b="1"/>
+              <a:defRPr sz="2016" b="1"/>
             </a:lvl7pPr>
-            <a:lvl8pPr marL="3738387" indent="0">
+            <a:lvl8pPr marL="4032504" indent="0">
               <a:buNone/>
-              <a:defRPr sz="1869" b="1"/>
+              <a:defRPr sz="2016" b="1"/>
             </a:lvl8pPr>
-            <a:lvl9pPr marL="4272443" indent="0">
+            <a:lvl9pPr marL="4608576" indent="0">
               <a:buNone/>
-              <a:defRPr sz="1869" b="1"/>
+              <a:defRPr sz="2016" b="1"/>
             </a:lvl9pPr>
           </a:lstStyle>
           <a:p>
@@ -1786,8 +1787,8 @@
         </p:nvSpPr>
         <p:spPr>
           <a:xfrm>
-            <a:off x="839789" y="2926067"/>
-            <a:ext cx="5157787" cy="4303803"/>
+            <a:off x="839789" y="3156278"/>
+            <a:ext cx="5157787" cy="4642411"/>
           </a:xfrm>
         </p:spPr>
         <p:txBody>
@@ -1843,8 +1844,8 @@
         </p:nvSpPr>
         <p:spPr>
           <a:xfrm>
-            <a:off x="6172201" y="1963692"/>
-            <a:ext cx="5183188" cy="962375"/>
+            <a:off x="6172201" y="2118188"/>
+            <a:ext cx="5183188" cy="1038091"/>
           </a:xfrm>
         </p:spPr>
         <p:txBody>
@@ -1852,39 +1853,39 @@
           <a:lstStyle>
             <a:lvl1pPr marL="0" indent="0">
               <a:buNone/>
-              <a:defRPr sz="2803" b="1"/>
+              <a:defRPr sz="3024" b="1"/>
             </a:lvl1pPr>
-            <a:lvl2pPr marL="534055" indent="0">
+            <a:lvl2pPr marL="576072" indent="0">
               <a:buNone/>
-              <a:defRPr sz="2336" b="1"/>
+              <a:defRPr sz="2520" b="1"/>
             </a:lvl2pPr>
-            <a:lvl3pPr marL="1068111" indent="0">
+            <a:lvl3pPr marL="1152144" indent="0">
               <a:buNone/>
-              <a:defRPr sz="2103" b="1"/>
+              <a:defRPr sz="2268" b="1"/>
             </a:lvl3pPr>
-            <a:lvl4pPr marL="1602166" indent="0">
+            <a:lvl4pPr marL="1728216" indent="0">
               <a:buNone/>
-              <a:defRPr sz="1869" b="1"/>
+              <a:defRPr sz="2016" b="1"/>
             </a:lvl4pPr>
-            <a:lvl5pPr marL="2136221" indent="0">
+            <a:lvl5pPr marL="2304288" indent="0">
               <a:buNone/>
-              <a:defRPr sz="1869" b="1"/>
+              <a:defRPr sz="2016" b="1"/>
             </a:lvl5pPr>
-            <a:lvl6pPr marL="2670277" indent="0">
+            <a:lvl6pPr marL="2880360" indent="0">
               <a:buNone/>
-              <a:defRPr sz="1869" b="1"/>
+              <a:defRPr sz="2016" b="1"/>
             </a:lvl6pPr>
-            <a:lvl7pPr marL="3204332" indent="0">
+            <a:lvl7pPr marL="3456432" indent="0">
               <a:buNone/>
-              <a:defRPr sz="1869" b="1"/>
+              <a:defRPr sz="2016" b="1"/>
             </a:lvl7pPr>
-            <a:lvl8pPr marL="3738387" indent="0">
+            <a:lvl8pPr marL="4032504" indent="0">
               <a:buNone/>
-              <a:defRPr sz="1869" b="1"/>
+              <a:defRPr sz="2016" b="1"/>
             </a:lvl8pPr>
-            <a:lvl9pPr marL="4272443" indent="0">
+            <a:lvl9pPr marL="4608576" indent="0">
               <a:buNone/>
-              <a:defRPr sz="1869" b="1"/>
+              <a:defRPr sz="2016" b="1"/>
             </a:lvl9pPr>
           </a:lstStyle>
           <a:p>
@@ -1908,8 +1909,8 @@
         </p:nvSpPr>
         <p:spPr>
           <a:xfrm>
-            <a:off x="6172201" y="2926067"/>
-            <a:ext cx="5183188" cy="4303803"/>
+            <a:off x="6172201" y="3156278"/>
+            <a:ext cx="5183188" cy="4642411"/>
           </a:xfrm>
         </p:spPr>
         <p:txBody>
@@ -1970,7 +1971,7 @@
           <a:p>
             <a:fld id="{A055A2E0-1DEB-407D-989C-7C47715714E3}" type="datetimeFigureOut">
               <a:rPr lang="en-IN" smtClean="0"/>
-              <a:t>22-02-2024</a:t>
+              <a:t>23-02-2024</a:t>
             </a:fld>
             <a:endParaRPr lang="en-IN"/>
           </a:p>
@@ -2021,7 +2022,7 @@
     </p:spTree>
     <p:extLst>
       <p:ext uri="{BB962C8B-B14F-4D97-AF65-F5344CB8AC3E}">
-        <p14:creationId xmlns:p14="http://schemas.microsoft.com/office/powerpoint/2010/main" val="4141832118"/>
+        <p14:creationId xmlns:p14="http://schemas.microsoft.com/office/powerpoint/2010/main" val="2980373702"/>
       </p:ext>
     </p:extLst>
   </p:cSld>
@@ -2088,7 +2089,7 @@
           <a:p>
             <a:fld id="{A055A2E0-1DEB-407D-989C-7C47715714E3}" type="datetimeFigureOut">
               <a:rPr lang="en-IN" smtClean="0"/>
-              <a:t>22-02-2024</a:t>
+              <a:t>23-02-2024</a:t>
             </a:fld>
             <a:endParaRPr lang="en-IN"/>
           </a:p>
@@ -2139,7 +2140,7 @@
     </p:spTree>
     <p:extLst>
       <p:ext uri="{BB962C8B-B14F-4D97-AF65-F5344CB8AC3E}">
-        <p14:creationId xmlns:p14="http://schemas.microsoft.com/office/powerpoint/2010/main" val="3030112572"/>
+        <p14:creationId xmlns:p14="http://schemas.microsoft.com/office/powerpoint/2010/main" val="1291568577"/>
       </p:ext>
     </p:extLst>
   </p:cSld>
@@ -2183,7 +2184,7 @@
           <a:p>
             <a:fld id="{A055A2E0-1DEB-407D-989C-7C47715714E3}" type="datetimeFigureOut">
               <a:rPr lang="en-IN" smtClean="0"/>
-              <a:t>22-02-2024</a:t>
+              <a:t>23-02-2024</a:t>
             </a:fld>
             <a:endParaRPr lang="en-IN"/>
           </a:p>
@@ -2234,7 +2235,7 @@
     </p:spTree>
     <p:extLst>
       <p:ext uri="{BB962C8B-B14F-4D97-AF65-F5344CB8AC3E}">
-        <p14:creationId xmlns:p14="http://schemas.microsoft.com/office/powerpoint/2010/main" val="1919027283"/>
+        <p14:creationId xmlns:p14="http://schemas.microsoft.com/office/powerpoint/2010/main" val="1313359341"/>
       </p:ext>
     </p:extLst>
   </p:cSld>
@@ -2273,15 +2274,15 @@
         </p:nvSpPr>
         <p:spPr>
           <a:xfrm>
-            <a:off x="839788" y="534035"/>
-            <a:ext cx="3932237" cy="1869123"/>
+            <a:off x="839788" y="576051"/>
+            <a:ext cx="3932237" cy="2016178"/>
           </a:xfrm>
         </p:spPr>
         <p:txBody>
           <a:bodyPr anchor="b"/>
           <a:lstStyle>
             <a:lvl1pPr>
-              <a:defRPr sz="3738"/>
+              <a:defRPr sz="4032"/>
             </a:lvl1pPr>
           </a:lstStyle>
           <a:p>
@@ -2305,39 +2306,39 @@
         </p:nvSpPr>
         <p:spPr>
           <a:xfrm>
-            <a:off x="5183188" y="1153369"/>
-            <a:ext cx="6172200" cy="5692665"/>
+            <a:off x="5183188" y="1244112"/>
+            <a:ext cx="6172200" cy="6140542"/>
           </a:xfrm>
         </p:spPr>
         <p:txBody>
           <a:bodyPr/>
           <a:lstStyle>
             <a:lvl1pPr>
-              <a:defRPr sz="3738"/>
+              <a:defRPr sz="4032"/>
             </a:lvl1pPr>
             <a:lvl2pPr>
-              <a:defRPr sz="3271"/>
+              <a:defRPr sz="3528"/>
             </a:lvl2pPr>
             <a:lvl3pPr>
-              <a:defRPr sz="2803"/>
+              <a:defRPr sz="3024"/>
             </a:lvl3pPr>
             <a:lvl4pPr>
-              <a:defRPr sz="2336"/>
+              <a:defRPr sz="2520"/>
             </a:lvl4pPr>
             <a:lvl5pPr>
-              <a:defRPr sz="2336"/>
+              <a:defRPr sz="2520"/>
             </a:lvl5pPr>
             <a:lvl6pPr>
-              <a:defRPr sz="2336"/>
+              <a:defRPr sz="2520"/>
             </a:lvl6pPr>
             <a:lvl7pPr>
-              <a:defRPr sz="2336"/>
+              <a:defRPr sz="2520"/>
             </a:lvl7pPr>
             <a:lvl8pPr>
-              <a:defRPr sz="2336"/>
+              <a:defRPr sz="2520"/>
             </a:lvl8pPr>
             <a:lvl9pPr>
-              <a:defRPr sz="2336"/>
+              <a:defRPr sz="2520"/>
             </a:lvl9pPr>
           </a:lstStyle>
           <a:p>
@@ -2390,8 +2391,8 @@
         </p:nvSpPr>
         <p:spPr>
           <a:xfrm>
-            <a:off x="839788" y="2403157"/>
-            <a:ext cx="3932237" cy="4452147"/>
+            <a:off x="839788" y="2592229"/>
+            <a:ext cx="3932237" cy="4802425"/>
           </a:xfrm>
         </p:spPr>
         <p:txBody>
@@ -2399,39 +2400,39 @@
           <a:lstStyle>
             <a:lvl1pPr marL="0" indent="0">
               <a:buNone/>
-              <a:defRPr sz="1869"/>
+              <a:defRPr sz="2016"/>
             </a:lvl1pPr>
-            <a:lvl2pPr marL="534055" indent="0">
+            <a:lvl2pPr marL="576072" indent="0">
               <a:buNone/>
-              <a:defRPr sz="1635"/>
+              <a:defRPr sz="1764"/>
             </a:lvl2pPr>
-            <a:lvl3pPr marL="1068111" indent="0">
+            <a:lvl3pPr marL="1152144" indent="0">
               <a:buNone/>
-              <a:defRPr sz="1402"/>
+              <a:defRPr sz="1512"/>
             </a:lvl3pPr>
-            <a:lvl4pPr marL="1602166" indent="0">
+            <a:lvl4pPr marL="1728216" indent="0">
               <a:buNone/>
-              <a:defRPr sz="1168"/>
+              <a:defRPr sz="1260"/>
             </a:lvl4pPr>
-            <a:lvl5pPr marL="2136221" indent="0">
+            <a:lvl5pPr marL="2304288" indent="0">
               <a:buNone/>
-              <a:defRPr sz="1168"/>
+              <a:defRPr sz="1260"/>
             </a:lvl5pPr>
-            <a:lvl6pPr marL="2670277" indent="0">
+            <a:lvl6pPr marL="2880360" indent="0">
               <a:buNone/>
-              <a:defRPr sz="1168"/>
+              <a:defRPr sz="1260"/>
             </a:lvl6pPr>
-            <a:lvl7pPr marL="3204332" indent="0">
+            <a:lvl7pPr marL="3456432" indent="0">
               <a:buNone/>
-              <a:defRPr sz="1168"/>
+              <a:defRPr sz="1260"/>
             </a:lvl7pPr>
-            <a:lvl8pPr marL="3738387" indent="0">
+            <a:lvl8pPr marL="4032504" indent="0">
               <a:buNone/>
-              <a:defRPr sz="1168"/>
+              <a:defRPr sz="1260"/>
             </a:lvl8pPr>
-            <a:lvl9pPr marL="4272443" indent="0">
+            <a:lvl9pPr marL="4608576" indent="0">
               <a:buNone/>
-              <a:defRPr sz="1168"/>
+              <a:defRPr sz="1260"/>
             </a:lvl9pPr>
           </a:lstStyle>
           <a:p>
@@ -2460,7 +2461,7 @@
           <a:p>
             <a:fld id="{A055A2E0-1DEB-407D-989C-7C47715714E3}" type="datetimeFigureOut">
               <a:rPr lang="en-IN" smtClean="0"/>
-              <a:t>22-02-2024</a:t>
+              <a:t>23-02-2024</a:t>
             </a:fld>
             <a:endParaRPr lang="en-IN"/>
           </a:p>
@@ -2511,7 +2512,7 @@
     </p:spTree>
     <p:extLst>
       <p:ext uri="{BB962C8B-B14F-4D97-AF65-F5344CB8AC3E}">
-        <p14:creationId xmlns:p14="http://schemas.microsoft.com/office/powerpoint/2010/main" val="2987298025"/>
+        <p14:creationId xmlns:p14="http://schemas.microsoft.com/office/powerpoint/2010/main" val="765189788"/>
       </p:ext>
     </p:extLst>
   </p:cSld>
@@ -2550,15 +2551,15 @@
         </p:nvSpPr>
         <p:spPr>
           <a:xfrm>
-            <a:off x="839788" y="534035"/>
-            <a:ext cx="3932237" cy="1869123"/>
+            <a:off x="839788" y="576051"/>
+            <a:ext cx="3932237" cy="2016178"/>
           </a:xfrm>
         </p:spPr>
         <p:txBody>
           <a:bodyPr anchor="b"/>
           <a:lstStyle>
             <a:lvl1pPr>
-              <a:defRPr sz="3738"/>
+              <a:defRPr sz="4032"/>
             </a:lvl1pPr>
           </a:lstStyle>
           <a:p>
@@ -2582,8 +2583,8 @@
         </p:nvSpPr>
         <p:spPr>
           <a:xfrm>
-            <a:off x="5183188" y="1153369"/>
-            <a:ext cx="6172200" cy="5692665"/>
+            <a:off x="5183188" y="1244112"/>
+            <a:ext cx="6172200" cy="6140542"/>
           </a:xfrm>
         </p:spPr>
         <p:txBody>
@@ -2591,39 +2592,39 @@
           <a:lstStyle>
             <a:lvl1pPr marL="0" indent="0">
               <a:buNone/>
-              <a:defRPr sz="3738"/>
+              <a:defRPr sz="4032"/>
             </a:lvl1pPr>
-            <a:lvl2pPr marL="534055" indent="0">
+            <a:lvl2pPr marL="576072" indent="0">
               <a:buNone/>
-              <a:defRPr sz="3271"/>
+              <a:defRPr sz="3528"/>
             </a:lvl2pPr>
-            <a:lvl3pPr marL="1068111" indent="0">
+            <a:lvl3pPr marL="1152144" indent="0">
               <a:buNone/>
-              <a:defRPr sz="2803"/>
+              <a:defRPr sz="3024"/>
             </a:lvl3pPr>
-            <a:lvl4pPr marL="1602166" indent="0">
+            <a:lvl4pPr marL="1728216" indent="0">
               <a:buNone/>
-              <a:defRPr sz="2336"/>
+              <a:defRPr sz="2520"/>
             </a:lvl4pPr>
-            <a:lvl5pPr marL="2136221" indent="0">
+            <a:lvl5pPr marL="2304288" indent="0">
               <a:buNone/>
-              <a:defRPr sz="2336"/>
+              <a:defRPr sz="2520"/>
             </a:lvl5pPr>
-            <a:lvl6pPr marL="2670277" indent="0">
+            <a:lvl6pPr marL="2880360" indent="0">
               <a:buNone/>
-              <a:defRPr sz="2336"/>
+              <a:defRPr sz="2520"/>
             </a:lvl6pPr>
-            <a:lvl7pPr marL="3204332" indent="0">
+            <a:lvl7pPr marL="3456432" indent="0">
               <a:buNone/>
-              <a:defRPr sz="2336"/>
+              <a:defRPr sz="2520"/>
             </a:lvl7pPr>
-            <a:lvl8pPr marL="3738387" indent="0">
+            <a:lvl8pPr marL="4032504" indent="0">
               <a:buNone/>
-              <a:defRPr sz="2336"/>
+              <a:defRPr sz="2520"/>
             </a:lvl8pPr>
-            <a:lvl9pPr marL="4272443" indent="0">
+            <a:lvl9pPr marL="4608576" indent="0">
               <a:buNone/>
-              <a:defRPr sz="2336"/>
+              <a:defRPr sz="2520"/>
             </a:lvl9pPr>
           </a:lstStyle>
           <a:p>
@@ -2647,8 +2648,8 @@
         </p:nvSpPr>
         <p:spPr>
           <a:xfrm>
-            <a:off x="839788" y="2403157"/>
-            <a:ext cx="3932237" cy="4452147"/>
+            <a:off x="839788" y="2592229"/>
+            <a:ext cx="3932237" cy="4802425"/>
           </a:xfrm>
         </p:spPr>
         <p:txBody>
@@ -2656,39 +2657,39 @@
           <a:lstStyle>
             <a:lvl1pPr marL="0" indent="0">
               <a:buNone/>
-              <a:defRPr sz="1869"/>
+              <a:defRPr sz="2016"/>
             </a:lvl1pPr>
-            <a:lvl2pPr marL="534055" indent="0">
+            <a:lvl2pPr marL="576072" indent="0">
               <a:buNone/>
-              <a:defRPr sz="1635"/>
+              <a:defRPr sz="1764"/>
             </a:lvl2pPr>
-            <a:lvl3pPr marL="1068111" indent="0">
+            <a:lvl3pPr marL="1152144" indent="0">
               <a:buNone/>
-              <a:defRPr sz="1402"/>
+              <a:defRPr sz="1512"/>
             </a:lvl3pPr>
-            <a:lvl4pPr marL="1602166" indent="0">
+            <a:lvl4pPr marL="1728216" indent="0">
               <a:buNone/>
-              <a:defRPr sz="1168"/>
+              <a:defRPr sz="1260"/>
             </a:lvl4pPr>
-            <a:lvl5pPr marL="2136221" indent="0">
+            <a:lvl5pPr marL="2304288" indent="0">
               <a:buNone/>
-              <a:defRPr sz="1168"/>
+              <a:defRPr sz="1260"/>
             </a:lvl5pPr>
-            <a:lvl6pPr marL="2670277" indent="0">
+            <a:lvl6pPr marL="2880360" indent="0">
               <a:buNone/>
-              <a:defRPr sz="1168"/>
+              <a:defRPr sz="1260"/>
             </a:lvl6pPr>
-            <a:lvl7pPr marL="3204332" indent="0">
+            <a:lvl7pPr marL="3456432" indent="0">
               <a:buNone/>
-              <a:defRPr sz="1168"/>
+              <a:defRPr sz="1260"/>
             </a:lvl7pPr>
-            <a:lvl8pPr marL="3738387" indent="0">
+            <a:lvl8pPr marL="4032504" indent="0">
               <a:buNone/>
-              <a:defRPr sz="1168"/>
+              <a:defRPr sz="1260"/>
             </a:lvl8pPr>
-            <a:lvl9pPr marL="4272443" indent="0">
+            <a:lvl9pPr marL="4608576" indent="0">
               <a:buNone/>
-              <a:defRPr sz="1168"/>
+              <a:defRPr sz="1260"/>
             </a:lvl9pPr>
           </a:lstStyle>
           <a:p>
@@ -2717,7 +2718,7 @@
           <a:p>
             <a:fld id="{A055A2E0-1DEB-407D-989C-7C47715714E3}" type="datetimeFigureOut">
               <a:rPr lang="en-IN" smtClean="0"/>
-              <a:t>22-02-2024</a:t>
+              <a:t>23-02-2024</a:t>
             </a:fld>
             <a:endParaRPr lang="en-IN"/>
           </a:p>
@@ -2768,7 +2769,7 @@
     </p:spTree>
     <p:extLst>
       <p:ext uri="{BB962C8B-B14F-4D97-AF65-F5344CB8AC3E}">
-        <p14:creationId xmlns:p14="http://schemas.microsoft.com/office/powerpoint/2010/main" val="3188989905"/>
+        <p14:creationId xmlns:p14="http://schemas.microsoft.com/office/powerpoint/2010/main" val="1891649570"/>
       </p:ext>
     </p:extLst>
   </p:cSld>
@@ -2812,8 +2813,8 @@
         </p:nvSpPr>
         <p:spPr>
           <a:xfrm>
-            <a:off x="838200" y="426488"/>
-            <a:ext cx="10515600" cy="1548331"/>
+            <a:off x="838200" y="460043"/>
+            <a:ext cx="10515600" cy="1670148"/>
           </a:xfrm>
           <a:prstGeom prst="rect">
             <a:avLst/>
@@ -2845,8 +2846,8 @@
         </p:nvSpPr>
         <p:spPr>
           <a:xfrm>
-            <a:off x="838200" y="2132431"/>
-            <a:ext cx="10515600" cy="5082605"/>
+            <a:off x="838200" y="2300203"/>
+            <a:ext cx="10515600" cy="5482485"/>
           </a:xfrm>
           <a:prstGeom prst="rect">
             <a:avLst/>
@@ -2907,8 +2908,8 @@
         </p:nvSpPr>
         <p:spPr>
           <a:xfrm>
-            <a:off x="838200" y="7424572"/>
-            <a:ext cx="2743200" cy="426486"/>
+            <a:off x="838200" y="8008709"/>
+            <a:ext cx="2743200" cy="460041"/>
           </a:xfrm>
           <a:prstGeom prst="rect">
             <a:avLst/>
@@ -2918,7 +2919,7 @@
           <a:bodyPr vert="horz" lIns="91440" tIns="45720" rIns="91440" bIns="45720" rtlCol="0" anchor="ctr"/>
           <a:lstStyle>
             <a:lvl1pPr algn="l">
-              <a:defRPr sz="1402">
+              <a:defRPr sz="1512">
                 <a:solidFill>
                   <a:schemeClr val="tx1">
                     <a:tint val="75000"/>
@@ -2930,7 +2931,7 @@
           <a:p>
             <a:fld id="{A055A2E0-1DEB-407D-989C-7C47715714E3}" type="datetimeFigureOut">
               <a:rPr lang="en-IN" smtClean="0"/>
-              <a:t>22-02-2024</a:t>
+              <a:t>23-02-2024</a:t>
             </a:fld>
             <a:endParaRPr lang="en-IN"/>
           </a:p>
@@ -2948,8 +2949,8 @@
         </p:nvSpPr>
         <p:spPr>
           <a:xfrm>
-            <a:off x="4038600" y="7424572"/>
-            <a:ext cx="4114800" cy="426486"/>
+            <a:off x="4038600" y="8008709"/>
+            <a:ext cx="4114800" cy="460041"/>
           </a:xfrm>
           <a:prstGeom prst="rect">
             <a:avLst/>
@@ -2959,7 +2960,7 @@
           <a:bodyPr vert="horz" lIns="91440" tIns="45720" rIns="91440" bIns="45720" rtlCol="0" anchor="ctr"/>
           <a:lstStyle>
             <a:lvl1pPr algn="ctr">
-              <a:defRPr sz="1402">
+              <a:defRPr sz="1512">
                 <a:solidFill>
                   <a:schemeClr val="tx1">
                     <a:tint val="75000"/>
@@ -2985,8 +2986,8 @@
         </p:nvSpPr>
         <p:spPr>
           <a:xfrm>
-            <a:off x="8610600" y="7424572"/>
-            <a:ext cx="2743200" cy="426486"/>
+            <a:off x="8610600" y="8008709"/>
+            <a:ext cx="2743200" cy="460041"/>
           </a:xfrm>
           <a:prstGeom prst="rect">
             <a:avLst/>
@@ -2996,7 +2997,7 @@
           <a:bodyPr vert="horz" lIns="91440" tIns="45720" rIns="91440" bIns="45720" rtlCol="0" anchor="ctr"/>
           <a:lstStyle>
             <a:lvl1pPr algn="r">
-              <a:defRPr sz="1402">
+              <a:defRPr sz="1512">
                 <a:solidFill>
                   <a:schemeClr val="tx1">
                     <a:tint val="75000"/>
@@ -3017,27 +3018,27 @@
     </p:spTree>
     <p:extLst>
       <p:ext uri="{BB962C8B-B14F-4D97-AF65-F5344CB8AC3E}">
-        <p14:creationId xmlns:p14="http://schemas.microsoft.com/office/powerpoint/2010/main" val="3018215752"/>
+        <p14:creationId xmlns:p14="http://schemas.microsoft.com/office/powerpoint/2010/main" val="2184950173"/>
       </p:ext>
     </p:extLst>
   </p:cSld>
   <p:clrMap bg1="lt1" tx1="dk1" bg2="lt2" tx2="dk2" accent1="accent1" accent2="accent2" accent3="accent3" accent4="accent4" accent5="accent5" accent6="accent6" hlink="hlink" folHlink="folHlink"/>
   <p:sldLayoutIdLst>
-    <p:sldLayoutId id="2147483697" r:id="rId1"/>
-    <p:sldLayoutId id="2147483698" r:id="rId2"/>
-    <p:sldLayoutId id="2147483699" r:id="rId3"/>
-    <p:sldLayoutId id="2147483700" r:id="rId4"/>
-    <p:sldLayoutId id="2147483701" r:id="rId5"/>
-    <p:sldLayoutId id="2147483702" r:id="rId6"/>
-    <p:sldLayoutId id="2147483703" r:id="rId7"/>
-    <p:sldLayoutId id="2147483704" r:id="rId8"/>
-    <p:sldLayoutId id="2147483705" r:id="rId9"/>
-    <p:sldLayoutId id="2147483706" r:id="rId10"/>
-    <p:sldLayoutId id="2147483707" r:id="rId11"/>
+    <p:sldLayoutId id="2147483721" r:id="rId1"/>
+    <p:sldLayoutId id="2147483722" r:id="rId2"/>
+    <p:sldLayoutId id="2147483723" r:id="rId3"/>
+    <p:sldLayoutId id="2147483724" r:id="rId4"/>
+    <p:sldLayoutId id="2147483725" r:id="rId5"/>
+    <p:sldLayoutId id="2147483726" r:id="rId6"/>
+    <p:sldLayoutId id="2147483727" r:id="rId7"/>
+    <p:sldLayoutId id="2147483728" r:id="rId8"/>
+    <p:sldLayoutId id="2147483729" r:id="rId9"/>
+    <p:sldLayoutId id="2147483730" r:id="rId10"/>
+    <p:sldLayoutId id="2147483731" r:id="rId11"/>
   </p:sldLayoutIdLst>
   <p:txStyles>
     <p:titleStyle>
-      <a:lvl1pPr algn="l" defTabSz="1068111" rtl="0" eaLnBrk="1" latinLnBrk="0" hangingPunct="1">
+      <a:lvl1pPr algn="l" defTabSz="1152144" rtl="0" eaLnBrk="1" latinLnBrk="0" hangingPunct="1">
         <a:lnSpc>
           <a:spcPct val="90000"/>
         </a:lnSpc>
@@ -3045,7 +3046,7 @@
           <a:spcPct val="0"/>
         </a:spcBef>
         <a:buNone/>
-        <a:defRPr sz="5140" kern="1200">
+        <a:defRPr sz="5544" kern="1200">
           <a:solidFill>
             <a:schemeClr val="tx1"/>
           </a:solidFill>
@@ -3056,16 +3057,16 @@
       </a:lvl1pPr>
     </p:titleStyle>
     <p:bodyStyle>
-      <a:lvl1pPr marL="267028" indent="-267028" algn="l" defTabSz="1068111" rtl="0" eaLnBrk="1" latinLnBrk="0" hangingPunct="1">
+      <a:lvl1pPr marL="288036" indent="-288036" algn="l" defTabSz="1152144" rtl="0" eaLnBrk="1" latinLnBrk="0" hangingPunct="1">
         <a:lnSpc>
           <a:spcPct val="90000"/>
         </a:lnSpc>
         <a:spcBef>
-          <a:spcPts val="1168"/>
+          <a:spcPts val="1260"/>
         </a:spcBef>
         <a:buFont typeface="Arial" panose="020B0604020202020204" pitchFamily="34" charset="0"/>
         <a:buChar char="•"/>
-        <a:defRPr sz="3271" kern="1200">
+        <a:defRPr sz="3528" kern="1200">
           <a:solidFill>
             <a:schemeClr val="tx1"/>
           </a:solidFill>
@@ -3074,16 +3075,16 @@
           <a:cs typeface="+mn-cs"/>
         </a:defRPr>
       </a:lvl1pPr>
-      <a:lvl2pPr marL="801083" indent="-267028" algn="l" defTabSz="1068111" rtl="0" eaLnBrk="1" latinLnBrk="0" hangingPunct="1">
+      <a:lvl2pPr marL="864108" indent="-288036" algn="l" defTabSz="1152144" rtl="0" eaLnBrk="1" latinLnBrk="0" hangingPunct="1">
         <a:lnSpc>
           <a:spcPct val="90000"/>
         </a:lnSpc>
         <a:spcBef>
-          <a:spcPts val="584"/>
+          <a:spcPts val="630"/>
         </a:spcBef>
         <a:buFont typeface="Arial" panose="020B0604020202020204" pitchFamily="34" charset="0"/>
         <a:buChar char="•"/>
-        <a:defRPr sz="2803" kern="1200">
+        <a:defRPr sz="3024" kern="1200">
           <a:solidFill>
             <a:schemeClr val="tx1"/>
           </a:solidFill>
@@ -3092,16 +3093,16 @@
           <a:cs typeface="+mn-cs"/>
         </a:defRPr>
       </a:lvl2pPr>
-      <a:lvl3pPr marL="1335138" indent="-267028" algn="l" defTabSz="1068111" rtl="0" eaLnBrk="1" latinLnBrk="0" hangingPunct="1">
+      <a:lvl3pPr marL="1440180" indent="-288036" algn="l" defTabSz="1152144" rtl="0" eaLnBrk="1" latinLnBrk="0" hangingPunct="1">
         <a:lnSpc>
           <a:spcPct val="90000"/>
         </a:lnSpc>
         <a:spcBef>
-          <a:spcPts val="584"/>
+          <a:spcPts val="630"/>
         </a:spcBef>
         <a:buFont typeface="Arial" panose="020B0604020202020204" pitchFamily="34" charset="0"/>
         <a:buChar char="•"/>
-        <a:defRPr sz="2336" kern="1200">
+        <a:defRPr sz="2520" kern="1200">
           <a:solidFill>
             <a:schemeClr val="tx1"/>
           </a:solidFill>
@@ -3110,16 +3111,16 @@
           <a:cs typeface="+mn-cs"/>
         </a:defRPr>
       </a:lvl3pPr>
-      <a:lvl4pPr marL="1869194" indent="-267028" algn="l" defTabSz="1068111" rtl="0" eaLnBrk="1" latinLnBrk="0" hangingPunct="1">
+      <a:lvl4pPr marL="2016252" indent="-288036" algn="l" defTabSz="1152144" rtl="0" eaLnBrk="1" latinLnBrk="0" hangingPunct="1">
         <a:lnSpc>
           <a:spcPct val="90000"/>
         </a:lnSpc>
         <a:spcBef>
-          <a:spcPts val="584"/>
+          <a:spcPts val="630"/>
         </a:spcBef>
         <a:buFont typeface="Arial" panose="020B0604020202020204" pitchFamily="34" charset="0"/>
         <a:buChar char="•"/>
-        <a:defRPr sz="2103" kern="1200">
+        <a:defRPr sz="2268" kern="1200">
           <a:solidFill>
             <a:schemeClr val="tx1"/>
           </a:solidFill>
@@ -3128,16 +3129,16 @@
           <a:cs typeface="+mn-cs"/>
         </a:defRPr>
       </a:lvl4pPr>
-      <a:lvl5pPr marL="2403249" indent="-267028" algn="l" defTabSz="1068111" rtl="0" eaLnBrk="1" latinLnBrk="0" hangingPunct="1">
+      <a:lvl5pPr marL="2592324" indent="-288036" algn="l" defTabSz="1152144" rtl="0" eaLnBrk="1" latinLnBrk="0" hangingPunct="1">
         <a:lnSpc>
           <a:spcPct val="90000"/>
         </a:lnSpc>
         <a:spcBef>
-          <a:spcPts val="584"/>
+          <a:spcPts val="630"/>
         </a:spcBef>
         <a:buFont typeface="Arial" panose="020B0604020202020204" pitchFamily="34" charset="0"/>
         <a:buChar char="•"/>
-        <a:defRPr sz="2103" kern="1200">
+        <a:defRPr sz="2268" kern="1200">
           <a:solidFill>
             <a:schemeClr val="tx1"/>
           </a:solidFill>
@@ -3146,16 +3147,16 @@
           <a:cs typeface="+mn-cs"/>
         </a:defRPr>
       </a:lvl5pPr>
-      <a:lvl6pPr marL="2937304" indent="-267028" algn="l" defTabSz="1068111" rtl="0" eaLnBrk="1" latinLnBrk="0" hangingPunct="1">
+      <a:lvl6pPr marL="3168396" indent="-288036" algn="l" defTabSz="1152144" rtl="0" eaLnBrk="1" latinLnBrk="0" hangingPunct="1">
         <a:lnSpc>
           <a:spcPct val="90000"/>
         </a:lnSpc>
         <a:spcBef>
-          <a:spcPts val="584"/>
+          <a:spcPts val="630"/>
         </a:spcBef>
         <a:buFont typeface="Arial" panose="020B0604020202020204" pitchFamily="34" charset="0"/>
         <a:buChar char="•"/>
-        <a:defRPr sz="2103" kern="1200">
+        <a:defRPr sz="2268" kern="1200">
           <a:solidFill>
             <a:schemeClr val="tx1"/>
           </a:solidFill>
@@ -3164,16 +3165,16 @@
           <a:cs typeface="+mn-cs"/>
         </a:defRPr>
       </a:lvl6pPr>
-      <a:lvl7pPr marL="3471360" indent="-267028" algn="l" defTabSz="1068111" rtl="0" eaLnBrk="1" latinLnBrk="0" hangingPunct="1">
+      <a:lvl7pPr marL="3744468" indent="-288036" algn="l" defTabSz="1152144" rtl="0" eaLnBrk="1" latinLnBrk="0" hangingPunct="1">
         <a:lnSpc>
           <a:spcPct val="90000"/>
         </a:lnSpc>
         <a:spcBef>
-          <a:spcPts val="584"/>
+          <a:spcPts val="630"/>
         </a:spcBef>
         <a:buFont typeface="Arial" panose="020B0604020202020204" pitchFamily="34" charset="0"/>
         <a:buChar char="•"/>
-        <a:defRPr sz="2103" kern="1200">
+        <a:defRPr sz="2268" kern="1200">
           <a:solidFill>
             <a:schemeClr val="tx1"/>
           </a:solidFill>
@@ -3182,16 +3183,16 @@
           <a:cs typeface="+mn-cs"/>
         </a:defRPr>
       </a:lvl7pPr>
-      <a:lvl8pPr marL="4005415" indent="-267028" algn="l" defTabSz="1068111" rtl="0" eaLnBrk="1" latinLnBrk="0" hangingPunct="1">
+      <a:lvl8pPr marL="4320540" indent="-288036" algn="l" defTabSz="1152144" rtl="0" eaLnBrk="1" latinLnBrk="0" hangingPunct="1">
         <a:lnSpc>
           <a:spcPct val="90000"/>
         </a:lnSpc>
         <a:spcBef>
-          <a:spcPts val="584"/>
+          <a:spcPts val="630"/>
         </a:spcBef>
         <a:buFont typeface="Arial" panose="020B0604020202020204" pitchFamily="34" charset="0"/>
         <a:buChar char="•"/>
-        <a:defRPr sz="2103" kern="1200">
+        <a:defRPr sz="2268" kern="1200">
           <a:solidFill>
             <a:schemeClr val="tx1"/>
           </a:solidFill>
@@ -3200,16 +3201,16 @@
           <a:cs typeface="+mn-cs"/>
         </a:defRPr>
       </a:lvl8pPr>
-      <a:lvl9pPr marL="4539470" indent="-267028" algn="l" defTabSz="1068111" rtl="0" eaLnBrk="1" latinLnBrk="0" hangingPunct="1">
+      <a:lvl9pPr marL="4896612" indent="-288036" algn="l" defTabSz="1152144" rtl="0" eaLnBrk="1" latinLnBrk="0" hangingPunct="1">
         <a:lnSpc>
           <a:spcPct val="90000"/>
         </a:lnSpc>
         <a:spcBef>
-          <a:spcPts val="584"/>
+          <a:spcPts val="630"/>
         </a:spcBef>
         <a:buFont typeface="Arial" panose="020B0604020202020204" pitchFamily="34" charset="0"/>
         <a:buChar char="•"/>
-        <a:defRPr sz="2103" kern="1200">
+        <a:defRPr sz="2268" kern="1200">
           <a:solidFill>
             <a:schemeClr val="tx1"/>
           </a:solidFill>
@@ -3223,8 +3224,8 @@
       <a:defPPr>
         <a:defRPr lang="en-US"/>
       </a:defPPr>
-      <a:lvl1pPr marL="0" algn="l" defTabSz="1068111" rtl="0" eaLnBrk="1" latinLnBrk="0" hangingPunct="1">
-        <a:defRPr sz="2103" kern="1200">
+      <a:lvl1pPr marL="0" algn="l" defTabSz="1152144" rtl="0" eaLnBrk="1" latinLnBrk="0" hangingPunct="1">
+        <a:defRPr sz="2268" kern="1200">
           <a:solidFill>
             <a:schemeClr val="tx1"/>
           </a:solidFill>
@@ -3233,8 +3234,8 @@
           <a:cs typeface="+mn-cs"/>
         </a:defRPr>
       </a:lvl1pPr>
-      <a:lvl2pPr marL="534055" algn="l" defTabSz="1068111" rtl="0" eaLnBrk="1" latinLnBrk="0" hangingPunct="1">
-        <a:defRPr sz="2103" kern="1200">
+      <a:lvl2pPr marL="576072" algn="l" defTabSz="1152144" rtl="0" eaLnBrk="1" latinLnBrk="0" hangingPunct="1">
+        <a:defRPr sz="2268" kern="1200">
           <a:solidFill>
             <a:schemeClr val="tx1"/>
           </a:solidFill>
@@ -3243,8 +3244,8 @@
           <a:cs typeface="+mn-cs"/>
         </a:defRPr>
       </a:lvl2pPr>
-      <a:lvl3pPr marL="1068111" algn="l" defTabSz="1068111" rtl="0" eaLnBrk="1" latinLnBrk="0" hangingPunct="1">
-        <a:defRPr sz="2103" kern="1200">
+      <a:lvl3pPr marL="1152144" algn="l" defTabSz="1152144" rtl="0" eaLnBrk="1" latinLnBrk="0" hangingPunct="1">
+        <a:defRPr sz="2268" kern="1200">
           <a:solidFill>
             <a:schemeClr val="tx1"/>
           </a:solidFill>
@@ -3253,8 +3254,8 @@
           <a:cs typeface="+mn-cs"/>
         </a:defRPr>
       </a:lvl3pPr>
-      <a:lvl4pPr marL="1602166" algn="l" defTabSz="1068111" rtl="0" eaLnBrk="1" latinLnBrk="0" hangingPunct="1">
-        <a:defRPr sz="2103" kern="1200">
+      <a:lvl4pPr marL="1728216" algn="l" defTabSz="1152144" rtl="0" eaLnBrk="1" latinLnBrk="0" hangingPunct="1">
+        <a:defRPr sz="2268" kern="1200">
           <a:solidFill>
             <a:schemeClr val="tx1"/>
           </a:solidFill>
@@ -3263,8 +3264,8 @@
           <a:cs typeface="+mn-cs"/>
         </a:defRPr>
       </a:lvl4pPr>
-      <a:lvl5pPr marL="2136221" algn="l" defTabSz="1068111" rtl="0" eaLnBrk="1" latinLnBrk="0" hangingPunct="1">
-        <a:defRPr sz="2103" kern="1200">
+      <a:lvl5pPr marL="2304288" algn="l" defTabSz="1152144" rtl="0" eaLnBrk="1" latinLnBrk="0" hangingPunct="1">
+        <a:defRPr sz="2268" kern="1200">
           <a:solidFill>
             <a:schemeClr val="tx1"/>
           </a:solidFill>
@@ -3273,8 +3274,8 @@
           <a:cs typeface="+mn-cs"/>
         </a:defRPr>
       </a:lvl5pPr>
-      <a:lvl6pPr marL="2670277" algn="l" defTabSz="1068111" rtl="0" eaLnBrk="1" latinLnBrk="0" hangingPunct="1">
-        <a:defRPr sz="2103" kern="1200">
+      <a:lvl6pPr marL="2880360" algn="l" defTabSz="1152144" rtl="0" eaLnBrk="1" latinLnBrk="0" hangingPunct="1">
+        <a:defRPr sz="2268" kern="1200">
           <a:solidFill>
             <a:schemeClr val="tx1"/>
           </a:solidFill>
@@ -3283,8 +3284,8 @@
           <a:cs typeface="+mn-cs"/>
         </a:defRPr>
       </a:lvl6pPr>
-      <a:lvl7pPr marL="3204332" algn="l" defTabSz="1068111" rtl="0" eaLnBrk="1" latinLnBrk="0" hangingPunct="1">
-        <a:defRPr sz="2103" kern="1200">
+      <a:lvl7pPr marL="3456432" algn="l" defTabSz="1152144" rtl="0" eaLnBrk="1" latinLnBrk="0" hangingPunct="1">
+        <a:defRPr sz="2268" kern="1200">
           <a:solidFill>
             <a:schemeClr val="tx1"/>
           </a:solidFill>
@@ -3293,8 +3294,8 @@
           <a:cs typeface="+mn-cs"/>
         </a:defRPr>
       </a:lvl7pPr>
-      <a:lvl8pPr marL="3738387" algn="l" defTabSz="1068111" rtl="0" eaLnBrk="1" latinLnBrk="0" hangingPunct="1">
-        <a:defRPr sz="2103" kern="1200">
+      <a:lvl8pPr marL="4032504" algn="l" defTabSz="1152144" rtl="0" eaLnBrk="1" latinLnBrk="0" hangingPunct="1">
+        <a:defRPr sz="2268" kern="1200">
           <a:solidFill>
             <a:schemeClr val="tx1"/>
           </a:solidFill>
@@ -3303,8 +3304,8 @@
           <a:cs typeface="+mn-cs"/>
         </a:defRPr>
       </a:lvl8pPr>
-      <a:lvl9pPr marL="4272443" algn="l" defTabSz="1068111" rtl="0" eaLnBrk="1" latinLnBrk="0" hangingPunct="1">
-        <a:defRPr sz="2103" kern="1200">
+      <a:lvl9pPr marL="4608576" algn="l" defTabSz="1152144" rtl="0" eaLnBrk="1" latinLnBrk="0" hangingPunct="1">
+        <a:defRPr sz="2268" kern="1200">
           <a:solidFill>
             <a:schemeClr val="tx1"/>
           </a:solidFill>
@@ -3355,8 +3356,8 @@
         </p:nvSpPr>
         <p:spPr>
           <a:xfrm>
-            <a:off x="2176213" y="763052"/>
-            <a:ext cx="7839581" cy="584775"/>
+            <a:off x="4658165" y="294397"/>
+            <a:ext cx="2526414" cy="584775"/>
           </a:xfrm>
           <a:prstGeom prst="rect">
             <a:avLst/>
@@ -3407,7 +3408,7 @@
         </p:blipFill>
         <p:spPr>
           <a:xfrm>
-            <a:off x="315247" y="763053"/>
+            <a:off x="315249" y="294396"/>
             <a:ext cx="725875" cy="725875"/>
           </a:xfrm>
           <a:prstGeom prst="rect">
@@ -3429,8 +3430,8 @@
         </p:nvSpPr>
         <p:spPr>
           <a:xfrm>
-            <a:off x="2176209" y="2011777"/>
-            <a:ext cx="8143449" cy="4924425"/>
+            <a:off x="1397727" y="1138172"/>
+            <a:ext cx="10633165" cy="7325082"/>
           </a:xfrm>
           <a:prstGeom prst="rect">
             <a:avLst/>
@@ -3453,7 +3454,7 @@
               <a:buAutoNum type="arabicPeriod"/>
             </a:pPr>
             <a:r>
-              <a:rPr lang="en-US" sz="2000" dirty="0">
+              <a:rPr lang="en-US" sz="3200" dirty="0">
                 <a:latin typeface="Oxygen" panose="02000503000000000000" pitchFamily="2" charset="0"/>
               </a:rPr>
               <a:t>Introduction of MySQL</a:t>
@@ -3463,7 +3464,7 @@
             <a:pPr marL="342913" indent="-342913">
               <a:buAutoNum type="arabicPeriod"/>
             </a:pPr>
-            <a:endParaRPr lang="en-US" sz="2000" dirty="0">
+            <a:endParaRPr lang="en-US" sz="3200" dirty="0">
               <a:latin typeface="Oxygen" panose="02000503000000000000" pitchFamily="2" charset="0"/>
             </a:endParaRPr>
           </a:p>
@@ -3473,7 +3474,7 @@
               <a:buAutoNum type="arabicPeriod"/>
             </a:pPr>
             <a:r>
-              <a:rPr lang="en-IN" sz="2000" dirty="0">
+              <a:rPr lang="en-IN" sz="3200" dirty="0">
                 <a:solidFill>
                   <a:srgbClr val="111111"/>
                 </a:solidFill>
@@ -3487,7 +3488,7 @@
               <a:buFontTx/>
               <a:buAutoNum type="arabicPeriod"/>
             </a:pPr>
-            <a:endParaRPr lang="en-IN" sz="2000" dirty="0">
+            <a:endParaRPr lang="en-IN" sz="3200" dirty="0">
               <a:solidFill>
                 <a:srgbClr val="111111"/>
               </a:solidFill>
@@ -3500,7 +3501,7 @@
               <a:buAutoNum type="arabicPeriod"/>
             </a:pPr>
             <a:r>
-              <a:rPr lang="en-IN" sz="2000" dirty="0">
+              <a:rPr lang="en-IN" sz="3200" dirty="0">
                 <a:solidFill>
                   <a:srgbClr val="111111"/>
                 </a:solidFill>
@@ -3514,7 +3515,7 @@
               <a:buFontTx/>
               <a:buAutoNum type="arabicPeriod"/>
             </a:pPr>
-            <a:endParaRPr lang="en-US" sz="2000" dirty="0">
+            <a:endParaRPr lang="en-US" sz="3200" dirty="0">
               <a:latin typeface="Oxygen" panose="02000503000000000000" pitchFamily="2" charset="0"/>
             </a:endParaRPr>
           </a:p>
@@ -3523,7 +3524,7 @@
               <a:buAutoNum type="arabicPeriod"/>
             </a:pPr>
             <a:r>
-              <a:rPr lang="en-US" sz="2000" dirty="0">
+              <a:rPr lang="en-US" sz="3200" dirty="0">
                 <a:latin typeface="Oxygen" panose="02000503000000000000" pitchFamily="2" charset="0"/>
               </a:rPr>
               <a:t>MySQL Procedures</a:t>
@@ -3533,7 +3534,7 @@
             <a:pPr marL="342913" indent="-342913">
               <a:buAutoNum type="arabicPeriod"/>
             </a:pPr>
-            <a:endParaRPr lang="en-US" sz="2000" dirty="0">
+            <a:endParaRPr lang="en-US" sz="3200" dirty="0">
               <a:latin typeface="Oxygen" panose="02000503000000000000" pitchFamily="2" charset="0"/>
             </a:endParaRPr>
           </a:p>
@@ -3542,7 +3543,7 @@
               <a:buAutoNum type="arabicPeriod"/>
             </a:pPr>
             <a:r>
-              <a:rPr lang="en-US" sz="2000" dirty="0">
+              <a:rPr lang="en-US" sz="3200" dirty="0">
                 <a:latin typeface="Oxygen" panose="02000503000000000000" pitchFamily="2" charset="0"/>
               </a:rPr>
               <a:t>MySQL Triggers</a:t>
@@ -3552,7 +3553,7 @@
             <a:pPr marL="342913" indent="-342913">
               <a:buAutoNum type="arabicPeriod"/>
             </a:pPr>
-            <a:endParaRPr lang="en-US" sz="2000" dirty="0">
+            <a:endParaRPr lang="en-US" sz="3200" dirty="0">
               <a:latin typeface="Oxygen" panose="02000503000000000000" pitchFamily="2" charset="0"/>
             </a:endParaRPr>
           </a:p>
@@ -3561,7 +3562,7 @@
               <a:buAutoNum type="arabicPeriod"/>
             </a:pPr>
             <a:r>
-              <a:rPr lang="en-US" sz="2000" dirty="0">
+              <a:rPr lang="en-US" sz="3200" dirty="0">
                 <a:latin typeface="Oxygen" panose="02000503000000000000" pitchFamily="2" charset="0"/>
               </a:rPr>
               <a:t>User Management</a:t>
@@ -3571,7 +3572,7 @@
             <a:pPr marL="342913" indent="-342913">
               <a:buAutoNum type="arabicPeriod"/>
             </a:pPr>
-            <a:endParaRPr lang="en-US" sz="2000" dirty="0">
+            <a:endParaRPr lang="en-US" sz="3200" dirty="0">
               <a:latin typeface="Oxygen" panose="02000503000000000000" pitchFamily="2" charset="0"/>
             </a:endParaRPr>
           </a:p>
@@ -3580,7 +3581,7 @@
               <a:buAutoNum type="arabicPeriod"/>
             </a:pPr>
             <a:r>
-              <a:rPr lang="en-US" sz="2000" dirty="0">
+              <a:rPr lang="en-US" sz="3200" dirty="0">
                 <a:latin typeface="Oxygen" panose="02000503000000000000" pitchFamily="2" charset="0"/>
               </a:rPr>
               <a:t>MySQL Backup &amp; Restore</a:t>
@@ -3664,7 +3665,7 @@
         </p:blipFill>
         <p:spPr>
           <a:xfrm>
-            <a:off x="280522" y="275619"/>
+            <a:off x="280524" y="120472"/>
             <a:ext cx="725875" cy="725875"/>
           </a:xfrm>
           <a:prstGeom prst="rect">
@@ -3686,8 +3687,8 @@
         </p:nvSpPr>
         <p:spPr>
           <a:xfrm>
-            <a:off x="1122745" y="1001494"/>
-            <a:ext cx="10504577" cy="7478970"/>
+            <a:off x="1397069" y="728779"/>
+            <a:ext cx="10504577" cy="8094524"/>
           </a:xfrm>
           <a:prstGeom prst="rect">
             <a:avLst/>
@@ -3701,7 +3702,7 @@
           <a:lstStyle/>
           <a:p>
             <a:r>
-              <a:rPr lang="en-US" sz="1600" dirty="0">
+              <a:rPr lang="en-US" dirty="0">
                 <a:latin typeface="Oxygen" panose="02000503000000000000" pitchFamily="2" charset="0"/>
                 <a:sym typeface="Wingdings" panose="05000000000000000000" pitchFamily="2" charset="2"/>
               </a:rPr>
@@ -3710,7 +3711,7 @@
           </a:p>
           <a:p>
             <a:r>
-              <a:rPr lang="en-US" sz="1600" dirty="0">
+              <a:rPr lang="en-US" dirty="0">
                 <a:latin typeface="Oxygen" panose="02000503000000000000" pitchFamily="2" charset="0"/>
                 <a:sym typeface="Wingdings" panose="05000000000000000000" pitchFamily="2" charset="2"/>
               </a:rPr>
@@ -3719,7 +3720,7 @@
           </a:p>
           <a:p>
             <a:r>
-              <a:rPr lang="en-US" sz="1600" dirty="0">
+              <a:rPr lang="en-US" dirty="0">
                 <a:solidFill>
                   <a:srgbClr val="333333"/>
                 </a:solidFill>
@@ -3727,14 +3728,14 @@
               </a:rPr>
               <a:t>Views are definitions built on top of other tables (or views). </a:t>
             </a:r>
-            <a:endParaRPr lang="en-US" sz="1600" dirty="0">
+            <a:endParaRPr lang="en-US" dirty="0">
               <a:latin typeface="Oxygen" panose="02000503000000000000" pitchFamily="2" charset="0"/>
               <a:sym typeface="Wingdings" panose="05000000000000000000" pitchFamily="2" charset="2"/>
             </a:endParaRPr>
           </a:p>
           <a:p>
             <a:r>
-              <a:rPr lang="en-US" sz="1600" dirty="0">
+              <a:rPr lang="en-US" dirty="0">
                 <a:latin typeface="Oxygen" panose="02000503000000000000" pitchFamily="2" charset="0"/>
                 <a:sym typeface="Wingdings" panose="05000000000000000000" pitchFamily="2" charset="2"/>
               </a:rPr>
@@ -3742,14 +3743,14 @@
             </a:r>
           </a:p>
           <a:p>
-            <a:endParaRPr lang="en-US" sz="1600" dirty="0">
+            <a:endParaRPr lang="en-US" dirty="0">
               <a:latin typeface="Oxygen" panose="02000503000000000000" pitchFamily="2" charset="0"/>
               <a:sym typeface="Wingdings" panose="05000000000000000000" pitchFamily="2" charset="2"/>
             </a:endParaRPr>
           </a:p>
           <a:p>
             <a:r>
-              <a:rPr lang="en-US" sz="1600" b="1" dirty="0">
+              <a:rPr lang="en-US" b="1" dirty="0">
                 <a:latin typeface="Oxygen" panose="02000503000000000000" pitchFamily="2" charset="0"/>
                 <a:sym typeface="Wingdings" panose="05000000000000000000" pitchFamily="2" charset="2"/>
               </a:rPr>
@@ -3759,7 +3760,7 @@
           <a:p>
             <a:pPr algn="just"/>
             <a:r>
-              <a:rPr lang="en-US" sz="1600" dirty="0">
+              <a:rPr lang="en-US" dirty="0">
                 <a:latin typeface="Oxygen" panose="02000503000000000000" pitchFamily="2" charset="0"/>
               </a:rPr>
               <a:t>CREATE VIEW product_details AS    </a:t>
@@ -3768,7 +3769,7 @@
           <a:p>
             <a:pPr algn="just"/>
             <a:r>
-              <a:rPr lang="en-US" sz="1600" dirty="0">
+              <a:rPr lang="en-US" dirty="0">
                 <a:latin typeface="Oxygen" panose="02000503000000000000" pitchFamily="2" charset="0"/>
               </a:rPr>
               <a:t>SELECT product_name,product_price,product_weight</a:t>
@@ -3777,21 +3778,21 @@
           <a:p>
             <a:pPr algn="just"/>
             <a:r>
-              <a:rPr lang="en-US" sz="1600" dirty="0">
+              <a:rPr lang="en-US" dirty="0">
                 <a:latin typeface="Oxygen" panose="02000503000000000000" pitchFamily="2" charset="0"/>
               </a:rPr>
               <a:t>FROM mst_product;    </a:t>
             </a:r>
           </a:p>
           <a:p>
-            <a:endParaRPr lang="en-US" sz="1600" dirty="0">
+            <a:endParaRPr lang="en-US" dirty="0">
               <a:latin typeface="Oxygen" panose="02000503000000000000" pitchFamily="2" charset="0"/>
               <a:sym typeface="Wingdings" panose="05000000000000000000" pitchFamily="2" charset="2"/>
             </a:endParaRPr>
           </a:p>
           <a:p>
             <a:r>
-              <a:rPr lang="en-US" sz="1600" b="1" dirty="0">
+              <a:rPr lang="en-US" b="1" dirty="0">
                 <a:latin typeface="Oxygen" panose="02000503000000000000" pitchFamily="2" charset="0"/>
                 <a:sym typeface="Wingdings" panose="05000000000000000000" pitchFamily="2" charset="2"/>
               </a:rPr>
@@ -3801,22 +3802,22 @@
           <a:p>
             <a:pPr algn="just"/>
             <a:r>
-              <a:rPr lang="en-US" sz="1600" dirty="0">
+              <a:rPr lang="en-US" dirty="0">
                 <a:latin typeface="Oxygen" panose="02000503000000000000" pitchFamily="2" charset="0"/>
               </a:rPr>
               <a:t>ALTER</a:t>
             </a:r>
             <a:r>
-              <a:rPr lang="en-US" sz="1600" dirty="0">
+              <a:rPr lang="en-US" dirty="0">
                 <a:solidFill>
                   <a:srgbClr val="000000"/>
                 </a:solidFill>
-                <a:latin typeface="inter-regular"/>
+                <a:latin typeface="Oxygen" panose="02000503000000000000" pitchFamily="2" charset="0"/>
               </a:rPr>
               <a:t> </a:t>
             </a:r>
             <a:r>
-              <a:rPr lang="en-US" sz="1600" dirty="0">
+              <a:rPr lang="en-US" dirty="0">
                 <a:latin typeface="Oxygen" panose="02000503000000000000" pitchFamily="2" charset="0"/>
               </a:rPr>
               <a:t>VIEW product_details AS    </a:t>
@@ -3825,7 +3826,7 @@
           <a:p>
             <a:pPr algn="just"/>
             <a:r>
-              <a:rPr lang="en-US" sz="1600" dirty="0">
+              <a:rPr lang="en-US" dirty="0">
                 <a:latin typeface="Oxygen" panose="02000503000000000000" pitchFamily="2" charset="0"/>
               </a:rPr>
               <a:t>SELECT product_name,product_price,product_weight</a:t>
@@ -3834,7 +3835,7 @@
           <a:p>
             <a:pPr algn="just"/>
             <a:r>
-              <a:rPr lang="en-US" sz="1600" dirty="0">
+              <a:rPr lang="en-US" dirty="0">
                 <a:latin typeface="Oxygen" panose="02000503000000000000" pitchFamily="2" charset="0"/>
               </a:rPr>
               <a:t>FROM mst_product</a:t>
@@ -3843,7 +3844,7 @@
           <a:p>
             <a:pPr algn="just"/>
             <a:r>
-              <a:rPr lang="en-US" sz="1600" dirty="0">
+              <a:rPr lang="en-US" dirty="0">
                 <a:solidFill>
                   <a:srgbClr val="000000"/>
                 </a:solidFill>
@@ -3851,58 +3852,52 @@
               </a:rPr>
               <a:t>WHERE product_price &gt; 100</a:t>
             </a:r>
-            <a:endParaRPr lang="en-US" sz="1600" dirty="0">
+          </a:p>
+          <a:p>
+            <a:pPr algn="just"/>
+            <a:r>
+              <a:rPr lang="en-US" dirty="0">
+                <a:solidFill>
+                  <a:srgbClr val="000000"/>
+                </a:solidFill>
+                <a:latin typeface="Oxygen" panose="02000503000000000000" pitchFamily="2" charset="0"/>
+              </a:rPr>
+              <a:t> </a:t>
+            </a:r>
+          </a:p>
+          <a:p>
+            <a:pPr algn="just"/>
+            <a:r>
+              <a:rPr lang="en-US" b="1" dirty="0">
+                <a:solidFill>
+                  <a:srgbClr val="000000"/>
+                </a:solidFill>
+                <a:latin typeface="Oxygen" panose="02000503000000000000" pitchFamily="2" charset="0"/>
+              </a:rPr>
+              <a:t>Drop View</a:t>
+            </a:r>
+          </a:p>
+          <a:p>
+            <a:pPr algn="just"/>
+            <a:r>
+              <a:rPr lang="en-US" dirty="0">
+                <a:latin typeface="Oxygen" panose="02000503000000000000" pitchFamily="2" charset="0"/>
+              </a:rPr>
+              <a:t>DROP VIEW product_details ;    </a:t>
+            </a:r>
+          </a:p>
+          <a:p>
+            <a:pPr algn="just"/>
+            <a:endParaRPr lang="en-US" dirty="0">
               <a:solidFill>
                 <a:srgbClr val="000000"/>
               </a:solidFill>
-              <a:latin typeface="inter-regular"/>
+              <a:latin typeface="Oxygen" panose="02000503000000000000" pitchFamily="2" charset="0"/>
             </a:endParaRPr>
           </a:p>
           <a:p>
-            <a:pPr algn="just"/>
-            <a:r>
-              <a:rPr lang="en-US" sz="1600" dirty="0">
-                <a:solidFill>
-                  <a:srgbClr val="000000"/>
-                </a:solidFill>
-                <a:latin typeface="inter-regular"/>
-              </a:rPr>
-              <a:t> </a:t>
-            </a:r>
-          </a:p>
-          <a:p>
-            <a:pPr algn="just"/>
-            <a:r>
-              <a:rPr lang="en-US" sz="1600" b="1" dirty="0">
-                <a:solidFill>
-                  <a:srgbClr val="000000"/>
-                </a:solidFill>
-                <a:latin typeface="Oxygen" panose="02000503000000000000" pitchFamily="2" charset="0"/>
-              </a:rPr>
-              <a:t>Drop View</a:t>
-            </a:r>
-          </a:p>
-          <a:p>
-            <a:pPr algn="just"/>
-            <a:r>
-              <a:rPr lang="en-US" sz="1600" dirty="0">
-                <a:latin typeface="Oxygen" panose="02000503000000000000" pitchFamily="2" charset="0"/>
-              </a:rPr>
-              <a:t>DROP VIEW product_details ;    </a:t>
-            </a:r>
-          </a:p>
-          <a:p>
-            <a:pPr algn="just"/>
-            <a:endParaRPr lang="en-US" sz="1600" dirty="0">
-              <a:solidFill>
-                <a:srgbClr val="000000"/>
-              </a:solidFill>
-              <a:latin typeface="inter-regular"/>
-            </a:endParaRPr>
-          </a:p>
-          <a:p>
-            <a:r>
-              <a:rPr lang="en-US" sz="1600" b="1" dirty="0">
+            <a:r>
+              <a:rPr lang="en-US" b="1" dirty="0">
                 <a:latin typeface="Oxygen" panose="02000503000000000000" pitchFamily="2" charset="0"/>
                 <a:sym typeface="Wingdings" panose="05000000000000000000" pitchFamily="2" charset="2"/>
               </a:rPr>
@@ -3911,7 +3906,7 @@
           </a:p>
           <a:p>
             <a:r>
-              <a:rPr lang="en-US" sz="1600" dirty="0">
+              <a:rPr lang="en-US" dirty="0">
                 <a:latin typeface="Oxygen" panose="02000503000000000000" pitchFamily="2" charset="0"/>
               </a:rPr>
               <a:t>CREATE VIEW product_details AS    </a:t>
@@ -3919,7 +3914,7 @@
           </a:p>
           <a:p>
             <a:r>
-              <a:rPr lang="en-US" sz="1600" dirty="0">
+              <a:rPr lang="en-US" dirty="0">
                 <a:latin typeface="Oxygen" panose="02000503000000000000" pitchFamily="2" charset="0"/>
                 <a:sym typeface="Wingdings" panose="05000000000000000000" pitchFamily="2" charset="2"/>
               </a:rPr>
@@ -3928,7 +3923,7 @@
           </a:p>
           <a:p>
             <a:r>
-              <a:rPr lang="en-US" sz="1600" dirty="0">
+              <a:rPr lang="en-US" dirty="0">
                 <a:latin typeface="Oxygen" panose="02000503000000000000" pitchFamily="2" charset="0"/>
                 <a:sym typeface="Wingdings" panose="05000000000000000000" pitchFamily="2" charset="2"/>
               </a:rPr>
@@ -3937,7 +3932,7 @@
           </a:p>
           <a:p>
             <a:r>
-              <a:rPr lang="en-US" sz="1600" dirty="0">
+              <a:rPr lang="en-US" dirty="0">
                 <a:latin typeface="Oxygen" panose="02000503000000000000" pitchFamily="2" charset="0"/>
                 <a:sym typeface="Wingdings" panose="05000000000000000000" pitchFamily="2" charset="2"/>
               </a:rPr>
@@ -3946,7 +3941,7 @@
           </a:p>
           <a:p>
             <a:r>
-              <a:rPr lang="en-US" sz="1600" dirty="0">
+              <a:rPr lang="en-US" dirty="0">
                 <a:latin typeface="Oxygen" panose="02000503000000000000" pitchFamily="2" charset="0"/>
                 <a:sym typeface="Wingdings" panose="05000000000000000000" pitchFamily="2" charset="2"/>
               </a:rPr>
@@ -3955,7 +3950,7 @@
           </a:p>
           <a:p>
             <a:r>
-              <a:rPr lang="en-US" sz="1600" dirty="0">
+              <a:rPr lang="en-US" dirty="0">
                 <a:latin typeface="Oxygen" panose="02000503000000000000" pitchFamily="2" charset="0"/>
                 <a:sym typeface="Wingdings" panose="05000000000000000000" pitchFamily="2" charset="2"/>
               </a:rPr>
@@ -3964,7 +3959,7 @@
           </a:p>
           <a:p>
             <a:r>
-              <a:rPr lang="en-US" sz="1600" dirty="0">
+              <a:rPr lang="en-US" dirty="0">
                 <a:latin typeface="Oxygen" panose="02000503000000000000" pitchFamily="2" charset="0"/>
                 <a:sym typeface="Wingdings" panose="05000000000000000000" pitchFamily="2" charset="2"/>
               </a:rPr>
@@ -3973,7 +3968,7 @@
           </a:p>
           <a:p>
             <a:r>
-              <a:rPr lang="en-US" sz="1600" dirty="0">
+              <a:rPr lang="en-US" dirty="0">
                 <a:latin typeface="Oxygen" panose="02000503000000000000" pitchFamily="2" charset="0"/>
                 <a:sym typeface="Wingdings" panose="05000000000000000000" pitchFamily="2" charset="2"/>
               </a:rPr>
@@ -4002,7 +3997,7 @@
         </p:nvSpPr>
         <p:spPr>
           <a:xfrm>
-            <a:off x="4245430" y="409871"/>
+            <a:off x="4245432" y="137156"/>
             <a:ext cx="2699657" cy="457368"/>
           </a:xfrm>
           <a:prstGeom prst="rect">
@@ -4090,7 +4085,7 @@
         </p:blipFill>
         <p:spPr>
           <a:xfrm>
-            <a:off x="280522" y="275619"/>
+            <a:off x="280524" y="146604"/>
             <a:ext cx="725875" cy="725875"/>
           </a:xfrm>
           <a:prstGeom prst="rect">
@@ -4112,8 +4107,8 @@
         </p:nvSpPr>
         <p:spPr>
           <a:xfrm>
-            <a:off x="1122745" y="1001494"/>
-            <a:ext cx="10504577" cy="6986528"/>
+            <a:off x="1370944" y="846348"/>
+            <a:ext cx="10504577" cy="7817525"/>
           </a:xfrm>
           <a:prstGeom prst="rect">
             <a:avLst/>
@@ -4127,7 +4122,7 @@
           <a:lstStyle/>
           <a:p>
             <a:r>
-              <a:rPr lang="en-US" sz="1600" dirty="0">
+              <a:rPr lang="en-US" dirty="0">
                 <a:latin typeface="Oxygen" panose="02000503000000000000" pitchFamily="2" charset="0"/>
                 <a:sym typeface="Wingdings" panose="05000000000000000000" pitchFamily="2" charset="2"/>
               </a:rPr>
@@ -4136,7 +4131,7 @@
           </a:p>
           <a:p>
             <a:r>
-              <a:rPr lang="en-US" sz="1600" dirty="0">
+              <a:rPr lang="en-US" dirty="0">
                 <a:latin typeface="Oxygen" panose="02000503000000000000" pitchFamily="2" charset="0"/>
                 <a:sym typeface="Wingdings" panose="05000000000000000000" pitchFamily="2" charset="2"/>
               </a:rPr>
@@ -4144,14 +4139,14 @@
             </a:r>
           </a:p>
           <a:p>
-            <a:endParaRPr lang="en-US" sz="1600" dirty="0">
+            <a:endParaRPr lang="en-US" dirty="0">
               <a:latin typeface="Oxygen" panose="02000503000000000000" pitchFamily="2" charset="0"/>
               <a:sym typeface="Wingdings" panose="05000000000000000000" pitchFamily="2" charset="2"/>
             </a:endParaRPr>
           </a:p>
           <a:p>
             <a:r>
-              <a:rPr lang="en-US" sz="1600" dirty="0">
+              <a:rPr lang="en-US" dirty="0">
                 <a:latin typeface="Oxygen" panose="02000503000000000000" pitchFamily="2" charset="0"/>
                 <a:sym typeface="Wingdings" panose="05000000000000000000" pitchFamily="2" charset="2"/>
               </a:rPr>
@@ -4164,7 +4159,7 @@
               <a:buChar char="Ø"/>
             </a:pPr>
             <a:r>
-              <a:rPr lang="en-US" sz="1600" dirty="0">
+              <a:rPr lang="en-US" dirty="0">
                 <a:latin typeface="Oxygen" panose="02000503000000000000" pitchFamily="2" charset="0"/>
                 <a:sym typeface="Wingdings" panose="05000000000000000000" pitchFamily="2" charset="2"/>
               </a:rPr>
@@ -4176,7 +4171,7 @@
               <a:buFont typeface="Wingdings" panose="05000000000000000000" pitchFamily="2" charset="2"/>
               <a:buChar char="Ø"/>
             </a:pPr>
-            <a:endParaRPr lang="en-US" sz="1600" dirty="0">
+            <a:endParaRPr lang="en-US" dirty="0">
               <a:latin typeface="Oxygen" panose="02000503000000000000" pitchFamily="2" charset="0"/>
               <a:sym typeface="Wingdings" panose="05000000000000000000" pitchFamily="2" charset="2"/>
             </a:endParaRPr>
@@ -4187,7 +4182,7 @@
               <a:buChar char="Ø"/>
             </a:pPr>
             <a:r>
-              <a:rPr lang="en-US" sz="1600" dirty="0">
+              <a:rPr lang="en-US" dirty="0">
                 <a:latin typeface="Oxygen" panose="02000503000000000000" pitchFamily="2" charset="0"/>
                 <a:sym typeface="Wingdings" panose="05000000000000000000" pitchFamily="2" charset="2"/>
               </a:rPr>
@@ -4199,7 +4194,7 @@
               <a:buFont typeface="Wingdings" panose="05000000000000000000" pitchFamily="2" charset="2"/>
               <a:buChar char="Ø"/>
             </a:pPr>
-            <a:endParaRPr lang="en-US" sz="1600" dirty="0">
+            <a:endParaRPr lang="en-US" dirty="0">
               <a:latin typeface="Oxygen" panose="02000503000000000000" pitchFamily="2" charset="0"/>
               <a:sym typeface="Wingdings" panose="05000000000000000000" pitchFamily="2" charset="2"/>
             </a:endParaRPr>
@@ -4210,7 +4205,7 @@
               <a:buChar char="Ø"/>
             </a:pPr>
             <a:r>
-              <a:rPr lang="en-US" sz="1600" dirty="0">
+              <a:rPr lang="en-US" dirty="0">
                 <a:latin typeface="Oxygen" panose="02000503000000000000" pitchFamily="2" charset="0"/>
                 <a:sym typeface="Wingdings" panose="05000000000000000000" pitchFamily="2" charset="2"/>
               </a:rPr>
@@ -4222,7 +4217,7 @@
               <a:buFont typeface="Wingdings" panose="05000000000000000000" pitchFamily="2" charset="2"/>
               <a:buChar char="Ø"/>
             </a:pPr>
-            <a:endParaRPr lang="en-US" sz="1600" dirty="0">
+            <a:endParaRPr lang="en-US" dirty="0">
               <a:latin typeface="Oxygen" panose="02000503000000000000" pitchFamily="2" charset="0"/>
               <a:sym typeface="Wingdings" panose="05000000000000000000" pitchFamily="2" charset="2"/>
             </a:endParaRPr>
@@ -4233,7 +4228,7 @@
               <a:buChar char="Ø"/>
             </a:pPr>
             <a:r>
-              <a:rPr lang="en-US" sz="1600" dirty="0">
+              <a:rPr lang="en-US" dirty="0">
                 <a:latin typeface="Oxygen" panose="02000503000000000000" pitchFamily="2" charset="0"/>
                 <a:sym typeface="Wingdings" panose="05000000000000000000" pitchFamily="2" charset="2"/>
               </a:rPr>
@@ -4241,23 +4236,30 @@
             </a:r>
           </a:p>
           <a:p>
-            <a:endParaRPr lang="en-US" sz="1600" b="1" dirty="0">
+            <a:endParaRPr lang="en-US" b="1" dirty="0">
               <a:latin typeface="Oxygen" panose="02000503000000000000" pitchFamily="2" charset="0"/>
               <a:sym typeface="Wingdings" panose="05000000000000000000" pitchFamily="2" charset="2"/>
             </a:endParaRPr>
           </a:p>
           <a:p>
             <a:r>
-              <a:rPr lang="en-US" sz="1600" dirty="0">
-                <a:latin typeface="Oxygen" panose="02000503000000000000" pitchFamily="2" charset="0"/>
-                <a:sym typeface="Wingdings" panose="05000000000000000000" pitchFamily="2" charset="2"/>
-              </a:rPr>
-              <a:t>Create  To add new record inside the table, insert statement is used.</a:t>
-            </a:r>
-          </a:p>
-          <a:p>
-            <a:r>
-              <a:rPr lang="en-US" sz="1600" dirty="0">
+              <a:rPr lang="en-US" b="1" dirty="0">
+                <a:latin typeface="Oxygen" panose="02000503000000000000" pitchFamily="2" charset="0"/>
+                <a:sym typeface="Wingdings" panose="05000000000000000000" pitchFamily="2" charset="2"/>
+              </a:rPr>
+              <a:t>Create</a:t>
+            </a:r>
+            <a:r>
+              <a:rPr lang="en-US" dirty="0">
+                <a:latin typeface="Oxygen" panose="02000503000000000000" pitchFamily="2" charset="0"/>
+                <a:sym typeface="Wingdings" panose="05000000000000000000" pitchFamily="2" charset="2"/>
+              </a:rPr>
+              <a:t>  To add new record inside the table, insert statement is used.</a:t>
+            </a:r>
+          </a:p>
+          <a:p>
+            <a:r>
+              <a:rPr lang="en-US" dirty="0">
                 <a:latin typeface="Oxygen" panose="02000503000000000000" pitchFamily="2" charset="0"/>
                 <a:sym typeface="Wingdings" panose="05000000000000000000" pitchFamily="2" charset="2"/>
               </a:rPr>
@@ -4266,7 +4268,7 @@
           </a:p>
           <a:p>
             <a:r>
-              <a:rPr lang="en-US" sz="1600" dirty="0">
+              <a:rPr lang="en-US" dirty="0">
                 <a:latin typeface="Oxygen" panose="02000503000000000000" pitchFamily="2" charset="0"/>
                 <a:sym typeface="Wingdings" panose="05000000000000000000" pitchFamily="2" charset="2"/>
               </a:rPr>
@@ -4275,7 +4277,7 @@
           </a:p>
           <a:p>
             <a:r>
-              <a:rPr lang="en-US" sz="1600" dirty="0">
+              <a:rPr lang="en-US" dirty="0">
                 <a:latin typeface="Oxygen" panose="02000503000000000000" pitchFamily="2" charset="0"/>
                 <a:sym typeface="Wingdings" panose="05000000000000000000" pitchFamily="2" charset="2"/>
               </a:rPr>
@@ -4284,7 +4286,7 @@
           </a:p>
           <a:p>
             <a:r>
-              <a:rPr lang="en-US" sz="1600" dirty="0">
+              <a:rPr lang="en-US" dirty="0">
                 <a:latin typeface="Oxygen" panose="02000503000000000000" pitchFamily="2" charset="0"/>
                 <a:sym typeface="Wingdings" panose="05000000000000000000" pitchFamily="2" charset="2"/>
               </a:rPr>
@@ -4293,7 +4295,7 @@
           </a:p>
           <a:p>
             <a:r>
-              <a:rPr lang="en-US" sz="1600" dirty="0">
+              <a:rPr lang="en-US" dirty="0">
                 <a:latin typeface="Oxygen" panose="02000503000000000000" pitchFamily="2" charset="0"/>
                 <a:sym typeface="Wingdings" panose="05000000000000000000" pitchFamily="2" charset="2"/>
               </a:rPr>
@@ -4302,7 +4304,7 @@
           </a:p>
           <a:p>
             <a:r>
-              <a:rPr lang="en-US" sz="1600" dirty="0">
+              <a:rPr lang="en-US" dirty="0">
                 <a:latin typeface="Oxygen" panose="02000503000000000000" pitchFamily="2" charset="0"/>
                 <a:sym typeface="Wingdings" panose="05000000000000000000" pitchFamily="2" charset="2"/>
               </a:rPr>
@@ -4311,7 +4313,7 @@
           </a:p>
           <a:p>
             <a:r>
-              <a:rPr lang="en-US" sz="1600" dirty="0">
+              <a:rPr lang="en-US" dirty="0">
                 <a:latin typeface="Oxygen" panose="02000503000000000000" pitchFamily="2" charset="0"/>
                 <a:sym typeface="Wingdings" panose="05000000000000000000" pitchFamily="2" charset="2"/>
               </a:rPr>
@@ -4320,7 +4322,7 @@
           </a:p>
           <a:p>
             <a:r>
-              <a:rPr lang="en-US" sz="1600" dirty="0">
+              <a:rPr lang="en-US" dirty="0">
                 <a:latin typeface="Oxygen" panose="02000503000000000000" pitchFamily="2" charset="0"/>
                 <a:sym typeface="Wingdings" panose="05000000000000000000" pitchFamily="2" charset="2"/>
               </a:rPr>
@@ -4329,7 +4331,7 @@
           </a:p>
           <a:p>
             <a:r>
-              <a:rPr lang="en-US" sz="1600" dirty="0">
+              <a:rPr lang="en-US" dirty="0">
                 <a:latin typeface="Oxygen" panose="02000503000000000000" pitchFamily="2" charset="0"/>
                 <a:sym typeface="Wingdings" panose="05000000000000000000" pitchFamily="2" charset="2"/>
               </a:rPr>
@@ -4338,7 +4340,7 @@
           </a:p>
           <a:p>
             <a:r>
-              <a:rPr lang="en-US" sz="1600" dirty="0">
+              <a:rPr lang="en-US" dirty="0">
                 <a:latin typeface="Oxygen" panose="02000503000000000000" pitchFamily="2" charset="0"/>
                 <a:sym typeface="Wingdings" panose="05000000000000000000" pitchFamily="2" charset="2"/>
               </a:rPr>
@@ -4347,7 +4349,7 @@
           </a:p>
           <a:p>
             <a:r>
-              <a:rPr lang="en-US" sz="1600" dirty="0">
+              <a:rPr lang="en-US" dirty="0">
                 <a:latin typeface="Oxygen" panose="02000503000000000000" pitchFamily="2" charset="0"/>
                 <a:sym typeface="Wingdings" panose="05000000000000000000" pitchFamily="2" charset="2"/>
               </a:rPr>
@@ -4356,7 +4358,7 @@
           </a:p>
           <a:p>
             <a:r>
-              <a:rPr lang="en-US" sz="1600" dirty="0">
+              <a:rPr lang="en-US" dirty="0">
                 <a:latin typeface="Oxygen" panose="02000503000000000000" pitchFamily="2" charset="0"/>
                 <a:sym typeface="Wingdings" panose="05000000000000000000" pitchFamily="2" charset="2"/>
               </a:rPr>
@@ -4365,7 +4367,7 @@
           </a:p>
           <a:p>
             <a:r>
-              <a:rPr lang="en-US" sz="1600" dirty="0">
+              <a:rPr lang="en-US" dirty="0">
                 <a:latin typeface="Oxygen" panose="02000503000000000000" pitchFamily="2" charset="0"/>
                 <a:sym typeface="Wingdings" panose="05000000000000000000" pitchFamily="2" charset="2"/>
               </a:rPr>
@@ -4374,7 +4376,7 @@
           </a:p>
           <a:p>
             <a:r>
-              <a:rPr lang="en-US" sz="1600" dirty="0">
+              <a:rPr lang="en-US" dirty="0">
                 <a:latin typeface="Oxygen" panose="02000503000000000000" pitchFamily="2" charset="0"/>
                 <a:sym typeface="Wingdings" panose="05000000000000000000" pitchFamily="2" charset="2"/>
               </a:rPr>
@@ -4403,7 +4405,7 @@
         </p:nvSpPr>
         <p:spPr>
           <a:xfrm>
-            <a:off x="4245430" y="409871"/>
+            <a:off x="4245432" y="189407"/>
             <a:ext cx="2699657" cy="457368"/>
           </a:xfrm>
           <a:prstGeom prst="rect">
@@ -4441,6 +4443,785 @@
 </file>
 
 <file path=ppt/slides/slide12.xml><?xml version="1.0" encoding="utf-8"?>
+<p:sld xmlns:a="http://schemas.openxmlformats.org/drawingml/2006/main" xmlns:r="http://schemas.openxmlformats.org/officeDocument/2006/relationships" xmlns:p="http://schemas.openxmlformats.org/presentationml/2006/main">
+  <p:cSld>
+    <p:spTree>
+      <p:nvGrpSpPr>
+        <p:cNvPr id="1" name="">
+          <a:extLst>
+            <a:ext uri="{FF2B5EF4-FFF2-40B4-BE49-F238E27FC236}">
+              <a16:creationId xmlns:a16="http://schemas.microsoft.com/office/drawing/2014/main" id="{BBCFCD6F-99AC-CAA9-230F-98C3EF6C646B}"/>
+            </a:ext>
+          </a:extLst>
+        </p:cNvPr>
+        <p:cNvGrpSpPr/>
+        <p:nvPr/>
+      </p:nvGrpSpPr>
+      <p:grpSpPr>
+        <a:xfrm>
+          <a:off x="0" y="0"/>
+          <a:ext cx="0" cy="0"/>
+          <a:chOff x="0" y="0"/>
+          <a:chExt cx="0" cy="0"/>
+        </a:xfrm>
+      </p:grpSpPr>
+      <p:pic>
+        <p:nvPicPr>
+          <p:cNvPr id="15" name="Picture 14">
+            <a:extLst>
+              <a:ext uri="{FF2B5EF4-FFF2-40B4-BE49-F238E27FC236}">
+                <a16:creationId xmlns:a16="http://schemas.microsoft.com/office/drawing/2014/main" id="{4439EF36-7AA1-8B35-4194-AB1CDD2A6B06}"/>
+              </a:ext>
+            </a:extLst>
+          </p:cNvPr>
+          <p:cNvPicPr>
+            <a:picLocks noChangeAspect="1"/>
+          </p:cNvPicPr>
+          <p:nvPr/>
+        </p:nvPicPr>
+        <p:blipFill>
+          <a:blip r:embed="rId2">
+            <a:extLst>
+              <a:ext uri="{28A0092B-C50C-407E-A947-70E740481C1C}">
+                <a14:useLocalDpi xmlns:a14="http://schemas.microsoft.com/office/drawing/2010/main" val="0"/>
+              </a:ext>
+            </a:extLst>
+          </a:blip>
+          <a:stretch>
+            <a:fillRect/>
+          </a:stretch>
+        </p:blipFill>
+        <p:spPr>
+          <a:xfrm>
+            <a:off x="202146" y="133537"/>
+            <a:ext cx="725875" cy="725875"/>
+          </a:xfrm>
+          <a:prstGeom prst="rect">
+            <a:avLst/>
+          </a:prstGeom>
+        </p:spPr>
+      </p:pic>
+      <p:sp>
+        <p:nvSpPr>
+          <p:cNvPr id="2" name="TextBox 1">
+            <a:extLst>
+              <a:ext uri="{FF2B5EF4-FFF2-40B4-BE49-F238E27FC236}">
+                <a16:creationId xmlns:a16="http://schemas.microsoft.com/office/drawing/2014/main" id="{8393C113-EA6F-BD54-C50F-53B22EBEFF39}"/>
+              </a:ext>
+            </a:extLst>
+          </p:cNvPr>
+          <p:cNvSpPr txBox="1"/>
+          <p:nvPr/>
+        </p:nvSpPr>
+        <p:spPr>
+          <a:xfrm>
+            <a:off x="940533" y="1097730"/>
+            <a:ext cx="11181806" cy="7417415"/>
+          </a:xfrm>
+          <a:prstGeom prst="rect">
+            <a:avLst/>
+          </a:prstGeom>
+          <a:noFill/>
+        </p:spPr>
+        <p:txBody>
+          <a:bodyPr wrap="square" rtlCol="0">
+            <a:spAutoFit/>
+          </a:bodyPr>
+          <a:lstStyle/>
+          <a:p>
+            <a:r>
+              <a:rPr lang="en-US" sz="2000" b="1" dirty="0">
+                <a:latin typeface="Oxygen" panose="02000503000000000000" pitchFamily="2" charset="0"/>
+                <a:sym typeface="Wingdings" panose="05000000000000000000" pitchFamily="2" charset="2"/>
+              </a:rPr>
+              <a:t>Read</a:t>
+            </a:r>
+            <a:r>
+              <a:rPr lang="en-US" sz="2000" dirty="0">
+                <a:latin typeface="Oxygen" panose="02000503000000000000" pitchFamily="2" charset="0"/>
+                <a:sym typeface="Wingdings" panose="05000000000000000000" pitchFamily="2" charset="2"/>
+              </a:rPr>
+              <a:t>  To read existing record(s) from table, SELECT statement is used</a:t>
+            </a:r>
+          </a:p>
+          <a:p>
+            <a:r>
+              <a:rPr lang="en-US" sz="2000" dirty="0">
+                <a:latin typeface="Oxygen" panose="02000503000000000000" pitchFamily="2" charset="0"/>
+                <a:sym typeface="Wingdings" panose="05000000000000000000" pitchFamily="2" charset="2"/>
+              </a:rPr>
+              <a:t>SELECT product_id,product_name</a:t>
+            </a:r>
+          </a:p>
+          <a:p>
+            <a:r>
+              <a:rPr lang="en-US" sz="2000" dirty="0">
+                <a:latin typeface="Oxygen" panose="02000503000000000000" pitchFamily="2" charset="0"/>
+                <a:sym typeface="Wingdings" panose="05000000000000000000" pitchFamily="2" charset="2"/>
+              </a:rPr>
+              <a:t>FROM mst_product;</a:t>
+            </a:r>
+          </a:p>
+          <a:p>
+            <a:endParaRPr lang="en-US" sz="2000" dirty="0">
+              <a:latin typeface="Oxygen" panose="02000503000000000000" pitchFamily="2" charset="0"/>
+              <a:sym typeface="Wingdings" panose="05000000000000000000" pitchFamily="2" charset="2"/>
+            </a:endParaRPr>
+          </a:p>
+          <a:p>
+            <a:r>
+              <a:rPr lang="en-US" sz="2000" b="1" dirty="0">
+                <a:latin typeface="Oxygen" panose="02000503000000000000" pitchFamily="2" charset="0"/>
+                <a:sym typeface="Wingdings" panose="05000000000000000000" pitchFamily="2" charset="2"/>
+              </a:rPr>
+              <a:t>Update</a:t>
+            </a:r>
+            <a:r>
+              <a:rPr lang="en-US" sz="2000" dirty="0">
+                <a:latin typeface="Oxygen" panose="02000503000000000000" pitchFamily="2" charset="0"/>
+                <a:sym typeface="Wingdings" panose="05000000000000000000" pitchFamily="2" charset="2"/>
+              </a:rPr>
+              <a:t>  To update existing record(s) from table, UPDATE statement is used</a:t>
+            </a:r>
+          </a:p>
+          <a:p>
+            <a:r>
+              <a:rPr lang="en-US" sz="2000" dirty="0">
+                <a:latin typeface="Oxygen" panose="02000503000000000000" pitchFamily="2" charset="0"/>
+                <a:sym typeface="Wingdings" panose="05000000000000000000" pitchFamily="2" charset="2"/>
+              </a:rPr>
+              <a:t>UPDATE mst_product</a:t>
+            </a:r>
+          </a:p>
+          <a:p>
+            <a:r>
+              <a:rPr lang="en-US" sz="2000" dirty="0">
+                <a:latin typeface="Oxygen" panose="02000503000000000000" pitchFamily="2" charset="0"/>
+                <a:sym typeface="Wingdings" panose="05000000000000000000" pitchFamily="2" charset="2"/>
+              </a:rPr>
+              <a:t>SET product_name=‘trouser’</a:t>
+            </a:r>
+          </a:p>
+          <a:p>
+            <a:r>
+              <a:rPr lang="en-US" sz="2000" dirty="0">
+                <a:latin typeface="Oxygen" panose="02000503000000000000" pitchFamily="2" charset="0"/>
+                <a:sym typeface="Wingdings" panose="05000000000000000000" pitchFamily="2" charset="2"/>
+              </a:rPr>
+              <a:t>WHERE product_id=1;</a:t>
+            </a:r>
+          </a:p>
+          <a:p>
+            <a:endParaRPr lang="en-US" sz="2000" dirty="0">
+              <a:latin typeface="Oxygen" panose="02000503000000000000" pitchFamily="2" charset="0"/>
+              <a:sym typeface="Wingdings" panose="05000000000000000000" pitchFamily="2" charset="2"/>
+            </a:endParaRPr>
+          </a:p>
+          <a:p>
+            <a:r>
+              <a:rPr lang="en-US" sz="2000" b="1" dirty="0">
+                <a:latin typeface="Oxygen" panose="02000503000000000000" pitchFamily="2" charset="0"/>
+                <a:sym typeface="Wingdings" panose="05000000000000000000" pitchFamily="2" charset="2"/>
+              </a:rPr>
+              <a:t>Delete</a:t>
+            </a:r>
+            <a:r>
+              <a:rPr lang="en-US" sz="2000" dirty="0">
+                <a:latin typeface="Oxygen" panose="02000503000000000000" pitchFamily="2" charset="0"/>
+                <a:sym typeface="Wingdings" panose="05000000000000000000" pitchFamily="2" charset="2"/>
+              </a:rPr>
+              <a:t>  To delete existing record(s) from table, DELETE statement is used</a:t>
+            </a:r>
+          </a:p>
+          <a:p>
+            <a:r>
+              <a:rPr lang="en-US" sz="2000" dirty="0">
+                <a:latin typeface="Oxygen" panose="02000503000000000000" pitchFamily="2" charset="0"/>
+                <a:sym typeface="Wingdings" panose="05000000000000000000" pitchFamily="2" charset="2"/>
+              </a:rPr>
+              <a:t>DELETE FROM mst_product</a:t>
+            </a:r>
+          </a:p>
+          <a:p>
+            <a:r>
+              <a:rPr lang="en-US" sz="2000" dirty="0">
+                <a:latin typeface="Oxygen" panose="02000503000000000000" pitchFamily="2" charset="0"/>
+                <a:sym typeface="Wingdings" panose="05000000000000000000" pitchFamily="2" charset="2"/>
+              </a:rPr>
+              <a:t>WHERE product_id=1;</a:t>
+            </a:r>
+          </a:p>
+          <a:p>
+            <a:endParaRPr lang="en-US" sz="2000" dirty="0">
+              <a:latin typeface="Oxygen" panose="02000503000000000000" pitchFamily="2" charset="0"/>
+              <a:sym typeface="Wingdings" panose="05000000000000000000" pitchFamily="2" charset="2"/>
+            </a:endParaRPr>
+          </a:p>
+          <a:p>
+            <a:r>
+              <a:rPr lang="en-US" sz="2000" b="1" dirty="0">
+                <a:latin typeface="Oxygen" panose="02000503000000000000" pitchFamily="2" charset="0"/>
+                <a:sym typeface="Wingdings" panose="05000000000000000000" pitchFamily="2" charset="2"/>
+              </a:rPr>
+              <a:t>Operators used in DML statements </a:t>
+            </a:r>
+          </a:p>
+          <a:p>
+            <a:endParaRPr lang="en-US" sz="2000" b="1" dirty="0">
+              <a:latin typeface="Oxygen" panose="02000503000000000000" pitchFamily="2" charset="0"/>
+              <a:sym typeface="Wingdings" panose="05000000000000000000" pitchFamily="2" charset="2"/>
+            </a:endParaRPr>
+          </a:p>
+          <a:p>
+            <a:endParaRPr lang="en-US" sz="2000" b="1" dirty="0">
+              <a:latin typeface="Oxygen" panose="02000503000000000000" pitchFamily="2" charset="0"/>
+              <a:sym typeface="Wingdings" panose="05000000000000000000" pitchFamily="2" charset="2"/>
+            </a:endParaRPr>
+          </a:p>
+          <a:p>
+            <a:endParaRPr lang="en-US" sz="2000" b="1" dirty="0">
+              <a:latin typeface="Oxygen" panose="02000503000000000000" pitchFamily="2" charset="0"/>
+              <a:sym typeface="Wingdings" panose="05000000000000000000" pitchFamily="2" charset="2"/>
+            </a:endParaRPr>
+          </a:p>
+          <a:p>
+            <a:endParaRPr lang="en-US" sz="2000" b="1" dirty="0">
+              <a:latin typeface="Oxygen" panose="02000503000000000000" pitchFamily="2" charset="0"/>
+              <a:sym typeface="Wingdings" panose="05000000000000000000" pitchFamily="2" charset="2"/>
+            </a:endParaRPr>
+          </a:p>
+          <a:p>
+            <a:endParaRPr lang="en-US" sz="2000" b="1" dirty="0">
+              <a:latin typeface="Oxygen" panose="02000503000000000000" pitchFamily="2" charset="0"/>
+              <a:sym typeface="Wingdings" panose="05000000000000000000" pitchFamily="2" charset="2"/>
+            </a:endParaRPr>
+          </a:p>
+          <a:p>
+            <a:endParaRPr lang="en-US" sz="2000" b="1" dirty="0">
+              <a:latin typeface="Oxygen" panose="02000503000000000000" pitchFamily="2" charset="0"/>
+              <a:sym typeface="Wingdings" panose="05000000000000000000" pitchFamily="2" charset="2"/>
+            </a:endParaRPr>
+          </a:p>
+          <a:p>
+            <a:endParaRPr lang="en-US" sz="2000" b="1" dirty="0">
+              <a:latin typeface="Oxygen" panose="02000503000000000000" pitchFamily="2" charset="0"/>
+              <a:sym typeface="Wingdings" panose="05000000000000000000" pitchFamily="2" charset="2"/>
+            </a:endParaRPr>
+          </a:p>
+          <a:p>
+            <a:endParaRPr lang="en-US" sz="2000" b="1" dirty="0">
+              <a:latin typeface="Oxygen" panose="02000503000000000000" pitchFamily="2" charset="0"/>
+              <a:sym typeface="Wingdings" panose="05000000000000000000" pitchFamily="2" charset="2"/>
+            </a:endParaRPr>
+          </a:p>
+          <a:p>
+            <a:endParaRPr lang="en-US" sz="2000" b="1" dirty="0">
+              <a:latin typeface="Oxygen" panose="02000503000000000000" pitchFamily="2" charset="0"/>
+              <a:sym typeface="Wingdings" panose="05000000000000000000" pitchFamily="2" charset="2"/>
+            </a:endParaRPr>
+          </a:p>
+          <a:p>
+            <a:endParaRPr lang="en-US" sz="1600" b="1" dirty="0">
+              <a:latin typeface="Oxygen" panose="02000503000000000000" pitchFamily="2" charset="0"/>
+              <a:sym typeface="Wingdings" panose="05000000000000000000" pitchFamily="2" charset="2"/>
+            </a:endParaRPr>
+          </a:p>
+        </p:txBody>
+      </p:sp>
+      <p:sp>
+        <p:nvSpPr>
+          <p:cNvPr id="5" name="TextBox 4">
+            <a:extLst>
+              <a:ext uri="{FF2B5EF4-FFF2-40B4-BE49-F238E27FC236}">
+                <a16:creationId xmlns:a16="http://schemas.microsoft.com/office/drawing/2014/main" id="{B65835C4-8D4C-8FC9-5E52-E9A9A7F2E554}"/>
+              </a:ext>
+            </a:extLst>
+          </p:cNvPr>
+          <p:cNvSpPr txBox="1"/>
+          <p:nvPr/>
+        </p:nvSpPr>
+        <p:spPr>
+          <a:xfrm>
+            <a:off x="4454440" y="228599"/>
+            <a:ext cx="2699657" cy="457368"/>
+          </a:xfrm>
+          <a:prstGeom prst="rect">
+            <a:avLst/>
+          </a:prstGeom>
+          <a:noFill/>
+        </p:spPr>
+        <p:txBody>
+          <a:bodyPr wrap="square" rtlCol="0">
+            <a:spAutoFit/>
+          </a:bodyPr>
+          <a:lstStyle/>
+          <a:p>
+            <a:pPr algn="ctr"/>
+            <a:r>
+              <a:rPr lang="en-US" sz="2401" b="1" cap="small" dirty="0">
+                <a:latin typeface="Oxygen" panose="02000503000000000000" pitchFamily="2" charset="0"/>
+              </a:rPr>
+              <a:t>DML Statement</a:t>
+            </a:r>
+          </a:p>
+        </p:txBody>
+      </p:sp>
+      <p:graphicFrame>
+        <p:nvGraphicFramePr>
+          <p:cNvPr id="4" name="Table 3">
+            <a:extLst>
+              <a:ext uri="{FF2B5EF4-FFF2-40B4-BE49-F238E27FC236}">
+                <a16:creationId xmlns:a16="http://schemas.microsoft.com/office/drawing/2014/main" id="{CB95646D-F5AF-3DBA-CFA6-82D762694B44}"/>
+              </a:ext>
+            </a:extLst>
+          </p:cNvPr>
+          <p:cNvGraphicFramePr>
+            <a:graphicFrameLocks noGrp="1"/>
+          </p:cNvGraphicFramePr>
+          <p:nvPr>
+            <p:extLst>
+              <p:ext uri="{D42A27DB-BD31-4B8C-83A1-F6EECF244321}">
+                <p14:modId xmlns:p14="http://schemas.microsoft.com/office/powerpoint/2010/main" val="3638238574"/>
+              </p:ext>
+            </p:extLst>
+          </p:nvPr>
+        </p:nvGraphicFramePr>
+        <p:xfrm>
+          <a:off x="1006399" y="5627103"/>
+          <a:ext cx="9128414" cy="2429614"/>
+        </p:xfrm>
+        <a:graphic>
+          <a:graphicData uri="http://schemas.openxmlformats.org/drawingml/2006/table">
+            <a:tbl>
+              <a:tblPr firstRow="1" bandRow="1">
+                <a:tableStyleId>{5C22544A-7EE6-4342-B048-85BDC9FD1C3A}</a:tableStyleId>
+              </a:tblPr>
+              <a:tblGrid>
+                <a:gridCol w="932677">
+                  <a:extLst>
+                    <a:ext uri="{9D8B030D-6E8A-4147-A177-3AD203B41FA5}">
+                      <a16:colId xmlns:a16="http://schemas.microsoft.com/office/drawing/2014/main" val="2779269763"/>
+                    </a:ext>
+                  </a:extLst>
+                </a:gridCol>
+                <a:gridCol w="1817830">
+                  <a:extLst>
+                    <a:ext uri="{9D8B030D-6E8A-4147-A177-3AD203B41FA5}">
+                      <a16:colId xmlns:a16="http://schemas.microsoft.com/office/drawing/2014/main" val="680897026"/>
+                    </a:ext>
+                  </a:extLst>
+                </a:gridCol>
+                <a:gridCol w="6377907">
+                  <a:extLst>
+                    <a:ext uri="{9D8B030D-6E8A-4147-A177-3AD203B41FA5}">
+                      <a16:colId xmlns:a16="http://schemas.microsoft.com/office/drawing/2014/main" val="3735324583"/>
+                    </a:ext>
+                  </a:extLst>
+                </a:gridCol>
+              </a:tblGrid>
+              <a:tr h="367635">
+                <a:tc>
+                  <a:txBody>
+                    <a:bodyPr/>
+                    <a:lstStyle/>
+                    <a:p>
+                      <a:pPr algn="ctr"/>
+                      <a:r>
+                        <a:rPr lang="en-US" sz="2000" dirty="0">
+                          <a:latin typeface="Oxygen" panose="02000503000000000000" pitchFamily="2" charset="0"/>
+                        </a:rPr>
+                        <a:t>Slno</a:t>
+                      </a:r>
+                      <a:endParaRPr lang="en-IN" sz="2000" dirty="0">
+                        <a:latin typeface="Oxygen" panose="02000503000000000000" pitchFamily="2" charset="0"/>
+                      </a:endParaRPr>
+                    </a:p>
+                  </a:txBody>
+                  <a:tcPr/>
+                </a:tc>
+                <a:tc>
+                  <a:txBody>
+                    <a:bodyPr/>
+                    <a:lstStyle/>
+                    <a:p>
+                      <a:r>
+                        <a:rPr lang="en-US" sz="2000" dirty="0">
+                          <a:latin typeface="Oxygen" panose="02000503000000000000" pitchFamily="2" charset="0"/>
+                        </a:rPr>
+                        <a:t>Operator</a:t>
+                      </a:r>
+                      <a:endParaRPr lang="en-IN" sz="2000" dirty="0">
+                        <a:latin typeface="Oxygen" panose="02000503000000000000" pitchFamily="2" charset="0"/>
+                      </a:endParaRPr>
+                    </a:p>
+                  </a:txBody>
+                  <a:tcPr/>
+                </a:tc>
+                <a:tc>
+                  <a:txBody>
+                    <a:bodyPr/>
+                    <a:lstStyle/>
+                    <a:p>
+                      <a:pPr algn="ctr"/>
+                      <a:r>
+                        <a:rPr lang="en-US" sz="2000" dirty="0">
+                          <a:latin typeface="Oxygen" panose="02000503000000000000" pitchFamily="2" charset="0"/>
+                        </a:rPr>
+                        <a:t>Meaning</a:t>
+                      </a:r>
+                      <a:endParaRPr lang="en-IN" sz="2000" dirty="0">
+                        <a:latin typeface="Oxygen" panose="02000503000000000000" pitchFamily="2" charset="0"/>
+                      </a:endParaRPr>
+                    </a:p>
+                  </a:txBody>
+                  <a:tcPr/>
+                </a:tc>
+                <a:extLst>
+                  <a:ext uri="{0D108BD9-81ED-4DB2-BD59-A6C34878D82A}">
+                    <a16:rowId xmlns:a16="http://schemas.microsoft.com/office/drawing/2014/main" val="1172198830"/>
+                  </a:ext>
+                </a:extLst>
+              </a:tr>
+              <a:tr h="367635">
+                <a:tc>
+                  <a:txBody>
+                    <a:bodyPr/>
+                    <a:lstStyle/>
+                    <a:p>
+                      <a:pPr algn="ctr"/>
+                      <a:r>
+                        <a:rPr lang="en-US" sz="2000" dirty="0">
+                          <a:latin typeface="Oxygen" panose="02000503000000000000" pitchFamily="2" charset="0"/>
+                        </a:rPr>
+                        <a:t>1</a:t>
+                      </a:r>
+                      <a:endParaRPr lang="en-IN" sz="2000" dirty="0">
+                        <a:latin typeface="Oxygen" panose="02000503000000000000" pitchFamily="2" charset="0"/>
+                      </a:endParaRPr>
+                    </a:p>
+                  </a:txBody>
+                  <a:tcPr/>
+                </a:tc>
+                <a:tc>
+                  <a:txBody>
+                    <a:bodyPr/>
+                    <a:lstStyle/>
+                    <a:p>
+                      <a:r>
+                        <a:rPr lang="en-US" sz="2000" dirty="0">
+                          <a:latin typeface="Oxygen" panose="02000503000000000000" pitchFamily="2" charset="0"/>
+                        </a:rPr>
+                        <a:t>AND</a:t>
+                      </a:r>
+                      <a:endParaRPr lang="en-IN" sz="2000" dirty="0">
+                        <a:latin typeface="Oxygen" panose="02000503000000000000" pitchFamily="2" charset="0"/>
+                      </a:endParaRPr>
+                    </a:p>
+                  </a:txBody>
+                  <a:tcPr/>
+                </a:tc>
+                <a:tc>
+                  <a:txBody>
+                    <a:bodyPr/>
+                    <a:lstStyle/>
+                    <a:p>
+                      <a:r>
+                        <a:rPr lang="en-US" sz="2000" dirty="0">
+                          <a:latin typeface="Oxygen" panose="02000503000000000000" pitchFamily="2" charset="0"/>
+                        </a:rPr>
+                        <a:t>Both the condition are satisfied</a:t>
+                      </a:r>
+                      <a:endParaRPr lang="en-IN" sz="2000" dirty="0">
+                        <a:latin typeface="Oxygen" panose="02000503000000000000" pitchFamily="2" charset="0"/>
+                      </a:endParaRPr>
+                    </a:p>
+                  </a:txBody>
+                  <a:tcPr/>
+                </a:tc>
+                <a:extLst>
+                  <a:ext uri="{0D108BD9-81ED-4DB2-BD59-A6C34878D82A}">
+                    <a16:rowId xmlns:a16="http://schemas.microsoft.com/office/drawing/2014/main" val="1293930430"/>
+                  </a:ext>
+                </a:extLst>
+              </a:tr>
+              <a:tr h="367635">
+                <a:tc>
+                  <a:txBody>
+                    <a:bodyPr/>
+                    <a:lstStyle/>
+                    <a:p>
+                      <a:pPr algn="ctr"/>
+                      <a:r>
+                        <a:rPr lang="en-US" sz="2000" dirty="0">
+                          <a:latin typeface="Oxygen" panose="02000503000000000000" pitchFamily="2" charset="0"/>
+                        </a:rPr>
+                        <a:t>2</a:t>
+                      </a:r>
+                      <a:endParaRPr lang="en-IN" sz="2000" dirty="0">
+                        <a:latin typeface="Oxygen" panose="02000503000000000000" pitchFamily="2" charset="0"/>
+                      </a:endParaRPr>
+                    </a:p>
+                  </a:txBody>
+                  <a:tcPr/>
+                </a:tc>
+                <a:tc>
+                  <a:txBody>
+                    <a:bodyPr/>
+                    <a:lstStyle/>
+                    <a:p>
+                      <a:r>
+                        <a:rPr lang="en-US" sz="2000" dirty="0">
+                          <a:latin typeface="Oxygen" panose="02000503000000000000" pitchFamily="2" charset="0"/>
+                        </a:rPr>
+                        <a:t>OR</a:t>
+                      </a:r>
+                      <a:endParaRPr lang="en-IN" sz="2000" dirty="0">
+                        <a:latin typeface="Oxygen" panose="02000503000000000000" pitchFamily="2" charset="0"/>
+                      </a:endParaRPr>
+                    </a:p>
+                  </a:txBody>
+                  <a:tcPr/>
+                </a:tc>
+                <a:tc>
+                  <a:txBody>
+                    <a:bodyPr/>
+                    <a:lstStyle/>
+                    <a:p>
+                      <a:r>
+                        <a:rPr lang="en-US" sz="2000" dirty="0">
+                          <a:latin typeface="Oxygen" panose="02000503000000000000" pitchFamily="2" charset="0"/>
+                        </a:rPr>
+                        <a:t>Either of the condition is satisfied</a:t>
+                      </a:r>
+                      <a:endParaRPr lang="en-IN" sz="2000" dirty="0">
+                        <a:latin typeface="Oxygen" panose="02000503000000000000" pitchFamily="2" charset="0"/>
+                      </a:endParaRPr>
+                    </a:p>
+                  </a:txBody>
+                  <a:tcPr/>
+                </a:tc>
+                <a:extLst>
+                  <a:ext uri="{0D108BD9-81ED-4DB2-BD59-A6C34878D82A}">
+                    <a16:rowId xmlns:a16="http://schemas.microsoft.com/office/drawing/2014/main" val="3423798785"/>
+                  </a:ext>
+                </a:extLst>
+              </a:tr>
+              <a:tr h="367635">
+                <a:tc>
+                  <a:txBody>
+                    <a:bodyPr/>
+                    <a:lstStyle/>
+                    <a:p>
+                      <a:pPr algn="ctr"/>
+                      <a:r>
+                        <a:rPr lang="en-US" sz="2000" dirty="0">
+                          <a:latin typeface="Oxygen" panose="02000503000000000000" pitchFamily="2" charset="0"/>
+                        </a:rPr>
+                        <a:t>3</a:t>
+                      </a:r>
+                      <a:endParaRPr lang="en-IN" sz="2000" dirty="0">
+                        <a:latin typeface="Oxygen" panose="02000503000000000000" pitchFamily="2" charset="0"/>
+                      </a:endParaRPr>
+                    </a:p>
+                  </a:txBody>
+                  <a:tcPr/>
+                </a:tc>
+                <a:tc>
+                  <a:txBody>
+                    <a:bodyPr/>
+                    <a:lstStyle/>
+                    <a:p>
+                      <a:r>
+                        <a:rPr lang="en-US" sz="2000" dirty="0">
+                          <a:latin typeface="Oxygen" panose="02000503000000000000" pitchFamily="2" charset="0"/>
+                        </a:rPr>
+                        <a:t>NOT</a:t>
+                      </a:r>
+                      <a:endParaRPr lang="en-IN" sz="2000" dirty="0">
+                        <a:latin typeface="Oxygen" panose="02000503000000000000" pitchFamily="2" charset="0"/>
+                      </a:endParaRPr>
+                    </a:p>
+                  </a:txBody>
+                  <a:tcPr/>
+                </a:tc>
+                <a:tc>
+                  <a:txBody>
+                    <a:bodyPr/>
+                    <a:lstStyle/>
+                    <a:p>
+                      <a:r>
+                        <a:rPr lang="en-US" sz="2000" dirty="0">
+                          <a:latin typeface="Oxygen" panose="02000503000000000000" pitchFamily="2" charset="0"/>
+                        </a:rPr>
+                        <a:t>When the condition is not satisfied</a:t>
+                      </a:r>
+                      <a:endParaRPr lang="en-IN" sz="2000" dirty="0">
+                        <a:latin typeface="Oxygen" panose="02000503000000000000" pitchFamily="2" charset="0"/>
+                      </a:endParaRPr>
+                    </a:p>
+                  </a:txBody>
+                  <a:tcPr/>
+                </a:tc>
+                <a:extLst>
+                  <a:ext uri="{0D108BD9-81ED-4DB2-BD59-A6C34878D82A}">
+                    <a16:rowId xmlns:a16="http://schemas.microsoft.com/office/drawing/2014/main" val="1172026067"/>
+                  </a:ext>
+                </a:extLst>
+              </a:tr>
+              <a:tr h="191356">
+                <a:tc>
+                  <a:txBody>
+                    <a:bodyPr/>
+                    <a:lstStyle/>
+                    <a:p>
+                      <a:pPr algn="ctr"/>
+                      <a:r>
+                        <a:rPr lang="en-US" sz="2000" dirty="0">
+                          <a:latin typeface="Oxygen" panose="02000503000000000000" pitchFamily="2" charset="0"/>
+                        </a:rPr>
+                        <a:t>4</a:t>
+                      </a:r>
+                      <a:endParaRPr lang="en-IN" sz="2000" dirty="0">
+                        <a:latin typeface="Oxygen" panose="02000503000000000000" pitchFamily="2" charset="0"/>
+                      </a:endParaRPr>
+                    </a:p>
+                  </a:txBody>
+                  <a:tcPr/>
+                </a:tc>
+                <a:tc>
+                  <a:txBody>
+                    <a:bodyPr/>
+                    <a:lstStyle/>
+                    <a:p>
+                      <a:r>
+                        <a:rPr lang="en-US" sz="2000" dirty="0">
+                          <a:latin typeface="Oxygen" panose="02000503000000000000" pitchFamily="2" charset="0"/>
+                        </a:rPr>
+                        <a:t>IN</a:t>
+                      </a:r>
+                      <a:endParaRPr lang="en-IN" sz="2000" dirty="0">
+                        <a:latin typeface="Oxygen" panose="02000503000000000000" pitchFamily="2" charset="0"/>
+                      </a:endParaRPr>
+                    </a:p>
+                  </a:txBody>
+                  <a:tcPr/>
+                </a:tc>
+                <a:tc>
+                  <a:txBody>
+                    <a:bodyPr/>
+                    <a:lstStyle/>
+                    <a:p>
+                      <a:r>
+                        <a:rPr lang="en-US" sz="2000" b="0" i="0" kern="1200" dirty="0">
+                          <a:solidFill>
+                            <a:schemeClr val="dk1"/>
+                          </a:solidFill>
+                          <a:effectLst/>
+                          <a:latin typeface="Oxygen" panose="02000503000000000000" pitchFamily="2" charset="0"/>
+                          <a:ea typeface="+mn-ea"/>
+                          <a:cs typeface="+mn-cs"/>
+                        </a:rPr>
+                        <a:t>Allows to specify multiple values</a:t>
+                      </a:r>
+                      <a:endParaRPr lang="en-IN" sz="2000" b="0" dirty="0">
+                        <a:latin typeface="Oxygen" panose="02000503000000000000" pitchFamily="2" charset="0"/>
+                      </a:endParaRPr>
+                    </a:p>
+                  </a:txBody>
+                  <a:tcPr/>
+                </a:tc>
+                <a:extLst>
+                  <a:ext uri="{0D108BD9-81ED-4DB2-BD59-A6C34878D82A}">
+                    <a16:rowId xmlns:a16="http://schemas.microsoft.com/office/drawing/2014/main" val="1118112828"/>
+                  </a:ext>
+                </a:extLst>
+              </a:tr>
+              <a:tr h="448414">
+                <a:tc>
+                  <a:txBody>
+                    <a:bodyPr/>
+                    <a:lstStyle/>
+                    <a:p>
+                      <a:pPr algn="ctr"/>
+                      <a:r>
+                        <a:rPr lang="en-US" sz="2000" dirty="0">
+                          <a:latin typeface="Oxygen" panose="02000503000000000000" pitchFamily="2" charset="0"/>
+                        </a:rPr>
+                        <a:t>5</a:t>
+                      </a:r>
+                      <a:endParaRPr lang="en-IN" sz="2000" dirty="0">
+                        <a:latin typeface="Oxygen" panose="02000503000000000000" pitchFamily="2" charset="0"/>
+                      </a:endParaRPr>
+                    </a:p>
+                  </a:txBody>
+                  <a:tcPr/>
+                </a:tc>
+                <a:tc>
+                  <a:txBody>
+                    <a:bodyPr/>
+                    <a:lstStyle/>
+                    <a:p>
+                      <a:r>
+                        <a:rPr lang="en-US" sz="2000" dirty="0">
+                          <a:latin typeface="Oxygen" panose="02000503000000000000" pitchFamily="2" charset="0"/>
+                        </a:rPr>
+                        <a:t>LIKE</a:t>
+                      </a:r>
+                      <a:endParaRPr lang="en-IN" sz="2000" dirty="0">
+                        <a:latin typeface="Oxygen" panose="02000503000000000000" pitchFamily="2" charset="0"/>
+                      </a:endParaRPr>
+                    </a:p>
+                  </a:txBody>
+                  <a:tcPr/>
+                </a:tc>
+                <a:tc>
+                  <a:txBody>
+                    <a:bodyPr/>
+                    <a:lstStyle/>
+                    <a:p>
+                      <a:r>
+                        <a:rPr lang="en-US" sz="2000" b="0" i="0" kern="1200" dirty="0">
+                          <a:solidFill>
+                            <a:schemeClr val="dk1"/>
+                          </a:solidFill>
+                          <a:effectLst/>
+                          <a:latin typeface="Oxygen" panose="02000503000000000000" pitchFamily="2" charset="0"/>
+                          <a:ea typeface="+mn-ea"/>
+                          <a:cs typeface="+mn-cs"/>
+                        </a:rPr>
+                        <a:t>search for a specified pattern in a column</a:t>
+                      </a:r>
+                      <a:endParaRPr lang="en-IN" sz="2000" dirty="0">
+                        <a:latin typeface="Oxygen" panose="02000503000000000000" pitchFamily="2" charset="0"/>
+                      </a:endParaRPr>
+                    </a:p>
+                  </a:txBody>
+                  <a:tcPr/>
+                </a:tc>
+                <a:extLst>
+                  <a:ext uri="{0D108BD9-81ED-4DB2-BD59-A6C34878D82A}">
+                    <a16:rowId xmlns:a16="http://schemas.microsoft.com/office/drawing/2014/main" val="2015477542"/>
+                  </a:ext>
+                </a:extLst>
+              </a:tr>
+            </a:tbl>
+          </a:graphicData>
+        </a:graphic>
+      </p:graphicFrame>
+    </p:spTree>
+    <p:extLst>
+      <p:ext uri="{BB962C8B-B14F-4D97-AF65-F5344CB8AC3E}">
+        <p14:creationId xmlns:p14="http://schemas.microsoft.com/office/powerpoint/2010/main" val="17486722"/>
+      </p:ext>
+    </p:extLst>
+  </p:cSld>
+  <p:clrMapOvr>
+    <a:masterClrMapping/>
+  </p:clrMapOvr>
+</p:sld>
+</file>
+
+<file path=ppt/slides/slide13.xml><?xml version="1.0" encoding="utf-8"?>
 <p:sld xmlns:a="http://schemas.openxmlformats.org/drawingml/2006/main" xmlns:r="http://schemas.openxmlformats.org/officeDocument/2006/relationships" xmlns:p="http://schemas.openxmlformats.org/presentationml/2006/main">
   <p:cSld>
     <p:spTree>
@@ -4491,7 +5272,7 @@
         </p:blipFill>
         <p:spPr>
           <a:xfrm>
-            <a:off x="280522" y="275619"/>
+            <a:off x="117686" y="85941"/>
             <a:ext cx="725875" cy="725875"/>
           </a:xfrm>
           <a:prstGeom prst="rect">
@@ -4513,8 +5294,8 @@
         </p:nvSpPr>
         <p:spPr>
           <a:xfrm>
-            <a:off x="1122745" y="1001494"/>
-            <a:ext cx="10504577" cy="3539430"/>
+            <a:off x="1006399" y="775099"/>
+            <a:ext cx="11067917" cy="7971413"/>
           </a:xfrm>
           <a:prstGeom prst="rect">
             <a:avLst/>
@@ -4528,11 +5309,18 @@
           <a:lstStyle/>
           <a:p>
             <a:r>
+              <a:rPr lang="en-US" sz="1600" b="1" dirty="0">
+                <a:latin typeface="Oxygen" panose="02000503000000000000" pitchFamily="2" charset="0"/>
+                <a:sym typeface="Wingdings" panose="05000000000000000000" pitchFamily="2" charset="2"/>
+              </a:rPr>
+              <a:t>AND</a:t>
+            </a:r>
+            <a:r>
               <a:rPr lang="en-US" sz="1600" dirty="0">
                 <a:latin typeface="Oxygen" panose="02000503000000000000" pitchFamily="2" charset="0"/>
                 <a:sym typeface="Wingdings" panose="05000000000000000000" pitchFamily="2" charset="2"/>
               </a:rPr>
-              <a:t>Read  To read existing record(s) from table, SELECT statement is used</a:t>
+              <a:t> Operator </a:t>
             </a:r>
           </a:p>
           <a:p>
@@ -4541,7 +5329,7 @@
                 <a:latin typeface="Oxygen" panose="02000503000000000000" pitchFamily="2" charset="0"/>
                 <a:sym typeface="Wingdings" panose="05000000000000000000" pitchFamily="2" charset="2"/>
               </a:rPr>
-              <a:t>SELECT product_id,product_name</a:t>
+              <a:t>SELECT * FROM mst_employees </a:t>
             </a:r>
           </a:p>
           <a:p>
@@ -4550,7 +5338,7 @@
                 <a:latin typeface="Oxygen" panose="02000503000000000000" pitchFamily="2" charset="0"/>
                 <a:sym typeface="Wingdings" panose="05000000000000000000" pitchFamily="2" charset="2"/>
               </a:rPr>
-              <a:t>FROM mst_product;</a:t>
+              <a:t>WHERE age &gt; 20 AND city=‘Kolkata’</a:t>
             </a:r>
           </a:p>
           <a:p>
@@ -4565,7 +5353,7 @@
                 <a:latin typeface="Oxygen" panose="02000503000000000000" pitchFamily="2" charset="0"/>
                 <a:sym typeface="Wingdings" panose="05000000000000000000" pitchFamily="2" charset="2"/>
               </a:rPr>
-              <a:t>Update  To update existing record(s) from table, UPDATE statement is used</a:t>
+              <a:t>This query will return all the rows of only those employees whose age is greater than 20 and stays in ‘Kolkata’ city.</a:t>
             </a:r>
           </a:p>
           <a:p>
@@ -4574,25 +5362,7 @@
                 <a:latin typeface="Oxygen" panose="02000503000000000000" pitchFamily="2" charset="0"/>
                 <a:sym typeface="Wingdings" panose="05000000000000000000" pitchFamily="2" charset="2"/>
               </a:rPr>
-              <a:t>UPDATE mst_product</a:t>
-            </a:r>
-          </a:p>
-          <a:p>
-            <a:r>
-              <a:rPr lang="en-US" sz="1600" dirty="0">
-                <a:latin typeface="Oxygen" panose="02000503000000000000" pitchFamily="2" charset="0"/>
-                <a:sym typeface="Wingdings" panose="05000000000000000000" pitchFamily="2" charset="2"/>
-              </a:rPr>
-              <a:t>SET product_name=‘trouser’</a:t>
-            </a:r>
-          </a:p>
-          <a:p>
-            <a:r>
-              <a:rPr lang="en-US" sz="1600" dirty="0">
-                <a:latin typeface="Oxygen" panose="02000503000000000000" pitchFamily="2" charset="0"/>
-                <a:sym typeface="Wingdings" panose="05000000000000000000" pitchFamily="2" charset="2"/>
-              </a:rPr>
-              <a:t>WHERE product_id=1;</a:t>
+              <a:t>If both the condition is satisfied then records will be returned.</a:t>
             </a:r>
           </a:p>
           <a:p>
@@ -4603,11 +5373,18 @@
           </a:p>
           <a:p>
             <a:r>
+              <a:rPr lang="en-US" sz="1600" b="1" dirty="0">
+                <a:latin typeface="Oxygen" panose="02000503000000000000" pitchFamily="2" charset="0"/>
+                <a:sym typeface="Wingdings" panose="05000000000000000000" pitchFamily="2" charset="2"/>
+              </a:rPr>
+              <a:t>OR</a:t>
+            </a:r>
+            <a:r>
               <a:rPr lang="en-US" sz="1600" dirty="0">
                 <a:latin typeface="Oxygen" panose="02000503000000000000" pitchFamily="2" charset="0"/>
                 <a:sym typeface="Wingdings" panose="05000000000000000000" pitchFamily="2" charset="2"/>
               </a:rPr>
-              <a:t>Delete  To delete existing record(s) from table, DELETE statement is used</a:t>
+              <a:t> Operator </a:t>
             </a:r>
           </a:p>
           <a:p>
@@ -4616,7 +5393,7 @@
                 <a:latin typeface="Oxygen" panose="02000503000000000000" pitchFamily="2" charset="0"/>
                 <a:sym typeface="Wingdings" panose="05000000000000000000" pitchFamily="2" charset="2"/>
               </a:rPr>
-              <a:t>DELETE FROM mst_product</a:t>
+              <a:t>SELECT * FROM mst_employees </a:t>
             </a:r>
           </a:p>
           <a:p>
@@ -4625,20 +5402,203 @@
                 <a:latin typeface="Oxygen" panose="02000503000000000000" pitchFamily="2" charset="0"/>
                 <a:sym typeface="Wingdings" panose="05000000000000000000" pitchFamily="2" charset="2"/>
               </a:rPr>
-              <a:t>WHERE product_id=1;</a:t>
-            </a:r>
-          </a:p>
-          <a:p>
-            <a:endParaRPr lang="en-US" sz="1600" b="1" dirty="0">
+              <a:t>WHERE city=‘Kolkata’ or city=‘Delhi’</a:t>
+            </a:r>
+          </a:p>
+          <a:p>
+            <a:endParaRPr lang="en-US" sz="1600" dirty="0">
               <a:latin typeface="Oxygen" panose="02000503000000000000" pitchFamily="2" charset="0"/>
               <a:sym typeface="Wingdings" panose="05000000000000000000" pitchFamily="2" charset="2"/>
             </a:endParaRPr>
           </a:p>
           <a:p>
-            <a:endParaRPr lang="en-US" sz="1600" b="1" dirty="0">
+            <a:r>
+              <a:rPr lang="en-US" sz="1600" dirty="0">
+                <a:latin typeface="Oxygen" panose="02000503000000000000" pitchFamily="2" charset="0"/>
+                <a:sym typeface="Wingdings" panose="05000000000000000000" pitchFamily="2" charset="2"/>
+              </a:rPr>
+              <a:t>This query will return all the rows of those employees whose stays in either ‘Kolkata’ city or in ‘Delhi’ city.</a:t>
+            </a:r>
+          </a:p>
+          <a:p>
+            <a:r>
+              <a:rPr lang="en-US" sz="1600" dirty="0">
+                <a:latin typeface="Oxygen" panose="02000503000000000000" pitchFamily="2" charset="0"/>
+                <a:sym typeface="Wingdings" panose="05000000000000000000" pitchFamily="2" charset="2"/>
+              </a:rPr>
+              <a:t>If either of the condition is satisfied then records will be returned.</a:t>
+            </a:r>
+          </a:p>
+          <a:p>
+            <a:endParaRPr lang="en-US" sz="1600" dirty="0">
               <a:latin typeface="Oxygen" panose="02000503000000000000" pitchFamily="2" charset="0"/>
               <a:sym typeface="Wingdings" panose="05000000000000000000" pitchFamily="2" charset="2"/>
             </a:endParaRPr>
+          </a:p>
+          <a:p>
+            <a:r>
+              <a:rPr lang="en-US" sz="1600" b="1" dirty="0">
+                <a:latin typeface="Oxygen" panose="02000503000000000000" pitchFamily="2" charset="0"/>
+                <a:sym typeface="Wingdings" panose="05000000000000000000" pitchFamily="2" charset="2"/>
+              </a:rPr>
+              <a:t>NOT</a:t>
+            </a:r>
+            <a:r>
+              <a:rPr lang="en-US" sz="1600" dirty="0">
+                <a:latin typeface="Oxygen" panose="02000503000000000000" pitchFamily="2" charset="0"/>
+                <a:sym typeface="Wingdings" panose="05000000000000000000" pitchFamily="2" charset="2"/>
+              </a:rPr>
+              <a:t> operator </a:t>
+            </a:r>
+          </a:p>
+          <a:p>
+            <a:r>
+              <a:rPr lang="en-US" sz="1600" dirty="0">
+                <a:latin typeface="Oxygen" panose="02000503000000000000" pitchFamily="2" charset="0"/>
+                <a:sym typeface="Wingdings" panose="05000000000000000000" pitchFamily="2" charset="2"/>
+              </a:rPr>
+              <a:t>SELECT * FROM mst_employees </a:t>
+            </a:r>
+          </a:p>
+          <a:p>
+            <a:r>
+              <a:rPr lang="en-US" sz="1600" dirty="0">
+                <a:latin typeface="Oxygen" panose="02000503000000000000" pitchFamily="2" charset="0"/>
+                <a:sym typeface="Wingdings" panose="05000000000000000000" pitchFamily="2" charset="2"/>
+              </a:rPr>
+              <a:t>WHERE NOT city=‘Kolkata’</a:t>
+            </a:r>
+          </a:p>
+          <a:p>
+            <a:r>
+              <a:rPr lang="en-US" sz="1600" dirty="0">
+                <a:latin typeface="Oxygen" panose="02000503000000000000" pitchFamily="2" charset="0"/>
+                <a:sym typeface="Wingdings" panose="05000000000000000000" pitchFamily="2" charset="2"/>
+              </a:rPr>
+              <a:t> </a:t>
+            </a:r>
+          </a:p>
+          <a:p>
+            <a:r>
+              <a:rPr lang="en-US" sz="1600" dirty="0">
+                <a:latin typeface="Oxygen" panose="02000503000000000000" pitchFamily="2" charset="0"/>
+                <a:sym typeface="Wingdings" panose="05000000000000000000" pitchFamily="2" charset="2"/>
+              </a:rPr>
+              <a:t>This query will return all the rows of those employees whose does not stays in ‘Kolkata’ city.</a:t>
+            </a:r>
+          </a:p>
+          <a:p>
+            <a:r>
+              <a:rPr lang="en-US" sz="1600" dirty="0">
+                <a:latin typeface="Oxygen" panose="02000503000000000000" pitchFamily="2" charset="0"/>
+                <a:sym typeface="Wingdings" panose="05000000000000000000" pitchFamily="2" charset="2"/>
+              </a:rPr>
+              <a:t>If the condition is not satisfied then records will be returned.</a:t>
+            </a:r>
+          </a:p>
+          <a:p>
+            <a:endParaRPr lang="en-US" sz="1600" dirty="0">
+              <a:latin typeface="Oxygen" panose="02000503000000000000" pitchFamily="2" charset="0"/>
+              <a:sym typeface="Wingdings" panose="05000000000000000000" pitchFamily="2" charset="2"/>
+            </a:endParaRPr>
+          </a:p>
+          <a:p>
+            <a:r>
+              <a:rPr lang="en-US" sz="1600" b="1" dirty="0">
+                <a:latin typeface="Oxygen" panose="02000503000000000000" pitchFamily="2" charset="0"/>
+                <a:sym typeface="Wingdings" panose="05000000000000000000" pitchFamily="2" charset="2"/>
+              </a:rPr>
+              <a:t>IN</a:t>
+            </a:r>
+            <a:r>
+              <a:rPr lang="en-US" sz="1600" dirty="0">
+                <a:latin typeface="Oxygen" panose="02000503000000000000" pitchFamily="2" charset="0"/>
+                <a:sym typeface="Wingdings" panose="05000000000000000000" pitchFamily="2" charset="2"/>
+              </a:rPr>
+              <a:t> operator </a:t>
+            </a:r>
+          </a:p>
+          <a:p>
+            <a:r>
+              <a:rPr lang="en-US" sz="1600" dirty="0">
+                <a:latin typeface="Oxygen" panose="02000503000000000000" pitchFamily="2" charset="0"/>
+                <a:sym typeface="Wingdings" panose="05000000000000000000" pitchFamily="2" charset="2"/>
+              </a:rPr>
+              <a:t>SELECT * FROM mst_employees </a:t>
+            </a:r>
+          </a:p>
+          <a:p>
+            <a:endParaRPr lang="en-US" sz="1600" dirty="0">
+              <a:latin typeface="Oxygen" panose="02000503000000000000" pitchFamily="2" charset="0"/>
+              <a:sym typeface="Wingdings" panose="05000000000000000000" pitchFamily="2" charset="2"/>
+            </a:endParaRPr>
+          </a:p>
+          <a:p>
+            <a:r>
+              <a:rPr lang="en-US" sz="1600" dirty="0">
+                <a:latin typeface="Oxygen" panose="02000503000000000000" pitchFamily="2" charset="0"/>
+                <a:sym typeface="Wingdings" panose="05000000000000000000" pitchFamily="2" charset="2"/>
+              </a:rPr>
+              <a:t>WHERE city IN (‘Kolkata’,’Delhi’,’Mumbai’,’Chennai’) </a:t>
+            </a:r>
+          </a:p>
+          <a:p>
+            <a:r>
+              <a:rPr lang="en-US" sz="1600" dirty="0">
+                <a:latin typeface="Oxygen" panose="02000503000000000000" pitchFamily="2" charset="0"/>
+                <a:sym typeface="Wingdings" panose="05000000000000000000" pitchFamily="2" charset="2"/>
+              </a:rPr>
+              <a:t>This query will return all the rows of those employees whose stays in ‘Kolkata’, ’,’Delhi’,’Mumbai’,and ’Chennai’ city.</a:t>
+            </a:r>
+          </a:p>
+          <a:p>
+            <a:endParaRPr lang="en-US" sz="1600" dirty="0">
+              <a:latin typeface="Oxygen" panose="02000503000000000000" pitchFamily="2" charset="0"/>
+              <a:sym typeface="Wingdings" panose="05000000000000000000" pitchFamily="2" charset="2"/>
+            </a:endParaRPr>
+          </a:p>
+          <a:p>
+            <a:r>
+              <a:rPr lang="en-US" sz="1600" b="1" dirty="0">
+                <a:latin typeface="Oxygen" panose="02000503000000000000" pitchFamily="2" charset="0"/>
+                <a:sym typeface="Wingdings" panose="05000000000000000000" pitchFamily="2" charset="2"/>
+              </a:rPr>
+              <a:t>LIKE</a:t>
+            </a:r>
+            <a:r>
+              <a:rPr lang="en-US" sz="1600" dirty="0">
+                <a:latin typeface="Oxygen" panose="02000503000000000000" pitchFamily="2" charset="0"/>
+                <a:sym typeface="Wingdings" panose="05000000000000000000" pitchFamily="2" charset="2"/>
+              </a:rPr>
+              <a:t> operator </a:t>
+            </a:r>
+          </a:p>
+          <a:p>
+            <a:r>
+              <a:rPr lang="en-US" sz="1600" dirty="0">
+                <a:latin typeface="Oxygen" panose="02000503000000000000" pitchFamily="2" charset="0"/>
+                <a:sym typeface="Wingdings" panose="05000000000000000000" pitchFamily="2" charset="2"/>
+              </a:rPr>
+              <a:t>SELECT * FROM mst_employees</a:t>
+            </a:r>
+          </a:p>
+          <a:p>
+            <a:r>
+              <a:rPr lang="en-US" sz="1600" dirty="0">
+                <a:latin typeface="Oxygen" panose="02000503000000000000" pitchFamily="2" charset="0"/>
+                <a:sym typeface="Wingdings" panose="05000000000000000000" pitchFamily="2" charset="2"/>
+              </a:rPr>
+              <a:t>WHERE name LIKE ‘A*’;</a:t>
+            </a:r>
+          </a:p>
+          <a:p>
+            <a:r>
+              <a:rPr lang="en-US" sz="1600" dirty="0">
+                <a:latin typeface="Oxygen" panose="02000503000000000000" pitchFamily="2" charset="0"/>
+                <a:sym typeface="Wingdings" panose="05000000000000000000" pitchFamily="2" charset="2"/>
+              </a:rPr>
+              <a:t>This query will return all rows of those employees whose names starts with ‘A’.</a:t>
+            </a:r>
           </a:p>
         </p:txBody>
       </p:sp>
@@ -4656,7 +5616,7 @@
         </p:nvSpPr>
         <p:spPr>
           <a:xfrm>
-            <a:off x="4245430" y="409871"/>
+            <a:off x="5029210" y="144498"/>
             <a:ext cx="2699657" cy="457368"/>
           </a:xfrm>
           <a:prstGeom prst="rect">
@@ -4730,7 +5690,7 @@
         </p:nvSpPr>
         <p:spPr>
           <a:xfrm>
-            <a:off x="1930406" y="763052"/>
+            <a:off x="1930408" y="490346"/>
             <a:ext cx="7839581" cy="646331"/>
           </a:xfrm>
           <a:prstGeom prst="rect">
@@ -4782,7 +5742,7 @@
         </p:blipFill>
         <p:spPr>
           <a:xfrm>
-            <a:off x="315247" y="763053"/>
+            <a:off x="315249" y="372777"/>
             <a:ext cx="725875" cy="725875"/>
           </a:xfrm>
           <a:prstGeom prst="rect">
@@ -4804,7 +5764,7 @@
         </p:nvSpPr>
         <p:spPr>
           <a:xfrm>
-            <a:off x="1175659" y="1510324"/>
+            <a:off x="1175661" y="1825443"/>
             <a:ext cx="10319657" cy="6124754"/>
           </a:xfrm>
           <a:prstGeom prst="rect">
@@ -5048,8 +6008,8 @@
         </p:nvSpPr>
         <p:spPr>
           <a:xfrm>
-            <a:off x="1930406" y="763050"/>
-            <a:ext cx="7839581" cy="457368"/>
+            <a:off x="3801295" y="438084"/>
+            <a:ext cx="3796938" cy="457368"/>
           </a:xfrm>
           <a:prstGeom prst="rect">
             <a:avLst/>
@@ -5100,7 +6060,7 @@
         </p:blipFill>
         <p:spPr>
           <a:xfrm>
-            <a:off x="315247" y="763053"/>
+            <a:off x="315249" y="281333"/>
             <a:ext cx="725875" cy="725875"/>
           </a:xfrm>
           <a:prstGeom prst="rect">
@@ -5122,7 +6082,7 @@
         </p:nvSpPr>
         <p:spPr>
           <a:xfrm>
-            <a:off x="1474844" y="1510329"/>
+            <a:off x="1474846" y="1498879"/>
             <a:ext cx="8652387" cy="6032421"/>
           </a:xfrm>
           <a:prstGeom prst="rect">
@@ -5457,7 +6417,7 @@
         </p:blipFill>
         <p:spPr>
           <a:xfrm>
-            <a:off x="315247" y="469136"/>
+            <a:off x="315249" y="235619"/>
             <a:ext cx="725875" cy="725875"/>
           </a:xfrm>
           <a:prstGeom prst="rect">
@@ -5479,7 +6439,7 @@
         </p:nvSpPr>
         <p:spPr>
           <a:xfrm>
-            <a:off x="1474844" y="1205530"/>
+            <a:off x="1474846" y="1520651"/>
             <a:ext cx="8652387" cy="6740307"/>
           </a:xfrm>
           <a:prstGeom prst="rect">
@@ -5791,6 +6751,44 @@
               <a:latin typeface="Oxygen" panose="02000503000000000000" pitchFamily="2" charset="0"/>
               <a:sym typeface="Wingdings" panose="05000000000000000000" pitchFamily="2" charset="2"/>
             </a:endParaRPr>
+          </a:p>
+        </p:txBody>
+      </p:sp>
+      <p:sp>
+        <p:nvSpPr>
+          <p:cNvPr id="3" name="TextBox 2">
+            <a:extLst>
+              <a:ext uri="{FF2B5EF4-FFF2-40B4-BE49-F238E27FC236}">
+                <a16:creationId xmlns:a16="http://schemas.microsoft.com/office/drawing/2014/main" id="{30DF5306-4612-740C-6BAE-6A10567C3269}"/>
+              </a:ext>
+            </a:extLst>
+          </p:cNvPr>
+          <p:cNvSpPr txBox="1"/>
+          <p:nvPr/>
+        </p:nvSpPr>
+        <p:spPr>
+          <a:xfrm>
+            <a:off x="3801295" y="385832"/>
+            <a:ext cx="3796938" cy="457368"/>
+          </a:xfrm>
+          <a:prstGeom prst="rect">
+            <a:avLst/>
+          </a:prstGeom>
+          <a:noFill/>
+        </p:spPr>
+        <p:txBody>
+          <a:bodyPr wrap="square" rtlCol="0">
+            <a:spAutoFit/>
+          </a:bodyPr>
+          <a:lstStyle/>
+          <a:p>
+            <a:pPr algn="ctr"/>
+            <a:r>
+              <a:rPr lang="en-US" sz="2401" b="1" cap="small" dirty="0">
+                <a:latin typeface="Oxygen" panose="02000503000000000000" pitchFamily="2" charset="0"/>
+              </a:rPr>
+              <a:t>Database handling</a:t>
+            </a:r>
           </a:p>
         </p:txBody>
       </p:sp>
@@ -5858,7 +6856,7 @@
         </p:blipFill>
         <p:spPr>
           <a:xfrm>
-            <a:off x="315247" y="469136"/>
+            <a:off x="315249" y="170299"/>
             <a:ext cx="725875" cy="725875"/>
           </a:xfrm>
           <a:prstGeom prst="rect">
@@ -5880,8 +6878,8 @@
         </p:nvSpPr>
         <p:spPr>
           <a:xfrm>
-            <a:off x="1486419" y="1332849"/>
-            <a:ext cx="8652387" cy="6247864"/>
+            <a:off x="1486421" y="772749"/>
+            <a:ext cx="8652387" cy="7786747"/>
           </a:xfrm>
           <a:prstGeom prst="rect">
             <a:avLst/>
@@ -5895,7 +6893,7 @@
           <a:lstStyle/>
           <a:p>
             <a:r>
-              <a:rPr lang="en-IN" sz="1600" b="1" dirty="0">
+              <a:rPr lang="en-IN" sz="2000" b="1" dirty="0">
                 <a:latin typeface="Oxygen" panose="02000503000000000000" pitchFamily="2" charset="0"/>
               </a:rPr>
               <a:t>MySQL Data Types can be of various types</a:t>
@@ -5906,7 +6904,7 @@
               <a:buAutoNum type="alphaLcParenR"/>
             </a:pPr>
             <a:r>
-              <a:rPr lang="en-IN" sz="1600" b="1" dirty="0">
+              <a:rPr lang="en-IN" sz="2000" b="1" dirty="0">
                 <a:latin typeface="Oxygen" panose="02000503000000000000" pitchFamily="2" charset="0"/>
               </a:rPr>
               <a:t>String</a:t>
@@ -5917,7 +6915,7 @@
               <a:buAutoNum type="alphaLcParenR"/>
             </a:pPr>
             <a:r>
-              <a:rPr lang="en-IN" sz="1600" b="1" dirty="0">
+              <a:rPr lang="en-IN" sz="2000" b="1" dirty="0">
                 <a:latin typeface="Oxygen" panose="02000503000000000000" pitchFamily="2" charset="0"/>
               </a:rPr>
               <a:t>Numeric</a:t>
@@ -5928,21 +6926,21 @@
               <a:buAutoNum type="alphaLcParenR"/>
             </a:pPr>
             <a:r>
-              <a:rPr lang="en-IN" sz="1600" b="1" dirty="0">
+              <a:rPr lang="en-IN" sz="2000" b="1" dirty="0">
                 <a:latin typeface="Oxygen" panose="02000503000000000000" pitchFamily="2" charset="0"/>
               </a:rPr>
               <a:t>Date and Time</a:t>
             </a:r>
           </a:p>
           <a:p>
-            <a:endParaRPr lang="en-IN" sz="1600" dirty="0">
+            <a:endParaRPr lang="en-IN" sz="2000" dirty="0">
               <a:latin typeface="Oxygen" panose="02000503000000000000" pitchFamily="2" charset="0"/>
               <a:sym typeface="Wingdings" panose="05000000000000000000" pitchFamily="2" charset="2"/>
             </a:endParaRPr>
           </a:p>
           <a:p>
             <a:r>
-              <a:rPr lang="en-IN" sz="1600" b="1" dirty="0">
+              <a:rPr lang="en-IN" sz="2000" b="1" dirty="0">
                 <a:latin typeface="Oxygen" panose="02000503000000000000" pitchFamily="2" charset="0"/>
                 <a:sym typeface="Wingdings" panose="05000000000000000000" pitchFamily="2" charset="2"/>
               </a:rPr>
@@ -5954,7 +6952,7 @@
               <a:buAutoNum type="alphaLcParenR"/>
             </a:pPr>
             <a:r>
-              <a:rPr lang="en-IN" sz="1600" dirty="0">
+              <a:rPr lang="en-IN" sz="2000" dirty="0">
                 <a:latin typeface="Oxygen" panose="02000503000000000000" pitchFamily="2" charset="0"/>
                 <a:sym typeface="Wingdings" panose="05000000000000000000" pitchFamily="2" charset="2"/>
               </a:rPr>
@@ -5966,7 +6964,7 @@
               <a:buAutoNum type="alphaLcParenR"/>
             </a:pPr>
             <a:r>
-              <a:rPr lang="en-IN" sz="1600" dirty="0">
+              <a:rPr lang="en-IN" sz="2000" dirty="0">
                 <a:latin typeface="Oxygen" panose="02000503000000000000" pitchFamily="2" charset="0"/>
                 <a:sym typeface="Wingdings" panose="05000000000000000000" pitchFamily="2" charset="2"/>
               </a:rPr>
@@ -5978,7 +6976,7 @@
               <a:buAutoNum type="alphaLcParenR"/>
             </a:pPr>
             <a:r>
-              <a:rPr lang="en-IN" sz="1600" dirty="0">
+              <a:rPr lang="en-IN" sz="2000" dirty="0">
                 <a:latin typeface="Oxygen" panose="02000503000000000000" pitchFamily="2" charset="0"/>
                 <a:sym typeface="Wingdings" panose="05000000000000000000" pitchFamily="2" charset="2"/>
               </a:rPr>
@@ -5986,14 +6984,14 @@
             </a:r>
           </a:p>
           <a:p>
-            <a:endParaRPr lang="en-IN" sz="1600" dirty="0">
+            <a:endParaRPr lang="en-IN" sz="2000" dirty="0">
               <a:latin typeface="Oxygen" panose="02000503000000000000" pitchFamily="2" charset="0"/>
               <a:sym typeface="Wingdings" panose="05000000000000000000" pitchFamily="2" charset="2"/>
             </a:endParaRPr>
           </a:p>
           <a:p>
             <a:r>
-              <a:rPr lang="en-IN" sz="1600" b="1" dirty="0">
+              <a:rPr lang="en-IN" sz="2000" b="1" dirty="0">
                 <a:latin typeface="Oxygen" panose="02000503000000000000" pitchFamily="2" charset="0"/>
                 <a:sym typeface="Wingdings" panose="05000000000000000000" pitchFamily="2" charset="2"/>
               </a:rPr>
@@ -6005,7 +7003,7 @@
               <a:buAutoNum type="alphaLcParenR"/>
             </a:pPr>
             <a:r>
-              <a:rPr lang="en-IN" sz="1600" dirty="0">
+              <a:rPr lang="en-IN" sz="2000" dirty="0">
                 <a:latin typeface="Oxygen" panose="02000503000000000000" pitchFamily="2" charset="0"/>
                 <a:sym typeface="Wingdings" panose="05000000000000000000" pitchFamily="2" charset="2"/>
               </a:rPr>
@@ -6017,7 +7015,7 @@
               <a:buAutoNum type="alphaLcParenR"/>
             </a:pPr>
             <a:r>
-              <a:rPr lang="en-IN" sz="1600" dirty="0">
+              <a:rPr lang="en-IN" sz="2000" dirty="0">
                 <a:latin typeface="Oxygen" panose="02000503000000000000" pitchFamily="2" charset="0"/>
                 <a:sym typeface="Wingdings" panose="05000000000000000000" pitchFamily="2" charset="2"/>
               </a:rPr>
@@ -6029,7 +7027,7 @@
               <a:buAutoNum type="alphaLcParenR"/>
             </a:pPr>
             <a:r>
-              <a:rPr lang="en-IN" sz="1600" dirty="0">
+              <a:rPr lang="en-IN" sz="2000" dirty="0">
                 <a:latin typeface="Oxygen" panose="02000503000000000000" pitchFamily="2" charset="0"/>
                 <a:sym typeface="Wingdings" panose="05000000000000000000" pitchFamily="2" charset="2"/>
               </a:rPr>
@@ -6041,7 +7039,7 @@
               <a:buAutoNum type="alphaLcParenR"/>
             </a:pPr>
             <a:r>
-              <a:rPr lang="en-IN" sz="1600" dirty="0">
+              <a:rPr lang="en-IN" sz="2000" dirty="0">
                 <a:latin typeface="Oxygen" panose="02000503000000000000" pitchFamily="2" charset="0"/>
                 <a:sym typeface="Wingdings" panose="05000000000000000000" pitchFamily="2" charset="2"/>
               </a:rPr>
@@ -6053,7 +7051,7 @@
               <a:buAutoNum type="alphaLcParenR"/>
             </a:pPr>
             <a:r>
-              <a:rPr lang="en-IN" sz="1600" dirty="0">
+              <a:rPr lang="en-IN" sz="2000" dirty="0">
                 <a:latin typeface="Oxygen" panose="02000503000000000000" pitchFamily="2" charset="0"/>
                 <a:sym typeface="Wingdings" panose="05000000000000000000" pitchFamily="2" charset="2"/>
               </a:rPr>
@@ -6065,7 +7063,7 @@
               <a:buAutoNum type="alphaLcParenR"/>
             </a:pPr>
             <a:r>
-              <a:rPr lang="en-IN" sz="1600" dirty="0">
+              <a:rPr lang="en-IN" sz="2000" dirty="0">
                 <a:latin typeface="Oxygen" panose="02000503000000000000" pitchFamily="2" charset="0"/>
                 <a:sym typeface="Wingdings" panose="05000000000000000000" pitchFamily="2" charset="2"/>
               </a:rPr>
@@ -6077,7 +7075,7 @@
               <a:buAutoNum type="alphaLcParenR"/>
             </a:pPr>
             <a:r>
-              <a:rPr lang="en-IN" sz="1600" dirty="0">
+              <a:rPr lang="en-IN" sz="2000" dirty="0">
                 <a:latin typeface="Oxygen" panose="02000503000000000000" pitchFamily="2" charset="0"/>
                 <a:sym typeface="Wingdings" panose="05000000000000000000" pitchFamily="2" charset="2"/>
               </a:rPr>
@@ -6085,18 +7083,18 @@
             </a:r>
           </a:p>
           <a:p>
-            <a:endParaRPr lang="en-IN" sz="1600" dirty="0">
+            <a:endParaRPr lang="en-IN" sz="2000" dirty="0">
               <a:latin typeface="Oxygen" panose="02000503000000000000" pitchFamily="2" charset="0"/>
               <a:sym typeface="Wingdings" panose="05000000000000000000" pitchFamily="2" charset="2"/>
             </a:endParaRPr>
           </a:p>
           <a:p>
             <a:r>
-              <a:rPr lang="en-US" sz="1600" b="1" dirty="0">
+              <a:rPr lang="en-US" sz="2000" b="1" dirty="0">
                 <a:solidFill>
                   <a:srgbClr val="000000"/>
                 </a:solidFill>
-                <a:latin typeface="Segoe UI" panose="020B0502040204020203" pitchFamily="34" charset="0"/>
+                <a:latin typeface="Oxygen" panose="02000503000000000000" pitchFamily="2" charset="0"/>
               </a:rPr>
               <a:t>Date and Time Data Types</a:t>
             </a:r>
@@ -6106,7 +7104,7 @@
               <a:buAutoNum type="alphaLcParenR"/>
             </a:pPr>
             <a:r>
-              <a:rPr lang="en-IN" sz="1600" dirty="0">
+              <a:rPr lang="en-IN" sz="2000" dirty="0">
                 <a:latin typeface="Oxygen" panose="02000503000000000000" pitchFamily="2" charset="0"/>
                 <a:sym typeface="Wingdings" panose="05000000000000000000" pitchFamily="2" charset="2"/>
               </a:rPr>
@@ -6118,7 +7116,7 @@
               <a:buAutoNum type="alphaLcParenR"/>
             </a:pPr>
             <a:r>
-              <a:rPr lang="en-IN" sz="1600" dirty="0">
+              <a:rPr lang="en-IN" sz="2000" dirty="0">
                 <a:latin typeface="Oxygen" panose="02000503000000000000" pitchFamily="2" charset="0"/>
                 <a:sym typeface="Wingdings" panose="05000000000000000000" pitchFamily="2" charset="2"/>
               </a:rPr>
@@ -6130,7 +7128,7 @@
               <a:buAutoNum type="alphaLcParenR"/>
             </a:pPr>
             <a:r>
-              <a:rPr lang="en-IN" sz="1600" dirty="0">
+              <a:rPr lang="en-IN" sz="2000" dirty="0">
                 <a:latin typeface="Oxygen" panose="02000503000000000000" pitchFamily="2" charset="0"/>
                 <a:sym typeface="Wingdings" panose="05000000000000000000" pitchFamily="2" charset="2"/>
               </a:rPr>
@@ -6142,7 +7140,7 @@
               <a:buAutoNum type="alphaLcParenR"/>
             </a:pPr>
             <a:r>
-              <a:rPr lang="en-IN" sz="1600" dirty="0">
+              <a:rPr lang="en-IN" sz="2000" dirty="0">
                 <a:latin typeface="Oxygen" panose="02000503000000000000" pitchFamily="2" charset="0"/>
                 <a:sym typeface="Wingdings" panose="05000000000000000000" pitchFamily="2" charset="2"/>
               </a:rPr>
@@ -6154,7 +7152,7 @@
               <a:buAutoNum type="alphaLcParenR"/>
             </a:pPr>
             <a:r>
-              <a:rPr lang="en-IN" sz="1600" dirty="0">
+              <a:rPr lang="en-IN" sz="2000" dirty="0">
                 <a:latin typeface="Oxygen" panose="02000503000000000000" pitchFamily="2" charset="0"/>
                 <a:sym typeface="Wingdings" panose="05000000000000000000" pitchFamily="2" charset="2"/>
               </a:rPr>
@@ -6177,7 +7175,7 @@
         </p:nvSpPr>
         <p:spPr>
           <a:xfrm>
-            <a:off x="4245430" y="737641"/>
+            <a:off x="4245432" y="203669"/>
             <a:ext cx="2699657" cy="457368"/>
           </a:xfrm>
           <a:prstGeom prst="rect">
@@ -6265,7 +7263,7 @@
         </p:blipFill>
         <p:spPr>
           <a:xfrm>
-            <a:off x="315247" y="469136"/>
+            <a:off x="315249" y="392368"/>
             <a:ext cx="725875" cy="725875"/>
           </a:xfrm>
           <a:prstGeom prst="rect">
@@ -6287,8 +7285,8 @@
         </p:nvSpPr>
         <p:spPr>
           <a:xfrm>
-            <a:off x="4245430" y="737641"/>
-            <a:ext cx="2699657" cy="457368"/>
+            <a:off x="4245432" y="438805"/>
+            <a:ext cx="2699657" cy="584775"/>
           </a:xfrm>
           <a:prstGeom prst="rect">
             <a:avLst/>
@@ -6303,7 +7301,7 @@
           <a:p>
             <a:pPr algn="ctr"/>
             <a:r>
-              <a:rPr lang="en-US" sz="2401" b="1" cap="small" dirty="0">
+              <a:rPr lang="en-US" sz="3200" b="1" cap="small" dirty="0">
                 <a:latin typeface="Oxygen" panose="02000503000000000000" pitchFamily="2" charset="0"/>
               </a:rPr>
               <a:t>Constraints</a:t>
@@ -6326,14 +7324,14 @@
           <p:nvPr>
             <p:extLst>
               <p:ext uri="{D42A27DB-BD31-4B8C-83A1-F6EECF244321}">
-                <p14:modId xmlns:p14="http://schemas.microsoft.com/office/powerpoint/2010/main" val="1557454231"/>
+                <p14:modId xmlns:p14="http://schemas.microsoft.com/office/powerpoint/2010/main" val="713473645"/>
               </p:ext>
             </p:extLst>
           </p:nvPr>
         </p:nvGraphicFramePr>
         <p:xfrm>
-          <a:off x="1531256" y="3088323"/>
-          <a:ext cx="8127999" cy="2595880"/>
+          <a:off x="1162595" y="3403442"/>
+          <a:ext cx="9731828" cy="2814511"/>
         </p:xfrm>
         <a:graphic>
           <a:graphicData uri="http://schemas.openxmlformats.org/drawingml/2006/table">
@@ -6342,21 +7340,21 @@
                 <a:tableStyleId>{5C22544A-7EE6-4342-B048-85BDC9FD1C3A}</a:tableStyleId>
               </a:tblPr>
               <a:tblGrid>
-                <a:gridCol w="722086">
+                <a:gridCol w="864569">
                   <a:extLst>
                     <a:ext uri="{9D8B030D-6E8A-4147-A177-3AD203B41FA5}">
                       <a16:colId xmlns:a16="http://schemas.microsoft.com/office/drawing/2014/main" val="1349749233"/>
                     </a:ext>
                   </a:extLst>
                 </a:gridCol>
-                <a:gridCol w="1589315">
+                <a:gridCol w="1902921">
                   <a:extLst>
                     <a:ext uri="{9D8B030D-6E8A-4147-A177-3AD203B41FA5}">
                       <a16:colId xmlns:a16="http://schemas.microsoft.com/office/drawing/2014/main" val="4053584086"/>
                     </a:ext>
                   </a:extLst>
                 </a:gridCol>
-                <a:gridCol w="5816598">
+                <a:gridCol w="6964338">
                   <a:extLst>
                     <a:ext uri="{9D8B030D-6E8A-4147-A177-3AD203B41FA5}">
                       <a16:colId xmlns:a16="http://schemas.microsoft.com/office/drawing/2014/main" val="913413293"/>
@@ -6424,10 +7422,14 @@
                     <a:p>
                       <a:pPr algn="ctr"/>
                       <a:r>
-                        <a:rPr lang="en-US" dirty="0"/>
+                        <a:rPr lang="en-US" sz="2000" dirty="0">
+                          <a:latin typeface="Oxygen" panose="02000503000000000000" pitchFamily="2" charset="0"/>
+                        </a:rPr>
                         <a:t>1</a:t>
                       </a:r>
-                      <a:endParaRPr lang="en-IN" dirty="0"/>
+                      <a:endParaRPr lang="en-IN" sz="2000" dirty="0">
+                        <a:latin typeface="Oxygen" panose="02000503000000000000" pitchFamily="2" charset="0"/>
+                      </a:endParaRPr>
                     </a:p>
                   </a:txBody>
                   <a:tcPr/>
@@ -6439,10 +7441,14 @@
                     <a:p>
                       <a:pPr algn="l"/>
                       <a:r>
-                        <a:rPr lang="en-US" dirty="0"/>
+                        <a:rPr lang="en-US" sz="2000" dirty="0">
+                          <a:latin typeface="Oxygen" panose="02000503000000000000" pitchFamily="2" charset="0"/>
+                        </a:rPr>
                         <a:t>Not Null</a:t>
                       </a:r>
-                      <a:endParaRPr lang="en-IN" dirty="0"/>
+                      <a:endParaRPr lang="en-IN" sz="2000" dirty="0">
+                        <a:latin typeface="Oxygen" panose="02000503000000000000" pitchFamily="2" charset="0"/>
+                      </a:endParaRPr>
                     </a:p>
                   </a:txBody>
                   <a:tcPr/>
@@ -6454,10 +7460,14 @@
                     <a:p>
                       <a:pPr algn="l"/>
                       <a:r>
-                        <a:rPr lang="en-US" dirty="0"/>
+                        <a:rPr lang="en-US" sz="2000" dirty="0">
+                          <a:latin typeface="Oxygen" panose="02000503000000000000" pitchFamily="2" charset="0"/>
+                        </a:rPr>
                         <a:t>Ensures a column cannot have null value</a:t>
                       </a:r>
-                      <a:endParaRPr lang="en-IN" dirty="0"/>
+                      <a:endParaRPr lang="en-IN" sz="2000" dirty="0">
+                        <a:latin typeface="Oxygen" panose="02000503000000000000" pitchFamily="2" charset="0"/>
+                      </a:endParaRPr>
                     </a:p>
                   </a:txBody>
                   <a:tcPr/>
@@ -6476,10 +7486,14 @@
                     <a:p>
                       <a:pPr algn="ctr"/>
                       <a:r>
-                        <a:rPr lang="en-US" dirty="0"/>
+                        <a:rPr lang="en-US" sz="2000" dirty="0">
+                          <a:latin typeface="Oxygen" panose="02000503000000000000" pitchFamily="2" charset="0"/>
+                        </a:rPr>
                         <a:t>2</a:t>
                       </a:r>
-                      <a:endParaRPr lang="en-IN" dirty="0"/>
+                      <a:endParaRPr lang="en-IN" sz="2000" dirty="0">
+                        <a:latin typeface="Oxygen" panose="02000503000000000000" pitchFamily="2" charset="0"/>
+                      </a:endParaRPr>
                     </a:p>
                   </a:txBody>
                   <a:tcPr/>
@@ -6491,10 +7505,14 @@
                     <a:p>
                       <a:pPr algn="l"/>
                       <a:r>
-                        <a:rPr lang="en-US" dirty="0"/>
+                        <a:rPr lang="en-US" sz="2000" dirty="0">
+                          <a:latin typeface="Oxygen" panose="02000503000000000000" pitchFamily="2" charset="0"/>
+                        </a:rPr>
                         <a:t>Unique</a:t>
                       </a:r>
-                      <a:endParaRPr lang="en-IN" dirty="0"/>
+                      <a:endParaRPr lang="en-IN" sz="2000" dirty="0">
+                        <a:latin typeface="Oxygen" panose="02000503000000000000" pitchFamily="2" charset="0"/>
+                      </a:endParaRPr>
                     </a:p>
                   </a:txBody>
                   <a:tcPr/>
@@ -6506,10 +7524,14 @@
                     <a:p>
                       <a:pPr algn="l"/>
                       <a:r>
-                        <a:rPr lang="en-US" dirty="0"/>
+                        <a:rPr lang="en-US" sz="2000" dirty="0">
+                          <a:latin typeface="Oxygen" panose="02000503000000000000" pitchFamily="2" charset="0"/>
+                        </a:rPr>
                         <a:t>Ensures each and every column contains unique value</a:t>
                       </a:r>
-                      <a:endParaRPr lang="en-IN" dirty="0"/>
+                      <a:endParaRPr lang="en-IN" sz="2000" dirty="0">
+                        <a:latin typeface="Oxygen" panose="02000503000000000000" pitchFamily="2" charset="0"/>
+                      </a:endParaRPr>
                     </a:p>
                   </a:txBody>
                   <a:tcPr/>
@@ -6528,10 +7550,14 @@
                     <a:p>
                       <a:pPr algn="ctr"/>
                       <a:r>
-                        <a:rPr lang="en-US" dirty="0"/>
+                        <a:rPr lang="en-US" sz="2000" dirty="0">
+                          <a:latin typeface="Oxygen" panose="02000503000000000000" pitchFamily="2" charset="0"/>
+                        </a:rPr>
                         <a:t>3</a:t>
                       </a:r>
-                      <a:endParaRPr lang="en-IN" dirty="0"/>
+                      <a:endParaRPr lang="en-IN" sz="2000" dirty="0">
+                        <a:latin typeface="Oxygen" panose="02000503000000000000" pitchFamily="2" charset="0"/>
+                      </a:endParaRPr>
                     </a:p>
                   </a:txBody>
                   <a:tcPr/>
@@ -6543,10 +7569,14 @@
                     <a:p>
                       <a:pPr algn="l"/>
                       <a:r>
-                        <a:rPr lang="en-US" dirty="0"/>
+                        <a:rPr lang="en-US" sz="2000" dirty="0">
+                          <a:latin typeface="Oxygen" panose="02000503000000000000" pitchFamily="2" charset="0"/>
+                        </a:rPr>
                         <a:t>Primary Key</a:t>
                       </a:r>
-                      <a:endParaRPr lang="en-IN" dirty="0"/>
+                      <a:endParaRPr lang="en-IN" sz="2000" dirty="0">
+                        <a:latin typeface="Oxygen" panose="02000503000000000000" pitchFamily="2" charset="0"/>
+                      </a:endParaRPr>
                     </a:p>
                   </a:txBody>
                   <a:tcPr/>
@@ -6558,10 +7588,14 @@
                     <a:p>
                       <a:pPr algn="l"/>
                       <a:r>
-                        <a:rPr lang="en-US" dirty="0"/>
+                        <a:rPr lang="en-US" sz="2000" dirty="0">
+                          <a:latin typeface="Oxygen" panose="02000503000000000000" pitchFamily="2" charset="0"/>
+                        </a:rPr>
                         <a:t>Uniquely identifies a row in a table</a:t>
                       </a:r>
-                      <a:endParaRPr lang="en-IN" dirty="0"/>
+                      <a:endParaRPr lang="en-IN" sz="2000" dirty="0">
+                        <a:latin typeface="Oxygen" panose="02000503000000000000" pitchFamily="2" charset="0"/>
+                      </a:endParaRPr>
                     </a:p>
                   </a:txBody>
                   <a:tcPr/>
@@ -6580,10 +7614,14 @@
                     <a:p>
                       <a:pPr algn="ctr"/>
                       <a:r>
-                        <a:rPr lang="en-US" dirty="0"/>
+                        <a:rPr lang="en-US" sz="2000" dirty="0">
+                          <a:latin typeface="Oxygen" panose="02000503000000000000" pitchFamily="2" charset="0"/>
+                        </a:rPr>
                         <a:t>4</a:t>
                       </a:r>
-                      <a:endParaRPr lang="en-IN" dirty="0"/>
+                      <a:endParaRPr lang="en-IN" sz="2000" dirty="0">
+                        <a:latin typeface="Oxygen" panose="02000503000000000000" pitchFamily="2" charset="0"/>
+                      </a:endParaRPr>
                     </a:p>
                   </a:txBody>
                   <a:tcPr/>
@@ -6595,10 +7633,14 @@
                     <a:p>
                       <a:pPr algn="l"/>
                       <a:r>
-                        <a:rPr lang="en-US" dirty="0"/>
+                        <a:rPr lang="en-US" sz="2000" dirty="0">
+                          <a:latin typeface="Oxygen" panose="02000503000000000000" pitchFamily="2" charset="0"/>
+                        </a:rPr>
                         <a:t>Foreign Key</a:t>
                       </a:r>
-                      <a:endParaRPr lang="en-IN" dirty="0"/>
+                      <a:endParaRPr lang="en-IN" sz="2000" dirty="0">
+                        <a:latin typeface="Oxygen" panose="02000503000000000000" pitchFamily="2" charset="0"/>
+                      </a:endParaRPr>
                     </a:p>
                   </a:txBody>
                   <a:tcPr/>
@@ -6610,10 +7652,14 @@
                     <a:p>
                       <a:pPr algn="l"/>
                       <a:r>
-                        <a:rPr lang="en-US" dirty="0"/>
+                        <a:rPr lang="en-US" sz="2000" dirty="0">
+                          <a:latin typeface="Oxygen" panose="02000503000000000000" pitchFamily="2" charset="0"/>
+                        </a:rPr>
                         <a:t>Establishes relation between two tables through a column</a:t>
                       </a:r>
-                      <a:endParaRPr lang="en-IN" dirty="0"/>
+                      <a:endParaRPr lang="en-IN" sz="2000" dirty="0">
+                        <a:latin typeface="Oxygen" panose="02000503000000000000" pitchFamily="2" charset="0"/>
+                      </a:endParaRPr>
                     </a:p>
                   </a:txBody>
                   <a:tcPr/>
@@ -6632,10 +7678,14 @@
                     <a:p>
                       <a:pPr algn="ctr"/>
                       <a:r>
-                        <a:rPr lang="en-US" dirty="0"/>
+                        <a:rPr lang="en-US" sz="2000" dirty="0">
+                          <a:latin typeface="Oxygen" panose="02000503000000000000" pitchFamily="2" charset="0"/>
+                        </a:rPr>
                         <a:t>5</a:t>
                       </a:r>
-                      <a:endParaRPr lang="en-IN" dirty="0"/>
+                      <a:endParaRPr lang="en-IN" sz="2000" dirty="0">
+                        <a:latin typeface="Oxygen" panose="02000503000000000000" pitchFamily="2" charset="0"/>
+                      </a:endParaRPr>
                     </a:p>
                   </a:txBody>
                   <a:tcPr/>
@@ -6647,10 +7697,14 @@
                     <a:p>
                       <a:pPr algn="l"/>
                       <a:r>
-                        <a:rPr lang="en-US" dirty="0"/>
+                        <a:rPr lang="en-US" sz="2000" dirty="0">
+                          <a:latin typeface="Oxygen" panose="02000503000000000000" pitchFamily="2" charset="0"/>
+                        </a:rPr>
                         <a:t>Check</a:t>
                       </a:r>
-                      <a:endParaRPr lang="en-IN" dirty="0"/>
+                      <a:endParaRPr lang="en-IN" sz="2000" dirty="0">
+                        <a:latin typeface="Oxygen" panose="02000503000000000000" pitchFamily="2" charset="0"/>
+                      </a:endParaRPr>
                     </a:p>
                   </a:txBody>
                   <a:tcPr/>
@@ -6662,10 +7716,14 @@
                     <a:p>
                       <a:pPr algn="l"/>
                       <a:r>
-                        <a:rPr lang="en-US" dirty="0"/>
+                        <a:rPr lang="en-US" sz="2000" dirty="0">
+                          <a:latin typeface="Oxygen" panose="02000503000000000000" pitchFamily="2" charset="0"/>
+                        </a:rPr>
                         <a:t>Ensures a values in a column satisfies a condition </a:t>
                       </a:r>
-                      <a:endParaRPr lang="en-IN" dirty="0"/>
+                      <a:endParaRPr lang="en-IN" sz="2000" dirty="0">
+                        <a:latin typeface="Oxygen" panose="02000503000000000000" pitchFamily="2" charset="0"/>
+                      </a:endParaRPr>
                     </a:p>
                   </a:txBody>
                   <a:tcPr/>
@@ -6684,10 +7742,14 @@
                     <a:p>
                       <a:pPr algn="ctr"/>
                       <a:r>
-                        <a:rPr lang="en-US" dirty="0"/>
+                        <a:rPr lang="en-US" sz="2000" dirty="0">
+                          <a:latin typeface="Oxygen" panose="02000503000000000000" pitchFamily="2" charset="0"/>
+                        </a:rPr>
                         <a:t>6</a:t>
                       </a:r>
-                      <a:endParaRPr lang="en-IN" dirty="0"/>
+                      <a:endParaRPr lang="en-IN" sz="2000" dirty="0">
+                        <a:latin typeface="Oxygen" panose="02000503000000000000" pitchFamily="2" charset="0"/>
+                      </a:endParaRPr>
                     </a:p>
                   </a:txBody>
                   <a:tcPr/>
@@ -6699,10 +7761,14 @@
                     <a:p>
                       <a:pPr algn="l"/>
                       <a:r>
-                        <a:rPr lang="en-US" dirty="0"/>
+                        <a:rPr lang="en-US" sz="2000" dirty="0">
+                          <a:latin typeface="Oxygen" panose="02000503000000000000" pitchFamily="2" charset="0"/>
+                        </a:rPr>
                         <a:t>Default</a:t>
                       </a:r>
-                      <a:endParaRPr lang="en-IN" dirty="0"/>
+                      <a:endParaRPr lang="en-IN" sz="2000" dirty="0">
+                        <a:latin typeface="Oxygen" panose="02000503000000000000" pitchFamily="2" charset="0"/>
+                      </a:endParaRPr>
                     </a:p>
                   </a:txBody>
                   <a:tcPr/>
@@ -6714,18 +7780,20 @@
                     <a:p>
                       <a:pPr algn="l"/>
                       <a:r>
-                        <a:rPr lang="en-US" sz="1800" b="0" i="0" kern="1200" dirty="0">
+                        <a:rPr lang="en-US" sz="2000" b="0" i="0" kern="1200" dirty="0">
                           <a:solidFill>
                             <a:schemeClr val="dk1"/>
                           </a:solidFill>
                           <a:effectLst/>
-                          <a:latin typeface="+mn-lt"/>
+                          <a:latin typeface="Oxygen" panose="02000503000000000000" pitchFamily="2" charset="0"/>
                           <a:ea typeface="+mn-ea"/>
                           <a:cs typeface="+mn-cs"/>
                         </a:rPr>
                         <a:t>Sets a default value for a column if no value is specified</a:t>
                       </a:r>
-                      <a:endParaRPr lang="en-IN" dirty="0"/>
+                      <a:endParaRPr lang="en-IN" sz="2000" dirty="0">
+                        <a:latin typeface="Oxygen" panose="02000503000000000000" pitchFamily="2" charset="0"/>
+                      </a:endParaRPr>
                     </a:p>
                   </a:txBody>
                   <a:tcPr/>
@@ -6754,8 +7822,8 @@
         </p:nvSpPr>
         <p:spPr>
           <a:xfrm>
-            <a:off x="1531257" y="1469634"/>
-            <a:ext cx="8127999" cy="1323439"/>
+            <a:off x="940526" y="1784755"/>
+            <a:ext cx="10737668" cy="1200329"/>
           </a:xfrm>
           <a:prstGeom prst="rect">
             <a:avLst/>
@@ -6773,13 +7841,13 @@
               <a:buChar char="Ø"/>
             </a:pPr>
             <a:r>
-              <a:rPr lang="en-US" sz="1600" dirty="0">
+              <a:rPr lang="en-US" dirty="0">
                 <a:latin typeface="Oxygen" panose="02000503000000000000" pitchFamily="2" charset="0"/>
               </a:rPr>
               <a:t>Constraints </a:t>
             </a:r>
             <a:r>
-              <a:rPr lang="en-US" sz="1600" dirty="0">
+              <a:rPr lang="en-US" dirty="0">
                 <a:solidFill>
                   <a:srgbClr val="000000"/>
                 </a:solidFill>
@@ -6789,7 +7857,7 @@
             </a:r>
           </a:p>
           <a:p>
-            <a:endParaRPr lang="en-US" sz="1600" dirty="0">
+            <a:endParaRPr lang="en-US" dirty="0">
               <a:solidFill>
                 <a:srgbClr val="000000"/>
               </a:solidFill>
@@ -6802,7 +7870,7 @@
               <a:buChar char="Ø"/>
             </a:pPr>
             <a:r>
-              <a:rPr lang="en-US" sz="1600" dirty="0">
+              <a:rPr lang="en-US" dirty="0">
                 <a:solidFill>
                   <a:srgbClr val="000000"/>
                 </a:solidFill>
@@ -6813,15 +7881,15 @@
           </a:p>
           <a:p>
             <a:r>
-              <a:rPr lang="en-US" sz="1600" dirty="0">
+              <a:rPr lang="en-US" dirty="0">
                 <a:solidFill>
                   <a:srgbClr val="000000"/>
                 </a:solidFill>
                 <a:latin typeface="Oxygen" panose="02000503000000000000" pitchFamily="2" charset="0"/>
               </a:rPr>
-              <a:t>	Column level constraints apply to a column, and table level constraints apply to 	the whole table.</a:t>
-            </a:r>
-            <a:endParaRPr lang="en-IN" sz="1600" dirty="0">
+              <a:t>	Column level constraints apply to a column, and table level constraints 	apply to 	the whole table.</a:t>
+            </a:r>
+            <a:endParaRPr lang="en-IN" dirty="0">
               <a:latin typeface="Oxygen" panose="02000503000000000000" pitchFamily="2" charset="0"/>
             </a:endParaRPr>
           </a:p>
@@ -6891,7 +7959,7 @@
         </p:blipFill>
         <p:spPr>
           <a:xfrm>
-            <a:off x="280522" y="275619"/>
+            <a:off x="280524" y="590740"/>
             <a:ext cx="725875" cy="725875"/>
           </a:xfrm>
           <a:prstGeom prst="rect">
@@ -6913,7 +7981,7 @@
         </p:nvSpPr>
         <p:spPr>
           <a:xfrm>
-            <a:off x="1474844" y="1001494"/>
+            <a:off x="1474846" y="1316615"/>
             <a:ext cx="10129329" cy="6740307"/>
           </a:xfrm>
           <a:prstGeom prst="rect">
@@ -7178,7 +8246,7 @@
         </p:nvSpPr>
         <p:spPr>
           <a:xfrm>
-            <a:off x="4245430" y="409871"/>
+            <a:off x="4245432" y="724990"/>
             <a:ext cx="2699657" cy="457368"/>
           </a:xfrm>
           <a:prstGeom prst="rect">
@@ -7266,7 +8334,7 @@
         </p:blipFill>
         <p:spPr>
           <a:xfrm>
-            <a:off x="280522" y="275619"/>
+            <a:off x="280524" y="316417"/>
             <a:ext cx="725875" cy="725875"/>
           </a:xfrm>
           <a:prstGeom prst="rect">
@@ -7288,8 +8356,8 @@
         </p:nvSpPr>
         <p:spPr>
           <a:xfrm>
-            <a:off x="1474844" y="1001494"/>
-            <a:ext cx="10129329" cy="4031873"/>
+            <a:off x="1162594" y="1747694"/>
+            <a:ext cx="10441581" cy="5324535"/>
           </a:xfrm>
           <a:prstGeom prst="rect">
             <a:avLst/>
@@ -7303,7 +8371,7 @@
           <a:lstStyle/>
           <a:p>
             <a:r>
-              <a:rPr lang="en-US" sz="1600" dirty="0">
+              <a:rPr lang="en-US" sz="2000" dirty="0">
                 <a:latin typeface="Oxygen" panose="02000503000000000000" pitchFamily="2" charset="0"/>
                 <a:sym typeface="Wingdings" panose="05000000000000000000" pitchFamily="2" charset="2"/>
               </a:rPr>
@@ -7311,14 +8379,14 @@
             </a:r>
           </a:p>
           <a:p>
-            <a:endParaRPr lang="en-US" sz="1600" dirty="0">
+            <a:endParaRPr lang="en-US" sz="2000" dirty="0">
               <a:latin typeface="Oxygen" panose="02000503000000000000" pitchFamily="2" charset="0"/>
               <a:sym typeface="Wingdings" panose="05000000000000000000" pitchFamily="2" charset="2"/>
             </a:endParaRPr>
           </a:p>
           <a:p>
             <a:r>
-              <a:rPr lang="en-US" sz="1600" dirty="0">
+              <a:rPr lang="en-US" sz="2000" dirty="0">
                 <a:latin typeface="Oxygen" panose="02000503000000000000" pitchFamily="2" charset="0"/>
                 <a:sym typeface="Wingdings" panose="05000000000000000000" pitchFamily="2" charset="2"/>
               </a:rPr>
@@ -7327,7 +8395,7 @@
           </a:p>
           <a:p>
             <a:r>
-              <a:rPr lang="en-US" sz="1600" dirty="0">
+              <a:rPr lang="en-US" sz="2000" dirty="0">
                 <a:latin typeface="Oxygen" panose="02000503000000000000" pitchFamily="2" charset="0"/>
                 <a:sym typeface="Wingdings" panose="05000000000000000000" pitchFamily="2" charset="2"/>
               </a:rPr>
@@ -7335,14 +8403,14 @@
             </a:r>
           </a:p>
           <a:p>
-            <a:endParaRPr lang="en-US" sz="1600" dirty="0">
+            <a:endParaRPr lang="en-US" sz="2000" dirty="0">
               <a:latin typeface="Oxygen" panose="02000503000000000000" pitchFamily="2" charset="0"/>
               <a:sym typeface="Wingdings" panose="05000000000000000000" pitchFamily="2" charset="2"/>
             </a:endParaRPr>
           </a:p>
           <a:p>
             <a:r>
-              <a:rPr lang="en-US" sz="1600" dirty="0">
+              <a:rPr lang="en-US" sz="2000" dirty="0">
                 <a:latin typeface="Oxygen" panose="02000503000000000000" pitchFamily="2" charset="0"/>
                 <a:sym typeface="Wingdings" panose="05000000000000000000" pitchFamily="2" charset="2"/>
               </a:rPr>
@@ -7351,7 +8419,7 @@
           </a:p>
           <a:p>
             <a:r>
-              <a:rPr lang="en-US" sz="1600" dirty="0">
+              <a:rPr lang="en-US" sz="2000" dirty="0">
                 <a:latin typeface="Oxygen" panose="02000503000000000000" pitchFamily="2" charset="0"/>
                 <a:sym typeface="Wingdings" panose="05000000000000000000" pitchFamily="2" charset="2"/>
               </a:rPr>
@@ -7360,7 +8428,7 @@
           </a:p>
           <a:p>
             <a:r>
-              <a:rPr lang="en-US" sz="1600" dirty="0">
+              <a:rPr lang="en-US" sz="2000" dirty="0">
                 <a:latin typeface="Oxygen" panose="02000503000000000000" pitchFamily="2" charset="0"/>
                 <a:sym typeface="Wingdings" panose="05000000000000000000" pitchFamily="2" charset="2"/>
               </a:rPr>
@@ -7369,7 +8437,7 @@
           </a:p>
           <a:p>
             <a:r>
-              <a:rPr lang="en-US" sz="1600" dirty="0">
+              <a:rPr lang="en-US" sz="2000" dirty="0">
                 <a:latin typeface="Oxygen" panose="02000503000000000000" pitchFamily="2" charset="0"/>
                 <a:sym typeface="Wingdings" panose="05000000000000000000" pitchFamily="2" charset="2"/>
               </a:rPr>
@@ -7378,7 +8446,7 @@
           </a:p>
           <a:p>
             <a:r>
-              <a:rPr lang="en-US" sz="1600" dirty="0">
+              <a:rPr lang="en-US" sz="2000" dirty="0">
                 <a:latin typeface="Oxygen" panose="02000503000000000000" pitchFamily="2" charset="0"/>
                 <a:sym typeface="Wingdings" panose="05000000000000000000" pitchFamily="2" charset="2"/>
               </a:rPr>
@@ -7387,7 +8455,7 @@
           </a:p>
           <a:p>
             <a:r>
-              <a:rPr lang="en-US" sz="1600" dirty="0">
+              <a:rPr lang="en-US" sz="2000" dirty="0">
                 <a:latin typeface="Oxygen" panose="02000503000000000000" pitchFamily="2" charset="0"/>
                 <a:sym typeface="Wingdings" panose="05000000000000000000" pitchFamily="2" charset="2"/>
               </a:rPr>
@@ -7396,7 +8464,7 @@
           </a:p>
           <a:p>
             <a:r>
-              <a:rPr lang="en-US" sz="1600" dirty="0">
+              <a:rPr lang="en-US" sz="2000" dirty="0">
                 <a:latin typeface="Oxygen" panose="02000503000000000000" pitchFamily="2" charset="0"/>
                 <a:sym typeface="Wingdings" panose="05000000000000000000" pitchFamily="2" charset="2"/>
               </a:rPr>
@@ -7405,16 +8473,25 @@
           </a:p>
           <a:p>
             <a:r>
-              <a:rPr lang="en-US" sz="1600" dirty="0">
-                <a:latin typeface="Oxygen" panose="02000503000000000000" pitchFamily="2" charset="0"/>
-                <a:sym typeface="Wingdings" panose="05000000000000000000" pitchFamily="2" charset="2"/>
-              </a:rPr>
-              <a:t>	KEY `fk_product_group_id` (`product_group_id`),  CONSTRAINT `fk_product_group_id` FOREIGN KEY 	(`product_group_id`) REFERENCES `mst_product_group` (`product_group_id`),  </a:t>
-            </a:r>
-          </a:p>
-          <a:p>
-            <a:r>
-              <a:rPr lang="en-US" sz="1600" dirty="0">
+              <a:rPr lang="en-US" sz="2000" dirty="0">
+                <a:latin typeface="Oxygen" panose="02000503000000000000" pitchFamily="2" charset="0"/>
+                <a:sym typeface="Wingdings" panose="05000000000000000000" pitchFamily="2" charset="2"/>
+              </a:rPr>
+              <a:t>	KEY `fk_product_group_id` (`product_group_id`),  CONSTRAINT 	`fk_product_group_id` FOREIGN KEY (`product_group_id`) </a:t>
+            </a:r>
+          </a:p>
+          <a:p>
+            <a:r>
+              <a:rPr lang="en-US" sz="2000" dirty="0">
+                <a:latin typeface="Oxygen" panose="02000503000000000000" pitchFamily="2" charset="0"/>
+                <a:sym typeface="Wingdings" panose="05000000000000000000" pitchFamily="2" charset="2"/>
+              </a:rPr>
+              <a:t>	REFERENCES  `mst_product_group` (`product_group_id`),  </a:t>
+            </a:r>
+          </a:p>
+          <a:p>
+            <a:r>
+              <a:rPr lang="en-US" sz="2000" dirty="0">
                 <a:latin typeface="Oxygen" panose="02000503000000000000" pitchFamily="2" charset="0"/>
                 <a:sym typeface="Wingdings" panose="05000000000000000000" pitchFamily="2" charset="2"/>
               </a:rPr>
@@ -7423,7 +8500,7 @@
           </a:p>
           <a:p>
             <a:r>
-              <a:rPr lang="en-US" sz="1600" dirty="0">
+              <a:rPr lang="en-US" sz="2000" dirty="0">
                 <a:latin typeface="Oxygen" panose="02000503000000000000" pitchFamily="2" charset="0"/>
                 <a:sym typeface="Wingdings" panose="05000000000000000000" pitchFamily="2" charset="2"/>
               </a:rPr>
@@ -7446,7 +8523,7 @@
         </p:nvSpPr>
         <p:spPr>
           <a:xfrm>
-            <a:off x="4245430" y="409871"/>
+            <a:off x="4245432" y="450667"/>
             <a:ext cx="2699657" cy="457368"/>
           </a:xfrm>
           <a:prstGeom prst="rect">
@@ -7534,7 +8611,7 @@
         </p:blipFill>
         <p:spPr>
           <a:xfrm>
-            <a:off x="330371" y="275619"/>
+            <a:off x="330373" y="590740"/>
             <a:ext cx="725875" cy="725875"/>
           </a:xfrm>
           <a:prstGeom prst="rect">
@@ -7556,7 +8633,7 @@
         </p:nvSpPr>
         <p:spPr>
           <a:xfrm>
-            <a:off x="1122745" y="1647670"/>
+            <a:off x="1122747" y="1962791"/>
             <a:ext cx="10504577" cy="5324535"/>
           </a:xfrm>
           <a:prstGeom prst="rect">
@@ -7608,11 +8685,10 @@
               <a:t>Below statement creates an index </a:t>
             </a:r>
             <a:r>
-              <a:rPr lang="en-US" sz="2000" b="0" i="0" dirty="0">
+              <a:rPr lang="en-US" sz="2000" dirty="0">
                 <a:solidFill>
                   <a:srgbClr val="000000"/>
                 </a:solidFill>
-                <a:effectLst/>
                 <a:latin typeface="Oxygen" panose="02000503000000000000" pitchFamily="2" charset="0"/>
               </a:rPr>
               <a:t>on a table. Duplicate values are allowed.</a:t>
@@ -7620,8 +8696,7 @@
           </a:p>
           <a:p>
             <a:r>
-              <a:rPr lang="en-US" sz="2000" b="0" i="0" dirty="0">
-                <a:effectLst/>
+              <a:rPr lang="en-US" sz="2000" dirty="0">
                 <a:latin typeface="Oxygen" panose="02000503000000000000" pitchFamily="2" charset="0"/>
               </a:rPr>
               <a:t>CREATE INDEX idx_product</a:t>
@@ -7632,16 +8707,14 @@
               </a:rPr>
             </a:br>
             <a:r>
-              <a:rPr lang="en-US" sz="2000" b="0" i="0" dirty="0">
-                <a:effectLst/>
+              <a:rPr lang="en-US" sz="2000" dirty="0">
                 <a:latin typeface="Oxygen" panose="02000503000000000000" pitchFamily="2" charset="0"/>
               </a:rPr>
               <a:t>ON mst_product (product_name);</a:t>
             </a:r>
           </a:p>
           <a:p>
-            <a:endParaRPr lang="en-US" sz="2000" b="0" i="0" dirty="0">
-              <a:effectLst/>
+            <a:endParaRPr lang="en-US" sz="2000" dirty="0">
               <a:latin typeface="Oxygen" panose="02000503000000000000" pitchFamily="2" charset="0"/>
             </a:endParaRPr>
           </a:p>
@@ -7660,11 +8733,10 @@
               <a:t>Below statement creates an index </a:t>
             </a:r>
             <a:r>
-              <a:rPr lang="en-US" sz="2000" b="0" i="0" dirty="0">
+              <a:rPr lang="en-US" sz="2000" dirty="0">
                 <a:solidFill>
                   <a:srgbClr val="000000"/>
                 </a:solidFill>
-                <a:effectLst/>
                 <a:latin typeface="Oxygen" panose="02000503000000000000" pitchFamily="2" charset="0"/>
               </a:rPr>
               <a:t>on a table. Duplicate values are not allowed.</a:t>
@@ -7672,8 +8744,7 @@
           </a:p>
           <a:p>
             <a:r>
-              <a:rPr lang="en-US" sz="2000" b="0" i="0" dirty="0">
-                <a:effectLst/>
+              <a:rPr lang="en-US" sz="2000" dirty="0">
                 <a:latin typeface="Oxygen" panose="02000503000000000000" pitchFamily="2" charset="0"/>
               </a:rPr>
               <a:t>CREATE UNIQUE INDEX idx_product</a:t>
@@ -7684,8 +8755,7 @@
               </a:rPr>
             </a:br>
             <a:r>
-              <a:rPr lang="en-US" sz="2000" b="0" i="0" dirty="0">
-                <a:effectLst/>
+              <a:rPr lang="en-US" sz="2000" dirty="0">
                 <a:latin typeface="Oxygen" panose="02000503000000000000" pitchFamily="2" charset="0"/>
               </a:rPr>
               <a:t>ON mst_product (product_name);</a:t>
@@ -7714,21 +8784,18 @@
           </a:p>
           <a:p>
             <a:r>
-              <a:rPr lang="en-US" sz="2000" b="0" dirty="0">
-                <a:effectLst/>
+              <a:rPr lang="en-US" sz="2000" dirty="0">
                 <a:latin typeface="Oxygen" panose="02000503000000000000" pitchFamily="2" charset="0"/>
               </a:rPr>
               <a:t>ALTER TABLE mst_product</a:t>
             </a:r>
             <a:br>
-              <a:rPr lang="en-US" sz="2000" b="0" dirty="0">
-                <a:effectLst/>
+              <a:rPr lang="en-US" sz="2000" dirty="0">
                 <a:latin typeface="Oxygen" panose="02000503000000000000" pitchFamily="2" charset="0"/>
               </a:rPr>
             </a:br>
             <a:r>
-              <a:rPr lang="en-US" sz="2000" b="0" dirty="0">
-                <a:effectLst/>
+              <a:rPr lang="en-US" sz="2000" dirty="0">
                 <a:latin typeface="Oxygen" panose="02000503000000000000" pitchFamily="2" charset="0"/>
               </a:rPr>
               <a:t>DROP INDEX idx_product;</a:t>
@@ -7754,7 +8821,7 @@
         </p:nvSpPr>
         <p:spPr>
           <a:xfrm>
-            <a:off x="4245430" y="409871"/>
+            <a:off x="4245430" y="724992"/>
             <a:ext cx="3009612" cy="461793"/>
           </a:xfrm>
           <a:prstGeom prst="rect">

--- a/Offline/BusinessManagement/Teach_Tech@anodiam/IT/CourseMaterials/MySQL/MySQL.pptx
+++ b/Offline/BusinessManagement/Teach_Tech@anodiam/IT/CourseMaterials/MySQL/MySQL.pptx
@@ -5,7 +5,7 @@
     <p:sldMasterId id="2147483720" r:id="rId1"/>
   </p:sldMasterIdLst>
   <p:notesMasterIdLst>
-    <p:notesMasterId r:id="rId15"/>
+    <p:notesMasterId r:id="rId16"/>
   </p:notesMasterIdLst>
   <p:sldIdLst>
     <p:sldId id="259" r:id="rId2"/>
@@ -21,6 +21,7 @@
     <p:sldId id="270" r:id="rId12"/>
     <p:sldId id="272" r:id="rId13"/>
     <p:sldId id="271" r:id="rId14"/>
+    <p:sldId id="273" r:id="rId15"/>
   </p:sldIdLst>
   <p:sldSz cx="12192000" cy="8640763"/>
   <p:notesSz cx="6858000" cy="9144000"/>
@@ -3918,7 +3919,21 @@
                 <a:latin typeface="Oxygen" panose="02000503000000000000" pitchFamily="2" charset="0"/>
                 <a:sym typeface="Wingdings" panose="05000000000000000000" pitchFamily="2" charset="2"/>
               </a:rPr>
-              <a:t>SELECT 	pg.product_group_name,</a:t>
+              <a:t>SELECT 	</a:t>
+            </a:r>
+            <a:r>
+              <a:rPr lang="en-US" dirty="0" err="1">
+                <a:latin typeface="Oxygen" panose="02000503000000000000" pitchFamily="2" charset="0"/>
+                <a:sym typeface="Wingdings" panose="05000000000000000000" pitchFamily="2" charset="2"/>
+              </a:rPr>
+              <a:t>pg.product_group_name</a:t>
+            </a:r>
+            <a:r>
+              <a:rPr lang="en-US" dirty="0">
+                <a:latin typeface="Oxygen" panose="02000503000000000000" pitchFamily="2" charset="0"/>
+                <a:sym typeface="Wingdings" panose="05000000000000000000" pitchFamily="2" charset="2"/>
+              </a:rPr>
+              <a:t>,</a:t>
             </a:r>
           </a:p>
           <a:p>
@@ -5295,7 +5310,7 @@
         <p:spPr>
           <a:xfrm>
             <a:off x="1006399" y="775099"/>
-            <a:ext cx="11067917" cy="7971413"/>
+            <a:ext cx="11067917" cy="7610400"/>
           </a:xfrm>
           <a:prstGeom prst="rect">
             <a:avLst/>
@@ -5644,6 +5659,455 @@
     <p:extLst>
       <p:ext uri="{BB962C8B-B14F-4D97-AF65-F5344CB8AC3E}">
         <p14:creationId xmlns:p14="http://schemas.microsoft.com/office/powerpoint/2010/main" val="3405344823"/>
+      </p:ext>
+    </p:extLst>
+  </p:cSld>
+  <p:clrMapOvr>
+    <a:masterClrMapping/>
+  </p:clrMapOvr>
+</p:sld>
+</file>
+
+<file path=ppt/slides/slide14.xml><?xml version="1.0" encoding="utf-8"?>
+<p:sld xmlns:a="http://schemas.openxmlformats.org/drawingml/2006/main" xmlns:r="http://schemas.openxmlformats.org/officeDocument/2006/relationships" xmlns:p="http://schemas.openxmlformats.org/presentationml/2006/main">
+  <p:cSld>
+    <p:spTree>
+      <p:nvGrpSpPr>
+        <p:cNvPr id="1" name="">
+          <a:extLst>
+            <a:ext uri="{FF2B5EF4-FFF2-40B4-BE49-F238E27FC236}">
+              <a16:creationId xmlns:a16="http://schemas.microsoft.com/office/drawing/2014/main" id="{08C4D106-E66A-E7E7-12F1-50E0D1026505}"/>
+            </a:ext>
+          </a:extLst>
+        </p:cNvPr>
+        <p:cNvGrpSpPr/>
+        <p:nvPr/>
+      </p:nvGrpSpPr>
+      <p:grpSpPr>
+        <a:xfrm>
+          <a:off x="0" y="0"/>
+          <a:ext cx="0" cy="0"/>
+          <a:chOff x="0" y="0"/>
+          <a:chExt cx="0" cy="0"/>
+        </a:xfrm>
+      </p:grpSpPr>
+      <p:pic>
+        <p:nvPicPr>
+          <p:cNvPr id="15" name="Picture 14">
+            <a:extLst>
+              <a:ext uri="{FF2B5EF4-FFF2-40B4-BE49-F238E27FC236}">
+                <a16:creationId xmlns:a16="http://schemas.microsoft.com/office/drawing/2014/main" id="{25AB81F6-99E3-BE97-DB26-906C58FF79EB}"/>
+              </a:ext>
+            </a:extLst>
+          </p:cNvPr>
+          <p:cNvPicPr>
+            <a:picLocks noChangeAspect="1"/>
+          </p:cNvPicPr>
+          <p:nvPr/>
+        </p:nvPicPr>
+        <p:blipFill>
+          <a:blip r:embed="rId2">
+            <a:extLst>
+              <a:ext uri="{28A0092B-C50C-407E-A947-70E740481C1C}">
+                <a14:useLocalDpi xmlns:a14="http://schemas.microsoft.com/office/drawing/2010/main" val="0"/>
+              </a:ext>
+            </a:extLst>
+          </a:blip>
+          <a:stretch>
+            <a:fillRect/>
+          </a:stretch>
+        </p:blipFill>
+        <p:spPr>
+          <a:xfrm>
+            <a:off x="202146" y="133537"/>
+            <a:ext cx="725875" cy="725875"/>
+          </a:xfrm>
+          <a:prstGeom prst="rect">
+            <a:avLst/>
+          </a:prstGeom>
+        </p:spPr>
+      </p:pic>
+      <p:sp>
+        <p:nvSpPr>
+          <p:cNvPr id="2" name="TextBox 1">
+            <a:extLst>
+              <a:ext uri="{FF2B5EF4-FFF2-40B4-BE49-F238E27FC236}">
+                <a16:creationId xmlns:a16="http://schemas.microsoft.com/office/drawing/2014/main" id="{CEE7E3AE-73C7-90AE-E3BE-058AB3490E68}"/>
+              </a:ext>
+            </a:extLst>
+          </p:cNvPr>
+          <p:cNvSpPr txBox="1"/>
+          <p:nvPr/>
+        </p:nvSpPr>
+        <p:spPr>
+          <a:xfrm>
+            <a:off x="1084216" y="823407"/>
+            <a:ext cx="11051185" cy="7668000"/>
+          </a:xfrm>
+          <a:prstGeom prst="rect">
+            <a:avLst/>
+          </a:prstGeom>
+          <a:noFill/>
+        </p:spPr>
+        <p:txBody>
+          <a:bodyPr wrap="square" rtlCol="0">
+            <a:spAutoFit/>
+          </a:bodyPr>
+          <a:lstStyle/>
+          <a:p>
+            <a:r>
+              <a:rPr lang="en-US" sz="2000" b="1" dirty="0">
+                <a:latin typeface="Oxygen" panose="02000503000000000000" pitchFamily="2" charset="0"/>
+                <a:sym typeface="Wingdings" panose="05000000000000000000" pitchFamily="2" charset="2"/>
+              </a:rPr>
+              <a:t>JOINS</a:t>
+            </a:r>
+          </a:p>
+          <a:p>
+            <a:endParaRPr lang="en-US" sz="2000" b="1" dirty="0">
+              <a:latin typeface="Oxygen" panose="02000503000000000000" pitchFamily="2" charset="0"/>
+              <a:sym typeface="Wingdings" panose="05000000000000000000" pitchFamily="2" charset="2"/>
+            </a:endParaRPr>
+          </a:p>
+          <a:p>
+            <a:r>
+              <a:rPr lang="en-US" sz="2000" b="1" dirty="0">
+                <a:latin typeface="Oxygen" panose="02000503000000000000" pitchFamily="2" charset="0"/>
+                <a:sym typeface="Wingdings" panose="05000000000000000000" pitchFamily="2" charset="2"/>
+              </a:rPr>
+              <a:t>There are 2 types of joins</a:t>
+            </a:r>
+          </a:p>
+          <a:p>
+            <a:r>
+              <a:rPr lang="en-US" sz="2000" b="1" dirty="0">
+                <a:latin typeface="Oxygen" panose="02000503000000000000" pitchFamily="2" charset="0"/>
+                <a:sym typeface="Wingdings" panose="05000000000000000000" pitchFamily="2" charset="2"/>
+              </a:rPr>
+              <a:t> </a:t>
+            </a:r>
+          </a:p>
+          <a:p>
+            <a:r>
+              <a:rPr lang="en-US" sz="2000" b="1" dirty="0">
+                <a:latin typeface="Oxygen" panose="02000503000000000000" pitchFamily="2" charset="0"/>
+                <a:sym typeface="Wingdings" panose="05000000000000000000" pitchFamily="2" charset="2"/>
+              </a:rPr>
+              <a:t>INNER Join</a:t>
+            </a:r>
+          </a:p>
+          <a:p>
+            <a:pPr marL="342900" indent="-342900">
+              <a:buFont typeface="Wingdings" panose="05000000000000000000" pitchFamily="2" charset="2"/>
+              <a:buChar char="Ø"/>
+            </a:pPr>
+            <a:r>
+              <a:rPr lang="en-US" sz="2000" b="1" dirty="0">
+                <a:latin typeface="Oxygen" panose="02000503000000000000" pitchFamily="2" charset="0"/>
+                <a:sym typeface="Wingdings" panose="05000000000000000000" pitchFamily="2" charset="2"/>
+              </a:rPr>
+              <a:t>OUTER Join</a:t>
+            </a:r>
+          </a:p>
+          <a:p>
+            <a:r>
+              <a:rPr lang="en-US" sz="2000" b="1" dirty="0">
+                <a:latin typeface="Oxygen" panose="02000503000000000000" pitchFamily="2" charset="0"/>
+                <a:sym typeface="Wingdings" panose="05000000000000000000" pitchFamily="2" charset="2"/>
+              </a:rPr>
+              <a:t>      Outer Join can be 2 types</a:t>
+            </a:r>
+          </a:p>
+          <a:p>
+            <a:r>
+              <a:rPr lang="en-US" sz="2000" b="1" dirty="0">
+                <a:latin typeface="Oxygen" panose="02000503000000000000" pitchFamily="2" charset="0"/>
+                <a:sym typeface="Wingdings" panose="05000000000000000000" pitchFamily="2" charset="2"/>
+              </a:rPr>
+              <a:t>		a) Left Join</a:t>
+            </a:r>
+          </a:p>
+          <a:p>
+            <a:r>
+              <a:rPr lang="en-US" sz="2000" b="1" dirty="0">
+                <a:latin typeface="Oxygen" panose="02000503000000000000" pitchFamily="2" charset="0"/>
+                <a:sym typeface="Wingdings" panose="05000000000000000000" pitchFamily="2" charset="2"/>
+              </a:rPr>
+              <a:t>		b) Right Join</a:t>
+            </a:r>
+          </a:p>
+          <a:p>
+            <a:endParaRPr lang="en-US" sz="2000" b="1" dirty="0">
+              <a:latin typeface="Oxygen" panose="02000503000000000000" pitchFamily="2" charset="0"/>
+              <a:sym typeface="Wingdings" panose="05000000000000000000" pitchFamily="2" charset="2"/>
+            </a:endParaRPr>
+          </a:p>
+          <a:p>
+            <a:r>
+              <a:rPr lang="en-US" sz="2000" b="1" dirty="0">
+                <a:latin typeface="Oxygen" panose="02000503000000000000" pitchFamily="2" charset="0"/>
+                <a:sym typeface="Wingdings" panose="05000000000000000000" pitchFamily="2" charset="2"/>
+              </a:rPr>
+              <a:t>Inner Join  </a:t>
+            </a:r>
+            <a:r>
+              <a:rPr lang="en-US" sz="2000" dirty="0">
+                <a:latin typeface="Oxygen" panose="02000503000000000000" pitchFamily="2" charset="0"/>
+                <a:sym typeface="Wingdings" panose="05000000000000000000" pitchFamily="2" charset="2"/>
+              </a:rPr>
+              <a:t>retrieves </a:t>
+            </a:r>
+            <a:r>
+              <a:rPr lang="en-US" sz="2000" i="0" dirty="0">
+                <a:solidFill>
+                  <a:srgbClr val="000000"/>
+                </a:solidFill>
+                <a:effectLst/>
+                <a:latin typeface="Oxygen" panose="02000503000000000000" pitchFamily="2" charset="0"/>
+              </a:rPr>
+              <a:t>records that have matching values in both tables.</a:t>
+            </a:r>
+            <a:endParaRPr lang="en-US" sz="2000" dirty="0">
+              <a:latin typeface="Oxygen" panose="02000503000000000000" pitchFamily="2" charset="0"/>
+              <a:sym typeface="Wingdings" panose="05000000000000000000" pitchFamily="2" charset="2"/>
+            </a:endParaRPr>
+          </a:p>
+          <a:p>
+            <a:r>
+              <a:rPr lang="en-US" sz="2000" dirty="0">
+                <a:latin typeface="Oxygen" panose="02000503000000000000" pitchFamily="2" charset="0"/>
+                <a:sym typeface="Wingdings" panose="05000000000000000000" pitchFamily="2" charset="2"/>
+              </a:rPr>
+              <a:t>SELECT pg.product_group_name,p.product_name,</a:t>
+            </a:r>
+          </a:p>
+          <a:p>
+            <a:r>
+              <a:rPr lang="en-US" sz="2000" dirty="0">
+                <a:latin typeface="Oxygen" panose="02000503000000000000" pitchFamily="2" charset="0"/>
+                <a:sym typeface="Wingdings" panose="05000000000000000000" pitchFamily="2" charset="2"/>
+              </a:rPr>
+              <a:t>		p.product_price,p.product_weight</a:t>
+            </a:r>
+          </a:p>
+          <a:p>
+            <a:r>
+              <a:rPr lang="en-US" sz="2000" dirty="0">
+                <a:latin typeface="Oxygen" panose="02000503000000000000" pitchFamily="2" charset="0"/>
+                <a:sym typeface="Wingdings" panose="05000000000000000000" pitchFamily="2" charset="2"/>
+              </a:rPr>
+              <a:t>FROM mst_product p</a:t>
+            </a:r>
+          </a:p>
+          <a:p>
+            <a:r>
+              <a:rPr lang="en-US" sz="2000" dirty="0">
+                <a:latin typeface="Oxygen" panose="02000503000000000000" pitchFamily="2" charset="0"/>
+                <a:sym typeface="Wingdings" panose="05000000000000000000" pitchFamily="2" charset="2"/>
+              </a:rPr>
+              <a:t>INNER JOIN mst_product_group pg</a:t>
+            </a:r>
+          </a:p>
+          <a:p>
+            <a:r>
+              <a:rPr lang="en-US" sz="2000" dirty="0">
+                <a:latin typeface="Oxygen" panose="02000503000000000000" pitchFamily="2" charset="0"/>
+                <a:sym typeface="Wingdings" panose="05000000000000000000" pitchFamily="2" charset="2"/>
+              </a:rPr>
+              <a:t>ON p.product_group_id=pg.product_group_id;</a:t>
+            </a:r>
+          </a:p>
+          <a:p>
+            <a:endParaRPr lang="en-US" sz="2000" dirty="0">
+              <a:latin typeface="Oxygen" panose="02000503000000000000" pitchFamily="2" charset="0"/>
+              <a:sym typeface="Wingdings" panose="05000000000000000000" pitchFamily="2" charset="2"/>
+            </a:endParaRPr>
+          </a:p>
+          <a:p>
+            <a:r>
+              <a:rPr lang="en-US" sz="2000" b="1" dirty="0">
+                <a:latin typeface="Oxygen" panose="02000503000000000000" pitchFamily="2" charset="0"/>
+                <a:sym typeface="Wingdings" panose="05000000000000000000" pitchFamily="2" charset="2"/>
+              </a:rPr>
+              <a:t>LEFT Join  </a:t>
+            </a:r>
+            <a:r>
+              <a:rPr lang="en-US" sz="2000" b="0" i="0" dirty="0">
+                <a:solidFill>
+                  <a:srgbClr val="000000"/>
+                </a:solidFill>
+                <a:effectLst/>
+                <a:latin typeface="Oxygen" panose="02000503000000000000" pitchFamily="2" charset="0"/>
+              </a:rPr>
+              <a:t>returns all records from the left table and the matching records from the right table</a:t>
+            </a:r>
+            <a:r>
+              <a:rPr lang="en-US" sz="2000" i="0" dirty="0">
+                <a:solidFill>
+                  <a:srgbClr val="000000"/>
+                </a:solidFill>
+                <a:effectLst/>
+                <a:latin typeface="Oxygen" panose="02000503000000000000" pitchFamily="2" charset="0"/>
+              </a:rPr>
+              <a:t>. </a:t>
+            </a:r>
+            <a:r>
+              <a:rPr lang="en-US" sz="2000" dirty="0">
+                <a:solidFill>
+                  <a:srgbClr val="000000"/>
+                </a:solidFill>
+                <a:latin typeface="Oxygen" panose="02000503000000000000" pitchFamily="2" charset="0"/>
+              </a:rPr>
+              <a:t>Right join is just opposite to left join.</a:t>
+            </a:r>
+            <a:endParaRPr lang="en-US" sz="2000" dirty="0">
+              <a:latin typeface="Oxygen" panose="02000503000000000000" pitchFamily="2" charset="0"/>
+              <a:sym typeface="Wingdings" panose="05000000000000000000" pitchFamily="2" charset="2"/>
+            </a:endParaRPr>
+          </a:p>
+          <a:p>
+            <a:r>
+              <a:rPr lang="en-US" sz="2000" dirty="0">
+                <a:latin typeface="Oxygen" panose="02000503000000000000" pitchFamily="2" charset="0"/>
+                <a:sym typeface="Wingdings" panose="05000000000000000000" pitchFamily="2" charset="2"/>
+              </a:rPr>
+              <a:t>SELECT pg.product_group_name,p.product_name,</a:t>
+            </a:r>
+          </a:p>
+          <a:p>
+            <a:r>
+              <a:rPr lang="en-US" sz="2000" dirty="0">
+                <a:latin typeface="Oxygen" panose="02000503000000000000" pitchFamily="2" charset="0"/>
+                <a:sym typeface="Wingdings" panose="05000000000000000000" pitchFamily="2" charset="2"/>
+              </a:rPr>
+              <a:t>		p.product_price,p.product_weight</a:t>
+            </a:r>
+          </a:p>
+          <a:p>
+            <a:r>
+              <a:rPr lang="en-US" sz="2000" dirty="0">
+                <a:latin typeface="Oxygen" panose="02000503000000000000" pitchFamily="2" charset="0"/>
+                <a:sym typeface="Wingdings" panose="05000000000000000000" pitchFamily="2" charset="2"/>
+              </a:rPr>
+              <a:t>FROM mst_product p</a:t>
+            </a:r>
+          </a:p>
+          <a:p>
+            <a:r>
+              <a:rPr lang="en-US" sz="2000" dirty="0">
+                <a:latin typeface="Oxygen" panose="02000503000000000000" pitchFamily="2" charset="0"/>
+                <a:sym typeface="Wingdings" panose="05000000000000000000" pitchFamily="2" charset="2"/>
+              </a:rPr>
+              <a:t>LEFT JOIN mst_product_group pg</a:t>
+            </a:r>
+          </a:p>
+          <a:p>
+            <a:r>
+              <a:rPr lang="en-US" sz="2000" dirty="0">
+                <a:latin typeface="Oxygen" panose="02000503000000000000" pitchFamily="2" charset="0"/>
+                <a:sym typeface="Wingdings" panose="05000000000000000000" pitchFamily="2" charset="2"/>
+              </a:rPr>
+              <a:t>ON p.product_group_id=pg.product_group_id;</a:t>
+            </a:r>
+          </a:p>
+          <a:p>
+            <a:endParaRPr lang="en-US" sz="2000" dirty="0">
+              <a:latin typeface="Oxygen" panose="02000503000000000000" pitchFamily="2" charset="0"/>
+              <a:sym typeface="Wingdings" panose="05000000000000000000" pitchFamily="2" charset="2"/>
+            </a:endParaRPr>
+          </a:p>
+          <a:p>
+            <a:endParaRPr lang="en-US" sz="2000" b="1" dirty="0">
+              <a:latin typeface="Oxygen" panose="02000503000000000000" pitchFamily="2" charset="0"/>
+              <a:sym typeface="Wingdings" panose="05000000000000000000" pitchFamily="2" charset="2"/>
+            </a:endParaRPr>
+          </a:p>
+          <a:p>
+            <a:endParaRPr lang="en-US" sz="2000" b="1" dirty="0">
+              <a:latin typeface="Oxygen" panose="02000503000000000000" pitchFamily="2" charset="0"/>
+              <a:sym typeface="Wingdings" panose="05000000000000000000" pitchFamily="2" charset="2"/>
+            </a:endParaRPr>
+          </a:p>
+          <a:p>
+            <a:endParaRPr lang="en-US" sz="2000" b="1" dirty="0">
+              <a:latin typeface="Oxygen" panose="02000503000000000000" pitchFamily="2" charset="0"/>
+              <a:sym typeface="Wingdings" panose="05000000000000000000" pitchFamily="2" charset="2"/>
+            </a:endParaRPr>
+          </a:p>
+          <a:p>
+            <a:endParaRPr lang="en-US" sz="2000" b="1" dirty="0">
+              <a:latin typeface="Oxygen" panose="02000503000000000000" pitchFamily="2" charset="0"/>
+              <a:sym typeface="Wingdings" panose="05000000000000000000" pitchFamily="2" charset="2"/>
+            </a:endParaRPr>
+          </a:p>
+          <a:p>
+            <a:endParaRPr lang="en-US" sz="2000" b="1" dirty="0">
+              <a:latin typeface="Oxygen" panose="02000503000000000000" pitchFamily="2" charset="0"/>
+              <a:sym typeface="Wingdings" panose="05000000000000000000" pitchFamily="2" charset="2"/>
+            </a:endParaRPr>
+          </a:p>
+          <a:p>
+            <a:endParaRPr lang="en-US" sz="2000" b="1" dirty="0">
+              <a:latin typeface="Oxygen" panose="02000503000000000000" pitchFamily="2" charset="0"/>
+              <a:sym typeface="Wingdings" panose="05000000000000000000" pitchFamily="2" charset="2"/>
+            </a:endParaRPr>
+          </a:p>
+          <a:p>
+            <a:endParaRPr lang="en-US" sz="2000" b="1" dirty="0">
+              <a:latin typeface="Oxygen" panose="02000503000000000000" pitchFamily="2" charset="0"/>
+              <a:sym typeface="Wingdings" panose="05000000000000000000" pitchFamily="2" charset="2"/>
+            </a:endParaRPr>
+          </a:p>
+          <a:p>
+            <a:endParaRPr lang="en-US" sz="1600" b="1" dirty="0">
+              <a:latin typeface="Oxygen" panose="02000503000000000000" pitchFamily="2" charset="0"/>
+              <a:sym typeface="Wingdings" panose="05000000000000000000" pitchFamily="2" charset="2"/>
+            </a:endParaRPr>
+          </a:p>
+        </p:txBody>
+      </p:sp>
+      <p:sp>
+        <p:nvSpPr>
+          <p:cNvPr id="5" name="TextBox 4">
+            <a:extLst>
+              <a:ext uri="{FF2B5EF4-FFF2-40B4-BE49-F238E27FC236}">
+                <a16:creationId xmlns:a16="http://schemas.microsoft.com/office/drawing/2014/main" id="{AB6CD064-1217-E5F9-CA95-156311FC54B4}"/>
+              </a:ext>
+            </a:extLst>
+          </p:cNvPr>
+          <p:cNvSpPr txBox="1"/>
+          <p:nvPr/>
+        </p:nvSpPr>
+        <p:spPr>
+          <a:xfrm>
+            <a:off x="4454440" y="189410"/>
+            <a:ext cx="2699657" cy="457368"/>
+          </a:xfrm>
+          <a:prstGeom prst="rect">
+            <a:avLst/>
+          </a:prstGeom>
+          <a:noFill/>
+        </p:spPr>
+        <p:txBody>
+          <a:bodyPr wrap="square" rtlCol="0">
+            <a:spAutoFit/>
+          </a:bodyPr>
+          <a:lstStyle/>
+          <a:p>
+            <a:pPr algn="ctr"/>
+            <a:r>
+              <a:rPr lang="en-US" sz="2401" b="1" cap="small" dirty="0">
+                <a:latin typeface="Oxygen" panose="02000503000000000000" pitchFamily="2" charset="0"/>
+              </a:rPr>
+              <a:t>DML Statement</a:t>
+            </a:r>
+          </a:p>
+        </p:txBody>
+      </p:sp>
+    </p:spTree>
+    <p:extLst>
+      <p:ext uri="{BB962C8B-B14F-4D97-AF65-F5344CB8AC3E}">
+        <p14:creationId xmlns:p14="http://schemas.microsoft.com/office/powerpoint/2010/main" val="903311954"/>
       </p:ext>
     </p:extLst>
   </p:cSld>

--- a/Offline/BusinessManagement/Teach_Tech@anodiam/IT/CourseMaterials/MySQL/MySQL.pptx
+++ b/Offline/BusinessManagement/Teach_Tech@anodiam/IT/CourseMaterials/MySQL/MySQL.pptx
@@ -5,7 +5,7 @@
     <p:sldMasterId id="2147483720" r:id="rId1"/>
   </p:sldMasterIdLst>
   <p:notesMasterIdLst>
-    <p:notesMasterId r:id="rId16"/>
+    <p:notesMasterId r:id="rId17"/>
   </p:notesMasterIdLst>
   <p:sldIdLst>
     <p:sldId id="259" r:id="rId2"/>
@@ -22,6 +22,7 @@
     <p:sldId id="272" r:id="rId13"/>
     <p:sldId id="271" r:id="rId14"/>
     <p:sldId id="273" r:id="rId15"/>
+    <p:sldId id="274" r:id="rId16"/>
   </p:sldIdLst>
   <p:sldSz cx="12192000" cy="8640763"/>
   <p:notesSz cx="6858000" cy="9144000"/>
@@ -5742,7 +5743,7 @@
         <p:spPr>
           <a:xfrm>
             <a:off x="1084216" y="823407"/>
-            <a:ext cx="11051185" cy="7668000"/>
+            <a:ext cx="11051185" cy="10495181"/>
           </a:xfrm>
           <a:prstGeom prst="rect">
             <a:avLst/>
@@ -5775,7 +5776,7 @@
                 <a:latin typeface="Oxygen" panose="02000503000000000000" pitchFamily="2" charset="0"/>
                 <a:sym typeface="Wingdings" panose="05000000000000000000" pitchFamily="2" charset="2"/>
               </a:rPr>
-              <a:t>There are 2 types of joins</a:t>
+              <a:t>There are 3 types of joins</a:t>
             </a:r>
           </a:p>
           <a:p>
@@ -5785,15 +5786,6 @@
                 <a:sym typeface="Wingdings" panose="05000000000000000000" pitchFamily="2" charset="2"/>
               </a:rPr>
               <a:t> </a:t>
-            </a:r>
-          </a:p>
-          <a:p>
-            <a:r>
-              <a:rPr lang="en-US" sz="2000" b="1" dirty="0">
-                <a:latin typeface="Oxygen" panose="02000503000000000000" pitchFamily="2" charset="0"/>
-                <a:sym typeface="Wingdings" panose="05000000000000000000" pitchFamily="2" charset="2"/>
-              </a:rPr>
-              <a:t>INNER Join</a:t>
             </a:r>
           </a:p>
           <a:p>
@@ -5806,6 +5798,19 @@
                 <a:latin typeface="Oxygen" panose="02000503000000000000" pitchFamily="2" charset="0"/>
                 <a:sym typeface="Wingdings" panose="05000000000000000000" pitchFamily="2" charset="2"/>
               </a:rPr>
+              <a:t>INNER Join</a:t>
+            </a:r>
+          </a:p>
+          <a:p>
+            <a:pPr marL="342900" indent="-342900">
+              <a:buFont typeface="Wingdings" panose="05000000000000000000" pitchFamily="2" charset="2"/>
+              <a:buChar char="Ø"/>
+            </a:pPr>
+            <a:r>
+              <a:rPr lang="en-US" sz="2000" b="1" dirty="0">
+                <a:latin typeface="Oxygen" panose="02000503000000000000" pitchFamily="2" charset="0"/>
+                <a:sym typeface="Wingdings" panose="05000000000000000000" pitchFamily="2" charset="2"/>
+              </a:rPr>
               <a:t>OUTER Join</a:t>
             </a:r>
           </a:p>
@@ -5834,6 +5839,19 @@
                 <a:sym typeface="Wingdings" panose="05000000000000000000" pitchFamily="2" charset="2"/>
               </a:rPr>
               <a:t>		b) Right Join</a:t>
+            </a:r>
+          </a:p>
+          <a:p>
+            <a:pPr marL="342900" indent="-342900">
+              <a:buFont typeface="Wingdings" panose="05000000000000000000" pitchFamily="2" charset="2"/>
+              <a:buChar char="Ø"/>
+            </a:pPr>
+            <a:r>
+              <a:rPr lang="en-US" sz="2000" b="1" dirty="0">
+                <a:latin typeface="Oxygen" panose="02000503000000000000" pitchFamily="2" charset="0"/>
+                <a:sym typeface="Wingdings" panose="05000000000000000000" pitchFamily="2" charset="2"/>
+              </a:rPr>
+              <a:t>Self Join</a:t>
             </a:r>
           </a:p>
           <a:p>
@@ -6108,6 +6126,547 @@
     <p:extLst>
       <p:ext uri="{BB962C8B-B14F-4D97-AF65-F5344CB8AC3E}">
         <p14:creationId xmlns:p14="http://schemas.microsoft.com/office/powerpoint/2010/main" val="903311954"/>
+      </p:ext>
+    </p:extLst>
+  </p:cSld>
+  <p:clrMapOvr>
+    <a:masterClrMapping/>
+  </p:clrMapOvr>
+</p:sld>
+</file>
+
+<file path=ppt/slides/slide15.xml><?xml version="1.0" encoding="utf-8"?>
+<p:sld xmlns:a="http://schemas.openxmlformats.org/drawingml/2006/main" xmlns:r="http://schemas.openxmlformats.org/officeDocument/2006/relationships" xmlns:p="http://schemas.openxmlformats.org/presentationml/2006/main">
+  <p:cSld>
+    <p:spTree>
+      <p:nvGrpSpPr>
+        <p:cNvPr id="1" name="">
+          <a:extLst>
+            <a:ext uri="{FF2B5EF4-FFF2-40B4-BE49-F238E27FC236}">
+              <a16:creationId xmlns:a16="http://schemas.microsoft.com/office/drawing/2014/main" id="{F075829E-A713-3E5B-4B48-1BD75985E3E5}"/>
+            </a:ext>
+          </a:extLst>
+        </p:cNvPr>
+        <p:cNvGrpSpPr/>
+        <p:nvPr/>
+      </p:nvGrpSpPr>
+      <p:grpSpPr>
+        <a:xfrm>
+          <a:off x="0" y="0"/>
+          <a:ext cx="0" cy="0"/>
+          <a:chOff x="0" y="0"/>
+          <a:chExt cx="0" cy="0"/>
+        </a:xfrm>
+      </p:grpSpPr>
+      <p:pic>
+        <p:nvPicPr>
+          <p:cNvPr id="15" name="Picture 14">
+            <a:extLst>
+              <a:ext uri="{FF2B5EF4-FFF2-40B4-BE49-F238E27FC236}">
+                <a16:creationId xmlns:a16="http://schemas.microsoft.com/office/drawing/2014/main" id="{E8A07AAE-1718-AFD6-2963-1CCE35FB048C}"/>
+              </a:ext>
+            </a:extLst>
+          </p:cNvPr>
+          <p:cNvPicPr>
+            <a:picLocks noChangeAspect="1"/>
+          </p:cNvPicPr>
+          <p:nvPr/>
+        </p:nvPicPr>
+        <p:blipFill>
+          <a:blip r:embed="rId2">
+            <a:extLst>
+              <a:ext uri="{28A0092B-C50C-407E-A947-70E740481C1C}">
+                <a14:useLocalDpi xmlns:a14="http://schemas.microsoft.com/office/drawing/2010/main" val="0"/>
+              </a:ext>
+            </a:extLst>
+          </a:blip>
+          <a:stretch>
+            <a:fillRect/>
+          </a:stretch>
+        </p:blipFill>
+        <p:spPr>
+          <a:xfrm>
+            <a:off x="149894" y="68222"/>
+            <a:ext cx="725875" cy="725875"/>
+          </a:xfrm>
+          <a:prstGeom prst="rect">
+            <a:avLst/>
+          </a:prstGeom>
+        </p:spPr>
+      </p:pic>
+      <p:sp>
+        <p:nvSpPr>
+          <p:cNvPr id="2" name="TextBox 1">
+            <a:extLst>
+              <a:ext uri="{FF2B5EF4-FFF2-40B4-BE49-F238E27FC236}">
+                <a16:creationId xmlns:a16="http://schemas.microsoft.com/office/drawing/2014/main" id="{B9952E9E-167B-152C-E0D1-17F0A9C56FB1}"/>
+              </a:ext>
+            </a:extLst>
+          </p:cNvPr>
+          <p:cNvSpPr txBox="1"/>
+          <p:nvPr/>
+        </p:nvSpPr>
+        <p:spPr>
+          <a:xfrm>
+            <a:off x="1084216" y="823407"/>
+            <a:ext cx="11051185" cy="7776000"/>
+          </a:xfrm>
+          <a:prstGeom prst="rect">
+            <a:avLst/>
+          </a:prstGeom>
+          <a:noFill/>
+        </p:spPr>
+        <p:txBody>
+          <a:bodyPr wrap="square" rtlCol="0">
+            <a:spAutoFit/>
+          </a:bodyPr>
+          <a:lstStyle/>
+          <a:p>
+            <a:r>
+              <a:rPr lang="en-US" sz="2000" b="1" dirty="0">
+                <a:latin typeface="Oxygen" panose="02000503000000000000" pitchFamily="2" charset="0"/>
+                <a:sym typeface="Wingdings" panose="05000000000000000000" pitchFamily="2" charset="2"/>
+              </a:rPr>
+              <a:t>JOINS</a:t>
+            </a:r>
+          </a:p>
+          <a:p>
+            <a:endParaRPr lang="en-US" sz="2000" b="1" dirty="0">
+              <a:latin typeface="Oxygen" panose="02000503000000000000" pitchFamily="2" charset="0"/>
+              <a:sym typeface="Wingdings" panose="05000000000000000000" pitchFamily="2" charset="2"/>
+            </a:endParaRPr>
+          </a:p>
+          <a:p>
+            <a:r>
+              <a:rPr lang="en-US" sz="2000" b="1" dirty="0">
+                <a:latin typeface="Oxygen" panose="02000503000000000000" pitchFamily="2" charset="0"/>
+                <a:sym typeface="Wingdings" panose="05000000000000000000" pitchFamily="2" charset="2"/>
+              </a:rPr>
+              <a:t>SELF Join  </a:t>
+            </a:r>
+            <a:r>
+              <a:rPr lang="en-US" sz="2000" dirty="0">
+                <a:latin typeface="Oxygen" panose="02000503000000000000" pitchFamily="2" charset="0"/>
+                <a:sym typeface="Wingdings" panose="05000000000000000000" pitchFamily="2" charset="2"/>
+              </a:rPr>
+              <a:t>Self Join is regular join where a table is joined with itself.</a:t>
+            </a:r>
+          </a:p>
+          <a:p>
+            <a:endParaRPr lang="en-US" sz="2000" dirty="0">
+              <a:latin typeface="Oxygen" panose="02000503000000000000" pitchFamily="2" charset="0"/>
+              <a:sym typeface="Wingdings" panose="05000000000000000000" pitchFamily="2" charset="2"/>
+            </a:endParaRPr>
+          </a:p>
+          <a:p>
+            <a:r>
+              <a:rPr lang="en-US" sz="2000" dirty="0">
+                <a:latin typeface="Oxygen" panose="02000503000000000000" pitchFamily="2" charset="0"/>
+                <a:sym typeface="Wingdings" panose="05000000000000000000" pitchFamily="2" charset="2"/>
+              </a:rPr>
+              <a:t>SELECT E.emp_code,E.emp_name,E.city</a:t>
+            </a:r>
+          </a:p>
+          <a:p>
+            <a:r>
+              <a:rPr lang="en-US" sz="2000" dirty="0">
+                <a:latin typeface="Oxygen" panose="02000503000000000000" pitchFamily="2" charset="0"/>
+                <a:sym typeface="Wingdings" panose="05000000000000000000" pitchFamily="2" charset="2"/>
+              </a:rPr>
+              <a:t>FROM mst_employee E</a:t>
+            </a:r>
+          </a:p>
+          <a:p>
+            <a:r>
+              <a:rPr lang="en-US" sz="2000" dirty="0">
+                <a:latin typeface="Oxygen" panose="02000503000000000000" pitchFamily="2" charset="0"/>
+                <a:sym typeface="Wingdings" panose="05000000000000000000" pitchFamily="2" charset="2"/>
+              </a:rPr>
+              <a:t>INNER JOIN mst_employee M</a:t>
+            </a:r>
+          </a:p>
+          <a:p>
+            <a:r>
+              <a:rPr lang="en-US" sz="2000" dirty="0">
+                <a:latin typeface="Oxygen" panose="02000503000000000000" pitchFamily="2" charset="0"/>
+                <a:sym typeface="Wingdings" panose="05000000000000000000" pitchFamily="2" charset="2"/>
+              </a:rPr>
+              <a:t>ON E.city=M.city AND E.emp_id=M.emp_id </a:t>
+            </a:r>
+          </a:p>
+          <a:p>
+            <a:endParaRPr lang="en-US" sz="2000" dirty="0">
+              <a:latin typeface="Oxygen" panose="02000503000000000000" pitchFamily="2" charset="0"/>
+              <a:sym typeface="Wingdings" panose="05000000000000000000" pitchFamily="2" charset="2"/>
+            </a:endParaRPr>
+          </a:p>
+          <a:p>
+            <a:r>
+              <a:rPr lang="en-US" sz="2000" dirty="0">
+                <a:latin typeface="Oxygen" panose="02000503000000000000" pitchFamily="2" charset="0"/>
+                <a:sym typeface="Wingdings" panose="05000000000000000000" pitchFamily="2" charset="2"/>
+              </a:rPr>
+              <a:t>The above statement retrieves those employees</a:t>
+            </a:r>
+            <a:r>
+              <a:rPr lang="en-US" sz="2000" b="0" i="0" dirty="0">
+                <a:solidFill>
+                  <a:srgbClr val="000000"/>
+                </a:solidFill>
+                <a:effectLst/>
+                <a:latin typeface="Oxygen" panose="02000503000000000000" pitchFamily="2" charset="0"/>
+              </a:rPr>
+              <a:t> that are from the same city.</a:t>
+            </a:r>
+          </a:p>
+          <a:p>
+            <a:endParaRPr lang="en-US" sz="2000" dirty="0">
+              <a:solidFill>
+                <a:srgbClr val="000000"/>
+              </a:solidFill>
+              <a:latin typeface="Oxygen" panose="02000503000000000000" pitchFamily="2" charset="0"/>
+              <a:sym typeface="Wingdings" panose="05000000000000000000" pitchFamily="2" charset="2"/>
+            </a:endParaRPr>
+          </a:p>
+          <a:p>
+            <a:r>
+              <a:rPr lang="en-US" sz="2000" b="1" dirty="0">
+                <a:solidFill>
+                  <a:srgbClr val="000000"/>
+                </a:solidFill>
+                <a:latin typeface="Oxygen" panose="02000503000000000000" pitchFamily="2" charset="0"/>
+                <a:sym typeface="Wingdings" panose="05000000000000000000" pitchFamily="2" charset="2"/>
+              </a:rPr>
+              <a:t>Aggregate Functions</a:t>
+            </a:r>
+          </a:p>
+          <a:p>
+            <a:r>
+              <a:rPr lang="en-US" sz="2000" b="0" i="0" dirty="0">
+                <a:solidFill>
+                  <a:srgbClr val="333333"/>
+                </a:solidFill>
+                <a:effectLst/>
+                <a:latin typeface="Oxygen" panose="02000503000000000000" pitchFamily="2" charset="0"/>
+              </a:rPr>
+              <a:t>Aggregate functions in SQL are unique functions that work on a group of rows in a table and produce a single value as a result.</a:t>
+            </a:r>
+          </a:p>
+          <a:p>
+            <a:endParaRPr lang="en-US" sz="2000" dirty="0">
+              <a:solidFill>
+                <a:srgbClr val="333333"/>
+              </a:solidFill>
+              <a:latin typeface="Oxygen" panose="02000503000000000000" pitchFamily="2" charset="0"/>
+              <a:sym typeface="Wingdings" panose="05000000000000000000" pitchFamily="2" charset="2"/>
+            </a:endParaRPr>
+          </a:p>
+          <a:p>
+            <a:r>
+              <a:rPr lang="en-US" sz="2000" dirty="0">
+                <a:solidFill>
+                  <a:srgbClr val="333333"/>
+                </a:solidFill>
+                <a:latin typeface="Oxygen" panose="02000503000000000000" pitchFamily="2" charset="0"/>
+                <a:sym typeface="Wingdings" panose="05000000000000000000" pitchFamily="2" charset="2"/>
+              </a:rPr>
+              <a:t>Some aggregate functions </a:t>
+            </a:r>
+          </a:p>
+          <a:p>
+            <a:pPr marL="342900" indent="-342900">
+              <a:buFont typeface="Wingdings" panose="05000000000000000000" pitchFamily="2" charset="2"/>
+              <a:buChar char="Ø"/>
+            </a:pPr>
+            <a:r>
+              <a:rPr lang="en-US" sz="2000" b="1" dirty="0">
+                <a:solidFill>
+                  <a:srgbClr val="333333"/>
+                </a:solidFill>
+                <a:latin typeface="Oxygen" panose="02000503000000000000" pitchFamily="2" charset="0"/>
+                <a:sym typeface="Wingdings" panose="05000000000000000000" pitchFamily="2" charset="2"/>
+              </a:rPr>
+              <a:t>MIN()  </a:t>
+            </a:r>
+            <a:r>
+              <a:rPr lang="en-US" sz="2000" b="0" i="0" dirty="0">
+                <a:solidFill>
+                  <a:srgbClr val="333333"/>
+                </a:solidFill>
+                <a:effectLst/>
+                <a:latin typeface="Oxygen" panose="02000503000000000000" pitchFamily="2" charset="0"/>
+              </a:rPr>
+              <a:t>the lowest value in a column for a group of rows that satisfy a given criterion</a:t>
+            </a:r>
+          </a:p>
+          <a:p>
+            <a:pPr marL="342900" indent="-342900">
+              <a:buFont typeface="Wingdings" panose="05000000000000000000" pitchFamily="2" charset="2"/>
+              <a:buChar char="Ø"/>
+            </a:pPr>
+            <a:endParaRPr lang="en-US" sz="2000" b="1" dirty="0">
+              <a:solidFill>
+                <a:srgbClr val="333333"/>
+              </a:solidFill>
+              <a:latin typeface="Oxygen" panose="02000503000000000000" pitchFamily="2" charset="0"/>
+              <a:sym typeface="Wingdings" panose="05000000000000000000" pitchFamily="2" charset="2"/>
+            </a:endParaRPr>
+          </a:p>
+          <a:p>
+            <a:pPr marL="342900" indent="-342900">
+              <a:buFont typeface="Wingdings" panose="05000000000000000000" pitchFamily="2" charset="2"/>
+              <a:buChar char="Ø"/>
+            </a:pPr>
+            <a:r>
+              <a:rPr lang="en-US" sz="2000" b="1" dirty="0">
+                <a:solidFill>
+                  <a:srgbClr val="333333"/>
+                </a:solidFill>
+                <a:latin typeface="Oxygen" panose="02000503000000000000" pitchFamily="2" charset="0"/>
+                <a:sym typeface="Wingdings" panose="05000000000000000000" pitchFamily="2" charset="2"/>
+              </a:rPr>
+              <a:t>Max() </a:t>
+            </a:r>
+            <a:r>
+              <a:rPr lang="en-US" sz="2000" b="0" i="0" dirty="0">
+                <a:solidFill>
+                  <a:srgbClr val="333333"/>
+                </a:solidFill>
+                <a:effectLst/>
+                <a:latin typeface="Oxygen" panose="02000503000000000000" pitchFamily="2" charset="0"/>
+              </a:rPr>
+              <a:t> the highest value in a column for a group of rows that satisfy a given criterion</a:t>
+            </a:r>
+          </a:p>
+          <a:p>
+            <a:pPr marL="342900" indent="-342900">
+              <a:buFont typeface="Wingdings" panose="05000000000000000000" pitchFamily="2" charset="2"/>
+              <a:buChar char="Ø"/>
+            </a:pPr>
+            <a:endParaRPr lang="en-US" sz="2000" b="1" dirty="0">
+              <a:solidFill>
+                <a:srgbClr val="333333"/>
+              </a:solidFill>
+              <a:latin typeface="Oxygen" panose="02000503000000000000" pitchFamily="2" charset="0"/>
+              <a:sym typeface="Wingdings" panose="05000000000000000000" pitchFamily="2" charset="2"/>
+            </a:endParaRPr>
+          </a:p>
+          <a:p>
+            <a:pPr marL="342900" indent="-342900">
+              <a:buFont typeface="Wingdings" panose="05000000000000000000" pitchFamily="2" charset="2"/>
+              <a:buChar char="Ø"/>
+            </a:pPr>
+            <a:r>
+              <a:rPr lang="en-US" sz="2000" b="1" dirty="0">
+                <a:solidFill>
+                  <a:srgbClr val="333333"/>
+                </a:solidFill>
+                <a:latin typeface="Oxygen" panose="02000503000000000000" pitchFamily="2" charset="0"/>
+                <a:sym typeface="Wingdings" panose="05000000000000000000" pitchFamily="2" charset="2"/>
+              </a:rPr>
+              <a:t>SUM()  </a:t>
+            </a:r>
+            <a:r>
+              <a:rPr lang="en-US" sz="2000" b="0" i="0" dirty="0">
+                <a:solidFill>
+                  <a:srgbClr val="333333"/>
+                </a:solidFill>
+                <a:effectLst/>
+                <a:latin typeface="Oxygen" panose="02000503000000000000" pitchFamily="2" charset="0"/>
+              </a:rPr>
+              <a:t>returns the sum of all values of a column in a table</a:t>
+            </a:r>
+          </a:p>
+          <a:p>
+            <a:pPr marL="342900" indent="-342900">
+              <a:buFont typeface="Wingdings" panose="05000000000000000000" pitchFamily="2" charset="2"/>
+              <a:buChar char="Ø"/>
+            </a:pPr>
+            <a:endParaRPr lang="en-US" sz="2000" b="1" dirty="0">
+              <a:solidFill>
+                <a:srgbClr val="333333"/>
+              </a:solidFill>
+              <a:latin typeface="Oxygen" panose="02000503000000000000" pitchFamily="2" charset="0"/>
+              <a:sym typeface="Wingdings" panose="05000000000000000000" pitchFamily="2" charset="2"/>
+            </a:endParaRPr>
+          </a:p>
+          <a:p>
+            <a:pPr marL="342900" indent="-342900">
+              <a:buFont typeface="Wingdings" panose="05000000000000000000" pitchFamily="2" charset="2"/>
+              <a:buChar char="Ø"/>
+            </a:pPr>
+            <a:r>
+              <a:rPr lang="en-US" sz="2000" b="1" dirty="0">
+                <a:solidFill>
+                  <a:srgbClr val="333333"/>
+                </a:solidFill>
+                <a:latin typeface="Oxygen" panose="02000503000000000000" pitchFamily="2" charset="0"/>
+                <a:sym typeface="Wingdings" panose="05000000000000000000" pitchFamily="2" charset="2"/>
+              </a:rPr>
+              <a:t>COUNT() -&gt; </a:t>
+            </a:r>
+            <a:r>
+              <a:rPr lang="en-US" sz="2000" b="0" i="0" dirty="0">
+                <a:solidFill>
+                  <a:srgbClr val="333333"/>
+                </a:solidFill>
+                <a:effectLst/>
+                <a:latin typeface="Oxygen" panose="02000503000000000000" pitchFamily="2" charset="0"/>
+              </a:rPr>
+              <a:t> returns number of records(rows) in a table</a:t>
+            </a:r>
+          </a:p>
+          <a:p>
+            <a:pPr marL="342900" indent="-342900">
+              <a:buFont typeface="Wingdings" panose="05000000000000000000" pitchFamily="2" charset="2"/>
+              <a:buChar char="Ø"/>
+            </a:pPr>
+            <a:endParaRPr lang="en-US" sz="2000" b="1" dirty="0">
+              <a:solidFill>
+                <a:srgbClr val="333333"/>
+              </a:solidFill>
+              <a:latin typeface="Oxygen" panose="02000503000000000000" pitchFamily="2" charset="0"/>
+              <a:sym typeface="Wingdings" panose="05000000000000000000" pitchFamily="2" charset="2"/>
+            </a:endParaRPr>
+          </a:p>
+          <a:p>
+            <a:pPr marL="342900" indent="-342900">
+              <a:buFont typeface="Wingdings" panose="05000000000000000000" pitchFamily="2" charset="2"/>
+              <a:buChar char="Ø"/>
+            </a:pPr>
+            <a:r>
+              <a:rPr lang="en-US" sz="2000" b="1" dirty="0">
+                <a:solidFill>
+                  <a:srgbClr val="333333"/>
+                </a:solidFill>
+                <a:latin typeface="Oxygen" panose="02000503000000000000" pitchFamily="2" charset="0"/>
+                <a:sym typeface="Wingdings" panose="05000000000000000000" pitchFamily="2" charset="2"/>
+              </a:rPr>
+              <a:t>AVG()  r</a:t>
+            </a:r>
+            <a:r>
+              <a:rPr lang="en-US" sz="2000" b="0" i="0" dirty="0">
+                <a:solidFill>
+                  <a:srgbClr val="333333"/>
+                </a:solidFill>
+                <a:effectLst/>
+                <a:latin typeface="Oxygen" panose="02000503000000000000" pitchFamily="2" charset="0"/>
+              </a:rPr>
+              <a:t>eturn the average of all values present in a column</a:t>
+            </a:r>
+            <a:r>
+              <a:rPr lang="en-US" sz="2000" b="1" i="0" dirty="0">
+                <a:solidFill>
+                  <a:srgbClr val="333333"/>
+                </a:solidFill>
+                <a:effectLst/>
+                <a:latin typeface="Oxygen" panose="02000503000000000000" pitchFamily="2" charset="0"/>
+              </a:rPr>
+              <a:t>.</a:t>
+            </a:r>
+            <a:endParaRPr lang="en-US" sz="2000" b="1" dirty="0">
+              <a:latin typeface="Oxygen" panose="02000503000000000000" pitchFamily="2" charset="0"/>
+              <a:sym typeface="Wingdings" panose="05000000000000000000" pitchFamily="2" charset="2"/>
+            </a:endParaRPr>
+          </a:p>
+          <a:p>
+            <a:endParaRPr lang="en-US" sz="2000" dirty="0">
+              <a:latin typeface="Oxygen" panose="02000503000000000000" pitchFamily="2" charset="0"/>
+              <a:sym typeface="Wingdings" panose="05000000000000000000" pitchFamily="2" charset="2"/>
+            </a:endParaRPr>
+          </a:p>
+          <a:p>
+            <a:endParaRPr lang="en-US" sz="2000" b="1" dirty="0">
+              <a:latin typeface="Oxygen" panose="02000503000000000000" pitchFamily="2" charset="0"/>
+              <a:sym typeface="Wingdings" panose="05000000000000000000" pitchFamily="2" charset="2"/>
+            </a:endParaRPr>
+          </a:p>
+          <a:p>
+            <a:endParaRPr lang="en-US" sz="2000" b="1" dirty="0">
+              <a:latin typeface="Oxygen" panose="02000503000000000000" pitchFamily="2" charset="0"/>
+              <a:sym typeface="Wingdings" panose="05000000000000000000" pitchFamily="2" charset="2"/>
+            </a:endParaRPr>
+          </a:p>
+          <a:p>
+            <a:endParaRPr lang="en-US" sz="2000" b="1" dirty="0">
+              <a:latin typeface="Oxygen" panose="02000503000000000000" pitchFamily="2" charset="0"/>
+              <a:sym typeface="Wingdings" panose="05000000000000000000" pitchFamily="2" charset="2"/>
+            </a:endParaRPr>
+          </a:p>
+          <a:p>
+            <a:endParaRPr lang="en-US" sz="2000" b="1" dirty="0">
+              <a:latin typeface="Oxygen" panose="02000503000000000000" pitchFamily="2" charset="0"/>
+              <a:sym typeface="Wingdings" panose="05000000000000000000" pitchFamily="2" charset="2"/>
+            </a:endParaRPr>
+          </a:p>
+          <a:p>
+            <a:endParaRPr lang="en-US" sz="2000" b="1" dirty="0">
+              <a:latin typeface="Oxygen" panose="02000503000000000000" pitchFamily="2" charset="0"/>
+              <a:sym typeface="Wingdings" panose="05000000000000000000" pitchFamily="2" charset="2"/>
+            </a:endParaRPr>
+          </a:p>
+          <a:p>
+            <a:endParaRPr lang="en-US" sz="2000" b="1" dirty="0">
+              <a:latin typeface="Oxygen" panose="02000503000000000000" pitchFamily="2" charset="0"/>
+              <a:sym typeface="Wingdings" panose="05000000000000000000" pitchFamily="2" charset="2"/>
+            </a:endParaRPr>
+          </a:p>
+          <a:p>
+            <a:endParaRPr lang="en-US" sz="2000" b="1" dirty="0">
+              <a:latin typeface="Oxygen" panose="02000503000000000000" pitchFamily="2" charset="0"/>
+              <a:sym typeface="Wingdings" panose="05000000000000000000" pitchFamily="2" charset="2"/>
+            </a:endParaRPr>
+          </a:p>
+          <a:p>
+            <a:endParaRPr lang="en-US" sz="1600" b="1" dirty="0">
+              <a:latin typeface="Oxygen" panose="02000503000000000000" pitchFamily="2" charset="0"/>
+              <a:sym typeface="Wingdings" panose="05000000000000000000" pitchFamily="2" charset="2"/>
+            </a:endParaRPr>
+          </a:p>
+        </p:txBody>
+      </p:sp>
+      <p:sp>
+        <p:nvSpPr>
+          <p:cNvPr id="5" name="TextBox 4">
+            <a:extLst>
+              <a:ext uri="{FF2B5EF4-FFF2-40B4-BE49-F238E27FC236}">
+                <a16:creationId xmlns:a16="http://schemas.microsoft.com/office/drawing/2014/main" id="{DCC40312-4940-C29E-2DEE-739AF7569D46}"/>
+              </a:ext>
+            </a:extLst>
+          </p:cNvPr>
+          <p:cNvSpPr txBox="1"/>
+          <p:nvPr/>
+        </p:nvSpPr>
+        <p:spPr>
+          <a:xfrm>
+            <a:off x="4454440" y="189410"/>
+            <a:ext cx="2699657" cy="457368"/>
+          </a:xfrm>
+          <a:prstGeom prst="rect">
+            <a:avLst/>
+          </a:prstGeom>
+          <a:noFill/>
+        </p:spPr>
+        <p:txBody>
+          <a:bodyPr wrap="square" rtlCol="0">
+            <a:spAutoFit/>
+          </a:bodyPr>
+          <a:lstStyle/>
+          <a:p>
+            <a:pPr algn="ctr"/>
+            <a:r>
+              <a:rPr lang="en-US" sz="2401" b="1" cap="small" dirty="0">
+                <a:latin typeface="Oxygen" panose="02000503000000000000" pitchFamily="2" charset="0"/>
+              </a:rPr>
+              <a:t>DML Statement</a:t>
+            </a:r>
+          </a:p>
+        </p:txBody>
+      </p:sp>
+    </p:spTree>
+    <p:extLst>
+      <p:ext uri="{BB962C8B-B14F-4D97-AF65-F5344CB8AC3E}">
+        <p14:creationId xmlns:p14="http://schemas.microsoft.com/office/powerpoint/2010/main" val="43682415"/>
       </p:ext>
     </p:extLst>
   </p:cSld>

--- a/Offline/BusinessManagement/Teach_Tech@anodiam/IT/CourseMaterials/MySQL/MySQL.pptx
+++ b/Offline/BusinessManagement/Teach_Tech@anodiam/IT/CourseMaterials/MySQL/MySQL.pptx
@@ -5,7 +5,7 @@
     <p:sldMasterId id="2147483720" r:id="rId1"/>
   </p:sldMasterIdLst>
   <p:notesMasterIdLst>
-    <p:notesMasterId r:id="rId17"/>
+    <p:notesMasterId r:id="rId18"/>
   </p:notesMasterIdLst>
   <p:sldIdLst>
     <p:sldId id="259" r:id="rId2"/>
@@ -23,6 +23,7 @@
     <p:sldId id="271" r:id="rId14"/>
     <p:sldId id="273" r:id="rId15"/>
     <p:sldId id="274" r:id="rId16"/>
+    <p:sldId id="275" r:id="rId17"/>
   </p:sldIdLst>
   <p:sldSz cx="12192000" cy="8640763"/>
   <p:notesSz cx="6858000" cy="9144000"/>
@@ -3920,21 +3921,7 @@
                 <a:latin typeface="Oxygen" panose="02000503000000000000" pitchFamily="2" charset="0"/>
                 <a:sym typeface="Wingdings" panose="05000000000000000000" pitchFamily="2" charset="2"/>
               </a:rPr>
-              <a:t>SELECT 	</a:t>
-            </a:r>
-            <a:r>
-              <a:rPr lang="en-US" dirty="0" err="1">
-                <a:latin typeface="Oxygen" panose="02000503000000000000" pitchFamily="2" charset="0"/>
-                <a:sym typeface="Wingdings" panose="05000000000000000000" pitchFamily="2" charset="2"/>
-              </a:rPr>
-              <a:t>pg.product_group_name</a:t>
-            </a:r>
-            <a:r>
-              <a:rPr lang="en-US" dirty="0">
-                <a:latin typeface="Oxygen" panose="02000503000000000000" pitchFamily="2" charset="0"/>
-                <a:sym typeface="Wingdings" panose="05000000000000000000" pitchFamily="2" charset="2"/>
-              </a:rPr>
-              <a:t>,</a:t>
+              <a:t>SELECT 	pg.product_group_name,</a:t>
             </a:r>
           </a:p>
           <a:p>
@@ -4797,14 +4784,14 @@
           <p:nvPr>
             <p:extLst>
               <p:ext uri="{D42A27DB-BD31-4B8C-83A1-F6EECF244321}">
-                <p14:modId xmlns:p14="http://schemas.microsoft.com/office/powerpoint/2010/main" val="3638238574"/>
+                <p14:modId xmlns:p14="http://schemas.microsoft.com/office/powerpoint/2010/main" val="4082079246"/>
               </p:ext>
             </p:extLst>
           </p:nvPr>
         </p:nvGraphicFramePr>
         <p:xfrm>
           <a:off x="1006399" y="5627103"/>
-          <a:ext cx="9128414" cy="2429614"/>
+          <a:ext cx="9128414" cy="2773680"/>
         </p:xfrm>
         <a:graphic>
           <a:graphicData uri="http://schemas.openxmlformats.org/drawingml/2006/table">
@@ -5152,7 +5139,7 @@
                   </a:ext>
                 </a:extLst>
               </a:tr>
-              <a:tr h="448414">
+              <a:tr h="224207">
                 <a:tc>
                   <a:txBody>
                     <a:bodyPr/>
@@ -5205,7 +5192,7 @@
                           <a:ea typeface="+mn-ea"/>
                           <a:cs typeface="+mn-cs"/>
                         </a:rPr>
-                        <a:t>search for a specified pattern in a column</a:t>
+                        <a:t>Search for a specified pattern in a column</a:t>
                       </a:r>
                       <a:endParaRPr lang="en-IN" sz="2000" dirty="0">
                         <a:latin typeface="Oxygen" panose="02000503000000000000" pitchFamily="2" charset="0"/>
@@ -5217,6 +5204,74 @@
                 <a:extLst>
                   <a:ext uri="{0D108BD9-81ED-4DB2-BD59-A6C34878D82A}">
                     <a16:rowId xmlns:a16="http://schemas.microsoft.com/office/drawing/2014/main" val="2015477542"/>
+                  </a:ext>
+                </a:extLst>
+              </a:tr>
+              <a:tr h="224207">
+                <a:tc>
+                  <a:txBody>
+                    <a:bodyPr/>
+                    <a:lstStyle/>
+                    <a:p>
+                      <a:pPr algn="ctr"/>
+                      <a:r>
+                        <a:rPr lang="en-US" sz="2000" dirty="0">
+                          <a:latin typeface="Oxygen" panose="02000503000000000000" pitchFamily="2" charset="0"/>
+                        </a:rPr>
+                        <a:t>6</a:t>
+                      </a:r>
+                      <a:endParaRPr lang="en-IN" sz="2000" dirty="0">
+                        <a:latin typeface="Oxygen" panose="02000503000000000000" pitchFamily="2" charset="0"/>
+                      </a:endParaRPr>
+                    </a:p>
+                  </a:txBody>
+                  <a:tcPr/>
+                </a:tc>
+                <a:tc>
+                  <a:txBody>
+                    <a:bodyPr/>
+                    <a:lstStyle/>
+                    <a:p>
+                      <a:r>
+                        <a:rPr lang="en-US" sz="2000" dirty="0">
+                          <a:latin typeface="Oxygen" panose="02000503000000000000" pitchFamily="2" charset="0"/>
+                        </a:rPr>
+                        <a:t>Between</a:t>
+                      </a:r>
+                      <a:endParaRPr lang="en-IN" sz="2000" dirty="0">
+                        <a:latin typeface="Oxygen" panose="02000503000000000000" pitchFamily="2" charset="0"/>
+                      </a:endParaRPr>
+                    </a:p>
+                  </a:txBody>
+                  <a:tcPr/>
+                </a:tc>
+                <a:tc>
+                  <a:txBody>
+                    <a:bodyPr/>
+                    <a:lstStyle/>
+                    <a:p>
+                      <a:r>
+                        <a:rPr lang="en-US" sz="2000" b="0" i="0" kern="1200" dirty="0">
+                          <a:solidFill>
+                            <a:schemeClr val="dk1"/>
+                          </a:solidFill>
+                          <a:effectLst/>
+                          <a:latin typeface="Oxygen" panose="02000503000000000000" pitchFamily="2" charset="0"/>
+                          <a:ea typeface="+mn-ea"/>
+                          <a:cs typeface="+mn-cs"/>
+                        </a:rPr>
+                        <a:t>Selects values within a given range</a:t>
+                      </a:r>
+                      <a:endParaRPr lang="en-IN" sz="2000" dirty="0">
+                        <a:latin typeface="Oxygen" panose="02000503000000000000" pitchFamily="2" charset="0"/>
+                      </a:endParaRPr>
+                    </a:p>
+                  </a:txBody>
+                  <a:tcPr/>
+                </a:tc>
+                <a:extLst>
+                  <a:ext uri="{0D108BD9-81ED-4DB2-BD59-A6C34878D82A}">
+                    <a16:rowId xmlns:a16="http://schemas.microsoft.com/office/drawing/2014/main" val="1683722053"/>
                   </a:ext>
                 </a:extLst>
               </a:tr>
@@ -5311,7 +5366,7 @@
         <p:spPr>
           <a:xfrm>
             <a:off x="1006399" y="775099"/>
-            <a:ext cx="11067917" cy="7610400"/>
+            <a:ext cx="11067917" cy="7571303"/>
           </a:xfrm>
           <a:prstGeom prst="rect">
             <a:avLst/>
@@ -5325,14 +5380,14 @@
           <a:lstStyle/>
           <a:p>
             <a:r>
-              <a:rPr lang="en-US" sz="1600" b="1" dirty="0">
+              <a:rPr lang="en-US" b="1" dirty="0">
                 <a:latin typeface="Oxygen" panose="02000503000000000000" pitchFamily="2" charset="0"/>
                 <a:sym typeface="Wingdings" panose="05000000000000000000" pitchFamily="2" charset="2"/>
               </a:rPr>
               <a:t>AND</a:t>
             </a:r>
             <a:r>
-              <a:rPr lang="en-US" sz="1600" dirty="0">
+              <a:rPr lang="en-US" dirty="0">
                 <a:latin typeface="Oxygen" panose="02000503000000000000" pitchFamily="2" charset="0"/>
                 <a:sym typeface="Wingdings" panose="05000000000000000000" pitchFamily="2" charset="2"/>
               </a:rPr>
@@ -5341,126 +5396,230 @@
           </a:p>
           <a:p>
             <a:r>
-              <a:rPr lang="en-US" sz="1600" dirty="0">
-                <a:latin typeface="Oxygen" panose="02000503000000000000" pitchFamily="2" charset="0"/>
-                <a:sym typeface="Wingdings" panose="05000000000000000000" pitchFamily="2" charset="2"/>
-              </a:rPr>
-              <a:t>SELECT * FROM mst_employees </a:t>
-            </a:r>
-          </a:p>
-          <a:p>
-            <a:r>
-              <a:rPr lang="en-US" sz="1600" dirty="0">
-                <a:latin typeface="Oxygen" panose="02000503000000000000" pitchFamily="2" charset="0"/>
-                <a:sym typeface="Wingdings" panose="05000000000000000000" pitchFamily="2" charset="2"/>
-              </a:rPr>
-              <a:t>WHERE age &gt; 20 AND city=‘Kolkata’</a:t>
-            </a:r>
-          </a:p>
-          <a:p>
-            <a:endParaRPr lang="en-US" sz="1600" dirty="0">
+              <a:rPr lang="en-US" dirty="0">
+                <a:latin typeface="Oxygen" panose="02000503000000000000" pitchFamily="2" charset="0"/>
+                <a:sym typeface="Wingdings" panose="05000000000000000000" pitchFamily="2" charset="2"/>
+              </a:rPr>
+              <a:t>SELECT * FROM mst_employees WHERE age &gt; 20 AND city=‘Kolkata’</a:t>
+            </a:r>
+          </a:p>
+          <a:p>
+            <a:r>
+              <a:rPr lang="en-US" dirty="0">
+                <a:latin typeface="Oxygen" panose="02000503000000000000" pitchFamily="2" charset="0"/>
+                <a:sym typeface="Wingdings" panose="05000000000000000000" pitchFamily="2" charset="2"/>
+              </a:rPr>
+              <a:t>This query will return all the rows of only those employees whose age is greater than 20 and stays in ‘Kolkata’ </a:t>
+            </a:r>
+            <a:r>
+              <a:rPr lang="en-US" dirty="0" err="1">
+                <a:latin typeface="Oxygen" panose="02000503000000000000" pitchFamily="2" charset="0"/>
+                <a:sym typeface="Wingdings" panose="05000000000000000000" pitchFamily="2" charset="2"/>
+              </a:rPr>
+              <a:t>city.If</a:t>
+            </a:r>
+            <a:r>
+              <a:rPr lang="en-US" dirty="0">
+                <a:latin typeface="Oxygen" panose="02000503000000000000" pitchFamily="2" charset="0"/>
+                <a:sym typeface="Wingdings" panose="05000000000000000000" pitchFamily="2" charset="2"/>
+              </a:rPr>
+              <a:t> both the condition is satisfied then records will be returned.</a:t>
+            </a:r>
+          </a:p>
+          <a:p>
+            <a:endParaRPr lang="en-US" dirty="0">
               <a:latin typeface="Oxygen" panose="02000503000000000000" pitchFamily="2" charset="0"/>
               <a:sym typeface="Wingdings" panose="05000000000000000000" pitchFamily="2" charset="2"/>
             </a:endParaRPr>
           </a:p>
           <a:p>
             <a:r>
-              <a:rPr lang="en-US" sz="1600" dirty="0">
-                <a:latin typeface="Oxygen" panose="02000503000000000000" pitchFamily="2" charset="0"/>
-                <a:sym typeface="Wingdings" panose="05000000000000000000" pitchFamily="2" charset="2"/>
-              </a:rPr>
-              <a:t>This query will return all the rows of only those employees whose age is greater than 20 and stays in ‘Kolkata’ city.</a:t>
-            </a:r>
-          </a:p>
-          <a:p>
-            <a:r>
-              <a:rPr lang="en-US" sz="1600" dirty="0">
-                <a:latin typeface="Oxygen" panose="02000503000000000000" pitchFamily="2" charset="0"/>
-                <a:sym typeface="Wingdings" panose="05000000000000000000" pitchFamily="2" charset="2"/>
-              </a:rPr>
-              <a:t>If both the condition is satisfied then records will be returned.</a:t>
-            </a:r>
-          </a:p>
-          <a:p>
-            <a:endParaRPr lang="en-US" sz="1600" dirty="0">
+              <a:rPr lang="en-US" b="1" dirty="0">
+                <a:latin typeface="Oxygen" panose="02000503000000000000" pitchFamily="2" charset="0"/>
+                <a:sym typeface="Wingdings" panose="05000000000000000000" pitchFamily="2" charset="2"/>
+              </a:rPr>
+              <a:t>OR</a:t>
+            </a:r>
+            <a:r>
+              <a:rPr lang="en-US" dirty="0">
+                <a:latin typeface="Oxygen" panose="02000503000000000000" pitchFamily="2" charset="0"/>
+                <a:sym typeface="Wingdings" panose="05000000000000000000" pitchFamily="2" charset="2"/>
+              </a:rPr>
+              <a:t> Operator </a:t>
+            </a:r>
+          </a:p>
+          <a:p>
+            <a:r>
+              <a:rPr lang="en-US" dirty="0">
+                <a:latin typeface="Oxygen" panose="02000503000000000000" pitchFamily="2" charset="0"/>
+                <a:sym typeface="Wingdings" panose="05000000000000000000" pitchFamily="2" charset="2"/>
+              </a:rPr>
+              <a:t>SELECT * FROM mst_employees WHERE city=‘Kolkata’ or city=‘Delhi’</a:t>
+            </a:r>
+          </a:p>
+          <a:p>
+            <a:r>
+              <a:rPr lang="en-US" dirty="0">
+                <a:latin typeface="Oxygen" panose="02000503000000000000" pitchFamily="2" charset="0"/>
+                <a:sym typeface="Wingdings" panose="05000000000000000000" pitchFamily="2" charset="2"/>
+              </a:rPr>
+              <a:t>This query will return all the rows of those employees whose stays in either ‘Kolkata’ city or in ‘Delhi’ city.</a:t>
+            </a:r>
+          </a:p>
+          <a:p>
+            <a:r>
+              <a:rPr lang="en-US" dirty="0">
+                <a:latin typeface="Oxygen" panose="02000503000000000000" pitchFamily="2" charset="0"/>
+                <a:sym typeface="Wingdings" panose="05000000000000000000" pitchFamily="2" charset="2"/>
+              </a:rPr>
+              <a:t>If either of the condition is satisfied then records will be returned.</a:t>
+            </a:r>
+          </a:p>
+          <a:p>
+            <a:endParaRPr lang="en-US" dirty="0">
               <a:latin typeface="Oxygen" panose="02000503000000000000" pitchFamily="2" charset="0"/>
               <a:sym typeface="Wingdings" panose="05000000000000000000" pitchFamily="2" charset="2"/>
             </a:endParaRPr>
           </a:p>
           <a:p>
             <a:r>
-              <a:rPr lang="en-US" sz="1600" b="1" dirty="0">
-                <a:latin typeface="Oxygen" panose="02000503000000000000" pitchFamily="2" charset="0"/>
-                <a:sym typeface="Wingdings" panose="05000000000000000000" pitchFamily="2" charset="2"/>
-              </a:rPr>
-              <a:t>OR</a:t>
-            </a:r>
-            <a:r>
-              <a:rPr lang="en-US" sz="1600" dirty="0">
-                <a:latin typeface="Oxygen" panose="02000503000000000000" pitchFamily="2" charset="0"/>
-                <a:sym typeface="Wingdings" panose="05000000000000000000" pitchFamily="2" charset="2"/>
-              </a:rPr>
-              <a:t> Operator </a:t>
-            </a:r>
-          </a:p>
-          <a:p>
-            <a:r>
-              <a:rPr lang="en-US" sz="1600" dirty="0">
-                <a:latin typeface="Oxygen" panose="02000503000000000000" pitchFamily="2" charset="0"/>
-                <a:sym typeface="Wingdings" panose="05000000000000000000" pitchFamily="2" charset="2"/>
-              </a:rPr>
-              <a:t>SELECT * FROM mst_employees </a:t>
-            </a:r>
-          </a:p>
-          <a:p>
-            <a:r>
-              <a:rPr lang="en-US" sz="1600" dirty="0">
-                <a:latin typeface="Oxygen" panose="02000503000000000000" pitchFamily="2" charset="0"/>
-                <a:sym typeface="Wingdings" panose="05000000000000000000" pitchFamily="2" charset="2"/>
-              </a:rPr>
-              <a:t>WHERE city=‘Kolkata’ or city=‘Delhi’</a:t>
-            </a:r>
-          </a:p>
-          <a:p>
-            <a:endParaRPr lang="en-US" sz="1600" dirty="0">
+              <a:rPr lang="en-US" b="1" dirty="0">
+                <a:latin typeface="Oxygen" panose="02000503000000000000" pitchFamily="2" charset="0"/>
+                <a:sym typeface="Wingdings" panose="05000000000000000000" pitchFamily="2" charset="2"/>
+              </a:rPr>
+              <a:t>NOT</a:t>
+            </a:r>
+            <a:r>
+              <a:rPr lang="en-US" dirty="0">
+                <a:latin typeface="Oxygen" panose="02000503000000000000" pitchFamily="2" charset="0"/>
+                <a:sym typeface="Wingdings" panose="05000000000000000000" pitchFamily="2" charset="2"/>
+              </a:rPr>
+              <a:t> operator </a:t>
+            </a:r>
+          </a:p>
+          <a:p>
+            <a:r>
+              <a:rPr lang="en-US" dirty="0">
+                <a:latin typeface="Oxygen" panose="02000503000000000000" pitchFamily="2" charset="0"/>
+                <a:sym typeface="Wingdings" panose="05000000000000000000" pitchFamily="2" charset="2"/>
+              </a:rPr>
+              <a:t>SELECT * FROM mst_employees WHERE NOT city=‘Kolkata’</a:t>
+            </a:r>
+          </a:p>
+          <a:p>
+            <a:r>
+              <a:rPr lang="en-US" dirty="0">
+                <a:latin typeface="Oxygen" panose="02000503000000000000" pitchFamily="2" charset="0"/>
+                <a:sym typeface="Wingdings" panose="05000000000000000000" pitchFamily="2" charset="2"/>
+              </a:rPr>
+              <a:t> This query will return all the rows of those employees whose does not stays in ‘Kolkata’ city.</a:t>
+            </a:r>
+          </a:p>
+          <a:p>
+            <a:r>
+              <a:rPr lang="en-US" dirty="0">
+                <a:latin typeface="Oxygen" panose="02000503000000000000" pitchFamily="2" charset="0"/>
+                <a:sym typeface="Wingdings" panose="05000000000000000000" pitchFamily="2" charset="2"/>
+              </a:rPr>
+              <a:t>If the condition is not satisfied then records will be returned.</a:t>
+            </a:r>
+          </a:p>
+          <a:p>
+            <a:endParaRPr lang="en-US" dirty="0">
               <a:latin typeface="Oxygen" panose="02000503000000000000" pitchFamily="2" charset="0"/>
               <a:sym typeface="Wingdings" panose="05000000000000000000" pitchFamily="2" charset="2"/>
             </a:endParaRPr>
           </a:p>
           <a:p>
             <a:r>
-              <a:rPr lang="en-US" sz="1600" dirty="0">
-                <a:latin typeface="Oxygen" panose="02000503000000000000" pitchFamily="2" charset="0"/>
-                <a:sym typeface="Wingdings" panose="05000000000000000000" pitchFamily="2" charset="2"/>
-              </a:rPr>
-              <a:t>This query will return all the rows of those employees whose stays in either ‘Kolkata’ city or in ‘Delhi’ city.</a:t>
-            </a:r>
-          </a:p>
-          <a:p>
-            <a:r>
-              <a:rPr lang="en-US" sz="1600" dirty="0">
-                <a:latin typeface="Oxygen" panose="02000503000000000000" pitchFamily="2" charset="0"/>
-                <a:sym typeface="Wingdings" panose="05000000000000000000" pitchFamily="2" charset="2"/>
-              </a:rPr>
-              <a:t>If either of the condition is satisfied then records will be returned.</a:t>
-            </a:r>
-          </a:p>
-          <a:p>
-            <a:endParaRPr lang="en-US" sz="1600" dirty="0">
+              <a:rPr lang="en-US" b="1" dirty="0">
+                <a:latin typeface="Oxygen" panose="02000503000000000000" pitchFamily="2" charset="0"/>
+                <a:sym typeface="Wingdings" panose="05000000000000000000" pitchFamily="2" charset="2"/>
+              </a:rPr>
+              <a:t>IN</a:t>
+            </a:r>
+            <a:r>
+              <a:rPr lang="en-US" dirty="0">
+                <a:latin typeface="Oxygen" panose="02000503000000000000" pitchFamily="2" charset="0"/>
+                <a:sym typeface="Wingdings" panose="05000000000000000000" pitchFamily="2" charset="2"/>
+              </a:rPr>
+              <a:t> operator </a:t>
+            </a:r>
+          </a:p>
+          <a:p>
+            <a:r>
+              <a:rPr lang="en-US" dirty="0">
+                <a:latin typeface="Oxygen" panose="02000503000000000000" pitchFamily="2" charset="0"/>
+                <a:sym typeface="Wingdings" panose="05000000000000000000" pitchFamily="2" charset="2"/>
+              </a:rPr>
+              <a:t>SELECT * FROM mst_employees WHERE city IN (‘Kolkata’,’Delhi’,’Mumbai’,’Chennai’) </a:t>
+            </a:r>
+          </a:p>
+          <a:p>
+            <a:r>
+              <a:rPr lang="en-US" dirty="0">
+                <a:latin typeface="Oxygen" panose="02000503000000000000" pitchFamily="2" charset="0"/>
+                <a:sym typeface="Wingdings" panose="05000000000000000000" pitchFamily="2" charset="2"/>
+              </a:rPr>
+              <a:t>This query will return all the rows of those employees whose stays in ‘Kolkata’, ’,’Delhi’,’Mumbai’,and ’Chennai’ city.</a:t>
+            </a:r>
+          </a:p>
+          <a:p>
+            <a:endParaRPr lang="en-US" dirty="0">
               <a:latin typeface="Oxygen" panose="02000503000000000000" pitchFamily="2" charset="0"/>
               <a:sym typeface="Wingdings" panose="05000000000000000000" pitchFamily="2" charset="2"/>
             </a:endParaRPr>
           </a:p>
           <a:p>
             <a:r>
-              <a:rPr lang="en-US" sz="1600" b="1" dirty="0">
-                <a:latin typeface="Oxygen" panose="02000503000000000000" pitchFamily="2" charset="0"/>
-                <a:sym typeface="Wingdings" panose="05000000000000000000" pitchFamily="2" charset="2"/>
-              </a:rPr>
-              <a:t>NOT</a:t>
-            </a:r>
-            <a:r>
-              <a:rPr lang="en-US" sz="1600" dirty="0">
+              <a:rPr lang="en-US" b="1" dirty="0">
+                <a:latin typeface="Oxygen" panose="02000503000000000000" pitchFamily="2" charset="0"/>
+                <a:sym typeface="Wingdings" panose="05000000000000000000" pitchFamily="2" charset="2"/>
+              </a:rPr>
+              <a:t>LIKE</a:t>
+            </a:r>
+            <a:r>
+              <a:rPr lang="en-US" dirty="0">
+                <a:latin typeface="Oxygen" panose="02000503000000000000" pitchFamily="2" charset="0"/>
+                <a:sym typeface="Wingdings" panose="05000000000000000000" pitchFamily="2" charset="2"/>
+              </a:rPr>
+              <a:t> operator  </a:t>
+            </a:r>
+          </a:p>
+          <a:p>
+            <a:r>
+              <a:rPr lang="en-US" dirty="0">
+                <a:latin typeface="Oxygen" panose="02000503000000000000" pitchFamily="2" charset="0"/>
+                <a:sym typeface="Wingdings" panose="05000000000000000000" pitchFamily="2" charset="2"/>
+              </a:rPr>
+              <a:t>SELECT * FROM mst_employees WHERE name LIKE ‘A*’;</a:t>
+            </a:r>
+          </a:p>
+          <a:p>
+            <a:r>
+              <a:rPr lang="en-US" dirty="0">
+                <a:latin typeface="Oxygen" panose="02000503000000000000" pitchFamily="2" charset="0"/>
+                <a:sym typeface="Wingdings" panose="05000000000000000000" pitchFamily="2" charset="2"/>
+              </a:rPr>
+              <a:t>This query will return all rows of those employees whose names starts with ‘A’.</a:t>
+            </a:r>
+          </a:p>
+          <a:p>
+            <a:endParaRPr lang="en-US" dirty="0">
+              <a:latin typeface="Oxygen" panose="02000503000000000000" pitchFamily="2" charset="0"/>
+              <a:sym typeface="Wingdings" panose="05000000000000000000" pitchFamily="2" charset="2"/>
+            </a:endParaRPr>
+          </a:p>
+          <a:p>
+            <a:r>
+              <a:rPr lang="en-US" b="1" dirty="0">
+                <a:latin typeface="Oxygen" panose="02000503000000000000" pitchFamily="2" charset="0"/>
+                <a:sym typeface="Wingdings" panose="05000000000000000000" pitchFamily="2" charset="2"/>
+              </a:rPr>
+              <a:t>Between</a:t>
+            </a:r>
+            <a:r>
+              <a:rPr lang="en-US" dirty="0">
                 <a:latin typeface="Oxygen" panose="02000503000000000000" pitchFamily="2" charset="0"/>
                 <a:sym typeface="Wingdings" panose="05000000000000000000" pitchFamily="2" charset="2"/>
               </a:rPr>
@@ -5469,151 +5628,46 @@
           </a:p>
           <a:p>
             <a:r>
-              <a:rPr lang="en-US" sz="1600" dirty="0">
-                <a:latin typeface="Oxygen" panose="02000503000000000000" pitchFamily="2" charset="0"/>
-                <a:sym typeface="Wingdings" panose="05000000000000000000" pitchFamily="2" charset="2"/>
-              </a:rPr>
-              <a:t>SELECT * FROM mst_employees </a:t>
-            </a:r>
-          </a:p>
-          <a:p>
-            <a:r>
-              <a:rPr lang="en-US" sz="1600" dirty="0">
-                <a:latin typeface="Oxygen" panose="02000503000000000000" pitchFamily="2" charset="0"/>
-                <a:sym typeface="Wingdings" panose="05000000000000000000" pitchFamily="2" charset="2"/>
-              </a:rPr>
-              <a:t>WHERE NOT city=‘Kolkata’</a:t>
-            </a:r>
-          </a:p>
-          <a:p>
-            <a:r>
-              <a:rPr lang="en-US" sz="1600" dirty="0">
-                <a:latin typeface="Oxygen" panose="02000503000000000000" pitchFamily="2" charset="0"/>
-                <a:sym typeface="Wingdings" panose="05000000000000000000" pitchFamily="2" charset="2"/>
-              </a:rPr>
-              <a:t> </a:t>
-            </a:r>
-          </a:p>
-          <a:p>
-            <a:r>
-              <a:rPr lang="en-US" sz="1600" dirty="0">
-                <a:latin typeface="Oxygen" panose="02000503000000000000" pitchFamily="2" charset="0"/>
-                <a:sym typeface="Wingdings" panose="05000000000000000000" pitchFamily="2" charset="2"/>
-              </a:rPr>
-              <a:t>This query will return all the rows of those employees whose does not stays in ‘Kolkata’ city.</a:t>
-            </a:r>
-          </a:p>
-          <a:p>
-            <a:r>
-              <a:rPr lang="en-US" sz="1600" dirty="0">
-                <a:latin typeface="Oxygen" panose="02000503000000000000" pitchFamily="2" charset="0"/>
-                <a:sym typeface="Wingdings" panose="05000000000000000000" pitchFamily="2" charset="2"/>
-              </a:rPr>
-              <a:t>If the condition is not satisfied then records will be returned.</a:t>
-            </a:r>
-          </a:p>
-          <a:p>
-            <a:endParaRPr lang="en-US" sz="1600" dirty="0">
-              <a:latin typeface="Oxygen" panose="02000503000000000000" pitchFamily="2" charset="0"/>
-              <a:sym typeface="Wingdings" panose="05000000000000000000" pitchFamily="2" charset="2"/>
-            </a:endParaRPr>
-          </a:p>
-          <a:p>
-            <a:r>
-              <a:rPr lang="en-US" sz="1600" b="1" dirty="0">
-                <a:latin typeface="Oxygen" panose="02000503000000000000" pitchFamily="2" charset="0"/>
-                <a:sym typeface="Wingdings" panose="05000000000000000000" pitchFamily="2" charset="2"/>
-              </a:rPr>
-              <a:t>IN</a:t>
-            </a:r>
-            <a:r>
-              <a:rPr lang="en-US" sz="1600" dirty="0">
-                <a:latin typeface="Oxygen" panose="02000503000000000000" pitchFamily="2" charset="0"/>
-                <a:sym typeface="Wingdings" panose="05000000000000000000" pitchFamily="2" charset="2"/>
-              </a:rPr>
-              <a:t> operator </a:t>
-            </a:r>
-          </a:p>
-          <a:p>
-            <a:r>
-              <a:rPr lang="en-US" sz="1600" dirty="0">
-                <a:latin typeface="Oxygen" panose="02000503000000000000" pitchFamily="2" charset="0"/>
-                <a:sym typeface="Wingdings" panose="05000000000000000000" pitchFamily="2" charset="2"/>
-              </a:rPr>
-              <a:t>SELECT * FROM mst_employees </a:t>
-            </a:r>
-          </a:p>
-          <a:p>
-            <a:endParaRPr lang="en-US" sz="1600" dirty="0">
-              <a:latin typeface="Oxygen" panose="02000503000000000000" pitchFamily="2" charset="0"/>
-              <a:sym typeface="Wingdings" panose="05000000000000000000" pitchFamily="2" charset="2"/>
-            </a:endParaRPr>
-          </a:p>
-          <a:p>
-            <a:r>
-              <a:rPr lang="en-US" sz="1600" dirty="0">
-                <a:latin typeface="Oxygen" panose="02000503000000000000" pitchFamily="2" charset="0"/>
-                <a:sym typeface="Wingdings" panose="05000000000000000000" pitchFamily="2" charset="2"/>
-              </a:rPr>
-              <a:t>WHERE city IN (‘Kolkata’,’Delhi’,’Mumbai’,’Chennai’) </a:t>
-            </a:r>
-          </a:p>
-          <a:p>
-            <a:r>
-              <a:rPr lang="en-US" sz="1600" dirty="0">
-                <a:latin typeface="Oxygen" panose="02000503000000000000" pitchFamily="2" charset="0"/>
-                <a:sym typeface="Wingdings" panose="05000000000000000000" pitchFamily="2" charset="2"/>
-              </a:rPr>
-              <a:t>This query will return all the rows of those employees whose stays in ‘Kolkata’, ’,’Delhi’,’Mumbai’,and ’Chennai’ city.</a:t>
-            </a:r>
-          </a:p>
-          <a:p>
-            <a:endParaRPr lang="en-US" sz="1600" dirty="0">
-              <a:latin typeface="Oxygen" panose="02000503000000000000" pitchFamily="2" charset="0"/>
-              <a:sym typeface="Wingdings" panose="05000000000000000000" pitchFamily="2" charset="2"/>
-            </a:endParaRPr>
-          </a:p>
-          <a:p>
-            <a:r>
-              <a:rPr lang="en-US" sz="1600" b="1" dirty="0">
-                <a:latin typeface="Oxygen" panose="02000503000000000000" pitchFamily="2" charset="0"/>
-                <a:sym typeface="Wingdings" panose="05000000000000000000" pitchFamily="2" charset="2"/>
-              </a:rPr>
-              <a:t>LIKE</a:t>
-            </a:r>
-            <a:r>
-              <a:rPr lang="en-US" sz="1600" dirty="0">
-                <a:latin typeface="Oxygen" panose="02000503000000000000" pitchFamily="2" charset="0"/>
-                <a:sym typeface="Wingdings" panose="05000000000000000000" pitchFamily="2" charset="2"/>
-              </a:rPr>
-              <a:t> operator </a:t>
-            </a:r>
-          </a:p>
-          <a:p>
-            <a:r>
-              <a:rPr lang="en-US" sz="1600" dirty="0">
-                <a:latin typeface="Oxygen" panose="02000503000000000000" pitchFamily="2" charset="0"/>
-                <a:sym typeface="Wingdings" panose="05000000000000000000" pitchFamily="2" charset="2"/>
-              </a:rPr>
-              <a:t>SELECT * FROM mst_employees</a:t>
-            </a:r>
-          </a:p>
-          <a:p>
-            <a:r>
-              <a:rPr lang="en-US" sz="1600" dirty="0">
-                <a:latin typeface="Oxygen" panose="02000503000000000000" pitchFamily="2" charset="0"/>
-                <a:sym typeface="Wingdings" panose="05000000000000000000" pitchFamily="2" charset="2"/>
-              </a:rPr>
-              <a:t>WHERE name LIKE ‘A*’;</a:t>
-            </a:r>
-          </a:p>
-          <a:p>
-            <a:r>
-              <a:rPr lang="en-US" sz="1600" dirty="0">
-                <a:latin typeface="Oxygen" panose="02000503000000000000" pitchFamily="2" charset="0"/>
-                <a:sym typeface="Wingdings" panose="05000000000000000000" pitchFamily="2" charset="2"/>
-              </a:rPr>
-              <a:t>This query will return all rows of those employees whose names starts with ‘A’.</a:t>
+              <a:rPr lang="en-US" b="0" i="0" dirty="0">
+                <a:effectLst/>
+                <a:latin typeface="Oxygen" panose="02000503000000000000" pitchFamily="2" charset="0"/>
+              </a:rPr>
+              <a:t>SELECT * FROM mst_employees WHERE age BETWEEN </a:t>
+            </a:r>
+            <a:r>
+              <a:rPr lang="en-US" dirty="0">
+                <a:latin typeface="Oxygen" panose="02000503000000000000" pitchFamily="2" charset="0"/>
+              </a:rPr>
+              <a:t>25</a:t>
+            </a:r>
+            <a:r>
+              <a:rPr lang="en-US" b="0" i="0" dirty="0">
+                <a:effectLst/>
+                <a:latin typeface="Oxygen" panose="02000503000000000000" pitchFamily="2" charset="0"/>
+              </a:rPr>
+              <a:t> AND </a:t>
+            </a:r>
+            <a:r>
+              <a:rPr lang="en-US" dirty="0">
+                <a:latin typeface="Oxygen" panose="02000503000000000000" pitchFamily="2" charset="0"/>
+              </a:rPr>
+              <a:t>5</a:t>
+            </a:r>
+            <a:r>
+              <a:rPr lang="en-US" b="0" i="0" dirty="0">
+                <a:effectLst/>
+                <a:latin typeface="Oxygen" panose="02000503000000000000" pitchFamily="2" charset="0"/>
+              </a:rPr>
+              <a:t>0;</a:t>
+            </a:r>
+          </a:p>
+          <a:p>
+            <a:r>
+              <a:rPr lang="en-US" dirty="0">
+                <a:latin typeface="Oxygen" panose="02000503000000000000" pitchFamily="2" charset="0"/>
+                <a:sym typeface="Wingdings" panose="05000000000000000000" pitchFamily="2" charset="2"/>
+              </a:rPr>
+              <a:t>This query will return all rows of those employees whose age between 25 and 50.</a:t>
             </a:r>
           </a:p>
         </p:txBody>
@@ -6667,6 +6721,465 @@
     <p:extLst>
       <p:ext uri="{BB962C8B-B14F-4D97-AF65-F5344CB8AC3E}">
         <p14:creationId xmlns:p14="http://schemas.microsoft.com/office/powerpoint/2010/main" val="43682415"/>
+      </p:ext>
+    </p:extLst>
+  </p:cSld>
+  <p:clrMapOvr>
+    <a:masterClrMapping/>
+  </p:clrMapOvr>
+</p:sld>
+</file>
+
+<file path=ppt/slides/slide16.xml><?xml version="1.0" encoding="utf-8"?>
+<p:sld xmlns:a="http://schemas.openxmlformats.org/drawingml/2006/main" xmlns:r="http://schemas.openxmlformats.org/officeDocument/2006/relationships" xmlns:p="http://schemas.openxmlformats.org/presentationml/2006/main">
+  <p:cSld>
+    <p:spTree>
+      <p:nvGrpSpPr>
+        <p:cNvPr id="1" name="">
+          <a:extLst>
+            <a:ext uri="{FF2B5EF4-FFF2-40B4-BE49-F238E27FC236}">
+              <a16:creationId xmlns:a16="http://schemas.microsoft.com/office/drawing/2014/main" id="{4C494B06-09A2-B182-387A-1125A69FB1F1}"/>
+            </a:ext>
+          </a:extLst>
+        </p:cNvPr>
+        <p:cNvGrpSpPr/>
+        <p:nvPr/>
+      </p:nvGrpSpPr>
+      <p:grpSpPr>
+        <a:xfrm>
+          <a:off x="0" y="0"/>
+          <a:ext cx="0" cy="0"/>
+          <a:chOff x="0" y="0"/>
+          <a:chExt cx="0" cy="0"/>
+        </a:xfrm>
+      </p:grpSpPr>
+      <p:pic>
+        <p:nvPicPr>
+          <p:cNvPr id="15" name="Picture 14">
+            <a:extLst>
+              <a:ext uri="{FF2B5EF4-FFF2-40B4-BE49-F238E27FC236}">
+                <a16:creationId xmlns:a16="http://schemas.microsoft.com/office/drawing/2014/main" id="{03FAEB0E-AE29-90F3-74C0-E17EFA764EFF}"/>
+              </a:ext>
+            </a:extLst>
+          </p:cNvPr>
+          <p:cNvPicPr>
+            <a:picLocks noChangeAspect="1"/>
+          </p:cNvPicPr>
+          <p:nvPr/>
+        </p:nvPicPr>
+        <p:blipFill>
+          <a:blip r:embed="rId2">
+            <a:extLst>
+              <a:ext uri="{28A0092B-C50C-407E-A947-70E740481C1C}">
+                <a14:useLocalDpi xmlns:a14="http://schemas.microsoft.com/office/drawing/2010/main" val="0"/>
+              </a:ext>
+            </a:extLst>
+          </a:blip>
+          <a:stretch>
+            <a:fillRect/>
+          </a:stretch>
+        </p:blipFill>
+        <p:spPr>
+          <a:xfrm>
+            <a:off x="149894" y="68222"/>
+            <a:ext cx="725875" cy="725875"/>
+          </a:xfrm>
+          <a:prstGeom prst="rect">
+            <a:avLst/>
+          </a:prstGeom>
+        </p:spPr>
+      </p:pic>
+      <p:sp>
+        <p:nvSpPr>
+          <p:cNvPr id="2" name="TextBox 1">
+            <a:extLst>
+              <a:ext uri="{FF2B5EF4-FFF2-40B4-BE49-F238E27FC236}">
+                <a16:creationId xmlns:a16="http://schemas.microsoft.com/office/drawing/2014/main" id="{E1E30411-E553-82E5-1FED-840649D01371}"/>
+              </a:ext>
+            </a:extLst>
+          </p:cNvPr>
+          <p:cNvSpPr txBox="1"/>
+          <p:nvPr/>
+        </p:nvSpPr>
+        <p:spPr>
+          <a:xfrm>
+            <a:off x="1084216" y="1032415"/>
+            <a:ext cx="11051185" cy="7308000"/>
+          </a:xfrm>
+          <a:prstGeom prst="rect">
+            <a:avLst/>
+          </a:prstGeom>
+          <a:noFill/>
+        </p:spPr>
+        <p:txBody>
+          <a:bodyPr wrap="square" rtlCol="0">
+            <a:spAutoFit/>
+          </a:bodyPr>
+          <a:lstStyle/>
+          <a:p>
+            <a:r>
+              <a:rPr lang="en-US" sz="2000" b="1" dirty="0">
+                <a:latin typeface="Oxygen" panose="02000503000000000000" pitchFamily="2" charset="0"/>
+                <a:sym typeface="Wingdings" panose="05000000000000000000" pitchFamily="2" charset="2"/>
+              </a:rPr>
+              <a:t>SQL Group By Statement </a:t>
+            </a:r>
+            <a:r>
+              <a:rPr lang="en-US" sz="2000" dirty="0">
+                <a:latin typeface="Oxygen" panose="02000503000000000000" pitchFamily="2" charset="0"/>
+                <a:sym typeface="Wingdings" panose="05000000000000000000" pitchFamily="2" charset="2"/>
+              </a:rPr>
+              <a:t> </a:t>
+            </a:r>
+            <a:r>
+              <a:rPr lang="en-US" sz="2000" b="0" i="0" dirty="0">
+                <a:solidFill>
+                  <a:srgbClr val="000000"/>
+                </a:solidFill>
+                <a:effectLst/>
+                <a:latin typeface="Oxygen" panose="02000503000000000000" pitchFamily="2" charset="0"/>
+              </a:rPr>
+              <a:t>groups rows that have the same values into summary rows.</a:t>
+            </a:r>
+          </a:p>
+          <a:p>
+            <a:r>
+              <a:rPr lang="en-US" sz="2000" dirty="0">
+                <a:solidFill>
+                  <a:srgbClr val="000000"/>
+                </a:solidFill>
+                <a:latin typeface="Oxygen" panose="02000503000000000000" pitchFamily="2" charset="0"/>
+                <a:sym typeface="Wingdings" panose="05000000000000000000" pitchFamily="2" charset="2"/>
+              </a:rPr>
+              <a:t>Generally Group By statement is used in aggregate function.</a:t>
+            </a:r>
+          </a:p>
+          <a:p>
+            <a:endParaRPr lang="en-US" sz="2000" dirty="0">
+              <a:solidFill>
+                <a:srgbClr val="000000"/>
+              </a:solidFill>
+              <a:latin typeface="Oxygen" panose="02000503000000000000" pitchFamily="2" charset="0"/>
+              <a:sym typeface="Wingdings" panose="05000000000000000000" pitchFamily="2" charset="2"/>
+            </a:endParaRPr>
+          </a:p>
+          <a:p>
+            <a:r>
+              <a:rPr lang="en-US" sz="2000" b="1" dirty="0">
+                <a:latin typeface="Oxygen" panose="02000503000000000000" pitchFamily="2" charset="0"/>
+                <a:sym typeface="Wingdings" panose="05000000000000000000" pitchFamily="2" charset="2"/>
+              </a:rPr>
+              <a:t>SQL Order By Statement </a:t>
+            </a:r>
+            <a:r>
+              <a:rPr lang="en-US" sz="2000" dirty="0">
+                <a:latin typeface="Oxygen" panose="02000503000000000000" pitchFamily="2" charset="0"/>
+                <a:sym typeface="Wingdings" panose="05000000000000000000" pitchFamily="2" charset="2"/>
+              </a:rPr>
+              <a:t> </a:t>
+            </a:r>
+            <a:r>
+              <a:rPr lang="en-US" sz="2000" b="0" i="0" dirty="0">
+                <a:solidFill>
+                  <a:srgbClr val="000000"/>
+                </a:solidFill>
+                <a:effectLst/>
+                <a:latin typeface="Oxygen" panose="02000503000000000000" pitchFamily="2" charset="0"/>
+              </a:rPr>
+              <a:t>order rows by ascending or descending order.</a:t>
+            </a:r>
+          </a:p>
+          <a:p>
+            <a:endParaRPr lang="en-US" sz="2000" dirty="0">
+              <a:solidFill>
+                <a:srgbClr val="000000"/>
+              </a:solidFill>
+              <a:latin typeface="Oxygen" panose="02000503000000000000" pitchFamily="2" charset="0"/>
+              <a:sym typeface="Wingdings" panose="05000000000000000000" pitchFamily="2" charset="2"/>
+            </a:endParaRPr>
+          </a:p>
+          <a:p>
+            <a:r>
+              <a:rPr lang="en-US" sz="2000" dirty="0">
+                <a:latin typeface="Oxygen" panose="02000503000000000000" pitchFamily="2" charset="0"/>
+                <a:sym typeface="Wingdings" panose="05000000000000000000" pitchFamily="2" charset="2"/>
+              </a:rPr>
+              <a:t>SELECT e.city,COUNT(e.emp_id) as EmployeeCount</a:t>
+            </a:r>
+          </a:p>
+          <a:p>
+            <a:r>
+              <a:rPr lang="en-US" sz="2000" dirty="0">
+                <a:latin typeface="Oxygen" panose="02000503000000000000" pitchFamily="2" charset="0"/>
+                <a:sym typeface="Wingdings" panose="05000000000000000000" pitchFamily="2" charset="2"/>
+              </a:rPr>
+              <a:t>FROM mst_employee e</a:t>
+            </a:r>
+          </a:p>
+          <a:p>
+            <a:r>
+              <a:rPr lang="en-US" sz="2000" dirty="0">
+                <a:latin typeface="Oxygen" panose="02000503000000000000" pitchFamily="2" charset="0"/>
+                <a:sym typeface="Wingdings" panose="05000000000000000000" pitchFamily="2" charset="2"/>
+              </a:rPr>
+              <a:t>GROUP BY e.city</a:t>
+            </a:r>
+          </a:p>
+          <a:p>
+            <a:r>
+              <a:rPr lang="en-US" sz="2000" b="0" i="0" dirty="0">
+                <a:effectLst/>
+                <a:latin typeface="Consolas" panose="020B0609020204030204" pitchFamily="49" charset="0"/>
+              </a:rPr>
+              <a:t>ORDER BY COUNT(</a:t>
+            </a:r>
+            <a:r>
+              <a:rPr lang="en-US" sz="2000" dirty="0">
+                <a:latin typeface="Oxygen" panose="02000503000000000000" pitchFamily="2" charset="0"/>
+                <a:sym typeface="Wingdings" panose="05000000000000000000" pitchFamily="2" charset="2"/>
+              </a:rPr>
+              <a:t>e.emp_id</a:t>
+            </a:r>
+            <a:r>
+              <a:rPr lang="en-US" sz="2000" b="0" i="0" dirty="0">
+                <a:effectLst/>
+                <a:latin typeface="Consolas" panose="020B0609020204030204" pitchFamily="49" charset="0"/>
+              </a:rPr>
+              <a:t>) DESC;</a:t>
+            </a:r>
+          </a:p>
+          <a:p>
+            <a:endParaRPr lang="en-US" sz="2000" dirty="0">
+              <a:latin typeface="Oxygen" panose="02000503000000000000" pitchFamily="2" charset="0"/>
+              <a:sym typeface="Wingdings" panose="05000000000000000000" pitchFamily="2" charset="2"/>
+            </a:endParaRPr>
+          </a:p>
+          <a:p>
+            <a:r>
+              <a:rPr lang="en-US" sz="2000" b="0" i="0" dirty="0">
+                <a:solidFill>
+                  <a:srgbClr val="000000"/>
+                </a:solidFill>
+                <a:effectLst/>
+                <a:latin typeface="Oxygen" panose="02000503000000000000" pitchFamily="2" charset="0"/>
+              </a:rPr>
+              <a:t>This query lists the number of employees in each city in descending order.</a:t>
+            </a:r>
+          </a:p>
+          <a:p>
+            <a:endParaRPr lang="en-US" sz="2000" dirty="0">
+              <a:solidFill>
+                <a:srgbClr val="000000"/>
+              </a:solidFill>
+              <a:latin typeface="Oxygen" panose="02000503000000000000" pitchFamily="2" charset="0"/>
+            </a:endParaRPr>
+          </a:p>
+          <a:p>
+            <a:r>
+              <a:rPr lang="en-US" sz="2000" b="1" dirty="0">
+                <a:solidFill>
+                  <a:srgbClr val="000000"/>
+                </a:solidFill>
+                <a:latin typeface="Oxygen" panose="02000503000000000000" pitchFamily="2" charset="0"/>
+              </a:rPr>
+              <a:t>SQL Having Statement </a:t>
+            </a:r>
+            <a:r>
+              <a:rPr lang="en-US" sz="2000" dirty="0">
+                <a:solidFill>
+                  <a:srgbClr val="000000"/>
+                </a:solidFill>
+                <a:latin typeface="Oxygen" panose="02000503000000000000" pitchFamily="2" charset="0"/>
+                <a:sym typeface="Wingdings" panose="05000000000000000000" pitchFamily="2" charset="2"/>
+              </a:rPr>
+              <a:t>As “Where” statement cannot be used in case of aggregate function, hence “Having” statement is used.</a:t>
+            </a:r>
+          </a:p>
+          <a:p>
+            <a:endParaRPr lang="en-US" sz="2000" b="0" i="0" dirty="0">
+              <a:solidFill>
+                <a:srgbClr val="000000"/>
+              </a:solidFill>
+              <a:effectLst/>
+              <a:latin typeface="Oxygen" panose="02000503000000000000" pitchFamily="2" charset="0"/>
+              <a:sym typeface="Wingdings" panose="05000000000000000000" pitchFamily="2" charset="2"/>
+            </a:endParaRPr>
+          </a:p>
+          <a:p>
+            <a:r>
+              <a:rPr lang="en-US" sz="2000" b="0" i="0" dirty="0">
+                <a:solidFill>
+                  <a:srgbClr val="000000"/>
+                </a:solidFill>
+                <a:effectLst/>
+                <a:latin typeface="Oxygen" panose="02000503000000000000" pitchFamily="2" charset="0"/>
+              </a:rPr>
+              <a:t>SELECT e.city,COUNT(e.emp_id) as EmployeeCount</a:t>
+            </a:r>
+          </a:p>
+          <a:p>
+            <a:r>
+              <a:rPr lang="en-US" sz="2000" b="0" i="0" dirty="0">
+                <a:solidFill>
+                  <a:srgbClr val="000000"/>
+                </a:solidFill>
+                <a:effectLst/>
+                <a:latin typeface="Oxygen" panose="02000503000000000000" pitchFamily="2" charset="0"/>
+              </a:rPr>
+              <a:t>FROM testdb.mst_employee e</a:t>
+            </a:r>
+          </a:p>
+          <a:p>
+            <a:r>
+              <a:rPr lang="en-US" sz="2000" b="0" i="0" dirty="0">
+                <a:solidFill>
+                  <a:srgbClr val="000000"/>
+                </a:solidFill>
+                <a:effectLst/>
+                <a:latin typeface="Oxygen" panose="02000503000000000000" pitchFamily="2" charset="0"/>
+              </a:rPr>
+              <a:t>GROUP BY e.city</a:t>
+            </a:r>
+          </a:p>
+          <a:p>
+            <a:r>
+              <a:rPr lang="en-US" sz="2000" b="0" i="0" dirty="0">
+                <a:solidFill>
+                  <a:srgbClr val="000000"/>
+                </a:solidFill>
+                <a:effectLst/>
+                <a:latin typeface="Oxygen" panose="02000503000000000000" pitchFamily="2" charset="0"/>
+              </a:rPr>
+              <a:t>HAVING COUNT(e.emp_id) &gt; 1;</a:t>
+            </a:r>
+          </a:p>
+          <a:p>
+            <a:endParaRPr lang="en-US" sz="2000" dirty="0">
+              <a:solidFill>
+                <a:srgbClr val="000000"/>
+              </a:solidFill>
+              <a:latin typeface="Oxygen" panose="02000503000000000000" pitchFamily="2" charset="0"/>
+            </a:endParaRPr>
+          </a:p>
+          <a:p>
+            <a:r>
+              <a:rPr lang="en-US" sz="2000" b="0" i="0" dirty="0">
+                <a:solidFill>
+                  <a:srgbClr val="000000"/>
+                </a:solidFill>
+                <a:effectLst/>
+                <a:latin typeface="Oxygen" panose="02000503000000000000" pitchFamily="2" charset="0"/>
+              </a:rPr>
+              <a:t>This query lists the number of employees in each city where count of employees more than 1.</a:t>
+            </a:r>
+          </a:p>
+          <a:p>
+            <a:endParaRPr lang="en-US" sz="2000" dirty="0">
+              <a:solidFill>
+                <a:srgbClr val="000000"/>
+              </a:solidFill>
+              <a:latin typeface="Oxygen" panose="02000503000000000000" pitchFamily="2" charset="0"/>
+              <a:sym typeface="Wingdings" panose="05000000000000000000" pitchFamily="2" charset="2"/>
+            </a:endParaRPr>
+          </a:p>
+          <a:p>
+            <a:endParaRPr lang="en-US" sz="2000" dirty="0">
+              <a:latin typeface="Oxygen" panose="02000503000000000000" pitchFamily="2" charset="0"/>
+              <a:sym typeface="Wingdings" panose="05000000000000000000" pitchFamily="2" charset="2"/>
+            </a:endParaRPr>
+          </a:p>
+          <a:p>
+            <a:endParaRPr lang="en-US" sz="1600" b="1" dirty="0">
+              <a:latin typeface="Oxygen" panose="02000503000000000000" pitchFamily="2" charset="0"/>
+              <a:sym typeface="Wingdings" panose="05000000000000000000" pitchFamily="2" charset="2"/>
+            </a:endParaRPr>
+          </a:p>
+          <a:p>
+            <a:endParaRPr lang="en-US" sz="2000" b="1" dirty="0">
+              <a:latin typeface="Oxygen" panose="02000503000000000000" pitchFamily="2" charset="0"/>
+              <a:sym typeface="Wingdings" panose="05000000000000000000" pitchFamily="2" charset="2"/>
+            </a:endParaRPr>
+          </a:p>
+          <a:p>
+            <a:endParaRPr lang="en-US" sz="2000" b="1" dirty="0">
+              <a:latin typeface="Oxygen" panose="02000503000000000000" pitchFamily="2" charset="0"/>
+              <a:sym typeface="Wingdings" panose="05000000000000000000" pitchFamily="2" charset="2"/>
+            </a:endParaRPr>
+          </a:p>
+          <a:p>
+            <a:endParaRPr lang="en-US" sz="2000" b="1" dirty="0">
+              <a:latin typeface="Oxygen" panose="02000503000000000000" pitchFamily="2" charset="0"/>
+              <a:sym typeface="Wingdings" panose="05000000000000000000" pitchFamily="2" charset="2"/>
+            </a:endParaRPr>
+          </a:p>
+          <a:p>
+            <a:endParaRPr lang="en-US" sz="2000" b="1" dirty="0">
+              <a:latin typeface="Oxygen" panose="02000503000000000000" pitchFamily="2" charset="0"/>
+              <a:sym typeface="Wingdings" panose="05000000000000000000" pitchFamily="2" charset="2"/>
+            </a:endParaRPr>
+          </a:p>
+          <a:p>
+            <a:endParaRPr lang="en-US" sz="2000" b="1" dirty="0">
+              <a:latin typeface="Oxygen" panose="02000503000000000000" pitchFamily="2" charset="0"/>
+              <a:sym typeface="Wingdings" panose="05000000000000000000" pitchFamily="2" charset="2"/>
+            </a:endParaRPr>
+          </a:p>
+          <a:p>
+            <a:endParaRPr lang="en-US" sz="2000" b="1" dirty="0">
+              <a:latin typeface="Oxygen" panose="02000503000000000000" pitchFamily="2" charset="0"/>
+              <a:sym typeface="Wingdings" panose="05000000000000000000" pitchFamily="2" charset="2"/>
+            </a:endParaRPr>
+          </a:p>
+          <a:p>
+            <a:endParaRPr lang="en-US" sz="1600" b="1" dirty="0">
+              <a:latin typeface="Oxygen" panose="02000503000000000000" pitchFamily="2" charset="0"/>
+              <a:sym typeface="Wingdings" panose="05000000000000000000" pitchFamily="2" charset="2"/>
+            </a:endParaRPr>
+          </a:p>
+        </p:txBody>
+      </p:sp>
+      <p:sp>
+        <p:nvSpPr>
+          <p:cNvPr id="5" name="TextBox 4">
+            <a:extLst>
+              <a:ext uri="{FF2B5EF4-FFF2-40B4-BE49-F238E27FC236}">
+                <a16:creationId xmlns:a16="http://schemas.microsoft.com/office/drawing/2014/main" id="{DCBBEED6-B3E9-8904-0B1C-20565E1A2A54}"/>
+              </a:ext>
+            </a:extLst>
+          </p:cNvPr>
+          <p:cNvSpPr txBox="1"/>
+          <p:nvPr/>
+        </p:nvSpPr>
+        <p:spPr>
+          <a:xfrm>
+            <a:off x="4454440" y="189410"/>
+            <a:ext cx="2699657" cy="457368"/>
+          </a:xfrm>
+          <a:prstGeom prst="rect">
+            <a:avLst/>
+          </a:prstGeom>
+          <a:noFill/>
+        </p:spPr>
+        <p:txBody>
+          <a:bodyPr wrap="square" rtlCol="0">
+            <a:spAutoFit/>
+          </a:bodyPr>
+          <a:lstStyle/>
+          <a:p>
+            <a:pPr algn="ctr"/>
+            <a:r>
+              <a:rPr lang="en-US" sz="2401" b="1" cap="small" dirty="0">
+                <a:latin typeface="Oxygen" panose="02000503000000000000" pitchFamily="2" charset="0"/>
+              </a:rPr>
+              <a:t>DML Statement</a:t>
+            </a:r>
+          </a:p>
+        </p:txBody>
+      </p:sp>
+    </p:spTree>
+    <p:extLst>
+      <p:ext uri="{BB962C8B-B14F-4D97-AF65-F5344CB8AC3E}">
+        <p14:creationId xmlns:p14="http://schemas.microsoft.com/office/powerpoint/2010/main" val="2469958551"/>
       </p:ext>
     </p:extLst>
   </p:cSld>

--- a/Offline/BusinessManagement/Teach_Tech@anodiam/IT/CourseMaterials/MySQL/MySQL.pptx
+++ b/Offline/BusinessManagement/Teach_Tech@anodiam/IT/CourseMaterials/MySQL/MySQL.pptx
@@ -5,7 +5,7 @@
     <p:sldMasterId id="2147483720" r:id="rId1"/>
   </p:sldMasterIdLst>
   <p:notesMasterIdLst>
-    <p:notesMasterId r:id="rId18"/>
+    <p:notesMasterId r:id="rId19"/>
   </p:notesMasterIdLst>
   <p:sldIdLst>
     <p:sldId id="259" r:id="rId2"/>
@@ -24,6 +24,7 @@
     <p:sldId id="273" r:id="rId15"/>
     <p:sldId id="274" r:id="rId16"/>
     <p:sldId id="275" r:id="rId17"/>
+    <p:sldId id="276" r:id="rId18"/>
   </p:sldIdLst>
   <p:sldSz cx="12192000" cy="8640763"/>
   <p:notesSz cx="6858000" cy="9144000"/>
@@ -7189,6 +7190,263 @@
 </p:sld>
 </file>
 
+<file path=ppt/slides/slide17.xml><?xml version="1.0" encoding="utf-8"?>
+<p:sld xmlns:a="http://schemas.openxmlformats.org/drawingml/2006/main" xmlns:r="http://schemas.openxmlformats.org/officeDocument/2006/relationships" xmlns:p="http://schemas.openxmlformats.org/presentationml/2006/main">
+  <p:cSld>
+    <p:spTree>
+      <p:nvGrpSpPr>
+        <p:cNvPr id="1" name="">
+          <a:extLst>
+            <a:ext uri="{FF2B5EF4-FFF2-40B4-BE49-F238E27FC236}">
+              <a16:creationId xmlns:a16="http://schemas.microsoft.com/office/drawing/2014/main" id="{64299A95-1146-8563-D82C-BF907DE4A70F}"/>
+            </a:ext>
+          </a:extLst>
+        </p:cNvPr>
+        <p:cNvGrpSpPr/>
+        <p:nvPr/>
+      </p:nvGrpSpPr>
+      <p:grpSpPr>
+        <a:xfrm>
+          <a:off x="0" y="0"/>
+          <a:ext cx="0" cy="0"/>
+          <a:chOff x="0" y="0"/>
+          <a:chExt cx="0" cy="0"/>
+        </a:xfrm>
+      </p:grpSpPr>
+      <p:pic>
+        <p:nvPicPr>
+          <p:cNvPr id="15" name="Picture 14">
+            <a:extLst>
+              <a:ext uri="{FF2B5EF4-FFF2-40B4-BE49-F238E27FC236}">
+                <a16:creationId xmlns:a16="http://schemas.microsoft.com/office/drawing/2014/main" id="{54DEF30E-C025-E7CB-78A3-6039917CC55A}"/>
+              </a:ext>
+            </a:extLst>
+          </p:cNvPr>
+          <p:cNvPicPr>
+            <a:picLocks noChangeAspect="1"/>
+          </p:cNvPicPr>
+          <p:nvPr/>
+        </p:nvPicPr>
+        <p:blipFill>
+          <a:blip r:embed="rId2">
+            <a:extLst>
+              <a:ext uri="{28A0092B-C50C-407E-A947-70E740481C1C}">
+                <a14:useLocalDpi xmlns:a14="http://schemas.microsoft.com/office/drawing/2010/main" val="0"/>
+              </a:ext>
+            </a:extLst>
+          </a:blip>
+          <a:stretch>
+            <a:fillRect/>
+          </a:stretch>
+        </p:blipFill>
+        <p:spPr>
+          <a:xfrm>
+            <a:off x="149894" y="68222"/>
+            <a:ext cx="725875" cy="725875"/>
+          </a:xfrm>
+          <a:prstGeom prst="rect">
+            <a:avLst/>
+          </a:prstGeom>
+        </p:spPr>
+      </p:pic>
+      <p:sp>
+        <p:nvSpPr>
+          <p:cNvPr id="2" name="TextBox 1">
+            <a:extLst>
+              <a:ext uri="{FF2B5EF4-FFF2-40B4-BE49-F238E27FC236}">
+                <a16:creationId xmlns:a16="http://schemas.microsoft.com/office/drawing/2014/main" id="{0C59B701-8DF2-5DE3-0E34-29642E057EF9}"/>
+              </a:ext>
+            </a:extLst>
+          </p:cNvPr>
+          <p:cNvSpPr txBox="1"/>
+          <p:nvPr/>
+        </p:nvSpPr>
+        <p:spPr>
+          <a:xfrm>
+            <a:off x="1084216" y="1032415"/>
+            <a:ext cx="11051185" cy="4585871"/>
+          </a:xfrm>
+          <a:prstGeom prst="rect">
+            <a:avLst/>
+          </a:prstGeom>
+          <a:noFill/>
+        </p:spPr>
+        <p:txBody>
+          <a:bodyPr wrap="square" rtlCol="0">
+            <a:spAutoFit/>
+          </a:bodyPr>
+          <a:lstStyle/>
+          <a:p>
+            <a:r>
+              <a:rPr lang="en-US" sz="2000" b="1" dirty="0">
+                <a:solidFill>
+                  <a:srgbClr val="000000"/>
+                </a:solidFill>
+                <a:latin typeface="Oxygen" panose="02000503000000000000" pitchFamily="2" charset="0"/>
+                <a:sym typeface="Wingdings" panose="05000000000000000000" pitchFamily="2" charset="2"/>
+              </a:rPr>
+              <a:t>MySQL Procedures --&gt;</a:t>
+            </a:r>
+          </a:p>
+          <a:p>
+            <a:r>
+              <a:rPr lang="en-US" sz="2000" b="0" i="0" dirty="0">
+                <a:solidFill>
+                  <a:srgbClr val="000000"/>
+                </a:solidFill>
+                <a:effectLst/>
+                <a:latin typeface="Oxygen" panose="02000503000000000000" pitchFamily="2" charset="0"/>
+              </a:rPr>
+              <a:t>A stored procedure is a prepared SQL code which can be saved, so the code can be reused over and over again.</a:t>
+            </a:r>
+          </a:p>
+          <a:p>
+            <a:r>
+              <a:rPr lang="en-US" sz="2000" dirty="0">
+                <a:solidFill>
+                  <a:srgbClr val="000000"/>
+                </a:solidFill>
+                <a:latin typeface="Oxygen" panose="02000503000000000000" pitchFamily="2" charset="0"/>
+                <a:sym typeface="Wingdings" panose="05000000000000000000" pitchFamily="2" charset="2"/>
+              </a:rPr>
+              <a:t>The parameters can be passed in </a:t>
+            </a:r>
+            <a:r>
+              <a:rPr lang="en-US" sz="2000">
+                <a:solidFill>
+                  <a:srgbClr val="000000"/>
+                </a:solidFill>
+                <a:latin typeface="Oxygen" panose="02000503000000000000" pitchFamily="2" charset="0"/>
+                <a:sym typeface="Wingdings" panose="05000000000000000000" pitchFamily="2" charset="2"/>
+              </a:rPr>
+              <a:t>stored procedure.</a:t>
+            </a:r>
+          </a:p>
+          <a:p>
+            <a:endParaRPr lang="en-US" sz="2000" dirty="0">
+              <a:solidFill>
+                <a:srgbClr val="000000"/>
+              </a:solidFill>
+              <a:latin typeface="Oxygen" panose="02000503000000000000" pitchFamily="2" charset="0"/>
+              <a:sym typeface="Wingdings" panose="05000000000000000000" pitchFamily="2" charset="2"/>
+            </a:endParaRPr>
+          </a:p>
+          <a:p>
+            <a:endParaRPr lang="en-US" sz="2000" dirty="0">
+              <a:solidFill>
+                <a:srgbClr val="000000"/>
+              </a:solidFill>
+              <a:latin typeface="Oxygen" panose="02000503000000000000" pitchFamily="2" charset="0"/>
+              <a:sym typeface="Wingdings" panose="05000000000000000000" pitchFamily="2" charset="2"/>
+            </a:endParaRPr>
+          </a:p>
+          <a:p>
+            <a:endParaRPr lang="en-US" sz="2000" dirty="0">
+              <a:latin typeface="Oxygen" panose="02000503000000000000" pitchFamily="2" charset="0"/>
+              <a:sym typeface="Wingdings" panose="05000000000000000000" pitchFamily="2" charset="2"/>
+            </a:endParaRPr>
+          </a:p>
+          <a:p>
+            <a:endParaRPr lang="en-US" sz="1600" b="1" dirty="0">
+              <a:latin typeface="Oxygen" panose="02000503000000000000" pitchFamily="2" charset="0"/>
+              <a:sym typeface="Wingdings" panose="05000000000000000000" pitchFamily="2" charset="2"/>
+            </a:endParaRPr>
+          </a:p>
+          <a:p>
+            <a:endParaRPr lang="en-US" sz="2000" b="1" dirty="0">
+              <a:latin typeface="Oxygen" panose="02000503000000000000" pitchFamily="2" charset="0"/>
+              <a:sym typeface="Wingdings" panose="05000000000000000000" pitchFamily="2" charset="2"/>
+            </a:endParaRPr>
+          </a:p>
+          <a:p>
+            <a:endParaRPr lang="en-US" sz="2000" b="1" dirty="0">
+              <a:latin typeface="Oxygen" panose="02000503000000000000" pitchFamily="2" charset="0"/>
+              <a:sym typeface="Wingdings" panose="05000000000000000000" pitchFamily="2" charset="2"/>
+            </a:endParaRPr>
+          </a:p>
+          <a:p>
+            <a:endParaRPr lang="en-US" sz="2000" b="1" dirty="0">
+              <a:latin typeface="Oxygen" panose="02000503000000000000" pitchFamily="2" charset="0"/>
+              <a:sym typeface="Wingdings" panose="05000000000000000000" pitchFamily="2" charset="2"/>
+            </a:endParaRPr>
+          </a:p>
+          <a:p>
+            <a:endParaRPr lang="en-US" sz="2000" b="1" dirty="0">
+              <a:latin typeface="Oxygen" panose="02000503000000000000" pitchFamily="2" charset="0"/>
+              <a:sym typeface="Wingdings" panose="05000000000000000000" pitchFamily="2" charset="2"/>
+            </a:endParaRPr>
+          </a:p>
+          <a:p>
+            <a:endParaRPr lang="en-US" sz="2000" b="1" dirty="0">
+              <a:latin typeface="Oxygen" panose="02000503000000000000" pitchFamily="2" charset="0"/>
+              <a:sym typeface="Wingdings" panose="05000000000000000000" pitchFamily="2" charset="2"/>
+            </a:endParaRPr>
+          </a:p>
+          <a:p>
+            <a:endParaRPr lang="en-US" sz="2000" b="1" dirty="0">
+              <a:latin typeface="Oxygen" panose="02000503000000000000" pitchFamily="2" charset="0"/>
+              <a:sym typeface="Wingdings" panose="05000000000000000000" pitchFamily="2" charset="2"/>
+            </a:endParaRPr>
+          </a:p>
+          <a:p>
+            <a:endParaRPr lang="en-US" sz="1600" b="1" dirty="0">
+              <a:latin typeface="Oxygen" panose="02000503000000000000" pitchFamily="2" charset="0"/>
+              <a:sym typeface="Wingdings" panose="05000000000000000000" pitchFamily="2" charset="2"/>
+            </a:endParaRPr>
+          </a:p>
+        </p:txBody>
+      </p:sp>
+      <p:sp>
+        <p:nvSpPr>
+          <p:cNvPr id="5" name="TextBox 4">
+            <a:extLst>
+              <a:ext uri="{FF2B5EF4-FFF2-40B4-BE49-F238E27FC236}">
+                <a16:creationId xmlns:a16="http://schemas.microsoft.com/office/drawing/2014/main" id="{0B80737B-6430-E272-E6E9-7D719BA8B67D}"/>
+              </a:ext>
+            </a:extLst>
+          </p:cNvPr>
+          <p:cNvSpPr txBox="1"/>
+          <p:nvPr/>
+        </p:nvSpPr>
+        <p:spPr>
+          <a:xfrm>
+            <a:off x="4454440" y="189410"/>
+            <a:ext cx="3396337" cy="461793"/>
+          </a:xfrm>
+          <a:prstGeom prst="rect">
+            <a:avLst/>
+          </a:prstGeom>
+          <a:noFill/>
+        </p:spPr>
+        <p:txBody>
+          <a:bodyPr wrap="square" rtlCol="0">
+            <a:spAutoFit/>
+          </a:bodyPr>
+          <a:lstStyle/>
+          <a:p>
+            <a:pPr algn="ctr"/>
+            <a:r>
+              <a:rPr lang="en-US" sz="2401" b="1" cap="small" dirty="0">
+                <a:latin typeface="Oxygen" panose="02000503000000000000" pitchFamily="2" charset="0"/>
+              </a:rPr>
+              <a:t>MySQL Procedures</a:t>
+            </a:r>
+          </a:p>
+        </p:txBody>
+      </p:sp>
+    </p:spTree>
+    <p:extLst>
+      <p:ext uri="{BB962C8B-B14F-4D97-AF65-F5344CB8AC3E}">
+        <p14:creationId xmlns:p14="http://schemas.microsoft.com/office/powerpoint/2010/main" val="1772326629"/>
+      </p:ext>
+    </p:extLst>
+  </p:cSld>
+  <p:clrMapOvr>
+    <a:masterClrMapping/>
+  </p:clrMapOvr>
+</p:sld>
+</file>
+
 <file path=ppt/slides/slide2.xml><?xml version="1.0" encoding="utf-8"?>
 <p:sld xmlns:a="http://schemas.openxmlformats.org/drawingml/2006/main" xmlns:r="http://schemas.openxmlformats.org/officeDocument/2006/relationships" xmlns:p="http://schemas.openxmlformats.org/presentationml/2006/main">
   <p:cSld>

--- a/Offline/BusinessManagement/Teach_Tech@anodiam/IT/CourseMaterials/MySQL/MySQL.pptx
+++ b/Offline/BusinessManagement/Teach_Tech@anodiam/IT/CourseMaterials/MySQL/MySQL.pptx
@@ -7264,7 +7264,7 @@
         <p:spPr>
           <a:xfrm>
             <a:off x="1084216" y="1032415"/>
-            <a:ext cx="11051185" cy="4585871"/>
+            <a:ext cx="11051185" cy="7509748"/>
           </a:xfrm>
           <a:prstGeom prst="rect">
             <a:avLst/>
@@ -7309,17 +7309,7 @@
                 <a:latin typeface="Oxygen" panose="02000503000000000000" pitchFamily="2" charset="0"/>
                 <a:sym typeface="Wingdings" panose="05000000000000000000" pitchFamily="2" charset="2"/>
               </a:rPr>
-              <a:t>The parameters can be passed in </a:t>
-            </a:r>
-            <a:r>
-              <a:rPr lang="en-US" sz="2000">
-                <a:solidFill>
-                  <a:srgbClr val="000000"/>
-                </a:solidFill>
-                <a:latin typeface="Oxygen" panose="02000503000000000000" pitchFamily="2" charset="0"/>
-                <a:sym typeface="Wingdings" panose="05000000000000000000" pitchFamily="2" charset="2"/>
-              </a:rPr>
-              <a:t>stored procedure.</a:t>
+              <a:t>The parameters can be passed in stored procedure.</a:t>
             </a:r>
           </a:p>
           <a:p>
@@ -7332,6 +7322,18 @@
             </a:endParaRPr>
           </a:p>
           <a:p>
+            <a:r>
+              <a:rPr lang="en-US" sz="2000" dirty="0">
+                <a:solidFill>
+                  <a:srgbClr val="000000"/>
+                </a:solidFill>
+                <a:latin typeface="Oxygen" panose="02000503000000000000" pitchFamily="2" charset="0"/>
+                <a:sym typeface="Wingdings" panose="05000000000000000000" pitchFamily="2" charset="2"/>
+              </a:rPr>
+              <a:t>The parameters are 3 types</a:t>
+            </a:r>
+          </a:p>
+          <a:p>
             <a:endParaRPr lang="en-US" sz="2000" dirty="0">
               <a:solidFill>
                 <a:srgbClr val="000000"/>
@@ -7342,6 +7344,33 @@
           </a:p>
           <a:p>
             <a:endParaRPr lang="en-US" sz="2000" dirty="0">
+              <a:solidFill>
+                <a:srgbClr val="000000"/>
+              </a:solidFill>
+              <a:latin typeface="Oxygen" panose="02000503000000000000" pitchFamily="2" charset="0"/>
+              <a:sym typeface="Wingdings" panose="05000000000000000000" pitchFamily="2" charset="2"/>
+            </a:endParaRPr>
+          </a:p>
+          <a:p>
+            <a:endParaRPr lang="en-US" sz="2000" dirty="0">
+              <a:solidFill>
+                <a:srgbClr val="000000"/>
+              </a:solidFill>
+              <a:latin typeface="Oxygen" panose="02000503000000000000" pitchFamily="2" charset="0"/>
+              <a:sym typeface="Wingdings" panose="05000000000000000000" pitchFamily="2" charset="2"/>
+            </a:endParaRPr>
+          </a:p>
+          <a:p>
+            <a:endParaRPr lang="en-US" sz="2000" dirty="0">
+              <a:solidFill>
+                <a:srgbClr val="000000"/>
+              </a:solidFill>
+              <a:latin typeface="Oxygen" panose="02000503000000000000" pitchFamily="2" charset="0"/>
+              <a:sym typeface="Wingdings" panose="05000000000000000000" pitchFamily="2" charset="2"/>
+            </a:endParaRPr>
+          </a:p>
+          <a:p>
+            <a:endParaRPr lang="en-US" sz="2000" dirty="0">
               <a:latin typeface="Oxygen" panose="02000503000000000000" pitchFamily="2" charset="0"/>
               <a:sym typeface="Wingdings" panose="05000000000000000000" pitchFamily="2" charset="2"/>
             </a:endParaRPr>
@@ -7377,12 +7406,86 @@
             </a:endParaRPr>
           </a:p>
           <a:p>
+            <a:r>
+              <a:rPr lang="en-US" b="1" i="0" dirty="0">
+                <a:effectLst/>
+                <a:latin typeface="Oxygen" panose="02000503000000000000" pitchFamily="2" charset="0"/>
+              </a:rPr>
+              <a:t>Create A Procedure</a:t>
+            </a:r>
+          </a:p>
+          <a:p>
+            <a:r>
+              <a:rPr lang="en-US" b="0" i="0" dirty="0">
+                <a:effectLst/>
+                <a:latin typeface="Oxygen" panose="02000503000000000000" pitchFamily="2" charset="0"/>
+              </a:rPr>
+              <a:t>CREATE PROCEDURE `GetEmployees`(IN pCity varchar(30))</a:t>
+            </a:r>
+          </a:p>
+          <a:p>
+            <a:r>
+              <a:rPr lang="en-US" b="0" i="0" dirty="0">
+                <a:effectLst/>
+                <a:latin typeface="Oxygen" panose="02000503000000000000" pitchFamily="2" charset="0"/>
+              </a:rPr>
+              <a:t>BEGIN	</a:t>
+            </a:r>
+          </a:p>
+          <a:p>
+            <a:r>
+              <a:rPr lang="en-US" dirty="0">
+                <a:latin typeface="Oxygen" panose="02000503000000000000" pitchFamily="2" charset="0"/>
+              </a:rPr>
+              <a:t>	</a:t>
+            </a:r>
+            <a:r>
+              <a:rPr lang="en-US" b="0" i="0" dirty="0">
+                <a:effectLst/>
+                <a:latin typeface="Oxygen" panose="02000503000000000000" pitchFamily="2" charset="0"/>
+              </a:rPr>
+              <a:t>SELECT * FROM testdb.mst_employee WHERE city=trim(pCity);</a:t>
+            </a:r>
+          </a:p>
+          <a:p>
+            <a:r>
+              <a:rPr lang="en-US" b="0" i="0" dirty="0">
+                <a:effectLst/>
+                <a:latin typeface="Oxygen" panose="02000503000000000000" pitchFamily="2" charset="0"/>
+              </a:rPr>
+              <a:t>END</a:t>
+            </a:r>
+          </a:p>
+          <a:p>
             <a:endParaRPr lang="en-US" sz="2000" b="1" dirty="0">
               <a:latin typeface="Oxygen" panose="02000503000000000000" pitchFamily="2" charset="0"/>
               <a:sym typeface="Wingdings" panose="05000000000000000000" pitchFamily="2" charset="2"/>
             </a:endParaRPr>
           </a:p>
           <a:p>
+            <a:r>
+              <a:rPr lang="en-US" sz="2000" b="1" dirty="0">
+                <a:latin typeface="Oxygen" panose="02000503000000000000" pitchFamily="2" charset="0"/>
+                <a:sym typeface="Wingdings" panose="05000000000000000000" pitchFamily="2" charset="2"/>
+              </a:rPr>
+              <a:t>Execute a procedure</a:t>
+            </a:r>
+          </a:p>
+          <a:p>
+            <a:r>
+              <a:rPr lang="en-US" sz="2000" b="1" dirty="0">
+                <a:latin typeface="Oxygen" panose="02000503000000000000" pitchFamily="2" charset="0"/>
+                <a:sym typeface="Wingdings" panose="05000000000000000000" pitchFamily="2" charset="2"/>
+              </a:rPr>
+              <a:t>Exec </a:t>
+            </a:r>
+            <a:r>
+              <a:rPr lang="en-US" sz="2000" b="0" i="0" dirty="0">
+                <a:effectLst/>
+                <a:latin typeface="Oxygen" panose="02000503000000000000" pitchFamily="2" charset="0"/>
+              </a:rPr>
+              <a:t>GetEmployees(‘Kolkata’)</a:t>
+            </a:r>
             <a:endParaRPr lang="en-US" sz="2000" b="1" dirty="0">
               <a:latin typeface="Oxygen" panose="02000503000000000000" pitchFamily="2" charset="0"/>
               <a:sym typeface="Wingdings" panose="05000000000000000000" pitchFamily="2" charset="2"/>
@@ -7434,6 +7537,290 @@
           </a:p>
         </p:txBody>
       </p:sp>
+      <p:graphicFrame>
+        <p:nvGraphicFramePr>
+          <p:cNvPr id="3" name="Table 2">
+            <a:extLst>
+              <a:ext uri="{FF2B5EF4-FFF2-40B4-BE49-F238E27FC236}">
+                <a16:creationId xmlns:a16="http://schemas.microsoft.com/office/drawing/2014/main" id="{0DBCF2A0-A943-2C4A-7280-293338224E74}"/>
+              </a:ext>
+            </a:extLst>
+          </p:cNvPr>
+          <p:cNvGraphicFramePr>
+            <a:graphicFrameLocks noGrp="1"/>
+          </p:cNvGraphicFramePr>
+          <p:nvPr>
+            <p:extLst>
+              <p:ext uri="{D42A27DB-BD31-4B8C-83A1-F6EECF244321}">
+                <p14:modId xmlns:p14="http://schemas.microsoft.com/office/powerpoint/2010/main" val="3952178755"/>
+              </p:ext>
+            </p:extLst>
+          </p:nvPr>
+        </p:nvGraphicFramePr>
+        <p:xfrm>
+          <a:off x="1084216" y="3066761"/>
+          <a:ext cx="10607041" cy="2439545"/>
+        </p:xfrm>
+        <a:graphic>
+          <a:graphicData uri="http://schemas.openxmlformats.org/drawingml/2006/table">
+            <a:tbl>
+              <a:tblPr firstRow="1" bandRow="1">
+                <a:tableStyleId>{5C22544A-7EE6-4342-B048-85BDC9FD1C3A}</a:tableStyleId>
+              </a:tblPr>
+              <a:tblGrid>
+                <a:gridCol w="705395">
+                  <a:extLst>
+                    <a:ext uri="{9D8B030D-6E8A-4147-A177-3AD203B41FA5}">
+                      <a16:colId xmlns:a16="http://schemas.microsoft.com/office/drawing/2014/main" val="727823953"/>
+                    </a:ext>
+                  </a:extLst>
+                </a:gridCol>
+                <a:gridCol w="1463040">
+                  <a:extLst>
+                    <a:ext uri="{9D8B030D-6E8A-4147-A177-3AD203B41FA5}">
+                      <a16:colId xmlns:a16="http://schemas.microsoft.com/office/drawing/2014/main" val="3918403863"/>
+                    </a:ext>
+                  </a:extLst>
+                </a:gridCol>
+                <a:gridCol w="8438606">
+                  <a:extLst>
+                    <a:ext uri="{9D8B030D-6E8A-4147-A177-3AD203B41FA5}">
+                      <a16:colId xmlns:a16="http://schemas.microsoft.com/office/drawing/2014/main" val="2601316365"/>
+                    </a:ext>
+                  </a:extLst>
+                </a:gridCol>
+              </a:tblGrid>
+              <a:tr h="370840">
+                <a:tc>
+                  <a:txBody>
+                    <a:bodyPr/>
+                    <a:lstStyle/>
+                    <a:p>
+                      <a:r>
+                        <a:rPr lang="en-US" dirty="0"/>
+                        <a:t>Slno</a:t>
+                      </a:r>
+                      <a:endParaRPr lang="en-IN" dirty="0"/>
+                    </a:p>
+                  </a:txBody>
+                  <a:tcPr/>
+                </a:tc>
+                <a:tc>
+                  <a:txBody>
+                    <a:bodyPr/>
+                    <a:lstStyle/>
+                    <a:p>
+                      <a:r>
+                        <a:rPr lang="en-US" dirty="0"/>
+                        <a:t>Parameter</a:t>
+                      </a:r>
+                      <a:endParaRPr lang="en-IN" dirty="0"/>
+                    </a:p>
+                  </a:txBody>
+                  <a:tcPr/>
+                </a:tc>
+                <a:tc>
+                  <a:txBody>
+                    <a:bodyPr/>
+                    <a:lstStyle/>
+                    <a:p>
+                      <a:r>
+                        <a:rPr lang="en-US" dirty="0"/>
+                        <a:t>Defination</a:t>
+                      </a:r>
+                      <a:endParaRPr lang="en-IN" dirty="0"/>
+                    </a:p>
+                  </a:txBody>
+                  <a:tcPr/>
+                </a:tc>
+                <a:extLst>
+                  <a:ext uri="{0D108BD9-81ED-4DB2-BD59-A6C34878D82A}">
+                    <a16:rowId xmlns:a16="http://schemas.microsoft.com/office/drawing/2014/main" val="784875387"/>
+                  </a:ext>
+                </a:extLst>
+              </a:tr>
+              <a:tr h="370840">
+                <a:tc>
+                  <a:txBody>
+                    <a:bodyPr/>
+                    <a:lstStyle/>
+                    <a:p>
+                      <a:pPr algn="ctr"/>
+                      <a:r>
+                        <a:rPr lang="en-US" dirty="0"/>
+                        <a:t>1</a:t>
+                      </a:r>
+                      <a:endParaRPr lang="en-IN" dirty="0"/>
+                    </a:p>
+                  </a:txBody>
+                  <a:tcPr/>
+                </a:tc>
+                <a:tc>
+                  <a:txBody>
+                    <a:bodyPr/>
+                    <a:lstStyle/>
+                    <a:p>
+                      <a:r>
+                        <a:rPr lang="en-US" dirty="0"/>
+                        <a:t>In</a:t>
+                      </a:r>
+                      <a:endParaRPr lang="en-IN" dirty="0"/>
+                    </a:p>
+                  </a:txBody>
+                  <a:tcPr/>
+                </a:tc>
+                <a:tc>
+                  <a:txBody>
+                    <a:bodyPr/>
+                    <a:lstStyle/>
+                    <a:p>
+                      <a:r>
+                        <a:rPr lang="en-US" dirty="0"/>
+                        <a:t>In </a:t>
+                      </a:r>
+                      <a:r>
+                        <a:rPr lang="en-US" sz="2268" b="0" i="0" kern="1200" dirty="0">
+                          <a:solidFill>
+                            <a:schemeClr val="dk1"/>
+                          </a:solidFill>
+                          <a:effectLst/>
+                          <a:latin typeface="+mn-lt"/>
+                          <a:ea typeface="+mn-ea"/>
+                          <a:cs typeface="+mn-cs"/>
+                        </a:rPr>
+                        <a:t>parameter passes a value into a procedure</a:t>
+                      </a:r>
+                      <a:endParaRPr lang="en-IN" dirty="0"/>
+                    </a:p>
+                  </a:txBody>
+                  <a:tcPr/>
+                </a:tc>
+                <a:extLst>
+                  <a:ext uri="{0D108BD9-81ED-4DB2-BD59-A6C34878D82A}">
+                    <a16:rowId xmlns:a16="http://schemas.microsoft.com/office/drawing/2014/main" val="1434611869"/>
+                  </a:ext>
+                </a:extLst>
+              </a:tr>
+              <a:tr h="370840">
+                <a:tc>
+                  <a:txBody>
+                    <a:bodyPr/>
+                    <a:lstStyle/>
+                    <a:p>
+                      <a:pPr algn="ctr"/>
+                      <a:r>
+                        <a:rPr lang="en-US" dirty="0"/>
+                        <a:t>2</a:t>
+                      </a:r>
+                      <a:endParaRPr lang="en-IN" dirty="0"/>
+                    </a:p>
+                  </a:txBody>
+                  <a:tcPr/>
+                </a:tc>
+                <a:tc>
+                  <a:txBody>
+                    <a:bodyPr/>
+                    <a:lstStyle/>
+                    <a:p>
+                      <a:r>
+                        <a:rPr lang="en-US" dirty="0"/>
+                        <a:t>Out</a:t>
+                      </a:r>
+                      <a:endParaRPr lang="en-IN" dirty="0"/>
+                    </a:p>
+                  </a:txBody>
+                  <a:tcPr/>
+                </a:tc>
+                <a:tc>
+                  <a:txBody>
+                    <a:bodyPr/>
+                    <a:lstStyle/>
+                    <a:p>
+                      <a:r>
+                        <a:rPr lang="en-US" sz="2268" b="0" i="0" kern="1200" dirty="0">
+                          <a:solidFill>
+                            <a:schemeClr val="dk1"/>
+                          </a:solidFill>
+                          <a:effectLst/>
+                          <a:latin typeface="+mn-lt"/>
+                          <a:ea typeface="+mn-ea"/>
+                          <a:cs typeface="+mn-cs"/>
+                        </a:rPr>
+                        <a:t>Out parameter passes a value from the procedure back to the caller.</a:t>
+                      </a:r>
+                      <a:endParaRPr lang="en-IN" dirty="0"/>
+                    </a:p>
+                  </a:txBody>
+                  <a:tcPr/>
+                </a:tc>
+                <a:extLst>
+                  <a:ext uri="{0D108BD9-81ED-4DB2-BD59-A6C34878D82A}">
+                    <a16:rowId xmlns:a16="http://schemas.microsoft.com/office/drawing/2014/main" val="1495030132"/>
+                  </a:ext>
+                </a:extLst>
+              </a:tr>
+              <a:tr h="370840">
+                <a:tc>
+                  <a:txBody>
+                    <a:bodyPr/>
+                    <a:lstStyle/>
+                    <a:p>
+                      <a:pPr algn="ctr"/>
+                      <a:r>
+                        <a:rPr lang="en-US" dirty="0"/>
+                        <a:t>3</a:t>
+                      </a:r>
+                      <a:endParaRPr lang="en-IN" dirty="0"/>
+                    </a:p>
+                  </a:txBody>
+                  <a:tcPr/>
+                </a:tc>
+                <a:tc>
+                  <a:txBody>
+                    <a:bodyPr/>
+                    <a:lstStyle/>
+                    <a:p>
+                      <a:r>
+                        <a:rPr lang="en-US" dirty="0"/>
+                        <a:t>InOut</a:t>
+                      </a:r>
+                      <a:endParaRPr lang="en-IN" dirty="0"/>
+                    </a:p>
+                  </a:txBody>
+                  <a:tcPr/>
+                </a:tc>
+                <a:tc>
+                  <a:txBody>
+                    <a:bodyPr/>
+                    <a:lstStyle/>
+                    <a:p>
+                      <a:r>
+                        <a:rPr lang="en-US" sz="2268" b="0" i="0" kern="1200" dirty="0">
+                          <a:solidFill>
+                            <a:schemeClr val="dk1"/>
+                          </a:solidFill>
+                          <a:effectLst/>
+                          <a:latin typeface="+mn-lt"/>
+                          <a:ea typeface="+mn-ea"/>
+                          <a:cs typeface="+mn-cs"/>
+                        </a:rPr>
+                        <a:t>InOut parameter is initialized by the caller, can be modified by the procedure, and any change made by the procedure is visible to the caller when the procedure returns</a:t>
+                      </a:r>
+                      <a:endParaRPr lang="en-IN" dirty="0"/>
+                    </a:p>
+                  </a:txBody>
+                  <a:tcPr/>
+                </a:tc>
+                <a:extLst>
+                  <a:ext uri="{0D108BD9-81ED-4DB2-BD59-A6C34878D82A}">
+                    <a16:rowId xmlns:a16="http://schemas.microsoft.com/office/drawing/2014/main" val="4066492703"/>
+                  </a:ext>
+                </a:extLst>
+              </a:tr>
+            </a:tbl>
+          </a:graphicData>
+        </a:graphic>
+      </p:graphicFrame>
     </p:spTree>
     <p:extLst>
       <p:ext uri="{BB962C8B-B14F-4D97-AF65-F5344CB8AC3E}">
